--- a/grails-die-suche-ist-vorbei/grails-doagkonferenz-2011.pptx
+++ b/grails-die-suche-ist-vorbei/grails-doagkonferenz-2011.pptx
@@ -5,39 +5,40 @@
     <p:sldMasterId id="2147483697" r:id="rId5"/>
   </p:sldMasterIdLst>
   <p:notesMasterIdLst>
-    <p:notesMasterId r:id="rId33"/>
+    <p:notesMasterId r:id="rId34"/>
   </p:notesMasterIdLst>
   <p:handoutMasterIdLst>
-    <p:handoutMasterId r:id="rId34"/>
+    <p:handoutMasterId r:id="rId35"/>
   </p:handoutMasterIdLst>
   <p:sldIdLst>
     <p:sldId id="256" r:id="rId6"/>
     <p:sldId id="257" r:id="rId7"/>
-    <p:sldId id="264" r:id="rId8"/>
-    <p:sldId id="259" r:id="rId9"/>
-    <p:sldId id="274" r:id="rId10"/>
-    <p:sldId id="307" r:id="rId11"/>
-    <p:sldId id="308" r:id="rId12"/>
-    <p:sldId id="312" r:id="rId13"/>
-    <p:sldId id="306" r:id="rId14"/>
-    <p:sldId id="295" r:id="rId15"/>
-    <p:sldId id="297" r:id="rId16"/>
-    <p:sldId id="298" r:id="rId17"/>
-    <p:sldId id="301" r:id="rId18"/>
-    <p:sldId id="302" r:id="rId19"/>
-    <p:sldId id="299" r:id="rId20"/>
-    <p:sldId id="300" r:id="rId21"/>
-    <p:sldId id="310" r:id="rId22"/>
-    <p:sldId id="304" r:id="rId23"/>
-    <p:sldId id="305" r:id="rId24"/>
-    <p:sldId id="303" r:id="rId25"/>
-    <p:sldId id="311" r:id="rId26"/>
-    <p:sldId id="309" r:id="rId27"/>
-    <p:sldId id="313" r:id="rId28"/>
-    <p:sldId id="266" r:id="rId29"/>
-    <p:sldId id="265" r:id="rId30"/>
-    <p:sldId id="262" r:id="rId31"/>
-    <p:sldId id="263" r:id="rId32"/>
+    <p:sldId id="314" r:id="rId8"/>
+    <p:sldId id="315" r:id="rId9"/>
+    <p:sldId id="259" r:id="rId10"/>
+    <p:sldId id="274" r:id="rId11"/>
+    <p:sldId id="307" r:id="rId12"/>
+    <p:sldId id="308" r:id="rId13"/>
+    <p:sldId id="312" r:id="rId14"/>
+    <p:sldId id="306" r:id="rId15"/>
+    <p:sldId id="295" r:id="rId16"/>
+    <p:sldId id="297" r:id="rId17"/>
+    <p:sldId id="298" r:id="rId18"/>
+    <p:sldId id="301" r:id="rId19"/>
+    <p:sldId id="302" r:id="rId20"/>
+    <p:sldId id="299" r:id="rId21"/>
+    <p:sldId id="300" r:id="rId22"/>
+    <p:sldId id="310" r:id="rId23"/>
+    <p:sldId id="304" r:id="rId24"/>
+    <p:sldId id="305" r:id="rId25"/>
+    <p:sldId id="303" r:id="rId26"/>
+    <p:sldId id="311" r:id="rId27"/>
+    <p:sldId id="309" r:id="rId28"/>
+    <p:sldId id="313" r:id="rId29"/>
+    <p:sldId id="266" r:id="rId30"/>
+    <p:sldId id="265" r:id="rId31"/>
+    <p:sldId id="262" r:id="rId32"/>
+    <p:sldId id="316" r:id="rId33"/>
   </p:sldIdLst>
   <p:sldSz cx="9144000" cy="6858000" type="screen4x3"/>
   <p:notesSz cx="6858000" cy="9144000"/>
@@ -1353,6 +1354,412 @@
       <dsp:cNvGrpSpPr/>
     </dsp:nvGrpSpPr>
     <dsp:grpSpPr/>
+    <dsp:sp modelId="{2C465FEE-CF80-4909-804E-3204153E6FF1}">
+      <dsp:nvSpPr>
+        <dsp:cNvPr id="0" name=""/>
+        <dsp:cNvSpPr/>
+      </dsp:nvSpPr>
+      <dsp:spPr>
+        <a:xfrm rot="16200000">
+          <a:off x="508000" y="-508000"/>
+          <a:ext cx="2032000" cy="3048000"/>
+        </a:xfrm>
+        <a:prstGeom prst="round1Rect">
+          <a:avLst/>
+        </a:prstGeom>
+        <a:solidFill>
+          <a:schemeClr val="bg1">
+            <a:lumMod val="75000"/>
+          </a:schemeClr>
+        </a:solidFill>
+        <a:ln w="25400" cap="flat" cmpd="sng" algn="ctr">
+          <a:solidFill>
+            <a:schemeClr val="lt2">
+              <a:hueOff val="0"/>
+              <a:satOff val="0"/>
+              <a:lumOff val="0"/>
+              <a:alphaOff val="0"/>
+            </a:schemeClr>
+          </a:solidFill>
+          <a:prstDash val="solid"/>
+        </a:ln>
+        <a:effectLst/>
+      </dsp:spPr>
+      <dsp:style>
+        <a:lnRef idx="2">
+          <a:scrgbClr r="0" g="0" b="0"/>
+        </a:lnRef>
+        <a:fillRef idx="1">
+          <a:scrgbClr r="0" g="0" b="0"/>
+        </a:fillRef>
+        <a:effectRef idx="0">
+          <a:scrgbClr r="0" g="0" b="0"/>
+        </a:effectRef>
+        <a:fontRef idx="minor">
+          <a:schemeClr val="lt1"/>
+        </a:fontRef>
+      </dsp:style>
+      <dsp:txBody>
+        <a:bodyPr spcFirstLastPara="0" vert="horz" wrap="square" lIns="277368" tIns="277368" rIns="277368" bIns="277368" numCol="1" spcCol="1270" anchor="ctr" anchorCtr="0">
+          <a:noAutofit/>
+        </a:bodyPr>
+        <a:lstStyle/>
+        <a:p>
+          <a:pPr lvl="0" algn="ctr" defTabSz="1733550">
+            <a:lnSpc>
+              <a:spcPct val="90000"/>
+            </a:lnSpc>
+            <a:spcBef>
+              <a:spcPct val="0"/>
+            </a:spcBef>
+            <a:spcAft>
+              <a:spcPct val="35000"/>
+            </a:spcAft>
+          </a:pPr>
+          <a:r>
+            <a:rPr lang="de-DE" sz="3900" kern="1200" dirty="0" smtClean="0">
+              <a:solidFill>
+                <a:srgbClr val="002060"/>
+              </a:solidFill>
+            </a:rPr>
+            <a:t>Spring</a:t>
+          </a:r>
+          <a:endParaRPr lang="de-DE" sz="3900" kern="1200" dirty="0">
+            <a:solidFill>
+              <a:srgbClr val="002060"/>
+            </a:solidFill>
+          </a:endParaRPr>
+        </a:p>
+      </dsp:txBody>
+      <dsp:txXfrm rot="16200000">
+        <a:off x="762000" y="-762000"/>
+        <a:ext cx="1524000" cy="3048000"/>
+      </dsp:txXfrm>
+    </dsp:sp>
+    <dsp:sp modelId="{C83AB4E9-A066-4C32-9B94-64C1161EA86D}">
+      <dsp:nvSpPr>
+        <dsp:cNvPr id="0" name=""/>
+        <dsp:cNvSpPr/>
+      </dsp:nvSpPr>
+      <dsp:spPr>
+        <a:xfrm>
+          <a:off x="3048000" y="0"/>
+          <a:ext cx="3048000" cy="2032000"/>
+        </a:xfrm>
+        <a:prstGeom prst="round1Rect">
+          <a:avLst/>
+        </a:prstGeom>
+        <a:solidFill>
+          <a:schemeClr val="bg1">
+            <a:lumMod val="75000"/>
+          </a:schemeClr>
+        </a:solidFill>
+        <a:ln w="25400" cap="flat" cmpd="sng" algn="ctr">
+          <a:solidFill>
+            <a:schemeClr val="lt2">
+              <a:hueOff val="0"/>
+              <a:satOff val="0"/>
+              <a:lumOff val="0"/>
+              <a:alphaOff val="0"/>
+            </a:schemeClr>
+          </a:solidFill>
+          <a:prstDash val="solid"/>
+        </a:ln>
+        <a:effectLst/>
+      </dsp:spPr>
+      <dsp:style>
+        <a:lnRef idx="2">
+          <a:scrgbClr r="0" g="0" b="0"/>
+        </a:lnRef>
+        <a:fillRef idx="1">
+          <a:scrgbClr r="0" g="0" b="0"/>
+        </a:fillRef>
+        <a:effectRef idx="0">
+          <a:scrgbClr r="0" g="0" b="0"/>
+        </a:effectRef>
+        <a:fontRef idx="minor">
+          <a:schemeClr val="lt1"/>
+        </a:fontRef>
+      </dsp:style>
+      <dsp:txBody>
+        <a:bodyPr spcFirstLastPara="0" vert="horz" wrap="square" lIns="277368" tIns="277368" rIns="277368" bIns="277368" numCol="1" spcCol="1270" anchor="ctr" anchorCtr="0">
+          <a:noAutofit/>
+        </a:bodyPr>
+        <a:lstStyle/>
+        <a:p>
+          <a:pPr lvl="0" algn="ctr" defTabSz="1733550">
+            <a:lnSpc>
+              <a:spcPct val="90000"/>
+            </a:lnSpc>
+            <a:spcBef>
+              <a:spcPct val="0"/>
+            </a:spcBef>
+            <a:spcAft>
+              <a:spcPct val="35000"/>
+            </a:spcAft>
+          </a:pPr>
+          <a:r>
+            <a:rPr lang="de-DE" sz="3900" kern="1200" dirty="0" smtClean="0">
+              <a:solidFill>
+                <a:srgbClr val="002060"/>
+              </a:solidFill>
+            </a:rPr>
+            <a:t>Groovy</a:t>
+          </a:r>
+          <a:endParaRPr lang="de-DE" sz="3900" kern="1200" dirty="0">
+            <a:solidFill>
+              <a:srgbClr val="002060"/>
+            </a:solidFill>
+          </a:endParaRPr>
+        </a:p>
+      </dsp:txBody>
+      <dsp:txXfrm>
+        <a:off x="3048000" y="0"/>
+        <a:ext cx="3048000" cy="1524000"/>
+      </dsp:txXfrm>
+    </dsp:sp>
+    <dsp:sp modelId="{2BCBC29C-5067-4C24-BDB5-16718A53AE6A}">
+      <dsp:nvSpPr>
+        <dsp:cNvPr id="0" name=""/>
+        <dsp:cNvSpPr/>
+      </dsp:nvSpPr>
+      <dsp:spPr>
+        <a:xfrm rot="10800000">
+          <a:off x="0" y="2032000"/>
+          <a:ext cx="3048000" cy="2032000"/>
+        </a:xfrm>
+        <a:prstGeom prst="round1Rect">
+          <a:avLst/>
+        </a:prstGeom>
+        <a:solidFill>
+          <a:schemeClr val="bg1">
+            <a:lumMod val="75000"/>
+          </a:schemeClr>
+        </a:solidFill>
+        <a:ln w="25400" cap="flat" cmpd="sng" algn="ctr">
+          <a:solidFill>
+            <a:schemeClr val="lt2">
+              <a:hueOff val="0"/>
+              <a:satOff val="0"/>
+              <a:lumOff val="0"/>
+              <a:alphaOff val="0"/>
+            </a:schemeClr>
+          </a:solidFill>
+          <a:prstDash val="solid"/>
+        </a:ln>
+        <a:effectLst/>
+      </dsp:spPr>
+      <dsp:style>
+        <a:lnRef idx="2">
+          <a:scrgbClr r="0" g="0" b="0"/>
+        </a:lnRef>
+        <a:fillRef idx="1">
+          <a:scrgbClr r="0" g="0" b="0"/>
+        </a:fillRef>
+        <a:effectRef idx="0">
+          <a:scrgbClr r="0" g="0" b="0"/>
+        </a:effectRef>
+        <a:fontRef idx="minor">
+          <a:schemeClr val="lt1"/>
+        </a:fontRef>
+      </dsp:style>
+      <dsp:txBody>
+        <a:bodyPr spcFirstLastPara="0" vert="horz" wrap="square" lIns="277368" tIns="277368" rIns="277368" bIns="277368" numCol="1" spcCol="1270" anchor="ctr" anchorCtr="0">
+          <a:noAutofit/>
+        </a:bodyPr>
+        <a:lstStyle/>
+        <a:p>
+          <a:pPr lvl="0" algn="ctr" defTabSz="1733550">
+            <a:lnSpc>
+              <a:spcPct val="90000"/>
+            </a:lnSpc>
+            <a:spcBef>
+              <a:spcPct val="0"/>
+            </a:spcBef>
+            <a:spcAft>
+              <a:spcPct val="35000"/>
+            </a:spcAft>
+          </a:pPr>
+          <a:r>
+            <a:rPr lang="de-DE" sz="3900" kern="1200" dirty="0" smtClean="0">
+              <a:solidFill>
+                <a:srgbClr val="002060"/>
+              </a:solidFill>
+            </a:rPr>
+            <a:t>Hibernate</a:t>
+          </a:r>
+          <a:endParaRPr lang="de-DE" sz="3900" kern="1200" dirty="0">
+            <a:solidFill>
+              <a:srgbClr val="002060"/>
+            </a:solidFill>
+          </a:endParaRPr>
+        </a:p>
+      </dsp:txBody>
+      <dsp:txXfrm rot="10800000">
+        <a:off x="0" y="2539999"/>
+        <a:ext cx="3048000" cy="1524000"/>
+      </dsp:txXfrm>
+    </dsp:sp>
+    <dsp:sp modelId="{F498BBB4-A080-4839-A4BC-B30620E40F49}">
+      <dsp:nvSpPr>
+        <dsp:cNvPr id="0" name=""/>
+        <dsp:cNvSpPr/>
+      </dsp:nvSpPr>
+      <dsp:spPr>
+        <a:xfrm rot="5400000">
+          <a:off x="3556000" y="1523999"/>
+          <a:ext cx="2032000" cy="3048000"/>
+        </a:xfrm>
+        <a:prstGeom prst="round1Rect">
+          <a:avLst/>
+        </a:prstGeom>
+        <a:solidFill>
+          <a:schemeClr val="bg1">
+            <a:lumMod val="75000"/>
+          </a:schemeClr>
+        </a:solidFill>
+        <a:ln w="25400" cap="flat" cmpd="sng" algn="ctr">
+          <a:solidFill>
+            <a:schemeClr val="lt2">
+              <a:hueOff val="0"/>
+              <a:satOff val="0"/>
+              <a:lumOff val="0"/>
+              <a:alphaOff val="0"/>
+            </a:schemeClr>
+          </a:solidFill>
+          <a:prstDash val="solid"/>
+        </a:ln>
+        <a:effectLst/>
+      </dsp:spPr>
+      <dsp:style>
+        <a:lnRef idx="2">
+          <a:scrgbClr r="0" g="0" b="0"/>
+        </a:lnRef>
+        <a:fillRef idx="1">
+          <a:scrgbClr r="0" g="0" b="0"/>
+        </a:fillRef>
+        <a:effectRef idx="0">
+          <a:scrgbClr r="0" g="0" b="0"/>
+        </a:effectRef>
+        <a:fontRef idx="minor">
+          <a:schemeClr val="lt1"/>
+        </a:fontRef>
+      </dsp:style>
+      <dsp:txBody>
+        <a:bodyPr spcFirstLastPara="0" vert="horz" wrap="square" lIns="277368" tIns="277368" rIns="277368" bIns="277368" numCol="1" spcCol="1270" anchor="ctr" anchorCtr="0">
+          <a:noAutofit/>
+        </a:bodyPr>
+        <a:lstStyle/>
+        <a:p>
+          <a:pPr lvl="0" algn="ctr" defTabSz="1733550">
+            <a:lnSpc>
+              <a:spcPct val="90000"/>
+            </a:lnSpc>
+            <a:spcBef>
+              <a:spcPct val="0"/>
+            </a:spcBef>
+            <a:spcAft>
+              <a:spcPct val="35000"/>
+            </a:spcAft>
+          </a:pPr>
+          <a:r>
+            <a:rPr lang="de-DE" sz="3900" kern="1200" dirty="0" err="1" smtClean="0">
+              <a:solidFill>
+                <a:srgbClr val="002060"/>
+              </a:solidFill>
+            </a:rPr>
+            <a:t>SiteMesh</a:t>
+          </a:r>
+          <a:endParaRPr lang="de-DE" sz="3900" kern="1200" dirty="0">
+            <a:solidFill>
+              <a:srgbClr val="002060"/>
+            </a:solidFill>
+          </a:endParaRPr>
+        </a:p>
+      </dsp:txBody>
+      <dsp:txXfrm rot="5400000">
+        <a:off x="3810000" y="1777999"/>
+        <a:ext cx="1524000" cy="3048000"/>
+      </dsp:txXfrm>
+    </dsp:sp>
+    <dsp:sp modelId="{D5EA20F8-272A-400E-B692-FE1C3CF6C51C}">
+      <dsp:nvSpPr>
+        <dsp:cNvPr id="0" name=""/>
+        <dsp:cNvSpPr/>
+      </dsp:nvSpPr>
+      <dsp:spPr>
+        <a:xfrm>
+          <a:off x="2133600" y="1523999"/>
+          <a:ext cx="1828800" cy="1016000"/>
+        </a:xfrm>
+        <a:prstGeom prst="roundRect">
+          <a:avLst/>
+        </a:prstGeom>
+        <a:solidFill>
+          <a:schemeClr val="bg1"/>
+        </a:solidFill>
+        <a:ln w="25400" cap="flat" cmpd="sng" algn="ctr">
+          <a:solidFill>
+            <a:schemeClr val="lt2">
+              <a:hueOff val="0"/>
+              <a:satOff val="0"/>
+              <a:lumOff val="0"/>
+              <a:alphaOff val="0"/>
+            </a:schemeClr>
+          </a:solidFill>
+          <a:prstDash val="solid"/>
+        </a:ln>
+        <a:effectLst/>
+      </dsp:spPr>
+      <dsp:style>
+        <a:lnRef idx="2">
+          <a:scrgbClr r="0" g="0" b="0"/>
+        </a:lnRef>
+        <a:fillRef idx="1">
+          <a:scrgbClr r="0" g="0" b="0"/>
+        </a:fillRef>
+        <a:effectRef idx="0">
+          <a:scrgbClr r="0" g="0" b="0"/>
+        </a:effectRef>
+        <a:fontRef idx="minor"/>
+      </dsp:style>
+      <dsp:txBody>
+        <a:bodyPr spcFirstLastPara="0" vert="horz" wrap="square" lIns="148590" tIns="148590" rIns="148590" bIns="148590" numCol="1" spcCol="1270" anchor="ctr" anchorCtr="0">
+          <a:noAutofit/>
+        </a:bodyPr>
+        <a:lstStyle/>
+        <a:p>
+          <a:pPr lvl="0" algn="ctr" defTabSz="1733550">
+            <a:lnSpc>
+              <a:spcPct val="90000"/>
+            </a:lnSpc>
+            <a:spcBef>
+              <a:spcPct val="0"/>
+            </a:spcBef>
+            <a:spcAft>
+              <a:spcPct val="35000"/>
+            </a:spcAft>
+          </a:pPr>
+          <a:r>
+            <a:rPr lang="de-DE" sz="3900" b="1" kern="1200" dirty="0" err="1" smtClean="0">
+              <a:solidFill>
+                <a:srgbClr val="002060"/>
+              </a:solidFill>
+            </a:rPr>
+            <a:t>Grails</a:t>
+          </a:r>
+          <a:endParaRPr lang="de-DE" sz="3900" b="1" kern="1200" dirty="0">
+            <a:solidFill>
+              <a:srgbClr val="002060"/>
+            </a:solidFill>
+          </a:endParaRPr>
+        </a:p>
+      </dsp:txBody>
+      <dsp:txXfrm>
+        <a:off x="2133600" y="1523999"/>
+        <a:ext cx="1828800" cy="1016000"/>
+      </dsp:txXfrm>
+    </dsp:sp>
   </dsp:spTree>
 </dsp:drawing>
 </file>
@@ -3622,7 +4029,7 @@
             <a:fld id="{133286C6-4904-4CD0-891D-2F37ADC6A93C}" type="slidenum">
               <a:rPr lang="de-DE" smtClean="0"/>
               <a:pPr/>
-              <a:t>8</a:t>
+              <a:t>9</a:t>
             </a:fld>
             <a:endParaRPr lang="de-DE"/>
           </a:p>
@@ -3704,7 +4111,7 @@
             <a:fld id="{133286C6-4904-4CD0-891D-2F37ADC6A93C}" type="slidenum">
               <a:rPr lang="de-DE" smtClean="0"/>
               <a:pPr/>
-              <a:t>10</a:t>
+              <a:t>11</a:t>
             </a:fld>
             <a:endParaRPr lang="de-DE"/>
           </a:p>
@@ -3786,7 +4193,89 @@
             <a:fld id="{133286C6-4904-4CD0-891D-2F37ADC6A93C}" type="slidenum">
               <a:rPr lang="de-DE" smtClean="0"/>
               <a:pPr/>
-              <a:t>24</a:t>
+              <a:t>25</a:t>
+            </a:fld>
+            <a:endParaRPr lang="de-DE"/>
+          </a:p>
+        </p:txBody>
+      </p:sp>
+    </p:spTree>
+  </p:cSld>
+  <p:clrMapOvr>
+    <a:masterClrMapping/>
+  </p:clrMapOvr>
+</p:notes>
+</file>
+
+<file path=ppt/notesSlides/notesSlide4.xml><?xml version="1.0" encoding="utf-8"?>
+<p:notes xmlns:a="http://schemas.openxmlformats.org/drawingml/2006/main" xmlns:r="http://schemas.openxmlformats.org/officeDocument/2006/relationships" xmlns:p="http://schemas.openxmlformats.org/presentationml/2006/main">
+  <p:cSld>
+    <p:spTree>
+      <p:nvGrpSpPr>
+        <p:cNvPr id="1" name=""/>
+        <p:cNvGrpSpPr/>
+        <p:nvPr/>
+      </p:nvGrpSpPr>
+      <p:grpSpPr>
+        <a:xfrm>
+          <a:off x="0" y="0"/>
+          <a:ext cx="0" cy="0"/>
+          <a:chOff x="0" y="0"/>
+          <a:chExt cx="0" cy="0"/>
+        </a:xfrm>
+      </p:grpSpPr>
+      <p:sp>
+        <p:nvSpPr>
+          <p:cNvPr id="2" name="Folienbildplatzhalter 1"/>
+          <p:cNvSpPr>
+            <a:spLocks noGrp="1" noRot="1" noChangeAspect="1"/>
+          </p:cNvSpPr>
+          <p:nvPr>
+            <p:ph type="sldImg"/>
+          </p:nvPr>
+        </p:nvSpPr>
+        <p:spPr/>
+      </p:sp>
+      <p:sp>
+        <p:nvSpPr>
+          <p:cNvPr id="3" name="Notizenplatzhalter 2"/>
+          <p:cNvSpPr>
+            <a:spLocks noGrp="1"/>
+          </p:cNvSpPr>
+          <p:nvPr>
+            <p:ph type="body" idx="1"/>
+          </p:nvPr>
+        </p:nvSpPr>
+        <p:spPr/>
+        <p:txBody>
+          <a:bodyPr>
+            <a:normAutofit/>
+          </a:bodyPr>
+          <a:lstStyle/>
+          <a:p>
+            <a:endParaRPr lang="de-DE"/>
+          </a:p>
+        </p:txBody>
+      </p:sp>
+      <p:sp>
+        <p:nvSpPr>
+          <p:cNvPr id="4" name="Foliennummernplatzhalter 3"/>
+          <p:cNvSpPr>
+            <a:spLocks noGrp="1"/>
+          </p:cNvSpPr>
+          <p:nvPr>
+            <p:ph type="sldNum" sz="quarter" idx="10"/>
+          </p:nvPr>
+        </p:nvSpPr>
+        <p:spPr/>
+        <p:txBody>
+          <a:bodyPr/>
+          <a:lstStyle/>
+          <a:p>
+            <a:fld id="{133286C6-4904-4CD0-891D-2F37ADC6A93C}" type="slidenum">
+              <a:rPr lang="de-DE" smtClean="0"/>
+              <a:pPr/>
+              <a:t>28</a:t>
             </a:fld>
             <a:endParaRPr lang="de-DE"/>
           </a:p>
@@ -13411,7 +13900,7 @@
     </p:spTree>
     <p:extLst>
       <p:ext uri="{BB962C8B-B14F-4D97-AF65-F5344CB8AC3E}">
-        <p14:creationId xmlns:p14="http://schemas.microsoft.com/office/powerpoint/2010/main" xmlns="" val="3634760287"/>
+        <p14:creationId xmlns="" xmlns:p14="http://schemas.microsoft.com/office/powerpoint/2010/main" val="3634760287"/>
       </p:ext>
     </p:extLst>
   </p:cSld>
@@ -18764,6 +19253,92 @@
           <a:chExt cx="0" cy="0"/>
         </a:xfrm>
       </p:grpSpPr>
+      <p:sp>
+        <p:nvSpPr>
+          <p:cNvPr id="5" name="Textplatzhalter 4"/>
+          <p:cNvSpPr>
+            <a:spLocks noGrp="1"/>
+          </p:cNvSpPr>
+          <p:nvPr>
+            <p:ph type="body" sz="quarter" idx="10"/>
+          </p:nvPr>
+        </p:nvSpPr>
+        <p:spPr/>
+        <p:txBody>
+          <a:bodyPr/>
+          <a:lstStyle/>
+          <a:p>
+            <a:r>
+              <a:rPr lang="de-DE" dirty="0" smtClean="0"/>
+              <a:t>2</a:t>
+            </a:r>
+            <a:endParaRPr lang="de-DE" dirty="0"/>
+          </a:p>
+        </p:txBody>
+      </p:sp>
+      <p:sp>
+        <p:nvSpPr>
+          <p:cNvPr id="4" name="Titel 3"/>
+          <p:cNvSpPr>
+            <a:spLocks noGrp="1"/>
+          </p:cNvSpPr>
+          <p:nvPr>
+            <p:ph type="title"/>
+          </p:nvPr>
+        </p:nvSpPr>
+        <p:spPr/>
+        <p:txBody>
+          <a:bodyPr/>
+          <a:lstStyle/>
+          <a:p>
+            <a:r>
+              <a:rPr lang="de-DE" dirty="0" smtClean="0"/>
+              <a:t>Was ist </a:t>
+            </a:r>
+            <a:r>
+              <a:rPr lang="de-DE" dirty="0" err="1" smtClean="0"/>
+              <a:t>Grails</a:t>
+            </a:r>
+            <a:r>
+              <a:rPr lang="de-DE" dirty="0" smtClean="0"/>
+              <a:t>?</a:t>
+            </a:r>
+          </a:p>
+        </p:txBody>
+      </p:sp>
+    </p:spTree>
+  </p:cSld>
+  <p:clrMapOvr>
+    <a:masterClrMapping/>
+  </p:clrMapOvr>
+  <p:transition spd="slow" advTm="10000"/>
+  <p:timing>
+    <p:tnLst>
+      <p:par>
+        <p:cTn id="1" dur="indefinite" restart="never" nodeType="tmRoot"/>
+      </p:par>
+    </p:tnLst>
+  </p:timing>
+</p:sld>
+</file>
+
+<file path=ppt/slides/slide11.xml><?xml version="1.0" encoding="utf-8"?>
+<p:sld xmlns:a="http://schemas.openxmlformats.org/drawingml/2006/main" xmlns:r="http://schemas.openxmlformats.org/officeDocument/2006/relationships" xmlns:p="http://schemas.openxmlformats.org/presentationml/2006/main">
+  <p:cSld>
+    <p:spTree>
+      <p:nvGrpSpPr>
+        <p:cNvPr id="1" name=""/>
+        <p:cNvGrpSpPr/>
+        <p:nvPr/>
+      </p:nvGrpSpPr>
+      <p:grpSpPr>
+        <a:xfrm>
+          <a:off x="0" y="0"/>
+          <a:ext cx="0" cy="0"/>
+          <a:chOff x="0" y="0"/>
+          <a:chExt cx="0" cy="0"/>
+        </a:xfrm>
+      </p:grpSpPr>
       <p:pic>
         <p:nvPicPr>
           <p:cNvPr id="3074" name="Picture 2" descr="http://upload.wikimedia.org/wikipedia/de/5/56/Grails_logo_2009_2010.jpg"/>
@@ -18878,7 +19453,7 @@
 </p:sld>
 </file>
 
-<file path=ppt/slides/slide11.xml><?xml version="1.0" encoding="utf-8"?>
+<file path=ppt/slides/slide12.xml><?xml version="1.0" encoding="utf-8"?>
 <p:sld xmlns:a="http://schemas.openxmlformats.org/drawingml/2006/main" xmlns:r="http://schemas.openxmlformats.org/officeDocument/2006/relationships" xmlns:p="http://schemas.openxmlformats.org/presentationml/2006/main">
   <p:cSld>
     <p:spTree>
@@ -19173,71 +19748,6 @@
           </a:p>
         </p:txBody>
       </p:sp>
-    </p:spTree>
-  </p:cSld>
-  <p:clrMapOvr>
-    <a:masterClrMapping/>
-  </p:clrMapOvr>
-  <p:transition spd="slow" advTm="10000"/>
-</p:sld>
-</file>
-
-<file path=ppt/slides/slide12.xml><?xml version="1.0" encoding="utf-8"?>
-<p:sld xmlns:a="http://schemas.openxmlformats.org/drawingml/2006/main" xmlns:r="http://schemas.openxmlformats.org/officeDocument/2006/relationships" xmlns:p="http://schemas.openxmlformats.org/presentationml/2006/main">
-  <p:cSld>
-    <p:spTree>
-      <p:nvGrpSpPr>
-        <p:cNvPr id="1" name=""/>
-        <p:cNvGrpSpPr/>
-        <p:nvPr/>
-      </p:nvGrpSpPr>
-      <p:grpSpPr>
-        <a:xfrm>
-          <a:off x="0" y="0"/>
-          <a:ext cx="0" cy="0"/>
-          <a:chOff x="0" y="0"/>
-          <a:chExt cx="0" cy="0"/>
-        </a:xfrm>
-      </p:grpSpPr>
-      <p:sp>
-        <p:nvSpPr>
-          <p:cNvPr id="2" name="Titel 1"/>
-          <p:cNvSpPr>
-            <a:spLocks noGrp="1"/>
-          </p:cNvSpPr>
-          <p:nvPr>
-            <p:ph type="title"/>
-          </p:nvPr>
-        </p:nvSpPr>
-        <p:spPr/>
-        <p:txBody>
-          <a:bodyPr/>
-          <a:lstStyle/>
-          <a:p>
-            <a:r>
-              <a:rPr lang="de-DE" dirty="0" smtClean="0"/>
-              <a:t>Ein solides Fundament</a:t>
-            </a:r>
-            <a:endParaRPr lang="de-DE" dirty="0"/>
-          </a:p>
-        </p:txBody>
-      </p:sp>
-      <p:graphicFrame>
-        <p:nvGraphicFramePr>
-          <p:cNvPr id="5" name="Diagramm 4"/>
-          <p:cNvGraphicFramePr/>
-          <p:nvPr/>
-        </p:nvGraphicFramePr>
-        <p:xfrm>
-          <a:off x="1524000" y="1741264"/>
-          <a:ext cx="6096000" cy="4064000"/>
-        </p:xfrm>
-        <a:graphic>
-          <a:graphicData uri="http://schemas.openxmlformats.org/drawingml/2006/diagram">
-            <dgm:relIds xmlns:dgm="http://schemas.openxmlformats.org/drawingml/2006/diagram" xmlns:r="http://schemas.openxmlformats.org/officeDocument/2006/relationships" r:dm="rId2" r:lo="rId3" r:qs="rId4" r:cs="rId5"/>
-          </a:graphicData>
-        </a:graphic>
-      </p:graphicFrame>
     </p:spTree>
   </p:cSld>
   <p:clrMapOvr>
@@ -19281,6 +19791,71 @@
           <a:p>
             <a:r>
               <a:rPr lang="de-DE" dirty="0" smtClean="0"/>
+              <a:t>Ein solides Fundament</a:t>
+            </a:r>
+            <a:endParaRPr lang="de-DE" dirty="0"/>
+          </a:p>
+        </p:txBody>
+      </p:sp>
+      <p:graphicFrame>
+        <p:nvGraphicFramePr>
+          <p:cNvPr id="5" name="Diagramm 4"/>
+          <p:cNvGraphicFramePr/>
+          <p:nvPr/>
+        </p:nvGraphicFramePr>
+        <p:xfrm>
+          <a:off x="1524000" y="1741264"/>
+          <a:ext cx="6096000" cy="4064000"/>
+        </p:xfrm>
+        <a:graphic>
+          <a:graphicData uri="http://schemas.openxmlformats.org/drawingml/2006/diagram">
+            <dgm:relIds xmlns:dgm="http://schemas.openxmlformats.org/drawingml/2006/diagram" xmlns:r="http://schemas.openxmlformats.org/officeDocument/2006/relationships" r:dm="rId2" r:lo="rId3" r:qs="rId4" r:cs="rId5"/>
+          </a:graphicData>
+        </a:graphic>
+      </p:graphicFrame>
+    </p:spTree>
+  </p:cSld>
+  <p:clrMapOvr>
+    <a:masterClrMapping/>
+  </p:clrMapOvr>
+  <p:transition spd="slow" advTm="10000"/>
+</p:sld>
+</file>
+
+<file path=ppt/slides/slide14.xml><?xml version="1.0" encoding="utf-8"?>
+<p:sld xmlns:a="http://schemas.openxmlformats.org/drawingml/2006/main" xmlns:r="http://schemas.openxmlformats.org/officeDocument/2006/relationships" xmlns:p="http://schemas.openxmlformats.org/presentationml/2006/main">
+  <p:cSld>
+    <p:spTree>
+      <p:nvGrpSpPr>
+        <p:cNvPr id="1" name=""/>
+        <p:cNvGrpSpPr/>
+        <p:nvPr/>
+      </p:nvGrpSpPr>
+      <p:grpSpPr>
+        <a:xfrm>
+          <a:off x="0" y="0"/>
+          <a:ext cx="0" cy="0"/>
+          <a:chOff x="0" y="0"/>
+          <a:chExt cx="0" cy="0"/>
+        </a:xfrm>
+      </p:grpSpPr>
+      <p:sp>
+        <p:nvSpPr>
+          <p:cNvPr id="2" name="Titel 1"/>
+          <p:cNvSpPr>
+            <a:spLocks noGrp="1"/>
+          </p:cNvSpPr>
+          <p:nvPr>
+            <p:ph type="title"/>
+          </p:nvPr>
+        </p:nvSpPr>
+        <p:spPr/>
+        <p:txBody>
+          <a:bodyPr/>
+          <a:lstStyle/>
+          <a:p>
+            <a:r>
+              <a:rPr lang="de-DE" dirty="0" smtClean="0"/>
               <a:t>Konventionen in der Verzeichnisstruktur </a:t>
             </a:r>
             <a:endParaRPr lang="de-DE" dirty="0"/>
@@ -19637,7 +20212,7 @@
 </p:sld>
 </file>
 
-<file path=ppt/slides/slide14.xml><?xml version="1.0" encoding="utf-8"?>
+<file path=ppt/slides/slide15.xml><?xml version="1.0" encoding="utf-8"?>
 <p:sld xmlns:a="http://schemas.openxmlformats.org/drawingml/2006/main" xmlns:r="http://schemas.openxmlformats.org/officeDocument/2006/relationships" xmlns:p="http://schemas.openxmlformats.org/presentationml/2006/main">
   <p:cSld>
     <p:spTree>
@@ -19729,7 +20304,7 @@
 </p:sld>
 </file>
 
-<file path=ppt/slides/slide15.xml><?xml version="1.0" encoding="utf-8"?>
+<file path=ppt/slides/slide16.xml><?xml version="1.0" encoding="utf-8"?>
 <p:sld xmlns:a="http://schemas.openxmlformats.org/drawingml/2006/main" xmlns:r="http://schemas.openxmlformats.org/officeDocument/2006/relationships" xmlns:p="http://schemas.openxmlformats.org/presentationml/2006/main">
   <p:cSld>
     <p:spTree>
@@ -21057,7 +21632,7 @@
 </p:sld>
 </file>
 
-<file path=ppt/slides/slide16.xml><?xml version="1.0" encoding="utf-8"?>
+<file path=ppt/slides/slide17.xml><?xml version="1.0" encoding="utf-8"?>
 <p:sld xmlns:a="http://schemas.openxmlformats.org/drawingml/2006/main" xmlns:r="http://schemas.openxmlformats.org/officeDocument/2006/relationships" xmlns:p="http://schemas.openxmlformats.org/presentationml/2006/main">
   <p:cSld>
     <p:spTree>
@@ -21589,7 +22164,7 @@
 </p:sld>
 </file>
 
-<file path=ppt/slides/slide17.xml><?xml version="1.0" encoding="utf-8"?>
+<file path=ppt/slides/slide18.xml><?xml version="1.0" encoding="utf-8"?>
 <p:sld xmlns:a="http://schemas.openxmlformats.org/drawingml/2006/main" xmlns:r="http://schemas.openxmlformats.org/officeDocument/2006/relationships" xmlns:p="http://schemas.openxmlformats.org/presentationml/2006/main">
   <p:cSld>
     <p:spTree>
@@ -21709,7 +22284,7 @@
 </p:sld>
 </file>
 
-<file path=ppt/slides/slide18.xml><?xml version="1.0" encoding="utf-8"?>
+<file path=ppt/slides/slide19.xml><?xml version="1.0" encoding="utf-8"?>
 <p:sld xmlns:a="http://schemas.openxmlformats.org/drawingml/2006/main" xmlns:r="http://schemas.openxmlformats.org/officeDocument/2006/relationships" xmlns:p="http://schemas.openxmlformats.org/presentationml/2006/main">
   <p:cSld>
     <p:spTree>
@@ -22155,7 +22730,405 @@
 </p:sld>
 </file>
 
-<file path=ppt/slides/slide19.xml><?xml version="1.0" encoding="utf-8"?>
+<file path=ppt/slides/slide2.xml><?xml version="1.0" encoding="utf-8"?>
+<p:sld xmlns:a="http://schemas.openxmlformats.org/drawingml/2006/main" xmlns:r="http://schemas.openxmlformats.org/officeDocument/2006/relationships" xmlns:p="http://schemas.openxmlformats.org/presentationml/2006/main">
+  <p:cSld>
+    <p:spTree>
+      <p:nvGrpSpPr>
+        <p:cNvPr id="1" name=""/>
+        <p:cNvGrpSpPr/>
+        <p:nvPr/>
+      </p:nvGrpSpPr>
+      <p:grpSpPr>
+        <a:xfrm>
+          <a:off x="0" y="0"/>
+          <a:ext cx="0" cy="0"/>
+          <a:chOff x="0" y="0"/>
+          <a:chExt cx="0" cy="0"/>
+        </a:xfrm>
+      </p:grpSpPr>
+      <p:sp>
+        <p:nvSpPr>
+          <p:cNvPr id="3" name="Titel 2"/>
+          <p:cNvSpPr>
+            <a:spLocks noGrp="1"/>
+          </p:cNvSpPr>
+          <p:nvPr>
+            <p:ph type="title"/>
+          </p:nvPr>
+        </p:nvSpPr>
+        <p:spPr/>
+        <p:txBody>
+          <a:bodyPr/>
+          <a:lstStyle/>
+          <a:p>
+            <a:r>
+              <a:rPr lang="de-DE" dirty="0" smtClean="0"/>
+              <a:t>Wer sind wir?</a:t>
+            </a:r>
+            <a:endParaRPr lang="de-DE" dirty="0"/>
+          </a:p>
+        </p:txBody>
+      </p:sp>
+      <p:sp>
+        <p:nvSpPr>
+          <p:cNvPr id="5" name="Textfeld 4"/>
+          <p:cNvSpPr txBox="1"/>
+          <p:nvPr/>
+        </p:nvSpPr>
+        <p:spPr>
+          <a:xfrm>
+            <a:off x="5292081" y="3501008"/>
+            <a:ext cx="2937022" cy="2031325"/>
+          </a:xfrm>
+          <a:prstGeom prst="rect">
+            <a:avLst/>
+          </a:prstGeom>
+          <a:noFill/>
+        </p:spPr>
+        <p:txBody>
+          <a:bodyPr wrap="none" rtlCol="0">
+            <a:spAutoFit/>
+          </a:bodyPr>
+          <a:lstStyle/>
+          <a:p>
+            <a:pPr algn="ctr"/>
+            <a:r>
+              <a:rPr lang="de-DE" sz="2200" b="1" dirty="0" smtClean="0"/>
+              <a:t>Softwareentwickler</a:t>
+            </a:r>
+            <a:br>
+              <a:rPr lang="de-DE" sz="2200" b="1" dirty="0" smtClean="0"/>
+            </a:br>
+            <a:r>
+              <a:rPr lang="de-DE" sz="1600" b="1" dirty="0" smtClean="0">
+                <a:solidFill>
+                  <a:schemeClr val="accent6"/>
+                </a:solidFill>
+              </a:rPr>
+              <a:t>Java, Spring, </a:t>
+            </a:r>
+            <a:r>
+              <a:rPr lang="de-DE" sz="1600" b="1" dirty="0" err="1" smtClean="0">
+                <a:solidFill>
+                  <a:schemeClr val="accent6"/>
+                </a:solidFill>
+              </a:rPr>
+              <a:t>Grails</a:t>
+            </a:r>
+            <a:r>
+              <a:rPr lang="de-DE" sz="1600" b="1" dirty="0" smtClean="0">
+                <a:solidFill>
+                  <a:schemeClr val="accent6"/>
+                </a:solidFill>
+              </a:rPr>
+              <a:t>, Groovy</a:t>
+            </a:r>
+          </a:p>
+          <a:p>
+            <a:pPr algn="ctr">
+              <a:lnSpc>
+                <a:spcPct val="200000"/>
+              </a:lnSpc>
+            </a:pPr>
+            <a:r>
+              <a:rPr lang="de-DE" sz="2200" b="1" dirty="0" smtClean="0"/>
+              <a:t>Trainer und Coach</a:t>
+            </a:r>
+          </a:p>
+          <a:p>
+            <a:pPr algn="ctr">
+              <a:lnSpc>
+                <a:spcPct val="200000"/>
+              </a:lnSpc>
+            </a:pPr>
+            <a:r>
+              <a:rPr lang="de-DE" sz="2200" b="1" dirty="0" smtClean="0"/>
+              <a:t>Sprecher und Autor</a:t>
+            </a:r>
+            <a:endParaRPr lang="de-DE" sz="2200" b="1" dirty="0"/>
+          </a:p>
+        </p:txBody>
+      </p:sp>
+      <p:sp>
+        <p:nvSpPr>
+          <p:cNvPr id="16" name="Textfeld 15"/>
+          <p:cNvSpPr txBox="1"/>
+          <p:nvPr/>
+        </p:nvSpPr>
+        <p:spPr>
+          <a:xfrm>
+            <a:off x="5652120" y="5589240"/>
+            <a:ext cx="2273250" cy="584775"/>
+          </a:xfrm>
+          <a:prstGeom prst="rect">
+            <a:avLst/>
+          </a:prstGeom>
+          <a:noFill/>
+        </p:spPr>
+        <p:txBody>
+          <a:bodyPr wrap="none" rtlCol="0">
+            <a:spAutoFit/>
+          </a:bodyPr>
+          <a:lstStyle/>
+          <a:p>
+            <a:pPr algn="ctr"/>
+            <a:r>
+              <a:rPr lang="de-DE" sz="1600" dirty="0" smtClean="0">
+                <a:hlinkClick r:id="rId2"/>
+              </a:rPr>
+              <a:t>twitter.com/</a:t>
+            </a:r>
+            <a:r>
+              <a:rPr lang="de-DE" sz="1600" dirty="0" err="1" smtClean="0">
+                <a:hlinkClick r:id="rId2"/>
+              </a:rPr>
+              <a:t>stefanglase</a:t>
+            </a:r>
+            <a:endParaRPr lang="de-DE" sz="1600" dirty="0" smtClean="0"/>
+          </a:p>
+          <a:p>
+            <a:pPr algn="ctr"/>
+            <a:r>
+              <a:rPr lang="de-DE" sz="1600" dirty="0" smtClean="0">
+                <a:hlinkClick r:id="rId3"/>
+              </a:rPr>
+              <a:t>github.com/</a:t>
+            </a:r>
+            <a:r>
+              <a:rPr lang="de-DE" sz="1600" dirty="0" err="1" smtClean="0">
+                <a:hlinkClick r:id="rId3"/>
+              </a:rPr>
+              <a:t>codescape</a:t>
+            </a:r>
+            <a:endParaRPr lang="de-DE" sz="1600" dirty="0" smtClean="0"/>
+          </a:p>
+        </p:txBody>
+      </p:sp>
+      <p:pic>
+        <p:nvPicPr>
+          <p:cNvPr id="17" name="Bildplatzhalter 11" descr="opitz_glase-2754.jpg"/>
+          <p:cNvPicPr>
+            <a:picLocks noChangeAspect="1"/>
+          </p:cNvPicPr>
+          <p:nvPr/>
+        </p:nvPicPr>
+        <p:blipFill>
+          <a:blip r:embed="rId4" cstate="print"/>
+          <a:srcRect l="8129" r="6522"/>
+          <a:stretch>
+            <a:fillRect/>
+          </a:stretch>
+        </p:blipFill>
+        <p:spPr>
+          <a:xfrm>
+            <a:off x="6012160" y="1412776"/>
+            <a:ext cx="1512168" cy="1941366"/>
+          </a:xfrm>
+          <a:prstGeom prst="rect">
+            <a:avLst/>
+          </a:prstGeom>
+        </p:spPr>
+      </p:pic>
+      <p:sp>
+        <p:nvSpPr>
+          <p:cNvPr id="20" name="Textfeld 19"/>
+          <p:cNvSpPr txBox="1"/>
+          <p:nvPr/>
+        </p:nvSpPr>
+        <p:spPr>
+          <a:xfrm>
+            <a:off x="971600" y="3501008"/>
+            <a:ext cx="2937022" cy="2031325"/>
+          </a:xfrm>
+          <a:prstGeom prst="rect">
+            <a:avLst/>
+          </a:prstGeom>
+          <a:noFill/>
+        </p:spPr>
+        <p:txBody>
+          <a:bodyPr wrap="none" rtlCol="0">
+            <a:spAutoFit/>
+          </a:bodyPr>
+          <a:lstStyle/>
+          <a:p>
+            <a:pPr algn="ctr"/>
+            <a:r>
+              <a:rPr lang="de-DE" sz="2200" b="1" dirty="0" smtClean="0"/>
+              <a:t>Softwareentwickler</a:t>
+            </a:r>
+            <a:br>
+              <a:rPr lang="de-DE" sz="2200" b="1" dirty="0" smtClean="0"/>
+            </a:br>
+            <a:r>
+              <a:rPr lang="de-DE" sz="1600" b="1" dirty="0" smtClean="0">
+                <a:solidFill>
+                  <a:schemeClr val="accent6"/>
+                </a:solidFill>
+              </a:rPr>
+              <a:t>Java, Spring, </a:t>
+            </a:r>
+            <a:r>
+              <a:rPr lang="de-DE" sz="1600" b="1" dirty="0" err="1" smtClean="0">
+                <a:solidFill>
+                  <a:schemeClr val="accent6"/>
+                </a:solidFill>
+              </a:rPr>
+              <a:t>Grails</a:t>
+            </a:r>
+            <a:r>
+              <a:rPr lang="de-DE" sz="1600" b="1" dirty="0" smtClean="0">
+                <a:solidFill>
+                  <a:schemeClr val="accent6"/>
+                </a:solidFill>
+              </a:rPr>
+              <a:t>, Groovy</a:t>
+            </a:r>
+          </a:p>
+          <a:p>
+            <a:pPr algn="ctr">
+              <a:lnSpc>
+                <a:spcPct val="200000"/>
+              </a:lnSpc>
+            </a:pPr>
+            <a:r>
+              <a:rPr lang="de-DE" sz="2200" b="1" dirty="0" smtClean="0"/>
+              <a:t>Trainer und Coach</a:t>
+            </a:r>
+          </a:p>
+          <a:p>
+            <a:pPr algn="ctr">
+              <a:lnSpc>
+                <a:spcPct val="200000"/>
+              </a:lnSpc>
+            </a:pPr>
+            <a:r>
+              <a:rPr lang="de-DE" sz="2200" b="1" dirty="0" smtClean="0"/>
+              <a:t>Sprecher und Autor</a:t>
+            </a:r>
+            <a:endParaRPr lang="de-DE" sz="2200" b="1" dirty="0"/>
+          </a:p>
+        </p:txBody>
+      </p:sp>
+      <p:sp>
+        <p:nvSpPr>
+          <p:cNvPr id="21" name="Textfeld 20"/>
+          <p:cNvSpPr txBox="1"/>
+          <p:nvPr/>
+        </p:nvSpPr>
+        <p:spPr>
+          <a:xfrm rot="16200000">
+            <a:off x="7072221" y="2224924"/>
+            <a:ext cx="1736373" cy="400110"/>
+          </a:xfrm>
+          <a:prstGeom prst="rect">
+            <a:avLst/>
+          </a:prstGeom>
+          <a:noFill/>
+        </p:spPr>
+        <p:txBody>
+          <a:bodyPr wrap="none" rtlCol="0">
+            <a:spAutoFit/>
+          </a:bodyPr>
+          <a:lstStyle/>
+          <a:p>
+            <a:r>
+              <a:rPr lang="de-DE" sz="2000" b="1" dirty="0" smtClean="0">
+                <a:solidFill>
+                  <a:schemeClr val="accent5"/>
+                </a:solidFill>
+              </a:rPr>
+              <a:t>Stefan Glase</a:t>
+            </a:r>
+            <a:endParaRPr lang="de-DE" sz="2000" b="1" dirty="0">
+              <a:solidFill>
+                <a:schemeClr val="accent5"/>
+              </a:solidFill>
+            </a:endParaRPr>
+          </a:p>
+        </p:txBody>
+      </p:sp>
+      <p:sp>
+        <p:nvSpPr>
+          <p:cNvPr id="22" name="Textfeld 21"/>
+          <p:cNvSpPr txBox="1"/>
+          <p:nvPr/>
+        </p:nvSpPr>
+        <p:spPr>
+          <a:xfrm rot="16200000">
+            <a:off x="2476156" y="2224924"/>
+            <a:ext cx="2063385" cy="400110"/>
+          </a:xfrm>
+          <a:prstGeom prst="rect">
+            <a:avLst/>
+          </a:prstGeom>
+          <a:noFill/>
+        </p:spPr>
+        <p:txBody>
+          <a:bodyPr wrap="none" rtlCol="0">
+            <a:spAutoFit/>
+          </a:bodyPr>
+          <a:lstStyle/>
+          <a:p>
+            <a:r>
+              <a:rPr lang="de-DE" sz="2000" b="1" dirty="0" smtClean="0">
+                <a:solidFill>
+                  <a:schemeClr val="accent5"/>
+                </a:solidFill>
+              </a:rPr>
+              <a:t>Michael Stähler</a:t>
+            </a:r>
+            <a:endParaRPr lang="de-DE" sz="2000" b="1" dirty="0">
+              <a:solidFill>
+                <a:schemeClr val="accent5"/>
+              </a:solidFill>
+            </a:endParaRPr>
+          </a:p>
+        </p:txBody>
+      </p:sp>
+      <p:pic>
+        <p:nvPicPr>
+          <p:cNvPr id="14338" name="Picture 2" descr="Benutzeravatar"/>
+          <p:cNvPicPr>
+            <a:picLocks noChangeAspect="1" noChangeArrowheads="1"/>
+          </p:cNvPicPr>
+          <p:nvPr/>
+        </p:nvPicPr>
+        <p:blipFill>
+          <a:blip r:embed="rId5" cstate="print"/>
+          <a:srcRect/>
+          <a:stretch>
+            <a:fillRect/>
+          </a:stretch>
+        </p:blipFill>
+        <p:spPr bwMode="auto">
+          <a:xfrm>
+            <a:off x="1370485" y="1412776"/>
+            <a:ext cx="1977379" cy="1977381"/>
+          </a:xfrm>
+          <a:prstGeom prst="rect">
+            <a:avLst/>
+          </a:prstGeom>
+          <a:noFill/>
+        </p:spPr>
+      </p:pic>
+    </p:spTree>
+  </p:cSld>
+  <p:clrMapOvr>
+    <a:masterClrMapping/>
+  </p:clrMapOvr>
+  <p:transition spd="slow" advTm="10000"/>
+  <p:timing>
+    <p:tnLst>
+      <p:par>
+        <p:cTn id="1" dur="indefinite" restart="never" nodeType="tmRoot"/>
+      </p:par>
+    </p:tnLst>
+  </p:timing>
+</p:sld>
+</file>
+
+<file path=ppt/slides/slide20.xml><?xml version="1.0" encoding="utf-8"?>
 <p:sld xmlns:a="http://schemas.openxmlformats.org/drawingml/2006/main" xmlns:r="http://schemas.openxmlformats.org/officeDocument/2006/relationships" xmlns:p="http://schemas.openxmlformats.org/presentationml/2006/main">
   <p:cSld>
     <p:spTree>
@@ -22292,405 +23265,7 @@
 </p:sld>
 </file>
 
-<file path=ppt/slides/slide2.xml><?xml version="1.0" encoding="utf-8"?>
-<p:sld xmlns:a="http://schemas.openxmlformats.org/drawingml/2006/main" xmlns:r="http://schemas.openxmlformats.org/officeDocument/2006/relationships" xmlns:p="http://schemas.openxmlformats.org/presentationml/2006/main">
-  <p:cSld>
-    <p:spTree>
-      <p:nvGrpSpPr>
-        <p:cNvPr id="1" name=""/>
-        <p:cNvGrpSpPr/>
-        <p:nvPr/>
-      </p:nvGrpSpPr>
-      <p:grpSpPr>
-        <a:xfrm>
-          <a:off x="0" y="0"/>
-          <a:ext cx="0" cy="0"/>
-          <a:chOff x="0" y="0"/>
-          <a:chExt cx="0" cy="0"/>
-        </a:xfrm>
-      </p:grpSpPr>
-      <p:sp>
-        <p:nvSpPr>
-          <p:cNvPr id="3" name="Titel 2"/>
-          <p:cNvSpPr>
-            <a:spLocks noGrp="1"/>
-          </p:cNvSpPr>
-          <p:nvPr>
-            <p:ph type="title"/>
-          </p:nvPr>
-        </p:nvSpPr>
-        <p:spPr/>
-        <p:txBody>
-          <a:bodyPr/>
-          <a:lstStyle/>
-          <a:p>
-            <a:r>
-              <a:rPr lang="de-DE" dirty="0" smtClean="0"/>
-              <a:t>Wer sind wir?</a:t>
-            </a:r>
-            <a:endParaRPr lang="de-DE" dirty="0"/>
-          </a:p>
-        </p:txBody>
-      </p:sp>
-      <p:sp>
-        <p:nvSpPr>
-          <p:cNvPr id="5" name="Textfeld 4"/>
-          <p:cNvSpPr txBox="1"/>
-          <p:nvPr/>
-        </p:nvSpPr>
-        <p:spPr>
-          <a:xfrm>
-            <a:off x="5292081" y="3501008"/>
-            <a:ext cx="2937022" cy="2031325"/>
-          </a:xfrm>
-          <a:prstGeom prst="rect">
-            <a:avLst/>
-          </a:prstGeom>
-          <a:noFill/>
-        </p:spPr>
-        <p:txBody>
-          <a:bodyPr wrap="none" rtlCol="0">
-            <a:spAutoFit/>
-          </a:bodyPr>
-          <a:lstStyle/>
-          <a:p>
-            <a:pPr algn="ctr"/>
-            <a:r>
-              <a:rPr lang="de-DE" sz="2200" b="1" dirty="0" smtClean="0"/>
-              <a:t>Softwareentwickler</a:t>
-            </a:r>
-            <a:br>
-              <a:rPr lang="de-DE" sz="2200" b="1" dirty="0" smtClean="0"/>
-            </a:br>
-            <a:r>
-              <a:rPr lang="de-DE" sz="1600" b="1" dirty="0" smtClean="0">
-                <a:solidFill>
-                  <a:schemeClr val="accent6"/>
-                </a:solidFill>
-              </a:rPr>
-              <a:t>Java, Spring, </a:t>
-            </a:r>
-            <a:r>
-              <a:rPr lang="de-DE" sz="1600" b="1" dirty="0" err="1" smtClean="0">
-                <a:solidFill>
-                  <a:schemeClr val="accent6"/>
-                </a:solidFill>
-              </a:rPr>
-              <a:t>Grails</a:t>
-            </a:r>
-            <a:r>
-              <a:rPr lang="de-DE" sz="1600" b="1" dirty="0" smtClean="0">
-                <a:solidFill>
-                  <a:schemeClr val="accent6"/>
-                </a:solidFill>
-              </a:rPr>
-              <a:t>, Groovy</a:t>
-            </a:r>
-          </a:p>
-          <a:p>
-            <a:pPr algn="ctr">
-              <a:lnSpc>
-                <a:spcPct val="200000"/>
-              </a:lnSpc>
-            </a:pPr>
-            <a:r>
-              <a:rPr lang="de-DE" sz="2200" b="1" dirty="0" smtClean="0"/>
-              <a:t>Trainer und Coach</a:t>
-            </a:r>
-          </a:p>
-          <a:p>
-            <a:pPr algn="ctr">
-              <a:lnSpc>
-                <a:spcPct val="200000"/>
-              </a:lnSpc>
-            </a:pPr>
-            <a:r>
-              <a:rPr lang="de-DE" sz="2200" b="1" dirty="0" smtClean="0"/>
-              <a:t>Sprecher und Autor</a:t>
-            </a:r>
-            <a:endParaRPr lang="de-DE" sz="2200" b="1" dirty="0"/>
-          </a:p>
-        </p:txBody>
-      </p:sp>
-      <p:sp>
-        <p:nvSpPr>
-          <p:cNvPr id="16" name="Textfeld 15"/>
-          <p:cNvSpPr txBox="1"/>
-          <p:nvPr/>
-        </p:nvSpPr>
-        <p:spPr>
-          <a:xfrm>
-            <a:off x="5652120" y="5589240"/>
-            <a:ext cx="2273250" cy="584775"/>
-          </a:xfrm>
-          <a:prstGeom prst="rect">
-            <a:avLst/>
-          </a:prstGeom>
-          <a:noFill/>
-        </p:spPr>
-        <p:txBody>
-          <a:bodyPr wrap="none" rtlCol="0">
-            <a:spAutoFit/>
-          </a:bodyPr>
-          <a:lstStyle/>
-          <a:p>
-            <a:pPr algn="ctr"/>
-            <a:r>
-              <a:rPr lang="de-DE" sz="1600" dirty="0" smtClean="0">
-                <a:hlinkClick r:id="rId2"/>
-              </a:rPr>
-              <a:t>twitter.com/</a:t>
-            </a:r>
-            <a:r>
-              <a:rPr lang="de-DE" sz="1600" dirty="0" err="1" smtClean="0">
-                <a:hlinkClick r:id="rId2"/>
-              </a:rPr>
-              <a:t>stefanglase</a:t>
-            </a:r>
-            <a:endParaRPr lang="de-DE" sz="1600" dirty="0" smtClean="0"/>
-          </a:p>
-          <a:p>
-            <a:pPr algn="ctr"/>
-            <a:r>
-              <a:rPr lang="de-DE" sz="1600" dirty="0" smtClean="0">
-                <a:hlinkClick r:id="rId3"/>
-              </a:rPr>
-              <a:t>github.com/</a:t>
-            </a:r>
-            <a:r>
-              <a:rPr lang="de-DE" sz="1600" dirty="0" err="1" smtClean="0">
-                <a:hlinkClick r:id="rId3"/>
-              </a:rPr>
-              <a:t>codescape</a:t>
-            </a:r>
-            <a:endParaRPr lang="de-DE" sz="1600" dirty="0" smtClean="0"/>
-          </a:p>
-        </p:txBody>
-      </p:sp>
-      <p:pic>
-        <p:nvPicPr>
-          <p:cNvPr id="17" name="Bildplatzhalter 11" descr="opitz_glase-2754.jpg"/>
-          <p:cNvPicPr>
-            <a:picLocks noChangeAspect="1"/>
-          </p:cNvPicPr>
-          <p:nvPr/>
-        </p:nvPicPr>
-        <p:blipFill>
-          <a:blip r:embed="rId4" cstate="print"/>
-          <a:srcRect l="8129" r="6522"/>
-          <a:stretch>
-            <a:fillRect/>
-          </a:stretch>
-        </p:blipFill>
-        <p:spPr>
-          <a:xfrm>
-            <a:off x="6012160" y="1412776"/>
-            <a:ext cx="1512168" cy="1941366"/>
-          </a:xfrm>
-          <a:prstGeom prst="rect">
-            <a:avLst/>
-          </a:prstGeom>
-        </p:spPr>
-      </p:pic>
-      <p:sp>
-        <p:nvSpPr>
-          <p:cNvPr id="20" name="Textfeld 19"/>
-          <p:cNvSpPr txBox="1"/>
-          <p:nvPr/>
-        </p:nvSpPr>
-        <p:spPr>
-          <a:xfrm>
-            <a:off x="971600" y="3501008"/>
-            <a:ext cx="2937022" cy="2031325"/>
-          </a:xfrm>
-          <a:prstGeom prst="rect">
-            <a:avLst/>
-          </a:prstGeom>
-          <a:noFill/>
-        </p:spPr>
-        <p:txBody>
-          <a:bodyPr wrap="none" rtlCol="0">
-            <a:spAutoFit/>
-          </a:bodyPr>
-          <a:lstStyle/>
-          <a:p>
-            <a:pPr algn="ctr"/>
-            <a:r>
-              <a:rPr lang="de-DE" sz="2200" b="1" dirty="0" smtClean="0"/>
-              <a:t>Softwareentwickler</a:t>
-            </a:r>
-            <a:br>
-              <a:rPr lang="de-DE" sz="2200" b="1" dirty="0" smtClean="0"/>
-            </a:br>
-            <a:r>
-              <a:rPr lang="de-DE" sz="1600" b="1" dirty="0" smtClean="0">
-                <a:solidFill>
-                  <a:schemeClr val="accent6"/>
-                </a:solidFill>
-              </a:rPr>
-              <a:t>Java, Spring, </a:t>
-            </a:r>
-            <a:r>
-              <a:rPr lang="de-DE" sz="1600" b="1" dirty="0" err="1" smtClean="0">
-                <a:solidFill>
-                  <a:schemeClr val="accent6"/>
-                </a:solidFill>
-              </a:rPr>
-              <a:t>Grails</a:t>
-            </a:r>
-            <a:r>
-              <a:rPr lang="de-DE" sz="1600" b="1" dirty="0" smtClean="0">
-                <a:solidFill>
-                  <a:schemeClr val="accent6"/>
-                </a:solidFill>
-              </a:rPr>
-              <a:t>, Groovy</a:t>
-            </a:r>
-          </a:p>
-          <a:p>
-            <a:pPr algn="ctr">
-              <a:lnSpc>
-                <a:spcPct val="200000"/>
-              </a:lnSpc>
-            </a:pPr>
-            <a:r>
-              <a:rPr lang="de-DE" sz="2200" b="1" dirty="0" smtClean="0"/>
-              <a:t>Trainer und Coach</a:t>
-            </a:r>
-          </a:p>
-          <a:p>
-            <a:pPr algn="ctr">
-              <a:lnSpc>
-                <a:spcPct val="200000"/>
-              </a:lnSpc>
-            </a:pPr>
-            <a:r>
-              <a:rPr lang="de-DE" sz="2200" b="1" dirty="0" smtClean="0"/>
-              <a:t>Sprecher und Autor</a:t>
-            </a:r>
-            <a:endParaRPr lang="de-DE" sz="2200" b="1" dirty="0"/>
-          </a:p>
-        </p:txBody>
-      </p:sp>
-      <p:sp>
-        <p:nvSpPr>
-          <p:cNvPr id="21" name="Textfeld 20"/>
-          <p:cNvSpPr txBox="1"/>
-          <p:nvPr/>
-        </p:nvSpPr>
-        <p:spPr>
-          <a:xfrm rot="16200000">
-            <a:off x="7072221" y="2224924"/>
-            <a:ext cx="1736373" cy="400110"/>
-          </a:xfrm>
-          <a:prstGeom prst="rect">
-            <a:avLst/>
-          </a:prstGeom>
-          <a:noFill/>
-        </p:spPr>
-        <p:txBody>
-          <a:bodyPr wrap="none" rtlCol="0">
-            <a:spAutoFit/>
-          </a:bodyPr>
-          <a:lstStyle/>
-          <a:p>
-            <a:r>
-              <a:rPr lang="de-DE" sz="2000" b="1" dirty="0" smtClean="0">
-                <a:solidFill>
-                  <a:schemeClr val="accent5"/>
-                </a:solidFill>
-              </a:rPr>
-              <a:t>Stefan Glase</a:t>
-            </a:r>
-            <a:endParaRPr lang="de-DE" sz="2000" b="1" dirty="0">
-              <a:solidFill>
-                <a:schemeClr val="accent5"/>
-              </a:solidFill>
-            </a:endParaRPr>
-          </a:p>
-        </p:txBody>
-      </p:sp>
-      <p:sp>
-        <p:nvSpPr>
-          <p:cNvPr id="22" name="Textfeld 21"/>
-          <p:cNvSpPr txBox="1"/>
-          <p:nvPr/>
-        </p:nvSpPr>
-        <p:spPr>
-          <a:xfrm rot="16200000">
-            <a:off x="2476156" y="2224924"/>
-            <a:ext cx="2063385" cy="400110"/>
-          </a:xfrm>
-          <a:prstGeom prst="rect">
-            <a:avLst/>
-          </a:prstGeom>
-          <a:noFill/>
-        </p:spPr>
-        <p:txBody>
-          <a:bodyPr wrap="none" rtlCol="0">
-            <a:spAutoFit/>
-          </a:bodyPr>
-          <a:lstStyle/>
-          <a:p>
-            <a:r>
-              <a:rPr lang="de-DE" sz="2000" b="1" dirty="0" smtClean="0">
-                <a:solidFill>
-                  <a:schemeClr val="accent5"/>
-                </a:solidFill>
-              </a:rPr>
-              <a:t>Michael Stähler</a:t>
-            </a:r>
-            <a:endParaRPr lang="de-DE" sz="2000" b="1" dirty="0">
-              <a:solidFill>
-                <a:schemeClr val="accent5"/>
-              </a:solidFill>
-            </a:endParaRPr>
-          </a:p>
-        </p:txBody>
-      </p:sp>
-      <p:pic>
-        <p:nvPicPr>
-          <p:cNvPr id="14338" name="Picture 2" descr="Benutzeravatar"/>
-          <p:cNvPicPr>
-            <a:picLocks noChangeAspect="1" noChangeArrowheads="1"/>
-          </p:cNvPicPr>
-          <p:nvPr/>
-        </p:nvPicPr>
-        <p:blipFill>
-          <a:blip r:embed="rId5" cstate="print"/>
-          <a:srcRect/>
-          <a:stretch>
-            <a:fillRect/>
-          </a:stretch>
-        </p:blipFill>
-        <p:spPr bwMode="auto">
-          <a:xfrm>
-            <a:off x="1370485" y="1412776"/>
-            <a:ext cx="1977379" cy="1977381"/>
-          </a:xfrm>
-          <a:prstGeom prst="rect">
-            <a:avLst/>
-          </a:prstGeom>
-          <a:noFill/>
-        </p:spPr>
-      </p:pic>
-    </p:spTree>
-  </p:cSld>
-  <p:clrMapOvr>
-    <a:masterClrMapping/>
-  </p:clrMapOvr>
-  <p:transition spd="slow" advTm="10000"/>
-  <p:timing>
-    <p:tnLst>
-      <p:par>
-        <p:cTn id="1" dur="indefinite" restart="never" nodeType="tmRoot"/>
-      </p:par>
-    </p:tnLst>
-  </p:timing>
-</p:sld>
-</file>
-
-<file path=ppt/slides/slide20.xml><?xml version="1.0" encoding="utf-8"?>
+<file path=ppt/slides/slide21.xml><?xml version="1.0" encoding="utf-8"?>
 <p:sld xmlns:a="http://schemas.openxmlformats.org/drawingml/2006/main" xmlns:r="http://schemas.openxmlformats.org/officeDocument/2006/relationships" xmlns:p="http://schemas.openxmlformats.org/presentationml/2006/main">
   <p:cSld>
     <p:spTree>
@@ -22771,7 +23346,7 @@
 </p:sld>
 </file>
 
-<file path=ppt/slides/slide21.xml><?xml version="1.0" encoding="utf-8"?>
+<file path=ppt/slides/slide22.xml><?xml version="1.0" encoding="utf-8"?>
 <p:sld xmlns:a="http://schemas.openxmlformats.org/drawingml/2006/main" xmlns:r="http://schemas.openxmlformats.org/officeDocument/2006/relationships" xmlns:p="http://schemas.openxmlformats.org/presentationml/2006/main">
   <p:cSld>
     <p:spTree>
@@ -22905,7 +23480,7 @@
 </p:sld>
 </file>
 
-<file path=ppt/slides/slide22.xml><?xml version="1.0" encoding="utf-8"?>
+<file path=ppt/slides/slide23.xml><?xml version="1.0" encoding="utf-8"?>
 <p:sld xmlns:a="http://schemas.openxmlformats.org/drawingml/2006/main" xmlns:r="http://schemas.openxmlformats.org/officeDocument/2006/relationships" xmlns:p="http://schemas.openxmlformats.org/presentationml/2006/main">
   <p:cSld>
     <p:spTree>
@@ -22981,7 +23556,7 @@
 </p:sld>
 </file>
 
-<file path=ppt/slides/slide23.xml><?xml version="1.0" encoding="utf-8"?>
+<file path=ppt/slides/slide24.xml><?xml version="1.0" encoding="utf-8"?>
 <p:sld xmlns:a="http://schemas.openxmlformats.org/drawingml/2006/main" xmlns:r="http://schemas.openxmlformats.org/officeDocument/2006/relationships" xmlns:p="http://schemas.openxmlformats.org/presentationml/2006/main">
   <p:cSld>
     <p:spTree>
@@ -23127,7 +23702,7 @@
 </p:sld>
 </file>
 
-<file path=ppt/slides/slide24.xml><?xml version="1.0" encoding="utf-8"?>
+<file path=ppt/slides/slide25.xml><?xml version="1.0" encoding="utf-8"?>
 <p:sld xmlns:a="http://schemas.openxmlformats.org/drawingml/2006/main" xmlns:r="http://schemas.openxmlformats.org/officeDocument/2006/relationships" xmlns:p="http://schemas.openxmlformats.org/presentationml/2006/main">
   <p:cSld>
     <p:spTree>
@@ -23206,205 +23781,6 @@
 </p:sld>
 </file>
 
-<file path=ppt/slides/slide25.xml><?xml version="1.0" encoding="utf-8"?>
-<p:sld xmlns:a="http://schemas.openxmlformats.org/drawingml/2006/main" xmlns:r="http://schemas.openxmlformats.org/officeDocument/2006/relationships" xmlns:p="http://schemas.openxmlformats.org/presentationml/2006/main">
-  <p:cSld>
-    <p:spTree>
-      <p:nvGrpSpPr>
-        <p:cNvPr id="1" name=""/>
-        <p:cNvGrpSpPr/>
-        <p:nvPr/>
-      </p:nvGrpSpPr>
-      <p:grpSpPr>
-        <a:xfrm>
-          <a:off x="0" y="0"/>
-          <a:ext cx="0" cy="0"/>
-          <a:chOff x="0" y="0"/>
-          <a:chExt cx="0" cy="0"/>
-        </a:xfrm>
-      </p:grpSpPr>
-      <p:sp>
-        <p:nvSpPr>
-          <p:cNvPr id="2" name="Titel 1"/>
-          <p:cNvSpPr>
-            <a:spLocks noGrp="1"/>
-          </p:cNvSpPr>
-          <p:nvPr>
-            <p:ph type="title"/>
-          </p:nvPr>
-        </p:nvSpPr>
-        <p:spPr/>
-        <p:txBody>
-          <a:bodyPr/>
-          <a:lstStyle/>
-          <a:p>
-            <a:r>
-              <a:rPr lang="de-DE" dirty="0" smtClean="0"/>
-              <a:t>Im Netz...</a:t>
-            </a:r>
-            <a:endParaRPr lang="de-DE" dirty="0"/>
-          </a:p>
-        </p:txBody>
-      </p:sp>
-      <p:sp>
-        <p:nvSpPr>
-          <p:cNvPr id="4" name="Rechteck 3"/>
-          <p:cNvSpPr/>
-          <p:nvPr/>
-        </p:nvSpPr>
-        <p:spPr>
-          <a:xfrm>
-            <a:off x="323410" y="1628750"/>
-            <a:ext cx="8497180" cy="4154984"/>
-          </a:xfrm>
-          <a:prstGeom prst="rect">
-            <a:avLst/>
-          </a:prstGeom>
-        </p:spPr>
-        <p:txBody>
-          <a:bodyPr wrap="square">
-            <a:spAutoFit/>
-          </a:bodyPr>
-          <a:lstStyle/>
-          <a:p>
-            <a:pPr algn="ctr">
-              <a:lnSpc>
-                <a:spcPct val="120000"/>
-              </a:lnSpc>
-            </a:pPr>
-            <a:r>
-              <a:rPr lang="de-DE" sz="2400" b="1" dirty="0" smtClean="0"/>
-              <a:t>Groovy &amp; </a:t>
-            </a:r>
-            <a:r>
-              <a:rPr lang="de-DE" sz="2400" b="1" dirty="0" err="1" smtClean="0"/>
-              <a:t>Grails</a:t>
-            </a:r>
-            <a:r>
-              <a:rPr lang="de-DE" sz="2400" b="1" dirty="0" smtClean="0"/>
-              <a:t>:</a:t>
-            </a:r>
-          </a:p>
-          <a:p>
-            <a:pPr algn="ctr">
-              <a:lnSpc>
-                <a:spcPct val="120000"/>
-              </a:lnSpc>
-            </a:pPr>
-            <a:r>
-              <a:rPr lang="de-DE" sz="2400" dirty="0" smtClean="0">
-                <a:hlinkClick r:id="rId2"/>
-              </a:rPr>
-              <a:t>http://grails.org/</a:t>
-            </a:r>
-            <a:endParaRPr lang="de-DE" sz="2400" dirty="0" smtClean="0"/>
-          </a:p>
-          <a:p>
-            <a:pPr algn="ctr">
-              <a:lnSpc>
-                <a:spcPct val="120000"/>
-              </a:lnSpc>
-            </a:pPr>
-            <a:r>
-              <a:rPr lang="de-DE" sz="2400" dirty="0" smtClean="0">
-                <a:hlinkClick r:id="rId3"/>
-              </a:rPr>
-              <a:t>http://groovy.codehaus.org/</a:t>
-            </a:r>
-            <a:endParaRPr lang="de-DE" sz="2400" dirty="0"/>
-          </a:p>
-          <a:p>
-            <a:pPr algn="ctr">
-              <a:lnSpc>
-                <a:spcPct val="120000"/>
-              </a:lnSpc>
-            </a:pPr>
-            <a:endParaRPr lang="de-DE" sz="2400" dirty="0" smtClean="0"/>
-          </a:p>
-          <a:p>
-            <a:pPr algn="ctr">
-              <a:lnSpc>
-                <a:spcPct val="120000"/>
-              </a:lnSpc>
-            </a:pPr>
-            <a:r>
-              <a:rPr lang="de-DE" sz="2400" b="1" dirty="0" smtClean="0"/>
-              <a:t>Beispiele:</a:t>
-            </a:r>
-          </a:p>
-          <a:p>
-            <a:pPr algn="ctr">
-              <a:lnSpc>
-                <a:spcPct val="120000"/>
-              </a:lnSpc>
-            </a:pPr>
-            <a:r>
-              <a:rPr lang="de-DE" sz="2400" dirty="0" smtClean="0">
-                <a:hlinkClick r:id="rId4"/>
-              </a:rPr>
-              <a:t>https://github.com/codescape/presentations</a:t>
-            </a:r>
-            <a:endParaRPr lang="de-DE" sz="2400" dirty="0" smtClean="0"/>
-          </a:p>
-          <a:p>
-            <a:pPr algn="ctr">
-              <a:lnSpc>
-                <a:spcPct val="120000"/>
-              </a:lnSpc>
-            </a:pPr>
-            <a:endParaRPr lang="de-DE" sz="2400" b="1" dirty="0" smtClean="0"/>
-          </a:p>
-          <a:p>
-            <a:pPr algn="ctr">
-              <a:lnSpc>
-                <a:spcPct val="120000"/>
-              </a:lnSpc>
-            </a:pPr>
-            <a:r>
-              <a:rPr lang="de-DE" sz="2400" b="1" dirty="0" err="1" smtClean="0"/>
-              <a:t>Twitter</a:t>
-            </a:r>
-            <a:r>
-              <a:rPr lang="de-DE" sz="2400" b="1" dirty="0" smtClean="0"/>
-              <a:t>:</a:t>
-            </a:r>
-          </a:p>
-          <a:p>
-            <a:pPr algn="ctr">
-              <a:lnSpc>
-                <a:spcPct val="120000"/>
-              </a:lnSpc>
-            </a:pPr>
-            <a:r>
-              <a:rPr lang="de-DE" sz="2400" dirty="0" smtClean="0">
-                <a:hlinkClick r:id="rId5"/>
-              </a:rPr>
-              <a:t>@</a:t>
-            </a:r>
-            <a:r>
-              <a:rPr lang="de-DE" sz="2400" dirty="0" err="1" smtClean="0">
-                <a:hlinkClick r:id="rId5"/>
-              </a:rPr>
-              <a:t>stefanglase</a:t>
-            </a:r>
-            <a:endParaRPr lang="de-DE" sz="2400" dirty="0"/>
-          </a:p>
-        </p:txBody>
-      </p:sp>
-    </p:spTree>
-    <p:extLst>
-      <p:ext uri="{BB962C8B-B14F-4D97-AF65-F5344CB8AC3E}">
-        <p14:creationId xmlns="" xmlns:p14="http://schemas.microsoft.com/office/powerpoint/2010/main" val="1364891894"/>
-      </p:ext>
-    </p:extLst>
-  </p:cSld>
-  <p:clrMapOvr>
-    <a:masterClrMapping/>
-  </p:clrMapOvr>
-  <p:transition spd="slow"/>
-</p:sld>
-</file>
-
 <file path=ppt/slides/slide26.xml><?xml version="1.0" encoding="utf-8"?>
 <p:sld xmlns:a="http://schemas.openxmlformats.org/drawingml/2006/main" xmlns:r="http://schemas.openxmlformats.org/officeDocument/2006/relationships" xmlns:p="http://schemas.openxmlformats.org/presentationml/2006/main">
   <p:cSld>
@@ -23439,18 +23815,168 @@
           <a:p>
             <a:r>
               <a:rPr lang="de-DE" dirty="0" smtClean="0"/>
-              <a:t>Fragen und Antworten</a:t>
+              <a:t>Im Netz...</a:t>
             </a:r>
             <a:endParaRPr lang="de-DE" dirty="0"/>
+          </a:p>
+        </p:txBody>
+      </p:sp>
+      <p:sp>
+        <p:nvSpPr>
+          <p:cNvPr id="4" name="Rechteck 3"/>
+          <p:cNvSpPr/>
+          <p:nvPr/>
+        </p:nvSpPr>
+        <p:spPr>
+          <a:xfrm>
+            <a:off x="323410" y="1628750"/>
+            <a:ext cx="8497180" cy="4154984"/>
+          </a:xfrm>
+          <a:prstGeom prst="rect">
+            <a:avLst/>
+          </a:prstGeom>
+        </p:spPr>
+        <p:txBody>
+          <a:bodyPr wrap="square">
+            <a:spAutoFit/>
+          </a:bodyPr>
+          <a:lstStyle/>
+          <a:p>
+            <a:pPr algn="ctr">
+              <a:lnSpc>
+                <a:spcPct val="120000"/>
+              </a:lnSpc>
+            </a:pPr>
+            <a:r>
+              <a:rPr lang="de-DE" sz="2400" b="1" dirty="0" smtClean="0"/>
+              <a:t>Groovy &amp; </a:t>
+            </a:r>
+            <a:r>
+              <a:rPr lang="de-DE" sz="2400" b="1" dirty="0" err="1" smtClean="0"/>
+              <a:t>Grails</a:t>
+            </a:r>
+            <a:r>
+              <a:rPr lang="de-DE" sz="2400" b="1" dirty="0" smtClean="0"/>
+              <a:t>:</a:t>
+            </a:r>
+          </a:p>
+          <a:p>
+            <a:pPr algn="ctr">
+              <a:lnSpc>
+                <a:spcPct val="120000"/>
+              </a:lnSpc>
+            </a:pPr>
+            <a:r>
+              <a:rPr lang="de-DE" sz="2400" dirty="0" smtClean="0">
+                <a:hlinkClick r:id="rId2"/>
+              </a:rPr>
+              <a:t>http://grails.org/</a:t>
+            </a:r>
+            <a:endParaRPr lang="de-DE" sz="2400" dirty="0" smtClean="0"/>
+          </a:p>
+          <a:p>
+            <a:pPr algn="ctr">
+              <a:lnSpc>
+                <a:spcPct val="120000"/>
+              </a:lnSpc>
+            </a:pPr>
+            <a:r>
+              <a:rPr lang="de-DE" sz="2400" dirty="0" smtClean="0">
+                <a:hlinkClick r:id="rId3"/>
+              </a:rPr>
+              <a:t>http://groovy.codehaus.org/</a:t>
+            </a:r>
+            <a:endParaRPr lang="de-DE" sz="2400" dirty="0"/>
+          </a:p>
+          <a:p>
+            <a:pPr algn="ctr">
+              <a:lnSpc>
+                <a:spcPct val="120000"/>
+              </a:lnSpc>
+            </a:pPr>
+            <a:endParaRPr lang="de-DE" sz="2400" dirty="0" smtClean="0"/>
+          </a:p>
+          <a:p>
+            <a:pPr algn="ctr">
+              <a:lnSpc>
+                <a:spcPct val="120000"/>
+              </a:lnSpc>
+            </a:pPr>
+            <a:r>
+              <a:rPr lang="de-DE" sz="2400" b="1" dirty="0" smtClean="0"/>
+              <a:t>Beispiele:</a:t>
+            </a:r>
+          </a:p>
+          <a:p>
+            <a:pPr algn="ctr">
+              <a:lnSpc>
+                <a:spcPct val="120000"/>
+              </a:lnSpc>
+            </a:pPr>
+            <a:r>
+              <a:rPr lang="de-DE" sz="2400" dirty="0" smtClean="0">
+                <a:hlinkClick r:id="rId4"/>
+              </a:rPr>
+              <a:t>https://github.com/codescape/presentations</a:t>
+            </a:r>
+            <a:endParaRPr lang="de-DE" sz="2400" dirty="0" smtClean="0"/>
+          </a:p>
+          <a:p>
+            <a:pPr algn="ctr">
+              <a:lnSpc>
+                <a:spcPct val="120000"/>
+              </a:lnSpc>
+            </a:pPr>
+            <a:endParaRPr lang="de-DE" sz="2400" b="1" dirty="0" smtClean="0"/>
+          </a:p>
+          <a:p>
+            <a:pPr algn="ctr">
+              <a:lnSpc>
+                <a:spcPct val="120000"/>
+              </a:lnSpc>
+            </a:pPr>
+            <a:r>
+              <a:rPr lang="de-DE" sz="2400" b="1" dirty="0" err="1" smtClean="0"/>
+              <a:t>Twitter</a:t>
+            </a:r>
+            <a:r>
+              <a:rPr lang="de-DE" sz="2400" b="1" dirty="0" smtClean="0"/>
+              <a:t>:</a:t>
+            </a:r>
+          </a:p>
+          <a:p>
+            <a:pPr algn="ctr">
+              <a:lnSpc>
+                <a:spcPct val="120000"/>
+              </a:lnSpc>
+            </a:pPr>
+            <a:r>
+              <a:rPr lang="de-DE" sz="2400" dirty="0" smtClean="0">
+                <a:hlinkClick r:id="rId5"/>
+              </a:rPr>
+              <a:t>@</a:t>
+            </a:r>
+            <a:r>
+              <a:rPr lang="de-DE" sz="2400" dirty="0" err="1" smtClean="0">
+                <a:hlinkClick r:id="rId5"/>
+              </a:rPr>
+              <a:t>stefanglase</a:t>
+            </a:r>
+            <a:endParaRPr lang="de-DE" sz="2400" dirty="0"/>
           </a:p>
         </p:txBody>
       </p:sp>
     </p:spTree>
+    <p:extLst>
+      <p:ext uri="{BB962C8B-B14F-4D97-AF65-F5344CB8AC3E}">
+        <p14:creationId xmlns:p14="http://schemas.microsoft.com/office/powerpoint/2010/main" xmlns="" val="1364891894"/>
+      </p:ext>
+    </p:extLst>
   </p:cSld>
   <p:clrMapOvr>
     <a:masterClrMapping/>
   </p:clrMapOvr>
-  <p:transition spd="slow" advTm="10000"/>
+  <p:transition spd="slow"/>
 </p:sld>
 </file>
 
@@ -23473,7 +23999,7 @@
       </p:grpSpPr>
       <p:sp>
         <p:nvSpPr>
-          <p:cNvPr id="3" name="Titel 2"/>
+          <p:cNvPr id="2" name="Titel 1"/>
           <p:cNvSpPr>
             <a:spLocks noGrp="1"/>
           </p:cNvSpPr>
@@ -23488,7 +24014,61 @@
           <a:p>
             <a:r>
               <a:rPr lang="de-DE" dirty="0" smtClean="0"/>
-              <a:t>Kontakt</a:t>
+              <a:t>Fragen und Antworten</a:t>
+            </a:r>
+            <a:endParaRPr lang="de-DE" dirty="0"/>
+          </a:p>
+        </p:txBody>
+      </p:sp>
+    </p:spTree>
+  </p:cSld>
+  <p:clrMapOvr>
+    <a:masterClrMapping/>
+  </p:clrMapOvr>
+  <p:transition spd="slow" advTm="10000"/>
+</p:sld>
+</file>
+
+<file path=ppt/slides/slide28.xml><?xml version="1.0" encoding="utf-8"?>
+<p:sld xmlns:a="http://schemas.openxmlformats.org/drawingml/2006/main" xmlns:r="http://schemas.openxmlformats.org/officeDocument/2006/relationships" xmlns:p="http://schemas.openxmlformats.org/presentationml/2006/main">
+  <p:cSld>
+    <p:spTree>
+      <p:nvGrpSpPr>
+        <p:cNvPr id="1" name=""/>
+        <p:cNvGrpSpPr/>
+        <p:nvPr/>
+      </p:nvGrpSpPr>
+      <p:grpSpPr>
+        <a:xfrm>
+          <a:off x="0" y="0"/>
+          <a:ext cx="0" cy="0"/>
+          <a:chOff x="0" y="0"/>
+          <a:chExt cx="0" cy="0"/>
+        </a:xfrm>
+      </p:grpSpPr>
+      <p:sp>
+        <p:nvSpPr>
+          <p:cNvPr id="4" name="Titel 3"/>
+          <p:cNvSpPr>
+            <a:spLocks noGrp="1"/>
+          </p:cNvSpPr>
+          <p:nvPr>
+            <p:ph type="title"/>
+          </p:nvPr>
+        </p:nvSpPr>
+        <p:spPr>
+          <a:xfrm>
+            <a:off x="360000" y="216000"/>
+            <a:ext cx="8172440" cy="864000"/>
+          </a:xfrm>
+        </p:spPr>
+        <p:txBody>
+          <a:bodyPr/>
+          <a:lstStyle/>
+          <a:p>
+            <a:r>
+              <a:rPr lang="de-DE" dirty="0" smtClean="0"/>
+              <a:t>Ihre Ansprechpartner</a:t>
             </a:r>
             <a:endParaRPr lang="de-DE" dirty="0"/>
           </a:p>
@@ -23496,7 +24076,7 @@
       </p:sp>
       <p:sp>
         <p:nvSpPr>
-          <p:cNvPr id="4" name="Textplatzhalter 3"/>
+          <p:cNvPr id="8" name="Textplatzhalter 7"/>
           <p:cNvSpPr>
             <a:spLocks noGrp="1"/>
           </p:cNvSpPr>
@@ -23510,16 +24090,8 @@
           <a:lstStyle/>
           <a:p>
             <a:r>
-              <a:rPr lang="de-DE" dirty="0" smtClean="0"/>
-              <a:t>Stefan Glase</a:t>
-            </a:r>
-            <a:endParaRPr dirty="0" smtClean="0"/>
-          </a:p>
-          <a:p>
-            <a:pPr lvl="1"/>
-            <a:r>
-              <a:rPr lang="de-DE" dirty="0" smtClean="0"/>
-              <a:t>Senior Consultant</a:t>
+              <a:rPr dirty="0" smtClean="0"/>
+              <a:t>Stefan Glase, Senior Consultant</a:t>
             </a:r>
             <a:endParaRPr lang="de-DE" dirty="0"/>
           </a:p>
@@ -23527,7 +24099,7 @@
       </p:sp>
       <p:sp>
         <p:nvSpPr>
-          <p:cNvPr id="6" name="Textplatzhalter 5"/>
+          <p:cNvPr id="10" name="Textplatzhalter 9"/>
           <p:cNvSpPr>
             <a:spLocks noGrp="1"/>
           </p:cNvSpPr>
@@ -23535,79 +24107,868 @@
             <p:ph type="body" sz="quarter" idx="13"/>
           </p:nvPr>
         </p:nvSpPr>
-        <p:spPr/>
+        <p:spPr>
+          <a:xfrm>
+            <a:off x="357188" y="1628800"/>
+            <a:ext cx="6715142" cy="1143000"/>
+          </a:xfrm>
+        </p:spPr>
+        <p:txBody>
+          <a:bodyPr>
+            <a:normAutofit/>
+          </a:bodyPr>
+          <a:lstStyle/>
+          <a:p>
+            <a:r>
+              <a:rPr sz="1600" dirty="0" smtClean="0"/>
+              <a:t>OPITZ CONSULTING </a:t>
+            </a:r>
+            <a:r>
+              <a:rPr sz="1600" dirty="0" err="1" smtClean="0"/>
+              <a:t>Gummersbach</a:t>
+            </a:r>
+            <a:r>
+              <a:rPr sz="1600" dirty="0" smtClean="0"/>
+              <a:t> GmbH</a:t>
+            </a:r>
+            <a:r>
+              <a:rPr sz="1600" dirty="0" smtClean="0"/>
+              <a:t/>
+            </a:r>
+            <a:br>
+              <a:rPr sz="1600" dirty="0" smtClean="0"/>
+            </a:br>
+            <a:r>
+              <a:rPr sz="1600" dirty="0" smtClean="0">
+                <a:solidFill>
+                  <a:schemeClr val="accent6"/>
+                </a:solidFill>
+                <a:hlinkClick r:id="rId3"/>
+              </a:rPr>
+              <a:t>stefan.glase@opitz-consulting.com</a:t>
+            </a:r>
+            <a:r>
+              <a:rPr sz="1600" dirty="0" smtClean="0">
+                <a:solidFill>
+                  <a:schemeClr val="accent6"/>
+                </a:solidFill>
+              </a:rPr>
+              <a:t/>
+            </a:r>
+            <a:br>
+              <a:rPr sz="1600" dirty="0" smtClean="0">
+                <a:solidFill>
+                  <a:schemeClr val="accent6"/>
+                </a:solidFill>
+              </a:rPr>
+            </a:br>
+            <a:r>
+              <a:rPr sz="1600" dirty="0" err="1" smtClean="0"/>
+              <a:t>Telefon</a:t>
+            </a:r>
+            <a:r>
+              <a:rPr sz="1600" dirty="0" smtClean="0"/>
+              <a:t>	+49 2261 60 01</a:t>
+            </a:r>
+            <a:r>
+              <a:rPr lang="de-DE" sz="1600" dirty="0" smtClean="0"/>
+              <a:t>-</a:t>
+            </a:r>
+            <a:r>
+              <a:rPr sz="1600" dirty="0" smtClean="0"/>
+              <a:t>1093</a:t>
+            </a:r>
+            <a:r>
+              <a:rPr sz="1600" dirty="0" smtClean="0"/>
+              <a:t/>
+            </a:r>
+            <a:br>
+              <a:rPr sz="1600" dirty="0" smtClean="0"/>
+            </a:br>
+            <a:r>
+              <a:rPr sz="1600" dirty="0" smtClean="0"/>
+              <a:t>Mobil	+49 </a:t>
+            </a:r>
+            <a:r>
+              <a:rPr sz="1600" dirty="0" smtClean="0"/>
+              <a:t>173 7276096</a:t>
+            </a:r>
+            <a:endParaRPr lang="de-DE" sz="1600" dirty="0"/>
+          </a:p>
+        </p:txBody>
+      </p:sp>
+      <p:sp>
+        <p:nvSpPr>
+          <p:cNvPr id="11" name="Textplatzhalter 10"/>
+          <p:cNvSpPr>
+            <a:spLocks noGrp="1"/>
+          </p:cNvSpPr>
+          <p:nvPr>
+            <p:ph type="body" sz="quarter" idx="14"/>
+          </p:nvPr>
+        </p:nvSpPr>
+        <p:spPr>
+          <a:xfrm>
+            <a:off x="357158" y="3068960"/>
+            <a:ext cx="6715172" cy="428628"/>
+          </a:xfrm>
+        </p:spPr>
         <p:txBody>
           <a:bodyPr/>
           <a:lstStyle/>
           <a:p>
             <a:r>
               <a:rPr dirty="0" smtClean="0"/>
-              <a:t>OPITZ CONSULTING </a:t>
-            </a:r>
-            <a:r>
-              <a:rPr dirty="0" err="1" smtClean="0"/>
-              <a:t>Gummersbach</a:t>
-            </a:r>
-            <a:r>
-              <a:rPr dirty="0" smtClean="0"/>
-              <a:t> GmbH</a:t>
-            </a:r>
-            <a:br>
-              <a:rPr dirty="0" smtClean="0"/>
-            </a:br>
-            <a:r>
-              <a:rPr dirty="0" smtClean="0"/>
-              <a:t>Kirchstr. 6</a:t>
-            </a:r>
-            <a:r>
-              <a:rPr lang="de-DE" dirty="0" smtClean="0"/>
-              <a:t>,</a:t>
-            </a:r>
-            <a:r>
-              <a:rPr dirty="0" smtClean="0"/>
-              <a:t> </a:t>
-            </a:r>
-            <a:r>
-              <a:rPr lang="nl-NL" dirty="0" smtClean="0">
-                <a:sym typeface="Wingdings"/>
-              </a:rPr>
-              <a:t> 51647 Gummersbach</a:t>
-            </a:r>
-            <a:br>
-              <a:rPr lang="nl-NL" dirty="0" smtClean="0">
-                <a:sym typeface="Wingdings"/>
-              </a:rPr>
-            </a:br>
-            <a:r>
-              <a:rPr lang="nl-NL" dirty="0" smtClean="0">
-                <a:sym typeface="Wingdings"/>
-              </a:rPr>
-              <a:t>Tel. +49 (2261) 6001 – 0</a:t>
-            </a:r>
-            <a:br>
-              <a:rPr lang="nl-NL" dirty="0" smtClean="0">
-                <a:sym typeface="Wingdings"/>
-              </a:rPr>
-            </a:br>
-            <a:r>
-              <a:rPr lang="nl-NL" dirty="0" smtClean="0">
-                <a:sym typeface="Wingdings"/>
-                <a:hlinkClick r:id="rId2"/>
-              </a:rPr>
-              <a:t>stefan.glase@opitz-consulting.com</a:t>
-            </a:r>
-            <a:r>
-              <a:rPr lang="nl-NL" dirty="0" smtClean="0">
-                <a:sym typeface="Wingdings"/>
-              </a:rPr>
-              <a:t> </a:t>
-            </a:r>
+              <a:t>Michael Stähler, Senior Consultant</a:t>
+            </a:r>
+            <a:endParaRPr lang="de-DE" dirty="0"/>
           </a:p>
         </p:txBody>
       </p:sp>
+      <p:sp>
+        <p:nvSpPr>
+          <p:cNvPr id="12" name="Textplatzhalter 11"/>
+          <p:cNvSpPr>
+            <a:spLocks noGrp="1"/>
+          </p:cNvSpPr>
+          <p:nvPr>
+            <p:ph type="body" sz="quarter" idx="15"/>
+          </p:nvPr>
+        </p:nvSpPr>
+        <p:spPr>
+          <a:xfrm>
+            <a:off x="357188" y="3284414"/>
+            <a:ext cx="6715142" cy="1143008"/>
+          </a:xfrm>
+        </p:spPr>
+        <p:txBody>
+          <a:bodyPr>
+            <a:normAutofit/>
+          </a:bodyPr>
+          <a:lstStyle/>
+          <a:p>
+            <a:r>
+              <a:rPr sz="1600" dirty="0" smtClean="0"/>
+              <a:t>OPITZ CONSULTING </a:t>
+            </a:r>
+            <a:r>
+              <a:rPr sz="1600" dirty="0" err="1" smtClean="0"/>
+              <a:t>Gummersbach</a:t>
+            </a:r>
+            <a:r>
+              <a:rPr sz="1600" dirty="0" smtClean="0"/>
+              <a:t> GmbH</a:t>
+            </a:r>
+            <a:r>
+              <a:rPr sz="1600" dirty="0" smtClean="0"/>
+              <a:t/>
+            </a:r>
+            <a:br>
+              <a:rPr sz="1600" dirty="0" smtClean="0"/>
+            </a:br>
+            <a:r>
+              <a:rPr sz="1600" dirty="0" smtClean="0">
+                <a:hlinkClick r:id="rId4"/>
+              </a:rPr>
+              <a:t>michael.steaehler@opitz-consulting.com</a:t>
+            </a:r>
+            <a:r>
+              <a:rPr sz="1600" dirty="0" smtClean="0"/>
+              <a:t> </a:t>
+            </a:r>
+            <a:r>
+              <a:rPr sz="1600" dirty="0" smtClean="0"/>
+              <a:t/>
+            </a:r>
+            <a:br>
+              <a:rPr sz="1600" dirty="0" smtClean="0"/>
+            </a:br>
+            <a:r>
+              <a:rPr sz="1600" dirty="0" err="1" smtClean="0"/>
+              <a:t>Telefon</a:t>
+            </a:r>
+            <a:r>
+              <a:rPr sz="1600" dirty="0" smtClean="0"/>
+              <a:t>	</a:t>
+            </a:r>
+            <a:r>
+              <a:rPr lang="de-DE" sz="1600" dirty="0" smtClean="0"/>
+              <a:t>+49 </a:t>
+            </a:r>
+            <a:r>
+              <a:rPr lang="de-DE" sz="1600" dirty="0" smtClean="0"/>
+              <a:t>2261 60 01-1180 </a:t>
+            </a:r>
+            <a:r>
+              <a:rPr sz="1600" dirty="0" smtClean="0"/>
+              <a:t/>
+            </a:r>
+            <a:br>
+              <a:rPr sz="1600" dirty="0" smtClean="0"/>
+            </a:br>
+            <a:r>
+              <a:rPr sz="1600" dirty="0" smtClean="0"/>
+              <a:t>Mobil	</a:t>
+            </a:r>
+            <a:r>
+              <a:rPr lang="de-DE" sz="1600" dirty="0" smtClean="0"/>
+              <a:t>+49 </a:t>
+            </a:r>
+            <a:r>
+              <a:rPr lang="de-DE" dirty="0" smtClean="0"/>
+              <a:t>173 9793370</a:t>
+            </a:r>
+            <a:endParaRPr sz="1600" dirty="0" smtClean="0"/>
+          </a:p>
+        </p:txBody>
+      </p:sp>
+      <p:grpSp>
+        <p:nvGrpSpPr>
+          <p:cNvPr id="2" name="Gruppieren 14"/>
+          <p:cNvGrpSpPr/>
+          <p:nvPr/>
+        </p:nvGrpSpPr>
+        <p:grpSpPr>
+          <a:xfrm>
+            <a:off x="-3071866" y="3500438"/>
+            <a:ext cx="2714644" cy="2714644"/>
+            <a:chOff x="-3071866" y="3500438"/>
+            <a:chExt cx="2714644" cy="2714644"/>
+          </a:xfrm>
+        </p:grpSpPr>
+        <p:sp>
+          <p:nvSpPr>
+            <p:cNvPr id="16" name="Rechteck 4"/>
+            <p:cNvSpPr/>
+            <p:nvPr/>
+          </p:nvSpPr>
+          <p:spPr>
+            <a:xfrm>
+              <a:off x="-3071866" y="3500438"/>
+              <a:ext cx="2714644" cy="2714644"/>
+            </a:xfrm>
+            <a:prstGeom prst="rect">
+              <a:avLst/>
+            </a:prstGeom>
+            <a:solidFill>
+              <a:schemeClr val="accent1"/>
+            </a:solidFill>
+          </p:spPr>
+          <p:style>
+            <a:lnRef idx="2">
+              <a:schemeClr val="accent1">
+                <a:shade val="50000"/>
+              </a:schemeClr>
+            </a:lnRef>
+            <a:fillRef idx="1">
+              <a:schemeClr val="accent1"/>
+            </a:fillRef>
+            <a:effectRef idx="0">
+              <a:schemeClr val="accent1"/>
+            </a:effectRef>
+            <a:fontRef idx="minor">
+              <a:schemeClr val="lt1"/>
+            </a:fontRef>
+          </p:style>
+          <p:txBody>
+            <a:bodyPr rtlCol="0" anchor="t"/>
+            <a:lstStyle/>
+            <a:p>
+              <a:r>
+                <a:rPr lang="de-DE" b="1" dirty="0" smtClean="0"/>
+                <a:t>Design:</a:t>
+              </a:r>
+            </a:p>
+            <a:p>
+              <a:pPr marL="173038" indent="-173038">
+                <a:buFont typeface="Arial" pitchFamily="34" charset="0"/>
+                <a:buChar char="•"/>
+              </a:pPr>
+              <a:r>
+                <a:rPr lang="de-DE" sz="1400" dirty="0" smtClean="0"/>
+                <a:t>Das </a:t>
+              </a:r>
+              <a:r>
+                <a:rPr lang="de-DE" sz="1400" b="1" dirty="0" smtClean="0"/>
+                <a:t>Farbschema</a:t>
+              </a:r>
+              <a:r>
+                <a:rPr lang="de-DE" sz="1400" dirty="0" smtClean="0"/>
+                <a:t> ist im Design als „OC 2009“ hinterlegt.</a:t>
+              </a:r>
+            </a:p>
+            <a:p>
+              <a:pPr marL="173038" indent="-173038">
+                <a:buFont typeface="Arial" pitchFamily="34" charset="0"/>
+                <a:buChar char="•"/>
+              </a:pPr>
+              <a:r>
+                <a:rPr lang="de-DE" sz="1400" dirty="0" smtClean="0"/>
+                <a:t>Ebenso sind die </a:t>
+              </a:r>
+              <a:r>
+                <a:rPr lang="de-DE" sz="1400" b="1" dirty="0" smtClean="0"/>
+                <a:t>Schriftarten</a:t>
+              </a:r>
+              <a:r>
+                <a:rPr lang="de-DE" sz="1400" dirty="0" smtClean="0"/>
+                <a:t> als „OC 2009“ hinterlegt.</a:t>
+              </a:r>
+            </a:p>
+            <a:p>
+              <a:pPr marL="173038" indent="-173038">
+                <a:buFont typeface="Arial" pitchFamily="34" charset="0"/>
+                <a:buChar char="•"/>
+              </a:pPr>
+              <a:r>
+                <a:rPr lang="de-DE" sz="1400" dirty="0" smtClean="0"/>
+                <a:t>Die  Standardfarben sind:</a:t>
+              </a:r>
+            </a:p>
+            <a:p>
+              <a:r>
+                <a:rPr lang="de-DE" sz="1400" dirty="0" smtClean="0"/>
+                <a:t> </a:t>
+              </a:r>
+              <a:endParaRPr lang="de-DE" sz="1400" dirty="0"/>
+            </a:p>
+          </p:txBody>
+        </p:sp>
+        <p:sp>
+          <p:nvSpPr>
+            <p:cNvPr id="17" name="Rectangle 71"/>
+            <p:cNvSpPr>
+              <a:spLocks noChangeArrowheads="1"/>
+            </p:cNvSpPr>
+            <p:nvPr/>
+          </p:nvSpPr>
+          <p:spPr bwMode="auto">
+            <a:xfrm>
+              <a:off x="-1928858" y="5691206"/>
+              <a:ext cx="382587" cy="381000"/>
+            </a:xfrm>
+            <a:prstGeom prst="rect">
+              <a:avLst/>
+            </a:prstGeom>
+            <a:solidFill>
+              <a:schemeClr val="accent4"/>
+            </a:solidFill>
+            <a:ln w="9525">
+              <a:solidFill>
+                <a:schemeClr val="tx2"/>
+              </a:solidFill>
+              <a:miter lim="800000"/>
+              <a:headEnd/>
+              <a:tailEnd/>
+            </a:ln>
+          </p:spPr>
+          <p:txBody>
+            <a:bodyPr wrap="none" anchor="ctr"/>
+            <a:lstStyle/>
+            <a:p>
+              <a:pPr algn="ctr" eaLnBrk="0" hangingPunct="0"/>
+              <a:r>
+                <a:rPr lang="de-DE" sz="1600" b="0"/>
+                <a:t> </a:t>
+              </a:r>
+            </a:p>
+          </p:txBody>
+        </p:sp>
+        <p:sp>
+          <p:nvSpPr>
+            <p:cNvPr id="18" name="Rectangle 72"/>
+            <p:cNvSpPr>
+              <a:spLocks noChangeArrowheads="1"/>
+            </p:cNvSpPr>
+            <p:nvPr/>
+          </p:nvSpPr>
+          <p:spPr bwMode="auto">
+            <a:xfrm>
+              <a:off x="-1428792" y="5691206"/>
+              <a:ext cx="381000" cy="381000"/>
+            </a:xfrm>
+            <a:prstGeom prst="rect">
+              <a:avLst/>
+            </a:prstGeom>
+            <a:solidFill>
+              <a:schemeClr val="accent6"/>
+            </a:solidFill>
+            <a:ln w="9525">
+              <a:solidFill>
+                <a:schemeClr val="tx2"/>
+              </a:solidFill>
+              <a:miter lim="800000"/>
+              <a:headEnd/>
+              <a:tailEnd/>
+            </a:ln>
+          </p:spPr>
+          <p:txBody>
+            <a:bodyPr wrap="none" anchor="ctr"/>
+            <a:lstStyle/>
+            <a:p>
+              <a:pPr algn="ctr" eaLnBrk="0" hangingPunct="0"/>
+              <a:r>
+                <a:rPr lang="de-DE" sz="1600" b="0"/>
+                <a:t> </a:t>
+              </a:r>
+            </a:p>
+          </p:txBody>
+        </p:sp>
+        <p:sp>
+          <p:nvSpPr>
+            <p:cNvPr id="19" name="Rectangle 73"/>
+            <p:cNvSpPr>
+              <a:spLocks noChangeArrowheads="1"/>
+            </p:cNvSpPr>
+            <p:nvPr/>
+          </p:nvSpPr>
+          <p:spPr bwMode="auto">
+            <a:xfrm>
+              <a:off x="-2928990" y="5691206"/>
+              <a:ext cx="381000" cy="381000"/>
+            </a:xfrm>
+            <a:prstGeom prst="rect">
+              <a:avLst/>
+            </a:prstGeom>
+            <a:solidFill>
+              <a:schemeClr val="tx1"/>
+            </a:solidFill>
+            <a:ln w="9525">
+              <a:solidFill>
+                <a:schemeClr val="tx2"/>
+              </a:solidFill>
+              <a:miter lim="800000"/>
+              <a:headEnd/>
+              <a:tailEnd/>
+            </a:ln>
+          </p:spPr>
+          <p:txBody>
+            <a:bodyPr wrap="none" anchor="ctr"/>
+            <a:lstStyle/>
+            <a:p>
+              <a:pPr algn="ctr" eaLnBrk="0" hangingPunct="0"/>
+              <a:r>
+                <a:rPr lang="de-DE" sz="1600" b="0"/>
+                <a:t> </a:t>
+              </a:r>
+            </a:p>
+          </p:txBody>
+        </p:sp>
+        <p:sp>
+          <p:nvSpPr>
+            <p:cNvPr id="20" name="Rectangle 74"/>
+            <p:cNvSpPr>
+              <a:spLocks noChangeArrowheads="1"/>
+            </p:cNvSpPr>
+            <p:nvPr/>
+          </p:nvSpPr>
+          <p:spPr bwMode="auto">
+            <a:xfrm>
+              <a:off x="-2428924" y="5191140"/>
+              <a:ext cx="381000" cy="381000"/>
+            </a:xfrm>
+            <a:prstGeom prst="rect">
+              <a:avLst/>
+            </a:prstGeom>
+            <a:solidFill>
+              <a:schemeClr val="tx2"/>
+            </a:solidFill>
+            <a:ln w="9525">
+              <a:solidFill>
+                <a:schemeClr val="tx2"/>
+              </a:solidFill>
+              <a:miter lim="800000"/>
+              <a:headEnd/>
+              <a:tailEnd/>
+            </a:ln>
+          </p:spPr>
+          <p:txBody>
+            <a:bodyPr wrap="none" anchor="ctr"/>
+            <a:lstStyle/>
+            <a:p>
+              <a:pPr algn="ctr" eaLnBrk="0" hangingPunct="0"/>
+              <a:r>
+                <a:rPr lang="de-DE" sz="1600" b="0"/>
+                <a:t> </a:t>
+              </a:r>
+            </a:p>
+          </p:txBody>
+        </p:sp>
+        <p:sp>
+          <p:nvSpPr>
+            <p:cNvPr id="21" name="Rectangle 75"/>
+            <p:cNvSpPr>
+              <a:spLocks noChangeArrowheads="1"/>
+            </p:cNvSpPr>
+            <p:nvPr/>
+          </p:nvSpPr>
+          <p:spPr bwMode="auto">
+            <a:xfrm>
+              <a:off x="-1928858" y="5191140"/>
+              <a:ext cx="381000" cy="381000"/>
+            </a:xfrm>
+            <a:prstGeom prst="rect">
+              <a:avLst/>
+            </a:prstGeom>
+            <a:solidFill>
+              <a:schemeClr val="accent1"/>
+            </a:solidFill>
+            <a:ln w="9525">
+              <a:solidFill>
+                <a:schemeClr val="tx2"/>
+              </a:solidFill>
+              <a:miter lim="800000"/>
+              <a:headEnd/>
+              <a:tailEnd/>
+            </a:ln>
+          </p:spPr>
+          <p:txBody>
+            <a:bodyPr wrap="none" anchor="ctr"/>
+            <a:lstStyle/>
+            <a:p>
+              <a:pPr algn="ctr" eaLnBrk="0" hangingPunct="0"/>
+              <a:r>
+                <a:rPr lang="de-DE" sz="1600" b="0"/>
+                <a:t> </a:t>
+              </a:r>
+            </a:p>
+          </p:txBody>
+        </p:sp>
+        <p:sp>
+          <p:nvSpPr>
+            <p:cNvPr id="22" name="Rectangle 77"/>
+            <p:cNvSpPr>
+              <a:spLocks noChangeArrowheads="1"/>
+            </p:cNvSpPr>
+            <p:nvPr/>
+          </p:nvSpPr>
+          <p:spPr bwMode="auto">
+            <a:xfrm>
+              <a:off x="-2928990" y="5191140"/>
+              <a:ext cx="381000" cy="381000"/>
+            </a:xfrm>
+            <a:prstGeom prst="rect">
+              <a:avLst/>
+            </a:prstGeom>
+            <a:solidFill>
+              <a:schemeClr val="bg1"/>
+            </a:solidFill>
+            <a:ln w="9525">
+              <a:solidFill>
+                <a:schemeClr val="tx2"/>
+              </a:solidFill>
+              <a:miter lim="800000"/>
+              <a:headEnd/>
+              <a:tailEnd/>
+            </a:ln>
+          </p:spPr>
+          <p:txBody>
+            <a:bodyPr wrap="none" anchor="ctr"/>
+            <a:lstStyle/>
+            <a:p>
+              <a:pPr algn="ctr" eaLnBrk="0" hangingPunct="0"/>
+              <a:r>
+                <a:rPr lang="de-DE" sz="1600" b="0"/>
+                <a:t> </a:t>
+              </a:r>
+            </a:p>
+          </p:txBody>
+        </p:sp>
+        <p:sp>
+          <p:nvSpPr>
+            <p:cNvPr id="23" name="Rectangle 78"/>
+            <p:cNvSpPr>
+              <a:spLocks noChangeArrowheads="1"/>
+            </p:cNvSpPr>
+            <p:nvPr/>
+          </p:nvSpPr>
+          <p:spPr bwMode="auto">
+            <a:xfrm>
+              <a:off x="-2428924" y="5691206"/>
+              <a:ext cx="381000" cy="381000"/>
+            </a:xfrm>
+            <a:prstGeom prst="rect">
+              <a:avLst/>
+            </a:prstGeom>
+            <a:solidFill>
+              <a:schemeClr val="accent5"/>
+            </a:solidFill>
+            <a:ln w="9525">
+              <a:solidFill>
+                <a:schemeClr val="tx2"/>
+              </a:solidFill>
+              <a:miter lim="800000"/>
+              <a:headEnd/>
+              <a:tailEnd/>
+            </a:ln>
+          </p:spPr>
+          <p:txBody>
+            <a:bodyPr wrap="none" anchor="ctr"/>
+            <a:lstStyle/>
+            <a:p>
+              <a:pPr algn="ctr" eaLnBrk="0" hangingPunct="0"/>
+              <a:r>
+                <a:rPr lang="de-DE" sz="1600" b="0"/>
+                <a:t> </a:t>
+              </a:r>
+            </a:p>
+          </p:txBody>
+        </p:sp>
+        <p:sp>
+          <p:nvSpPr>
+            <p:cNvPr id="24" name="Rectangle 79"/>
+            <p:cNvSpPr>
+              <a:spLocks noChangeArrowheads="1"/>
+            </p:cNvSpPr>
+            <p:nvPr/>
+          </p:nvSpPr>
+          <p:spPr bwMode="auto">
+            <a:xfrm>
+              <a:off x="-1428792" y="5191140"/>
+              <a:ext cx="381000" cy="381000"/>
+            </a:xfrm>
+            <a:prstGeom prst="rect">
+              <a:avLst/>
+            </a:prstGeom>
+            <a:solidFill>
+              <a:schemeClr val="accent2"/>
+            </a:solidFill>
+            <a:ln w="9525">
+              <a:solidFill>
+                <a:schemeClr val="tx2"/>
+              </a:solidFill>
+              <a:miter lim="800000"/>
+              <a:headEnd/>
+              <a:tailEnd/>
+            </a:ln>
+          </p:spPr>
+          <p:txBody>
+            <a:bodyPr wrap="none" anchor="ctr"/>
+            <a:lstStyle/>
+            <a:p>
+              <a:pPr algn="ctr" eaLnBrk="0" hangingPunct="0"/>
+              <a:r>
+                <a:rPr lang="de-DE" sz="1600" b="0"/>
+                <a:t> </a:t>
+              </a:r>
+            </a:p>
+          </p:txBody>
+        </p:sp>
+        <p:sp>
+          <p:nvSpPr>
+            <p:cNvPr id="25" name="Rectangle 80"/>
+            <p:cNvSpPr>
+              <a:spLocks noChangeArrowheads="1"/>
+            </p:cNvSpPr>
+            <p:nvPr/>
+          </p:nvSpPr>
+          <p:spPr bwMode="auto">
+            <a:xfrm>
+              <a:off x="-928726" y="5191140"/>
+              <a:ext cx="381000" cy="381000"/>
+            </a:xfrm>
+            <a:prstGeom prst="rect">
+              <a:avLst/>
+            </a:prstGeom>
+            <a:solidFill>
+              <a:schemeClr val="accent3"/>
+            </a:solidFill>
+            <a:ln w="9525">
+              <a:solidFill>
+                <a:schemeClr val="tx2"/>
+              </a:solidFill>
+              <a:miter lim="800000"/>
+              <a:headEnd/>
+              <a:tailEnd/>
+            </a:ln>
+          </p:spPr>
+          <p:txBody>
+            <a:bodyPr wrap="none" anchor="ctr"/>
+            <a:lstStyle/>
+            <a:p>
+              <a:pPr algn="ctr" eaLnBrk="0" hangingPunct="0"/>
+              <a:r>
+                <a:rPr lang="de-DE" sz="1600" b="0"/>
+                <a:t> </a:t>
+              </a:r>
+            </a:p>
+          </p:txBody>
+        </p:sp>
+      </p:grpSp>
+      <p:grpSp>
+        <p:nvGrpSpPr>
+          <p:cNvPr id="3" name="Gruppieren 41"/>
+          <p:cNvGrpSpPr/>
+          <p:nvPr/>
+        </p:nvGrpSpPr>
+        <p:grpSpPr>
+          <a:xfrm>
+            <a:off x="6365397" y="4939732"/>
+            <a:ext cx="2527083" cy="1225572"/>
+            <a:chOff x="368057" y="4365104"/>
+            <a:chExt cx="2934748" cy="1225572"/>
+          </a:xfrm>
+        </p:grpSpPr>
+        <p:sp>
+          <p:nvSpPr>
+            <p:cNvPr id="43" name="Textfeld 42"/>
+            <p:cNvSpPr txBox="1"/>
+            <p:nvPr/>
+          </p:nvSpPr>
+          <p:spPr>
+            <a:xfrm>
+              <a:off x="751891" y="4403204"/>
+              <a:ext cx="2550914" cy="1138773"/>
+            </a:xfrm>
+            <a:prstGeom prst="rect">
+              <a:avLst/>
+            </a:prstGeom>
+            <a:solidFill>
+              <a:schemeClr val="bg1"/>
+            </a:solidFill>
+          </p:spPr>
+          <p:txBody>
+            <a:bodyPr wrap="square" rtlCol="0">
+              <a:spAutoFit/>
+            </a:bodyPr>
+            <a:lstStyle/>
+            <a:p>
+              <a:r>
+                <a:rPr lang="de-DE" sz="1100" b="1" dirty="0" smtClean="0"/>
+                <a:t>youtube.com/</a:t>
+              </a:r>
+              <a:r>
+                <a:rPr lang="de-DE" sz="1100" b="1" dirty="0" err="1" smtClean="0"/>
+                <a:t>opitzconsulting</a:t>
+              </a:r>
+              <a:endParaRPr lang="de-DE" sz="1100" b="1" dirty="0" smtClean="0"/>
+            </a:p>
+            <a:p>
+              <a:endParaRPr lang="de-DE" sz="650" b="1" dirty="0" smtClean="0"/>
+            </a:p>
+            <a:p>
+              <a:endParaRPr lang="de-DE" sz="1100" b="1" dirty="0" smtClean="0"/>
+            </a:p>
+            <a:p>
+              <a:r>
+                <a:rPr lang="de-DE" sz="1100" b="1" dirty="0" smtClean="0"/>
+                <a:t>slideshare.net/</a:t>
+              </a:r>
+              <a:r>
+                <a:rPr lang="de-DE" sz="1100" b="1" dirty="0" err="1" smtClean="0"/>
+                <a:t>opitzconsulting</a:t>
+              </a:r>
+              <a:endParaRPr lang="de-DE" sz="1100" b="1" dirty="0" smtClean="0"/>
+            </a:p>
+            <a:p>
+              <a:endParaRPr lang="de-DE" sz="650" b="1" dirty="0"/>
+            </a:p>
+            <a:p>
+              <a:endParaRPr lang="de-DE" sz="1100" b="1" dirty="0" smtClean="0"/>
+            </a:p>
+            <a:p>
+              <a:r>
+                <a:rPr lang="de-DE" sz="1100" b="1" dirty="0" smtClean="0"/>
+                <a:t>xing.com/group-51062.460375</a:t>
+              </a:r>
+              <a:endParaRPr lang="de-DE" sz="1100" b="1" dirty="0"/>
+            </a:p>
+          </p:txBody>
+        </p:sp>
+        <p:pic>
+          <p:nvPicPr>
+            <p:cNvPr id="44" name="Grafik 43"/>
+            <p:cNvPicPr>
+              <a:picLocks noChangeAspect="1"/>
+            </p:cNvPicPr>
+            <p:nvPr/>
+          </p:nvPicPr>
+          <p:blipFill>
+            <a:blip r:embed="rId5" cstate="print">
+              <a:extLst>
+                <a:ext uri="{28A0092B-C50C-407E-A947-70E740481C1C}">
+                  <a14:useLocalDpi xmlns:a14="http://schemas.microsoft.com/office/drawing/2010/main" xmlns="" val="0"/>
+                </a:ext>
+              </a:extLst>
+            </a:blip>
+            <a:stretch>
+              <a:fillRect/>
+            </a:stretch>
+          </p:blipFill>
+          <p:spPr>
+            <a:xfrm>
+              <a:off x="368057" y="4801807"/>
+              <a:ext cx="360000" cy="355385"/>
+            </a:xfrm>
+            <a:prstGeom prst="rect">
+              <a:avLst/>
+            </a:prstGeom>
+          </p:spPr>
+        </p:pic>
+        <p:pic>
+          <p:nvPicPr>
+            <p:cNvPr id="45" name="Grafik 44"/>
+            <p:cNvPicPr>
+              <a:picLocks noChangeAspect="1"/>
+            </p:cNvPicPr>
+            <p:nvPr/>
+          </p:nvPicPr>
+          <p:blipFill>
+            <a:blip r:embed="rId6" cstate="print">
+              <a:extLst>
+                <a:ext uri="{28A0092B-C50C-407E-A947-70E740481C1C}">
+                  <a14:useLocalDpi xmlns:a14="http://schemas.microsoft.com/office/drawing/2010/main" xmlns="" val="0"/>
+                </a:ext>
+              </a:extLst>
+            </a:blip>
+            <a:stretch>
+              <a:fillRect/>
+            </a:stretch>
+          </p:blipFill>
+          <p:spPr>
+            <a:xfrm>
+              <a:off x="368057" y="5233727"/>
+              <a:ext cx="360000" cy="356949"/>
+            </a:xfrm>
+            <a:prstGeom prst="rect">
+              <a:avLst/>
+            </a:prstGeom>
+          </p:spPr>
+        </p:pic>
+        <p:pic>
+          <p:nvPicPr>
+            <p:cNvPr id="46" name="Grafik 45"/>
+            <p:cNvPicPr>
+              <a:picLocks noChangeAspect="1"/>
+            </p:cNvPicPr>
+            <p:nvPr/>
+          </p:nvPicPr>
+          <p:blipFill>
+            <a:blip r:embed="rId7" cstate="print">
+              <a:extLst>
+                <a:ext uri="{28A0092B-C50C-407E-A947-70E740481C1C}">
+                  <a14:useLocalDpi xmlns:a14="http://schemas.microsoft.com/office/drawing/2010/main" xmlns="" val="0"/>
+                </a:ext>
+              </a:extLst>
+            </a:blip>
+            <a:stretch>
+              <a:fillRect/>
+            </a:stretch>
+          </p:blipFill>
+          <p:spPr>
+            <a:xfrm>
+              <a:off x="368057" y="4365104"/>
+              <a:ext cx="360000" cy="357966"/>
+            </a:xfrm>
+            <a:prstGeom prst="rect">
+              <a:avLst/>
+            </a:prstGeom>
+          </p:spPr>
+        </p:pic>
+      </p:grpSp>
       <p:pic>
         <p:nvPicPr>
-          <p:cNvPr id="12" name="Bildplatzhalter 11" descr="opitz_glase-2754.jpg"/>
+          <p:cNvPr id="29" name="Bildplatzhalter 28" descr="opitz_glase-2754-jax.jpg"/>
           <p:cNvPicPr>
             <a:picLocks noGrp="1" noChangeAspect="1"/>
           </p:cNvPicPr>
@@ -23616,20 +24977,48 @@
           </p:nvPr>
         </p:nvPicPr>
         <p:blipFill>
-          <a:blip r:embed="rId3" cstate="print"/>
+          <a:blip r:embed="rId8" cstate="print"/>
+          <a:srcRect t="9375" b="9375"/>
+          <a:stretch>
+            <a:fillRect/>
+          </a:stretch>
+        </p:blipFill>
+        <p:spPr/>
+      </p:pic>
+      <p:pic>
+        <p:nvPicPr>
+          <p:cNvPr id="30" name="Picture 2" descr="Benutzeravatar"/>
+          <p:cNvPicPr>
+            <a:picLocks noGrp="1" noChangeAspect="1" noChangeArrowheads="1"/>
+          </p:cNvPicPr>
+          <p:nvPr>
+            <p:ph type="pic" sz="quarter" idx="16"/>
+          </p:nvPr>
+        </p:nvPicPr>
+        <p:blipFill>
+          <a:blip r:embed="rId9" cstate="print"/>
           <a:srcRect/>
           <a:stretch>
             <a:fillRect/>
           </a:stretch>
         </p:blipFill>
-        <p:spPr>
+        <p:spPr bwMode="auto">
           <a:xfrm>
-            <a:off x="6357950" y="1343618"/>
-            <a:ext cx="2428892" cy="2661446"/>
+            <a:off x="7215188" y="3068638"/>
+            <a:ext cx="1571625" cy="1571625"/>
           </a:xfrm>
+          <a:prstGeom prst="rect">
+            <a:avLst/>
+          </a:prstGeom>
+          <a:noFill/>
         </p:spPr>
       </p:pic>
     </p:spTree>
+    <p:extLst>
+      <p:ext uri="{BB962C8B-B14F-4D97-AF65-F5344CB8AC3E}">
+        <p14:creationId xmlns:p14="http://schemas.microsoft.com/office/powerpoint/2010/main" xmlns="" val="1074872443"/>
+      </p:ext>
+    </p:extLst>
   </p:cSld>
   <p:clrMapOvr>
     <a:masterClrMapping/>
@@ -23662,6 +25051,1427 @@
           <a:chExt cx="0" cy="0"/>
         </a:xfrm>
       </p:grpSpPr>
+      <p:sp>
+        <p:nvSpPr>
+          <p:cNvPr id="24" name="Rechteck 23"/>
+          <p:cNvSpPr/>
+          <p:nvPr/>
+        </p:nvSpPr>
+        <p:spPr>
+          <a:xfrm>
+            <a:off x="251520" y="5462667"/>
+            <a:ext cx="8712968" cy="936104"/>
+          </a:xfrm>
+          <a:prstGeom prst="rect">
+            <a:avLst/>
+          </a:prstGeom>
+          <a:solidFill>
+            <a:schemeClr val="bg1"/>
+          </a:solidFill>
+          <a:ln>
+            <a:noFill/>
+          </a:ln>
+        </p:spPr>
+        <p:style>
+          <a:lnRef idx="2">
+            <a:schemeClr val="accent1">
+              <a:shade val="50000"/>
+            </a:schemeClr>
+          </a:lnRef>
+          <a:fillRef idx="1">
+            <a:schemeClr val="accent1"/>
+          </a:fillRef>
+          <a:effectRef idx="0">
+            <a:schemeClr val="accent1"/>
+          </a:effectRef>
+          <a:fontRef idx="minor">
+            <a:schemeClr val="lt1"/>
+          </a:fontRef>
+        </p:style>
+        <p:txBody>
+          <a:bodyPr rtlCol="0" anchor="ctr"/>
+          <a:lstStyle/>
+          <a:p>
+            <a:pPr algn="ctr"/>
+            <a:endParaRPr lang="de-DE"/>
+          </a:p>
+        </p:txBody>
+      </p:sp>
+      <p:sp>
+        <p:nvSpPr>
+          <p:cNvPr id="18" name="Rechteck 17"/>
+          <p:cNvSpPr/>
+          <p:nvPr/>
+        </p:nvSpPr>
+        <p:spPr>
+          <a:xfrm>
+            <a:off x="247620" y="2456262"/>
+            <a:ext cx="8643998" cy="18000"/>
+          </a:xfrm>
+          <a:prstGeom prst="rect">
+            <a:avLst/>
+          </a:prstGeom>
+          <a:solidFill>
+            <a:schemeClr val="bg1"/>
+          </a:solidFill>
+          <a:ln>
+            <a:noFill/>
+          </a:ln>
+        </p:spPr>
+        <p:style>
+          <a:lnRef idx="2">
+            <a:schemeClr val="accent1">
+              <a:shade val="50000"/>
+            </a:schemeClr>
+          </a:lnRef>
+          <a:fillRef idx="1">
+            <a:schemeClr val="accent1"/>
+          </a:fillRef>
+          <a:effectRef idx="0">
+            <a:schemeClr val="accent1"/>
+          </a:effectRef>
+          <a:fontRef idx="minor">
+            <a:schemeClr val="lt1"/>
+          </a:fontRef>
+        </p:style>
+        <p:txBody>
+          <a:bodyPr rtlCol="0" anchor="ctr"/>
+          <a:lstStyle/>
+          <a:p>
+            <a:pPr algn="ctr"/>
+            <a:endParaRPr lang="de-DE"/>
+          </a:p>
+        </p:txBody>
+      </p:sp>
+      <p:sp>
+        <p:nvSpPr>
+          <p:cNvPr id="4" name="Trapezoid 3"/>
+          <p:cNvSpPr>
+            <a:spLocks/>
+          </p:cNvSpPr>
+          <p:nvPr/>
+        </p:nvSpPr>
+        <p:spPr>
+          <a:xfrm rot="5400000">
+            <a:off x="2779938" y="2124718"/>
+            <a:ext cx="3600400" cy="2608564"/>
+          </a:xfrm>
+          <a:prstGeom prst="trapezoid">
+            <a:avLst>
+              <a:gd name="adj" fmla="val 18212"/>
+            </a:avLst>
+          </a:prstGeom>
+          <a:solidFill>
+            <a:schemeClr val="accent3">
+              <a:alpha val="60000"/>
+            </a:schemeClr>
+          </a:solidFill>
+          <a:ln w="9525">
+            <a:solidFill>
+              <a:schemeClr val="accent3"/>
+            </a:solidFill>
+          </a:ln>
+        </p:spPr>
+        <p:style>
+          <a:lnRef idx="2">
+            <a:schemeClr val="accent1">
+              <a:shade val="50000"/>
+            </a:schemeClr>
+          </a:lnRef>
+          <a:fillRef idx="1">
+            <a:schemeClr val="accent1"/>
+          </a:fillRef>
+          <a:effectRef idx="0">
+            <a:schemeClr val="accent1"/>
+          </a:effectRef>
+          <a:fontRef idx="minor">
+            <a:schemeClr val="lt1"/>
+          </a:fontRef>
+        </p:style>
+        <p:txBody>
+          <a:bodyPr rtlCol="0" anchor="ctr"/>
+          <a:lstStyle/>
+          <a:p>
+            <a:pPr marL="0" algn="ctr" defTabSz="914400" rtl="0" eaLnBrk="1" latinLnBrk="0" hangingPunct="1"/>
+            <a:endParaRPr lang="de-DE" sz="1800" kern="1200">
+              <a:solidFill>
+                <a:schemeClr val="lt1"/>
+              </a:solidFill>
+              <a:latin typeface="+mn-lt"/>
+              <a:ea typeface="+mn-ea"/>
+              <a:cs typeface="+mn-cs"/>
+            </a:endParaRPr>
+          </a:p>
+        </p:txBody>
+      </p:sp>
+      <p:sp>
+        <p:nvSpPr>
+          <p:cNvPr id="5" name="Trapezoid 4"/>
+          <p:cNvSpPr>
+            <a:spLocks noChangeAspect="1"/>
+          </p:cNvSpPr>
+          <p:nvPr/>
+        </p:nvSpPr>
+        <p:spPr>
+          <a:xfrm rot="5400000">
+            <a:off x="-180197" y="2132525"/>
+            <a:ext cx="3599738" cy="2592287"/>
+          </a:xfrm>
+          <a:prstGeom prst="trapezoid">
+            <a:avLst>
+              <a:gd name="adj" fmla="val 17301"/>
+            </a:avLst>
+          </a:prstGeom>
+          <a:solidFill>
+            <a:schemeClr val="accent3"/>
+          </a:solidFill>
+          <a:ln w="9525">
+            <a:solidFill>
+              <a:schemeClr val="accent3"/>
+            </a:solidFill>
+          </a:ln>
+        </p:spPr>
+        <p:style>
+          <a:lnRef idx="2">
+            <a:schemeClr val="accent1">
+              <a:shade val="50000"/>
+            </a:schemeClr>
+          </a:lnRef>
+          <a:fillRef idx="1">
+            <a:schemeClr val="accent1"/>
+          </a:fillRef>
+          <a:effectRef idx="0">
+            <a:schemeClr val="accent1"/>
+          </a:effectRef>
+          <a:fontRef idx="minor">
+            <a:schemeClr val="lt1"/>
+          </a:fontRef>
+        </p:style>
+        <p:txBody>
+          <a:bodyPr rtlCol="0" anchor="ctr"/>
+          <a:lstStyle/>
+          <a:p>
+            <a:pPr algn="ctr"/>
+            <a:endParaRPr lang="de-DE"/>
+          </a:p>
+        </p:txBody>
+      </p:sp>
+      <p:sp>
+        <p:nvSpPr>
+          <p:cNvPr id="6" name="Textfeld 5"/>
+          <p:cNvSpPr txBox="1"/>
+          <p:nvPr/>
+        </p:nvSpPr>
+        <p:spPr>
+          <a:xfrm>
+            <a:off x="440400" y="2053344"/>
+            <a:ext cx="1857388" cy="2246769"/>
+          </a:xfrm>
+          <a:prstGeom prst="rect">
+            <a:avLst/>
+          </a:prstGeom>
+        </p:spPr>
+        <p:txBody>
+          <a:bodyPr vert="horz" lIns="0" tIns="0" rIns="0" bIns="0" rtlCol="0">
+            <a:normAutofit fontScale="92500" lnSpcReduction="10000"/>
+          </a:bodyPr>
+          <a:lstStyle/>
+          <a:p>
+            <a:pPr lvl="0" algn="l" defTabSz="914400" rtl="0" eaLnBrk="1" latinLnBrk="0" hangingPunct="1">
+              <a:buClr>
+                <a:schemeClr val="tx1"/>
+              </a:buClr>
+              <a:buFont typeface="Wingdings" pitchFamily="2" charset="2"/>
+              <a:buNone/>
+            </a:pPr>
+            <a:r>
+              <a:rPr kumimoji="0" lang="de-DE" sz="2200" b="1" i="0" u="none" strike="noStrike" kern="1200" cap="none" spc="0" normalizeH="0" baseline="0" noProof="0" dirty="0" smtClean="0">
+                <a:ln>
+                  <a:noFill/>
+                </a:ln>
+                <a:solidFill>
+                  <a:schemeClr val="tx1"/>
+                </a:solidFill>
+                <a:effectLst/>
+                <a:uLnTx/>
+                <a:uFillTx/>
+                <a:latin typeface="+mn-lt"/>
+                <a:ea typeface="+mn-ea"/>
+                <a:cs typeface="+mn-cs"/>
+              </a:rPr>
+              <a:t>Leistungs-</a:t>
+            </a:r>
+            <a:br>
+              <a:rPr kumimoji="0" lang="de-DE" sz="2200" b="1" i="0" u="none" strike="noStrike" kern="1200" cap="none" spc="0" normalizeH="0" baseline="0" noProof="0" dirty="0" smtClean="0">
+                <a:ln>
+                  <a:noFill/>
+                </a:ln>
+                <a:solidFill>
+                  <a:schemeClr val="tx1"/>
+                </a:solidFill>
+                <a:effectLst/>
+                <a:uLnTx/>
+                <a:uFillTx/>
+                <a:latin typeface="+mn-lt"/>
+                <a:ea typeface="+mn-ea"/>
+                <a:cs typeface="+mn-cs"/>
+              </a:rPr>
+            </a:br>
+            <a:r>
+              <a:rPr kumimoji="0" lang="de-DE" sz="2200" b="1" i="0" u="none" strike="noStrike" kern="1200" cap="none" spc="0" normalizeH="0" baseline="0" noProof="0" dirty="0" err="1" smtClean="0">
+                <a:ln>
+                  <a:noFill/>
+                </a:ln>
+                <a:solidFill>
+                  <a:schemeClr val="tx1"/>
+                </a:solidFill>
+                <a:effectLst/>
+                <a:uLnTx/>
+                <a:uFillTx/>
+                <a:latin typeface="+mn-lt"/>
+                <a:ea typeface="+mn-ea"/>
+                <a:cs typeface="+mn-cs"/>
+              </a:rPr>
+              <a:t>angebot</a:t>
+            </a:r>
+            <a:endParaRPr kumimoji="0" lang="de-DE" sz="2200" b="1" i="0" u="none" strike="noStrike" kern="1200" cap="none" spc="0" normalizeH="0" baseline="0" noProof="0" dirty="0" smtClean="0">
+              <a:ln>
+                <a:noFill/>
+              </a:ln>
+              <a:solidFill>
+                <a:schemeClr val="tx2"/>
+              </a:solidFill>
+              <a:effectLst/>
+              <a:uLnTx/>
+              <a:uFillTx/>
+              <a:latin typeface="+mn-lt"/>
+              <a:ea typeface="+mn-ea"/>
+              <a:cs typeface="+mn-cs"/>
+            </a:endParaRPr>
+          </a:p>
+          <a:p>
+            <a:pPr marL="177800" lvl="1" indent="-177800" algn="l" defTabSz="914400" rtl="0" eaLnBrk="1" latinLnBrk="0" hangingPunct="1">
+              <a:spcBef>
+                <a:spcPts val="1200"/>
+              </a:spcBef>
+              <a:buClr>
+                <a:schemeClr val="tx1"/>
+              </a:buClr>
+              <a:buFont typeface="Wingdings" pitchFamily="2" charset="2"/>
+              <a:buChar char=""/>
+            </a:pPr>
+            <a:r>
+              <a:rPr kumimoji="0" lang="de-DE" sz="1700" b="0" i="0" u="none" strike="noStrike" kern="1200" cap="none" spc="0" normalizeH="0" baseline="0" noProof="0" dirty="0" smtClean="0">
+                <a:ln>
+                  <a:noFill/>
+                </a:ln>
+                <a:solidFill>
+                  <a:schemeClr val="tx2"/>
+                </a:solidFill>
+                <a:effectLst/>
+                <a:uLnTx/>
+                <a:uFillTx/>
+                <a:latin typeface="+mn-lt"/>
+                <a:ea typeface="+mn-ea"/>
+                <a:cs typeface="+mn-cs"/>
+              </a:rPr>
+              <a:t>Java</a:t>
+            </a:r>
+          </a:p>
+          <a:p>
+            <a:pPr marL="177800" lvl="1" indent="-177800" algn="l" defTabSz="914400" rtl="0" eaLnBrk="1" latinLnBrk="0" hangingPunct="1">
+              <a:buClr>
+                <a:schemeClr val="tx1"/>
+              </a:buClr>
+              <a:buFont typeface="Wingdings" pitchFamily="2" charset="2"/>
+              <a:buChar char=""/>
+            </a:pPr>
+            <a:r>
+              <a:rPr kumimoji="0" lang="de-DE" sz="1700" b="0" i="0" u="none" strike="noStrike" kern="1200" cap="none" spc="0" normalizeH="0" baseline="0" noProof="0" dirty="0" smtClean="0">
+                <a:ln>
+                  <a:noFill/>
+                </a:ln>
+                <a:solidFill>
+                  <a:schemeClr val="tx2"/>
+                </a:solidFill>
+                <a:effectLst/>
+                <a:uLnTx/>
+                <a:uFillTx/>
+                <a:latin typeface="+mn-lt"/>
+                <a:ea typeface="+mn-ea"/>
+                <a:cs typeface="+mn-cs"/>
+              </a:rPr>
+              <a:t>SOA/BPM</a:t>
+            </a:r>
+          </a:p>
+          <a:p>
+            <a:pPr marL="177800" lvl="1" indent="-177800" algn="l" defTabSz="914400" rtl="0" eaLnBrk="1" latinLnBrk="0" hangingPunct="1">
+              <a:buClr>
+                <a:schemeClr val="tx1"/>
+              </a:buClr>
+              <a:buFont typeface="Wingdings" pitchFamily="2" charset="2"/>
+              <a:buChar char=""/>
+            </a:pPr>
+            <a:r>
+              <a:rPr kumimoji="0" lang="de-DE" sz="1700" b="0" i="0" u="none" strike="noStrike" kern="1200" cap="none" spc="0" normalizeH="0" baseline="0" noProof="0" dirty="0" smtClean="0">
+                <a:ln>
+                  <a:noFill/>
+                </a:ln>
+                <a:solidFill>
+                  <a:schemeClr val="tx2"/>
+                </a:solidFill>
+                <a:effectLst/>
+                <a:uLnTx/>
+                <a:uFillTx/>
+                <a:latin typeface="+mn-lt"/>
+                <a:ea typeface="+mn-ea"/>
+                <a:cs typeface="+mn-cs"/>
+              </a:rPr>
+              <a:t>ORACLE</a:t>
+            </a:r>
+          </a:p>
+          <a:p>
+            <a:pPr marL="177800" lvl="1" indent="-177800" algn="l" defTabSz="914400" rtl="0" eaLnBrk="1" latinLnBrk="0" hangingPunct="1">
+              <a:buClr>
+                <a:schemeClr val="tx1"/>
+              </a:buClr>
+              <a:buFont typeface="Wingdings" pitchFamily="2" charset="2"/>
+              <a:buChar char=""/>
+            </a:pPr>
+            <a:r>
+              <a:rPr kumimoji="0" lang="de-DE" sz="1700" b="0" i="0" u="none" strike="noStrike" kern="1200" cap="none" spc="0" normalizeH="0" baseline="0" noProof="0" dirty="0" smtClean="0">
+                <a:ln>
+                  <a:noFill/>
+                </a:ln>
+                <a:solidFill>
+                  <a:schemeClr val="tx2"/>
+                </a:solidFill>
+                <a:effectLst/>
+                <a:uLnTx/>
+                <a:uFillTx/>
+                <a:latin typeface="+mn-lt"/>
+                <a:ea typeface="+mn-ea"/>
+                <a:cs typeface="+mn-cs"/>
+              </a:rPr>
+              <a:t>BI/DWH</a:t>
+            </a:r>
+          </a:p>
+          <a:p>
+            <a:pPr marL="177800" lvl="1" indent="-177800" algn="l" defTabSz="914400" rtl="0" eaLnBrk="1" latinLnBrk="0" hangingPunct="1">
+              <a:buClr>
+                <a:schemeClr val="tx1"/>
+              </a:buClr>
+              <a:buFont typeface="Wingdings" pitchFamily="2" charset="2"/>
+              <a:buChar char=""/>
+            </a:pPr>
+            <a:r>
+              <a:rPr kumimoji="0" lang="de-DE" sz="1700" b="0" i="0" u="none" strike="noStrike" kern="1200" cap="none" spc="0" normalizeH="0" baseline="0" noProof="0" dirty="0" err="1" smtClean="0">
+                <a:ln>
+                  <a:noFill/>
+                </a:ln>
+                <a:solidFill>
+                  <a:schemeClr val="tx2"/>
+                </a:solidFill>
+                <a:effectLst/>
+                <a:uLnTx/>
+                <a:uFillTx/>
+                <a:latin typeface="+mn-lt"/>
+                <a:ea typeface="+mn-ea"/>
+                <a:cs typeface="+mn-cs"/>
+              </a:rPr>
+              <a:t>Outtasking</a:t>
+            </a:r>
+            <a:endParaRPr kumimoji="0" lang="de-DE" sz="1700" b="0" i="0" u="none" strike="noStrike" kern="1200" cap="none" spc="0" normalizeH="0" baseline="0" noProof="0" dirty="0" smtClean="0">
+              <a:ln>
+                <a:noFill/>
+              </a:ln>
+              <a:solidFill>
+                <a:schemeClr val="tx2"/>
+              </a:solidFill>
+              <a:effectLst/>
+              <a:uLnTx/>
+              <a:uFillTx/>
+              <a:latin typeface="+mn-lt"/>
+              <a:ea typeface="+mn-ea"/>
+              <a:cs typeface="+mn-cs"/>
+            </a:endParaRPr>
+          </a:p>
+          <a:p>
+            <a:pPr marL="177800" lvl="1" indent="-177800" algn="l" defTabSz="914400" rtl="0" eaLnBrk="1" latinLnBrk="0" hangingPunct="1">
+              <a:buClr>
+                <a:schemeClr val="tx1"/>
+              </a:buClr>
+              <a:buFont typeface="Wingdings" pitchFamily="2" charset="2"/>
+              <a:buChar char=""/>
+            </a:pPr>
+            <a:r>
+              <a:rPr lang="de-DE" sz="1700" noProof="0" dirty="0" err="1" smtClean="0">
+                <a:solidFill>
+                  <a:schemeClr val="tx2"/>
+                </a:solidFill>
+              </a:rPr>
+              <a:t>Exadata</a:t>
+            </a:r>
+            <a:r>
+              <a:rPr lang="de-DE" sz="1700" noProof="0" dirty="0" smtClean="0">
+                <a:solidFill>
+                  <a:schemeClr val="tx2"/>
+                </a:solidFill>
+              </a:rPr>
+              <a:t> </a:t>
+            </a:r>
+          </a:p>
+          <a:p>
+            <a:pPr marL="177800" lvl="1" indent="-177800" algn="l" defTabSz="914400" rtl="0" eaLnBrk="1" latinLnBrk="0" hangingPunct="1">
+              <a:buClr>
+                <a:schemeClr val="tx1"/>
+              </a:buClr>
+              <a:buFont typeface="Wingdings" pitchFamily="2" charset="2"/>
+              <a:buChar char=""/>
+            </a:pPr>
+            <a:r>
+              <a:rPr lang="de-DE" sz="1700" noProof="0" dirty="0" err="1" smtClean="0">
+                <a:solidFill>
+                  <a:schemeClr val="tx2"/>
+                </a:solidFill>
+              </a:rPr>
+              <a:t>Exalogic</a:t>
+            </a:r>
+            <a:endParaRPr kumimoji="0" lang="de-DE" sz="1700" b="0" i="0" u="none" strike="noStrike" kern="1200" cap="none" spc="0" normalizeH="0" baseline="0" noProof="0" dirty="0" smtClean="0">
+              <a:ln>
+                <a:noFill/>
+              </a:ln>
+              <a:solidFill>
+                <a:schemeClr val="tx2"/>
+              </a:solidFill>
+              <a:effectLst/>
+              <a:uLnTx/>
+              <a:uFillTx/>
+              <a:latin typeface="+mn-lt"/>
+              <a:ea typeface="+mn-ea"/>
+              <a:cs typeface="+mn-cs"/>
+            </a:endParaRPr>
+          </a:p>
+          <a:p>
+            <a:pPr algn="l" defTabSz="914400" rtl="0" eaLnBrk="1" latinLnBrk="0" hangingPunct="1">
+              <a:buClr>
+                <a:schemeClr val="tx1"/>
+              </a:buClr>
+              <a:buFont typeface="Wingdings" pitchFamily="2" charset="2"/>
+              <a:buChar char=""/>
+            </a:pPr>
+            <a:endParaRPr kumimoji="0" lang="de-DE" sz="2000" b="1" i="0" u="none" strike="noStrike" kern="1200" cap="none" spc="0" normalizeH="0" baseline="0" noProof="0" dirty="0" smtClean="0">
+              <a:ln>
+                <a:noFill/>
+              </a:ln>
+              <a:solidFill>
+                <a:schemeClr val="tx2"/>
+              </a:solidFill>
+              <a:effectLst/>
+              <a:uLnTx/>
+              <a:uFillTx/>
+              <a:latin typeface="+mn-lt"/>
+              <a:ea typeface="+mn-ea"/>
+              <a:cs typeface="+mn-cs"/>
+            </a:endParaRPr>
+          </a:p>
+        </p:txBody>
+      </p:sp>
+      <p:sp>
+        <p:nvSpPr>
+          <p:cNvPr id="7" name="Textfeld 6"/>
+          <p:cNvSpPr txBox="1"/>
+          <p:nvPr/>
+        </p:nvSpPr>
+        <p:spPr>
+          <a:xfrm>
+            <a:off x="3378960" y="2011153"/>
+            <a:ext cx="2145420" cy="2858007"/>
+          </a:xfrm>
+          <a:prstGeom prst="rect">
+            <a:avLst/>
+          </a:prstGeom>
+        </p:spPr>
+        <p:txBody>
+          <a:bodyPr vert="horz" lIns="0" tIns="0" rIns="0" bIns="0" rtlCol="0">
+            <a:normAutofit/>
+          </a:bodyPr>
+          <a:lstStyle/>
+          <a:p>
+            <a:pPr lvl="0" algn="l" defTabSz="914400" rtl="0" eaLnBrk="1" latinLnBrk="0" hangingPunct="1">
+              <a:buClr>
+                <a:schemeClr val="tx1"/>
+              </a:buClr>
+              <a:buFont typeface="Wingdings" pitchFamily="2" charset="2"/>
+              <a:buNone/>
+            </a:pPr>
+            <a:r>
+              <a:rPr kumimoji="0" lang="de-DE" sz="2000" b="1" i="0" u="none" strike="noStrike" kern="1200" cap="none" spc="0" normalizeH="0" baseline="0" noProof="0" dirty="0" smtClean="0">
+                <a:ln>
+                  <a:noFill/>
+                </a:ln>
+                <a:solidFill>
+                  <a:schemeClr val="tx1"/>
+                </a:solidFill>
+                <a:effectLst/>
+                <a:uLnTx/>
+                <a:uFillTx/>
+                <a:latin typeface="+mn-lt"/>
+                <a:ea typeface="+mn-ea"/>
+                <a:cs typeface="+mn-cs"/>
+              </a:rPr>
+              <a:t>Kunden / Kollegen</a:t>
+            </a:r>
+            <a:r>
+              <a:rPr kumimoji="0" lang="de-DE" sz="2200" b="1" i="0" u="none" strike="noStrike" kern="1200" cap="none" spc="0" normalizeH="0" baseline="0" noProof="0" dirty="0" smtClean="0">
+                <a:ln>
+                  <a:noFill/>
+                </a:ln>
+                <a:solidFill>
+                  <a:schemeClr val="tx2"/>
+                </a:solidFill>
+                <a:effectLst/>
+                <a:uLnTx/>
+                <a:uFillTx/>
+                <a:latin typeface="+mn-lt"/>
+                <a:ea typeface="+mn-ea"/>
+                <a:cs typeface="+mn-cs"/>
+              </a:rPr>
+              <a:t/>
+            </a:r>
+            <a:br>
+              <a:rPr kumimoji="0" lang="de-DE" sz="2200" b="1" i="0" u="none" strike="noStrike" kern="1200" cap="none" spc="0" normalizeH="0" baseline="0" noProof="0" dirty="0" smtClean="0">
+                <a:ln>
+                  <a:noFill/>
+                </a:ln>
+                <a:solidFill>
+                  <a:schemeClr val="tx2"/>
+                </a:solidFill>
+                <a:effectLst/>
+                <a:uLnTx/>
+                <a:uFillTx/>
+                <a:latin typeface="+mn-lt"/>
+                <a:ea typeface="+mn-ea"/>
+                <a:cs typeface="+mn-cs"/>
+              </a:rPr>
+            </a:br>
+            <a:endParaRPr kumimoji="0" lang="de-DE" sz="1400" b="1" i="0" u="none" strike="noStrike" kern="1200" cap="none" spc="0" normalizeH="0" baseline="0" noProof="0" dirty="0" smtClean="0">
+              <a:ln>
+                <a:noFill/>
+              </a:ln>
+              <a:solidFill>
+                <a:schemeClr val="tx2"/>
+              </a:solidFill>
+              <a:effectLst/>
+              <a:uLnTx/>
+              <a:uFillTx/>
+              <a:latin typeface="+mn-lt"/>
+              <a:ea typeface="+mn-ea"/>
+              <a:cs typeface="+mn-cs"/>
+            </a:endParaRPr>
+          </a:p>
+          <a:p>
+            <a:pPr marL="0" lvl="1">
+              <a:buClr>
+                <a:schemeClr val="tx1"/>
+              </a:buClr>
+              <a:buFont typeface="Wingdings" pitchFamily="2" charset="2"/>
+              <a:buChar char=""/>
+            </a:pPr>
+            <a:r>
+              <a:rPr lang="de-DE" sz="1600" dirty="0" smtClean="0">
+                <a:solidFill>
+                  <a:schemeClr val="tx2"/>
+                </a:solidFill>
+              </a:rPr>
+              <a:t>Über 600 Kunden</a:t>
+            </a:r>
+          </a:p>
+          <a:p>
+            <a:pPr marL="0" lvl="1">
+              <a:buClr>
+                <a:schemeClr val="tx1"/>
+              </a:buClr>
+              <a:buFont typeface="Wingdings" pitchFamily="2" charset="2"/>
+              <a:buChar char=""/>
+            </a:pPr>
+            <a:r>
+              <a:rPr lang="de-DE" sz="1600" dirty="0" smtClean="0">
+                <a:solidFill>
+                  <a:schemeClr val="tx2"/>
+                </a:solidFill>
+              </a:rPr>
+              <a:t>Branchen-</a:t>
+            </a:r>
+            <a:br>
+              <a:rPr lang="de-DE" sz="1600" dirty="0" smtClean="0">
+                <a:solidFill>
+                  <a:schemeClr val="tx2"/>
+                </a:solidFill>
+              </a:rPr>
+            </a:br>
+            <a:r>
+              <a:rPr lang="de-DE" sz="1600" dirty="0" smtClean="0">
+                <a:solidFill>
+                  <a:schemeClr val="tx2"/>
+                </a:solidFill>
+              </a:rPr>
+              <a:t>   übergreifend</a:t>
+            </a:r>
+          </a:p>
+          <a:p>
+            <a:pPr marL="0" lvl="1">
+              <a:buClr>
+                <a:schemeClr val="tx1"/>
+              </a:buClr>
+              <a:buFont typeface="Wingdings" pitchFamily="2" charset="2"/>
+              <a:buChar char=""/>
+            </a:pPr>
+            <a:endParaRPr lang="de-DE" sz="1600" dirty="0" smtClean="0">
+              <a:solidFill>
+                <a:schemeClr val="tx2"/>
+              </a:solidFill>
+            </a:endParaRPr>
+          </a:p>
+          <a:p>
+            <a:pPr marL="0" lvl="1">
+              <a:buClr>
+                <a:schemeClr val="tx1"/>
+              </a:buClr>
+              <a:buFont typeface="Wingdings" pitchFamily="2" charset="2"/>
+              <a:buChar char=""/>
+            </a:pPr>
+            <a:r>
+              <a:rPr lang="de-DE" sz="1600" dirty="0" smtClean="0">
+                <a:solidFill>
+                  <a:schemeClr val="tx2"/>
+                </a:solidFill>
+              </a:rPr>
+              <a:t>Über 450 Kollegen</a:t>
+            </a:r>
+          </a:p>
+          <a:p>
+            <a:pPr marL="0" lvl="1">
+              <a:buClr>
+                <a:schemeClr val="tx1"/>
+              </a:buClr>
+              <a:buFont typeface="Wingdings" pitchFamily="2" charset="2"/>
+              <a:buChar char=""/>
+            </a:pPr>
+            <a:r>
+              <a:rPr lang="de-DE" sz="1600" dirty="0" smtClean="0">
+                <a:solidFill>
+                  <a:schemeClr val="tx2"/>
+                </a:solidFill>
+              </a:rPr>
+              <a:t>An 8 Standorten</a:t>
+            </a:r>
+          </a:p>
+          <a:p>
+            <a:pPr algn="l" defTabSz="914400" rtl="0" eaLnBrk="1" latinLnBrk="0" hangingPunct="1">
+              <a:buClr>
+                <a:schemeClr val="tx1"/>
+              </a:buClr>
+              <a:buFont typeface="Wingdings" pitchFamily="2" charset="2"/>
+              <a:buChar char=""/>
+            </a:pPr>
+            <a:endParaRPr kumimoji="0" lang="de-DE" sz="2000" b="1" i="0" u="none" strike="noStrike" kern="1200" cap="none" spc="0" normalizeH="0" baseline="0" noProof="0" dirty="0" smtClean="0">
+              <a:ln>
+                <a:noFill/>
+              </a:ln>
+              <a:solidFill>
+                <a:schemeClr val="tx2"/>
+              </a:solidFill>
+              <a:effectLst/>
+              <a:uLnTx/>
+              <a:uFillTx/>
+              <a:latin typeface="+mn-lt"/>
+              <a:ea typeface="+mn-ea"/>
+              <a:cs typeface="+mn-cs"/>
+            </a:endParaRPr>
+          </a:p>
+        </p:txBody>
+      </p:sp>
+      <p:sp>
+        <p:nvSpPr>
+          <p:cNvPr id="8" name="Trapezoid 7"/>
+          <p:cNvSpPr>
+            <a:spLocks/>
+          </p:cNvSpPr>
+          <p:nvPr/>
+        </p:nvSpPr>
+        <p:spPr>
+          <a:xfrm rot="5400000">
+            <a:off x="5715990" y="2124718"/>
+            <a:ext cx="3600400" cy="2608564"/>
+          </a:xfrm>
+          <a:prstGeom prst="trapezoid">
+            <a:avLst>
+              <a:gd name="adj" fmla="val 17101"/>
+            </a:avLst>
+          </a:prstGeom>
+          <a:solidFill>
+            <a:schemeClr val="accent3">
+              <a:alpha val="40000"/>
+            </a:schemeClr>
+          </a:solidFill>
+          <a:ln w="9525">
+            <a:solidFill>
+              <a:schemeClr val="accent3"/>
+            </a:solidFill>
+          </a:ln>
+        </p:spPr>
+        <p:style>
+          <a:lnRef idx="2">
+            <a:schemeClr val="accent1">
+              <a:shade val="50000"/>
+            </a:schemeClr>
+          </a:lnRef>
+          <a:fillRef idx="1">
+            <a:schemeClr val="accent1"/>
+          </a:fillRef>
+          <a:effectRef idx="0">
+            <a:schemeClr val="accent1"/>
+          </a:effectRef>
+          <a:fontRef idx="minor">
+            <a:schemeClr val="lt1"/>
+          </a:fontRef>
+        </p:style>
+        <p:txBody>
+          <a:bodyPr rtlCol="0" anchor="ctr"/>
+          <a:lstStyle/>
+          <a:p>
+            <a:pPr marL="0" algn="ctr" defTabSz="914400" rtl="0" eaLnBrk="1" latinLnBrk="0" hangingPunct="1"/>
+            <a:endParaRPr lang="de-DE" sz="1800" kern="1200">
+              <a:solidFill>
+                <a:schemeClr val="lt1"/>
+              </a:solidFill>
+              <a:latin typeface="+mn-lt"/>
+              <a:ea typeface="+mn-ea"/>
+              <a:cs typeface="+mn-cs"/>
+            </a:endParaRPr>
+          </a:p>
+        </p:txBody>
+      </p:sp>
+      <p:sp>
+        <p:nvSpPr>
+          <p:cNvPr id="10" name="Textfeld 9"/>
+          <p:cNvSpPr txBox="1"/>
+          <p:nvPr/>
+        </p:nvSpPr>
+        <p:spPr>
+          <a:xfrm>
+            <a:off x="6315012" y="1988840"/>
+            <a:ext cx="1857388" cy="2643206"/>
+          </a:xfrm>
+          <a:prstGeom prst="rect">
+            <a:avLst/>
+          </a:prstGeom>
+        </p:spPr>
+        <p:txBody>
+          <a:bodyPr vert="horz" lIns="0" tIns="0" rIns="0" bIns="0" rtlCol="0">
+            <a:normAutofit/>
+          </a:bodyPr>
+          <a:lstStyle/>
+          <a:p>
+            <a:pPr lvl="0" algn="l" defTabSz="914400" rtl="0" eaLnBrk="1" latinLnBrk="0" hangingPunct="1">
+              <a:buClr>
+                <a:schemeClr val="tx1"/>
+              </a:buClr>
+              <a:buFont typeface="Wingdings" pitchFamily="2" charset="2"/>
+              <a:buNone/>
+            </a:pPr>
+            <a:r>
+              <a:rPr kumimoji="0" lang="de-DE" sz="2000" b="1" i="0" u="none" strike="noStrike" kern="1200" cap="none" spc="0" normalizeH="0" baseline="0" noProof="0" dirty="0" smtClean="0">
+                <a:ln>
+                  <a:noFill/>
+                </a:ln>
+                <a:solidFill>
+                  <a:schemeClr val="tx1"/>
+                </a:solidFill>
+                <a:effectLst/>
+                <a:uLnTx/>
+                <a:uFillTx/>
+                <a:latin typeface="+mn-lt"/>
+                <a:ea typeface="+mn-ea"/>
+                <a:cs typeface="+mn-cs"/>
+              </a:rPr>
+              <a:t>Tätigkeits-</a:t>
+            </a:r>
+            <a:br>
+              <a:rPr kumimoji="0" lang="de-DE" sz="2000" b="1" i="0" u="none" strike="noStrike" kern="1200" cap="none" spc="0" normalizeH="0" baseline="0" noProof="0" dirty="0" smtClean="0">
+                <a:ln>
+                  <a:noFill/>
+                </a:ln>
+                <a:solidFill>
+                  <a:schemeClr val="tx1"/>
+                </a:solidFill>
+                <a:effectLst/>
+                <a:uLnTx/>
+                <a:uFillTx/>
+                <a:latin typeface="+mn-lt"/>
+                <a:ea typeface="+mn-ea"/>
+                <a:cs typeface="+mn-cs"/>
+              </a:rPr>
+            </a:br>
+            <a:r>
+              <a:rPr kumimoji="0" lang="de-DE" sz="2000" b="1" i="0" u="none" strike="noStrike" kern="1200" cap="none" spc="0" normalizeH="0" baseline="0" noProof="0" dirty="0" err="1" smtClean="0">
+                <a:ln>
+                  <a:noFill/>
+                </a:ln>
+                <a:solidFill>
+                  <a:schemeClr val="tx1"/>
+                </a:solidFill>
+                <a:effectLst/>
+                <a:uLnTx/>
+                <a:uFillTx/>
+                <a:latin typeface="+mn-lt"/>
+                <a:ea typeface="+mn-ea"/>
+                <a:cs typeface="+mn-cs"/>
+              </a:rPr>
+              <a:t>felder</a:t>
+            </a:r>
+            <a:endParaRPr kumimoji="0" lang="de-DE" sz="2000" b="1" i="0" u="none" strike="noStrike" kern="1200" cap="none" spc="0" normalizeH="0" baseline="0" noProof="0" dirty="0" smtClean="0">
+              <a:ln>
+                <a:noFill/>
+              </a:ln>
+              <a:solidFill>
+                <a:schemeClr val="tx2"/>
+              </a:solidFill>
+              <a:effectLst/>
+              <a:uLnTx/>
+              <a:uFillTx/>
+              <a:latin typeface="+mn-lt"/>
+              <a:ea typeface="+mn-ea"/>
+              <a:cs typeface="+mn-cs"/>
+            </a:endParaRPr>
+          </a:p>
+          <a:p>
+            <a:pPr marL="177800" lvl="1" indent="-177800" algn="l" defTabSz="914400" rtl="0" eaLnBrk="1" latinLnBrk="0" hangingPunct="1">
+              <a:spcBef>
+                <a:spcPts val="1200"/>
+              </a:spcBef>
+              <a:buClr>
+                <a:schemeClr val="tx1"/>
+              </a:buClr>
+              <a:buFont typeface="Wingdings" pitchFamily="2" charset="2"/>
+              <a:buChar char=""/>
+            </a:pPr>
+            <a:r>
+              <a:rPr kumimoji="0" lang="de-DE" sz="1600" b="0" i="0" u="none" strike="noStrike" kern="1200" cap="none" spc="0" normalizeH="0" baseline="0" noProof="0" dirty="0" smtClean="0">
+                <a:ln>
+                  <a:noFill/>
+                </a:ln>
+                <a:solidFill>
+                  <a:schemeClr val="tx2"/>
+                </a:solidFill>
+                <a:effectLst/>
+                <a:uLnTx/>
+                <a:uFillTx/>
+                <a:latin typeface="+mn-lt"/>
+                <a:ea typeface="+mn-ea"/>
+                <a:cs typeface="+mn-cs"/>
+              </a:rPr>
+              <a:t>IT-Strategie</a:t>
+            </a:r>
+          </a:p>
+          <a:p>
+            <a:pPr marL="177800" lvl="1" indent="-177800" algn="l" defTabSz="914400" rtl="0" eaLnBrk="1" latinLnBrk="0" hangingPunct="1">
+              <a:buClr>
+                <a:schemeClr val="tx1"/>
+              </a:buClr>
+              <a:buFont typeface="Wingdings" pitchFamily="2" charset="2"/>
+              <a:buChar char=""/>
+            </a:pPr>
+            <a:r>
+              <a:rPr kumimoji="0" lang="de-DE" sz="1600" b="0" i="0" u="none" strike="noStrike" kern="1200" cap="none" spc="0" normalizeH="0" baseline="0" noProof="0" dirty="0" smtClean="0">
+                <a:ln>
+                  <a:noFill/>
+                </a:ln>
+                <a:solidFill>
+                  <a:schemeClr val="tx2"/>
+                </a:solidFill>
+                <a:effectLst/>
+                <a:uLnTx/>
+                <a:uFillTx/>
+                <a:latin typeface="+mn-lt"/>
+                <a:ea typeface="+mn-ea"/>
+                <a:cs typeface="+mn-cs"/>
+              </a:rPr>
+              <a:t>Beratung</a:t>
+            </a:r>
+          </a:p>
+          <a:p>
+            <a:pPr marL="177800" lvl="1" indent="-177800" algn="l" defTabSz="914400" rtl="0" eaLnBrk="1" latinLnBrk="0" hangingPunct="1">
+              <a:buClr>
+                <a:schemeClr val="tx1"/>
+              </a:buClr>
+              <a:buFont typeface="Wingdings" pitchFamily="2" charset="2"/>
+              <a:buChar char=""/>
+            </a:pPr>
+            <a:r>
+              <a:rPr kumimoji="0" lang="de-DE" sz="1600" b="0" i="0" u="none" strike="noStrike" kern="1200" cap="none" spc="0" normalizeH="0" baseline="0" noProof="0" dirty="0" smtClean="0">
+                <a:ln>
+                  <a:noFill/>
+                </a:ln>
+                <a:solidFill>
+                  <a:schemeClr val="tx2"/>
+                </a:solidFill>
+                <a:effectLst/>
+                <a:uLnTx/>
+                <a:uFillTx/>
+                <a:latin typeface="+mn-lt"/>
+                <a:ea typeface="+mn-ea"/>
+                <a:cs typeface="+mn-cs"/>
+              </a:rPr>
+              <a:t>Implementierung</a:t>
+            </a:r>
+          </a:p>
+          <a:p>
+            <a:pPr marL="177800" lvl="1" indent="-177800" algn="l" defTabSz="914400" rtl="0" eaLnBrk="1" latinLnBrk="0" hangingPunct="1">
+              <a:buClr>
+                <a:schemeClr val="tx1"/>
+              </a:buClr>
+              <a:buFont typeface="Wingdings" pitchFamily="2" charset="2"/>
+              <a:buChar char=""/>
+            </a:pPr>
+            <a:r>
+              <a:rPr kumimoji="0" lang="de-DE" sz="1600" b="0" i="0" u="none" strike="noStrike" kern="1200" cap="none" spc="0" normalizeH="0" baseline="0" noProof="0" dirty="0" smtClean="0">
+                <a:ln>
+                  <a:noFill/>
+                </a:ln>
+                <a:solidFill>
+                  <a:schemeClr val="tx2"/>
+                </a:solidFill>
+                <a:effectLst/>
+                <a:uLnTx/>
+                <a:uFillTx/>
+                <a:latin typeface="+mn-lt"/>
+                <a:ea typeface="+mn-ea"/>
+                <a:cs typeface="+mn-cs"/>
+              </a:rPr>
+              <a:t>Betrieb</a:t>
+            </a:r>
+          </a:p>
+          <a:p>
+            <a:pPr marL="177800" lvl="1" indent="-177800" algn="l" defTabSz="914400" rtl="0" eaLnBrk="1" latinLnBrk="0" hangingPunct="1">
+              <a:buClr>
+                <a:schemeClr val="tx1"/>
+              </a:buClr>
+              <a:buFont typeface="Wingdings" pitchFamily="2" charset="2"/>
+              <a:buChar char=""/>
+            </a:pPr>
+            <a:r>
+              <a:rPr kumimoji="0" lang="de-DE" sz="1600" b="0" i="0" u="none" strike="noStrike" kern="1200" cap="none" spc="0" normalizeH="0" baseline="0" noProof="0" dirty="0" smtClean="0">
+                <a:ln>
+                  <a:noFill/>
+                </a:ln>
+                <a:solidFill>
+                  <a:schemeClr val="tx2"/>
+                </a:solidFill>
+                <a:effectLst/>
+                <a:uLnTx/>
+                <a:uFillTx/>
+                <a:latin typeface="+mn-lt"/>
+                <a:ea typeface="+mn-ea"/>
+                <a:cs typeface="+mn-cs"/>
+              </a:rPr>
+              <a:t>Training</a:t>
+            </a:r>
+          </a:p>
+          <a:p>
+            <a:pPr marL="273050" lvl="1" indent="-273050" algn="l" defTabSz="914400" rtl="0" eaLnBrk="1" latinLnBrk="0" hangingPunct="1">
+              <a:buClr>
+                <a:schemeClr val="tx1"/>
+              </a:buClr>
+              <a:buFont typeface="Wingdings" pitchFamily="2" charset="2"/>
+              <a:buChar char=""/>
+            </a:pPr>
+            <a:endParaRPr kumimoji="0" lang="de-DE" sz="1600" b="0" i="0" u="none" strike="noStrike" kern="1200" cap="none" spc="0" normalizeH="0" baseline="0" noProof="0" dirty="0" smtClean="0">
+              <a:ln>
+                <a:noFill/>
+              </a:ln>
+              <a:solidFill>
+                <a:schemeClr val="tx2"/>
+              </a:solidFill>
+              <a:effectLst/>
+              <a:uLnTx/>
+              <a:uFillTx/>
+              <a:latin typeface="+mn-lt"/>
+              <a:ea typeface="+mn-ea"/>
+              <a:cs typeface="+mn-cs"/>
+            </a:endParaRPr>
+          </a:p>
+          <a:p>
+            <a:pPr algn="l" defTabSz="914400" rtl="0" eaLnBrk="1" latinLnBrk="0" hangingPunct="1">
+              <a:buClr>
+                <a:schemeClr val="tx1"/>
+              </a:buClr>
+              <a:buFont typeface="Wingdings" pitchFamily="2" charset="2"/>
+              <a:buChar char=""/>
+            </a:pPr>
+            <a:endParaRPr kumimoji="0" lang="de-DE" sz="1600" b="1" i="0" u="none" strike="noStrike" kern="1200" cap="none" spc="0" normalizeH="0" baseline="0" noProof="0" dirty="0" smtClean="0">
+              <a:ln>
+                <a:noFill/>
+              </a:ln>
+              <a:solidFill>
+                <a:schemeClr val="tx2"/>
+              </a:solidFill>
+              <a:effectLst/>
+              <a:uLnTx/>
+              <a:uFillTx/>
+              <a:latin typeface="+mn-lt"/>
+              <a:ea typeface="+mn-ea"/>
+              <a:cs typeface="+mn-cs"/>
+            </a:endParaRPr>
+          </a:p>
+        </p:txBody>
+      </p:sp>
+      <p:pic>
+        <p:nvPicPr>
+          <p:cNvPr id="1027" name="Picture 3"/>
+          <p:cNvPicPr>
+            <a:picLocks noChangeAspect="1" noChangeArrowheads="1"/>
+          </p:cNvPicPr>
+          <p:nvPr/>
+        </p:nvPicPr>
+        <p:blipFill>
+          <a:blip r:embed="rId2" cstate="print"/>
+          <a:srcRect/>
+          <a:stretch>
+            <a:fillRect/>
+          </a:stretch>
+        </p:blipFill>
+        <p:spPr bwMode="auto">
+          <a:xfrm>
+            <a:off x="1952330" y="5497354"/>
+            <a:ext cx="1728000" cy="758118"/>
+          </a:xfrm>
+          <a:prstGeom prst="rect">
+            <a:avLst/>
+          </a:prstGeom>
+          <a:ln>
+            <a:noFill/>
+          </a:ln>
+          <a:effectLst/>
+        </p:spPr>
+      </p:pic>
+      <p:pic>
+        <p:nvPicPr>
+          <p:cNvPr id="1028" name="Picture 4"/>
+          <p:cNvPicPr>
+            <a:picLocks noChangeAspect="1" noChangeArrowheads="1"/>
+          </p:cNvPicPr>
+          <p:nvPr/>
+        </p:nvPicPr>
+        <p:blipFill>
+          <a:blip r:embed="rId3" cstate="print"/>
+          <a:srcRect/>
+          <a:stretch>
+            <a:fillRect/>
+          </a:stretch>
+        </p:blipFill>
+        <p:spPr bwMode="auto">
+          <a:xfrm>
+            <a:off x="7217220" y="5497354"/>
+            <a:ext cx="1728000" cy="866117"/>
+          </a:xfrm>
+          <a:prstGeom prst="rect">
+            <a:avLst/>
+          </a:prstGeom>
+          <a:ln>
+            <a:noFill/>
+          </a:ln>
+          <a:effectLst/>
+        </p:spPr>
+      </p:pic>
+      <p:pic>
+        <p:nvPicPr>
+          <p:cNvPr id="19" name="Picture 2"/>
+          <p:cNvPicPr>
+            <a:picLocks noChangeAspect="1" noChangeArrowheads="1"/>
+          </p:cNvPicPr>
+          <p:nvPr/>
+        </p:nvPicPr>
+        <p:blipFill>
+          <a:blip r:embed="rId4" cstate="print"/>
+          <a:srcRect/>
+          <a:stretch>
+            <a:fillRect/>
+          </a:stretch>
+        </p:blipFill>
+        <p:spPr bwMode="auto">
+          <a:xfrm>
+            <a:off x="7236296" y="3629167"/>
+            <a:ext cx="1563608" cy="1167985"/>
+          </a:xfrm>
+          <a:prstGeom prst="rect">
+            <a:avLst/>
+          </a:prstGeom>
+          <a:noFill/>
+          <a:ln w="9525">
+            <a:noFill/>
+            <a:miter lim="800000"/>
+            <a:headEnd/>
+            <a:tailEnd/>
+          </a:ln>
+          <a:effectLst/>
+        </p:spPr>
+      </p:pic>
+      <p:sp>
+        <p:nvSpPr>
+          <p:cNvPr id="20" name="Textfeld 19"/>
+          <p:cNvSpPr txBox="1"/>
+          <p:nvPr/>
+        </p:nvSpPr>
+        <p:spPr>
+          <a:xfrm>
+            <a:off x="323528" y="1124744"/>
+            <a:ext cx="8496944" cy="504056"/>
+          </a:xfrm>
+          <a:prstGeom prst="rect">
+            <a:avLst/>
+          </a:prstGeom>
+        </p:spPr>
+        <p:txBody>
+          <a:bodyPr vert="horz" lIns="0" tIns="0" rIns="0" bIns="0" rtlCol="0">
+            <a:normAutofit/>
+          </a:bodyPr>
+          <a:lstStyle/>
+          <a:p>
+            <a:pPr lvl="0" algn="ctr" defTabSz="914400" rtl="0" eaLnBrk="1" latinLnBrk="0" hangingPunct="1">
+              <a:buClr>
+                <a:schemeClr val="tx1"/>
+              </a:buClr>
+              <a:buFont typeface="Wingdings" pitchFamily="2" charset="2"/>
+              <a:buNone/>
+            </a:pPr>
+            <a:r>
+              <a:rPr kumimoji="0" lang="de-DE" sz="2400" b="1" i="0" u="none" strike="noStrike" kern="1200" cap="none" spc="0" normalizeH="0" baseline="0" noProof="0" dirty="0" smtClean="0">
+                <a:ln>
+                  <a:noFill/>
+                </a:ln>
+                <a:solidFill>
+                  <a:schemeClr val="tx1"/>
+                </a:solidFill>
+                <a:effectLst/>
+                <a:uLnTx/>
+                <a:uFillTx/>
+                <a:latin typeface="+mn-lt"/>
+                <a:ea typeface="+mn-ea"/>
+                <a:cs typeface="+mn-cs"/>
+              </a:rPr>
+              <a:t>Ihr ORACLE Center</a:t>
+            </a:r>
+            <a:r>
+              <a:rPr kumimoji="0" lang="de-DE" sz="2400" b="1" i="0" u="none" strike="noStrike" kern="1200" cap="none" spc="0" normalizeH="0" noProof="0" dirty="0" smtClean="0">
+                <a:ln>
+                  <a:noFill/>
+                </a:ln>
+                <a:solidFill>
+                  <a:schemeClr val="tx1"/>
+                </a:solidFill>
+                <a:effectLst/>
+                <a:uLnTx/>
+                <a:uFillTx/>
+                <a:latin typeface="+mn-lt"/>
+                <a:ea typeface="+mn-ea"/>
+                <a:cs typeface="+mn-cs"/>
+              </a:rPr>
+              <a:t> </a:t>
+            </a:r>
+            <a:r>
+              <a:rPr kumimoji="0" lang="de-DE" sz="2400" b="1" i="0" u="none" strike="noStrike" kern="1200" cap="none" spc="0" normalizeH="0" noProof="0" dirty="0" err="1" smtClean="0">
+                <a:ln>
+                  <a:noFill/>
+                </a:ln>
+                <a:solidFill>
+                  <a:schemeClr val="tx1"/>
+                </a:solidFill>
+                <a:effectLst/>
+                <a:uLnTx/>
+                <a:uFillTx/>
+                <a:latin typeface="+mn-lt"/>
+                <a:ea typeface="+mn-ea"/>
+                <a:cs typeface="+mn-cs"/>
+              </a:rPr>
+              <a:t>of</a:t>
+            </a:r>
+            <a:r>
+              <a:rPr kumimoji="0" lang="de-DE" sz="2400" b="1" i="0" u="none" strike="noStrike" kern="1200" cap="none" spc="0" normalizeH="0" noProof="0" dirty="0" smtClean="0">
+                <a:ln>
+                  <a:noFill/>
+                </a:ln>
+                <a:solidFill>
+                  <a:schemeClr val="tx1"/>
+                </a:solidFill>
+                <a:effectLst/>
+                <a:uLnTx/>
+                <a:uFillTx/>
+                <a:latin typeface="+mn-lt"/>
+                <a:ea typeface="+mn-ea"/>
+                <a:cs typeface="+mn-cs"/>
+              </a:rPr>
+              <a:t> Excellence</a:t>
+            </a:r>
+            <a:endParaRPr kumimoji="0" lang="de-DE" sz="2400" b="1" i="0" u="none" strike="noStrike" kern="1200" cap="none" spc="0" normalizeH="0" baseline="0" noProof="0" dirty="0" smtClean="0">
+              <a:ln>
+                <a:noFill/>
+              </a:ln>
+              <a:solidFill>
+                <a:schemeClr val="tx2"/>
+              </a:solidFill>
+              <a:effectLst/>
+              <a:uLnTx/>
+              <a:uFillTx/>
+              <a:latin typeface="+mn-lt"/>
+              <a:ea typeface="+mn-ea"/>
+              <a:cs typeface="+mn-cs"/>
+            </a:endParaRPr>
+          </a:p>
+        </p:txBody>
+      </p:sp>
+      <p:pic>
+        <p:nvPicPr>
+          <p:cNvPr id="2" name="Picture 3" descr="V:\Marketing u Vertriebsmaterial\Logos und Banner\Partner-Logos\Oracle\Oracle RAC Specialized\GIF\O_SpecPlat_OracleRealAppClusters_clr.gif"/>
+          <p:cNvPicPr>
+            <a:picLocks noChangeAspect="1" noChangeArrowheads="1"/>
+          </p:cNvPicPr>
+          <p:nvPr/>
+        </p:nvPicPr>
+        <p:blipFill>
+          <a:blip r:embed="rId5" cstate="print"/>
+          <a:srcRect/>
+          <a:stretch>
+            <a:fillRect/>
+          </a:stretch>
+        </p:blipFill>
+        <p:spPr bwMode="auto">
+          <a:xfrm>
+            <a:off x="5461043" y="5494919"/>
+            <a:ext cx="1728000" cy="864000"/>
+          </a:xfrm>
+          <a:prstGeom prst="rect">
+            <a:avLst/>
+          </a:prstGeom>
+          <a:noFill/>
+        </p:spPr>
+      </p:pic>
+      <p:pic>
+        <p:nvPicPr>
+          <p:cNvPr id="3" name="Picture 4" descr="V:\Marketing u Vertriebsmaterial\Logos und Banner\Partner-Logos\Oracle\Oracle DB Specialized\O_SpecPlat_OracleDatabase\GIF\O_SpecPlat_OracleDatabase_clr.gif"/>
+          <p:cNvPicPr>
+            <a:picLocks noChangeAspect="1" noChangeArrowheads="1"/>
+          </p:cNvPicPr>
+          <p:nvPr/>
+        </p:nvPicPr>
+        <p:blipFill>
+          <a:blip r:embed="rId6" cstate="print"/>
+          <a:srcRect/>
+          <a:stretch>
+            <a:fillRect/>
+          </a:stretch>
+        </p:blipFill>
+        <p:spPr bwMode="auto">
+          <a:xfrm>
+            <a:off x="199390" y="5484396"/>
+            <a:ext cx="1728000" cy="745412"/>
+          </a:xfrm>
+          <a:prstGeom prst="rect">
+            <a:avLst/>
+          </a:prstGeom>
+          <a:noFill/>
+        </p:spPr>
+      </p:pic>
+      <p:pic>
+        <p:nvPicPr>
+          <p:cNvPr id="1029" name="Picture 5" descr="V:\Marketing u Vertriebsmaterial\Logos und Banner\Partner-Logos\Oracle\Oracel OEL Specialized\GIF\O_SpecPlat_OracleEntLinux_clr.gif"/>
+          <p:cNvPicPr>
+            <a:picLocks noChangeAspect="1" noChangeArrowheads="1"/>
+          </p:cNvPicPr>
+          <p:nvPr/>
+        </p:nvPicPr>
+        <p:blipFill>
+          <a:blip r:embed="rId7" cstate="print"/>
+          <a:srcRect/>
+          <a:stretch>
+            <a:fillRect/>
+          </a:stretch>
+        </p:blipFill>
+        <p:spPr bwMode="auto">
+          <a:xfrm>
+            <a:off x="3699915" y="5495580"/>
+            <a:ext cx="1728000" cy="745412"/>
+          </a:xfrm>
+          <a:prstGeom prst="rect">
+            <a:avLst/>
+          </a:prstGeom>
+          <a:noFill/>
+        </p:spPr>
+      </p:pic>
+      <p:pic>
+        <p:nvPicPr>
+          <p:cNvPr id="1030" name="Picture 6"/>
+          <p:cNvPicPr>
+            <a:picLocks noChangeAspect="1" noChangeArrowheads="1"/>
+          </p:cNvPicPr>
+          <p:nvPr/>
+        </p:nvPicPr>
+        <p:blipFill>
+          <a:blip r:embed="rId8" cstate="print"/>
+          <a:srcRect/>
+          <a:stretch>
+            <a:fillRect/>
+          </a:stretch>
+        </p:blipFill>
+        <p:spPr bwMode="auto">
+          <a:xfrm>
+            <a:off x="457816" y="4293096"/>
+            <a:ext cx="2088232" cy="535175"/>
+          </a:xfrm>
+          <a:prstGeom prst="rect">
+            <a:avLst/>
+          </a:prstGeom>
+          <a:noFill/>
+          <a:ln w="9525">
+            <a:noFill/>
+            <a:miter lim="800000"/>
+            <a:headEnd/>
+            <a:tailEnd/>
+          </a:ln>
+          <a:effectLst/>
+        </p:spPr>
+      </p:pic>
+      <p:cxnSp>
+        <p:nvCxnSpPr>
+          <p:cNvPr id="30" name="Gerade Verbindung 29"/>
+          <p:cNvCxnSpPr/>
+          <p:nvPr/>
+        </p:nvCxnSpPr>
+        <p:spPr>
+          <a:xfrm>
+            <a:off x="251520" y="1484784"/>
+            <a:ext cx="8568952" cy="0"/>
+          </a:xfrm>
+          <a:prstGeom prst="line">
+            <a:avLst/>
+          </a:prstGeom>
+        </p:spPr>
+        <p:style>
+          <a:lnRef idx="1">
+            <a:schemeClr val="accent1"/>
+          </a:lnRef>
+          <a:fillRef idx="0">
+            <a:schemeClr val="accent1"/>
+          </a:fillRef>
+          <a:effectRef idx="0">
+            <a:schemeClr val="accent1"/>
+          </a:effectRef>
+          <a:fontRef idx="minor">
+            <a:schemeClr val="tx1"/>
+          </a:fontRef>
+        </p:style>
+      </p:cxnSp>
     </p:spTree>
   </p:cSld>
   <p:clrMapOvr>
@@ -23697,7 +26507,53 @@
       </p:grpSpPr>
       <p:sp>
         <p:nvSpPr>
-          <p:cNvPr id="2" name="Titel 1"/>
+          <p:cNvPr id="9" name="Rechteck 8"/>
+          <p:cNvSpPr/>
+          <p:nvPr/>
+        </p:nvSpPr>
+        <p:spPr>
+          <a:xfrm>
+            <a:off x="303959" y="5987778"/>
+            <a:ext cx="8646240" cy="653589"/>
+          </a:xfrm>
+          <a:prstGeom prst="rect">
+            <a:avLst/>
+          </a:prstGeom>
+          <a:solidFill>
+            <a:schemeClr val="bg1"/>
+          </a:solidFill>
+          <a:ln>
+            <a:noFill/>
+          </a:ln>
+        </p:spPr>
+        <p:style>
+          <a:lnRef idx="2">
+            <a:schemeClr val="accent1">
+              <a:shade val="50000"/>
+            </a:schemeClr>
+          </a:lnRef>
+          <a:fillRef idx="1">
+            <a:schemeClr val="accent1"/>
+          </a:fillRef>
+          <a:effectRef idx="0">
+            <a:schemeClr val="accent1"/>
+          </a:effectRef>
+          <a:fontRef idx="minor">
+            <a:schemeClr val="lt1"/>
+          </a:fontRef>
+        </p:style>
+        <p:txBody>
+          <a:bodyPr rtlCol="0" anchor="ctr"/>
+          <a:lstStyle/>
+          <a:p>
+            <a:pPr algn="ctr"/>
+            <a:endParaRPr lang="de-DE"/>
+          </a:p>
+        </p:txBody>
+      </p:sp>
+      <p:sp>
+        <p:nvSpPr>
+          <p:cNvPr id="2" name="Title 1"/>
           <p:cNvSpPr>
             <a:spLocks noGrp="1"/>
           </p:cNvSpPr>
@@ -23711,66 +26567,1405 @@
           <a:lstStyle/>
           <a:p>
             <a:r>
-              <a:rPr lang="de-DE" dirty="0" smtClean="0"/>
-              <a:t>Agenda</a:t>
-            </a:r>
-            <a:endParaRPr lang="de-DE" dirty="0"/>
+              <a:rPr lang="en-US" dirty="0" err="1" smtClean="0"/>
+              <a:t>Besuchen</a:t>
+            </a:r>
+            <a:r>
+              <a:rPr lang="en-US" dirty="0" smtClean="0"/>
+              <a:t> </a:t>
+            </a:r>
+            <a:r>
+              <a:rPr lang="en-US" dirty="0" err="1" smtClean="0"/>
+              <a:t>Sie</a:t>
+            </a:r>
+            <a:r>
+              <a:rPr lang="en-US" dirty="0" smtClean="0"/>
+              <a:t> </a:t>
+            </a:r>
+            <a:r>
+              <a:rPr lang="en-US" dirty="0" err="1" smtClean="0"/>
+              <a:t>auch</a:t>
+            </a:r>
+            <a:r>
+              <a:rPr lang="en-US" dirty="0" smtClean="0"/>
+              <a:t> die </a:t>
+            </a:r>
+            <a:r>
+              <a:rPr lang="en-US" dirty="0" err="1" smtClean="0"/>
+              <a:t>anderen</a:t>
+            </a:r>
+            <a:r>
+              <a:rPr lang="en-US" dirty="0" smtClean="0"/>
+              <a:t> </a:t>
+            </a:r>
+            <a:r>
+              <a:rPr lang="en-US" dirty="0" err="1" smtClean="0"/>
+              <a:t>Vorträge</a:t>
+            </a:r>
+            <a:r>
+              <a:rPr lang="en-US" dirty="0" smtClean="0"/>
+              <a:t> von OPITZ CONSULTING und </a:t>
+            </a:r>
+            <a:r>
+              <a:rPr lang="en-US" dirty="0" err="1" smtClean="0"/>
+              <a:t>unseren</a:t>
+            </a:r>
+            <a:r>
+              <a:rPr lang="en-US" dirty="0" smtClean="0"/>
+              <a:t> Stand (Nr. 236)!</a:t>
+            </a:r>
+            <a:endParaRPr lang="en-US" dirty="0"/>
           </a:p>
         </p:txBody>
       </p:sp>
+      <p:graphicFrame>
+        <p:nvGraphicFramePr>
+          <p:cNvPr id="4" name="Content Placeholder 3"/>
+          <p:cNvGraphicFramePr>
+            <a:graphicFrameLocks noGrp="1"/>
+          </p:cNvGraphicFramePr>
+          <p:nvPr>
+            <p:ph idx="1"/>
+            <p:extLst>
+              <p:ext uri="{D42A27DB-BD31-4B8C-83A1-F6EECF244321}">
+                <p14:modId xmlns:p14="http://schemas.microsoft.com/office/powerpoint/2010/main" xmlns="" val="3161229493"/>
+              </p:ext>
+            </p:extLst>
+          </p:nvPr>
+        </p:nvGraphicFramePr>
+        <p:xfrm>
+          <a:off x="360363" y="1189736"/>
+          <a:ext cx="8423274" cy="4522495"/>
+        </p:xfrm>
+        <a:graphic>
+          <a:graphicData uri="http://schemas.openxmlformats.org/drawingml/2006/table">
+            <a:tbl>
+              <a:tblPr firstRow="1" bandRow="1">
+                <a:tableStyleId>{5C22544A-7EE6-4342-B048-85BDC9FD1C3A}</a:tableStyleId>
+              </a:tblPr>
+              <a:tblGrid>
+                <a:gridCol w="2915493"/>
+                <a:gridCol w="2700023"/>
+                <a:gridCol w="2807758"/>
+              </a:tblGrid>
+              <a:tr h="260375">
+                <a:tc>
+                  <a:txBody>
+                    <a:bodyPr/>
+                    <a:lstStyle/>
+                    <a:p>
+                      <a:r>
+                        <a:rPr lang="de-DE" sz="900" b="1" dirty="0" smtClean="0"/>
+                        <a:t>Dienstag, 15. November</a:t>
+                      </a:r>
+                      <a:r>
+                        <a:rPr lang="de-DE" sz="900" b="1" baseline="0" dirty="0" smtClean="0"/>
+                        <a:t> </a:t>
+                      </a:r>
+                      <a:r>
+                        <a:rPr lang="de-DE" sz="900" b="1" dirty="0" smtClean="0"/>
+                        <a:t>2011</a:t>
+                      </a:r>
+                      <a:endParaRPr lang="de-DE" sz="900" b="1" dirty="0"/>
+                    </a:p>
+                  </a:txBody>
+                  <a:tcPr>
+                    <a:solidFill>
+                      <a:schemeClr val="tx1"/>
+                    </a:solidFill>
+                  </a:tcPr>
+                </a:tc>
+                <a:tc>
+                  <a:txBody>
+                    <a:bodyPr/>
+                    <a:lstStyle/>
+                    <a:p>
+                      <a:r>
+                        <a:rPr lang="de-DE" sz="900" b="1" dirty="0" smtClean="0"/>
+                        <a:t>Mittwoch,</a:t>
+                      </a:r>
+                      <a:r>
+                        <a:rPr lang="de-DE" sz="900" b="1" baseline="0" dirty="0" smtClean="0"/>
+                        <a:t> 16. November 2011</a:t>
+                      </a:r>
+                      <a:endParaRPr lang="de-DE" sz="900" b="1" dirty="0"/>
+                    </a:p>
+                  </a:txBody>
+                  <a:tcPr>
+                    <a:solidFill>
+                      <a:schemeClr val="tx1"/>
+                    </a:solidFill>
+                  </a:tcPr>
+                </a:tc>
+                <a:tc>
+                  <a:txBody>
+                    <a:bodyPr/>
+                    <a:lstStyle/>
+                    <a:p>
+                      <a:r>
+                        <a:rPr lang="de-DE" sz="900" b="1" dirty="0" smtClean="0"/>
+                        <a:t>Donnerstag, 17. November 2011</a:t>
+                      </a:r>
+                      <a:endParaRPr lang="de-DE" sz="900" b="1" dirty="0"/>
+                    </a:p>
+                  </a:txBody>
+                  <a:tcPr>
+                    <a:solidFill>
+                      <a:schemeClr val="tx1"/>
+                    </a:solidFill>
+                  </a:tcPr>
+                </a:tc>
+              </a:tr>
+              <a:tr h="171599">
+                <a:tc>
+                  <a:txBody>
+                    <a:bodyPr/>
+                    <a:lstStyle/>
+                    <a:p>
+                      <a:r>
+                        <a:rPr lang="de-DE" sz="900" b="1" dirty="0" smtClean="0"/>
+                        <a:t>MySQL in an Oracle</a:t>
+                      </a:r>
+                      <a:r>
+                        <a:rPr lang="de-DE" sz="900" b="1" baseline="0" dirty="0" smtClean="0"/>
+                        <a:t> </a:t>
+                      </a:r>
+                      <a:r>
+                        <a:rPr lang="de-DE" sz="900" b="1" baseline="0" dirty="0" err="1" smtClean="0"/>
+                        <a:t>driven</a:t>
+                      </a:r>
+                      <a:r>
+                        <a:rPr lang="de-DE" sz="900" b="1" baseline="0" dirty="0" smtClean="0"/>
+                        <a:t> </a:t>
+                      </a:r>
+                      <a:r>
+                        <a:rPr lang="de-DE" sz="900" b="1" baseline="0" dirty="0" err="1" smtClean="0"/>
+                        <a:t>datacenter</a:t>
+                      </a:r>
+                      <a:r>
+                        <a:rPr lang="de-DE" sz="900" b="1" baseline="0" dirty="0" smtClean="0"/>
+                        <a:t/>
+                      </a:r>
+                      <a:br>
+                        <a:rPr lang="de-DE" sz="900" b="1" baseline="0" dirty="0" smtClean="0"/>
+                      </a:br>
+                      <a:r>
+                        <a:rPr lang="de-DE" sz="900" b="1" baseline="0" dirty="0" smtClean="0">
+                          <a:solidFill>
+                            <a:schemeClr val="accent1"/>
+                          </a:solidFill>
+                        </a:rPr>
+                        <a:t>10:00 bis 10:45 Uhr, Raum Singapur</a:t>
+                      </a:r>
+                      <a:endParaRPr lang="de-DE" sz="900" b="1" dirty="0" smtClean="0">
+                        <a:solidFill>
+                          <a:schemeClr val="accent1"/>
+                        </a:solidFill>
+                      </a:endParaRPr>
+                    </a:p>
+                  </a:txBody>
+                  <a:tcPr/>
+                </a:tc>
+                <a:tc>
+                  <a:txBody>
+                    <a:bodyPr/>
+                    <a:lstStyle/>
+                    <a:p>
+                      <a:r>
+                        <a:rPr lang="de-DE" sz="900" b="1" dirty="0" smtClean="0"/>
+                        <a:t>Das ungleiche Paar – Koexistenz von OWB und ODI</a:t>
+                      </a:r>
+                    </a:p>
+                    <a:p>
+                      <a:r>
+                        <a:rPr lang="de-DE" sz="900" b="1" dirty="0" smtClean="0">
+                          <a:solidFill>
+                            <a:schemeClr val="accent1"/>
+                          </a:solidFill>
+                        </a:rPr>
+                        <a:t>09:00 bis 09:45 Uhr, Raum Kopenhagen</a:t>
+                      </a:r>
+                      <a:endParaRPr lang="de-DE" sz="900" b="1" dirty="0">
+                        <a:solidFill>
+                          <a:schemeClr val="accent1"/>
+                        </a:solidFill>
+                      </a:endParaRPr>
+                    </a:p>
+                  </a:txBody>
+                  <a:tcPr/>
+                </a:tc>
+                <a:tc>
+                  <a:txBody>
+                    <a:bodyPr/>
+                    <a:lstStyle/>
+                    <a:p>
+                      <a:r>
+                        <a:rPr lang="de-DE" sz="900" b="1" dirty="0" err="1" smtClean="0"/>
+                        <a:t>Grails</a:t>
+                      </a:r>
+                      <a:r>
+                        <a:rPr lang="de-DE" sz="900" b="1" dirty="0" smtClean="0"/>
+                        <a:t> – Die Suche</a:t>
+                      </a:r>
+                      <a:r>
+                        <a:rPr lang="de-DE" sz="900" b="1" baseline="0" dirty="0" smtClean="0"/>
+                        <a:t> ist vorbei</a:t>
+                      </a:r>
+                      <a:br>
+                        <a:rPr lang="de-DE" sz="900" b="1" baseline="0" dirty="0" smtClean="0"/>
+                      </a:br>
+                      <a:r>
+                        <a:rPr lang="de-DE" sz="900" b="1" baseline="0" dirty="0" smtClean="0">
+                          <a:solidFill>
+                            <a:schemeClr val="accent1"/>
+                          </a:solidFill>
+                        </a:rPr>
+                        <a:t>09:00 bis 09:45 Uhr, Raum Riga</a:t>
+                      </a:r>
+                      <a:endParaRPr lang="de-DE" sz="900" b="1" dirty="0">
+                        <a:solidFill>
+                          <a:schemeClr val="accent1"/>
+                        </a:solidFill>
+                      </a:endParaRPr>
+                    </a:p>
+                  </a:txBody>
+                  <a:tcPr/>
+                </a:tc>
+              </a:tr>
+              <a:tr h="171599">
+                <a:tc>
+                  <a:txBody>
+                    <a:bodyPr/>
+                    <a:lstStyle/>
+                    <a:p>
+                      <a:pPr marL="0" marR="0" indent="0" algn="l" defTabSz="914400" rtl="0" eaLnBrk="1" fontAlgn="auto" latinLnBrk="0" hangingPunct="1">
+                        <a:lnSpc>
+                          <a:spcPct val="100000"/>
+                        </a:lnSpc>
+                        <a:spcBef>
+                          <a:spcPts val="0"/>
+                        </a:spcBef>
+                        <a:spcAft>
+                          <a:spcPts val="0"/>
+                        </a:spcAft>
+                        <a:buClrTx/>
+                        <a:buSzTx/>
+                        <a:buFontTx/>
+                        <a:buNone/>
+                        <a:tabLst/>
+                        <a:defRPr/>
+                      </a:pPr>
+                      <a:r>
+                        <a:rPr lang="de-DE" sz="900" b="1" dirty="0" smtClean="0"/>
+                        <a:t>Oracle Forms </a:t>
+                      </a:r>
+                      <a:r>
+                        <a:rPr lang="de-DE" sz="900" b="1" dirty="0" err="1" smtClean="0"/>
+                        <a:t>meets</a:t>
+                      </a:r>
+                      <a:r>
+                        <a:rPr lang="de-DE" sz="900" b="1" dirty="0" smtClean="0"/>
+                        <a:t> BI</a:t>
+                      </a:r>
+                    </a:p>
+                    <a:p>
+                      <a:pPr marL="0" marR="0" indent="0" algn="l" defTabSz="914400" rtl="0" eaLnBrk="1" fontAlgn="auto" latinLnBrk="0" hangingPunct="1">
+                        <a:lnSpc>
+                          <a:spcPct val="100000"/>
+                        </a:lnSpc>
+                        <a:spcBef>
+                          <a:spcPts val="0"/>
+                        </a:spcBef>
+                        <a:spcAft>
+                          <a:spcPts val="0"/>
+                        </a:spcAft>
+                        <a:buClrTx/>
+                        <a:buSzTx/>
+                        <a:buFontTx/>
+                        <a:buNone/>
+                        <a:tabLst/>
+                        <a:defRPr/>
+                      </a:pPr>
+                      <a:r>
+                        <a:rPr lang="de-DE" sz="900" b="1" dirty="0" smtClean="0">
+                          <a:solidFill>
+                            <a:schemeClr val="accent1"/>
+                          </a:solidFill>
+                        </a:rPr>
+                        <a:t>10:00</a:t>
+                      </a:r>
+                      <a:r>
+                        <a:rPr lang="de-DE" sz="900" b="1" baseline="0" dirty="0" smtClean="0">
+                          <a:solidFill>
+                            <a:schemeClr val="accent1"/>
+                          </a:solidFill>
+                        </a:rPr>
+                        <a:t> bis 10:45 Uhr, Raum Kiew</a:t>
+                      </a:r>
+                      <a:endParaRPr lang="de-DE" sz="900" b="1" dirty="0" smtClean="0">
+                        <a:solidFill>
+                          <a:schemeClr val="accent1"/>
+                        </a:solidFill>
+                      </a:endParaRPr>
+                    </a:p>
+                  </a:txBody>
+                  <a:tcPr/>
+                </a:tc>
+                <a:tc>
+                  <a:txBody>
+                    <a:bodyPr/>
+                    <a:lstStyle/>
+                    <a:p>
+                      <a:r>
+                        <a:rPr lang="de-DE" sz="900" b="1" dirty="0" smtClean="0"/>
+                        <a:t>Praxis Knowhow: Skalierung von SOA Suite 11g Cluster</a:t>
+                      </a:r>
+                    </a:p>
+                    <a:p>
+                      <a:r>
+                        <a:rPr lang="de-DE" sz="900" b="1" dirty="0" smtClean="0">
+                          <a:solidFill>
+                            <a:schemeClr val="accent1"/>
+                          </a:solidFill>
+                        </a:rPr>
+                        <a:t>09:00 bis 09:45 Uhr, Raum Budapest</a:t>
+                      </a:r>
+                      <a:endParaRPr lang="de-DE" sz="900" b="1" dirty="0">
+                        <a:solidFill>
+                          <a:schemeClr val="accent1"/>
+                        </a:solidFill>
+                      </a:endParaRPr>
+                    </a:p>
+                  </a:txBody>
+                  <a:tcPr/>
+                </a:tc>
+                <a:tc>
+                  <a:txBody>
+                    <a:bodyPr/>
+                    <a:lstStyle/>
+                    <a:p>
+                      <a:r>
+                        <a:rPr lang="de-DE" sz="900" b="1" dirty="0" smtClean="0"/>
+                        <a:t>Enterprise </a:t>
+                      </a:r>
+                      <a:r>
+                        <a:rPr lang="de-DE" sz="900" b="1" dirty="0" err="1" smtClean="0"/>
+                        <a:t>Architecture</a:t>
+                      </a:r>
+                      <a:r>
+                        <a:rPr lang="de-DE" sz="900" b="1" dirty="0" smtClean="0"/>
+                        <a:t> </a:t>
+                      </a:r>
+                      <a:r>
+                        <a:rPr lang="de-DE" sz="900" b="1" dirty="0" err="1" smtClean="0"/>
+                        <a:t>Deliverables</a:t>
+                      </a:r>
+                      <a:r>
+                        <a:rPr lang="de-DE" sz="900" b="1" dirty="0" smtClean="0"/>
+                        <a:t> – </a:t>
+                      </a:r>
+                      <a:r>
+                        <a:rPr lang="de-DE" sz="900" b="1" dirty="0" err="1" smtClean="0"/>
+                        <a:t>Let‘s</a:t>
+                      </a:r>
+                      <a:r>
+                        <a:rPr lang="de-DE" sz="900" b="1" dirty="0" smtClean="0"/>
+                        <a:t> </a:t>
+                      </a:r>
+                      <a:r>
+                        <a:rPr lang="de-DE" sz="900" b="1" dirty="0" err="1" smtClean="0"/>
+                        <a:t>talk</a:t>
+                      </a:r>
+                      <a:r>
+                        <a:rPr lang="de-DE" sz="900" b="1" dirty="0" smtClean="0"/>
+                        <a:t> </a:t>
+                      </a:r>
+                      <a:r>
+                        <a:rPr lang="de-DE" sz="900" b="1" dirty="0" err="1" smtClean="0"/>
+                        <a:t>about</a:t>
+                      </a:r>
+                      <a:r>
+                        <a:rPr lang="de-DE" sz="900" b="1" dirty="0" smtClean="0"/>
+                        <a:t> </a:t>
+                      </a:r>
+                      <a:r>
+                        <a:rPr lang="de-DE" sz="900" b="1" dirty="0" err="1" smtClean="0"/>
+                        <a:t>results</a:t>
+                      </a:r>
+                      <a:r>
+                        <a:rPr lang="de-DE" sz="900" b="1" dirty="0" smtClean="0"/>
+                        <a:t>!</a:t>
+                      </a:r>
+                    </a:p>
+                    <a:p>
+                      <a:r>
+                        <a:rPr lang="de-DE" sz="900" b="1" dirty="0" smtClean="0">
+                          <a:solidFill>
+                            <a:schemeClr val="accent1"/>
+                          </a:solidFill>
+                        </a:rPr>
+                        <a:t>09:00 bis 09:45</a:t>
+                      </a:r>
+                      <a:r>
+                        <a:rPr lang="de-DE" sz="900" b="1" baseline="0" dirty="0" smtClean="0">
+                          <a:solidFill>
+                            <a:schemeClr val="accent1"/>
+                          </a:solidFill>
+                        </a:rPr>
+                        <a:t> Uhr, Raum Prag</a:t>
+                      </a:r>
+                      <a:endParaRPr lang="de-DE" sz="900" b="1" dirty="0">
+                        <a:solidFill>
+                          <a:schemeClr val="accent1"/>
+                        </a:solidFill>
+                      </a:endParaRPr>
+                    </a:p>
+                  </a:txBody>
+                  <a:tcPr/>
+                </a:tc>
+              </a:tr>
+              <a:tr h="416417">
+                <a:tc>
+                  <a:txBody>
+                    <a:bodyPr/>
+                    <a:lstStyle/>
+                    <a:p>
+                      <a:pPr marL="0" marR="0" indent="0" algn="l" defTabSz="914400" rtl="0" eaLnBrk="1" fontAlgn="auto" latinLnBrk="0" hangingPunct="1">
+                        <a:lnSpc>
+                          <a:spcPct val="100000"/>
+                        </a:lnSpc>
+                        <a:spcBef>
+                          <a:spcPts val="0"/>
+                        </a:spcBef>
+                        <a:spcAft>
+                          <a:spcPts val="0"/>
+                        </a:spcAft>
+                        <a:buClrTx/>
+                        <a:buSzTx/>
+                        <a:buFontTx/>
+                        <a:buNone/>
+                        <a:tabLst/>
+                        <a:defRPr/>
+                      </a:pPr>
+                      <a:r>
+                        <a:rPr lang="de-DE" sz="900" b="1" dirty="0" smtClean="0"/>
+                        <a:t>Minimale Latenz – Bedarfsgerechte Bereitstellung von Daten im DWH</a:t>
+                      </a:r>
+                    </a:p>
+                    <a:p>
+                      <a:pPr marL="0" marR="0" indent="0" algn="l" defTabSz="914400" rtl="0" eaLnBrk="1" fontAlgn="auto" latinLnBrk="0" hangingPunct="1">
+                        <a:lnSpc>
+                          <a:spcPct val="100000"/>
+                        </a:lnSpc>
+                        <a:spcBef>
+                          <a:spcPts val="0"/>
+                        </a:spcBef>
+                        <a:spcAft>
+                          <a:spcPts val="0"/>
+                        </a:spcAft>
+                        <a:buClrTx/>
+                        <a:buSzTx/>
+                        <a:buFontTx/>
+                        <a:buNone/>
+                        <a:tabLst/>
+                        <a:defRPr/>
+                      </a:pPr>
+                      <a:r>
+                        <a:rPr lang="de-DE" sz="900" b="1" dirty="0" smtClean="0">
+                          <a:solidFill>
+                            <a:schemeClr val="accent1"/>
+                          </a:solidFill>
+                        </a:rPr>
+                        <a:t>10:00 bis 10:45 Uhr, Raum Kopenhagen</a:t>
+                      </a:r>
+                      <a:endParaRPr lang="de-DE" sz="900" b="1" dirty="0">
+                        <a:solidFill>
+                          <a:schemeClr val="accent1"/>
+                        </a:solidFill>
+                      </a:endParaRPr>
+                    </a:p>
+                  </a:txBody>
+                  <a:tcPr/>
+                </a:tc>
+                <a:tc>
+                  <a:txBody>
+                    <a:bodyPr/>
+                    <a:lstStyle/>
+                    <a:p>
+                      <a:r>
+                        <a:rPr lang="de-DE" sz="900" b="1" dirty="0" smtClean="0"/>
+                        <a:t>RAC ONE </a:t>
+                      </a:r>
+                      <a:r>
+                        <a:rPr lang="de-DE" sz="900" b="1" dirty="0" err="1" smtClean="0"/>
+                        <a:t>Node</a:t>
+                      </a:r>
+                      <a:r>
+                        <a:rPr lang="de-DE" sz="900" b="1" dirty="0" smtClean="0"/>
+                        <a:t> 11.2.0.2.</a:t>
+                      </a:r>
+                      <a:r>
+                        <a:rPr lang="de-DE" sz="900" b="1" baseline="0" dirty="0" smtClean="0"/>
+                        <a:t> – Wo ist meine Instanz?</a:t>
+                      </a:r>
+                    </a:p>
+                    <a:p>
+                      <a:r>
+                        <a:rPr lang="de-DE" sz="900" b="1" baseline="0" dirty="0" smtClean="0">
+                          <a:solidFill>
+                            <a:schemeClr val="accent1"/>
+                          </a:solidFill>
+                        </a:rPr>
+                        <a:t>13:00 bis 13:45 Uhr, Raum St. Petersburg</a:t>
+                      </a:r>
+                      <a:endParaRPr lang="de-DE" sz="900" b="1" dirty="0">
+                        <a:solidFill>
+                          <a:schemeClr val="accent1"/>
+                        </a:solidFill>
+                      </a:endParaRPr>
+                    </a:p>
+                  </a:txBody>
+                  <a:tcPr/>
+                </a:tc>
+                <a:tc>
+                  <a:txBody>
+                    <a:bodyPr/>
+                    <a:lstStyle/>
+                    <a:p>
+                      <a:r>
+                        <a:rPr lang="de-DE" sz="900" b="1" dirty="0" smtClean="0"/>
+                        <a:t>Brückentechnologie – Min. Downtime Plattform-Migration / Upgrade von 9 nach 11.2</a:t>
+                      </a:r>
+                    </a:p>
+                    <a:p>
+                      <a:r>
+                        <a:rPr lang="de-DE" sz="900" b="1" dirty="0" smtClean="0">
+                          <a:solidFill>
+                            <a:schemeClr val="accent1"/>
+                          </a:solidFill>
+                        </a:rPr>
+                        <a:t>10:00 bis 10:45 Uhr, Raum St. Petersburg</a:t>
+                      </a:r>
+                      <a:endParaRPr lang="de-DE" sz="900" b="1" dirty="0">
+                        <a:solidFill>
+                          <a:schemeClr val="accent1"/>
+                        </a:solidFill>
+                      </a:endParaRPr>
+                    </a:p>
+                  </a:txBody>
+                  <a:tcPr/>
+                </a:tc>
+              </a:tr>
+              <a:tr h="370840">
+                <a:tc>
+                  <a:txBody>
+                    <a:bodyPr/>
+                    <a:lstStyle/>
+                    <a:p>
+                      <a:pPr marL="0" marR="0" indent="0" algn="l" defTabSz="914400" rtl="0" eaLnBrk="1" fontAlgn="auto" latinLnBrk="0" hangingPunct="1">
+                        <a:lnSpc>
+                          <a:spcPct val="100000"/>
+                        </a:lnSpc>
+                        <a:spcBef>
+                          <a:spcPts val="0"/>
+                        </a:spcBef>
+                        <a:spcAft>
+                          <a:spcPts val="0"/>
+                        </a:spcAft>
+                        <a:buClrTx/>
+                        <a:buSzTx/>
+                        <a:buFontTx/>
+                        <a:buNone/>
+                        <a:tabLst/>
+                        <a:defRPr/>
+                      </a:pPr>
+                      <a:r>
+                        <a:rPr lang="de-DE" sz="900" b="1" dirty="0" smtClean="0"/>
+                        <a:t>ESSBASE und die OBIEE 11g – Aufbruch zu „echten“ OLAP-Analysen</a:t>
+                      </a:r>
+                    </a:p>
+                    <a:p>
+                      <a:pPr marL="0" marR="0" indent="0" algn="l" defTabSz="914400" rtl="0" eaLnBrk="1" fontAlgn="auto" latinLnBrk="0" hangingPunct="1">
+                        <a:lnSpc>
+                          <a:spcPct val="100000"/>
+                        </a:lnSpc>
+                        <a:spcBef>
+                          <a:spcPts val="0"/>
+                        </a:spcBef>
+                        <a:spcAft>
+                          <a:spcPts val="0"/>
+                        </a:spcAft>
+                        <a:buClrTx/>
+                        <a:buSzTx/>
+                        <a:buFontTx/>
+                        <a:buNone/>
+                        <a:tabLst/>
+                        <a:defRPr/>
+                      </a:pPr>
+                      <a:r>
+                        <a:rPr lang="de-DE" sz="900" b="1" dirty="0" smtClean="0">
+                          <a:solidFill>
+                            <a:schemeClr val="accent1"/>
+                          </a:solidFill>
+                        </a:rPr>
+                        <a:t>12:00 bis 12:45</a:t>
+                      </a:r>
+                      <a:r>
+                        <a:rPr lang="de-DE" sz="900" b="1" baseline="0" dirty="0" smtClean="0">
+                          <a:solidFill>
+                            <a:schemeClr val="accent1"/>
+                          </a:solidFill>
+                        </a:rPr>
+                        <a:t> Uhr, Raum Helsinki</a:t>
+                      </a:r>
+                      <a:endParaRPr lang="de-DE" sz="900" b="1" dirty="0">
+                        <a:solidFill>
+                          <a:schemeClr val="accent1"/>
+                        </a:solidFill>
+                      </a:endParaRPr>
+                    </a:p>
+                  </a:txBody>
+                  <a:tcPr/>
+                </a:tc>
+                <a:tc>
+                  <a:txBody>
+                    <a:bodyPr/>
+                    <a:lstStyle/>
+                    <a:p>
+                      <a:r>
+                        <a:rPr lang="de-DE" sz="900" b="1" dirty="0" smtClean="0"/>
+                        <a:t>Oracle BAM – Die unentdeckten Möglichkeiten</a:t>
+                      </a:r>
+                    </a:p>
+                    <a:p>
+                      <a:r>
+                        <a:rPr lang="de-DE" sz="900" b="1" dirty="0" smtClean="0">
+                          <a:solidFill>
+                            <a:schemeClr val="accent1"/>
+                          </a:solidFill>
+                        </a:rPr>
+                        <a:t>13:00</a:t>
+                      </a:r>
+                      <a:r>
+                        <a:rPr lang="de-DE" sz="900" b="1" baseline="0" dirty="0" smtClean="0">
+                          <a:solidFill>
+                            <a:schemeClr val="accent1"/>
+                          </a:solidFill>
+                        </a:rPr>
+                        <a:t> bis 13:45 Uhr, Raum Oslo</a:t>
+                      </a:r>
+                      <a:endParaRPr lang="de-DE" sz="900" b="1" dirty="0">
+                        <a:solidFill>
+                          <a:schemeClr val="accent1"/>
+                        </a:solidFill>
+                      </a:endParaRPr>
+                    </a:p>
+                  </a:txBody>
+                  <a:tcPr/>
+                </a:tc>
+                <a:tc>
+                  <a:txBody>
+                    <a:bodyPr/>
+                    <a:lstStyle/>
+                    <a:p>
+                      <a:r>
+                        <a:rPr lang="de-DE" sz="900" b="1" dirty="0" smtClean="0"/>
+                        <a:t>Versteckte Schätze in BPM&amp;SOA Suite 11g</a:t>
+                      </a:r>
+                      <a:br>
+                        <a:rPr lang="de-DE" sz="900" b="1" dirty="0" smtClean="0"/>
+                      </a:br>
+                      <a:r>
+                        <a:rPr lang="de-DE" sz="900" b="1" dirty="0" smtClean="0"/>
+                        <a:t>– gesammelte</a:t>
+                      </a:r>
+                      <a:r>
+                        <a:rPr lang="de-DE" sz="900" b="1" baseline="0" dirty="0" smtClean="0"/>
+                        <a:t> Projekterfahrungen</a:t>
+                      </a:r>
+                    </a:p>
+                    <a:p>
+                      <a:r>
+                        <a:rPr lang="de-DE" sz="900" b="1" baseline="0" dirty="0" smtClean="0">
+                          <a:solidFill>
+                            <a:schemeClr val="accent1"/>
+                          </a:solidFill>
+                        </a:rPr>
+                        <a:t>10:00 bis 10:45 Uhr, Raum Oslo</a:t>
+                      </a:r>
+                      <a:endParaRPr lang="de-DE" sz="900" b="1" dirty="0">
+                        <a:solidFill>
+                          <a:schemeClr val="accent1"/>
+                        </a:solidFill>
+                      </a:endParaRPr>
+                    </a:p>
+                  </a:txBody>
+                  <a:tcPr/>
+                </a:tc>
+              </a:tr>
+              <a:tr h="370840">
+                <a:tc>
+                  <a:txBody>
+                    <a:bodyPr/>
+                    <a:lstStyle/>
+                    <a:p>
+                      <a:pPr marL="0" marR="0" indent="0" algn="l" defTabSz="914400" rtl="0" eaLnBrk="1" fontAlgn="auto" latinLnBrk="0" hangingPunct="1">
+                        <a:lnSpc>
+                          <a:spcPct val="100000"/>
+                        </a:lnSpc>
+                        <a:spcBef>
+                          <a:spcPts val="0"/>
+                        </a:spcBef>
+                        <a:spcAft>
+                          <a:spcPts val="0"/>
+                        </a:spcAft>
+                        <a:buClrTx/>
+                        <a:buSzTx/>
+                        <a:buFontTx/>
+                        <a:buNone/>
+                        <a:tabLst/>
+                        <a:defRPr/>
+                      </a:pPr>
+                      <a:r>
+                        <a:rPr lang="de-DE" sz="900" b="1" dirty="0" smtClean="0"/>
+                        <a:t>SOA </a:t>
+                      </a:r>
+                      <a:r>
+                        <a:rPr lang="de-DE" sz="900" b="1" dirty="0" err="1" smtClean="0"/>
+                        <a:t>Continuous</a:t>
+                      </a:r>
+                      <a:r>
+                        <a:rPr lang="de-DE" sz="900" b="1" dirty="0" smtClean="0"/>
+                        <a:t> Integration</a:t>
+                      </a:r>
+                    </a:p>
+                    <a:p>
+                      <a:pPr marL="0" marR="0" indent="0" algn="l" defTabSz="914400" rtl="0" eaLnBrk="1" fontAlgn="auto" latinLnBrk="0" hangingPunct="1">
+                        <a:lnSpc>
+                          <a:spcPct val="100000"/>
+                        </a:lnSpc>
+                        <a:spcBef>
+                          <a:spcPts val="0"/>
+                        </a:spcBef>
+                        <a:spcAft>
+                          <a:spcPts val="0"/>
+                        </a:spcAft>
+                        <a:buClrTx/>
+                        <a:buSzTx/>
+                        <a:buFontTx/>
+                        <a:buNone/>
+                        <a:tabLst/>
+                        <a:defRPr/>
+                      </a:pPr>
+                      <a:r>
+                        <a:rPr lang="de-DE" sz="900" b="1" dirty="0" smtClean="0">
+                          <a:solidFill>
+                            <a:schemeClr val="accent1"/>
+                          </a:solidFill>
+                        </a:rPr>
+                        <a:t>12:00 bis 12:45 Uhr, Raum Riga</a:t>
+                      </a:r>
+                    </a:p>
+                  </a:txBody>
+                  <a:tcPr/>
+                </a:tc>
+                <a:tc>
+                  <a:txBody>
+                    <a:bodyPr/>
+                    <a:lstStyle/>
+                    <a:p>
+                      <a:r>
+                        <a:rPr lang="de-DE" sz="900" b="1" dirty="0" smtClean="0"/>
+                        <a:t>Neues zur Oracle</a:t>
+                      </a:r>
+                      <a:r>
+                        <a:rPr lang="de-DE" sz="900" b="1" baseline="0" dirty="0" smtClean="0"/>
+                        <a:t> Lizenzierung</a:t>
+                      </a:r>
+                    </a:p>
+                    <a:p>
+                      <a:r>
+                        <a:rPr lang="de-DE" sz="900" b="1" baseline="0" dirty="0" smtClean="0">
+                          <a:solidFill>
+                            <a:schemeClr val="accent1"/>
+                          </a:solidFill>
+                        </a:rPr>
+                        <a:t>15:00 bis 15:45 Uhr, Raum Kopenhagen</a:t>
+                      </a:r>
+                      <a:endParaRPr lang="de-DE" sz="900" b="1" dirty="0">
+                        <a:solidFill>
+                          <a:schemeClr val="accent1"/>
+                        </a:solidFill>
+                      </a:endParaRPr>
+                    </a:p>
+                  </a:txBody>
+                  <a:tcPr/>
+                </a:tc>
+                <a:tc>
+                  <a:txBody>
+                    <a:bodyPr/>
+                    <a:lstStyle/>
+                    <a:p>
+                      <a:r>
+                        <a:rPr lang="de-DE" sz="900" b="1" dirty="0" smtClean="0"/>
+                        <a:t>Unterbrechungsfreies Reporting: Hochverfügbarkeit von OWB bis</a:t>
+                      </a:r>
+                      <a:r>
+                        <a:rPr lang="de-DE" sz="900" b="1" baseline="0" dirty="0" smtClean="0"/>
+                        <a:t> BIEE 11g</a:t>
+                      </a:r>
+                    </a:p>
+                    <a:p>
+                      <a:r>
+                        <a:rPr lang="de-DE" sz="900" b="1" baseline="0" dirty="0" smtClean="0">
+                          <a:solidFill>
+                            <a:schemeClr val="accent1"/>
+                          </a:solidFill>
+                        </a:rPr>
+                        <a:t>12:00 bis 12:45 Uhr, Raum Stockholm</a:t>
+                      </a:r>
+                      <a:endParaRPr lang="de-DE" sz="900" b="1" dirty="0">
+                        <a:solidFill>
+                          <a:schemeClr val="accent1"/>
+                        </a:solidFill>
+                      </a:endParaRPr>
+                    </a:p>
+                  </a:txBody>
+                  <a:tcPr/>
+                </a:tc>
+              </a:tr>
+              <a:tr h="370840">
+                <a:tc>
+                  <a:txBody>
+                    <a:bodyPr/>
+                    <a:lstStyle/>
+                    <a:p>
+                      <a:r>
+                        <a:rPr lang="de-DE" sz="900" b="1" dirty="0" smtClean="0"/>
+                        <a:t>Agile BI mit OBIEE 11g</a:t>
+                      </a:r>
+                      <a:br>
+                        <a:rPr lang="de-DE" sz="900" b="1" dirty="0" smtClean="0"/>
+                      </a:br>
+                      <a:r>
+                        <a:rPr lang="de-DE" sz="900" b="1" dirty="0" smtClean="0">
+                          <a:solidFill>
+                            <a:schemeClr val="accent1"/>
+                          </a:solidFill>
+                        </a:rPr>
+                        <a:t>14:00 bis 14:45 Uhr, Raum Helsinki</a:t>
+                      </a:r>
+                      <a:endParaRPr lang="de-DE" sz="900" b="1" dirty="0">
+                        <a:solidFill>
+                          <a:schemeClr val="accent1"/>
+                        </a:solidFill>
+                      </a:endParaRPr>
+                    </a:p>
+                  </a:txBody>
+                  <a:tcPr/>
+                </a:tc>
+                <a:tc>
+                  <a:txBody>
+                    <a:bodyPr/>
+                    <a:lstStyle/>
+                    <a:p>
+                      <a:endParaRPr lang="de-DE" sz="900" b="1" dirty="0"/>
+                    </a:p>
+                  </a:txBody>
+                  <a:tcPr/>
+                </a:tc>
+                <a:tc>
+                  <a:txBody>
+                    <a:bodyPr/>
+                    <a:lstStyle/>
+                    <a:p>
+                      <a:r>
+                        <a:rPr lang="de-DE" sz="900" b="1" dirty="0" smtClean="0"/>
+                        <a:t>Oracle </a:t>
+                      </a:r>
+                      <a:r>
+                        <a:rPr lang="de-DE" sz="900" b="1" dirty="0" err="1" smtClean="0"/>
+                        <a:t>Resource</a:t>
+                      </a:r>
+                      <a:r>
+                        <a:rPr lang="de-DE" sz="900" b="1" dirty="0" smtClean="0"/>
+                        <a:t> Management</a:t>
+                      </a:r>
+                    </a:p>
+                    <a:p>
+                      <a:r>
+                        <a:rPr lang="de-DE" sz="900" b="1" dirty="0" smtClean="0"/>
+                        <a:t>13:00 bis 13:45 Uhr, Raum St. Petersburg</a:t>
+                      </a:r>
+                      <a:endParaRPr lang="de-DE" sz="900" b="1" dirty="0"/>
+                    </a:p>
+                  </a:txBody>
+                  <a:tcPr/>
+                </a:tc>
+              </a:tr>
+              <a:tr h="370840">
+                <a:tc>
+                  <a:txBody>
+                    <a:bodyPr/>
+                    <a:lstStyle/>
+                    <a:p>
+                      <a:r>
+                        <a:rPr lang="de-DE" sz="900" b="1" dirty="0" smtClean="0"/>
+                        <a:t>Die Crux mit dem Delta – vom </a:t>
+                      </a:r>
+                      <a:r>
+                        <a:rPr lang="de-DE" sz="900" b="1" dirty="0" err="1" smtClean="0"/>
+                        <a:t>Fullload</a:t>
+                      </a:r>
+                      <a:r>
+                        <a:rPr lang="de-DE" sz="900" b="1" dirty="0" smtClean="0"/>
+                        <a:t> zum </a:t>
+                      </a:r>
+                      <a:r>
+                        <a:rPr lang="de-DE" sz="900" b="1" dirty="0" err="1" smtClean="0"/>
+                        <a:t>Incremental</a:t>
+                      </a:r>
+                      <a:r>
+                        <a:rPr lang="de-DE" sz="900" b="1" dirty="0" smtClean="0"/>
+                        <a:t> </a:t>
+                      </a:r>
+                      <a:r>
+                        <a:rPr lang="de-DE" sz="900" b="1" dirty="0" err="1" smtClean="0"/>
+                        <a:t>Load</a:t>
+                      </a:r>
+                      <a:endParaRPr lang="de-DE" sz="900" b="1" dirty="0" smtClean="0"/>
+                    </a:p>
+                    <a:p>
+                      <a:r>
+                        <a:rPr lang="de-DE" sz="900" b="1" dirty="0" smtClean="0">
+                          <a:solidFill>
+                            <a:schemeClr val="accent1"/>
+                          </a:solidFill>
+                        </a:rPr>
+                        <a:t>16:00 bis 16:45 Uhr, Raum Kopenhagen</a:t>
+                      </a:r>
+                    </a:p>
+                  </a:txBody>
+                  <a:tcPr/>
+                </a:tc>
+                <a:tc>
+                  <a:txBody>
+                    <a:bodyPr/>
+                    <a:lstStyle/>
+                    <a:p>
+                      <a:endParaRPr lang="de-DE" sz="900" b="1" dirty="0"/>
+                    </a:p>
+                  </a:txBody>
+                  <a:tcPr/>
+                </a:tc>
+                <a:tc>
+                  <a:txBody>
+                    <a:bodyPr/>
+                    <a:lstStyle/>
+                    <a:p>
+                      <a:r>
+                        <a:rPr lang="de-DE" sz="900" b="1" dirty="0" smtClean="0"/>
+                        <a:t>Forms</a:t>
+                      </a:r>
+                      <a:r>
+                        <a:rPr lang="de-DE" sz="900" b="1" baseline="0" dirty="0" smtClean="0"/>
+                        <a:t> Legacy – ein ADF Panorama</a:t>
+                      </a:r>
+                    </a:p>
+                    <a:p>
+                      <a:r>
+                        <a:rPr lang="de-DE" sz="900" b="1" baseline="0" dirty="0" smtClean="0">
+                          <a:solidFill>
+                            <a:schemeClr val="accent1"/>
+                          </a:solidFill>
+                        </a:rPr>
+                        <a:t>14:00 bis 14:45 Uhr, Konferenzraum EG</a:t>
+                      </a:r>
+                      <a:endParaRPr lang="de-DE" sz="900" b="1" dirty="0">
+                        <a:solidFill>
+                          <a:schemeClr val="accent1"/>
+                        </a:solidFill>
+                      </a:endParaRPr>
+                    </a:p>
+                  </a:txBody>
+                  <a:tcPr/>
+                </a:tc>
+              </a:tr>
+              <a:tr h="370840">
+                <a:tc>
+                  <a:txBody>
+                    <a:bodyPr/>
+                    <a:lstStyle/>
+                    <a:p>
+                      <a:pPr marL="0" marR="0" indent="0" algn="l" defTabSz="914400" rtl="0" eaLnBrk="1" fontAlgn="auto" latinLnBrk="0" hangingPunct="1">
+                        <a:lnSpc>
+                          <a:spcPct val="100000"/>
+                        </a:lnSpc>
+                        <a:spcBef>
+                          <a:spcPts val="0"/>
+                        </a:spcBef>
+                        <a:spcAft>
+                          <a:spcPts val="0"/>
+                        </a:spcAft>
+                        <a:buClrTx/>
+                        <a:buSzTx/>
+                        <a:buFontTx/>
+                        <a:buNone/>
+                        <a:tabLst/>
+                        <a:defRPr/>
+                      </a:pPr>
+                      <a:r>
+                        <a:rPr lang="de-DE" sz="900" b="1" dirty="0" smtClean="0"/>
+                        <a:t>Automatisiertes Konfigurationsmanagement</a:t>
+                      </a:r>
+                      <a:r>
+                        <a:rPr lang="de-DE" sz="900" b="1" baseline="0" dirty="0" smtClean="0"/>
+                        <a:t> mit Puppet</a:t>
+                      </a:r>
+                    </a:p>
+                    <a:p>
+                      <a:pPr marL="0" marR="0" indent="0" algn="l" defTabSz="914400" rtl="0" eaLnBrk="1" fontAlgn="auto" latinLnBrk="0" hangingPunct="1">
+                        <a:lnSpc>
+                          <a:spcPct val="100000"/>
+                        </a:lnSpc>
+                        <a:spcBef>
+                          <a:spcPts val="0"/>
+                        </a:spcBef>
+                        <a:spcAft>
+                          <a:spcPts val="0"/>
+                        </a:spcAft>
+                        <a:buClrTx/>
+                        <a:buSzTx/>
+                        <a:buFontTx/>
+                        <a:buNone/>
+                        <a:tabLst/>
+                        <a:defRPr/>
+                      </a:pPr>
+                      <a:r>
+                        <a:rPr lang="de-DE" sz="900" b="1" baseline="0" dirty="0" smtClean="0">
+                          <a:solidFill>
+                            <a:schemeClr val="accent1"/>
+                          </a:solidFill>
+                        </a:rPr>
+                        <a:t>16:00 bis 16:45 Uhr, </a:t>
+                      </a:r>
+                      <a:r>
+                        <a:rPr lang="de-DE" sz="900" b="1" baseline="0" dirty="0" err="1" smtClean="0">
+                          <a:solidFill>
+                            <a:schemeClr val="accent1"/>
+                          </a:solidFill>
+                        </a:rPr>
+                        <a:t>Koferenzraum</a:t>
+                      </a:r>
+                      <a:r>
+                        <a:rPr lang="de-DE" sz="900" b="1" baseline="0" dirty="0" smtClean="0">
+                          <a:solidFill>
+                            <a:schemeClr val="accent1"/>
+                          </a:solidFill>
+                        </a:rPr>
+                        <a:t> EG</a:t>
+                      </a:r>
+                      <a:endParaRPr lang="de-DE" sz="900" b="1" dirty="0">
+                        <a:solidFill>
+                          <a:schemeClr val="accent1"/>
+                        </a:solidFill>
+                      </a:endParaRPr>
+                    </a:p>
+                  </a:txBody>
+                  <a:tcPr/>
+                </a:tc>
+                <a:tc>
+                  <a:txBody>
+                    <a:bodyPr/>
+                    <a:lstStyle/>
+                    <a:p>
+                      <a:endParaRPr lang="de-DE" sz="900" b="1" dirty="0"/>
+                    </a:p>
+                  </a:txBody>
+                  <a:tcPr/>
+                </a:tc>
+                <a:tc>
+                  <a:txBody>
+                    <a:bodyPr/>
+                    <a:lstStyle/>
+                    <a:p>
+                      <a:r>
+                        <a:rPr lang="de-DE" sz="900" b="1" dirty="0" err="1" smtClean="0"/>
+                        <a:t>Deseaster</a:t>
+                      </a:r>
+                      <a:r>
+                        <a:rPr lang="de-DE" sz="900" b="1" dirty="0" smtClean="0"/>
+                        <a:t> </a:t>
+                      </a:r>
+                      <a:r>
+                        <a:rPr lang="de-DE" sz="900" b="1" dirty="0" err="1" smtClean="0"/>
+                        <a:t>Recovery</a:t>
+                      </a:r>
+                      <a:r>
+                        <a:rPr lang="de-DE" sz="900" b="1" dirty="0" smtClean="0"/>
+                        <a:t> bei </a:t>
+                      </a:r>
+                      <a:r>
+                        <a:rPr lang="de-DE" sz="900" b="1" dirty="0" err="1" smtClean="0"/>
+                        <a:t>Grid</a:t>
+                      </a:r>
+                      <a:r>
+                        <a:rPr lang="de-DE" sz="900" b="1" dirty="0" smtClean="0"/>
+                        <a:t> Infrastructure</a:t>
+                      </a:r>
+                      <a:r>
+                        <a:rPr lang="de-DE" sz="900" b="1" baseline="0" dirty="0" smtClean="0"/>
+                        <a:t> 11.2 mit zwei Rechenzentren</a:t>
+                      </a:r>
+                    </a:p>
+                    <a:p>
+                      <a:r>
+                        <a:rPr lang="de-DE" sz="900" b="1" baseline="0" dirty="0" smtClean="0">
+                          <a:solidFill>
+                            <a:schemeClr val="accent1"/>
+                          </a:solidFill>
+                        </a:rPr>
+                        <a:t>15:00 bis 15:00 Uhr, Raum Hongkong</a:t>
+                      </a:r>
+                      <a:endParaRPr lang="de-DE" sz="900" b="1" dirty="0">
+                        <a:solidFill>
+                          <a:schemeClr val="accent1"/>
+                        </a:solidFill>
+                      </a:endParaRPr>
+                    </a:p>
+                  </a:txBody>
+                  <a:tcPr/>
+                </a:tc>
+              </a:tr>
+              <a:tr h="370840">
+                <a:tc>
+                  <a:txBody>
+                    <a:bodyPr/>
+                    <a:lstStyle/>
+                    <a:p>
+                      <a:pPr marL="0" marR="0" indent="0" algn="l" defTabSz="914400" rtl="0" eaLnBrk="1" fontAlgn="auto" latinLnBrk="0" hangingPunct="1">
+                        <a:lnSpc>
+                          <a:spcPct val="100000"/>
+                        </a:lnSpc>
+                        <a:spcBef>
+                          <a:spcPts val="0"/>
+                        </a:spcBef>
+                        <a:spcAft>
+                          <a:spcPts val="0"/>
+                        </a:spcAft>
+                        <a:buClrTx/>
+                        <a:buSzTx/>
+                        <a:buFontTx/>
+                        <a:buNone/>
+                        <a:tabLst/>
+                        <a:defRPr/>
+                      </a:pPr>
+                      <a:endParaRPr lang="de-DE" sz="900" b="1" dirty="0"/>
+                    </a:p>
+                  </a:txBody>
+                  <a:tcPr/>
+                </a:tc>
+                <a:tc>
+                  <a:txBody>
+                    <a:bodyPr/>
+                    <a:lstStyle/>
+                    <a:p>
+                      <a:endParaRPr lang="de-DE" sz="900" b="1"/>
+                    </a:p>
+                  </a:txBody>
+                  <a:tcPr/>
+                </a:tc>
+                <a:tc>
+                  <a:txBody>
+                    <a:bodyPr/>
+                    <a:lstStyle/>
+                    <a:p>
+                      <a:r>
+                        <a:rPr lang="de-DE" sz="900" b="1" dirty="0" smtClean="0"/>
+                        <a:t>Effizientere ETL mit Table </a:t>
+                      </a:r>
+                      <a:r>
+                        <a:rPr lang="de-DE" sz="900" b="1" dirty="0" err="1" smtClean="0"/>
+                        <a:t>Function</a:t>
+                      </a:r>
+                      <a:endParaRPr lang="de-DE" sz="900" b="1" dirty="0" smtClean="0"/>
+                    </a:p>
+                    <a:p>
+                      <a:r>
+                        <a:rPr lang="de-DE" sz="900" b="1" dirty="0" smtClean="0">
+                          <a:solidFill>
+                            <a:schemeClr val="accent1"/>
+                          </a:solidFill>
+                        </a:rPr>
+                        <a:t>16:00 bis 16:45 Uhr, Raum Stockholm</a:t>
+                      </a:r>
+                      <a:endParaRPr lang="de-DE" sz="900" b="1" dirty="0">
+                        <a:solidFill>
+                          <a:schemeClr val="accent1"/>
+                        </a:solidFill>
+                      </a:endParaRPr>
+                    </a:p>
+                  </a:txBody>
+                  <a:tcPr/>
+                </a:tc>
+              </a:tr>
+            </a:tbl>
+          </a:graphicData>
+        </a:graphic>
+      </p:graphicFrame>
       <p:sp>
         <p:nvSpPr>
-          <p:cNvPr id="3" name="Inhaltsplatzhalter 2"/>
-          <p:cNvSpPr>
-            <a:spLocks noGrp="1"/>
-          </p:cNvSpPr>
-          <p:nvPr>
-            <p:ph idx="1"/>
-          </p:nvPr>
+          <p:cNvPr id="8" name="Textfeld 7"/>
+          <p:cNvSpPr txBox="1"/>
+          <p:nvPr/>
         </p:nvSpPr>
-        <p:spPr/>
+        <p:spPr>
+          <a:xfrm>
+            <a:off x="868958" y="6062663"/>
+            <a:ext cx="8023521" cy="261610"/>
+          </a:xfrm>
+          <a:prstGeom prst="rect">
+            <a:avLst/>
+          </a:prstGeom>
+          <a:solidFill>
+            <a:schemeClr val="bg1"/>
+          </a:solidFill>
+        </p:spPr>
         <p:txBody>
-          <a:bodyPr/>
+          <a:bodyPr wrap="square" rtlCol="0">
+            <a:spAutoFit/>
+          </a:bodyPr>
           <a:lstStyle/>
           <a:p>
             <a:r>
-              <a:rPr lang="de-DE" dirty="0" smtClean="0"/>
-              <a:t>Was ist Groovy?</a:t>
-            </a:r>
-          </a:p>
-          <a:p>
-            <a:r>
-              <a:rPr lang="de-DE" dirty="0" smtClean="0"/>
-              <a:t>Was ist </a:t>
-            </a:r>
-            <a:r>
-              <a:rPr lang="de-DE" dirty="0" err="1" smtClean="0"/>
-              <a:t>Grails</a:t>
-            </a:r>
-            <a:r>
-              <a:rPr lang="de-DE" dirty="0" smtClean="0"/>
-              <a:t>?</a:t>
-            </a:r>
-          </a:p>
-          <a:p>
-            <a:r>
-              <a:rPr lang="de-DE" dirty="0" smtClean="0"/>
-              <a:t>Live </a:t>
-            </a:r>
-            <a:r>
-              <a:rPr lang="de-DE" dirty="0" err="1" smtClean="0"/>
-              <a:t>Coding</a:t>
-            </a:r>
-            <a:endParaRPr lang="de-DE" dirty="0"/>
+              <a:rPr lang="de-DE" sz="1100" b="1" dirty="0" smtClean="0"/>
+              <a:t>youtube.com/</a:t>
+            </a:r>
+            <a:r>
+              <a:rPr lang="de-DE" sz="1100" b="1" dirty="0" err="1" smtClean="0"/>
+              <a:t>opitzconsulting</a:t>
+            </a:r>
+            <a:r>
+              <a:rPr lang="de-DE" sz="1100" b="1" dirty="0" smtClean="0"/>
+              <a:t>  	    slideshare.net/</a:t>
+            </a:r>
+            <a:r>
+              <a:rPr lang="de-DE" sz="1100" b="1" dirty="0" err="1" smtClean="0"/>
+              <a:t>opitzconsulting</a:t>
+            </a:r>
+            <a:r>
+              <a:rPr lang="de-DE" sz="1100" b="1" dirty="0"/>
+              <a:t>	</a:t>
+            </a:r>
+            <a:r>
+              <a:rPr lang="de-DE" sz="1100" b="1" dirty="0" smtClean="0"/>
+              <a:t>    xing.com/group-51062.460375</a:t>
+            </a:r>
+            <a:endParaRPr lang="de-DE" sz="1100" b="1" dirty="0"/>
           </a:p>
         </p:txBody>
       </p:sp>
+      <p:pic>
+        <p:nvPicPr>
+          <p:cNvPr id="5" name="Grafik 4"/>
+          <p:cNvPicPr>
+            <a:picLocks noChangeAspect="1"/>
+          </p:cNvPicPr>
+          <p:nvPr/>
+        </p:nvPicPr>
+        <p:blipFill>
+          <a:blip r:embed="rId2" cstate="print">
+            <a:extLst>
+              <a:ext uri="{28A0092B-C50C-407E-A947-70E740481C1C}">
+                <a14:useLocalDpi xmlns:a14="http://schemas.microsoft.com/office/drawing/2010/main" xmlns="" val="0"/>
+              </a:ext>
+            </a:extLst>
+          </a:blip>
+          <a:stretch>
+            <a:fillRect/>
+          </a:stretch>
+        </p:blipFill>
+        <p:spPr>
+          <a:xfrm>
+            <a:off x="3273216" y="5949280"/>
+            <a:ext cx="504056" cy="497594"/>
+          </a:xfrm>
+          <a:prstGeom prst="rect">
+            <a:avLst/>
+          </a:prstGeom>
+        </p:spPr>
+      </p:pic>
+      <p:pic>
+        <p:nvPicPr>
+          <p:cNvPr id="6" name="Grafik 5"/>
+          <p:cNvPicPr>
+            <a:picLocks noChangeAspect="1"/>
+          </p:cNvPicPr>
+          <p:nvPr/>
+        </p:nvPicPr>
+        <p:blipFill>
+          <a:blip r:embed="rId3" cstate="print">
+            <a:extLst>
+              <a:ext uri="{28A0092B-C50C-407E-A947-70E740481C1C}">
+                <a14:useLocalDpi xmlns:a14="http://schemas.microsoft.com/office/drawing/2010/main" xmlns="" val="0"/>
+              </a:ext>
+            </a:extLst>
+          </a:blip>
+          <a:stretch>
+            <a:fillRect/>
+          </a:stretch>
+        </p:blipFill>
+        <p:spPr>
+          <a:xfrm>
+            <a:off x="5989817" y="5952926"/>
+            <a:ext cx="501046" cy="496800"/>
+          </a:xfrm>
+          <a:prstGeom prst="rect">
+            <a:avLst/>
+          </a:prstGeom>
+        </p:spPr>
+      </p:pic>
+      <p:pic>
+        <p:nvPicPr>
+          <p:cNvPr id="7" name="Grafik 6"/>
+          <p:cNvPicPr>
+            <a:picLocks noChangeAspect="1"/>
+          </p:cNvPicPr>
+          <p:nvPr/>
+        </p:nvPicPr>
+        <p:blipFill>
+          <a:blip r:embed="rId4" cstate="print">
+            <a:extLst>
+              <a:ext uri="{28A0092B-C50C-407E-A947-70E740481C1C}">
+                <a14:useLocalDpi xmlns:a14="http://schemas.microsoft.com/office/drawing/2010/main" xmlns="" val="0"/>
+              </a:ext>
+            </a:extLst>
+          </a:blip>
+          <a:stretch>
+            <a:fillRect/>
+          </a:stretch>
+        </p:blipFill>
+        <p:spPr>
+          <a:xfrm>
+            <a:off x="368057" y="5949280"/>
+            <a:ext cx="499623" cy="496800"/>
+          </a:xfrm>
+          <a:prstGeom prst="rect">
+            <a:avLst/>
+          </a:prstGeom>
+        </p:spPr>
+      </p:pic>
     </p:spTree>
+    <p:extLst>
+      <p:ext uri="{BB962C8B-B14F-4D97-AF65-F5344CB8AC3E}">
+        <p14:creationId xmlns:p14="http://schemas.microsoft.com/office/powerpoint/2010/main" xmlns="" val="2868768242"/>
+      </p:ext>
+    </p:extLst>
   </p:cSld>
   <p:clrMapOvr>
     <a:masterClrMapping/>
   </p:clrMapOvr>
-  <p:transition spd="slow" advTm="10000"/>
+  <p:transition spd="slow" advTm="15000"/>
   <p:timing>
     <p:tnLst>
       <p:par>
@@ -23800,30 +27995,7 @@
       </p:grpSpPr>
       <p:sp>
         <p:nvSpPr>
-          <p:cNvPr id="5" name="Textplatzhalter 4"/>
-          <p:cNvSpPr>
-            <a:spLocks noGrp="1"/>
-          </p:cNvSpPr>
-          <p:nvPr>
-            <p:ph type="body" sz="quarter" idx="10"/>
-          </p:nvPr>
-        </p:nvSpPr>
-        <p:spPr/>
-        <p:txBody>
-          <a:bodyPr/>
-          <a:lstStyle/>
-          <a:p>
-            <a:r>
-              <a:rPr lang="de-DE" dirty="0" smtClean="0"/>
-              <a:t>1</a:t>
-            </a:r>
-            <a:endParaRPr lang="de-DE" dirty="0"/>
-          </a:p>
-        </p:txBody>
-      </p:sp>
-      <p:sp>
-        <p:nvSpPr>
-          <p:cNvPr id="4" name="Titel 3"/>
+          <p:cNvPr id="2" name="Titel 1"/>
           <p:cNvSpPr>
             <a:spLocks noGrp="1"/>
           </p:cNvSpPr>
@@ -23838,8 +28010,56 @@
           <a:p>
             <a:r>
               <a:rPr lang="de-DE" dirty="0" smtClean="0"/>
+              <a:t>Agenda</a:t>
+            </a:r>
+            <a:endParaRPr lang="de-DE" dirty="0"/>
+          </a:p>
+        </p:txBody>
+      </p:sp>
+      <p:sp>
+        <p:nvSpPr>
+          <p:cNvPr id="3" name="Inhaltsplatzhalter 2"/>
+          <p:cNvSpPr>
+            <a:spLocks noGrp="1"/>
+          </p:cNvSpPr>
+          <p:nvPr>
+            <p:ph idx="1"/>
+          </p:nvPr>
+        </p:nvSpPr>
+        <p:spPr/>
+        <p:txBody>
+          <a:bodyPr/>
+          <a:lstStyle/>
+          <a:p>
+            <a:r>
+              <a:rPr lang="de-DE" dirty="0" smtClean="0"/>
               <a:t>Was ist Groovy?</a:t>
             </a:r>
+          </a:p>
+          <a:p>
+            <a:r>
+              <a:rPr lang="de-DE" dirty="0" smtClean="0"/>
+              <a:t>Was ist </a:t>
+            </a:r>
+            <a:r>
+              <a:rPr lang="de-DE" dirty="0" err="1" smtClean="0"/>
+              <a:t>Grails</a:t>
+            </a:r>
+            <a:r>
+              <a:rPr lang="de-DE" dirty="0" smtClean="0"/>
+              <a:t>?</a:t>
+            </a:r>
+          </a:p>
+          <a:p>
+            <a:r>
+              <a:rPr lang="de-DE" dirty="0" smtClean="0"/>
+              <a:t>Live </a:t>
+            </a:r>
+            <a:r>
+              <a:rPr lang="de-DE" dirty="0" err="1" smtClean="0"/>
+              <a:t>Coding</a:t>
+            </a:r>
+            <a:endParaRPr lang="de-DE" dirty="0"/>
           </a:p>
         </p:txBody>
       </p:sp>
@@ -23878,6 +28098,84 @@
       </p:grpSpPr>
       <p:sp>
         <p:nvSpPr>
+          <p:cNvPr id="5" name="Textplatzhalter 4"/>
+          <p:cNvSpPr>
+            <a:spLocks noGrp="1"/>
+          </p:cNvSpPr>
+          <p:nvPr>
+            <p:ph type="body" sz="quarter" idx="10"/>
+          </p:nvPr>
+        </p:nvSpPr>
+        <p:spPr/>
+        <p:txBody>
+          <a:bodyPr/>
+          <a:lstStyle/>
+          <a:p>
+            <a:r>
+              <a:rPr lang="de-DE" dirty="0" smtClean="0"/>
+              <a:t>1</a:t>
+            </a:r>
+            <a:endParaRPr lang="de-DE" dirty="0"/>
+          </a:p>
+        </p:txBody>
+      </p:sp>
+      <p:sp>
+        <p:nvSpPr>
+          <p:cNvPr id="4" name="Titel 3"/>
+          <p:cNvSpPr>
+            <a:spLocks noGrp="1"/>
+          </p:cNvSpPr>
+          <p:nvPr>
+            <p:ph type="title"/>
+          </p:nvPr>
+        </p:nvSpPr>
+        <p:spPr/>
+        <p:txBody>
+          <a:bodyPr/>
+          <a:lstStyle/>
+          <a:p>
+            <a:r>
+              <a:rPr lang="de-DE" dirty="0" smtClean="0"/>
+              <a:t>Was ist Groovy?</a:t>
+            </a:r>
+          </a:p>
+        </p:txBody>
+      </p:sp>
+    </p:spTree>
+  </p:cSld>
+  <p:clrMapOvr>
+    <a:masterClrMapping/>
+  </p:clrMapOvr>
+  <p:transition spd="slow" advTm="10000"/>
+  <p:timing>
+    <p:tnLst>
+      <p:par>
+        <p:cTn id="1" dur="indefinite" restart="never" nodeType="tmRoot"/>
+      </p:par>
+    </p:tnLst>
+  </p:timing>
+</p:sld>
+</file>
+
+<file path=ppt/slides/slide7.xml><?xml version="1.0" encoding="utf-8"?>
+<p:sld xmlns:a="http://schemas.openxmlformats.org/drawingml/2006/main" xmlns:r="http://schemas.openxmlformats.org/officeDocument/2006/relationships" xmlns:p="http://schemas.openxmlformats.org/presentationml/2006/main">
+  <p:cSld>
+    <p:spTree>
+      <p:nvGrpSpPr>
+        <p:cNvPr id="1" name=""/>
+        <p:cNvGrpSpPr/>
+        <p:nvPr/>
+      </p:nvGrpSpPr>
+      <p:grpSpPr>
+        <a:xfrm>
+          <a:off x="0" y="0"/>
+          <a:ext cx="0" cy="0"/>
+          <a:chOff x="0" y="0"/>
+          <a:chExt cx="0" cy="0"/>
+        </a:xfrm>
+      </p:grpSpPr>
+      <p:sp>
+        <p:nvSpPr>
           <p:cNvPr id="4" name="Titel 3"/>
           <p:cNvSpPr>
             <a:spLocks noGrp="1"/>
@@ -24003,7 +28301,7 @@
 </p:sld>
 </file>
 
-<file path=ppt/slides/slide7.xml><?xml version="1.0" encoding="utf-8"?>
+<file path=ppt/slides/slide8.xml><?xml version="1.0" encoding="utf-8"?>
 <p:sld xmlns:a="http://schemas.openxmlformats.org/drawingml/2006/main" xmlns:r="http://schemas.openxmlformats.org/officeDocument/2006/relationships" xmlns:p="http://schemas.openxmlformats.org/presentationml/2006/main">
   <p:cSld>
     <p:spTree>
@@ -24116,7 +28414,7 @@
 </p:sld>
 </file>
 
-<file path=ppt/slides/slide8.xml><?xml version="1.0" encoding="utf-8"?>
+<file path=ppt/slides/slide9.xml><?xml version="1.0" encoding="utf-8"?>
 <p:sld xmlns:a="http://schemas.openxmlformats.org/drawingml/2006/main" xmlns:r="http://schemas.openxmlformats.org/officeDocument/2006/relationships" xmlns:p="http://schemas.openxmlformats.org/presentationml/2006/main">
   <p:cSld>
     <p:spTree>
@@ -24323,92 +28621,6 @@
               <a:latin typeface="Consolas" pitchFamily="49" charset="0"/>
               <a:cs typeface="Consolas" pitchFamily="49" charset="0"/>
             </a:endParaRPr>
-          </a:p>
-        </p:txBody>
-      </p:sp>
-    </p:spTree>
-  </p:cSld>
-  <p:clrMapOvr>
-    <a:masterClrMapping/>
-  </p:clrMapOvr>
-  <p:transition spd="slow" advTm="10000"/>
-  <p:timing>
-    <p:tnLst>
-      <p:par>
-        <p:cTn id="1" dur="indefinite" restart="never" nodeType="tmRoot"/>
-      </p:par>
-    </p:tnLst>
-  </p:timing>
-</p:sld>
-</file>
-
-<file path=ppt/slides/slide9.xml><?xml version="1.0" encoding="utf-8"?>
-<p:sld xmlns:a="http://schemas.openxmlformats.org/drawingml/2006/main" xmlns:r="http://schemas.openxmlformats.org/officeDocument/2006/relationships" xmlns:p="http://schemas.openxmlformats.org/presentationml/2006/main">
-  <p:cSld>
-    <p:spTree>
-      <p:nvGrpSpPr>
-        <p:cNvPr id="1" name=""/>
-        <p:cNvGrpSpPr/>
-        <p:nvPr/>
-      </p:nvGrpSpPr>
-      <p:grpSpPr>
-        <a:xfrm>
-          <a:off x="0" y="0"/>
-          <a:ext cx="0" cy="0"/>
-          <a:chOff x="0" y="0"/>
-          <a:chExt cx="0" cy="0"/>
-        </a:xfrm>
-      </p:grpSpPr>
-      <p:sp>
-        <p:nvSpPr>
-          <p:cNvPr id="5" name="Textplatzhalter 4"/>
-          <p:cNvSpPr>
-            <a:spLocks noGrp="1"/>
-          </p:cNvSpPr>
-          <p:nvPr>
-            <p:ph type="body" sz="quarter" idx="10"/>
-          </p:nvPr>
-        </p:nvSpPr>
-        <p:spPr/>
-        <p:txBody>
-          <a:bodyPr/>
-          <a:lstStyle/>
-          <a:p>
-            <a:r>
-              <a:rPr lang="de-DE" dirty="0" smtClean="0"/>
-              <a:t>2</a:t>
-            </a:r>
-            <a:endParaRPr lang="de-DE" dirty="0"/>
-          </a:p>
-        </p:txBody>
-      </p:sp>
-      <p:sp>
-        <p:nvSpPr>
-          <p:cNvPr id="4" name="Titel 3"/>
-          <p:cNvSpPr>
-            <a:spLocks noGrp="1"/>
-          </p:cNvSpPr>
-          <p:nvPr>
-            <p:ph type="title"/>
-          </p:nvPr>
-        </p:nvSpPr>
-        <p:spPr/>
-        <p:txBody>
-          <a:bodyPr/>
-          <a:lstStyle/>
-          <a:p>
-            <a:r>
-              <a:rPr lang="de-DE" dirty="0" smtClean="0"/>
-              <a:t>Was ist </a:t>
-            </a:r>
-            <a:r>
-              <a:rPr lang="de-DE" dirty="0" err="1" smtClean="0"/>
-              <a:t>Grails</a:t>
-            </a:r>
-            <a:r>
-              <a:rPr lang="de-DE" dirty="0" smtClean="0"/>
-              <a:t>?</a:t>
-            </a:r>
           </a:p>
         </p:txBody>
       </p:sp>
@@ -25220,15 +29432,12 @@
 </file>
 
 <file path=customXml/item1.xml><?xml version="1.0" encoding="utf-8"?>
-<p:properties xmlns:p="http://schemas.microsoft.com/office/2006/metadata/properties" xmlns:xsi="http://www.w3.org/2001/XMLSchema-instance">
-  <documentManagement>
-    <_dlc_DocId xmlns="8cc9f148-63af-4ae4-b4c0-3a33ca8129b3">DOCID-7-65</_dlc_DocId>
-    <_dlc_DocIdUrl xmlns="8cc9f148-63af-4ae4-b4c0-3a33ca8129b3">
-      <Url>https://portal.opitz-consulting.de/_layouts/DocIdRedir.aspx?ID=DOCID-7-65</Url>
-      <Description>DOCID-7-65</Description>
-    </_dlc_DocIdUrl>
-  </documentManagement>
-</p:properties>
+<?mso-contentType ?>
+<FormTemplates xmlns="http://schemas.microsoft.com/sharepoint/v3/contenttype/forms">
+  <Display>DocumentLibraryForm</Display>
+  <Edit>DocumentLibraryForm</Edit>
+  <New>DocumentLibraryForm</New>
+</FormTemplates>
 </file>
 
 <file path=customXml/item2.xml><?xml version="1.0" encoding="utf-8"?>
@@ -25278,12 +29487,15 @@
 </file>
 
 <file path=customXml/item3.xml><?xml version="1.0" encoding="utf-8"?>
-<?mso-contentType ?>
-<FormTemplates xmlns="http://schemas.microsoft.com/sharepoint/v3/contenttype/forms">
-  <Display>DocumentLibraryForm</Display>
-  <Edit>DocumentLibraryForm</Edit>
-  <New>DocumentLibraryForm</New>
-</FormTemplates>
+<p:properties xmlns:p="http://schemas.microsoft.com/office/2006/metadata/properties" xmlns:xsi="http://www.w3.org/2001/XMLSchema-instance">
+  <documentManagement>
+    <_dlc_DocId xmlns="8cc9f148-63af-4ae4-b4c0-3a33ca8129b3">DOCID-7-65</_dlc_DocId>
+    <_dlc_DocIdUrl xmlns="8cc9f148-63af-4ae4-b4c0-3a33ca8129b3">
+      <Url>https://portal.opitz-consulting.de/_layouts/DocIdRedir.aspx?ID=DOCID-7-65</Url>
+      <Description>DOCID-7-65</Description>
+    </_dlc_DocIdUrl>
+  </documentManagement>
+</p:properties>
 </file>
 
 <file path=customXml/item4.xml><?xml version="1.0" encoding="utf-8"?>
@@ -25432,10 +29644,9 @@
 </file>
 
 <file path=customXml/itemProps1.xml><?xml version="1.0" encoding="utf-8"?>
-<ds:datastoreItem xmlns:ds="http://schemas.openxmlformats.org/officeDocument/2006/customXml" ds:itemID="{AF7E4967-43BC-4F71-AEEC-BDE09349FE60}">
+<ds:datastoreItem xmlns:ds="http://schemas.openxmlformats.org/officeDocument/2006/customXml" ds:itemID="{7E7A0F45-7BDE-4AA7-A1BB-E146938E8111}">
   <ds:schemaRefs>
-    <ds:schemaRef ds:uri="http://schemas.microsoft.com/office/2006/metadata/properties"/>
-    <ds:schemaRef ds:uri="8cc9f148-63af-4ae4-b4c0-3a33ca8129b3"/>
+    <ds:schemaRef ds:uri="http://schemas.microsoft.com/sharepoint/v3/contenttype/forms"/>
   </ds:schemaRefs>
 </ds:datastoreItem>
 </file>
@@ -25449,9 +29660,10 @@
 </file>
 
 <file path=customXml/itemProps3.xml><?xml version="1.0" encoding="utf-8"?>
-<ds:datastoreItem xmlns:ds="http://schemas.openxmlformats.org/officeDocument/2006/customXml" ds:itemID="{7E7A0F45-7BDE-4AA7-A1BB-E146938E8111}">
+<ds:datastoreItem xmlns:ds="http://schemas.openxmlformats.org/officeDocument/2006/customXml" ds:itemID="{AF7E4967-43BC-4F71-AEEC-BDE09349FE60}">
   <ds:schemaRefs>
-    <ds:schemaRef ds:uri="http://schemas.microsoft.com/sharepoint/v3/contenttype/forms"/>
+    <ds:schemaRef ds:uri="http://schemas.microsoft.com/office/2006/metadata/properties"/>
+    <ds:schemaRef ds:uri="8cc9f148-63af-4ae4-b4c0-3a33ca8129b3"/>
   </ds:schemaRefs>
 </ds:datastoreItem>
 </file>

--- a/grails-die-suche-ist-vorbei/grails-doagkonferenz-2011.pptx
+++ b/grails-die-suche-ist-vorbei/grails-doagkonferenz-2011.pptx
@@ -1310,21 +1310,21 @@
     </dgm:pt>
   </dgm:ptLst>
   <dgm:cxnLst>
+    <dgm:cxn modelId="{FA87375C-D0A7-4452-B481-67F727AAA2AA}" type="presOf" srcId="{F7671500-8297-4F3E-BDCE-879BE72411ED}" destId="{2BCBC29C-5067-4C24-BDB5-16718A53AE6A}" srcOrd="0" destOrd="0" presId="urn:microsoft.com/office/officeart/2005/8/layout/matrix1"/>
+    <dgm:cxn modelId="{1E87FFFD-6E68-4A9F-82A9-205D3F5EF0EF}" type="presOf" srcId="{50C3BD8F-FA35-49F1-A571-92963C2C793A}" destId="{2C465FEE-CF80-4909-804E-3204153E6FF1}" srcOrd="0" destOrd="0" presId="urn:microsoft.com/office/officeart/2005/8/layout/matrix1"/>
+    <dgm:cxn modelId="{3BC4F52A-0D84-4006-A828-69AD9FE7BBD7}" type="presOf" srcId="{7D353D93-D951-4728-A871-2B312A5FAE0D}" destId="{D19FF58C-E800-439B-B9A6-81525D5A3885}" srcOrd="1" destOrd="0" presId="urn:microsoft.com/office/officeart/2005/8/layout/matrix1"/>
+    <dgm:cxn modelId="{EF2ED0C1-7510-4117-A3B4-E1722361DB55}" type="presOf" srcId="{2CA44078-6723-471E-9EE8-E500D68F584B}" destId="{00F9D2A5-285E-4263-BDA4-C5ECC3BB5457}" srcOrd="0" destOrd="0" presId="urn:microsoft.com/office/officeart/2005/8/layout/matrix1"/>
+    <dgm:cxn modelId="{A4303F15-0D9A-4086-AE14-98BBB28075D6}" srcId="{322F7167-D7E5-435C-A8CC-52B42FC6266D}" destId="{50C3BD8F-FA35-49F1-A571-92963C2C793A}" srcOrd="0" destOrd="0" parTransId="{9BB94167-7A35-4231-AA02-49CB216E6D62}" sibTransId="{C472C849-4A5C-43BB-903D-5ED6B655CEEC}"/>
+    <dgm:cxn modelId="{796A0834-7EE0-4FCF-8BCA-2A3F4B0F8FBB}" srcId="{322F7167-D7E5-435C-A8CC-52B42FC6266D}" destId="{F7671500-8297-4F3E-BDCE-879BE72411ED}" srcOrd="2" destOrd="0" parTransId="{6A162757-755C-4BE7-A32E-0D79424AAB30}" sibTransId="{E5521926-4E6E-4688-9BFB-89AD5F90115B}"/>
+    <dgm:cxn modelId="{2F7114BA-DE38-44AF-B2B1-36241EBDACDE}" srcId="{322F7167-D7E5-435C-A8CC-52B42FC6266D}" destId="{7D353D93-D951-4728-A871-2B312A5FAE0D}" srcOrd="3" destOrd="0" parTransId="{E6C0A325-08B0-4A14-B39C-CBE8CF28F93A}" sibTransId="{701BD626-1384-439B-863C-EAB96A370847}"/>
+    <dgm:cxn modelId="{F4103C12-A425-44D8-866D-553E2C235872}" type="presOf" srcId="{F7671500-8297-4F3E-BDCE-879BE72411ED}" destId="{94717272-4243-488C-95AF-FD69DB98ADDE}" srcOrd="1" destOrd="0" presId="urn:microsoft.com/office/officeart/2005/8/layout/matrix1"/>
+    <dgm:cxn modelId="{6E08934A-26D5-4A10-9C2A-702221EB1C66}" type="presOf" srcId="{7D353D93-D951-4728-A871-2B312A5FAE0D}" destId="{F498BBB4-A080-4839-A4BC-B30620E40F49}" srcOrd="0" destOrd="0" presId="urn:microsoft.com/office/officeart/2005/8/layout/matrix1"/>
+    <dgm:cxn modelId="{797A5495-0C2E-4990-B05E-B75AD751CE1E}" type="presOf" srcId="{50C3BD8F-FA35-49F1-A571-92963C2C793A}" destId="{D057D4C4-7C7C-437F-9AA7-E77B3A3EC01F}" srcOrd="1" destOrd="0" presId="urn:microsoft.com/office/officeart/2005/8/layout/matrix1"/>
     <dgm:cxn modelId="{50E8153B-4E47-44FC-B6BE-4CD8520B6BC2}" srcId="{2CA44078-6723-471E-9EE8-E500D68F584B}" destId="{322F7167-D7E5-435C-A8CC-52B42FC6266D}" srcOrd="0" destOrd="0" parTransId="{4F1DB36A-DA11-4FC6-B205-425407F144A3}" sibTransId="{106FF330-C0D9-40BC-91A0-3C43A17B8498}"/>
-    <dgm:cxn modelId="{2F7114BA-DE38-44AF-B2B1-36241EBDACDE}" srcId="{322F7167-D7E5-435C-A8CC-52B42FC6266D}" destId="{7D353D93-D951-4728-A871-2B312A5FAE0D}" srcOrd="3" destOrd="0" parTransId="{E6C0A325-08B0-4A14-B39C-CBE8CF28F93A}" sibTransId="{701BD626-1384-439B-863C-EAB96A370847}"/>
-    <dgm:cxn modelId="{EF2ED0C1-7510-4117-A3B4-E1722361DB55}" type="presOf" srcId="{2CA44078-6723-471E-9EE8-E500D68F584B}" destId="{00F9D2A5-285E-4263-BDA4-C5ECC3BB5457}" srcOrd="0" destOrd="0" presId="urn:microsoft.com/office/officeart/2005/8/layout/matrix1"/>
+    <dgm:cxn modelId="{BB320B12-6487-4989-9CA8-ECD92005A8C1}" type="presOf" srcId="{3EA38FB7-077E-4699-860B-B7481A9FF50F}" destId="{707396D3-4F4C-4E1B-AE8E-A842EB5E2755}" srcOrd="1" destOrd="0" presId="urn:microsoft.com/office/officeart/2005/8/layout/matrix1"/>
     <dgm:cxn modelId="{E7A28185-E3B0-45A7-85E0-A10425BC2D41}" type="presOf" srcId="{3EA38FB7-077E-4699-860B-B7481A9FF50F}" destId="{C83AB4E9-A066-4C32-9B94-64C1161EA86D}" srcOrd="0" destOrd="0" presId="urn:microsoft.com/office/officeart/2005/8/layout/matrix1"/>
-    <dgm:cxn modelId="{797A5495-0C2E-4990-B05E-B75AD751CE1E}" type="presOf" srcId="{50C3BD8F-FA35-49F1-A571-92963C2C793A}" destId="{D057D4C4-7C7C-437F-9AA7-E77B3A3EC01F}" srcOrd="1" destOrd="0" presId="urn:microsoft.com/office/officeart/2005/8/layout/matrix1"/>
-    <dgm:cxn modelId="{F4103C12-A425-44D8-866D-553E2C235872}" type="presOf" srcId="{F7671500-8297-4F3E-BDCE-879BE72411ED}" destId="{94717272-4243-488C-95AF-FD69DB98ADDE}" srcOrd="1" destOrd="0" presId="urn:microsoft.com/office/officeart/2005/8/layout/matrix1"/>
-    <dgm:cxn modelId="{BB320B12-6487-4989-9CA8-ECD92005A8C1}" type="presOf" srcId="{3EA38FB7-077E-4699-860B-B7481A9FF50F}" destId="{707396D3-4F4C-4E1B-AE8E-A842EB5E2755}" srcOrd="1" destOrd="0" presId="urn:microsoft.com/office/officeart/2005/8/layout/matrix1"/>
+    <dgm:cxn modelId="{BDB2C959-37C7-4C56-8F10-702F4A7DD51B}" type="presOf" srcId="{322F7167-D7E5-435C-A8CC-52B42FC6266D}" destId="{D5EA20F8-272A-400E-B692-FE1C3CF6C51C}" srcOrd="0" destOrd="0" presId="urn:microsoft.com/office/officeart/2005/8/layout/matrix1"/>
     <dgm:cxn modelId="{BD74DB50-200D-4700-A3BD-7C0511274F22}" srcId="{322F7167-D7E5-435C-A8CC-52B42FC6266D}" destId="{3EA38FB7-077E-4699-860B-B7481A9FF50F}" srcOrd="1" destOrd="0" parTransId="{4DD7F543-659B-4F40-8415-BF27977ED8CD}" sibTransId="{68EF7038-8C23-4620-9AB0-30A383CCC59B}"/>
-    <dgm:cxn modelId="{1E87FFFD-6E68-4A9F-82A9-205D3F5EF0EF}" type="presOf" srcId="{50C3BD8F-FA35-49F1-A571-92963C2C793A}" destId="{2C465FEE-CF80-4909-804E-3204153E6FF1}" srcOrd="0" destOrd="0" presId="urn:microsoft.com/office/officeart/2005/8/layout/matrix1"/>
-    <dgm:cxn modelId="{A4303F15-0D9A-4086-AE14-98BBB28075D6}" srcId="{322F7167-D7E5-435C-A8CC-52B42FC6266D}" destId="{50C3BD8F-FA35-49F1-A571-92963C2C793A}" srcOrd="0" destOrd="0" parTransId="{9BB94167-7A35-4231-AA02-49CB216E6D62}" sibTransId="{C472C849-4A5C-43BB-903D-5ED6B655CEEC}"/>
-    <dgm:cxn modelId="{FA87375C-D0A7-4452-B481-67F727AAA2AA}" type="presOf" srcId="{F7671500-8297-4F3E-BDCE-879BE72411ED}" destId="{2BCBC29C-5067-4C24-BDB5-16718A53AE6A}" srcOrd="0" destOrd="0" presId="urn:microsoft.com/office/officeart/2005/8/layout/matrix1"/>
-    <dgm:cxn modelId="{BDB2C959-37C7-4C56-8F10-702F4A7DD51B}" type="presOf" srcId="{322F7167-D7E5-435C-A8CC-52B42FC6266D}" destId="{D5EA20F8-272A-400E-B692-FE1C3CF6C51C}" srcOrd="0" destOrd="0" presId="urn:microsoft.com/office/officeart/2005/8/layout/matrix1"/>
-    <dgm:cxn modelId="{6E08934A-26D5-4A10-9C2A-702221EB1C66}" type="presOf" srcId="{7D353D93-D951-4728-A871-2B312A5FAE0D}" destId="{F498BBB4-A080-4839-A4BC-B30620E40F49}" srcOrd="0" destOrd="0" presId="urn:microsoft.com/office/officeart/2005/8/layout/matrix1"/>
-    <dgm:cxn modelId="{3BC4F52A-0D84-4006-A828-69AD9FE7BBD7}" type="presOf" srcId="{7D353D93-D951-4728-A871-2B312A5FAE0D}" destId="{D19FF58C-E800-439B-B9A6-81525D5A3885}" srcOrd="1" destOrd="0" presId="urn:microsoft.com/office/officeart/2005/8/layout/matrix1"/>
-    <dgm:cxn modelId="{796A0834-7EE0-4FCF-8BCA-2A3F4B0F8FBB}" srcId="{322F7167-D7E5-435C-A8CC-52B42FC6266D}" destId="{F7671500-8297-4F3E-BDCE-879BE72411ED}" srcOrd="2" destOrd="0" parTransId="{6A162757-755C-4BE7-A32E-0D79424AAB30}" sibTransId="{E5521926-4E6E-4688-9BFB-89AD5F90115B}"/>
     <dgm:cxn modelId="{1767F454-5B5F-474C-BF93-C3BB5ECEBF28}" type="presParOf" srcId="{00F9D2A5-285E-4263-BDA4-C5ECC3BB5457}" destId="{B66C5C42-6939-480F-9798-40DDC3EDD9FB}" srcOrd="0" destOrd="0" presId="urn:microsoft.com/office/officeart/2005/8/layout/matrix1"/>
     <dgm:cxn modelId="{76204FB3-8E05-4F4F-B365-5B87C0DE2A86}" type="presParOf" srcId="{B66C5C42-6939-480F-9798-40DDC3EDD9FB}" destId="{2C465FEE-CF80-4909-804E-3204153E6FF1}" srcOrd="0" destOrd="0" presId="urn:microsoft.com/office/officeart/2005/8/layout/matrix1"/>
     <dgm:cxn modelId="{C1EDFD6D-B385-4009-A8E5-EC6C93564758}" type="presParOf" srcId="{B66C5C42-6939-480F-9798-40DDC3EDD9FB}" destId="{D057D4C4-7C7C-437F-9AA7-E77B3A3EC01F}" srcOrd="1" destOrd="0" presId="urn:microsoft.com/office/officeart/2005/8/layout/matrix1"/>
@@ -1340,14 +1340,14 @@
   <dgm:whole/>
   <dgm:extLst>
     <a:ext uri="http://schemas.microsoft.com/office/drawing/2008/diagram">
-      <dsp:dataModelExt xmlns:dsp="http://schemas.microsoft.com/office/drawing/2008/diagram" xmlns="" relId="rId6" minVer="http://schemas.openxmlformats.org/drawingml/2006/diagram"/>
+      <dsp:dataModelExt xmlns:dsp="http://schemas.microsoft.com/office/drawing/2008/diagram" relId="rId6" minVer="http://schemas.openxmlformats.org/drawingml/2006/diagram"/>
     </a:ext>
   </dgm:extLst>
 </dgm:dataModel>
 </file>
 
 <file path=ppt/diagrams/drawing1.xml><?xml version="1.0" encoding="utf-8"?>
-<dsp:drawing xmlns:dgm="http://schemas.openxmlformats.org/drawingml/2006/diagram" xmlns:a="http://schemas.openxmlformats.org/drawingml/2006/main" xmlns:dsp="http://schemas.microsoft.com/office/drawing/2008/diagram">
+<dsp:drawing xmlns:dgm="http://schemas.openxmlformats.org/drawingml/2006/diagram" xmlns:dsp="http://schemas.microsoft.com/office/drawing/2008/diagram" xmlns:a="http://schemas.openxmlformats.org/drawingml/2006/main">
   <dsp:spTree>
     <dsp:nvGrpSpPr>
       <dsp:cNvPr id="0" name=""/>
@@ -1431,9 +1431,9 @@
           </a:endParaRPr>
         </a:p>
       </dsp:txBody>
-      <dsp:txXfrm rot="16200000">
-        <a:off x="762000" y="-762000"/>
-        <a:ext cx="1524000" cy="3048000"/>
+      <dsp:txXfrm rot="5400000">
+        <a:off x="0" y="0"/>
+        <a:ext cx="3048000" cy="1524000"/>
       </dsp:txXfrm>
     </dsp:sp>
     <dsp:sp modelId="{C83AB4E9-A066-4C32-9B94-64C1161EA86D}">
@@ -1677,9 +1677,9 @@
           </a:endParaRPr>
         </a:p>
       </dsp:txBody>
-      <dsp:txXfrm rot="5400000">
-        <a:off x="3810000" y="1777999"/>
-        <a:ext cx="1524000" cy="3048000"/>
+      <dsp:txXfrm rot="-5400000">
+        <a:off x="3048000" y="2539999"/>
+        <a:ext cx="3048000" cy="1524000"/>
       </dsp:txXfrm>
     </dsp:sp>
     <dsp:sp modelId="{D5EA20F8-272A-400E-B692-FE1C3CF6C51C}">
@@ -1756,8 +1756,8 @@
         </a:p>
       </dsp:txBody>
       <dsp:txXfrm>
-        <a:off x="2133600" y="1523999"/>
-        <a:ext cx="1828800" cy="1016000"/>
+        <a:off x="2183197" y="1573596"/>
+        <a:ext cx="1729606" cy="916806"/>
       </dsp:txXfrm>
     </dsp:sp>
   </dsp:spTree>
@@ -3267,7 +3267,7 @@
             <a:fld id="{E4B7E1CC-5804-4FAA-A440-E3B0242BB0EE}" type="datetimeFigureOut">
               <a:rPr lang="de-DE" smtClean="0"/>
               <a:pPr/>
-              <a:t>03.11.2011</a:t>
+              <a:t>04.11.2011</a:t>
             </a:fld>
             <a:endParaRPr lang="de-DE"/>
           </a:p>
@@ -3334,6 +3334,11 @@
         </p:spPr>
       </p:pic>
     </p:spTree>
+    <p:extLst>
+      <p:ext uri="{BB962C8B-B14F-4D97-AF65-F5344CB8AC3E}">
+        <p14:creationId xmlns:p14="http://schemas.microsoft.com/office/powerpoint/2010/main" val="4179175705"/>
+      </p:ext>
+    </p:extLst>
   </p:cSld>
   <p:clrMap bg1="lt1" tx1="dk1" bg2="lt2" tx2="dk2" accent1="accent1" accent2="accent2" accent3="accent3" accent4="accent4" accent5="accent5" accent6="accent6" hlink="hlink" folHlink="folHlink"/>
 </p:handoutMaster>
@@ -3431,7 +3436,7 @@
             <a:fld id="{600A7168-685E-42A5-A6B5-B6E3AF6AADAA}" type="datetimeFigureOut">
               <a:rPr lang="de-DE" smtClean="0"/>
               <a:pPr/>
-              <a:t>03.11.2011</a:t>
+              <a:t>04.11.2011</a:t>
             </a:fld>
             <a:endParaRPr lang="de-DE"/>
           </a:p>
@@ -3593,6 +3598,11 @@
         </p:spPr>
       </p:pic>
     </p:spTree>
+    <p:extLst>
+      <p:ext uri="{BB962C8B-B14F-4D97-AF65-F5344CB8AC3E}">
+        <p14:creationId xmlns:p14="http://schemas.microsoft.com/office/powerpoint/2010/main" val="1834322205"/>
+      </p:ext>
+    </p:extLst>
   </p:cSld>
   <p:clrMap bg1="lt1" tx1="dk1" bg2="lt2" tx2="dk2" accent1="accent1" accent2="accent2" accent3="accent3" accent4="accent4" accent5="accent5" accent6="accent6" hlink="hlink" folHlink="folHlink"/>
   <p:notesStyle>
@@ -3731,283 +3741,10 @@
         </p:nvSpPr>
         <p:spPr/>
         <p:txBody>
-          <a:bodyPr>
-            <a:normAutofit/>
-          </a:bodyPr>
+          <a:bodyPr/>
           <a:lstStyle/>
           <a:p>
-            <a:r>
-              <a:rPr lang="de-DE" sz="1200" kern="1200" dirty="0" smtClean="0">
-                <a:solidFill>
-                  <a:schemeClr val="tx1"/>
-                </a:solidFill>
-                <a:latin typeface="+mn-lt"/>
-                <a:ea typeface="+mn-ea"/>
-                <a:cs typeface="+mn-cs"/>
-              </a:rPr>
-              <a:t>Dem Java-Entwickler fallen hier sofort diverse Unterschiede zu altbekanntem Java-Code auf: </a:t>
-            </a:r>
-          </a:p>
-          <a:p>
-            <a:pPr lvl="0"/>
-            <a:r>
-              <a:rPr lang="de-DE" sz="1200" kern="1200" dirty="0" smtClean="0">
-                <a:solidFill>
-                  <a:schemeClr val="tx1"/>
-                </a:solidFill>
-                <a:latin typeface="+mn-lt"/>
-                <a:ea typeface="+mn-ea"/>
-                <a:cs typeface="+mn-cs"/>
-              </a:rPr>
-              <a:t>- Mit dem Schlüsselwort </a:t>
-            </a:r>
-            <a:r>
-              <a:rPr lang="de-DE" sz="1200" kern="1200" dirty="0" err="1" smtClean="0">
-                <a:solidFill>
-                  <a:schemeClr val="tx1"/>
-                </a:solidFill>
-                <a:latin typeface="+mn-lt"/>
-                <a:ea typeface="+mn-ea"/>
-                <a:cs typeface="+mn-cs"/>
-              </a:rPr>
-              <a:t>def</a:t>
-            </a:r>
-            <a:r>
-              <a:rPr lang="de-DE" sz="1200" kern="1200" dirty="0" smtClean="0">
-                <a:solidFill>
-                  <a:schemeClr val="tx1"/>
-                </a:solidFill>
-                <a:latin typeface="+mn-lt"/>
-                <a:ea typeface="+mn-ea"/>
-                <a:cs typeface="+mn-cs"/>
-              </a:rPr>
-              <a:t> werden dynamische Typen deklariert.</a:t>
-            </a:r>
-          </a:p>
-          <a:p>
-            <a:pPr lvl="0"/>
-            <a:r>
-              <a:rPr lang="de-DE" sz="1200" kern="1200" dirty="0" smtClean="0">
-                <a:solidFill>
-                  <a:schemeClr val="tx1"/>
-                </a:solidFill>
-                <a:latin typeface="+mn-lt"/>
-                <a:ea typeface="+mn-ea"/>
-                <a:cs typeface="+mn-cs"/>
-              </a:rPr>
-              <a:t>- Die Sichtbarkeit von Methoden ist standardmäßig </a:t>
-            </a:r>
-            <a:r>
-              <a:rPr lang="de-DE" sz="1200" kern="1200" dirty="0" err="1" smtClean="0">
-                <a:solidFill>
-                  <a:schemeClr val="tx1"/>
-                </a:solidFill>
-                <a:latin typeface="+mn-lt"/>
-                <a:ea typeface="+mn-ea"/>
-                <a:cs typeface="+mn-cs"/>
-              </a:rPr>
-              <a:t>public</a:t>
-            </a:r>
-            <a:r>
-              <a:rPr lang="de-DE" sz="1200" kern="1200" dirty="0" smtClean="0">
-                <a:solidFill>
-                  <a:schemeClr val="tx1"/>
-                </a:solidFill>
-                <a:latin typeface="+mn-lt"/>
-                <a:ea typeface="+mn-ea"/>
-                <a:cs typeface="+mn-cs"/>
-              </a:rPr>
-              <a:t>. </a:t>
-            </a:r>
-          </a:p>
-          <a:p>
-            <a:pPr lvl="0"/>
-            <a:r>
-              <a:rPr lang="de-DE" sz="1200" kern="1200" dirty="0" smtClean="0">
-                <a:solidFill>
-                  <a:schemeClr val="tx1"/>
-                </a:solidFill>
-                <a:latin typeface="+mn-lt"/>
-                <a:ea typeface="+mn-ea"/>
-                <a:cs typeface="+mn-cs"/>
-              </a:rPr>
-              <a:t>- Felder sind automatisch mittels Setter und Getter zugreifbar.</a:t>
-            </a:r>
-          </a:p>
-          <a:p>
-            <a:pPr lvl="0"/>
-            <a:r>
-              <a:rPr lang="de-DE" sz="1200" kern="1200" dirty="0" smtClean="0">
-                <a:solidFill>
-                  <a:schemeClr val="tx1"/>
-                </a:solidFill>
-                <a:latin typeface="+mn-lt"/>
-                <a:ea typeface="+mn-ea"/>
-                <a:cs typeface="+mn-cs"/>
-              </a:rPr>
-              <a:t>- Semikolons am Zeilenende eines Ausdrucks sind optional.</a:t>
-            </a:r>
-          </a:p>
-          <a:p>
-            <a:pPr lvl="0"/>
-            <a:r>
-              <a:rPr lang="de-DE" sz="1200" kern="1200" dirty="0" smtClean="0">
-                <a:solidFill>
-                  <a:schemeClr val="tx1"/>
-                </a:solidFill>
-                <a:latin typeface="+mn-lt"/>
-                <a:ea typeface="+mn-ea"/>
-                <a:cs typeface="+mn-cs"/>
-              </a:rPr>
-              <a:t>- Variablen innerhalb von Groovy Strings werden aufgelöst.</a:t>
-            </a:r>
-          </a:p>
-          <a:p>
-            <a:pPr lvl="0"/>
-            <a:r>
-              <a:rPr lang="de-DE" sz="1200" kern="1200" dirty="0" smtClean="0">
-                <a:solidFill>
-                  <a:schemeClr val="tx1"/>
-                </a:solidFill>
-                <a:latin typeface="+mn-lt"/>
-                <a:ea typeface="+mn-ea"/>
-                <a:cs typeface="+mn-cs"/>
-              </a:rPr>
-              <a:t>-</a:t>
-            </a:r>
-            <a:r>
-              <a:rPr lang="de-DE" sz="1200" kern="1200" baseline="0" dirty="0" smtClean="0">
-                <a:solidFill>
-                  <a:schemeClr val="tx1"/>
-                </a:solidFill>
-                <a:latin typeface="+mn-lt"/>
-                <a:ea typeface="+mn-ea"/>
-                <a:cs typeface="+mn-cs"/>
-              </a:rPr>
-              <a:t> </a:t>
-            </a:r>
-            <a:r>
-              <a:rPr lang="de-DE" sz="1200" kern="1200" dirty="0" smtClean="0">
-                <a:solidFill>
-                  <a:schemeClr val="tx1"/>
-                </a:solidFill>
-                <a:latin typeface="+mn-lt"/>
-                <a:ea typeface="+mn-ea"/>
-                <a:cs typeface="+mn-cs"/>
-              </a:rPr>
-              <a:t>Das </a:t>
-            </a:r>
-            <a:r>
-              <a:rPr lang="de-DE" sz="1200" kern="1200" dirty="0" err="1" smtClean="0">
-                <a:solidFill>
-                  <a:schemeClr val="tx1"/>
-                </a:solidFill>
-                <a:latin typeface="+mn-lt"/>
-                <a:ea typeface="+mn-ea"/>
-                <a:cs typeface="+mn-cs"/>
-              </a:rPr>
-              <a:t>return</a:t>
-            </a:r>
-            <a:r>
-              <a:rPr lang="de-DE" sz="1200" kern="1200" dirty="0" smtClean="0">
-                <a:solidFill>
-                  <a:schemeClr val="tx1"/>
-                </a:solidFill>
-                <a:latin typeface="+mn-lt"/>
-                <a:ea typeface="+mn-ea"/>
-                <a:cs typeface="+mn-cs"/>
-              </a:rPr>
-              <a:t> Schlüsselwort ist optional.</a:t>
-            </a:r>
-          </a:p>
-          <a:p>
-            <a:pPr lvl="0"/>
-            <a:r>
-              <a:rPr lang="de-DE" sz="1200" kern="1200" dirty="0" smtClean="0">
-                <a:solidFill>
-                  <a:schemeClr val="tx1"/>
-                </a:solidFill>
-                <a:latin typeface="+mn-lt"/>
-                <a:ea typeface="+mn-ea"/>
-                <a:cs typeface="+mn-cs"/>
-              </a:rPr>
-              <a:t>- Es gibt </a:t>
-            </a:r>
-            <a:r>
-              <a:rPr lang="de-DE" sz="1200" kern="1200" dirty="0" err="1" smtClean="0">
-                <a:solidFill>
-                  <a:schemeClr val="tx1"/>
-                </a:solidFill>
-                <a:latin typeface="+mn-lt"/>
-                <a:ea typeface="+mn-ea"/>
-                <a:cs typeface="+mn-cs"/>
-              </a:rPr>
-              <a:t>Map-Konstruktoren</a:t>
-            </a:r>
-            <a:r>
-              <a:rPr lang="de-DE" sz="1200" kern="1200" dirty="0" smtClean="0">
-                <a:solidFill>
-                  <a:schemeClr val="tx1"/>
-                </a:solidFill>
-                <a:latin typeface="+mn-lt"/>
-                <a:ea typeface="+mn-ea"/>
-                <a:cs typeface="+mn-cs"/>
-              </a:rPr>
-              <a:t> für die Felder einer Groovy Bean.</a:t>
-            </a:r>
-          </a:p>
-          <a:p>
-            <a:pPr lvl="0">
-              <a:buFontTx/>
-              <a:buChar char="-"/>
-            </a:pPr>
-            <a:r>
-              <a:rPr lang="de-DE" sz="1200" kern="1200" dirty="0" smtClean="0">
-                <a:solidFill>
-                  <a:schemeClr val="tx1"/>
-                </a:solidFill>
-                <a:latin typeface="+mn-lt"/>
-                <a:ea typeface="+mn-ea"/>
-                <a:cs typeface="+mn-cs"/>
-              </a:rPr>
-              <a:t>Für bestimmte Java-Ausdrücke wie </a:t>
-            </a:r>
-            <a:r>
-              <a:rPr lang="de-DE" sz="1200" kern="1200" dirty="0" err="1" smtClean="0">
-                <a:solidFill>
-                  <a:schemeClr val="tx1"/>
-                </a:solidFill>
-                <a:latin typeface="+mn-lt"/>
-                <a:ea typeface="+mn-ea"/>
-                <a:cs typeface="+mn-cs"/>
-              </a:rPr>
-              <a:t>System.out.println</a:t>
-            </a:r>
-            <a:r>
-              <a:rPr lang="de-DE" sz="1200" kern="1200" dirty="0" smtClean="0">
-                <a:solidFill>
-                  <a:schemeClr val="tx1"/>
-                </a:solidFill>
-                <a:latin typeface="+mn-lt"/>
-                <a:ea typeface="+mn-ea"/>
-                <a:cs typeface="+mn-cs"/>
-              </a:rPr>
-              <a:t>() gibt es Kurzformen.</a:t>
-            </a:r>
-          </a:p>
-          <a:p>
-            <a:pPr lvl="0">
-              <a:buFontTx/>
-              <a:buChar char="-"/>
-            </a:pPr>
-            <a:endParaRPr lang="de-DE" sz="1200" kern="1200" dirty="0">
-              <a:solidFill>
-                <a:schemeClr val="tx1"/>
-              </a:solidFill>
-              <a:latin typeface="+mn-lt"/>
-              <a:ea typeface="+mn-ea"/>
-              <a:cs typeface="+mn-cs"/>
-            </a:endParaRPr>
+            <a:endParaRPr lang="de-DE" dirty="0"/>
           </a:p>
         </p:txBody>
       </p:sp>
@@ -4029,13 +3766,18 @@
             <a:fld id="{133286C6-4904-4CD0-891D-2F37ADC6A93C}" type="slidenum">
               <a:rPr lang="de-DE" smtClean="0"/>
               <a:pPr/>
-              <a:t>9</a:t>
+              <a:t>2</a:t>
             </a:fld>
             <a:endParaRPr lang="de-DE"/>
           </a:p>
         </p:txBody>
       </p:sp>
     </p:spTree>
+    <p:extLst>
+      <p:ext uri="{BB962C8B-B14F-4D97-AF65-F5344CB8AC3E}">
+        <p14:creationId xmlns:p14="http://schemas.microsoft.com/office/powerpoint/2010/main" val="824769565"/>
+      </p:ext>
+    </p:extLst>
   </p:cSld>
   <p:clrMapOvr>
     <a:masterClrMapping/>
@@ -4089,7 +3831,278 @@
           </a:bodyPr>
           <a:lstStyle/>
           <a:p>
-            <a:endParaRPr lang="de-DE"/>
+            <a:r>
+              <a:rPr lang="de-DE" sz="1200" kern="1200" dirty="0" smtClean="0">
+                <a:solidFill>
+                  <a:schemeClr val="tx1"/>
+                </a:solidFill>
+                <a:latin typeface="+mn-lt"/>
+                <a:ea typeface="+mn-ea"/>
+                <a:cs typeface="+mn-cs"/>
+              </a:rPr>
+              <a:t>Dem Java-Entwickler fallen hier sofort diverse Unterschiede zu altbekanntem Java-Code auf: </a:t>
+            </a:r>
+          </a:p>
+          <a:p>
+            <a:pPr lvl="0"/>
+            <a:r>
+              <a:rPr lang="de-DE" sz="1200" kern="1200" dirty="0" smtClean="0">
+                <a:solidFill>
+                  <a:schemeClr val="tx1"/>
+                </a:solidFill>
+                <a:latin typeface="+mn-lt"/>
+                <a:ea typeface="+mn-ea"/>
+                <a:cs typeface="+mn-cs"/>
+              </a:rPr>
+              <a:t>- Mit dem Schlüsselwort </a:t>
+            </a:r>
+            <a:r>
+              <a:rPr lang="de-DE" sz="1200" kern="1200" dirty="0" err="1" smtClean="0">
+                <a:solidFill>
+                  <a:schemeClr val="tx1"/>
+                </a:solidFill>
+                <a:latin typeface="+mn-lt"/>
+                <a:ea typeface="+mn-ea"/>
+                <a:cs typeface="+mn-cs"/>
+              </a:rPr>
+              <a:t>def</a:t>
+            </a:r>
+            <a:r>
+              <a:rPr lang="de-DE" sz="1200" kern="1200" dirty="0" smtClean="0">
+                <a:solidFill>
+                  <a:schemeClr val="tx1"/>
+                </a:solidFill>
+                <a:latin typeface="+mn-lt"/>
+                <a:ea typeface="+mn-ea"/>
+                <a:cs typeface="+mn-cs"/>
+              </a:rPr>
+              <a:t> werden dynamische Typen deklariert.</a:t>
+            </a:r>
+          </a:p>
+          <a:p>
+            <a:pPr lvl="0"/>
+            <a:r>
+              <a:rPr lang="de-DE" sz="1200" kern="1200" dirty="0" smtClean="0">
+                <a:solidFill>
+                  <a:schemeClr val="tx1"/>
+                </a:solidFill>
+                <a:latin typeface="+mn-lt"/>
+                <a:ea typeface="+mn-ea"/>
+                <a:cs typeface="+mn-cs"/>
+              </a:rPr>
+              <a:t>- Die Sichtbarkeit von Methoden ist standardmäßig </a:t>
+            </a:r>
+            <a:r>
+              <a:rPr lang="de-DE" sz="1200" kern="1200" dirty="0" err="1" smtClean="0">
+                <a:solidFill>
+                  <a:schemeClr val="tx1"/>
+                </a:solidFill>
+                <a:latin typeface="+mn-lt"/>
+                <a:ea typeface="+mn-ea"/>
+                <a:cs typeface="+mn-cs"/>
+              </a:rPr>
+              <a:t>public</a:t>
+            </a:r>
+            <a:r>
+              <a:rPr lang="de-DE" sz="1200" kern="1200" dirty="0" smtClean="0">
+                <a:solidFill>
+                  <a:schemeClr val="tx1"/>
+                </a:solidFill>
+                <a:latin typeface="+mn-lt"/>
+                <a:ea typeface="+mn-ea"/>
+                <a:cs typeface="+mn-cs"/>
+              </a:rPr>
+              <a:t>. </a:t>
+            </a:r>
+          </a:p>
+          <a:p>
+            <a:pPr lvl="0"/>
+            <a:r>
+              <a:rPr lang="de-DE" sz="1200" kern="1200" dirty="0" smtClean="0">
+                <a:solidFill>
+                  <a:schemeClr val="tx1"/>
+                </a:solidFill>
+                <a:latin typeface="+mn-lt"/>
+                <a:ea typeface="+mn-ea"/>
+                <a:cs typeface="+mn-cs"/>
+              </a:rPr>
+              <a:t>- Felder sind automatisch mittels Setter und Getter zugreifbar.</a:t>
+            </a:r>
+          </a:p>
+          <a:p>
+            <a:pPr lvl="0"/>
+            <a:r>
+              <a:rPr lang="de-DE" sz="1200" kern="1200" dirty="0" smtClean="0">
+                <a:solidFill>
+                  <a:schemeClr val="tx1"/>
+                </a:solidFill>
+                <a:latin typeface="+mn-lt"/>
+                <a:ea typeface="+mn-ea"/>
+                <a:cs typeface="+mn-cs"/>
+              </a:rPr>
+              <a:t>- Semikolons am Zeilenende eines Ausdrucks sind optional.</a:t>
+            </a:r>
+          </a:p>
+          <a:p>
+            <a:pPr lvl="0"/>
+            <a:r>
+              <a:rPr lang="de-DE" sz="1200" kern="1200" dirty="0" smtClean="0">
+                <a:solidFill>
+                  <a:schemeClr val="tx1"/>
+                </a:solidFill>
+                <a:latin typeface="+mn-lt"/>
+                <a:ea typeface="+mn-ea"/>
+                <a:cs typeface="+mn-cs"/>
+              </a:rPr>
+              <a:t>- Variablen innerhalb von Groovy Strings werden aufgelöst.</a:t>
+            </a:r>
+          </a:p>
+          <a:p>
+            <a:pPr lvl="0"/>
+            <a:r>
+              <a:rPr lang="de-DE" sz="1200" kern="1200" dirty="0" smtClean="0">
+                <a:solidFill>
+                  <a:schemeClr val="tx1"/>
+                </a:solidFill>
+                <a:latin typeface="+mn-lt"/>
+                <a:ea typeface="+mn-ea"/>
+                <a:cs typeface="+mn-cs"/>
+              </a:rPr>
+              <a:t>-</a:t>
+            </a:r>
+            <a:r>
+              <a:rPr lang="de-DE" sz="1200" kern="1200" baseline="0" dirty="0" smtClean="0">
+                <a:solidFill>
+                  <a:schemeClr val="tx1"/>
+                </a:solidFill>
+                <a:latin typeface="+mn-lt"/>
+                <a:ea typeface="+mn-ea"/>
+                <a:cs typeface="+mn-cs"/>
+              </a:rPr>
+              <a:t> </a:t>
+            </a:r>
+            <a:r>
+              <a:rPr lang="de-DE" sz="1200" kern="1200" dirty="0" smtClean="0">
+                <a:solidFill>
+                  <a:schemeClr val="tx1"/>
+                </a:solidFill>
+                <a:latin typeface="+mn-lt"/>
+                <a:ea typeface="+mn-ea"/>
+                <a:cs typeface="+mn-cs"/>
+              </a:rPr>
+              <a:t>Das </a:t>
+            </a:r>
+            <a:r>
+              <a:rPr lang="de-DE" sz="1200" kern="1200" dirty="0" err="1" smtClean="0">
+                <a:solidFill>
+                  <a:schemeClr val="tx1"/>
+                </a:solidFill>
+                <a:latin typeface="+mn-lt"/>
+                <a:ea typeface="+mn-ea"/>
+                <a:cs typeface="+mn-cs"/>
+              </a:rPr>
+              <a:t>return</a:t>
+            </a:r>
+            <a:r>
+              <a:rPr lang="de-DE" sz="1200" kern="1200" dirty="0" smtClean="0">
+                <a:solidFill>
+                  <a:schemeClr val="tx1"/>
+                </a:solidFill>
+                <a:latin typeface="+mn-lt"/>
+                <a:ea typeface="+mn-ea"/>
+                <a:cs typeface="+mn-cs"/>
+              </a:rPr>
+              <a:t> Schlüsselwort ist optional.</a:t>
+            </a:r>
+          </a:p>
+          <a:p>
+            <a:pPr lvl="0"/>
+            <a:r>
+              <a:rPr lang="de-DE" sz="1200" kern="1200" dirty="0" smtClean="0">
+                <a:solidFill>
+                  <a:schemeClr val="tx1"/>
+                </a:solidFill>
+                <a:latin typeface="+mn-lt"/>
+                <a:ea typeface="+mn-ea"/>
+                <a:cs typeface="+mn-cs"/>
+              </a:rPr>
+              <a:t>- Es gibt </a:t>
+            </a:r>
+            <a:r>
+              <a:rPr lang="de-DE" sz="1200" kern="1200" dirty="0" err="1" smtClean="0">
+                <a:solidFill>
+                  <a:schemeClr val="tx1"/>
+                </a:solidFill>
+                <a:latin typeface="+mn-lt"/>
+                <a:ea typeface="+mn-ea"/>
+                <a:cs typeface="+mn-cs"/>
+              </a:rPr>
+              <a:t>Map-Konstruktoren</a:t>
+            </a:r>
+            <a:r>
+              <a:rPr lang="de-DE" sz="1200" kern="1200" dirty="0" smtClean="0">
+                <a:solidFill>
+                  <a:schemeClr val="tx1"/>
+                </a:solidFill>
+                <a:latin typeface="+mn-lt"/>
+                <a:ea typeface="+mn-ea"/>
+                <a:cs typeface="+mn-cs"/>
+              </a:rPr>
+              <a:t> für die Felder einer Groovy Bean.</a:t>
+            </a:r>
+          </a:p>
+          <a:p>
+            <a:pPr lvl="0">
+              <a:buFontTx/>
+              <a:buChar char="-"/>
+            </a:pPr>
+            <a:r>
+              <a:rPr lang="de-DE" sz="1200" kern="1200" dirty="0" smtClean="0">
+                <a:solidFill>
+                  <a:schemeClr val="tx1"/>
+                </a:solidFill>
+                <a:latin typeface="+mn-lt"/>
+                <a:ea typeface="+mn-ea"/>
+                <a:cs typeface="+mn-cs"/>
+              </a:rPr>
+              <a:t>Für bestimmte Java-Ausdrücke wie </a:t>
+            </a:r>
+            <a:r>
+              <a:rPr lang="de-DE" sz="1200" kern="1200" dirty="0" err="1" smtClean="0">
+                <a:solidFill>
+                  <a:schemeClr val="tx1"/>
+                </a:solidFill>
+                <a:latin typeface="+mn-lt"/>
+                <a:ea typeface="+mn-ea"/>
+                <a:cs typeface="+mn-cs"/>
+              </a:rPr>
+              <a:t>System.out.println</a:t>
+            </a:r>
+            <a:r>
+              <a:rPr lang="de-DE" sz="1200" kern="1200" dirty="0" smtClean="0">
+                <a:solidFill>
+                  <a:schemeClr val="tx1"/>
+                </a:solidFill>
+                <a:latin typeface="+mn-lt"/>
+                <a:ea typeface="+mn-ea"/>
+                <a:cs typeface="+mn-cs"/>
+              </a:rPr>
+              <a:t>() gibt es Kurzformen.</a:t>
+            </a:r>
+          </a:p>
+          <a:p>
+            <a:pPr lvl="0">
+              <a:buFontTx/>
+              <a:buChar char="-"/>
+            </a:pPr>
+            <a:endParaRPr lang="de-DE" sz="1200" kern="1200" dirty="0">
+              <a:solidFill>
+                <a:schemeClr val="tx1"/>
+              </a:solidFill>
+              <a:latin typeface="+mn-lt"/>
+              <a:ea typeface="+mn-ea"/>
+              <a:cs typeface="+mn-cs"/>
+            </a:endParaRPr>
           </a:p>
         </p:txBody>
       </p:sp>
@@ -4111,7 +4124,7 @@
             <a:fld id="{133286C6-4904-4CD0-891D-2F37ADC6A93C}" type="slidenum">
               <a:rPr lang="de-DE" smtClean="0"/>
               <a:pPr/>
-              <a:t>11</a:t>
+              <a:t>9</a:t>
             </a:fld>
             <a:endParaRPr lang="de-DE"/>
           </a:p>
@@ -4171,7 +4184,7 @@
           </a:bodyPr>
           <a:lstStyle/>
           <a:p>
-            <a:endParaRPr lang="de-DE" dirty="0"/>
+            <a:endParaRPr lang="de-DE"/>
           </a:p>
         </p:txBody>
       </p:sp>
@@ -4193,7 +4206,7 @@
             <a:fld id="{133286C6-4904-4CD0-891D-2F37ADC6A93C}" type="slidenum">
               <a:rPr lang="de-DE" smtClean="0"/>
               <a:pPr/>
-              <a:t>25</a:t>
+              <a:t>11</a:t>
             </a:fld>
             <a:endParaRPr lang="de-DE"/>
           </a:p>
@@ -4208,6 +4221,88 @@
 </file>
 
 <file path=ppt/notesSlides/notesSlide4.xml><?xml version="1.0" encoding="utf-8"?>
+<p:notes xmlns:a="http://schemas.openxmlformats.org/drawingml/2006/main" xmlns:r="http://schemas.openxmlformats.org/officeDocument/2006/relationships" xmlns:p="http://schemas.openxmlformats.org/presentationml/2006/main">
+  <p:cSld>
+    <p:spTree>
+      <p:nvGrpSpPr>
+        <p:cNvPr id="1" name=""/>
+        <p:cNvGrpSpPr/>
+        <p:nvPr/>
+      </p:nvGrpSpPr>
+      <p:grpSpPr>
+        <a:xfrm>
+          <a:off x="0" y="0"/>
+          <a:ext cx="0" cy="0"/>
+          <a:chOff x="0" y="0"/>
+          <a:chExt cx="0" cy="0"/>
+        </a:xfrm>
+      </p:grpSpPr>
+      <p:sp>
+        <p:nvSpPr>
+          <p:cNvPr id="2" name="Folienbildplatzhalter 1"/>
+          <p:cNvSpPr>
+            <a:spLocks noGrp="1" noRot="1" noChangeAspect="1"/>
+          </p:cNvSpPr>
+          <p:nvPr>
+            <p:ph type="sldImg"/>
+          </p:nvPr>
+        </p:nvSpPr>
+        <p:spPr/>
+      </p:sp>
+      <p:sp>
+        <p:nvSpPr>
+          <p:cNvPr id="3" name="Notizenplatzhalter 2"/>
+          <p:cNvSpPr>
+            <a:spLocks noGrp="1"/>
+          </p:cNvSpPr>
+          <p:nvPr>
+            <p:ph type="body" idx="1"/>
+          </p:nvPr>
+        </p:nvSpPr>
+        <p:spPr/>
+        <p:txBody>
+          <a:bodyPr>
+            <a:normAutofit/>
+          </a:bodyPr>
+          <a:lstStyle/>
+          <a:p>
+            <a:endParaRPr lang="de-DE" dirty="0"/>
+          </a:p>
+        </p:txBody>
+      </p:sp>
+      <p:sp>
+        <p:nvSpPr>
+          <p:cNvPr id="4" name="Foliennummernplatzhalter 3"/>
+          <p:cNvSpPr>
+            <a:spLocks noGrp="1"/>
+          </p:cNvSpPr>
+          <p:nvPr>
+            <p:ph type="sldNum" sz="quarter" idx="10"/>
+          </p:nvPr>
+        </p:nvSpPr>
+        <p:spPr/>
+        <p:txBody>
+          <a:bodyPr/>
+          <a:lstStyle/>
+          <a:p>
+            <a:fld id="{133286C6-4904-4CD0-891D-2F37ADC6A93C}" type="slidenum">
+              <a:rPr lang="de-DE" smtClean="0"/>
+              <a:pPr/>
+              <a:t>25</a:t>
+            </a:fld>
+            <a:endParaRPr lang="de-DE"/>
+          </a:p>
+        </p:txBody>
+      </p:sp>
+    </p:spTree>
+  </p:cSld>
+  <p:clrMapOvr>
+    <a:masterClrMapping/>
+  </p:clrMapOvr>
+</p:notes>
+</file>
+
+<file path=ppt/notesSlides/notesSlide5.xml><?xml version="1.0" encoding="utf-8"?>
 <p:notes xmlns:a="http://schemas.openxmlformats.org/drawingml/2006/main" xmlns:r="http://schemas.openxmlformats.org/officeDocument/2006/relationships" xmlns:p="http://schemas.openxmlformats.org/presentationml/2006/main">
   <p:cSld>
     <p:spTree>
@@ -13900,7 +13995,7 @@
     </p:spTree>
     <p:extLst>
       <p:ext uri="{BB962C8B-B14F-4D97-AF65-F5344CB8AC3E}">
-        <p14:creationId xmlns="" xmlns:p14="http://schemas.microsoft.com/office/powerpoint/2010/main" val="3634760287"/>
+        <p14:creationId xmlns:p14="http://schemas.microsoft.com/office/powerpoint/2010/main" val="3634760287"/>
       </p:ext>
     </p:extLst>
   </p:cSld>
@@ -21704,15 +21799,29 @@
                 <a:latin typeface="Consolas" pitchFamily="49" charset="0"/>
                 <a:cs typeface="Consolas" pitchFamily="49" charset="0"/>
               </a:rPr>
-              <a:t> Person {</a:t>
-            </a:r>
-          </a:p>
-          <a:p>
+              <a:t> </a:t>
+            </a:r>
             <a:r>
               <a:rPr lang="de-DE" dirty="0" smtClean="0">
                 <a:latin typeface="Consolas" pitchFamily="49" charset="0"/>
                 <a:cs typeface="Consolas" pitchFamily="49" charset="0"/>
               </a:rPr>
+              <a:t>Customer </a:t>
+            </a:r>
+            <a:r>
+              <a:rPr lang="de-DE" dirty="0" smtClean="0">
+                <a:latin typeface="Consolas" pitchFamily="49" charset="0"/>
+                <a:cs typeface="Consolas" pitchFamily="49" charset="0"/>
+              </a:rPr>
+              <a:t>{</a:t>
+            </a:r>
+          </a:p>
+          <a:p>
+            <a:r>
+              <a:rPr lang="de-DE" dirty="0" smtClean="0">
+                <a:latin typeface="Consolas" pitchFamily="49" charset="0"/>
+                <a:cs typeface="Consolas" pitchFamily="49" charset="0"/>
+              </a:rPr>
               <a:t>    String </a:t>
             </a:r>
             <a:r>
@@ -21720,7 +21829,14 @@
                 <a:latin typeface="Consolas" pitchFamily="49" charset="0"/>
                 <a:cs typeface="Consolas" pitchFamily="49" charset="0"/>
               </a:rPr>
-              <a:t>firstname</a:t>
+              <a:t>name</a:t>
+            </a:r>
+            <a:r>
+              <a:rPr lang="de-DE" dirty="0" smtClean="0">
+                <a:latin typeface="Consolas" pitchFamily="49" charset="0"/>
+                <a:cs typeface="Consolas" pitchFamily="49" charset="0"/>
+              </a:rPr>
+              <a:t>    </a:t>
             </a:r>
             <a:endParaRPr lang="de-DE" dirty="0" smtClean="0">
               <a:latin typeface="Consolas" pitchFamily="49" charset="0"/>
@@ -21729,19 +21845,21 @@
           </a:p>
           <a:p>
             <a:r>
+              <a:rPr lang="de-DE" dirty="0">
+                <a:latin typeface="Consolas" pitchFamily="49" charset="0"/>
+                <a:cs typeface="Consolas" pitchFamily="49" charset="0"/>
+              </a:rPr>
+              <a:t> </a:t>
+            </a:r>
+            <a:r>
               <a:rPr lang="de-DE" dirty="0" smtClean="0">
                 <a:latin typeface="Consolas" pitchFamily="49" charset="0"/>
                 <a:cs typeface="Consolas" pitchFamily="49" charset="0"/>
               </a:rPr>
-              <a:t>    String </a:t>
-            </a:r>
-            <a:r>
-              <a:rPr lang="de-DE" dirty="0" err="1" smtClean="0">
-                <a:latin typeface="Consolas" pitchFamily="49" charset="0"/>
-                <a:cs typeface="Consolas" pitchFamily="49" charset="0"/>
-              </a:rPr>
-              <a:t>lastname</a:t>
-            </a:r>
+              <a:t>   String email</a:t>
+            </a:r>
+          </a:p>
+          <a:p>
             <a:endParaRPr lang="de-DE" dirty="0" smtClean="0">
               <a:latin typeface="Consolas" pitchFamily="49" charset="0"/>
               <a:cs typeface="Consolas" pitchFamily="49" charset="0"/>
@@ -21749,19 +21867,58 @@
           </a:p>
           <a:p>
             <a:r>
-              <a:rPr lang="de-DE" dirty="0">
-                <a:latin typeface="Consolas" pitchFamily="49" charset="0"/>
-                <a:cs typeface="Consolas" pitchFamily="49" charset="0"/>
-              </a:rPr>
-              <a:t> </a:t>
-            </a:r>
-            <a:r>
               <a:rPr lang="de-DE" dirty="0" smtClean="0">
                 <a:latin typeface="Consolas" pitchFamily="49" charset="0"/>
                 <a:cs typeface="Consolas" pitchFamily="49" charset="0"/>
               </a:rPr>
-              <a:t>   String email</a:t>
-            </a:r>
+              <a:t>    </a:t>
+            </a:r>
+            <a:r>
+              <a:rPr lang="de-DE" dirty="0" err="1" smtClean="0">
+                <a:latin typeface="Consolas" pitchFamily="49" charset="0"/>
+                <a:cs typeface="Consolas" pitchFamily="49" charset="0"/>
+              </a:rPr>
+              <a:t>static</a:t>
+            </a:r>
+            <a:r>
+              <a:rPr lang="de-DE" dirty="0" smtClean="0">
+                <a:latin typeface="Consolas" pitchFamily="49" charset="0"/>
+                <a:cs typeface="Consolas" pitchFamily="49" charset="0"/>
+              </a:rPr>
+              <a:t> </a:t>
+            </a:r>
+            <a:r>
+              <a:rPr lang="de-DE" dirty="0" err="1" smtClean="0">
+                <a:latin typeface="Consolas" pitchFamily="49" charset="0"/>
+                <a:cs typeface="Consolas" pitchFamily="49" charset="0"/>
+              </a:rPr>
+              <a:t>hasMany</a:t>
+            </a:r>
+            <a:r>
+              <a:rPr lang="de-DE" dirty="0" smtClean="0">
+                <a:latin typeface="Consolas" pitchFamily="49" charset="0"/>
+                <a:cs typeface="Consolas" pitchFamily="49" charset="0"/>
+              </a:rPr>
+              <a:t> = [</a:t>
+            </a:r>
+            <a:r>
+              <a:rPr lang="de-DE" dirty="0" err="1" smtClean="0">
+                <a:latin typeface="Consolas" pitchFamily="49" charset="0"/>
+                <a:cs typeface="Consolas" pitchFamily="49" charset="0"/>
+              </a:rPr>
+              <a:t>orders</a:t>
+            </a:r>
+            <a:r>
+              <a:rPr lang="de-DE" dirty="0" smtClean="0">
+                <a:latin typeface="Consolas" pitchFamily="49" charset="0"/>
+                <a:cs typeface="Consolas" pitchFamily="49" charset="0"/>
+              </a:rPr>
+              <a:t>: Order]</a:t>
+            </a:r>
+            <a:endParaRPr lang="de-DE" dirty="0">
+              <a:latin typeface="Consolas" pitchFamily="49" charset="0"/>
+              <a:cs typeface="Consolas" pitchFamily="49" charset="0"/>
+            </a:endParaRPr>
           </a:p>
           <a:p>
             <a:endParaRPr lang="de-DE" dirty="0" smtClean="0">
@@ -21819,14 +21976,21 @@
                 <a:latin typeface="Consolas" pitchFamily="49" charset="0"/>
                 <a:cs typeface="Consolas" pitchFamily="49" charset="0"/>
               </a:rPr>
-              <a:t>firstname</a:t>
+              <a:t>name</a:t>
             </a:r>
             <a:r>
               <a:rPr lang="de-DE" dirty="0" smtClean="0">
                 <a:latin typeface="Consolas" pitchFamily="49" charset="0"/>
                 <a:cs typeface="Consolas" pitchFamily="49" charset="0"/>
               </a:rPr>
-              <a:t>(blank: </a:t>
+              <a:t>(blank</a:t>
+            </a:r>
+            <a:r>
+              <a:rPr lang="de-DE" dirty="0" smtClean="0">
+                <a:latin typeface="Consolas" pitchFamily="49" charset="0"/>
+                <a:cs typeface="Consolas" pitchFamily="49" charset="0"/>
+              </a:rPr>
+              <a:t>: </a:t>
             </a:r>
             <a:r>
               <a:rPr lang="de-DE" dirty="0" err="1" smtClean="0">
@@ -21840,107 +22004,8 @@
                 <a:latin typeface="Consolas" pitchFamily="49" charset="0"/>
                 <a:cs typeface="Consolas" pitchFamily="49" charset="0"/>
               </a:rPr>
-              <a:t>)</a:t>
-            </a:r>
-          </a:p>
-          <a:p>
-            <a:r>
-              <a:rPr lang="de-DE" dirty="0" smtClean="0">
-                <a:latin typeface="Consolas" pitchFamily="49" charset="0"/>
-                <a:cs typeface="Consolas" pitchFamily="49" charset="0"/>
-              </a:rPr>
-              <a:t>        </a:t>
-            </a:r>
-            <a:r>
-              <a:rPr lang="de-DE" dirty="0" err="1" smtClean="0">
-                <a:latin typeface="Consolas" pitchFamily="49" charset="0"/>
-                <a:cs typeface="Consolas" pitchFamily="49" charset="0"/>
-              </a:rPr>
-              <a:t>lastname</a:t>
-            </a:r>
-            <a:r>
-              <a:rPr lang="de-DE" dirty="0" smtClean="0">
-                <a:latin typeface="Consolas" pitchFamily="49" charset="0"/>
-                <a:cs typeface="Consolas" pitchFamily="49" charset="0"/>
-              </a:rPr>
-              <a:t>(blank: </a:t>
-            </a:r>
-            <a:r>
-              <a:rPr lang="de-DE" dirty="0" err="1" smtClean="0">
-                <a:latin typeface="Consolas" pitchFamily="49" charset="0"/>
-                <a:cs typeface="Consolas" pitchFamily="49" charset="0"/>
-              </a:rPr>
-              <a:t>false</a:t>
-            </a:r>
-            <a:r>
-              <a:rPr lang="de-DE" dirty="0" smtClean="0">
-                <a:latin typeface="Consolas" pitchFamily="49" charset="0"/>
-                <a:cs typeface="Consolas" pitchFamily="49" charset="0"/>
-              </a:rPr>
-              <a:t>)</a:t>
-            </a:r>
-          </a:p>
-          <a:p>
-            <a:r>
-              <a:rPr lang="de-DE" dirty="0" smtClean="0">
-                <a:latin typeface="Consolas" pitchFamily="49" charset="0"/>
-                <a:cs typeface="Consolas" pitchFamily="49" charset="0"/>
-              </a:rPr>
-              <a:t>        email(</a:t>
-            </a:r>
-            <a:r>
-              <a:rPr lang="de-DE" dirty="0" err="1" smtClean="0">
-                <a:latin typeface="Consolas" pitchFamily="49" charset="0"/>
-                <a:cs typeface="Consolas" pitchFamily="49" charset="0"/>
-              </a:rPr>
-              <a:t>unique</a:t>
-            </a:r>
-            <a:r>
-              <a:rPr lang="de-DE" dirty="0" smtClean="0">
-                <a:latin typeface="Consolas" pitchFamily="49" charset="0"/>
-                <a:cs typeface="Consolas" pitchFamily="49" charset="0"/>
-              </a:rPr>
-              <a:t>: </a:t>
-            </a:r>
-            <a:r>
-              <a:rPr lang="de-DE" dirty="0" err="1" smtClean="0">
-                <a:latin typeface="Consolas" pitchFamily="49" charset="0"/>
-                <a:cs typeface="Consolas" pitchFamily="49" charset="0"/>
-              </a:rPr>
-              <a:t>true</a:t>
-            </a:r>
-            <a:r>
-              <a:rPr lang="de-DE" dirty="0" smtClean="0">
-                <a:latin typeface="Consolas" pitchFamily="49" charset="0"/>
-                <a:cs typeface="Consolas" pitchFamily="49" charset="0"/>
-              </a:rPr>
-              <a:t>, email: </a:t>
-            </a:r>
-            <a:r>
-              <a:rPr lang="de-DE" dirty="0" err="1" smtClean="0">
-                <a:latin typeface="Consolas" pitchFamily="49" charset="0"/>
-                <a:cs typeface="Consolas" pitchFamily="49" charset="0"/>
-              </a:rPr>
-              <a:t>true</a:t>
-            </a:r>
-            <a:r>
-              <a:rPr lang="de-DE" dirty="0" smtClean="0">
-                <a:latin typeface="Consolas" pitchFamily="49" charset="0"/>
-                <a:cs typeface="Consolas" pitchFamily="49" charset="0"/>
-              </a:rPr>
-              <a:t>)</a:t>
-            </a:r>
-          </a:p>
-          <a:p>
-            <a:r>
-              <a:rPr lang="de-DE" dirty="0" smtClean="0">
-                <a:latin typeface="Consolas" pitchFamily="49" charset="0"/>
-                <a:cs typeface="Consolas" pitchFamily="49" charset="0"/>
-              </a:rPr>
-              <a:t>    }</a:t>
-            </a:r>
-          </a:p>
-          <a:p>
+              <a:t>)        </a:t>
+            </a:r>
             <a:endParaRPr lang="de-DE" dirty="0" smtClean="0">
               <a:latin typeface="Consolas" pitchFamily="49" charset="0"/>
               <a:cs typeface="Consolas" pitchFamily="49" charset="0"/>
@@ -21952,58 +22017,131 @@
                 <a:latin typeface="Consolas" pitchFamily="49" charset="0"/>
                 <a:cs typeface="Consolas" pitchFamily="49" charset="0"/>
               </a:rPr>
-              <a:t>    String </a:t>
+              <a:t>        email(</a:t>
             </a:r>
             <a:r>
               <a:rPr lang="de-DE" dirty="0" err="1" smtClean="0">
                 <a:latin typeface="Consolas" pitchFamily="49" charset="0"/>
                 <a:cs typeface="Consolas" pitchFamily="49" charset="0"/>
               </a:rPr>
-              <a:t>toString</a:t>
+              <a:t>unique</a:t>
             </a:r>
             <a:r>
               <a:rPr lang="de-DE" dirty="0" smtClean="0">
                 <a:latin typeface="Consolas" pitchFamily="49" charset="0"/>
                 <a:cs typeface="Consolas" pitchFamily="49" charset="0"/>
               </a:rPr>
-              <a:t>() {</a:t>
-            </a:r>
-          </a:p>
-          <a:p>
+              <a:t>: </a:t>
+            </a:r>
+            <a:r>
+              <a:rPr lang="de-DE" dirty="0" err="1" smtClean="0">
+                <a:latin typeface="Consolas" pitchFamily="49" charset="0"/>
+                <a:cs typeface="Consolas" pitchFamily="49" charset="0"/>
+              </a:rPr>
+              <a:t>true</a:t>
+            </a:r>
             <a:r>
               <a:rPr lang="de-DE" dirty="0" smtClean="0">
                 <a:latin typeface="Consolas" pitchFamily="49" charset="0"/>
                 <a:cs typeface="Consolas" pitchFamily="49" charset="0"/>
               </a:rPr>
-              <a:t>        "$</a:t>
+              <a:t>, email: </a:t>
             </a:r>
             <a:r>
               <a:rPr lang="de-DE" dirty="0" err="1" smtClean="0">
                 <a:latin typeface="Consolas" pitchFamily="49" charset="0"/>
                 <a:cs typeface="Consolas" pitchFamily="49" charset="0"/>
               </a:rPr>
-              <a:t>firstname</a:t>
+              <a:t>true</a:t>
             </a:r>
             <a:r>
               <a:rPr lang="de-DE" dirty="0" smtClean="0">
                 <a:latin typeface="Consolas" pitchFamily="49" charset="0"/>
                 <a:cs typeface="Consolas" pitchFamily="49" charset="0"/>
               </a:rPr>
-              <a:t> $</a:t>
+              <a:t>)</a:t>
+            </a:r>
+          </a:p>
+          <a:p>
+            <a:r>
+              <a:rPr lang="de-DE" dirty="0" smtClean="0">
+                <a:latin typeface="Consolas" pitchFamily="49" charset="0"/>
+                <a:cs typeface="Consolas" pitchFamily="49" charset="0"/>
+              </a:rPr>
+              <a:t>    }</a:t>
+            </a:r>
+          </a:p>
+          <a:p>
+            <a:endParaRPr lang="de-DE" dirty="0" smtClean="0">
+              <a:latin typeface="Consolas" pitchFamily="49" charset="0"/>
+              <a:cs typeface="Consolas" pitchFamily="49" charset="0"/>
+            </a:endParaRPr>
+          </a:p>
+          <a:p>
+            <a:r>
+              <a:rPr lang="de-DE" dirty="0" smtClean="0">
+                <a:latin typeface="Consolas" pitchFamily="49" charset="0"/>
+                <a:cs typeface="Consolas" pitchFamily="49" charset="0"/>
+              </a:rPr>
+              <a:t>    </a:t>
+            </a:r>
+            <a:r>
+              <a:rPr lang="de-DE" dirty="0" smtClean="0">
+                <a:latin typeface="Consolas" pitchFamily="49" charset="0"/>
+                <a:cs typeface="Consolas" pitchFamily="49" charset="0"/>
+              </a:rPr>
+              <a:t>String </a:t>
             </a:r>
             <a:r>
               <a:rPr lang="de-DE" dirty="0" err="1" smtClean="0">
                 <a:latin typeface="Consolas" pitchFamily="49" charset="0"/>
                 <a:cs typeface="Consolas" pitchFamily="49" charset="0"/>
               </a:rPr>
-              <a:t>lastname</a:t>
+              <a:t>toString</a:t>
             </a:r>
             <a:r>
               <a:rPr lang="de-DE" dirty="0" smtClean="0">
                 <a:latin typeface="Consolas" pitchFamily="49" charset="0"/>
                 <a:cs typeface="Consolas" pitchFamily="49" charset="0"/>
               </a:rPr>
-              <a:t> ($email)"</a:t>
+              <a:t>() {</a:t>
+            </a:r>
+          </a:p>
+          <a:p>
+            <a:r>
+              <a:rPr lang="de-DE" dirty="0" smtClean="0">
+                <a:latin typeface="Consolas" pitchFamily="49" charset="0"/>
+                <a:cs typeface="Consolas" pitchFamily="49" charset="0"/>
+              </a:rPr>
+              <a:t>        </a:t>
+            </a:r>
+            <a:r>
+              <a:rPr lang="de-DE" dirty="0" smtClean="0">
+                <a:latin typeface="Consolas" pitchFamily="49" charset="0"/>
+                <a:cs typeface="Consolas" pitchFamily="49" charset="0"/>
+              </a:rPr>
+              <a:t>"$</a:t>
+            </a:r>
+            <a:r>
+              <a:rPr lang="de-DE" dirty="0" err="1" smtClean="0">
+                <a:latin typeface="Consolas" pitchFamily="49" charset="0"/>
+                <a:cs typeface="Consolas" pitchFamily="49" charset="0"/>
+              </a:rPr>
+              <a:t>name</a:t>
+            </a:r>
+            <a:r>
+              <a:rPr lang="de-DE" dirty="0" smtClean="0">
+                <a:latin typeface="Consolas" pitchFamily="49" charset="0"/>
+                <a:cs typeface="Consolas" pitchFamily="49" charset="0"/>
+              </a:rPr>
+              <a:t> ($</a:t>
+            </a:r>
+            <a:r>
+              <a:rPr lang="de-DE" dirty="0" smtClean="0">
+                <a:latin typeface="Consolas" pitchFamily="49" charset="0"/>
+                <a:cs typeface="Consolas" pitchFamily="49" charset="0"/>
+              </a:rPr>
+              <a:t>email)"</a:t>
             </a:r>
           </a:p>
           <a:p>
@@ -22875,29 +23013,29 @@
             <a:pPr algn="ctr"/>
             <a:r>
               <a:rPr lang="de-DE" sz="1600" dirty="0" smtClean="0">
-                <a:hlinkClick r:id="rId2"/>
+                <a:hlinkClick r:id="rId3"/>
               </a:rPr>
               <a:t>twitter.com/</a:t>
-            </a:r>
-            <a:r>
-              <a:rPr lang="de-DE" sz="1600" dirty="0" err="1" smtClean="0">
-                <a:hlinkClick r:id="rId2"/>
-              </a:rPr>
-              <a:t>stefanglase</a:t>
-            </a:r>
-            <a:endParaRPr lang="de-DE" sz="1600" dirty="0" smtClean="0"/>
-          </a:p>
-          <a:p>
-            <a:pPr algn="ctr"/>
-            <a:r>
-              <a:rPr lang="de-DE" sz="1600" dirty="0" smtClean="0">
-                <a:hlinkClick r:id="rId3"/>
-              </a:rPr>
-              <a:t>github.com/</a:t>
             </a:r>
             <a:r>
               <a:rPr lang="de-DE" sz="1600" dirty="0" err="1" smtClean="0">
                 <a:hlinkClick r:id="rId3"/>
+              </a:rPr>
+              <a:t>stefanglase</a:t>
+            </a:r>
+            <a:endParaRPr lang="de-DE" sz="1600" dirty="0" smtClean="0"/>
+          </a:p>
+          <a:p>
+            <a:pPr algn="ctr"/>
+            <a:r>
+              <a:rPr lang="de-DE" sz="1600" dirty="0" smtClean="0">
+                <a:hlinkClick r:id="rId4"/>
+              </a:rPr>
+              <a:t>github.com/</a:t>
+            </a:r>
+            <a:r>
+              <a:rPr lang="de-DE" sz="1600" dirty="0" err="1" smtClean="0">
+                <a:hlinkClick r:id="rId4"/>
               </a:rPr>
               <a:t>codescape</a:t>
             </a:r>
@@ -22914,7 +23052,7 @@
           <p:nvPr/>
         </p:nvPicPr>
         <p:blipFill>
-          <a:blip r:embed="rId4" cstate="print"/>
+          <a:blip r:embed="rId5" cstate="print"/>
           <a:srcRect l="8129" r="6522"/>
           <a:stretch>
             <a:fillRect/>
@@ -23095,7 +23233,7 @@
           <p:nvPr/>
         </p:nvPicPr>
         <p:blipFill>
-          <a:blip r:embed="rId5" cstate="print"/>
+          <a:blip r:embed="rId6" cstate="print"/>
           <a:srcRect/>
           <a:stretch>
             <a:fillRect/>
@@ -23969,7 +24107,7 @@
     </p:spTree>
     <p:extLst>
       <p:ext uri="{BB962C8B-B14F-4D97-AF65-F5344CB8AC3E}">
-        <p14:creationId xmlns:p14="http://schemas.microsoft.com/office/powerpoint/2010/main" xmlns="" val="1364891894"/>
+        <p14:creationId xmlns:p14="http://schemas.microsoft.com/office/powerpoint/2010/main" val="1364891894"/>
       </p:ext>
     </p:extLst>
   </p:cSld>
@@ -24131,10 +24269,6 @@
               <a:rPr sz="1600" dirty="0" smtClean="0"/>
               <a:t> GmbH</a:t>
             </a:r>
-            <a:r>
-              <a:rPr sz="1600" dirty="0" smtClean="0"/>
-              <a:t/>
-            </a:r>
             <a:br>
               <a:rPr sz="1600" dirty="0" smtClean="0"/>
             </a:br>
@@ -24178,20 +24312,12 @@
               <a:rPr sz="1600" dirty="0" smtClean="0"/>
               <a:t>1093</a:t>
             </a:r>
-            <a:r>
-              <a:rPr sz="1600" dirty="0" smtClean="0"/>
-              <a:t/>
-            </a:r>
             <a:br>
               <a:rPr sz="1600" dirty="0" smtClean="0"/>
             </a:br>
             <a:r>
               <a:rPr sz="1600" dirty="0" smtClean="0"/>
-              <a:t>Mobil	+49 </a:t>
-            </a:r>
-            <a:r>
-              <a:rPr sz="1600" dirty="0" smtClean="0"/>
-              <a:t>173 7276096</a:t>
+              <a:t>Mobil	+49 173 7276096</a:t>
             </a:r>
             <a:endParaRPr lang="de-DE" sz="1600" dirty="0"/>
           </a:p>
@@ -24259,10 +24385,6 @@
               <a:rPr sz="1600" dirty="0" smtClean="0"/>
               <a:t> GmbH</a:t>
             </a:r>
-            <a:r>
-              <a:rPr sz="1600" dirty="0" smtClean="0"/>
-              <a:t/>
-            </a:r>
             <a:br>
               <a:rPr sz="1600" dirty="0" smtClean="0"/>
             </a:br>
@@ -24276,10 +24398,6 @@
               <a:rPr sz="1600" dirty="0" smtClean="0"/>
               <a:t> </a:t>
             </a:r>
-            <a:r>
-              <a:rPr sz="1600" dirty="0" smtClean="0"/>
-              <a:t/>
-            </a:r>
             <a:br>
               <a:rPr sz="1600" dirty="0" smtClean="0"/>
             </a:br>
@@ -24293,11 +24411,7 @@
             </a:r>
             <a:r>
               <a:rPr lang="de-DE" sz="1600" dirty="0" smtClean="0"/>
-              <a:t>+49 </a:t>
-            </a:r>
-            <a:r>
-              <a:rPr lang="de-DE" sz="1600" dirty="0" smtClean="0"/>
-              <a:t>2261 60 01-1180 </a:t>
+              <a:t>+49 2261 60 01-1180 </a:t>
             </a:r>
             <a:r>
               <a:rPr sz="1600" dirty="0" smtClean="0"/>
@@ -24887,7 +25001,7 @@
             <a:blip r:embed="rId5" cstate="print">
               <a:extLst>
                 <a:ext uri="{28A0092B-C50C-407E-A947-70E740481C1C}">
-                  <a14:useLocalDpi xmlns:a14="http://schemas.microsoft.com/office/drawing/2010/main" xmlns="" val="0"/>
+                  <a14:useLocalDpi xmlns:a14="http://schemas.microsoft.com/office/drawing/2010/main" val="0"/>
                 </a:ext>
               </a:extLst>
             </a:blip>
@@ -24917,7 +25031,7 @@
             <a:blip r:embed="rId6" cstate="print">
               <a:extLst>
                 <a:ext uri="{28A0092B-C50C-407E-A947-70E740481C1C}">
-                  <a14:useLocalDpi xmlns:a14="http://schemas.microsoft.com/office/drawing/2010/main" xmlns="" val="0"/>
+                  <a14:useLocalDpi xmlns:a14="http://schemas.microsoft.com/office/drawing/2010/main" val="0"/>
                 </a:ext>
               </a:extLst>
             </a:blip>
@@ -24947,7 +25061,7 @@
             <a:blip r:embed="rId7" cstate="print">
               <a:extLst>
                 <a:ext uri="{28A0092B-C50C-407E-A947-70E740481C1C}">
-                  <a14:useLocalDpi xmlns:a14="http://schemas.microsoft.com/office/drawing/2010/main" xmlns="" val="0"/>
+                  <a14:useLocalDpi xmlns:a14="http://schemas.microsoft.com/office/drawing/2010/main" val="0"/>
                 </a:ext>
               </a:extLst>
             </a:blip>
@@ -25016,7 +25130,7 @@
     </p:spTree>
     <p:extLst>
       <p:ext uri="{BB962C8B-B14F-4D97-AF65-F5344CB8AC3E}">
-        <p14:creationId xmlns:p14="http://schemas.microsoft.com/office/powerpoint/2010/main" xmlns="" val="1074872443"/>
+        <p14:creationId xmlns:p14="http://schemas.microsoft.com/office/powerpoint/2010/main" val="1074872443"/>
       </p:ext>
     </p:extLst>
   </p:cSld>
@@ -26628,7 +26742,7 @@
             <p:ph idx="1"/>
             <p:extLst>
               <p:ext uri="{D42A27DB-BD31-4B8C-83A1-F6EECF244321}">
-                <p14:modId xmlns:p14="http://schemas.microsoft.com/office/powerpoint/2010/main" xmlns="" val="3161229493"/>
+                <p14:modId xmlns:p14="http://schemas.microsoft.com/office/powerpoint/2010/main" val="3161229493"/>
               </p:ext>
             </p:extLst>
           </p:nvPr>
@@ -27877,7 +27991,7 @@
           <a:blip r:embed="rId2" cstate="print">
             <a:extLst>
               <a:ext uri="{28A0092B-C50C-407E-A947-70E740481C1C}">
-                <a14:useLocalDpi xmlns:a14="http://schemas.microsoft.com/office/drawing/2010/main" xmlns="" val="0"/>
+                <a14:useLocalDpi xmlns:a14="http://schemas.microsoft.com/office/drawing/2010/main" val="0"/>
               </a:ext>
             </a:extLst>
           </a:blip>
@@ -27907,7 +28021,7 @@
           <a:blip r:embed="rId3" cstate="print">
             <a:extLst>
               <a:ext uri="{28A0092B-C50C-407E-A947-70E740481C1C}">
-                <a14:useLocalDpi xmlns:a14="http://schemas.microsoft.com/office/drawing/2010/main" xmlns="" val="0"/>
+                <a14:useLocalDpi xmlns:a14="http://schemas.microsoft.com/office/drawing/2010/main" val="0"/>
               </a:ext>
             </a:extLst>
           </a:blip>
@@ -27937,7 +28051,7 @@
           <a:blip r:embed="rId4" cstate="print">
             <a:extLst>
               <a:ext uri="{28A0092B-C50C-407E-A947-70E740481C1C}">
-                <a14:useLocalDpi xmlns:a14="http://schemas.microsoft.com/office/drawing/2010/main" xmlns="" val="0"/>
+                <a14:useLocalDpi xmlns:a14="http://schemas.microsoft.com/office/drawing/2010/main" val="0"/>
               </a:ext>
             </a:extLst>
           </a:blip>
@@ -27958,7 +28072,7 @@
     </p:spTree>
     <p:extLst>
       <p:ext uri="{BB962C8B-B14F-4D97-AF65-F5344CB8AC3E}">
-        <p14:creationId xmlns:p14="http://schemas.microsoft.com/office/powerpoint/2010/main" xmlns="" val="2868768242"/>
+        <p14:creationId xmlns:p14="http://schemas.microsoft.com/office/powerpoint/2010/main" val="2868768242"/>
       </p:ext>
     </p:extLst>
   </p:cSld>
@@ -29432,12 +29546,15 @@
 </file>
 
 <file path=customXml/item1.xml><?xml version="1.0" encoding="utf-8"?>
-<?mso-contentType ?>
-<FormTemplates xmlns="http://schemas.microsoft.com/sharepoint/v3/contenttype/forms">
-  <Display>DocumentLibraryForm</Display>
-  <Edit>DocumentLibraryForm</Edit>
-  <New>DocumentLibraryForm</New>
-</FormTemplates>
+<p:properties xmlns:p="http://schemas.microsoft.com/office/2006/metadata/properties" xmlns:xsi="http://www.w3.org/2001/XMLSchema-instance">
+  <documentManagement>
+    <_dlc_DocId xmlns="8cc9f148-63af-4ae4-b4c0-3a33ca8129b3">DOCID-7-65</_dlc_DocId>
+    <_dlc_DocIdUrl xmlns="8cc9f148-63af-4ae4-b4c0-3a33ca8129b3">
+      <Url>https://portal.opitz-consulting.de/_layouts/DocIdRedir.aspx?ID=DOCID-7-65</Url>
+      <Description>DOCID-7-65</Description>
+    </_dlc_DocIdUrl>
+  </documentManagement>
+</p:properties>
 </file>
 
 <file path=customXml/item2.xml><?xml version="1.0" encoding="utf-8"?>
@@ -29487,15 +29604,12 @@
 </file>
 
 <file path=customXml/item3.xml><?xml version="1.0" encoding="utf-8"?>
-<p:properties xmlns:p="http://schemas.microsoft.com/office/2006/metadata/properties" xmlns:xsi="http://www.w3.org/2001/XMLSchema-instance">
-  <documentManagement>
-    <_dlc_DocId xmlns="8cc9f148-63af-4ae4-b4c0-3a33ca8129b3">DOCID-7-65</_dlc_DocId>
-    <_dlc_DocIdUrl xmlns="8cc9f148-63af-4ae4-b4c0-3a33ca8129b3">
-      <Url>https://portal.opitz-consulting.de/_layouts/DocIdRedir.aspx?ID=DOCID-7-65</Url>
-      <Description>DOCID-7-65</Description>
-    </_dlc_DocIdUrl>
-  </documentManagement>
-</p:properties>
+<?mso-contentType ?>
+<FormTemplates xmlns="http://schemas.microsoft.com/sharepoint/v3/contenttype/forms">
+  <Display>DocumentLibraryForm</Display>
+  <Edit>DocumentLibraryForm</Edit>
+  <New>DocumentLibraryForm</New>
+</FormTemplates>
 </file>
 
 <file path=customXml/item4.xml><?xml version="1.0" encoding="utf-8"?>
@@ -29644,9 +29758,10 @@
 </file>
 
 <file path=customXml/itemProps1.xml><?xml version="1.0" encoding="utf-8"?>
-<ds:datastoreItem xmlns:ds="http://schemas.openxmlformats.org/officeDocument/2006/customXml" ds:itemID="{7E7A0F45-7BDE-4AA7-A1BB-E146938E8111}">
+<ds:datastoreItem xmlns:ds="http://schemas.openxmlformats.org/officeDocument/2006/customXml" ds:itemID="{AF7E4967-43BC-4F71-AEEC-BDE09349FE60}">
   <ds:schemaRefs>
-    <ds:schemaRef ds:uri="http://schemas.microsoft.com/sharepoint/v3/contenttype/forms"/>
+    <ds:schemaRef ds:uri="http://schemas.microsoft.com/office/2006/metadata/properties"/>
+    <ds:schemaRef ds:uri="8cc9f148-63af-4ae4-b4c0-3a33ca8129b3"/>
   </ds:schemaRefs>
 </ds:datastoreItem>
 </file>
@@ -29660,10 +29775,9 @@
 </file>
 
 <file path=customXml/itemProps3.xml><?xml version="1.0" encoding="utf-8"?>
-<ds:datastoreItem xmlns:ds="http://schemas.openxmlformats.org/officeDocument/2006/customXml" ds:itemID="{AF7E4967-43BC-4F71-AEEC-BDE09349FE60}">
+<ds:datastoreItem xmlns:ds="http://schemas.openxmlformats.org/officeDocument/2006/customXml" ds:itemID="{7E7A0F45-7BDE-4AA7-A1BB-E146938E8111}">
   <ds:schemaRefs>
-    <ds:schemaRef ds:uri="http://schemas.microsoft.com/office/2006/metadata/properties"/>
-    <ds:schemaRef ds:uri="8cc9f148-63af-4ae4-b4c0-3a33ca8129b3"/>
+    <ds:schemaRef ds:uri="http://schemas.microsoft.com/sharepoint/v3/contenttype/forms"/>
   </ds:schemaRefs>
 </ds:datastoreItem>
 </file>

--- a/grails-die-suche-ist-vorbei/grails-doagkonferenz-2011.pptx
+++ b/grails-die-suche-ist-vorbei/grails-doagkonferenz-2011.pptx
@@ -5,10 +5,10 @@
     <p:sldMasterId id="2147483697" r:id="rId5"/>
   </p:sldMasterIdLst>
   <p:notesMasterIdLst>
-    <p:notesMasterId r:id="rId34"/>
+    <p:notesMasterId r:id="rId40"/>
   </p:notesMasterIdLst>
   <p:handoutMasterIdLst>
-    <p:handoutMasterId r:id="rId35"/>
+    <p:handoutMasterId r:id="rId41"/>
   </p:handoutMasterIdLst>
   <p:sldIdLst>
     <p:sldId id="256" r:id="rId6"/>
@@ -20,25 +20,31 @@
     <p:sldId id="307" r:id="rId12"/>
     <p:sldId id="308" r:id="rId13"/>
     <p:sldId id="312" r:id="rId14"/>
-    <p:sldId id="306" r:id="rId15"/>
-    <p:sldId id="295" r:id="rId16"/>
-    <p:sldId id="297" r:id="rId17"/>
-    <p:sldId id="298" r:id="rId18"/>
-    <p:sldId id="301" r:id="rId19"/>
-    <p:sldId id="302" r:id="rId20"/>
-    <p:sldId id="299" r:id="rId21"/>
-    <p:sldId id="300" r:id="rId22"/>
-    <p:sldId id="310" r:id="rId23"/>
-    <p:sldId id="304" r:id="rId24"/>
-    <p:sldId id="305" r:id="rId25"/>
-    <p:sldId id="303" r:id="rId26"/>
-    <p:sldId id="311" r:id="rId27"/>
-    <p:sldId id="309" r:id="rId28"/>
-    <p:sldId id="313" r:id="rId29"/>
-    <p:sldId id="266" r:id="rId30"/>
-    <p:sldId id="265" r:id="rId31"/>
-    <p:sldId id="262" r:id="rId32"/>
-    <p:sldId id="316" r:id="rId33"/>
+    <p:sldId id="317" r:id="rId15"/>
+    <p:sldId id="318" r:id="rId16"/>
+    <p:sldId id="319" r:id="rId17"/>
+    <p:sldId id="320" r:id="rId18"/>
+    <p:sldId id="306" r:id="rId19"/>
+    <p:sldId id="295" r:id="rId20"/>
+    <p:sldId id="297" r:id="rId21"/>
+    <p:sldId id="298" r:id="rId22"/>
+    <p:sldId id="301" r:id="rId23"/>
+    <p:sldId id="302" r:id="rId24"/>
+    <p:sldId id="299" r:id="rId25"/>
+    <p:sldId id="300" r:id="rId26"/>
+    <p:sldId id="310" r:id="rId27"/>
+    <p:sldId id="304" r:id="rId28"/>
+    <p:sldId id="305" r:id="rId29"/>
+    <p:sldId id="303" r:id="rId30"/>
+    <p:sldId id="311" r:id="rId31"/>
+    <p:sldId id="321" r:id="rId32"/>
+    <p:sldId id="322" r:id="rId33"/>
+    <p:sldId id="309" r:id="rId34"/>
+    <p:sldId id="313" r:id="rId35"/>
+    <p:sldId id="266" r:id="rId36"/>
+    <p:sldId id="265" r:id="rId37"/>
+    <p:sldId id="262" r:id="rId38"/>
+    <p:sldId id="316" r:id="rId39"/>
   </p:sldIdLst>
   <p:sldSz cx="9144000" cy="6858000" type="screen4x3"/>
   <p:notesSz cx="6858000" cy="9144000"/>
@@ -1310,21 +1316,21 @@
     </dgm:pt>
   </dgm:ptLst>
   <dgm:cxnLst>
+    <dgm:cxn modelId="{50E8153B-4E47-44FC-B6BE-4CD8520B6BC2}" srcId="{2CA44078-6723-471E-9EE8-E500D68F584B}" destId="{322F7167-D7E5-435C-A8CC-52B42FC6266D}" srcOrd="0" destOrd="0" parTransId="{4F1DB36A-DA11-4FC6-B205-425407F144A3}" sibTransId="{106FF330-C0D9-40BC-91A0-3C43A17B8498}"/>
+    <dgm:cxn modelId="{2F7114BA-DE38-44AF-B2B1-36241EBDACDE}" srcId="{322F7167-D7E5-435C-A8CC-52B42FC6266D}" destId="{7D353D93-D951-4728-A871-2B312A5FAE0D}" srcOrd="3" destOrd="0" parTransId="{E6C0A325-08B0-4A14-B39C-CBE8CF28F93A}" sibTransId="{701BD626-1384-439B-863C-EAB96A370847}"/>
+    <dgm:cxn modelId="{EF2ED0C1-7510-4117-A3B4-E1722361DB55}" type="presOf" srcId="{2CA44078-6723-471E-9EE8-E500D68F584B}" destId="{00F9D2A5-285E-4263-BDA4-C5ECC3BB5457}" srcOrd="0" destOrd="0" presId="urn:microsoft.com/office/officeart/2005/8/layout/matrix1"/>
+    <dgm:cxn modelId="{E7A28185-E3B0-45A7-85E0-A10425BC2D41}" type="presOf" srcId="{3EA38FB7-077E-4699-860B-B7481A9FF50F}" destId="{C83AB4E9-A066-4C32-9B94-64C1161EA86D}" srcOrd="0" destOrd="0" presId="urn:microsoft.com/office/officeart/2005/8/layout/matrix1"/>
+    <dgm:cxn modelId="{797A5495-0C2E-4990-B05E-B75AD751CE1E}" type="presOf" srcId="{50C3BD8F-FA35-49F1-A571-92963C2C793A}" destId="{D057D4C4-7C7C-437F-9AA7-E77B3A3EC01F}" srcOrd="1" destOrd="0" presId="urn:microsoft.com/office/officeart/2005/8/layout/matrix1"/>
+    <dgm:cxn modelId="{F4103C12-A425-44D8-866D-553E2C235872}" type="presOf" srcId="{F7671500-8297-4F3E-BDCE-879BE72411ED}" destId="{94717272-4243-488C-95AF-FD69DB98ADDE}" srcOrd="1" destOrd="0" presId="urn:microsoft.com/office/officeart/2005/8/layout/matrix1"/>
+    <dgm:cxn modelId="{BD74DB50-200D-4700-A3BD-7C0511274F22}" srcId="{322F7167-D7E5-435C-A8CC-52B42FC6266D}" destId="{3EA38FB7-077E-4699-860B-B7481A9FF50F}" srcOrd="1" destOrd="0" parTransId="{4DD7F543-659B-4F40-8415-BF27977ED8CD}" sibTransId="{68EF7038-8C23-4620-9AB0-30A383CCC59B}"/>
+    <dgm:cxn modelId="{BB320B12-6487-4989-9CA8-ECD92005A8C1}" type="presOf" srcId="{3EA38FB7-077E-4699-860B-B7481A9FF50F}" destId="{707396D3-4F4C-4E1B-AE8E-A842EB5E2755}" srcOrd="1" destOrd="0" presId="urn:microsoft.com/office/officeart/2005/8/layout/matrix1"/>
+    <dgm:cxn modelId="{1E87FFFD-6E68-4A9F-82A9-205D3F5EF0EF}" type="presOf" srcId="{50C3BD8F-FA35-49F1-A571-92963C2C793A}" destId="{2C465FEE-CF80-4909-804E-3204153E6FF1}" srcOrd="0" destOrd="0" presId="urn:microsoft.com/office/officeart/2005/8/layout/matrix1"/>
+    <dgm:cxn modelId="{A4303F15-0D9A-4086-AE14-98BBB28075D6}" srcId="{322F7167-D7E5-435C-A8CC-52B42FC6266D}" destId="{50C3BD8F-FA35-49F1-A571-92963C2C793A}" srcOrd="0" destOrd="0" parTransId="{9BB94167-7A35-4231-AA02-49CB216E6D62}" sibTransId="{C472C849-4A5C-43BB-903D-5ED6B655CEEC}"/>
     <dgm:cxn modelId="{FA87375C-D0A7-4452-B481-67F727AAA2AA}" type="presOf" srcId="{F7671500-8297-4F3E-BDCE-879BE72411ED}" destId="{2BCBC29C-5067-4C24-BDB5-16718A53AE6A}" srcOrd="0" destOrd="0" presId="urn:microsoft.com/office/officeart/2005/8/layout/matrix1"/>
-    <dgm:cxn modelId="{1E87FFFD-6E68-4A9F-82A9-205D3F5EF0EF}" type="presOf" srcId="{50C3BD8F-FA35-49F1-A571-92963C2C793A}" destId="{2C465FEE-CF80-4909-804E-3204153E6FF1}" srcOrd="0" destOrd="0" presId="urn:microsoft.com/office/officeart/2005/8/layout/matrix1"/>
+    <dgm:cxn modelId="{BDB2C959-37C7-4C56-8F10-702F4A7DD51B}" type="presOf" srcId="{322F7167-D7E5-435C-A8CC-52B42FC6266D}" destId="{D5EA20F8-272A-400E-B692-FE1C3CF6C51C}" srcOrd="0" destOrd="0" presId="urn:microsoft.com/office/officeart/2005/8/layout/matrix1"/>
+    <dgm:cxn modelId="{6E08934A-26D5-4A10-9C2A-702221EB1C66}" type="presOf" srcId="{7D353D93-D951-4728-A871-2B312A5FAE0D}" destId="{F498BBB4-A080-4839-A4BC-B30620E40F49}" srcOrd="0" destOrd="0" presId="urn:microsoft.com/office/officeart/2005/8/layout/matrix1"/>
     <dgm:cxn modelId="{3BC4F52A-0D84-4006-A828-69AD9FE7BBD7}" type="presOf" srcId="{7D353D93-D951-4728-A871-2B312A5FAE0D}" destId="{D19FF58C-E800-439B-B9A6-81525D5A3885}" srcOrd="1" destOrd="0" presId="urn:microsoft.com/office/officeart/2005/8/layout/matrix1"/>
-    <dgm:cxn modelId="{EF2ED0C1-7510-4117-A3B4-E1722361DB55}" type="presOf" srcId="{2CA44078-6723-471E-9EE8-E500D68F584B}" destId="{00F9D2A5-285E-4263-BDA4-C5ECC3BB5457}" srcOrd="0" destOrd="0" presId="urn:microsoft.com/office/officeart/2005/8/layout/matrix1"/>
-    <dgm:cxn modelId="{A4303F15-0D9A-4086-AE14-98BBB28075D6}" srcId="{322F7167-D7E5-435C-A8CC-52B42FC6266D}" destId="{50C3BD8F-FA35-49F1-A571-92963C2C793A}" srcOrd="0" destOrd="0" parTransId="{9BB94167-7A35-4231-AA02-49CB216E6D62}" sibTransId="{C472C849-4A5C-43BB-903D-5ED6B655CEEC}"/>
     <dgm:cxn modelId="{796A0834-7EE0-4FCF-8BCA-2A3F4B0F8FBB}" srcId="{322F7167-D7E5-435C-A8CC-52B42FC6266D}" destId="{F7671500-8297-4F3E-BDCE-879BE72411ED}" srcOrd="2" destOrd="0" parTransId="{6A162757-755C-4BE7-A32E-0D79424AAB30}" sibTransId="{E5521926-4E6E-4688-9BFB-89AD5F90115B}"/>
-    <dgm:cxn modelId="{2F7114BA-DE38-44AF-B2B1-36241EBDACDE}" srcId="{322F7167-D7E5-435C-A8CC-52B42FC6266D}" destId="{7D353D93-D951-4728-A871-2B312A5FAE0D}" srcOrd="3" destOrd="0" parTransId="{E6C0A325-08B0-4A14-B39C-CBE8CF28F93A}" sibTransId="{701BD626-1384-439B-863C-EAB96A370847}"/>
-    <dgm:cxn modelId="{F4103C12-A425-44D8-866D-553E2C235872}" type="presOf" srcId="{F7671500-8297-4F3E-BDCE-879BE72411ED}" destId="{94717272-4243-488C-95AF-FD69DB98ADDE}" srcOrd="1" destOrd="0" presId="urn:microsoft.com/office/officeart/2005/8/layout/matrix1"/>
-    <dgm:cxn modelId="{6E08934A-26D5-4A10-9C2A-702221EB1C66}" type="presOf" srcId="{7D353D93-D951-4728-A871-2B312A5FAE0D}" destId="{F498BBB4-A080-4839-A4BC-B30620E40F49}" srcOrd="0" destOrd="0" presId="urn:microsoft.com/office/officeart/2005/8/layout/matrix1"/>
-    <dgm:cxn modelId="{797A5495-0C2E-4990-B05E-B75AD751CE1E}" type="presOf" srcId="{50C3BD8F-FA35-49F1-A571-92963C2C793A}" destId="{D057D4C4-7C7C-437F-9AA7-E77B3A3EC01F}" srcOrd="1" destOrd="0" presId="urn:microsoft.com/office/officeart/2005/8/layout/matrix1"/>
-    <dgm:cxn modelId="{50E8153B-4E47-44FC-B6BE-4CD8520B6BC2}" srcId="{2CA44078-6723-471E-9EE8-E500D68F584B}" destId="{322F7167-D7E5-435C-A8CC-52B42FC6266D}" srcOrd="0" destOrd="0" parTransId="{4F1DB36A-DA11-4FC6-B205-425407F144A3}" sibTransId="{106FF330-C0D9-40BC-91A0-3C43A17B8498}"/>
-    <dgm:cxn modelId="{BB320B12-6487-4989-9CA8-ECD92005A8C1}" type="presOf" srcId="{3EA38FB7-077E-4699-860B-B7481A9FF50F}" destId="{707396D3-4F4C-4E1B-AE8E-A842EB5E2755}" srcOrd="1" destOrd="0" presId="urn:microsoft.com/office/officeart/2005/8/layout/matrix1"/>
-    <dgm:cxn modelId="{E7A28185-E3B0-45A7-85E0-A10425BC2D41}" type="presOf" srcId="{3EA38FB7-077E-4699-860B-B7481A9FF50F}" destId="{C83AB4E9-A066-4C32-9B94-64C1161EA86D}" srcOrd="0" destOrd="0" presId="urn:microsoft.com/office/officeart/2005/8/layout/matrix1"/>
-    <dgm:cxn modelId="{BDB2C959-37C7-4C56-8F10-702F4A7DD51B}" type="presOf" srcId="{322F7167-D7E5-435C-A8CC-52B42FC6266D}" destId="{D5EA20F8-272A-400E-B692-FE1C3CF6C51C}" srcOrd="0" destOrd="0" presId="urn:microsoft.com/office/officeart/2005/8/layout/matrix1"/>
-    <dgm:cxn modelId="{BD74DB50-200D-4700-A3BD-7C0511274F22}" srcId="{322F7167-D7E5-435C-A8CC-52B42FC6266D}" destId="{3EA38FB7-077E-4699-860B-B7481A9FF50F}" srcOrd="1" destOrd="0" parTransId="{4DD7F543-659B-4F40-8415-BF27977ED8CD}" sibTransId="{68EF7038-8C23-4620-9AB0-30A383CCC59B}"/>
     <dgm:cxn modelId="{1767F454-5B5F-474C-BF93-C3BB5ECEBF28}" type="presParOf" srcId="{00F9D2A5-285E-4263-BDA4-C5ECC3BB5457}" destId="{B66C5C42-6939-480F-9798-40DDC3EDD9FB}" srcOrd="0" destOrd="0" presId="urn:microsoft.com/office/officeart/2005/8/layout/matrix1"/>
     <dgm:cxn modelId="{76204FB3-8E05-4F4F-B365-5B87C0DE2A86}" type="presParOf" srcId="{B66C5C42-6939-480F-9798-40DDC3EDD9FB}" destId="{2C465FEE-CF80-4909-804E-3204153E6FF1}" srcOrd="0" destOrd="0" presId="urn:microsoft.com/office/officeart/2005/8/layout/matrix1"/>
     <dgm:cxn modelId="{C1EDFD6D-B385-4009-A8E5-EC6C93564758}" type="presParOf" srcId="{B66C5C42-6939-480F-9798-40DDC3EDD9FB}" destId="{D057D4C4-7C7C-437F-9AA7-E77B3A3EC01F}" srcOrd="1" destOrd="0" presId="urn:microsoft.com/office/officeart/2005/8/layout/matrix1"/>
@@ -1340,14 +1346,14 @@
   <dgm:whole/>
   <dgm:extLst>
     <a:ext uri="http://schemas.microsoft.com/office/drawing/2008/diagram">
-      <dsp:dataModelExt xmlns:dsp="http://schemas.microsoft.com/office/drawing/2008/diagram" relId="rId6" minVer="http://schemas.openxmlformats.org/drawingml/2006/diagram"/>
+      <dsp:dataModelExt xmlns:dsp="http://schemas.microsoft.com/office/drawing/2008/diagram" xmlns="" relId="rId6" minVer="http://schemas.openxmlformats.org/drawingml/2006/diagram"/>
     </a:ext>
   </dgm:extLst>
 </dgm:dataModel>
 </file>
 
 <file path=ppt/diagrams/drawing1.xml><?xml version="1.0" encoding="utf-8"?>
-<dsp:drawing xmlns:dgm="http://schemas.openxmlformats.org/drawingml/2006/diagram" xmlns:dsp="http://schemas.microsoft.com/office/drawing/2008/diagram" xmlns:a="http://schemas.openxmlformats.org/drawingml/2006/main">
+<dsp:drawing xmlns:dgm="http://schemas.openxmlformats.org/drawingml/2006/diagram" xmlns:a="http://schemas.openxmlformats.org/drawingml/2006/main" xmlns:dsp="http://schemas.microsoft.com/office/drawing/2008/diagram">
   <dsp:spTree>
     <dsp:nvGrpSpPr>
       <dsp:cNvPr id="0" name=""/>
@@ -1431,9 +1437,9 @@
           </a:endParaRPr>
         </a:p>
       </dsp:txBody>
-      <dsp:txXfrm rot="5400000">
-        <a:off x="0" y="0"/>
-        <a:ext cx="3048000" cy="1524000"/>
+      <dsp:txXfrm rot="16200000">
+        <a:off x="762000" y="-762000"/>
+        <a:ext cx="1524000" cy="3048000"/>
       </dsp:txXfrm>
     </dsp:sp>
     <dsp:sp modelId="{C83AB4E9-A066-4C32-9B94-64C1161EA86D}">
@@ -1677,9 +1683,9 @@
           </a:endParaRPr>
         </a:p>
       </dsp:txBody>
-      <dsp:txXfrm rot="-5400000">
-        <a:off x="3048000" y="2539999"/>
-        <a:ext cx="3048000" cy="1524000"/>
+      <dsp:txXfrm rot="5400000">
+        <a:off x="3810000" y="1777999"/>
+        <a:ext cx="1524000" cy="3048000"/>
       </dsp:txXfrm>
     </dsp:sp>
     <dsp:sp modelId="{D5EA20F8-272A-400E-B692-FE1C3CF6C51C}">
@@ -1756,8 +1762,8 @@
         </a:p>
       </dsp:txBody>
       <dsp:txXfrm>
-        <a:off x="2183197" y="1573596"/>
-        <a:ext cx="1729606" cy="916806"/>
+        <a:off x="2133600" y="1523999"/>
+        <a:ext cx="1828800" cy="1016000"/>
       </dsp:txXfrm>
     </dsp:sp>
   </dsp:spTree>
@@ -3336,7 +3342,7 @@
     </p:spTree>
     <p:extLst>
       <p:ext uri="{BB962C8B-B14F-4D97-AF65-F5344CB8AC3E}">
-        <p14:creationId xmlns:p14="http://schemas.microsoft.com/office/powerpoint/2010/main" val="4179175705"/>
+        <p14:creationId xmlns:p14="http://schemas.microsoft.com/office/powerpoint/2010/main" xmlns="" val="4179175705"/>
       </p:ext>
     </p:extLst>
   </p:cSld>
@@ -3600,7 +3606,7 @@
     </p:spTree>
     <p:extLst>
       <p:ext uri="{BB962C8B-B14F-4D97-AF65-F5344CB8AC3E}">
-        <p14:creationId xmlns:p14="http://schemas.microsoft.com/office/powerpoint/2010/main" val="1834322205"/>
+        <p14:creationId xmlns:p14="http://schemas.microsoft.com/office/powerpoint/2010/main" xmlns="" val="1834322205"/>
       </p:ext>
     </p:extLst>
   </p:cSld>
@@ -3775,7 +3781,7 @@
     </p:spTree>
     <p:extLst>
       <p:ext uri="{BB962C8B-B14F-4D97-AF65-F5344CB8AC3E}">
-        <p14:creationId xmlns:p14="http://schemas.microsoft.com/office/powerpoint/2010/main" val="824769565"/>
+        <p14:creationId xmlns:p14="http://schemas.microsoft.com/office/powerpoint/2010/main" xmlns="" val="824769565"/>
       </p:ext>
     </p:extLst>
   </p:cSld>
@@ -4206,7 +4212,7 @@
             <a:fld id="{133286C6-4904-4CD0-891D-2F37ADC6A93C}" type="slidenum">
               <a:rPr lang="de-DE" smtClean="0"/>
               <a:pPr/>
-              <a:t>11</a:t>
+              <a:t>15</a:t>
             </a:fld>
             <a:endParaRPr lang="de-DE"/>
           </a:p>
@@ -4288,7 +4294,7 @@
             <a:fld id="{133286C6-4904-4CD0-891D-2F37ADC6A93C}" type="slidenum">
               <a:rPr lang="de-DE" smtClean="0"/>
               <a:pPr/>
-              <a:t>25</a:t>
+              <a:t>31</a:t>
             </a:fld>
             <a:endParaRPr lang="de-DE"/>
           </a:p>
@@ -4370,7 +4376,7 @@
             <a:fld id="{133286C6-4904-4CD0-891D-2F37ADC6A93C}" type="slidenum">
               <a:rPr lang="de-DE" smtClean="0"/>
               <a:pPr/>
-              <a:t>28</a:t>
+              <a:t>34</a:t>
             </a:fld>
             <a:endParaRPr lang="de-DE"/>
           </a:p>
@@ -13995,7 +14001,7 @@
     </p:spTree>
     <p:extLst>
       <p:ext uri="{BB962C8B-B14F-4D97-AF65-F5344CB8AC3E}">
-        <p14:creationId xmlns:p14="http://schemas.microsoft.com/office/powerpoint/2010/main" val="3634760287"/>
+        <p14:creationId xmlns:p14="http://schemas.microsoft.com/office/powerpoint/2010/main" xmlns="" val="3634760287"/>
       </p:ext>
     </p:extLst>
   </p:cSld>
@@ -19350,30 +19356,7 @@
       </p:grpSpPr>
       <p:sp>
         <p:nvSpPr>
-          <p:cNvPr id="5" name="Textplatzhalter 4"/>
-          <p:cNvSpPr>
-            <a:spLocks noGrp="1"/>
-          </p:cNvSpPr>
-          <p:nvPr>
-            <p:ph type="body" sz="quarter" idx="10"/>
-          </p:nvPr>
-        </p:nvSpPr>
-        <p:spPr/>
-        <p:txBody>
-          <a:bodyPr/>
-          <a:lstStyle/>
-          <a:p>
-            <a:r>
-              <a:rPr lang="de-DE" dirty="0" smtClean="0"/>
-              <a:t>2</a:t>
-            </a:r>
-            <a:endParaRPr lang="de-DE" dirty="0"/>
-          </a:p>
-        </p:txBody>
-      </p:sp>
-      <p:sp>
-        <p:nvSpPr>
-          <p:cNvPr id="4" name="Titel 3"/>
+          <p:cNvPr id="2" name="Titel 1"/>
           <p:cNvSpPr>
             <a:spLocks noGrp="1"/>
           </p:cNvSpPr>
@@ -19388,16 +19371,1602 @@
           <a:p>
             <a:r>
               <a:rPr lang="de-DE" dirty="0" smtClean="0"/>
-              <a:t>Was ist </a:t>
+              <a:t>Objekte erstellen mit Groovy</a:t>
+            </a:r>
+            <a:endParaRPr lang="de-DE" dirty="0"/>
+          </a:p>
+        </p:txBody>
+      </p:sp>
+      <p:sp>
+        <p:nvSpPr>
+          <p:cNvPr id="4" name="Textfeld 3"/>
+          <p:cNvSpPr txBox="1"/>
+          <p:nvPr/>
+        </p:nvSpPr>
+        <p:spPr>
+          <a:xfrm>
+            <a:off x="395537" y="1557947"/>
+            <a:ext cx="8352928" cy="4247317"/>
+          </a:xfrm>
+          <a:prstGeom prst="rect">
+            <a:avLst/>
+          </a:prstGeom>
+          <a:noFill/>
+        </p:spPr>
+        <p:txBody>
+          <a:bodyPr wrap="square" rtlCol="0">
+            <a:spAutoFit/>
+          </a:bodyPr>
+          <a:lstStyle/>
+          <a:p>
+            <a:r>
+              <a:rPr lang="de-DE" dirty="0" err="1" smtClean="0">
+                <a:latin typeface="Consolas" pitchFamily="49" charset="0"/>
+                <a:cs typeface="Consolas" pitchFamily="49" charset="0"/>
+              </a:rPr>
+              <a:t>class</a:t>
+            </a:r>
+            <a:r>
+              <a:rPr lang="de-DE" dirty="0" smtClean="0">
+                <a:latin typeface="Consolas" pitchFamily="49" charset="0"/>
+                <a:cs typeface="Consolas" pitchFamily="49" charset="0"/>
+              </a:rPr>
+              <a:t> Person {</a:t>
+            </a:r>
+          </a:p>
+          <a:p>
+            <a:r>
+              <a:rPr lang="de-DE" dirty="0" smtClean="0">
+                <a:latin typeface="Consolas" pitchFamily="49" charset="0"/>
+                <a:cs typeface="Consolas" pitchFamily="49" charset="0"/>
+              </a:rPr>
+              <a:t>    Long </a:t>
+            </a:r>
+            <a:r>
+              <a:rPr lang="de-DE" dirty="0" err="1" smtClean="0">
+                <a:latin typeface="Consolas" pitchFamily="49" charset="0"/>
+                <a:cs typeface="Consolas" pitchFamily="49" charset="0"/>
+              </a:rPr>
+              <a:t>id</a:t>
+            </a:r>
+            <a:endParaRPr lang="de-DE" dirty="0" smtClean="0">
+              <a:latin typeface="Consolas" pitchFamily="49" charset="0"/>
+              <a:cs typeface="Consolas" pitchFamily="49" charset="0"/>
+            </a:endParaRPr>
+          </a:p>
+          <a:p>
+            <a:r>
+              <a:rPr lang="de-DE" dirty="0" smtClean="0">
+                <a:latin typeface="Consolas" pitchFamily="49" charset="0"/>
+                <a:cs typeface="Consolas" pitchFamily="49" charset="0"/>
+              </a:rPr>
+              <a:t>    String </a:t>
+            </a:r>
+            <a:r>
+              <a:rPr lang="de-DE" dirty="0" err="1" smtClean="0">
+                <a:latin typeface="Consolas" pitchFamily="49" charset="0"/>
+                <a:cs typeface="Consolas" pitchFamily="49" charset="0"/>
+              </a:rPr>
+              <a:t>firstName</a:t>
+            </a:r>
+            <a:endParaRPr lang="de-DE" dirty="0" smtClean="0">
+              <a:latin typeface="Consolas" pitchFamily="49" charset="0"/>
+              <a:cs typeface="Consolas" pitchFamily="49" charset="0"/>
+            </a:endParaRPr>
+          </a:p>
+          <a:p>
+            <a:r>
+              <a:rPr lang="de-DE" dirty="0" smtClean="0">
+                <a:latin typeface="Consolas" pitchFamily="49" charset="0"/>
+                <a:cs typeface="Consolas" pitchFamily="49" charset="0"/>
+              </a:rPr>
+              <a:t>    String </a:t>
+            </a:r>
+            <a:r>
+              <a:rPr lang="de-DE" dirty="0" err="1" smtClean="0">
+                <a:latin typeface="Consolas" pitchFamily="49" charset="0"/>
+                <a:cs typeface="Consolas" pitchFamily="49" charset="0"/>
+              </a:rPr>
+              <a:t>lastName</a:t>
+            </a:r>
+            <a:endParaRPr lang="de-DE" dirty="0" smtClean="0">
+              <a:latin typeface="Consolas" pitchFamily="49" charset="0"/>
+              <a:cs typeface="Consolas" pitchFamily="49" charset="0"/>
+            </a:endParaRPr>
+          </a:p>
+          <a:p>
+            <a:r>
+              <a:rPr lang="de-DE" dirty="0" smtClean="0">
+                <a:latin typeface="Consolas" pitchFamily="49" charset="0"/>
+                <a:cs typeface="Consolas" pitchFamily="49" charset="0"/>
+              </a:rPr>
+              <a:t>}</a:t>
+            </a:r>
+          </a:p>
+          <a:p>
+            <a:endParaRPr lang="de-DE" dirty="0" smtClean="0">
+              <a:latin typeface="Consolas" pitchFamily="49" charset="0"/>
+              <a:cs typeface="Consolas" pitchFamily="49" charset="0"/>
+            </a:endParaRPr>
+          </a:p>
+          <a:p>
+            <a:r>
+              <a:rPr lang="de-DE" dirty="0" err="1" smtClean="0">
+                <a:latin typeface="Consolas" pitchFamily="49" charset="0"/>
+                <a:cs typeface="Consolas" pitchFamily="49" charset="0"/>
+              </a:rPr>
+              <a:t>def</a:t>
+            </a:r>
+            <a:r>
+              <a:rPr lang="de-DE" dirty="0" smtClean="0">
+                <a:latin typeface="Consolas" pitchFamily="49" charset="0"/>
+                <a:cs typeface="Consolas" pitchFamily="49" charset="0"/>
+              </a:rPr>
+              <a:t> </a:t>
+            </a:r>
+            <a:r>
+              <a:rPr lang="de-DE" dirty="0" err="1" smtClean="0">
+                <a:latin typeface="Consolas" pitchFamily="49" charset="0"/>
+                <a:cs typeface="Consolas" pitchFamily="49" charset="0"/>
+              </a:rPr>
+              <a:t>person</a:t>
+            </a:r>
+            <a:r>
+              <a:rPr lang="de-DE" dirty="0" smtClean="0">
+                <a:latin typeface="Consolas" pitchFamily="49" charset="0"/>
+                <a:cs typeface="Consolas" pitchFamily="49" charset="0"/>
+              </a:rPr>
+              <a:t> = </a:t>
+            </a:r>
+            <a:r>
+              <a:rPr lang="de-DE" dirty="0" err="1" smtClean="0">
+                <a:latin typeface="Consolas" pitchFamily="49" charset="0"/>
+                <a:cs typeface="Consolas" pitchFamily="49" charset="0"/>
+              </a:rPr>
+              <a:t>new</a:t>
+            </a:r>
+            <a:r>
+              <a:rPr lang="de-DE" dirty="0" smtClean="0">
+                <a:latin typeface="Consolas" pitchFamily="49" charset="0"/>
+                <a:cs typeface="Consolas" pitchFamily="49" charset="0"/>
+              </a:rPr>
+              <a:t> </a:t>
+            </a:r>
+            <a:r>
+              <a:rPr lang="de-DE" dirty="0" smtClean="0">
+                <a:latin typeface="Consolas" pitchFamily="49" charset="0"/>
+                <a:cs typeface="Consolas" pitchFamily="49" charset="0"/>
+              </a:rPr>
+              <a:t>Person(</a:t>
+            </a:r>
+          </a:p>
+          <a:p>
+            <a:r>
+              <a:rPr lang="de-DE" dirty="0" smtClean="0">
+                <a:latin typeface="Consolas" pitchFamily="49" charset="0"/>
+                <a:cs typeface="Consolas" pitchFamily="49" charset="0"/>
+              </a:rPr>
+              <a:t>        </a:t>
+            </a:r>
+            <a:r>
+              <a:rPr lang="de-DE" dirty="0" err="1" smtClean="0">
+                <a:latin typeface="Consolas" pitchFamily="49" charset="0"/>
+                <a:cs typeface="Consolas" pitchFamily="49" charset="0"/>
+              </a:rPr>
+              <a:t>id</a:t>
+            </a:r>
+            <a:r>
+              <a:rPr lang="de-DE" dirty="0" smtClean="0">
+                <a:latin typeface="Consolas" pitchFamily="49" charset="0"/>
+                <a:cs typeface="Consolas" pitchFamily="49" charset="0"/>
+              </a:rPr>
+              <a:t>: </a:t>
+            </a:r>
+            <a:r>
+              <a:rPr lang="de-DE" dirty="0" smtClean="0">
+                <a:latin typeface="Consolas" pitchFamily="49" charset="0"/>
+                <a:cs typeface="Consolas" pitchFamily="49" charset="0"/>
+              </a:rPr>
+              <a:t>1,</a:t>
+            </a:r>
+          </a:p>
+          <a:p>
+            <a:r>
+              <a:rPr lang="de-DE" dirty="0" smtClean="0">
+                <a:latin typeface="Consolas" pitchFamily="49" charset="0"/>
+                <a:cs typeface="Consolas" pitchFamily="49" charset="0"/>
+              </a:rPr>
+              <a:t> </a:t>
+            </a:r>
+            <a:r>
+              <a:rPr lang="de-DE" dirty="0" smtClean="0">
+                <a:latin typeface="Consolas" pitchFamily="49" charset="0"/>
+                <a:cs typeface="Consolas" pitchFamily="49" charset="0"/>
+              </a:rPr>
+              <a:t>       </a:t>
+            </a:r>
+            <a:r>
+              <a:rPr lang="de-DE" dirty="0" err="1" smtClean="0">
+                <a:latin typeface="Consolas" pitchFamily="49" charset="0"/>
+                <a:cs typeface="Consolas" pitchFamily="49" charset="0"/>
+              </a:rPr>
+              <a:t>firstName</a:t>
+            </a:r>
+            <a:r>
+              <a:rPr lang="de-DE" dirty="0" smtClean="0">
+                <a:latin typeface="Consolas" pitchFamily="49" charset="0"/>
+                <a:cs typeface="Consolas" pitchFamily="49" charset="0"/>
+              </a:rPr>
+              <a:t>: </a:t>
+            </a:r>
+            <a:r>
+              <a:rPr lang="de-DE" dirty="0" smtClean="0">
+                <a:latin typeface="Consolas" pitchFamily="49" charset="0"/>
+                <a:cs typeface="Consolas" pitchFamily="49" charset="0"/>
+              </a:rPr>
+              <a:t>'Fred',</a:t>
+            </a:r>
+          </a:p>
+          <a:p>
+            <a:r>
+              <a:rPr lang="de-DE" dirty="0" smtClean="0">
+                <a:latin typeface="Consolas" pitchFamily="49" charset="0"/>
+                <a:cs typeface="Consolas" pitchFamily="49" charset="0"/>
+              </a:rPr>
+              <a:t> </a:t>
+            </a:r>
+            <a:r>
+              <a:rPr lang="de-DE" dirty="0" smtClean="0">
+                <a:latin typeface="Consolas" pitchFamily="49" charset="0"/>
+                <a:cs typeface="Consolas" pitchFamily="49" charset="0"/>
+              </a:rPr>
+              <a:t>       </a:t>
+            </a:r>
+            <a:r>
+              <a:rPr lang="de-DE" dirty="0" err="1" smtClean="0">
+                <a:latin typeface="Consolas" pitchFamily="49" charset="0"/>
+                <a:cs typeface="Consolas" pitchFamily="49" charset="0"/>
+              </a:rPr>
+              <a:t>lastName</a:t>
+            </a:r>
+            <a:r>
+              <a:rPr lang="de-DE" dirty="0" smtClean="0">
+                <a:latin typeface="Consolas" pitchFamily="49" charset="0"/>
+                <a:cs typeface="Consolas" pitchFamily="49" charset="0"/>
+              </a:rPr>
+              <a:t>: </a:t>
+            </a:r>
+            <a:r>
+              <a:rPr lang="de-DE" dirty="0" smtClean="0">
+                <a:latin typeface="Consolas" pitchFamily="49" charset="0"/>
+                <a:cs typeface="Consolas" pitchFamily="49" charset="0"/>
+              </a:rPr>
+              <a:t>'Feuerstein'</a:t>
+            </a:r>
+          </a:p>
+          <a:p>
+            <a:r>
+              <a:rPr lang="de-DE" dirty="0" smtClean="0">
+                <a:latin typeface="Consolas" pitchFamily="49" charset="0"/>
+                <a:cs typeface="Consolas" pitchFamily="49" charset="0"/>
+              </a:rPr>
+              <a:t>)</a:t>
+            </a:r>
+            <a:endParaRPr lang="de-DE" dirty="0" smtClean="0">
+              <a:latin typeface="Consolas" pitchFamily="49" charset="0"/>
+              <a:cs typeface="Consolas" pitchFamily="49" charset="0"/>
+            </a:endParaRPr>
+          </a:p>
+          <a:p>
+            <a:endParaRPr lang="de-DE" dirty="0" smtClean="0">
+              <a:latin typeface="Consolas" pitchFamily="49" charset="0"/>
+              <a:cs typeface="Consolas" pitchFamily="49" charset="0"/>
+            </a:endParaRPr>
+          </a:p>
+          <a:p>
+            <a:r>
+              <a:rPr lang="de-DE" dirty="0" err="1" smtClean="0">
+                <a:latin typeface="Consolas" pitchFamily="49" charset="0"/>
+                <a:cs typeface="Consolas" pitchFamily="49" charset="0"/>
+              </a:rPr>
+              <a:t>assert</a:t>
+            </a:r>
+            <a:r>
+              <a:rPr lang="de-DE" dirty="0" smtClean="0">
+                <a:latin typeface="Consolas" pitchFamily="49" charset="0"/>
+                <a:cs typeface="Consolas" pitchFamily="49" charset="0"/>
+              </a:rPr>
+              <a:t> person.id == 1</a:t>
+            </a:r>
+          </a:p>
+          <a:p>
+            <a:r>
+              <a:rPr lang="de-DE" dirty="0" err="1" smtClean="0">
+                <a:latin typeface="Consolas" pitchFamily="49" charset="0"/>
+                <a:cs typeface="Consolas" pitchFamily="49" charset="0"/>
+              </a:rPr>
+              <a:t>assert</a:t>
+            </a:r>
+            <a:r>
+              <a:rPr lang="de-DE" dirty="0" smtClean="0">
+                <a:latin typeface="Consolas" pitchFamily="49" charset="0"/>
+                <a:cs typeface="Consolas" pitchFamily="49" charset="0"/>
+              </a:rPr>
+              <a:t> </a:t>
+            </a:r>
+            <a:r>
+              <a:rPr lang="de-DE" dirty="0" err="1" smtClean="0">
+                <a:latin typeface="Consolas" pitchFamily="49" charset="0"/>
+                <a:cs typeface="Consolas" pitchFamily="49" charset="0"/>
+              </a:rPr>
+              <a:t>person.firstName</a:t>
+            </a:r>
+            <a:r>
+              <a:rPr lang="de-DE" dirty="0" smtClean="0">
+                <a:latin typeface="Consolas" pitchFamily="49" charset="0"/>
+                <a:cs typeface="Consolas" pitchFamily="49" charset="0"/>
+              </a:rPr>
+              <a:t> == 'Fred'</a:t>
+            </a:r>
+          </a:p>
+          <a:p>
+            <a:r>
+              <a:rPr lang="de-DE" dirty="0" err="1" smtClean="0">
+                <a:latin typeface="Consolas" pitchFamily="49" charset="0"/>
+                <a:cs typeface="Consolas" pitchFamily="49" charset="0"/>
+              </a:rPr>
+              <a:t>assert</a:t>
+            </a:r>
+            <a:r>
+              <a:rPr lang="de-DE" dirty="0" smtClean="0">
+                <a:latin typeface="Consolas" pitchFamily="49" charset="0"/>
+                <a:cs typeface="Consolas" pitchFamily="49" charset="0"/>
+              </a:rPr>
+              <a:t> </a:t>
+            </a:r>
+            <a:r>
+              <a:rPr lang="de-DE" dirty="0" err="1" smtClean="0">
+                <a:latin typeface="Consolas" pitchFamily="49" charset="0"/>
+                <a:cs typeface="Consolas" pitchFamily="49" charset="0"/>
+              </a:rPr>
+              <a:t>person.lastName</a:t>
+            </a:r>
+            <a:r>
+              <a:rPr lang="de-DE" dirty="0" smtClean="0">
+                <a:latin typeface="Consolas" pitchFamily="49" charset="0"/>
+                <a:cs typeface="Consolas" pitchFamily="49" charset="0"/>
+              </a:rPr>
+              <a:t> == 'Feuerstein'</a:t>
+            </a:r>
+            <a:endParaRPr lang="de-DE" dirty="0">
+              <a:latin typeface="Consolas" pitchFamily="49" charset="0"/>
+              <a:cs typeface="Consolas" pitchFamily="49" charset="0"/>
+            </a:endParaRPr>
+          </a:p>
+        </p:txBody>
+      </p:sp>
+    </p:spTree>
+  </p:cSld>
+  <p:clrMapOvr>
+    <a:masterClrMapping/>
+  </p:clrMapOvr>
+  <p:transition spd="slow" advTm="10000"/>
+</p:sld>
+</file>
+
+<file path=ppt/slides/slide11.xml><?xml version="1.0" encoding="utf-8"?>
+<p:sld xmlns:a="http://schemas.openxmlformats.org/drawingml/2006/main" xmlns:r="http://schemas.openxmlformats.org/officeDocument/2006/relationships" xmlns:p="http://schemas.openxmlformats.org/presentationml/2006/main">
+  <p:cSld>
+    <p:spTree>
+      <p:nvGrpSpPr>
+        <p:cNvPr id="1" name=""/>
+        <p:cNvGrpSpPr/>
+        <p:nvPr/>
+      </p:nvGrpSpPr>
+      <p:grpSpPr>
+        <a:xfrm>
+          <a:off x="0" y="0"/>
+          <a:ext cx="0" cy="0"/>
+          <a:chOff x="0" y="0"/>
+          <a:chExt cx="0" cy="0"/>
+        </a:xfrm>
+      </p:grpSpPr>
+      <p:sp>
+        <p:nvSpPr>
+          <p:cNvPr id="2" name="Titel 1"/>
+          <p:cNvSpPr>
+            <a:spLocks noGrp="1"/>
+          </p:cNvSpPr>
+          <p:nvPr>
+            <p:ph type="title"/>
+          </p:nvPr>
+        </p:nvSpPr>
+        <p:spPr/>
+        <p:txBody>
+          <a:bodyPr/>
+          <a:lstStyle/>
+          <a:p>
+            <a:r>
+              <a:rPr lang="de-DE" dirty="0" smtClean="0"/>
+              <a:t>AST-Transformationen mit Groovy</a:t>
+            </a:r>
+            <a:endParaRPr lang="de-DE" dirty="0"/>
+          </a:p>
+        </p:txBody>
+      </p:sp>
+      <p:sp>
+        <p:nvSpPr>
+          <p:cNvPr id="4" name="Textfeld 3"/>
+          <p:cNvSpPr txBox="1"/>
+          <p:nvPr/>
+        </p:nvSpPr>
+        <p:spPr>
+          <a:xfrm>
+            <a:off x="395537" y="1557947"/>
+            <a:ext cx="8352928" cy="4247317"/>
+          </a:xfrm>
+          <a:prstGeom prst="rect">
+            <a:avLst/>
+          </a:prstGeom>
+          <a:noFill/>
+        </p:spPr>
+        <p:txBody>
+          <a:bodyPr wrap="square" rtlCol="0">
+            <a:spAutoFit/>
+          </a:bodyPr>
+          <a:lstStyle/>
+          <a:p>
+            <a:r>
+              <a:rPr lang="de-DE" dirty="0" smtClean="0">
+                <a:latin typeface="Consolas" pitchFamily="49" charset="0"/>
+                <a:cs typeface="Consolas" pitchFamily="49" charset="0"/>
+              </a:rPr>
+              <a:t>@</a:t>
+            </a:r>
+            <a:r>
+              <a:rPr lang="de-DE" dirty="0" err="1" smtClean="0">
+                <a:latin typeface="Consolas" pitchFamily="49" charset="0"/>
+                <a:cs typeface="Consolas" pitchFamily="49" charset="0"/>
+              </a:rPr>
+              <a:t>groovy.transform.ToString</a:t>
+            </a:r>
+            <a:endParaRPr lang="de-DE" dirty="0" smtClean="0">
+              <a:latin typeface="Consolas" pitchFamily="49" charset="0"/>
+              <a:cs typeface="Consolas" pitchFamily="49" charset="0"/>
+            </a:endParaRPr>
+          </a:p>
+          <a:p>
+            <a:r>
+              <a:rPr lang="de-DE" dirty="0" err="1" smtClean="0">
+                <a:latin typeface="Consolas" pitchFamily="49" charset="0"/>
+                <a:cs typeface="Consolas" pitchFamily="49" charset="0"/>
+              </a:rPr>
+              <a:t>class</a:t>
+            </a:r>
+            <a:r>
+              <a:rPr lang="de-DE" dirty="0" smtClean="0">
+                <a:latin typeface="Consolas" pitchFamily="49" charset="0"/>
+                <a:cs typeface="Consolas" pitchFamily="49" charset="0"/>
+              </a:rPr>
+              <a:t> Person {</a:t>
+            </a:r>
+          </a:p>
+          <a:p>
+            <a:r>
+              <a:rPr lang="de-DE" dirty="0" smtClean="0">
+                <a:latin typeface="Consolas" pitchFamily="49" charset="0"/>
+                <a:cs typeface="Consolas" pitchFamily="49" charset="0"/>
+              </a:rPr>
+              <a:t>    Long </a:t>
+            </a:r>
+            <a:r>
+              <a:rPr lang="de-DE" dirty="0" err="1" smtClean="0">
+                <a:latin typeface="Consolas" pitchFamily="49" charset="0"/>
+                <a:cs typeface="Consolas" pitchFamily="49" charset="0"/>
+              </a:rPr>
+              <a:t>id</a:t>
+            </a:r>
+            <a:endParaRPr lang="de-DE" dirty="0" smtClean="0">
+              <a:latin typeface="Consolas" pitchFamily="49" charset="0"/>
+              <a:cs typeface="Consolas" pitchFamily="49" charset="0"/>
+            </a:endParaRPr>
+          </a:p>
+          <a:p>
+            <a:r>
+              <a:rPr lang="de-DE" dirty="0" smtClean="0">
+                <a:latin typeface="Consolas" pitchFamily="49" charset="0"/>
+                <a:cs typeface="Consolas" pitchFamily="49" charset="0"/>
+              </a:rPr>
+              <a:t>    String </a:t>
+            </a:r>
+            <a:r>
+              <a:rPr lang="de-DE" dirty="0" err="1" smtClean="0">
+                <a:latin typeface="Consolas" pitchFamily="49" charset="0"/>
+                <a:cs typeface="Consolas" pitchFamily="49" charset="0"/>
+              </a:rPr>
+              <a:t>firstName</a:t>
+            </a:r>
+            <a:endParaRPr lang="de-DE" dirty="0" smtClean="0">
+              <a:latin typeface="Consolas" pitchFamily="49" charset="0"/>
+              <a:cs typeface="Consolas" pitchFamily="49" charset="0"/>
+            </a:endParaRPr>
+          </a:p>
+          <a:p>
+            <a:r>
+              <a:rPr lang="de-DE" dirty="0" smtClean="0">
+                <a:latin typeface="Consolas" pitchFamily="49" charset="0"/>
+                <a:cs typeface="Consolas" pitchFamily="49" charset="0"/>
+              </a:rPr>
+              <a:t>    String </a:t>
+            </a:r>
+            <a:r>
+              <a:rPr lang="de-DE" dirty="0" err="1" smtClean="0">
+                <a:latin typeface="Consolas" pitchFamily="49" charset="0"/>
+                <a:cs typeface="Consolas" pitchFamily="49" charset="0"/>
+              </a:rPr>
+              <a:t>lastName</a:t>
+            </a:r>
+            <a:endParaRPr lang="de-DE" dirty="0" smtClean="0">
+              <a:latin typeface="Consolas" pitchFamily="49" charset="0"/>
+              <a:cs typeface="Consolas" pitchFamily="49" charset="0"/>
+            </a:endParaRPr>
+          </a:p>
+          <a:p>
+            <a:r>
+              <a:rPr lang="de-DE" dirty="0" smtClean="0">
+                <a:latin typeface="Consolas" pitchFamily="49" charset="0"/>
+                <a:cs typeface="Consolas" pitchFamily="49" charset="0"/>
+              </a:rPr>
+              <a:t>}</a:t>
+            </a:r>
+          </a:p>
+          <a:p>
+            <a:endParaRPr lang="de-DE" dirty="0" smtClean="0">
+              <a:latin typeface="Consolas" pitchFamily="49" charset="0"/>
+              <a:cs typeface="Consolas" pitchFamily="49" charset="0"/>
+            </a:endParaRPr>
+          </a:p>
+          <a:p>
+            <a:r>
+              <a:rPr lang="de-DE" dirty="0" err="1" smtClean="0">
+                <a:latin typeface="Consolas" pitchFamily="49" charset="0"/>
+                <a:cs typeface="Consolas" pitchFamily="49" charset="0"/>
+              </a:rPr>
+              <a:t>def</a:t>
+            </a:r>
+            <a:r>
+              <a:rPr lang="de-DE" dirty="0" smtClean="0">
+                <a:latin typeface="Consolas" pitchFamily="49" charset="0"/>
+                <a:cs typeface="Consolas" pitchFamily="49" charset="0"/>
+              </a:rPr>
+              <a:t> </a:t>
+            </a:r>
+            <a:r>
+              <a:rPr lang="de-DE" dirty="0" err="1" smtClean="0">
+                <a:latin typeface="Consolas" pitchFamily="49" charset="0"/>
+                <a:cs typeface="Consolas" pitchFamily="49" charset="0"/>
+              </a:rPr>
+              <a:t>person</a:t>
+            </a:r>
+            <a:r>
+              <a:rPr lang="de-DE" dirty="0" smtClean="0">
+                <a:latin typeface="Consolas" pitchFamily="49" charset="0"/>
+                <a:cs typeface="Consolas" pitchFamily="49" charset="0"/>
+              </a:rPr>
+              <a:t> = </a:t>
+            </a:r>
+            <a:r>
+              <a:rPr lang="de-DE" dirty="0" err="1" smtClean="0">
+                <a:latin typeface="Consolas" pitchFamily="49" charset="0"/>
+                <a:cs typeface="Consolas" pitchFamily="49" charset="0"/>
+              </a:rPr>
+              <a:t>new</a:t>
+            </a:r>
+            <a:r>
+              <a:rPr lang="de-DE" dirty="0" smtClean="0">
+                <a:latin typeface="Consolas" pitchFamily="49" charset="0"/>
+                <a:cs typeface="Consolas" pitchFamily="49" charset="0"/>
+              </a:rPr>
+              <a:t> Person().</a:t>
+            </a:r>
+            <a:r>
+              <a:rPr lang="de-DE" dirty="0" err="1" smtClean="0">
+                <a:latin typeface="Consolas" pitchFamily="49" charset="0"/>
+                <a:cs typeface="Consolas" pitchFamily="49" charset="0"/>
+              </a:rPr>
+              <a:t>with</a:t>
+            </a:r>
+            <a:r>
+              <a:rPr lang="de-DE" dirty="0" smtClean="0">
+                <a:latin typeface="Consolas" pitchFamily="49" charset="0"/>
+                <a:cs typeface="Consolas" pitchFamily="49" charset="0"/>
+              </a:rPr>
+              <a:t> {</a:t>
+            </a:r>
+          </a:p>
+          <a:p>
+            <a:r>
+              <a:rPr lang="de-DE" dirty="0" smtClean="0">
+                <a:latin typeface="Consolas" pitchFamily="49" charset="0"/>
+                <a:cs typeface="Consolas" pitchFamily="49" charset="0"/>
+              </a:rPr>
+              <a:t>    </a:t>
+            </a:r>
+            <a:r>
+              <a:rPr lang="de-DE" dirty="0" err="1" smtClean="0">
+                <a:latin typeface="Consolas" pitchFamily="49" charset="0"/>
+                <a:cs typeface="Consolas" pitchFamily="49" charset="0"/>
+              </a:rPr>
+              <a:t>id</a:t>
+            </a:r>
+            <a:r>
+              <a:rPr lang="de-DE" dirty="0" smtClean="0">
+                <a:latin typeface="Consolas" pitchFamily="49" charset="0"/>
+                <a:cs typeface="Consolas" pitchFamily="49" charset="0"/>
+              </a:rPr>
+              <a:t> = 1</a:t>
+            </a:r>
+          </a:p>
+          <a:p>
+            <a:r>
+              <a:rPr lang="de-DE" dirty="0" smtClean="0">
+                <a:latin typeface="Consolas" pitchFamily="49" charset="0"/>
+                <a:cs typeface="Consolas" pitchFamily="49" charset="0"/>
+              </a:rPr>
+              <a:t>    </a:t>
+            </a:r>
+            <a:r>
+              <a:rPr lang="de-DE" dirty="0" err="1" smtClean="0">
+                <a:latin typeface="Consolas" pitchFamily="49" charset="0"/>
+                <a:cs typeface="Consolas" pitchFamily="49" charset="0"/>
+              </a:rPr>
+              <a:t>firstName</a:t>
+            </a:r>
+            <a:r>
+              <a:rPr lang="de-DE" dirty="0" smtClean="0">
+                <a:latin typeface="Consolas" pitchFamily="49" charset="0"/>
+                <a:cs typeface="Consolas" pitchFamily="49" charset="0"/>
+              </a:rPr>
+              <a:t> = 'Fred'</a:t>
+            </a:r>
+          </a:p>
+          <a:p>
+            <a:r>
+              <a:rPr lang="de-DE" dirty="0" smtClean="0">
+                <a:latin typeface="Consolas" pitchFamily="49" charset="0"/>
+                <a:cs typeface="Consolas" pitchFamily="49" charset="0"/>
+              </a:rPr>
+              <a:t>    </a:t>
+            </a:r>
+            <a:r>
+              <a:rPr lang="de-DE" dirty="0" err="1" smtClean="0">
+                <a:latin typeface="Consolas" pitchFamily="49" charset="0"/>
+                <a:cs typeface="Consolas" pitchFamily="49" charset="0"/>
+              </a:rPr>
+              <a:t>lastName</a:t>
+            </a:r>
+            <a:r>
+              <a:rPr lang="de-DE" dirty="0" smtClean="0">
+                <a:latin typeface="Consolas" pitchFamily="49" charset="0"/>
+                <a:cs typeface="Consolas" pitchFamily="49" charset="0"/>
+              </a:rPr>
+              <a:t> = 'Feuerstein'</a:t>
+            </a:r>
+          </a:p>
+          <a:p>
+            <a:r>
+              <a:rPr lang="de-DE" dirty="0" smtClean="0">
+                <a:latin typeface="Consolas" pitchFamily="49" charset="0"/>
+                <a:cs typeface="Consolas" pitchFamily="49" charset="0"/>
+              </a:rPr>
+              <a:t>    </a:t>
+            </a:r>
+            <a:r>
+              <a:rPr lang="de-DE" dirty="0" err="1" smtClean="0">
+                <a:latin typeface="Consolas" pitchFamily="49" charset="0"/>
+                <a:cs typeface="Consolas" pitchFamily="49" charset="0"/>
+              </a:rPr>
+              <a:t>delegate</a:t>
+            </a:r>
+            <a:endParaRPr lang="de-DE" dirty="0" smtClean="0">
+              <a:latin typeface="Consolas" pitchFamily="49" charset="0"/>
+              <a:cs typeface="Consolas" pitchFamily="49" charset="0"/>
+            </a:endParaRPr>
+          </a:p>
+          <a:p>
+            <a:r>
+              <a:rPr lang="de-DE" dirty="0" smtClean="0">
+                <a:latin typeface="Consolas" pitchFamily="49" charset="0"/>
+                <a:cs typeface="Consolas" pitchFamily="49" charset="0"/>
+              </a:rPr>
+              <a:t>}</a:t>
+            </a:r>
+          </a:p>
+          <a:p>
+            <a:endParaRPr lang="de-DE" dirty="0" smtClean="0">
+              <a:latin typeface="Consolas" pitchFamily="49" charset="0"/>
+              <a:cs typeface="Consolas" pitchFamily="49" charset="0"/>
+            </a:endParaRPr>
+          </a:p>
+          <a:p>
+            <a:r>
+              <a:rPr lang="de-DE" dirty="0" err="1" smtClean="0">
+                <a:latin typeface="Consolas" pitchFamily="49" charset="0"/>
+                <a:cs typeface="Consolas" pitchFamily="49" charset="0"/>
+              </a:rPr>
+              <a:t>assert</a:t>
+            </a:r>
+            <a:r>
+              <a:rPr lang="de-DE" dirty="0" smtClean="0">
+                <a:latin typeface="Consolas" pitchFamily="49" charset="0"/>
+                <a:cs typeface="Consolas" pitchFamily="49" charset="0"/>
+              </a:rPr>
+              <a:t> 'Person(1, Fred, Feuerstein)' == </a:t>
+            </a:r>
+            <a:r>
+              <a:rPr lang="de-DE" dirty="0" err="1" smtClean="0">
+                <a:latin typeface="Consolas" pitchFamily="49" charset="0"/>
+                <a:cs typeface="Consolas" pitchFamily="49" charset="0"/>
+              </a:rPr>
+              <a:t>person.toString</a:t>
+            </a:r>
+            <a:r>
+              <a:rPr lang="de-DE" dirty="0" smtClean="0">
+                <a:latin typeface="Consolas" pitchFamily="49" charset="0"/>
+                <a:cs typeface="Consolas" pitchFamily="49" charset="0"/>
+              </a:rPr>
+              <a:t>()</a:t>
+            </a:r>
+            <a:endParaRPr lang="de-DE" dirty="0">
+              <a:latin typeface="Consolas" pitchFamily="49" charset="0"/>
+              <a:cs typeface="Consolas" pitchFamily="49" charset="0"/>
+            </a:endParaRPr>
+          </a:p>
+        </p:txBody>
+      </p:sp>
+    </p:spTree>
+  </p:cSld>
+  <p:clrMapOvr>
+    <a:masterClrMapping/>
+  </p:clrMapOvr>
+  <p:transition spd="slow" advTm="10000"/>
+</p:sld>
+</file>
+
+<file path=ppt/slides/slide12.xml><?xml version="1.0" encoding="utf-8"?>
+<p:sld xmlns:a="http://schemas.openxmlformats.org/drawingml/2006/main" xmlns:r="http://schemas.openxmlformats.org/officeDocument/2006/relationships" xmlns:p="http://schemas.openxmlformats.org/presentationml/2006/main">
+  <p:cSld>
+    <p:spTree>
+      <p:nvGrpSpPr>
+        <p:cNvPr id="1" name=""/>
+        <p:cNvGrpSpPr/>
+        <p:nvPr/>
+      </p:nvGrpSpPr>
+      <p:grpSpPr>
+        <a:xfrm>
+          <a:off x="0" y="0"/>
+          <a:ext cx="0" cy="0"/>
+          <a:chOff x="0" y="0"/>
+          <a:chExt cx="0" cy="0"/>
+        </a:xfrm>
+      </p:grpSpPr>
+      <p:sp>
+        <p:nvSpPr>
+          <p:cNvPr id="2" name="Titel 1"/>
+          <p:cNvSpPr>
+            <a:spLocks noGrp="1"/>
+          </p:cNvSpPr>
+          <p:nvPr>
+            <p:ph type="title"/>
+          </p:nvPr>
+        </p:nvSpPr>
+        <p:spPr/>
+        <p:txBody>
+          <a:bodyPr/>
+          <a:lstStyle/>
+          <a:p>
+            <a:r>
+              <a:rPr lang="de-DE" dirty="0" smtClean="0"/>
+              <a:t>Operationen auf </a:t>
             </a:r>
             <a:r>
               <a:rPr lang="de-DE" dirty="0" err="1" smtClean="0"/>
-              <a:t>Grails</a:t>
+              <a:t>Collections</a:t>
             </a:r>
             <a:r>
               <a:rPr lang="de-DE" dirty="0" smtClean="0"/>
-              <a:t>?</a:t>
-            </a:r>
+              <a:t> mit Groovy</a:t>
+            </a:r>
+            <a:endParaRPr lang="de-DE" dirty="0"/>
+          </a:p>
+        </p:txBody>
+      </p:sp>
+      <p:sp>
+        <p:nvSpPr>
+          <p:cNvPr id="4" name="Textfeld 3"/>
+          <p:cNvSpPr txBox="1"/>
+          <p:nvPr/>
+        </p:nvSpPr>
+        <p:spPr>
+          <a:xfrm>
+            <a:off x="395537" y="1268760"/>
+            <a:ext cx="8352928" cy="4770537"/>
+          </a:xfrm>
+          <a:prstGeom prst="rect">
+            <a:avLst/>
+          </a:prstGeom>
+          <a:noFill/>
+        </p:spPr>
+        <p:txBody>
+          <a:bodyPr wrap="square" rtlCol="0">
+            <a:spAutoFit/>
+          </a:bodyPr>
+          <a:lstStyle/>
+          <a:p>
+            <a:r>
+              <a:rPr lang="de-DE" sz="1600" dirty="0" err="1" smtClean="0">
+                <a:latin typeface="Consolas" pitchFamily="49" charset="0"/>
+                <a:cs typeface="Consolas" pitchFamily="49" charset="0"/>
+              </a:rPr>
+              <a:t>class</a:t>
+            </a:r>
+            <a:r>
+              <a:rPr lang="de-DE" sz="1600" dirty="0" smtClean="0">
+                <a:latin typeface="Consolas" pitchFamily="49" charset="0"/>
+                <a:cs typeface="Consolas" pitchFamily="49" charset="0"/>
+              </a:rPr>
+              <a:t> Person {</a:t>
+            </a:r>
+          </a:p>
+          <a:p>
+            <a:r>
+              <a:rPr lang="de-DE" sz="1600" dirty="0" smtClean="0">
+                <a:latin typeface="Consolas" pitchFamily="49" charset="0"/>
+                <a:cs typeface="Consolas" pitchFamily="49" charset="0"/>
+              </a:rPr>
+              <a:t>    Long </a:t>
+            </a:r>
+            <a:r>
+              <a:rPr lang="de-DE" sz="1600" dirty="0" err="1" smtClean="0">
+                <a:latin typeface="Consolas" pitchFamily="49" charset="0"/>
+                <a:cs typeface="Consolas" pitchFamily="49" charset="0"/>
+              </a:rPr>
+              <a:t>id</a:t>
+            </a:r>
+            <a:endParaRPr lang="de-DE" sz="1600" dirty="0" smtClean="0">
+              <a:latin typeface="Consolas" pitchFamily="49" charset="0"/>
+              <a:cs typeface="Consolas" pitchFamily="49" charset="0"/>
+            </a:endParaRPr>
+          </a:p>
+          <a:p>
+            <a:r>
+              <a:rPr lang="de-DE" sz="1600" dirty="0" smtClean="0">
+                <a:latin typeface="Consolas" pitchFamily="49" charset="0"/>
+                <a:cs typeface="Consolas" pitchFamily="49" charset="0"/>
+              </a:rPr>
+              <a:t>    String </a:t>
+            </a:r>
+            <a:r>
+              <a:rPr lang="de-DE" sz="1600" dirty="0" err="1" smtClean="0">
+                <a:latin typeface="Consolas" pitchFamily="49" charset="0"/>
+                <a:cs typeface="Consolas" pitchFamily="49" charset="0"/>
+              </a:rPr>
+              <a:t>firstName</a:t>
+            </a:r>
+            <a:endParaRPr lang="de-DE" sz="1600" dirty="0" smtClean="0">
+              <a:latin typeface="Consolas" pitchFamily="49" charset="0"/>
+              <a:cs typeface="Consolas" pitchFamily="49" charset="0"/>
+            </a:endParaRPr>
+          </a:p>
+          <a:p>
+            <a:r>
+              <a:rPr lang="de-DE" sz="1600" dirty="0" smtClean="0">
+                <a:latin typeface="Consolas" pitchFamily="49" charset="0"/>
+                <a:cs typeface="Consolas" pitchFamily="49" charset="0"/>
+              </a:rPr>
+              <a:t>    String </a:t>
+            </a:r>
+            <a:r>
+              <a:rPr lang="de-DE" sz="1600" dirty="0" err="1" smtClean="0">
+                <a:latin typeface="Consolas" pitchFamily="49" charset="0"/>
+                <a:cs typeface="Consolas" pitchFamily="49" charset="0"/>
+              </a:rPr>
+              <a:t>lastName</a:t>
+            </a:r>
+            <a:endParaRPr lang="de-DE" sz="1600" dirty="0" smtClean="0">
+              <a:latin typeface="Consolas" pitchFamily="49" charset="0"/>
+              <a:cs typeface="Consolas" pitchFamily="49" charset="0"/>
+            </a:endParaRPr>
+          </a:p>
+          <a:p>
+            <a:r>
+              <a:rPr lang="de-DE" sz="1600" dirty="0" smtClean="0">
+                <a:latin typeface="Consolas" pitchFamily="49" charset="0"/>
+                <a:cs typeface="Consolas" pitchFamily="49" charset="0"/>
+              </a:rPr>
+              <a:t>}</a:t>
+            </a:r>
+          </a:p>
+          <a:p>
+            <a:endParaRPr lang="de-DE" sz="1600" dirty="0" smtClean="0">
+              <a:latin typeface="Consolas" pitchFamily="49" charset="0"/>
+              <a:cs typeface="Consolas" pitchFamily="49" charset="0"/>
+            </a:endParaRPr>
+          </a:p>
+          <a:p>
+            <a:r>
+              <a:rPr lang="de-DE" sz="1600" dirty="0" err="1" smtClean="0">
+                <a:latin typeface="Consolas" pitchFamily="49" charset="0"/>
+                <a:cs typeface="Consolas" pitchFamily="49" charset="0"/>
+              </a:rPr>
+              <a:t>def</a:t>
+            </a:r>
+            <a:r>
+              <a:rPr lang="de-DE" sz="1600" dirty="0" smtClean="0">
+                <a:latin typeface="Consolas" pitchFamily="49" charset="0"/>
+                <a:cs typeface="Consolas" pitchFamily="49" charset="0"/>
+              </a:rPr>
+              <a:t> </a:t>
+            </a:r>
+            <a:r>
+              <a:rPr lang="de-DE" sz="1600" dirty="0" err="1" smtClean="0">
+                <a:latin typeface="Consolas" pitchFamily="49" charset="0"/>
+                <a:cs typeface="Consolas" pitchFamily="49" charset="0"/>
+              </a:rPr>
+              <a:t>people</a:t>
+            </a:r>
+            <a:r>
+              <a:rPr lang="de-DE" sz="1600" dirty="0" smtClean="0">
+                <a:latin typeface="Consolas" pitchFamily="49" charset="0"/>
+                <a:cs typeface="Consolas" pitchFamily="49" charset="0"/>
+              </a:rPr>
+              <a:t> = [</a:t>
+            </a:r>
+          </a:p>
+          <a:p>
+            <a:r>
+              <a:rPr lang="de-DE" sz="1600" dirty="0" smtClean="0">
+                <a:latin typeface="Consolas" pitchFamily="49" charset="0"/>
+                <a:cs typeface="Consolas" pitchFamily="49" charset="0"/>
+              </a:rPr>
+              <a:t>    </a:t>
+            </a:r>
+            <a:r>
+              <a:rPr lang="de-DE" sz="1600" dirty="0" err="1" smtClean="0">
+                <a:latin typeface="Consolas" pitchFamily="49" charset="0"/>
+                <a:cs typeface="Consolas" pitchFamily="49" charset="0"/>
+              </a:rPr>
+              <a:t>new</a:t>
+            </a:r>
+            <a:r>
+              <a:rPr lang="de-DE" sz="1600" dirty="0" smtClean="0">
+                <a:latin typeface="Consolas" pitchFamily="49" charset="0"/>
+                <a:cs typeface="Consolas" pitchFamily="49" charset="0"/>
+              </a:rPr>
+              <a:t> Person(</a:t>
+            </a:r>
+            <a:r>
+              <a:rPr lang="de-DE" sz="1600" dirty="0" err="1" smtClean="0">
+                <a:latin typeface="Consolas" pitchFamily="49" charset="0"/>
+                <a:cs typeface="Consolas" pitchFamily="49" charset="0"/>
+              </a:rPr>
+              <a:t>id</a:t>
+            </a:r>
+            <a:r>
+              <a:rPr lang="de-DE" sz="1600" dirty="0" smtClean="0">
+                <a:latin typeface="Consolas" pitchFamily="49" charset="0"/>
+                <a:cs typeface="Consolas" pitchFamily="49" charset="0"/>
+              </a:rPr>
+              <a:t>: 1, </a:t>
+            </a:r>
+            <a:r>
+              <a:rPr lang="de-DE" sz="1600" dirty="0" err="1" smtClean="0">
+                <a:latin typeface="Consolas" pitchFamily="49" charset="0"/>
+                <a:cs typeface="Consolas" pitchFamily="49" charset="0"/>
+              </a:rPr>
+              <a:t>firstName</a:t>
+            </a:r>
+            <a:r>
+              <a:rPr lang="de-DE" sz="1600" dirty="0" smtClean="0">
+                <a:latin typeface="Consolas" pitchFamily="49" charset="0"/>
+                <a:cs typeface="Consolas" pitchFamily="49" charset="0"/>
+              </a:rPr>
+              <a:t>: 'Fred', </a:t>
+            </a:r>
+            <a:r>
+              <a:rPr lang="de-DE" sz="1600" dirty="0" err="1" smtClean="0">
+                <a:latin typeface="Consolas" pitchFamily="49" charset="0"/>
+                <a:cs typeface="Consolas" pitchFamily="49" charset="0"/>
+              </a:rPr>
+              <a:t>lastName</a:t>
+            </a:r>
+            <a:r>
+              <a:rPr lang="de-DE" sz="1600" dirty="0" smtClean="0">
+                <a:latin typeface="Consolas" pitchFamily="49" charset="0"/>
+                <a:cs typeface="Consolas" pitchFamily="49" charset="0"/>
+              </a:rPr>
+              <a:t>: 'Feuerstein'),</a:t>
+            </a:r>
+          </a:p>
+          <a:p>
+            <a:r>
+              <a:rPr lang="de-DE" sz="1600" dirty="0" smtClean="0">
+                <a:latin typeface="Consolas" pitchFamily="49" charset="0"/>
+                <a:cs typeface="Consolas" pitchFamily="49" charset="0"/>
+              </a:rPr>
+              <a:t>    </a:t>
+            </a:r>
+            <a:r>
+              <a:rPr lang="de-DE" sz="1600" dirty="0" err="1" smtClean="0">
+                <a:latin typeface="Consolas" pitchFamily="49" charset="0"/>
+                <a:cs typeface="Consolas" pitchFamily="49" charset="0"/>
+              </a:rPr>
+              <a:t>new</a:t>
+            </a:r>
+            <a:r>
+              <a:rPr lang="de-DE" sz="1600" dirty="0" smtClean="0">
+                <a:latin typeface="Consolas" pitchFamily="49" charset="0"/>
+                <a:cs typeface="Consolas" pitchFamily="49" charset="0"/>
+              </a:rPr>
+              <a:t> Person(</a:t>
+            </a:r>
+            <a:r>
+              <a:rPr lang="de-DE" sz="1600" dirty="0" err="1" smtClean="0">
+                <a:latin typeface="Consolas" pitchFamily="49" charset="0"/>
+                <a:cs typeface="Consolas" pitchFamily="49" charset="0"/>
+              </a:rPr>
+              <a:t>id</a:t>
+            </a:r>
+            <a:r>
+              <a:rPr lang="de-DE" sz="1600" dirty="0" smtClean="0">
+                <a:latin typeface="Consolas" pitchFamily="49" charset="0"/>
+                <a:cs typeface="Consolas" pitchFamily="49" charset="0"/>
+              </a:rPr>
+              <a:t>: 2, </a:t>
+            </a:r>
+            <a:r>
+              <a:rPr lang="de-DE" sz="1600" dirty="0" err="1" smtClean="0">
+                <a:latin typeface="Consolas" pitchFamily="49" charset="0"/>
+                <a:cs typeface="Consolas" pitchFamily="49" charset="0"/>
+              </a:rPr>
+              <a:t>firstName</a:t>
+            </a:r>
+            <a:r>
+              <a:rPr lang="de-DE" sz="1600" dirty="0" smtClean="0">
+                <a:latin typeface="Consolas" pitchFamily="49" charset="0"/>
+                <a:cs typeface="Consolas" pitchFamily="49" charset="0"/>
+              </a:rPr>
+              <a:t>: 'Wilma', </a:t>
+            </a:r>
+            <a:r>
+              <a:rPr lang="de-DE" sz="1600" dirty="0" err="1" smtClean="0">
+                <a:latin typeface="Consolas" pitchFamily="49" charset="0"/>
+                <a:cs typeface="Consolas" pitchFamily="49" charset="0"/>
+              </a:rPr>
+              <a:t>lastName</a:t>
+            </a:r>
+            <a:r>
+              <a:rPr lang="de-DE" sz="1600" dirty="0" smtClean="0">
+                <a:latin typeface="Consolas" pitchFamily="49" charset="0"/>
+                <a:cs typeface="Consolas" pitchFamily="49" charset="0"/>
+              </a:rPr>
+              <a:t>: 'Feuerstein'),</a:t>
+            </a:r>
+          </a:p>
+          <a:p>
+            <a:r>
+              <a:rPr lang="de-DE" sz="1600" dirty="0" smtClean="0">
+                <a:latin typeface="Consolas" pitchFamily="49" charset="0"/>
+                <a:cs typeface="Consolas" pitchFamily="49" charset="0"/>
+              </a:rPr>
+              <a:t>    </a:t>
+            </a:r>
+            <a:r>
+              <a:rPr lang="de-DE" sz="1600" dirty="0" err="1" smtClean="0">
+                <a:latin typeface="Consolas" pitchFamily="49" charset="0"/>
+                <a:cs typeface="Consolas" pitchFamily="49" charset="0"/>
+              </a:rPr>
+              <a:t>new</a:t>
+            </a:r>
+            <a:r>
+              <a:rPr lang="de-DE" sz="1600" dirty="0" smtClean="0">
+                <a:latin typeface="Consolas" pitchFamily="49" charset="0"/>
+                <a:cs typeface="Consolas" pitchFamily="49" charset="0"/>
+              </a:rPr>
+              <a:t> Person(</a:t>
+            </a:r>
+            <a:r>
+              <a:rPr lang="de-DE" sz="1600" dirty="0" err="1" smtClean="0">
+                <a:latin typeface="Consolas" pitchFamily="49" charset="0"/>
+                <a:cs typeface="Consolas" pitchFamily="49" charset="0"/>
+              </a:rPr>
+              <a:t>id</a:t>
+            </a:r>
+            <a:r>
+              <a:rPr lang="de-DE" sz="1600" dirty="0" smtClean="0">
+                <a:latin typeface="Consolas" pitchFamily="49" charset="0"/>
+                <a:cs typeface="Consolas" pitchFamily="49" charset="0"/>
+              </a:rPr>
+              <a:t>: 3, </a:t>
+            </a:r>
+            <a:r>
+              <a:rPr lang="de-DE" sz="1600" dirty="0" err="1" smtClean="0">
+                <a:latin typeface="Consolas" pitchFamily="49" charset="0"/>
+                <a:cs typeface="Consolas" pitchFamily="49" charset="0"/>
+              </a:rPr>
+              <a:t>firstName</a:t>
+            </a:r>
+            <a:r>
+              <a:rPr lang="de-DE" sz="1600" dirty="0" smtClean="0">
+                <a:latin typeface="Consolas" pitchFamily="49" charset="0"/>
+                <a:cs typeface="Consolas" pitchFamily="49" charset="0"/>
+              </a:rPr>
+              <a:t>: 'Betty', </a:t>
+            </a:r>
+            <a:r>
+              <a:rPr lang="de-DE" sz="1600" dirty="0" err="1" smtClean="0">
+                <a:latin typeface="Consolas" pitchFamily="49" charset="0"/>
+                <a:cs typeface="Consolas" pitchFamily="49" charset="0"/>
+              </a:rPr>
+              <a:t>lastName</a:t>
+            </a:r>
+            <a:r>
+              <a:rPr lang="de-DE" sz="1600" dirty="0" smtClean="0">
+                <a:latin typeface="Consolas" pitchFamily="49" charset="0"/>
+                <a:cs typeface="Consolas" pitchFamily="49" charset="0"/>
+              </a:rPr>
+              <a:t>: '</a:t>
+            </a:r>
+            <a:r>
+              <a:rPr lang="de-DE" sz="1600" dirty="0" err="1" smtClean="0">
+                <a:latin typeface="Consolas" pitchFamily="49" charset="0"/>
+                <a:cs typeface="Consolas" pitchFamily="49" charset="0"/>
+              </a:rPr>
+              <a:t>Geröllheimer</a:t>
+            </a:r>
+            <a:r>
+              <a:rPr lang="de-DE" sz="1600" dirty="0" smtClean="0">
+                <a:latin typeface="Consolas" pitchFamily="49" charset="0"/>
+                <a:cs typeface="Consolas" pitchFamily="49" charset="0"/>
+              </a:rPr>
+              <a:t>'),</a:t>
+            </a:r>
+          </a:p>
+          <a:p>
+            <a:r>
+              <a:rPr lang="de-DE" sz="1600" dirty="0" smtClean="0">
+                <a:latin typeface="Consolas" pitchFamily="49" charset="0"/>
+                <a:cs typeface="Consolas" pitchFamily="49" charset="0"/>
+              </a:rPr>
+              <a:t>    </a:t>
+            </a:r>
+            <a:r>
+              <a:rPr lang="de-DE" sz="1600" dirty="0" err="1" smtClean="0">
+                <a:latin typeface="Consolas" pitchFamily="49" charset="0"/>
+                <a:cs typeface="Consolas" pitchFamily="49" charset="0"/>
+              </a:rPr>
+              <a:t>new</a:t>
+            </a:r>
+            <a:r>
+              <a:rPr lang="de-DE" sz="1600" dirty="0" smtClean="0">
+                <a:latin typeface="Consolas" pitchFamily="49" charset="0"/>
+                <a:cs typeface="Consolas" pitchFamily="49" charset="0"/>
+              </a:rPr>
+              <a:t> Person(</a:t>
+            </a:r>
+            <a:r>
+              <a:rPr lang="de-DE" sz="1600" dirty="0" err="1" smtClean="0">
+                <a:latin typeface="Consolas" pitchFamily="49" charset="0"/>
+                <a:cs typeface="Consolas" pitchFamily="49" charset="0"/>
+              </a:rPr>
+              <a:t>id</a:t>
+            </a:r>
+            <a:r>
+              <a:rPr lang="de-DE" sz="1600" dirty="0" smtClean="0">
+                <a:latin typeface="Consolas" pitchFamily="49" charset="0"/>
+                <a:cs typeface="Consolas" pitchFamily="49" charset="0"/>
+              </a:rPr>
+              <a:t>: 4, </a:t>
+            </a:r>
+            <a:r>
+              <a:rPr lang="de-DE" sz="1600" dirty="0" err="1" smtClean="0">
+                <a:latin typeface="Consolas" pitchFamily="49" charset="0"/>
+                <a:cs typeface="Consolas" pitchFamily="49" charset="0"/>
+              </a:rPr>
+              <a:t>firstName</a:t>
+            </a:r>
+            <a:r>
+              <a:rPr lang="de-DE" sz="1600" dirty="0" smtClean="0">
+                <a:latin typeface="Consolas" pitchFamily="49" charset="0"/>
+                <a:cs typeface="Consolas" pitchFamily="49" charset="0"/>
+              </a:rPr>
+              <a:t>: 'Barney', </a:t>
+            </a:r>
+            <a:r>
+              <a:rPr lang="de-DE" sz="1600" dirty="0" err="1" smtClean="0">
+                <a:latin typeface="Consolas" pitchFamily="49" charset="0"/>
+                <a:cs typeface="Consolas" pitchFamily="49" charset="0"/>
+              </a:rPr>
+              <a:t>lastName</a:t>
+            </a:r>
+            <a:r>
+              <a:rPr lang="de-DE" sz="1600" dirty="0" smtClean="0">
+                <a:latin typeface="Consolas" pitchFamily="49" charset="0"/>
+                <a:cs typeface="Consolas" pitchFamily="49" charset="0"/>
+              </a:rPr>
+              <a:t>: '</a:t>
+            </a:r>
+            <a:r>
+              <a:rPr lang="de-DE" sz="1600" dirty="0" err="1" smtClean="0">
+                <a:latin typeface="Consolas" pitchFamily="49" charset="0"/>
+                <a:cs typeface="Consolas" pitchFamily="49" charset="0"/>
+              </a:rPr>
+              <a:t>Geröllheimer</a:t>
+            </a:r>
+            <a:r>
+              <a:rPr lang="de-DE" sz="1600" dirty="0" smtClean="0">
+                <a:latin typeface="Consolas" pitchFamily="49" charset="0"/>
+                <a:cs typeface="Consolas" pitchFamily="49" charset="0"/>
+              </a:rPr>
+              <a:t>'),</a:t>
+            </a:r>
+          </a:p>
+          <a:p>
+            <a:r>
+              <a:rPr lang="de-DE" sz="1600" dirty="0" smtClean="0">
+                <a:latin typeface="Consolas" pitchFamily="49" charset="0"/>
+                <a:cs typeface="Consolas" pitchFamily="49" charset="0"/>
+              </a:rPr>
+              <a:t>    </a:t>
+            </a:r>
+            <a:r>
+              <a:rPr lang="de-DE" sz="1600" dirty="0" err="1" smtClean="0">
+                <a:latin typeface="Consolas" pitchFamily="49" charset="0"/>
+                <a:cs typeface="Consolas" pitchFamily="49" charset="0"/>
+              </a:rPr>
+              <a:t>new</a:t>
+            </a:r>
+            <a:r>
+              <a:rPr lang="de-DE" sz="1600" dirty="0" smtClean="0">
+                <a:latin typeface="Consolas" pitchFamily="49" charset="0"/>
+                <a:cs typeface="Consolas" pitchFamily="49" charset="0"/>
+              </a:rPr>
+              <a:t> Person(</a:t>
+            </a:r>
+            <a:r>
+              <a:rPr lang="de-DE" sz="1600" dirty="0" err="1" smtClean="0">
+                <a:latin typeface="Consolas" pitchFamily="49" charset="0"/>
+                <a:cs typeface="Consolas" pitchFamily="49" charset="0"/>
+              </a:rPr>
+              <a:t>id</a:t>
+            </a:r>
+            <a:r>
+              <a:rPr lang="de-DE" sz="1600" dirty="0" smtClean="0">
+                <a:latin typeface="Consolas" pitchFamily="49" charset="0"/>
+                <a:cs typeface="Consolas" pitchFamily="49" charset="0"/>
+              </a:rPr>
+              <a:t>: 5, </a:t>
+            </a:r>
+            <a:r>
+              <a:rPr lang="de-DE" sz="1600" dirty="0" err="1" smtClean="0">
+                <a:latin typeface="Consolas" pitchFamily="49" charset="0"/>
+                <a:cs typeface="Consolas" pitchFamily="49" charset="0"/>
+              </a:rPr>
+              <a:t>firstName</a:t>
+            </a:r>
+            <a:r>
+              <a:rPr lang="de-DE" sz="1600" dirty="0" smtClean="0">
+                <a:latin typeface="Consolas" pitchFamily="49" charset="0"/>
+                <a:cs typeface="Consolas" pitchFamily="49" charset="0"/>
+              </a:rPr>
+              <a:t>: 'Bam-Bam', </a:t>
+            </a:r>
+            <a:r>
+              <a:rPr lang="de-DE" sz="1600" dirty="0" err="1" smtClean="0">
+                <a:latin typeface="Consolas" pitchFamily="49" charset="0"/>
+                <a:cs typeface="Consolas" pitchFamily="49" charset="0"/>
+              </a:rPr>
+              <a:t>lastName</a:t>
+            </a:r>
+            <a:r>
+              <a:rPr lang="de-DE" sz="1600" dirty="0" smtClean="0">
+                <a:latin typeface="Consolas" pitchFamily="49" charset="0"/>
+                <a:cs typeface="Consolas" pitchFamily="49" charset="0"/>
+              </a:rPr>
+              <a:t>: '</a:t>
+            </a:r>
+            <a:r>
+              <a:rPr lang="de-DE" sz="1600" dirty="0" err="1" smtClean="0">
+                <a:latin typeface="Consolas" pitchFamily="49" charset="0"/>
+                <a:cs typeface="Consolas" pitchFamily="49" charset="0"/>
+              </a:rPr>
+              <a:t>Geröllheimer</a:t>
+            </a:r>
+            <a:r>
+              <a:rPr lang="de-DE" sz="1600" dirty="0" smtClean="0">
+                <a:latin typeface="Consolas" pitchFamily="49" charset="0"/>
+                <a:cs typeface="Consolas" pitchFamily="49" charset="0"/>
+              </a:rPr>
+              <a:t>')</a:t>
+            </a:r>
+          </a:p>
+          <a:p>
+            <a:r>
+              <a:rPr lang="de-DE" sz="1600" dirty="0" smtClean="0">
+                <a:latin typeface="Consolas" pitchFamily="49" charset="0"/>
+                <a:cs typeface="Consolas" pitchFamily="49" charset="0"/>
+              </a:rPr>
+              <a:t>]</a:t>
+            </a:r>
+          </a:p>
+          <a:p>
+            <a:endParaRPr lang="de-DE" sz="1600" dirty="0" smtClean="0">
+              <a:latin typeface="Consolas" pitchFamily="49" charset="0"/>
+              <a:cs typeface="Consolas" pitchFamily="49" charset="0"/>
+            </a:endParaRPr>
+          </a:p>
+          <a:p>
+            <a:r>
+              <a:rPr lang="de-DE" sz="1600" dirty="0" err="1" smtClean="0">
+                <a:latin typeface="Consolas" pitchFamily="49" charset="0"/>
+                <a:cs typeface="Consolas" pitchFamily="49" charset="0"/>
+              </a:rPr>
+              <a:t>assert</a:t>
+            </a:r>
+            <a:r>
+              <a:rPr lang="de-DE" sz="1600" dirty="0" smtClean="0">
+                <a:latin typeface="Consolas" pitchFamily="49" charset="0"/>
+                <a:cs typeface="Consolas" pitchFamily="49" charset="0"/>
+              </a:rPr>
+              <a:t> </a:t>
+            </a:r>
+            <a:r>
+              <a:rPr lang="de-DE" sz="1600" dirty="0" smtClean="0">
+                <a:latin typeface="Consolas" pitchFamily="49" charset="0"/>
+                <a:cs typeface="Consolas" pitchFamily="49" charset="0"/>
+              </a:rPr>
+              <a:t>['Fred', 'Wilma'] == </a:t>
+            </a:r>
+            <a:r>
+              <a:rPr lang="de-DE" sz="1600" dirty="0" err="1" smtClean="0">
+                <a:latin typeface="Consolas" pitchFamily="49" charset="0"/>
+                <a:cs typeface="Consolas" pitchFamily="49" charset="0"/>
+              </a:rPr>
+              <a:t>people.findAll</a:t>
+            </a:r>
+            <a:r>
+              <a:rPr lang="de-DE" sz="1600" dirty="0" smtClean="0">
+                <a:latin typeface="Consolas" pitchFamily="49" charset="0"/>
+                <a:cs typeface="Consolas" pitchFamily="49" charset="0"/>
+              </a:rPr>
+              <a:t>{</a:t>
+            </a:r>
+            <a:r>
+              <a:rPr lang="de-DE" sz="1600" dirty="0" err="1" smtClean="0">
+                <a:latin typeface="Consolas" pitchFamily="49" charset="0"/>
+                <a:cs typeface="Consolas" pitchFamily="49" charset="0"/>
+              </a:rPr>
+              <a:t>it.lastName</a:t>
+            </a:r>
+            <a:r>
+              <a:rPr lang="de-DE" sz="1600" dirty="0" smtClean="0">
+                <a:latin typeface="Consolas" pitchFamily="49" charset="0"/>
+                <a:cs typeface="Consolas" pitchFamily="49" charset="0"/>
+              </a:rPr>
+              <a:t> </a:t>
+            </a:r>
+            <a:r>
+              <a:rPr lang="de-DE" sz="1600" dirty="0" smtClean="0">
+                <a:latin typeface="Consolas" pitchFamily="49" charset="0"/>
+                <a:cs typeface="Consolas" pitchFamily="49" charset="0"/>
+              </a:rPr>
+              <a:t>== </a:t>
+            </a:r>
+            <a:r>
+              <a:rPr lang="de-DE" sz="1600" dirty="0" smtClean="0">
+                <a:latin typeface="Consolas" pitchFamily="49" charset="0"/>
+                <a:cs typeface="Consolas" pitchFamily="49" charset="0"/>
+              </a:rPr>
+              <a:t>'Feuerstein'}*.</a:t>
+            </a:r>
+            <a:r>
+              <a:rPr lang="de-DE" sz="1600" dirty="0" err="1" smtClean="0">
+                <a:latin typeface="Consolas" pitchFamily="49" charset="0"/>
+                <a:cs typeface="Consolas" pitchFamily="49" charset="0"/>
+              </a:rPr>
+              <a:t>firstName</a:t>
+            </a:r>
+            <a:endParaRPr lang="de-DE" sz="1600" dirty="0" smtClean="0">
+              <a:latin typeface="Consolas" pitchFamily="49" charset="0"/>
+              <a:cs typeface="Consolas" pitchFamily="49" charset="0"/>
+            </a:endParaRPr>
+          </a:p>
+          <a:p>
+            <a:r>
+              <a:rPr lang="de-DE" sz="1600" dirty="0" err="1" smtClean="0">
+                <a:latin typeface="Consolas" pitchFamily="49" charset="0"/>
+                <a:cs typeface="Consolas" pitchFamily="49" charset="0"/>
+              </a:rPr>
+              <a:t>assert</a:t>
+            </a:r>
+            <a:r>
+              <a:rPr lang="de-DE" sz="1600" dirty="0" smtClean="0">
+                <a:latin typeface="Consolas" pitchFamily="49" charset="0"/>
+                <a:cs typeface="Consolas" pitchFamily="49" charset="0"/>
+              </a:rPr>
+              <a:t> </a:t>
+            </a:r>
+            <a:r>
+              <a:rPr lang="de-DE" sz="1600" dirty="0" smtClean="0">
+                <a:latin typeface="Consolas" pitchFamily="49" charset="0"/>
+                <a:cs typeface="Consolas" pitchFamily="49" charset="0"/>
+              </a:rPr>
+              <a:t>['Feuerstein':2, 'Geröllheimer':3] == </a:t>
+            </a:r>
+            <a:r>
+              <a:rPr lang="de-DE" sz="1600" dirty="0" err="1" smtClean="0">
+                <a:latin typeface="Consolas" pitchFamily="49" charset="0"/>
+                <a:cs typeface="Consolas" pitchFamily="49" charset="0"/>
+              </a:rPr>
+              <a:t>people.countBy</a:t>
+            </a:r>
+            <a:r>
+              <a:rPr lang="de-DE" sz="1600" dirty="0" smtClean="0">
+                <a:latin typeface="Consolas" pitchFamily="49" charset="0"/>
+                <a:cs typeface="Consolas" pitchFamily="49" charset="0"/>
+              </a:rPr>
+              <a:t>{</a:t>
+            </a:r>
+            <a:r>
+              <a:rPr lang="de-DE" sz="1600" dirty="0" err="1" smtClean="0">
+                <a:latin typeface="Consolas" pitchFamily="49" charset="0"/>
+                <a:cs typeface="Consolas" pitchFamily="49" charset="0"/>
+              </a:rPr>
+              <a:t>it.lastName</a:t>
+            </a:r>
+            <a:r>
+              <a:rPr lang="de-DE" sz="1600" dirty="0" smtClean="0">
+                <a:latin typeface="Consolas" pitchFamily="49" charset="0"/>
+                <a:cs typeface="Consolas" pitchFamily="49" charset="0"/>
+              </a:rPr>
+              <a:t>}</a:t>
+            </a:r>
+            <a:endParaRPr lang="de-DE" sz="1600" dirty="0" smtClean="0">
+              <a:latin typeface="Consolas" pitchFamily="49" charset="0"/>
+              <a:cs typeface="Consolas" pitchFamily="49" charset="0"/>
+            </a:endParaRPr>
+          </a:p>
+          <a:p>
+            <a:r>
+              <a:rPr lang="de-DE" sz="1600" dirty="0" err="1" smtClean="0">
+                <a:latin typeface="Consolas" pitchFamily="49" charset="0"/>
+                <a:cs typeface="Consolas" pitchFamily="49" charset="0"/>
+              </a:rPr>
+              <a:t>people.findAll</a:t>
+            </a:r>
+            <a:r>
+              <a:rPr lang="de-DE" sz="1600" dirty="0" smtClean="0">
+                <a:latin typeface="Consolas" pitchFamily="49" charset="0"/>
+                <a:cs typeface="Consolas" pitchFamily="49" charset="0"/>
+              </a:rPr>
+              <a:t>{</a:t>
+            </a:r>
+            <a:r>
+              <a:rPr lang="de-DE" sz="1600" dirty="0" err="1" smtClean="0">
+                <a:latin typeface="Consolas" pitchFamily="49" charset="0"/>
+                <a:cs typeface="Consolas" pitchFamily="49" charset="0"/>
+              </a:rPr>
+              <a:t>it.lastName</a:t>
+            </a:r>
+            <a:r>
+              <a:rPr lang="de-DE" sz="1600" dirty="0" smtClean="0">
+                <a:latin typeface="Consolas" pitchFamily="49" charset="0"/>
+                <a:cs typeface="Consolas" pitchFamily="49" charset="0"/>
+              </a:rPr>
+              <a:t> </a:t>
+            </a:r>
+            <a:r>
+              <a:rPr lang="de-DE" sz="1600" dirty="0" smtClean="0">
+                <a:latin typeface="Consolas" pitchFamily="49" charset="0"/>
+                <a:cs typeface="Consolas" pitchFamily="49" charset="0"/>
+              </a:rPr>
+              <a:t>== </a:t>
+            </a:r>
+            <a:r>
+              <a:rPr lang="de-DE" sz="1600" dirty="0" smtClean="0">
+                <a:latin typeface="Consolas" pitchFamily="49" charset="0"/>
+                <a:cs typeface="Consolas" pitchFamily="49" charset="0"/>
+              </a:rPr>
+              <a:t>'</a:t>
+            </a:r>
+            <a:r>
+              <a:rPr lang="de-DE" sz="1600" dirty="0" err="1" smtClean="0">
+                <a:latin typeface="Consolas" pitchFamily="49" charset="0"/>
+                <a:cs typeface="Consolas" pitchFamily="49" charset="0"/>
+              </a:rPr>
+              <a:t>Geröllheimer</a:t>
+            </a:r>
+            <a:r>
+              <a:rPr lang="de-DE" sz="1600" dirty="0" smtClean="0">
+                <a:latin typeface="Consolas" pitchFamily="49" charset="0"/>
+                <a:cs typeface="Consolas" pitchFamily="49" charset="0"/>
+              </a:rPr>
+              <a:t>'}.</a:t>
+            </a:r>
+            <a:r>
+              <a:rPr lang="de-DE" sz="1600" dirty="0" err="1" smtClean="0">
+                <a:latin typeface="Consolas" pitchFamily="49" charset="0"/>
+                <a:cs typeface="Consolas" pitchFamily="49" charset="0"/>
+              </a:rPr>
+              <a:t>each</a:t>
+            </a:r>
+            <a:r>
+              <a:rPr lang="de-DE" sz="1600" dirty="0" smtClean="0">
+                <a:latin typeface="Consolas" pitchFamily="49" charset="0"/>
+                <a:cs typeface="Consolas" pitchFamily="49" charset="0"/>
+              </a:rPr>
+              <a:t>{</a:t>
+            </a:r>
+            <a:r>
+              <a:rPr lang="de-DE" sz="1600" dirty="0" err="1" smtClean="0">
+                <a:latin typeface="Consolas" pitchFamily="49" charset="0"/>
+                <a:cs typeface="Consolas" pitchFamily="49" charset="0"/>
+              </a:rPr>
+              <a:t>println</a:t>
+            </a:r>
+            <a:r>
+              <a:rPr lang="de-DE" sz="1600" dirty="0" smtClean="0">
+                <a:latin typeface="Consolas" pitchFamily="49" charset="0"/>
+                <a:cs typeface="Consolas" pitchFamily="49" charset="0"/>
+              </a:rPr>
+              <a:t> </a:t>
+            </a:r>
+            <a:r>
+              <a:rPr lang="de-DE" sz="1600" dirty="0" smtClean="0">
+                <a:latin typeface="Consolas" pitchFamily="49" charset="0"/>
+                <a:cs typeface="Consolas" pitchFamily="49" charset="0"/>
+              </a:rPr>
+              <a:t>"</a:t>
+            </a:r>
+            <a:r>
+              <a:rPr lang="de-DE" sz="1600" dirty="0" err="1" smtClean="0">
+                <a:latin typeface="Consolas" pitchFamily="49" charset="0"/>
+                <a:cs typeface="Consolas" pitchFamily="49" charset="0"/>
+              </a:rPr>
+              <a:t>Hello</a:t>
+            </a:r>
+            <a:r>
+              <a:rPr lang="de-DE" sz="1600" dirty="0" smtClean="0">
+                <a:latin typeface="Consolas" pitchFamily="49" charset="0"/>
+                <a:cs typeface="Consolas" pitchFamily="49" charset="0"/>
+              </a:rPr>
+              <a:t> </a:t>
+            </a:r>
+            <a:r>
+              <a:rPr lang="de-DE" sz="1600" dirty="0" smtClean="0">
+                <a:latin typeface="Consolas" pitchFamily="49" charset="0"/>
+                <a:cs typeface="Consolas" pitchFamily="49" charset="0"/>
+              </a:rPr>
+              <a:t>$</a:t>
+            </a:r>
+            <a:r>
+              <a:rPr lang="de-DE" sz="1600" dirty="0" err="1" smtClean="0">
+                <a:latin typeface="Consolas" pitchFamily="49" charset="0"/>
+                <a:cs typeface="Consolas" pitchFamily="49" charset="0"/>
+              </a:rPr>
+              <a:t>it.firstName</a:t>
+            </a:r>
+            <a:r>
+              <a:rPr lang="de-DE" sz="1600" dirty="0" smtClean="0">
+                <a:latin typeface="Consolas" pitchFamily="49" charset="0"/>
+                <a:cs typeface="Consolas" pitchFamily="49" charset="0"/>
+              </a:rPr>
+              <a:t>!"}</a:t>
+            </a:r>
+            <a:endParaRPr lang="de-DE" sz="1600" dirty="0">
+              <a:latin typeface="Consolas" pitchFamily="49" charset="0"/>
+              <a:cs typeface="Consolas" pitchFamily="49" charset="0"/>
+            </a:endParaRPr>
           </a:p>
         </p:txBody>
       </p:sp>
@@ -19417,7 +20986,410 @@
 </p:sld>
 </file>
 
-<file path=ppt/slides/slide11.xml><?xml version="1.0" encoding="utf-8"?>
+<file path=ppt/slides/slide13.xml><?xml version="1.0" encoding="utf-8"?>
+<p:sld xmlns:a="http://schemas.openxmlformats.org/drawingml/2006/main" xmlns:r="http://schemas.openxmlformats.org/officeDocument/2006/relationships" xmlns:p="http://schemas.openxmlformats.org/presentationml/2006/main">
+  <p:cSld>
+    <p:spTree>
+      <p:nvGrpSpPr>
+        <p:cNvPr id="1" name=""/>
+        <p:cNvGrpSpPr/>
+        <p:nvPr/>
+      </p:nvGrpSpPr>
+      <p:grpSpPr>
+        <a:xfrm>
+          <a:off x="0" y="0"/>
+          <a:ext cx="0" cy="0"/>
+          <a:chOff x="0" y="0"/>
+          <a:chExt cx="0" cy="0"/>
+        </a:xfrm>
+      </p:grpSpPr>
+      <p:sp>
+        <p:nvSpPr>
+          <p:cNvPr id="2" name="Titel 1"/>
+          <p:cNvSpPr>
+            <a:spLocks noGrp="1"/>
+          </p:cNvSpPr>
+          <p:nvPr>
+            <p:ph type="title"/>
+          </p:nvPr>
+        </p:nvSpPr>
+        <p:spPr/>
+        <p:txBody>
+          <a:bodyPr/>
+          <a:lstStyle/>
+          <a:p>
+            <a:r>
+              <a:rPr lang="de-DE" dirty="0" smtClean="0"/>
+              <a:t>Vereinfachtes File-Handling mit Groovy</a:t>
+            </a:r>
+            <a:endParaRPr lang="de-DE" dirty="0"/>
+          </a:p>
+        </p:txBody>
+      </p:sp>
+      <p:sp>
+        <p:nvSpPr>
+          <p:cNvPr id="4" name="Textfeld 3"/>
+          <p:cNvSpPr txBox="1"/>
+          <p:nvPr/>
+        </p:nvSpPr>
+        <p:spPr>
+          <a:xfrm>
+            <a:off x="395537" y="2233895"/>
+            <a:ext cx="8352928" cy="3139321"/>
+          </a:xfrm>
+          <a:prstGeom prst="rect">
+            <a:avLst/>
+          </a:prstGeom>
+          <a:noFill/>
+        </p:spPr>
+        <p:txBody>
+          <a:bodyPr wrap="square" rtlCol="0">
+            <a:spAutoFit/>
+          </a:bodyPr>
+          <a:lstStyle/>
+          <a:p>
+            <a:r>
+              <a:rPr lang="de-DE" dirty="0" err="1" smtClean="0">
+                <a:latin typeface="Consolas" pitchFamily="49" charset="0"/>
+                <a:cs typeface="Consolas" pitchFamily="49" charset="0"/>
+              </a:rPr>
+              <a:t>def</a:t>
+            </a:r>
+            <a:r>
+              <a:rPr lang="de-DE" dirty="0" smtClean="0">
+                <a:latin typeface="Consolas" pitchFamily="49" charset="0"/>
+                <a:cs typeface="Consolas" pitchFamily="49" charset="0"/>
+              </a:rPr>
+              <a:t> </a:t>
+            </a:r>
+            <a:r>
+              <a:rPr lang="de-DE" dirty="0" err="1" smtClean="0">
+                <a:latin typeface="Consolas" pitchFamily="49" charset="0"/>
+                <a:cs typeface="Consolas" pitchFamily="49" charset="0"/>
+              </a:rPr>
+              <a:t>file</a:t>
+            </a:r>
+            <a:r>
+              <a:rPr lang="de-DE" dirty="0" smtClean="0">
+                <a:latin typeface="Consolas" pitchFamily="49" charset="0"/>
+                <a:cs typeface="Consolas" pitchFamily="49" charset="0"/>
+              </a:rPr>
+              <a:t> = </a:t>
+            </a:r>
+            <a:r>
+              <a:rPr lang="de-DE" dirty="0" err="1" smtClean="0">
+                <a:latin typeface="Consolas" pitchFamily="49" charset="0"/>
+                <a:cs typeface="Consolas" pitchFamily="49" charset="0"/>
+              </a:rPr>
+              <a:t>new</a:t>
+            </a:r>
+            <a:r>
+              <a:rPr lang="de-DE" dirty="0" smtClean="0">
+                <a:latin typeface="Consolas" pitchFamily="49" charset="0"/>
+                <a:cs typeface="Consolas" pitchFamily="49" charset="0"/>
+              </a:rPr>
+              <a:t> File('</a:t>
+            </a:r>
+            <a:r>
+              <a:rPr lang="de-DE" dirty="0" err="1" smtClean="0">
+                <a:latin typeface="Consolas" pitchFamily="49" charset="0"/>
+                <a:cs typeface="Consolas" pitchFamily="49" charset="0"/>
+              </a:rPr>
+              <a:t>myTemp.file</a:t>
+            </a:r>
+            <a:r>
+              <a:rPr lang="de-DE" dirty="0" smtClean="0">
+                <a:latin typeface="Consolas" pitchFamily="49" charset="0"/>
+                <a:cs typeface="Consolas" pitchFamily="49" charset="0"/>
+              </a:rPr>
+              <a:t>')</a:t>
+            </a:r>
+          </a:p>
+          <a:p>
+            <a:endParaRPr lang="de-DE" dirty="0" smtClean="0">
+              <a:latin typeface="Consolas" pitchFamily="49" charset="0"/>
+              <a:cs typeface="Consolas" pitchFamily="49" charset="0"/>
+            </a:endParaRPr>
+          </a:p>
+          <a:p>
+            <a:r>
+              <a:rPr lang="de-DE" dirty="0" err="1" smtClean="0">
+                <a:latin typeface="Consolas" pitchFamily="49" charset="0"/>
+                <a:cs typeface="Consolas" pitchFamily="49" charset="0"/>
+              </a:rPr>
+              <a:t>file.text</a:t>
+            </a:r>
+            <a:r>
+              <a:rPr lang="de-DE" dirty="0" smtClean="0">
+                <a:latin typeface="Consolas" pitchFamily="49" charset="0"/>
+                <a:cs typeface="Consolas" pitchFamily="49" charset="0"/>
+              </a:rPr>
+              <a:t> = """</a:t>
+            </a:r>
+            <a:r>
+              <a:rPr lang="de-DE" dirty="0" err="1" smtClean="0">
+                <a:latin typeface="Consolas" pitchFamily="49" charset="0"/>
+                <a:cs typeface="Consolas" pitchFamily="49" charset="0"/>
+              </a:rPr>
+              <a:t>Good</a:t>
+            </a:r>
+            <a:r>
+              <a:rPr lang="de-DE" dirty="0" smtClean="0">
+                <a:latin typeface="Consolas" pitchFamily="49" charset="0"/>
+                <a:cs typeface="Consolas" pitchFamily="49" charset="0"/>
+              </a:rPr>
+              <a:t> </a:t>
+            </a:r>
+            <a:r>
+              <a:rPr lang="de-DE" dirty="0" err="1" smtClean="0">
+                <a:latin typeface="Consolas" pitchFamily="49" charset="0"/>
+                <a:cs typeface="Consolas" pitchFamily="49" charset="0"/>
+              </a:rPr>
+              <a:t>day</a:t>
+            </a:r>
+            <a:endParaRPr lang="de-DE" dirty="0" smtClean="0">
+              <a:latin typeface="Consolas" pitchFamily="49" charset="0"/>
+              <a:cs typeface="Consolas" pitchFamily="49" charset="0"/>
+            </a:endParaRPr>
+          </a:p>
+          <a:p>
+            <a:r>
+              <a:rPr lang="de-DE" dirty="0" smtClean="0">
+                <a:latin typeface="Consolas" pitchFamily="49" charset="0"/>
+                <a:cs typeface="Consolas" pitchFamily="49" charset="0"/>
+              </a:rPr>
+              <a:t>Guten Tag</a:t>
+            </a:r>
+          </a:p>
+          <a:p>
+            <a:r>
+              <a:rPr lang="de-DE" dirty="0" smtClean="0">
+                <a:latin typeface="Consolas" pitchFamily="49" charset="0"/>
+                <a:cs typeface="Consolas" pitchFamily="49" charset="0"/>
+              </a:rPr>
+              <a:t>Buenos Dias"""</a:t>
+            </a:r>
+          </a:p>
+          <a:p>
+            <a:endParaRPr lang="de-DE" dirty="0" smtClean="0">
+              <a:latin typeface="Consolas" pitchFamily="49" charset="0"/>
+              <a:cs typeface="Consolas" pitchFamily="49" charset="0"/>
+            </a:endParaRPr>
+          </a:p>
+          <a:p>
+            <a:r>
+              <a:rPr lang="de-DE" dirty="0" smtClean="0">
+                <a:latin typeface="Consolas" pitchFamily="49" charset="0"/>
+                <a:cs typeface="Consolas" pitchFamily="49" charset="0"/>
+              </a:rPr>
+              <a:t>// Zeilenweise auslesen</a:t>
+            </a:r>
+          </a:p>
+          <a:p>
+            <a:r>
+              <a:rPr lang="de-DE" dirty="0" err="1" smtClean="0">
+                <a:latin typeface="Consolas" pitchFamily="49" charset="0"/>
+                <a:cs typeface="Consolas" pitchFamily="49" charset="0"/>
+              </a:rPr>
+              <a:t>file.eachLine</a:t>
+            </a:r>
+            <a:r>
+              <a:rPr lang="de-DE" dirty="0" smtClean="0">
+                <a:latin typeface="Consolas" pitchFamily="49" charset="0"/>
+                <a:cs typeface="Consolas" pitchFamily="49" charset="0"/>
+              </a:rPr>
+              <a:t> { </a:t>
+            </a:r>
+            <a:r>
+              <a:rPr lang="de-DE" dirty="0" err="1" smtClean="0">
+                <a:latin typeface="Consolas" pitchFamily="49" charset="0"/>
+                <a:cs typeface="Consolas" pitchFamily="49" charset="0"/>
+              </a:rPr>
+              <a:t>line</a:t>
+            </a:r>
+            <a:r>
+              <a:rPr lang="de-DE" dirty="0" smtClean="0">
+                <a:latin typeface="Consolas" pitchFamily="49" charset="0"/>
+                <a:cs typeface="Consolas" pitchFamily="49" charset="0"/>
+              </a:rPr>
+              <a:t>, i -&gt; </a:t>
+            </a:r>
+            <a:r>
+              <a:rPr lang="de-DE" dirty="0" err="1" smtClean="0">
+                <a:latin typeface="Consolas" pitchFamily="49" charset="0"/>
+                <a:cs typeface="Consolas" pitchFamily="49" charset="0"/>
+              </a:rPr>
+              <a:t>println</a:t>
+            </a:r>
+            <a:r>
+              <a:rPr lang="de-DE" dirty="0" smtClean="0">
+                <a:latin typeface="Consolas" pitchFamily="49" charset="0"/>
+                <a:cs typeface="Consolas" pitchFamily="49" charset="0"/>
+              </a:rPr>
+              <a:t> "$i: $</a:t>
+            </a:r>
+            <a:r>
+              <a:rPr lang="de-DE" dirty="0" err="1" smtClean="0">
+                <a:latin typeface="Consolas" pitchFamily="49" charset="0"/>
+                <a:cs typeface="Consolas" pitchFamily="49" charset="0"/>
+              </a:rPr>
+              <a:t>line</a:t>
+            </a:r>
+            <a:r>
+              <a:rPr lang="de-DE" dirty="0" smtClean="0">
+                <a:latin typeface="Consolas" pitchFamily="49" charset="0"/>
+                <a:cs typeface="Consolas" pitchFamily="49" charset="0"/>
+              </a:rPr>
+              <a:t>" }</a:t>
+            </a:r>
+          </a:p>
+          <a:p>
+            <a:endParaRPr lang="de-DE" dirty="0" smtClean="0">
+              <a:latin typeface="Consolas" pitchFamily="49" charset="0"/>
+              <a:cs typeface="Consolas" pitchFamily="49" charset="0"/>
+            </a:endParaRPr>
+          </a:p>
+          <a:p>
+            <a:r>
+              <a:rPr lang="de-DE" dirty="0" smtClean="0">
+                <a:latin typeface="Consolas" pitchFamily="49" charset="0"/>
+                <a:cs typeface="Consolas" pitchFamily="49" charset="0"/>
+              </a:rPr>
+              <a:t>// Inhalt ausgeben</a:t>
+            </a:r>
+          </a:p>
+          <a:p>
+            <a:r>
+              <a:rPr lang="de-DE" dirty="0" err="1" smtClean="0">
+                <a:latin typeface="Consolas" pitchFamily="49" charset="0"/>
+                <a:cs typeface="Consolas" pitchFamily="49" charset="0"/>
+              </a:rPr>
+              <a:t>println</a:t>
+            </a:r>
+            <a:r>
+              <a:rPr lang="de-DE" dirty="0" smtClean="0">
+                <a:latin typeface="Consolas" pitchFamily="49" charset="0"/>
+                <a:cs typeface="Consolas" pitchFamily="49" charset="0"/>
+              </a:rPr>
+              <a:t> </a:t>
+            </a:r>
+            <a:r>
+              <a:rPr lang="de-DE" dirty="0" err="1" smtClean="0">
+                <a:latin typeface="Consolas" pitchFamily="49" charset="0"/>
+                <a:cs typeface="Consolas" pitchFamily="49" charset="0"/>
+              </a:rPr>
+              <a:t>file.text</a:t>
+            </a:r>
+            <a:endParaRPr lang="de-DE" dirty="0">
+              <a:latin typeface="Consolas" pitchFamily="49" charset="0"/>
+              <a:cs typeface="Consolas" pitchFamily="49" charset="0"/>
+            </a:endParaRPr>
+          </a:p>
+        </p:txBody>
+      </p:sp>
+    </p:spTree>
+  </p:cSld>
+  <p:clrMapOvr>
+    <a:masterClrMapping/>
+  </p:clrMapOvr>
+  <p:transition spd="slow" advTm="10000"/>
+  <p:timing>
+    <p:tnLst>
+      <p:par>
+        <p:cTn id="1" dur="indefinite" restart="never" nodeType="tmRoot"/>
+      </p:par>
+    </p:tnLst>
+  </p:timing>
+</p:sld>
+</file>
+
+<file path=ppt/slides/slide14.xml><?xml version="1.0" encoding="utf-8"?>
+<p:sld xmlns:a="http://schemas.openxmlformats.org/drawingml/2006/main" xmlns:r="http://schemas.openxmlformats.org/officeDocument/2006/relationships" xmlns:p="http://schemas.openxmlformats.org/presentationml/2006/main">
+  <p:cSld>
+    <p:spTree>
+      <p:nvGrpSpPr>
+        <p:cNvPr id="1" name=""/>
+        <p:cNvGrpSpPr/>
+        <p:nvPr/>
+      </p:nvGrpSpPr>
+      <p:grpSpPr>
+        <a:xfrm>
+          <a:off x="0" y="0"/>
+          <a:ext cx="0" cy="0"/>
+          <a:chOff x="0" y="0"/>
+          <a:chExt cx="0" cy="0"/>
+        </a:xfrm>
+      </p:grpSpPr>
+      <p:sp>
+        <p:nvSpPr>
+          <p:cNvPr id="5" name="Textplatzhalter 4"/>
+          <p:cNvSpPr>
+            <a:spLocks noGrp="1"/>
+          </p:cNvSpPr>
+          <p:nvPr>
+            <p:ph type="body" sz="quarter" idx="10"/>
+          </p:nvPr>
+        </p:nvSpPr>
+        <p:spPr/>
+        <p:txBody>
+          <a:bodyPr/>
+          <a:lstStyle/>
+          <a:p>
+            <a:r>
+              <a:rPr lang="de-DE" dirty="0" smtClean="0"/>
+              <a:t>2</a:t>
+            </a:r>
+            <a:endParaRPr lang="de-DE" dirty="0"/>
+          </a:p>
+        </p:txBody>
+      </p:sp>
+      <p:sp>
+        <p:nvSpPr>
+          <p:cNvPr id="4" name="Titel 3"/>
+          <p:cNvSpPr>
+            <a:spLocks noGrp="1"/>
+          </p:cNvSpPr>
+          <p:nvPr>
+            <p:ph type="title"/>
+          </p:nvPr>
+        </p:nvSpPr>
+        <p:spPr/>
+        <p:txBody>
+          <a:bodyPr/>
+          <a:lstStyle/>
+          <a:p>
+            <a:r>
+              <a:rPr lang="de-DE" dirty="0" smtClean="0"/>
+              <a:t>Was ist </a:t>
+            </a:r>
+            <a:r>
+              <a:rPr lang="de-DE" dirty="0" err="1" smtClean="0"/>
+              <a:t>Grails</a:t>
+            </a:r>
+            <a:r>
+              <a:rPr lang="de-DE" dirty="0" smtClean="0"/>
+              <a:t>?</a:t>
+            </a:r>
+          </a:p>
+        </p:txBody>
+      </p:sp>
+    </p:spTree>
+  </p:cSld>
+  <p:clrMapOvr>
+    <a:masterClrMapping/>
+  </p:clrMapOvr>
+  <p:transition spd="slow" advTm="10000"/>
+  <p:timing>
+    <p:tnLst>
+      <p:par>
+        <p:cTn id="1" dur="indefinite" restart="never" nodeType="tmRoot"/>
+      </p:par>
+    </p:tnLst>
+  </p:timing>
+</p:sld>
+</file>
+
+<file path=ppt/slides/slide15.xml><?xml version="1.0" encoding="utf-8"?>
 <p:sld xmlns:a="http://schemas.openxmlformats.org/drawingml/2006/main" xmlns:r="http://schemas.openxmlformats.org/officeDocument/2006/relationships" xmlns:p="http://schemas.openxmlformats.org/presentationml/2006/main">
   <p:cSld>
     <p:spTree>
@@ -19548,7 +21520,7 @@
 </p:sld>
 </file>
 
-<file path=ppt/slides/slide12.xml><?xml version="1.0" encoding="utf-8"?>
+<file path=ppt/slides/slide16.xml><?xml version="1.0" encoding="utf-8"?>
 <p:sld xmlns:a="http://schemas.openxmlformats.org/drawingml/2006/main" xmlns:r="http://schemas.openxmlformats.org/officeDocument/2006/relationships" xmlns:p="http://schemas.openxmlformats.org/presentationml/2006/main">
   <p:cSld>
     <p:spTree>
@@ -19852,7 +21824,7 @@
 </p:sld>
 </file>
 
-<file path=ppt/slides/slide13.xml><?xml version="1.0" encoding="utf-8"?>
+<file path=ppt/slides/slide17.xml><?xml version="1.0" encoding="utf-8"?>
 <p:sld xmlns:a="http://schemas.openxmlformats.org/drawingml/2006/main" xmlns:r="http://schemas.openxmlformats.org/officeDocument/2006/relationships" xmlns:p="http://schemas.openxmlformats.org/presentationml/2006/main">
   <p:cSld>
     <p:spTree>
@@ -19917,7 +21889,7 @@
 </p:sld>
 </file>
 
-<file path=ppt/slides/slide14.xml><?xml version="1.0" encoding="utf-8"?>
+<file path=ppt/slides/slide18.xml><?xml version="1.0" encoding="utf-8"?>
 <p:sld xmlns:a="http://schemas.openxmlformats.org/drawingml/2006/main" xmlns:r="http://schemas.openxmlformats.org/officeDocument/2006/relationships" xmlns:p="http://schemas.openxmlformats.org/presentationml/2006/main">
   <p:cSld>
     <p:spTree>
@@ -20307,7 +22279,7 @@
 </p:sld>
 </file>
 
-<file path=ppt/slides/slide15.xml><?xml version="1.0" encoding="utf-8"?>
+<file path=ppt/slides/slide19.xml><?xml version="1.0" encoding="utf-8"?>
 <p:sld xmlns:a="http://schemas.openxmlformats.org/drawingml/2006/main" xmlns:r="http://schemas.openxmlformats.org/officeDocument/2006/relationships" xmlns:p="http://schemas.openxmlformats.org/presentationml/2006/main">
   <p:cSld>
     <p:spTree>
@@ -20399,7 +22371,405 @@
 </p:sld>
 </file>
 
-<file path=ppt/slides/slide16.xml><?xml version="1.0" encoding="utf-8"?>
+<file path=ppt/slides/slide2.xml><?xml version="1.0" encoding="utf-8"?>
+<p:sld xmlns:a="http://schemas.openxmlformats.org/drawingml/2006/main" xmlns:r="http://schemas.openxmlformats.org/officeDocument/2006/relationships" xmlns:p="http://schemas.openxmlformats.org/presentationml/2006/main">
+  <p:cSld>
+    <p:spTree>
+      <p:nvGrpSpPr>
+        <p:cNvPr id="1" name=""/>
+        <p:cNvGrpSpPr/>
+        <p:nvPr/>
+      </p:nvGrpSpPr>
+      <p:grpSpPr>
+        <a:xfrm>
+          <a:off x="0" y="0"/>
+          <a:ext cx="0" cy="0"/>
+          <a:chOff x="0" y="0"/>
+          <a:chExt cx="0" cy="0"/>
+        </a:xfrm>
+      </p:grpSpPr>
+      <p:sp>
+        <p:nvSpPr>
+          <p:cNvPr id="3" name="Titel 2"/>
+          <p:cNvSpPr>
+            <a:spLocks noGrp="1"/>
+          </p:cNvSpPr>
+          <p:nvPr>
+            <p:ph type="title"/>
+          </p:nvPr>
+        </p:nvSpPr>
+        <p:spPr/>
+        <p:txBody>
+          <a:bodyPr/>
+          <a:lstStyle/>
+          <a:p>
+            <a:r>
+              <a:rPr lang="de-DE" dirty="0" smtClean="0"/>
+              <a:t>Wer sind wir?</a:t>
+            </a:r>
+            <a:endParaRPr lang="de-DE" dirty="0"/>
+          </a:p>
+        </p:txBody>
+      </p:sp>
+      <p:sp>
+        <p:nvSpPr>
+          <p:cNvPr id="5" name="Textfeld 4"/>
+          <p:cNvSpPr txBox="1"/>
+          <p:nvPr/>
+        </p:nvSpPr>
+        <p:spPr>
+          <a:xfrm>
+            <a:off x="5292081" y="3501008"/>
+            <a:ext cx="2937022" cy="2031325"/>
+          </a:xfrm>
+          <a:prstGeom prst="rect">
+            <a:avLst/>
+          </a:prstGeom>
+          <a:noFill/>
+        </p:spPr>
+        <p:txBody>
+          <a:bodyPr wrap="none" rtlCol="0">
+            <a:spAutoFit/>
+          </a:bodyPr>
+          <a:lstStyle/>
+          <a:p>
+            <a:pPr algn="ctr"/>
+            <a:r>
+              <a:rPr lang="de-DE" sz="2200" b="1" dirty="0" smtClean="0"/>
+              <a:t>Softwareentwickler</a:t>
+            </a:r>
+            <a:br>
+              <a:rPr lang="de-DE" sz="2200" b="1" dirty="0" smtClean="0"/>
+            </a:br>
+            <a:r>
+              <a:rPr lang="de-DE" sz="1600" b="1" dirty="0" smtClean="0">
+                <a:solidFill>
+                  <a:schemeClr val="accent6"/>
+                </a:solidFill>
+              </a:rPr>
+              <a:t>Java, Spring, </a:t>
+            </a:r>
+            <a:r>
+              <a:rPr lang="de-DE" sz="1600" b="1" dirty="0" err="1" smtClean="0">
+                <a:solidFill>
+                  <a:schemeClr val="accent6"/>
+                </a:solidFill>
+              </a:rPr>
+              <a:t>Grails</a:t>
+            </a:r>
+            <a:r>
+              <a:rPr lang="de-DE" sz="1600" b="1" dirty="0" smtClean="0">
+                <a:solidFill>
+                  <a:schemeClr val="accent6"/>
+                </a:solidFill>
+              </a:rPr>
+              <a:t>, Groovy</a:t>
+            </a:r>
+          </a:p>
+          <a:p>
+            <a:pPr algn="ctr">
+              <a:lnSpc>
+                <a:spcPct val="200000"/>
+              </a:lnSpc>
+            </a:pPr>
+            <a:r>
+              <a:rPr lang="de-DE" sz="2200" b="1" dirty="0" smtClean="0"/>
+              <a:t>Trainer und Coach</a:t>
+            </a:r>
+          </a:p>
+          <a:p>
+            <a:pPr algn="ctr">
+              <a:lnSpc>
+                <a:spcPct val="200000"/>
+              </a:lnSpc>
+            </a:pPr>
+            <a:r>
+              <a:rPr lang="de-DE" sz="2200" b="1" dirty="0" smtClean="0"/>
+              <a:t>Sprecher und Autor</a:t>
+            </a:r>
+            <a:endParaRPr lang="de-DE" sz="2200" b="1" dirty="0"/>
+          </a:p>
+        </p:txBody>
+      </p:sp>
+      <p:sp>
+        <p:nvSpPr>
+          <p:cNvPr id="16" name="Textfeld 15"/>
+          <p:cNvSpPr txBox="1"/>
+          <p:nvPr/>
+        </p:nvSpPr>
+        <p:spPr>
+          <a:xfrm>
+            <a:off x="5652120" y="5589240"/>
+            <a:ext cx="2273250" cy="584775"/>
+          </a:xfrm>
+          <a:prstGeom prst="rect">
+            <a:avLst/>
+          </a:prstGeom>
+          <a:noFill/>
+        </p:spPr>
+        <p:txBody>
+          <a:bodyPr wrap="none" rtlCol="0">
+            <a:spAutoFit/>
+          </a:bodyPr>
+          <a:lstStyle/>
+          <a:p>
+            <a:pPr algn="ctr"/>
+            <a:r>
+              <a:rPr lang="de-DE" sz="1600" dirty="0" smtClean="0">
+                <a:hlinkClick r:id="rId3"/>
+              </a:rPr>
+              <a:t>twitter.com/</a:t>
+            </a:r>
+            <a:r>
+              <a:rPr lang="de-DE" sz="1600" dirty="0" err="1" smtClean="0">
+                <a:hlinkClick r:id="rId3"/>
+              </a:rPr>
+              <a:t>stefanglase</a:t>
+            </a:r>
+            <a:endParaRPr lang="de-DE" sz="1600" dirty="0" smtClean="0"/>
+          </a:p>
+          <a:p>
+            <a:pPr algn="ctr"/>
+            <a:r>
+              <a:rPr lang="de-DE" sz="1600" dirty="0" smtClean="0">
+                <a:hlinkClick r:id="rId4"/>
+              </a:rPr>
+              <a:t>github.com/</a:t>
+            </a:r>
+            <a:r>
+              <a:rPr lang="de-DE" sz="1600" dirty="0" err="1" smtClean="0">
+                <a:hlinkClick r:id="rId4"/>
+              </a:rPr>
+              <a:t>codescape</a:t>
+            </a:r>
+            <a:endParaRPr lang="de-DE" sz="1600" dirty="0" smtClean="0"/>
+          </a:p>
+        </p:txBody>
+      </p:sp>
+      <p:pic>
+        <p:nvPicPr>
+          <p:cNvPr id="17" name="Bildplatzhalter 11" descr="opitz_glase-2754.jpg"/>
+          <p:cNvPicPr>
+            <a:picLocks noChangeAspect="1"/>
+          </p:cNvPicPr>
+          <p:nvPr/>
+        </p:nvPicPr>
+        <p:blipFill>
+          <a:blip r:embed="rId5" cstate="print"/>
+          <a:srcRect l="8129" r="6522"/>
+          <a:stretch>
+            <a:fillRect/>
+          </a:stretch>
+        </p:blipFill>
+        <p:spPr>
+          <a:xfrm>
+            <a:off x="6012160" y="1412776"/>
+            <a:ext cx="1512168" cy="1941366"/>
+          </a:xfrm>
+          <a:prstGeom prst="rect">
+            <a:avLst/>
+          </a:prstGeom>
+        </p:spPr>
+      </p:pic>
+      <p:sp>
+        <p:nvSpPr>
+          <p:cNvPr id="20" name="Textfeld 19"/>
+          <p:cNvSpPr txBox="1"/>
+          <p:nvPr/>
+        </p:nvSpPr>
+        <p:spPr>
+          <a:xfrm>
+            <a:off x="971600" y="3501008"/>
+            <a:ext cx="2937022" cy="2031325"/>
+          </a:xfrm>
+          <a:prstGeom prst="rect">
+            <a:avLst/>
+          </a:prstGeom>
+          <a:noFill/>
+        </p:spPr>
+        <p:txBody>
+          <a:bodyPr wrap="none" rtlCol="0">
+            <a:spAutoFit/>
+          </a:bodyPr>
+          <a:lstStyle/>
+          <a:p>
+            <a:pPr algn="ctr"/>
+            <a:r>
+              <a:rPr lang="de-DE" sz="2200" b="1" dirty="0" smtClean="0"/>
+              <a:t>Softwareentwickler</a:t>
+            </a:r>
+            <a:br>
+              <a:rPr lang="de-DE" sz="2200" b="1" dirty="0" smtClean="0"/>
+            </a:br>
+            <a:r>
+              <a:rPr lang="de-DE" sz="1600" b="1" dirty="0" smtClean="0">
+                <a:solidFill>
+                  <a:schemeClr val="accent6"/>
+                </a:solidFill>
+              </a:rPr>
+              <a:t>Java, Spring, </a:t>
+            </a:r>
+            <a:r>
+              <a:rPr lang="de-DE" sz="1600" b="1" dirty="0" err="1" smtClean="0">
+                <a:solidFill>
+                  <a:schemeClr val="accent6"/>
+                </a:solidFill>
+              </a:rPr>
+              <a:t>Grails</a:t>
+            </a:r>
+            <a:r>
+              <a:rPr lang="de-DE" sz="1600" b="1" dirty="0" smtClean="0">
+                <a:solidFill>
+                  <a:schemeClr val="accent6"/>
+                </a:solidFill>
+              </a:rPr>
+              <a:t>, Groovy</a:t>
+            </a:r>
+          </a:p>
+          <a:p>
+            <a:pPr algn="ctr">
+              <a:lnSpc>
+                <a:spcPct val="200000"/>
+              </a:lnSpc>
+            </a:pPr>
+            <a:r>
+              <a:rPr lang="de-DE" sz="2200" b="1" dirty="0" smtClean="0"/>
+              <a:t>Trainer und Coach</a:t>
+            </a:r>
+          </a:p>
+          <a:p>
+            <a:pPr algn="ctr">
+              <a:lnSpc>
+                <a:spcPct val="200000"/>
+              </a:lnSpc>
+            </a:pPr>
+            <a:r>
+              <a:rPr lang="de-DE" sz="2200" b="1" dirty="0" smtClean="0"/>
+              <a:t>Sprecher und Autor</a:t>
+            </a:r>
+            <a:endParaRPr lang="de-DE" sz="2200" b="1" dirty="0"/>
+          </a:p>
+        </p:txBody>
+      </p:sp>
+      <p:sp>
+        <p:nvSpPr>
+          <p:cNvPr id="21" name="Textfeld 20"/>
+          <p:cNvSpPr txBox="1"/>
+          <p:nvPr/>
+        </p:nvSpPr>
+        <p:spPr>
+          <a:xfrm rot="16200000">
+            <a:off x="7072221" y="2224924"/>
+            <a:ext cx="1736373" cy="400110"/>
+          </a:xfrm>
+          <a:prstGeom prst="rect">
+            <a:avLst/>
+          </a:prstGeom>
+          <a:noFill/>
+        </p:spPr>
+        <p:txBody>
+          <a:bodyPr wrap="none" rtlCol="0">
+            <a:spAutoFit/>
+          </a:bodyPr>
+          <a:lstStyle/>
+          <a:p>
+            <a:r>
+              <a:rPr lang="de-DE" sz="2000" b="1" dirty="0" smtClean="0">
+                <a:solidFill>
+                  <a:schemeClr val="accent5"/>
+                </a:solidFill>
+              </a:rPr>
+              <a:t>Stefan Glase</a:t>
+            </a:r>
+            <a:endParaRPr lang="de-DE" sz="2000" b="1" dirty="0">
+              <a:solidFill>
+                <a:schemeClr val="accent5"/>
+              </a:solidFill>
+            </a:endParaRPr>
+          </a:p>
+        </p:txBody>
+      </p:sp>
+      <p:sp>
+        <p:nvSpPr>
+          <p:cNvPr id="22" name="Textfeld 21"/>
+          <p:cNvSpPr txBox="1"/>
+          <p:nvPr/>
+        </p:nvSpPr>
+        <p:spPr>
+          <a:xfrm rot="16200000">
+            <a:off x="2476156" y="2224924"/>
+            <a:ext cx="2063385" cy="400110"/>
+          </a:xfrm>
+          <a:prstGeom prst="rect">
+            <a:avLst/>
+          </a:prstGeom>
+          <a:noFill/>
+        </p:spPr>
+        <p:txBody>
+          <a:bodyPr wrap="none" rtlCol="0">
+            <a:spAutoFit/>
+          </a:bodyPr>
+          <a:lstStyle/>
+          <a:p>
+            <a:r>
+              <a:rPr lang="de-DE" sz="2000" b="1" dirty="0" smtClean="0">
+                <a:solidFill>
+                  <a:schemeClr val="accent5"/>
+                </a:solidFill>
+              </a:rPr>
+              <a:t>Michael Stähler</a:t>
+            </a:r>
+            <a:endParaRPr lang="de-DE" sz="2000" b="1" dirty="0">
+              <a:solidFill>
+                <a:schemeClr val="accent5"/>
+              </a:solidFill>
+            </a:endParaRPr>
+          </a:p>
+        </p:txBody>
+      </p:sp>
+      <p:pic>
+        <p:nvPicPr>
+          <p:cNvPr id="14338" name="Picture 2" descr="Benutzeravatar"/>
+          <p:cNvPicPr>
+            <a:picLocks noChangeAspect="1" noChangeArrowheads="1"/>
+          </p:cNvPicPr>
+          <p:nvPr/>
+        </p:nvPicPr>
+        <p:blipFill>
+          <a:blip r:embed="rId6" cstate="print"/>
+          <a:srcRect/>
+          <a:stretch>
+            <a:fillRect/>
+          </a:stretch>
+        </p:blipFill>
+        <p:spPr bwMode="auto">
+          <a:xfrm>
+            <a:off x="1370485" y="1412776"/>
+            <a:ext cx="1977379" cy="1977381"/>
+          </a:xfrm>
+          <a:prstGeom prst="rect">
+            <a:avLst/>
+          </a:prstGeom>
+          <a:noFill/>
+        </p:spPr>
+      </p:pic>
+    </p:spTree>
+  </p:cSld>
+  <p:clrMapOvr>
+    <a:masterClrMapping/>
+  </p:clrMapOvr>
+  <p:transition spd="slow" advTm="10000"/>
+  <p:timing>
+    <p:tnLst>
+      <p:par>
+        <p:cTn id="1" dur="indefinite" restart="never" nodeType="tmRoot"/>
+      </p:par>
+    </p:tnLst>
+  </p:timing>
+</p:sld>
+</file>
+
+<file path=ppt/slides/slide20.xml><?xml version="1.0" encoding="utf-8"?>
 <p:sld xmlns:a="http://schemas.openxmlformats.org/drawingml/2006/main" xmlns:r="http://schemas.openxmlformats.org/officeDocument/2006/relationships" xmlns:p="http://schemas.openxmlformats.org/presentationml/2006/main">
   <p:cSld>
     <p:spTree>
@@ -21727,7 +24097,7 @@
 </p:sld>
 </file>
 
-<file path=ppt/slides/slide17.xml><?xml version="1.0" encoding="utf-8"?>
+<file path=ppt/slides/slide21.xml><?xml version="1.0" encoding="utf-8"?>
 <p:sld xmlns:a="http://schemas.openxmlformats.org/drawingml/2006/main" xmlns:r="http://schemas.openxmlformats.org/officeDocument/2006/relationships" xmlns:p="http://schemas.openxmlformats.org/presentationml/2006/main">
   <p:cSld>
     <p:spTree>
@@ -21799,6 +24169,38 @@
                 <a:latin typeface="Consolas" pitchFamily="49" charset="0"/>
                 <a:cs typeface="Consolas" pitchFamily="49" charset="0"/>
               </a:rPr>
+              <a:t> Customer {</a:t>
+            </a:r>
+          </a:p>
+          <a:p>
+            <a:r>
+              <a:rPr lang="de-DE" dirty="0" smtClean="0">
+                <a:latin typeface="Consolas" pitchFamily="49" charset="0"/>
+                <a:cs typeface="Consolas" pitchFamily="49" charset="0"/>
+              </a:rPr>
+              <a:t>    String </a:t>
+            </a:r>
+            <a:r>
+              <a:rPr lang="de-DE" dirty="0" err="1" smtClean="0">
+                <a:latin typeface="Consolas" pitchFamily="49" charset="0"/>
+                <a:cs typeface="Consolas" pitchFamily="49" charset="0"/>
+              </a:rPr>
+              <a:t>name</a:t>
+            </a:r>
+            <a:r>
+              <a:rPr lang="de-DE" dirty="0" smtClean="0">
+                <a:latin typeface="Consolas" pitchFamily="49" charset="0"/>
+                <a:cs typeface="Consolas" pitchFamily="49" charset="0"/>
+              </a:rPr>
+              <a:t>    </a:t>
+            </a:r>
+          </a:p>
+          <a:p>
+            <a:r>
+              <a:rPr lang="de-DE" dirty="0">
+                <a:latin typeface="Consolas" pitchFamily="49" charset="0"/>
+                <a:cs typeface="Consolas" pitchFamily="49" charset="0"/>
+              </a:rPr>
               <a:t> </a:t>
             </a:r>
             <a:r>
@@ -21806,38 +24208,10 @@
                 <a:latin typeface="Consolas" pitchFamily="49" charset="0"/>
                 <a:cs typeface="Consolas" pitchFamily="49" charset="0"/>
               </a:rPr>
-              <a:t>Customer </a:t>
-            </a:r>
-            <a:r>
-              <a:rPr lang="de-DE" dirty="0" smtClean="0">
-                <a:latin typeface="Consolas" pitchFamily="49" charset="0"/>
-                <a:cs typeface="Consolas" pitchFamily="49" charset="0"/>
-              </a:rPr>
-              <a:t>{</a:t>
-            </a:r>
-          </a:p>
-          <a:p>
-            <a:r>
-              <a:rPr lang="de-DE" dirty="0" smtClean="0">
-                <a:latin typeface="Consolas" pitchFamily="49" charset="0"/>
-                <a:cs typeface="Consolas" pitchFamily="49" charset="0"/>
-              </a:rPr>
-              <a:t>    String </a:t>
-            </a:r>
-            <a:r>
-              <a:rPr lang="de-DE" dirty="0" err="1" smtClean="0">
-                <a:latin typeface="Consolas" pitchFamily="49" charset="0"/>
-                <a:cs typeface="Consolas" pitchFamily="49" charset="0"/>
-              </a:rPr>
-              <a:t>name</a:t>
-            </a:r>
-            <a:r>
-              <a:rPr lang="de-DE" dirty="0" smtClean="0">
-                <a:latin typeface="Consolas" pitchFamily="49" charset="0"/>
-                <a:cs typeface="Consolas" pitchFamily="49" charset="0"/>
-              </a:rPr>
-              <a:t>    </a:t>
-            </a:r>
+              <a:t>   String email</a:t>
+            </a:r>
+          </a:p>
+          <a:p>
             <a:endParaRPr lang="de-DE" dirty="0" smtClean="0">
               <a:latin typeface="Consolas" pitchFamily="49" charset="0"/>
               <a:cs typeface="Consolas" pitchFamily="49" charset="0"/>
@@ -21845,19 +24219,58 @@
           </a:p>
           <a:p>
             <a:r>
-              <a:rPr lang="de-DE" dirty="0">
+              <a:rPr lang="de-DE" dirty="0" smtClean="0">
+                <a:latin typeface="Consolas" pitchFamily="49" charset="0"/>
+                <a:cs typeface="Consolas" pitchFamily="49" charset="0"/>
+              </a:rPr>
+              <a:t>    </a:t>
+            </a:r>
+            <a:r>
+              <a:rPr lang="de-DE" dirty="0" err="1" smtClean="0">
+                <a:latin typeface="Consolas" pitchFamily="49" charset="0"/>
+                <a:cs typeface="Consolas" pitchFamily="49" charset="0"/>
+              </a:rPr>
+              <a:t>static</a:t>
+            </a:r>
+            <a:r>
+              <a:rPr lang="de-DE" dirty="0" smtClean="0">
                 <a:latin typeface="Consolas" pitchFamily="49" charset="0"/>
                 <a:cs typeface="Consolas" pitchFamily="49" charset="0"/>
               </a:rPr>
               <a:t> </a:t>
             </a:r>
             <a:r>
+              <a:rPr lang="de-DE" dirty="0" err="1" smtClean="0">
+                <a:latin typeface="Consolas" pitchFamily="49" charset="0"/>
+                <a:cs typeface="Consolas" pitchFamily="49" charset="0"/>
+              </a:rPr>
+              <a:t>hasMany</a:t>
+            </a:r>
+            <a:r>
               <a:rPr lang="de-DE" dirty="0" smtClean="0">
                 <a:latin typeface="Consolas" pitchFamily="49" charset="0"/>
                 <a:cs typeface="Consolas" pitchFamily="49" charset="0"/>
               </a:rPr>
-              <a:t>   String email</a:t>
-            </a:r>
+              <a:t> = [</a:t>
+            </a:r>
+            <a:r>
+              <a:rPr lang="de-DE" dirty="0" err="1" smtClean="0">
+                <a:latin typeface="Consolas" pitchFamily="49" charset="0"/>
+                <a:cs typeface="Consolas" pitchFamily="49" charset="0"/>
+              </a:rPr>
+              <a:t>orders</a:t>
+            </a:r>
+            <a:r>
+              <a:rPr lang="de-DE" dirty="0" smtClean="0">
+                <a:latin typeface="Consolas" pitchFamily="49" charset="0"/>
+                <a:cs typeface="Consolas" pitchFamily="49" charset="0"/>
+              </a:rPr>
+              <a:t>: Order]</a:t>
+            </a:r>
+            <a:endParaRPr lang="de-DE" dirty="0">
+              <a:latin typeface="Consolas" pitchFamily="49" charset="0"/>
+              <a:cs typeface="Consolas" pitchFamily="49" charset="0"/>
+            </a:endParaRPr>
           </a:p>
           <a:p>
             <a:endParaRPr lang="de-DE" dirty="0" smtClean="0">
@@ -21892,33 +24305,112 @@
                 <a:latin typeface="Consolas" pitchFamily="49" charset="0"/>
                 <a:cs typeface="Consolas" pitchFamily="49" charset="0"/>
               </a:rPr>
-              <a:t>hasMany</a:t>
+              <a:t>constraints</a:t>
             </a:r>
             <a:r>
               <a:rPr lang="de-DE" dirty="0" smtClean="0">
                 <a:latin typeface="Consolas" pitchFamily="49" charset="0"/>
                 <a:cs typeface="Consolas" pitchFamily="49" charset="0"/>
               </a:rPr>
-              <a:t> = [</a:t>
+              <a:t> = {</a:t>
+            </a:r>
+          </a:p>
+          <a:p>
+            <a:r>
+              <a:rPr lang="de-DE" dirty="0" smtClean="0">
+                <a:latin typeface="Consolas" pitchFamily="49" charset="0"/>
+                <a:cs typeface="Consolas" pitchFamily="49" charset="0"/>
+              </a:rPr>
+              <a:t>        </a:t>
             </a:r>
             <a:r>
               <a:rPr lang="de-DE" dirty="0" err="1" smtClean="0">
                 <a:latin typeface="Consolas" pitchFamily="49" charset="0"/>
                 <a:cs typeface="Consolas" pitchFamily="49" charset="0"/>
               </a:rPr>
-              <a:t>orders</a:t>
+              <a:t>name</a:t>
             </a:r>
             <a:r>
               <a:rPr lang="de-DE" dirty="0" smtClean="0">
                 <a:latin typeface="Consolas" pitchFamily="49" charset="0"/>
                 <a:cs typeface="Consolas" pitchFamily="49" charset="0"/>
               </a:rPr>
-              <a:t>: Order]</a:t>
-            </a:r>
-            <a:endParaRPr lang="de-DE" dirty="0">
-              <a:latin typeface="Consolas" pitchFamily="49" charset="0"/>
-              <a:cs typeface="Consolas" pitchFamily="49" charset="0"/>
-            </a:endParaRPr>
+              <a:t>(blank: </a:t>
+            </a:r>
+            <a:r>
+              <a:rPr lang="de-DE" dirty="0" err="1" smtClean="0">
+                <a:latin typeface="Consolas" pitchFamily="49" charset="0"/>
+                <a:cs typeface="Consolas" pitchFamily="49" charset="0"/>
+              </a:rPr>
+              <a:t>false</a:t>
+            </a:r>
+            <a:r>
+              <a:rPr lang="de-DE" dirty="0" smtClean="0">
+                <a:latin typeface="Consolas" pitchFamily="49" charset="0"/>
+                <a:cs typeface="Consolas" pitchFamily="49" charset="0"/>
+              </a:rPr>
+              <a:t>)        </a:t>
+            </a:r>
+          </a:p>
+          <a:p>
+            <a:r>
+              <a:rPr lang="de-DE" dirty="0" smtClean="0">
+                <a:latin typeface="Consolas" pitchFamily="49" charset="0"/>
+                <a:cs typeface="Consolas" pitchFamily="49" charset="0"/>
+              </a:rPr>
+              <a:t>        email(</a:t>
+            </a:r>
+            <a:r>
+              <a:rPr lang="de-DE" dirty="0" err="1" smtClean="0">
+                <a:latin typeface="Consolas" pitchFamily="49" charset="0"/>
+                <a:cs typeface="Consolas" pitchFamily="49" charset="0"/>
+              </a:rPr>
+              <a:t>unique</a:t>
+            </a:r>
+            <a:r>
+              <a:rPr lang="de-DE" dirty="0" smtClean="0">
+                <a:latin typeface="Consolas" pitchFamily="49" charset="0"/>
+                <a:cs typeface="Consolas" pitchFamily="49" charset="0"/>
+              </a:rPr>
+              <a:t>: </a:t>
+            </a:r>
+            <a:r>
+              <a:rPr lang="de-DE" dirty="0" err="1" smtClean="0">
+                <a:latin typeface="Consolas" pitchFamily="49" charset="0"/>
+                <a:cs typeface="Consolas" pitchFamily="49" charset="0"/>
+              </a:rPr>
+              <a:t>true</a:t>
+            </a:r>
+            <a:r>
+              <a:rPr lang="de-DE" dirty="0" smtClean="0">
+                <a:latin typeface="Consolas" pitchFamily="49" charset="0"/>
+                <a:cs typeface="Consolas" pitchFamily="49" charset="0"/>
+              </a:rPr>
+              <a:t>, email: </a:t>
+            </a:r>
+            <a:r>
+              <a:rPr lang="de-DE" dirty="0" err="1" smtClean="0">
+                <a:latin typeface="Consolas" pitchFamily="49" charset="0"/>
+                <a:cs typeface="Consolas" pitchFamily="49" charset="0"/>
+              </a:rPr>
+              <a:t>true</a:t>
+            </a:r>
+            <a:r>
+              <a:rPr lang="de-DE" dirty="0" smtClean="0">
+                <a:latin typeface="Consolas" pitchFamily="49" charset="0"/>
+                <a:cs typeface="Consolas" pitchFamily="49" charset="0"/>
+              </a:rPr>
+              <a:t>)</a:t>
+            </a:r>
+          </a:p>
+          <a:p>
+            <a:r>
+              <a:rPr lang="de-DE" dirty="0" smtClean="0">
+                <a:latin typeface="Consolas" pitchFamily="49" charset="0"/>
+                <a:cs typeface="Consolas" pitchFamily="49" charset="0"/>
+              </a:rPr>
+              <a:t>    }</a:t>
+            </a:r>
           </a:p>
           <a:p>
             <a:endParaRPr lang="de-DE" dirty="0" smtClean="0">
@@ -21932,216 +24424,44 @@
                 <a:latin typeface="Consolas" pitchFamily="49" charset="0"/>
                 <a:cs typeface="Consolas" pitchFamily="49" charset="0"/>
               </a:rPr>
-              <a:t>    </a:t>
+              <a:t>    String </a:t>
             </a:r>
             <a:r>
               <a:rPr lang="de-DE" dirty="0" err="1" smtClean="0">
                 <a:latin typeface="Consolas" pitchFamily="49" charset="0"/>
                 <a:cs typeface="Consolas" pitchFamily="49" charset="0"/>
               </a:rPr>
-              <a:t>static</a:t>
+              <a:t>toString</a:t>
             </a:r>
             <a:r>
               <a:rPr lang="de-DE" dirty="0" smtClean="0">
                 <a:latin typeface="Consolas" pitchFamily="49" charset="0"/>
                 <a:cs typeface="Consolas" pitchFamily="49" charset="0"/>
               </a:rPr>
-              <a:t> </a:t>
+              <a:t>() {</a:t>
+            </a:r>
+          </a:p>
+          <a:p>
+            <a:r>
+              <a:rPr lang="de-DE" dirty="0" smtClean="0">
+                <a:latin typeface="Consolas" pitchFamily="49" charset="0"/>
+                <a:cs typeface="Consolas" pitchFamily="49" charset="0"/>
+              </a:rPr>
+              <a:t>        "$</a:t>
             </a:r>
             <a:r>
               <a:rPr lang="de-DE" dirty="0" err="1" smtClean="0">
                 <a:latin typeface="Consolas" pitchFamily="49" charset="0"/>
                 <a:cs typeface="Consolas" pitchFamily="49" charset="0"/>
               </a:rPr>
-              <a:t>constraints</a:t>
+              <a:t>name</a:t>
             </a:r>
             <a:r>
               <a:rPr lang="de-DE" dirty="0" smtClean="0">
                 <a:latin typeface="Consolas" pitchFamily="49" charset="0"/>
                 <a:cs typeface="Consolas" pitchFamily="49" charset="0"/>
               </a:rPr>
-              <a:t> = {</a:t>
-            </a:r>
-          </a:p>
-          <a:p>
-            <a:r>
-              <a:rPr lang="de-DE" dirty="0" smtClean="0">
-                <a:latin typeface="Consolas" pitchFamily="49" charset="0"/>
-                <a:cs typeface="Consolas" pitchFamily="49" charset="0"/>
-              </a:rPr>
-              <a:t>        </a:t>
-            </a:r>
-            <a:r>
-              <a:rPr lang="de-DE" dirty="0" err="1" smtClean="0">
-                <a:latin typeface="Consolas" pitchFamily="49" charset="0"/>
-                <a:cs typeface="Consolas" pitchFamily="49" charset="0"/>
-              </a:rPr>
-              <a:t>name</a:t>
-            </a:r>
-            <a:r>
-              <a:rPr lang="de-DE" dirty="0" smtClean="0">
-                <a:latin typeface="Consolas" pitchFamily="49" charset="0"/>
-                <a:cs typeface="Consolas" pitchFamily="49" charset="0"/>
-              </a:rPr>
-              <a:t>(blank</a:t>
-            </a:r>
-            <a:r>
-              <a:rPr lang="de-DE" dirty="0" smtClean="0">
-                <a:latin typeface="Consolas" pitchFamily="49" charset="0"/>
-                <a:cs typeface="Consolas" pitchFamily="49" charset="0"/>
-              </a:rPr>
-              <a:t>: </a:t>
-            </a:r>
-            <a:r>
-              <a:rPr lang="de-DE" dirty="0" err="1" smtClean="0">
-                <a:latin typeface="Consolas" pitchFamily="49" charset="0"/>
-                <a:cs typeface="Consolas" pitchFamily="49" charset="0"/>
-              </a:rPr>
-              <a:t>false</a:t>
-            </a:r>
-            <a:r>
-              <a:rPr lang="de-DE" dirty="0" smtClean="0">
-                <a:latin typeface="Consolas" pitchFamily="49" charset="0"/>
-                <a:cs typeface="Consolas" pitchFamily="49" charset="0"/>
-              </a:rPr>
-              <a:t>)        </a:t>
-            </a:r>
-            <a:endParaRPr lang="de-DE" dirty="0" smtClean="0">
-              <a:latin typeface="Consolas" pitchFamily="49" charset="0"/>
-              <a:cs typeface="Consolas" pitchFamily="49" charset="0"/>
-            </a:endParaRPr>
-          </a:p>
-          <a:p>
-            <a:r>
-              <a:rPr lang="de-DE" dirty="0" smtClean="0">
-                <a:latin typeface="Consolas" pitchFamily="49" charset="0"/>
-                <a:cs typeface="Consolas" pitchFamily="49" charset="0"/>
-              </a:rPr>
-              <a:t>        email(</a:t>
-            </a:r>
-            <a:r>
-              <a:rPr lang="de-DE" dirty="0" err="1" smtClean="0">
-                <a:latin typeface="Consolas" pitchFamily="49" charset="0"/>
-                <a:cs typeface="Consolas" pitchFamily="49" charset="0"/>
-              </a:rPr>
-              <a:t>unique</a:t>
-            </a:r>
-            <a:r>
-              <a:rPr lang="de-DE" dirty="0" smtClean="0">
-                <a:latin typeface="Consolas" pitchFamily="49" charset="0"/>
-                <a:cs typeface="Consolas" pitchFamily="49" charset="0"/>
-              </a:rPr>
-              <a:t>: </a:t>
-            </a:r>
-            <a:r>
-              <a:rPr lang="de-DE" dirty="0" err="1" smtClean="0">
-                <a:latin typeface="Consolas" pitchFamily="49" charset="0"/>
-                <a:cs typeface="Consolas" pitchFamily="49" charset="0"/>
-              </a:rPr>
-              <a:t>true</a:t>
-            </a:r>
-            <a:r>
-              <a:rPr lang="de-DE" dirty="0" smtClean="0">
-                <a:latin typeface="Consolas" pitchFamily="49" charset="0"/>
-                <a:cs typeface="Consolas" pitchFamily="49" charset="0"/>
-              </a:rPr>
-              <a:t>, email: </a:t>
-            </a:r>
-            <a:r>
-              <a:rPr lang="de-DE" dirty="0" err="1" smtClean="0">
-                <a:latin typeface="Consolas" pitchFamily="49" charset="0"/>
-                <a:cs typeface="Consolas" pitchFamily="49" charset="0"/>
-              </a:rPr>
-              <a:t>true</a:t>
-            </a:r>
-            <a:r>
-              <a:rPr lang="de-DE" dirty="0" smtClean="0">
-                <a:latin typeface="Consolas" pitchFamily="49" charset="0"/>
-                <a:cs typeface="Consolas" pitchFamily="49" charset="0"/>
-              </a:rPr>
-              <a:t>)</a:t>
-            </a:r>
-          </a:p>
-          <a:p>
-            <a:r>
-              <a:rPr lang="de-DE" dirty="0" smtClean="0">
-                <a:latin typeface="Consolas" pitchFamily="49" charset="0"/>
-                <a:cs typeface="Consolas" pitchFamily="49" charset="0"/>
-              </a:rPr>
-              <a:t>    }</a:t>
-            </a:r>
-          </a:p>
-          <a:p>
-            <a:endParaRPr lang="de-DE" dirty="0" smtClean="0">
-              <a:latin typeface="Consolas" pitchFamily="49" charset="0"/>
-              <a:cs typeface="Consolas" pitchFamily="49" charset="0"/>
-            </a:endParaRPr>
-          </a:p>
-          <a:p>
-            <a:r>
-              <a:rPr lang="de-DE" dirty="0" smtClean="0">
-                <a:latin typeface="Consolas" pitchFamily="49" charset="0"/>
-                <a:cs typeface="Consolas" pitchFamily="49" charset="0"/>
-              </a:rPr>
-              <a:t>    </a:t>
-            </a:r>
-            <a:r>
-              <a:rPr lang="de-DE" dirty="0" smtClean="0">
-                <a:latin typeface="Consolas" pitchFamily="49" charset="0"/>
-                <a:cs typeface="Consolas" pitchFamily="49" charset="0"/>
-              </a:rPr>
-              <a:t>String </a:t>
-            </a:r>
-            <a:r>
-              <a:rPr lang="de-DE" dirty="0" err="1" smtClean="0">
-                <a:latin typeface="Consolas" pitchFamily="49" charset="0"/>
-                <a:cs typeface="Consolas" pitchFamily="49" charset="0"/>
-              </a:rPr>
-              <a:t>toString</a:t>
-            </a:r>
-            <a:r>
-              <a:rPr lang="de-DE" dirty="0" smtClean="0">
-                <a:latin typeface="Consolas" pitchFamily="49" charset="0"/>
-                <a:cs typeface="Consolas" pitchFamily="49" charset="0"/>
-              </a:rPr>
-              <a:t>() {</a:t>
-            </a:r>
-          </a:p>
-          <a:p>
-            <a:r>
-              <a:rPr lang="de-DE" dirty="0" smtClean="0">
-                <a:latin typeface="Consolas" pitchFamily="49" charset="0"/>
-                <a:cs typeface="Consolas" pitchFamily="49" charset="0"/>
-              </a:rPr>
-              <a:t>        </a:t>
-            </a:r>
-            <a:r>
-              <a:rPr lang="de-DE" dirty="0" smtClean="0">
-                <a:latin typeface="Consolas" pitchFamily="49" charset="0"/>
-                <a:cs typeface="Consolas" pitchFamily="49" charset="0"/>
-              </a:rPr>
-              <a:t>"$</a:t>
-            </a:r>
-            <a:r>
-              <a:rPr lang="de-DE" dirty="0" err="1" smtClean="0">
-                <a:latin typeface="Consolas" pitchFamily="49" charset="0"/>
-                <a:cs typeface="Consolas" pitchFamily="49" charset="0"/>
-              </a:rPr>
-              <a:t>name</a:t>
-            </a:r>
-            <a:r>
-              <a:rPr lang="de-DE" dirty="0" smtClean="0">
-                <a:latin typeface="Consolas" pitchFamily="49" charset="0"/>
-                <a:cs typeface="Consolas" pitchFamily="49" charset="0"/>
-              </a:rPr>
-              <a:t> ($</a:t>
-            </a:r>
-            <a:r>
-              <a:rPr lang="de-DE" dirty="0" smtClean="0">
-                <a:latin typeface="Consolas" pitchFamily="49" charset="0"/>
-                <a:cs typeface="Consolas" pitchFamily="49" charset="0"/>
-              </a:rPr>
-              <a:t>email)"</a:t>
+              <a:t> ($email)"</a:t>
             </a:r>
           </a:p>
           <a:p>
@@ -22302,7 +24622,7 @@
 </p:sld>
 </file>
 
-<file path=ppt/slides/slide18.xml><?xml version="1.0" encoding="utf-8"?>
+<file path=ppt/slides/slide22.xml><?xml version="1.0" encoding="utf-8"?>
 <p:sld xmlns:a="http://schemas.openxmlformats.org/drawingml/2006/main" xmlns:r="http://schemas.openxmlformats.org/officeDocument/2006/relationships" xmlns:p="http://schemas.openxmlformats.org/presentationml/2006/main">
   <p:cSld>
     <p:spTree>
@@ -22422,7 +24742,7 @@
 </p:sld>
 </file>
 
-<file path=ppt/slides/slide19.xml><?xml version="1.0" encoding="utf-8"?>
+<file path=ppt/slides/slide23.xml><?xml version="1.0" encoding="utf-8"?>
 <p:sld xmlns:a="http://schemas.openxmlformats.org/drawingml/2006/main" xmlns:r="http://schemas.openxmlformats.org/officeDocument/2006/relationships" xmlns:p="http://schemas.openxmlformats.org/presentationml/2006/main">
   <p:cSld>
     <p:spTree>
@@ -22868,405 +25188,7 @@
 </p:sld>
 </file>
 
-<file path=ppt/slides/slide2.xml><?xml version="1.0" encoding="utf-8"?>
-<p:sld xmlns:a="http://schemas.openxmlformats.org/drawingml/2006/main" xmlns:r="http://schemas.openxmlformats.org/officeDocument/2006/relationships" xmlns:p="http://schemas.openxmlformats.org/presentationml/2006/main">
-  <p:cSld>
-    <p:spTree>
-      <p:nvGrpSpPr>
-        <p:cNvPr id="1" name=""/>
-        <p:cNvGrpSpPr/>
-        <p:nvPr/>
-      </p:nvGrpSpPr>
-      <p:grpSpPr>
-        <a:xfrm>
-          <a:off x="0" y="0"/>
-          <a:ext cx="0" cy="0"/>
-          <a:chOff x="0" y="0"/>
-          <a:chExt cx="0" cy="0"/>
-        </a:xfrm>
-      </p:grpSpPr>
-      <p:sp>
-        <p:nvSpPr>
-          <p:cNvPr id="3" name="Titel 2"/>
-          <p:cNvSpPr>
-            <a:spLocks noGrp="1"/>
-          </p:cNvSpPr>
-          <p:nvPr>
-            <p:ph type="title"/>
-          </p:nvPr>
-        </p:nvSpPr>
-        <p:spPr/>
-        <p:txBody>
-          <a:bodyPr/>
-          <a:lstStyle/>
-          <a:p>
-            <a:r>
-              <a:rPr lang="de-DE" dirty="0" smtClean="0"/>
-              <a:t>Wer sind wir?</a:t>
-            </a:r>
-            <a:endParaRPr lang="de-DE" dirty="0"/>
-          </a:p>
-        </p:txBody>
-      </p:sp>
-      <p:sp>
-        <p:nvSpPr>
-          <p:cNvPr id="5" name="Textfeld 4"/>
-          <p:cNvSpPr txBox="1"/>
-          <p:nvPr/>
-        </p:nvSpPr>
-        <p:spPr>
-          <a:xfrm>
-            <a:off x="5292081" y="3501008"/>
-            <a:ext cx="2937022" cy="2031325"/>
-          </a:xfrm>
-          <a:prstGeom prst="rect">
-            <a:avLst/>
-          </a:prstGeom>
-          <a:noFill/>
-        </p:spPr>
-        <p:txBody>
-          <a:bodyPr wrap="none" rtlCol="0">
-            <a:spAutoFit/>
-          </a:bodyPr>
-          <a:lstStyle/>
-          <a:p>
-            <a:pPr algn="ctr"/>
-            <a:r>
-              <a:rPr lang="de-DE" sz="2200" b="1" dirty="0" smtClean="0"/>
-              <a:t>Softwareentwickler</a:t>
-            </a:r>
-            <a:br>
-              <a:rPr lang="de-DE" sz="2200" b="1" dirty="0" smtClean="0"/>
-            </a:br>
-            <a:r>
-              <a:rPr lang="de-DE" sz="1600" b="1" dirty="0" smtClean="0">
-                <a:solidFill>
-                  <a:schemeClr val="accent6"/>
-                </a:solidFill>
-              </a:rPr>
-              <a:t>Java, Spring, </a:t>
-            </a:r>
-            <a:r>
-              <a:rPr lang="de-DE" sz="1600" b="1" dirty="0" err="1" smtClean="0">
-                <a:solidFill>
-                  <a:schemeClr val="accent6"/>
-                </a:solidFill>
-              </a:rPr>
-              <a:t>Grails</a:t>
-            </a:r>
-            <a:r>
-              <a:rPr lang="de-DE" sz="1600" b="1" dirty="0" smtClean="0">
-                <a:solidFill>
-                  <a:schemeClr val="accent6"/>
-                </a:solidFill>
-              </a:rPr>
-              <a:t>, Groovy</a:t>
-            </a:r>
-          </a:p>
-          <a:p>
-            <a:pPr algn="ctr">
-              <a:lnSpc>
-                <a:spcPct val="200000"/>
-              </a:lnSpc>
-            </a:pPr>
-            <a:r>
-              <a:rPr lang="de-DE" sz="2200" b="1" dirty="0" smtClean="0"/>
-              <a:t>Trainer und Coach</a:t>
-            </a:r>
-          </a:p>
-          <a:p>
-            <a:pPr algn="ctr">
-              <a:lnSpc>
-                <a:spcPct val="200000"/>
-              </a:lnSpc>
-            </a:pPr>
-            <a:r>
-              <a:rPr lang="de-DE" sz="2200" b="1" dirty="0" smtClean="0"/>
-              <a:t>Sprecher und Autor</a:t>
-            </a:r>
-            <a:endParaRPr lang="de-DE" sz="2200" b="1" dirty="0"/>
-          </a:p>
-        </p:txBody>
-      </p:sp>
-      <p:sp>
-        <p:nvSpPr>
-          <p:cNvPr id="16" name="Textfeld 15"/>
-          <p:cNvSpPr txBox="1"/>
-          <p:nvPr/>
-        </p:nvSpPr>
-        <p:spPr>
-          <a:xfrm>
-            <a:off x="5652120" y="5589240"/>
-            <a:ext cx="2273250" cy="584775"/>
-          </a:xfrm>
-          <a:prstGeom prst="rect">
-            <a:avLst/>
-          </a:prstGeom>
-          <a:noFill/>
-        </p:spPr>
-        <p:txBody>
-          <a:bodyPr wrap="none" rtlCol="0">
-            <a:spAutoFit/>
-          </a:bodyPr>
-          <a:lstStyle/>
-          <a:p>
-            <a:pPr algn="ctr"/>
-            <a:r>
-              <a:rPr lang="de-DE" sz="1600" dirty="0" smtClean="0">
-                <a:hlinkClick r:id="rId3"/>
-              </a:rPr>
-              <a:t>twitter.com/</a:t>
-            </a:r>
-            <a:r>
-              <a:rPr lang="de-DE" sz="1600" dirty="0" err="1" smtClean="0">
-                <a:hlinkClick r:id="rId3"/>
-              </a:rPr>
-              <a:t>stefanglase</a:t>
-            </a:r>
-            <a:endParaRPr lang="de-DE" sz="1600" dirty="0" smtClean="0"/>
-          </a:p>
-          <a:p>
-            <a:pPr algn="ctr"/>
-            <a:r>
-              <a:rPr lang="de-DE" sz="1600" dirty="0" smtClean="0">
-                <a:hlinkClick r:id="rId4"/>
-              </a:rPr>
-              <a:t>github.com/</a:t>
-            </a:r>
-            <a:r>
-              <a:rPr lang="de-DE" sz="1600" dirty="0" err="1" smtClean="0">
-                <a:hlinkClick r:id="rId4"/>
-              </a:rPr>
-              <a:t>codescape</a:t>
-            </a:r>
-            <a:endParaRPr lang="de-DE" sz="1600" dirty="0" smtClean="0"/>
-          </a:p>
-        </p:txBody>
-      </p:sp>
-      <p:pic>
-        <p:nvPicPr>
-          <p:cNvPr id="17" name="Bildplatzhalter 11" descr="opitz_glase-2754.jpg"/>
-          <p:cNvPicPr>
-            <a:picLocks noChangeAspect="1"/>
-          </p:cNvPicPr>
-          <p:nvPr/>
-        </p:nvPicPr>
-        <p:blipFill>
-          <a:blip r:embed="rId5" cstate="print"/>
-          <a:srcRect l="8129" r="6522"/>
-          <a:stretch>
-            <a:fillRect/>
-          </a:stretch>
-        </p:blipFill>
-        <p:spPr>
-          <a:xfrm>
-            <a:off x="6012160" y="1412776"/>
-            <a:ext cx="1512168" cy="1941366"/>
-          </a:xfrm>
-          <a:prstGeom prst="rect">
-            <a:avLst/>
-          </a:prstGeom>
-        </p:spPr>
-      </p:pic>
-      <p:sp>
-        <p:nvSpPr>
-          <p:cNvPr id="20" name="Textfeld 19"/>
-          <p:cNvSpPr txBox="1"/>
-          <p:nvPr/>
-        </p:nvSpPr>
-        <p:spPr>
-          <a:xfrm>
-            <a:off x="971600" y="3501008"/>
-            <a:ext cx="2937022" cy="2031325"/>
-          </a:xfrm>
-          <a:prstGeom prst="rect">
-            <a:avLst/>
-          </a:prstGeom>
-          <a:noFill/>
-        </p:spPr>
-        <p:txBody>
-          <a:bodyPr wrap="none" rtlCol="0">
-            <a:spAutoFit/>
-          </a:bodyPr>
-          <a:lstStyle/>
-          <a:p>
-            <a:pPr algn="ctr"/>
-            <a:r>
-              <a:rPr lang="de-DE" sz="2200" b="1" dirty="0" smtClean="0"/>
-              <a:t>Softwareentwickler</a:t>
-            </a:r>
-            <a:br>
-              <a:rPr lang="de-DE" sz="2200" b="1" dirty="0" smtClean="0"/>
-            </a:br>
-            <a:r>
-              <a:rPr lang="de-DE" sz="1600" b="1" dirty="0" smtClean="0">
-                <a:solidFill>
-                  <a:schemeClr val="accent6"/>
-                </a:solidFill>
-              </a:rPr>
-              <a:t>Java, Spring, </a:t>
-            </a:r>
-            <a:r>
-              <a:rPr lang="de-DE" sz="1600" b="1" dirty="0" err="1" smtClean="0">
-                <a:solidFill>
-                  <a:schemeClr val="accent6"/>
-                </a:solidFill>
-              </a:rPr>
-              <a:t>Grails</a:t>
-            </a:r>
-            <a:r>
-              <a:rPr lang="de-DE" sz="1600" b="1" dirty="0" smtClean="0">
-                <a:solidFill>
-                  <a:schemeClr val="accent6"/>
-                </a:solidFill>
-              </a:rPr>
-              <a:t>, Groovy</a:t>
-            </a:r>
-          </a:p>
-          <a:p>
-            <a:pPr algn="ctr">
-              <a:lnSpc>
-                <a:spcPct val="200000"/>
-              </a:lnSpc>
-            </a:pPr>
-            <a:r>
-              <a:rPr lang="de-DE" sz="2200" b="1" dirty="0" smtClean="0"/>
-              <a:t>Trainer und Coach</a:t>
-            </a:r>
-          </a:p>
-          <a:p>
-            <a:pPr algn="ctr">
-              <a:lnSpc>
-                <a:spcPct val="200000"/>
-              </a:lnSpc>
-            </a:pPr>
-            <a:r>
-              <a:rPr lang="de-DE" sz="2200" b="1" dirty="0" smtClean="0"/>
-              <a:t>Sprecher und Autor</a:t>
-            </a:r>
-            <a:endParaRPr lang="de-DE" sz="2200" b="1" dirty="0"/>
-          </a:p>
-        </p:txBody>
-      </p:sp>
-      <p:sp>
-        <p:nvSpPr>
-          <p:cNvPr id="21" name="Textfeld 20"/>
-          <p:cNvSpPr txBox="1"/>
-          <p:nvPr/>
-        </p:nvSpPr>
-        <p:spPr>
-          <a:xfrm rot="16200000">
-            <a:off x="7072221" y="2224924"/>
-            <a:ext cx="1736373" cy="400110"/>
-          </a:xfrm>
-          <a:prstGeom prst="rect">
-            <a:avLst/>
-          </a:prstGeom>
-          <a:noFill/>
-        </p:spPr>
-        <p:txBody>
-          <a:bodyPr wrap="none" rtlCol="0">
-            <a:spAutoFit/>
-          </a:bodyPr>
-          <a:lstStyle/>
-          <a:p>
-            <a:r>
-              <a:rPr lang="de-DE" sz="2000" b="1" dirty="0" smtClean="0">
-                <a:solidFill>
-                  <a:schemeClr val="accent5"/>
-                </a:solidFill>
-              </a:rPr>
-              <a:t>Stefan Glase</a:t>
-            </a:r>
-            <a:endParaRPr lang="de-DE" sz="2000" b="1" dirty="0">
-              <a:solidFill>
-                <a:schemeClr val="accent5"/>
-              </a:solidFill>
-            </a:endParaRPr>
-          </a:p>
-        </p:txBody>
-      </p:sp>
-      <p:sp>
-        <p:nvSpPr>
-          <p:cNvPr id="22" name="Textfeld 21"/>
-          <p:cNvSpPr txBox="1"/>
-          <p:nvPr/>
-        </p:nvSpPr>
-        <p:spPr>
-          <a:xfrm rot="16200000">
-            <a:off x="2476156" y="2224924"/>
-            <a:ext cx="2063385" cy="400110"/>
-          </a:xfrm>
-          <a:prstGeom prst="rect">
-            <a:avLst/>
-          </a:prstGeom>
-          <a:noFill/>
-        </p:spPr>
-        <p:txBody>
-          <a:bodyPr wrap="none" rtlCol="0">
-            <a:spAutoFit/>
-          </a:bodyPr>
-          <a:lstStyle/>
-          <a:p>
-            <a:r>
-              <a:rPr lang="de-DE" sz="2000" b="1" dirty="0" smtClean="0">
-                <a:solidFill>
-                  <a:schemeClr val="accent5"/>
-                </a:solidFill>
-              </a:rPr>
-              <a:t>Michael Stähler</a:t>
-            </a:r>
-            <a:endParaRPr lang="de-DE" sz="2000" b="1" dirty="0">
-              <a:solidFill>
-                <a:schemeClr val="accent5"/>
-              </a:solidFill>
-            </a:endParaRPr>
-          </a:p>
-        </p:txBody>
-      </p:sp>
-      <p:pic>
-        <p:nvPicPr>
-          <p:cNvPr id="14338" name="Picture 2" descr="Benutzeravatar"/>
-          <p:cNvPicPr>
-            <a:picLocks noChangeAspect="1" noChangeArrowheads="1"/>
-          </p:cNvPicPr>
-          <p:nvPr/>
-        </p:nvPicPr>
-        <p:blipFill>
-          <a:blip r:embed="rId6" cstate="print"/>
-          <a:srcRect/>
-          <a:stretch>
-            <a:fillRect/>
-          </a:stretch>
-        </p:blipFill>
-        <p:spPr bwMode="auto">
-          <a:xfrm>
-            <a:off x="1370485" y="1412776"/>
-            <a:ext cx="1977379" cy="1977381"/>
-          </a:xfrm>
-          <a:prstGeom prst="rect">
-            <a:avLst/>
-          </a:prstGeom>
-          <a:noFill/>
-        </p:spPr>
-      </p:pic>
-    </p:spTree>
-  </p:cSld>
-  <p:clrMapOvr>
-    <a:masterClrMapping/>
-  </p:clrMapOvr>
-  <p:transition spd="slow" advTm="10000"/>
-  <p:timing>
-    <p:tnLst>
-      <p:par>
-        <p:cTn id="1" dur="indefinite" restart="never" nodeType="tmRoot"/>
-      </p:par>
-    </p:tnLst>
-  </p:timing>
-</p:sld>
-</file>
-
-<file path=ppt/slides/slide20.xml><?xml version="1.0" encoding="utf-8"?>
+<file path=ppt/slides/slide24.xml><?xml version="1.0" encoding="utf-8"?>
 <p:sld xmlns:a="http://schemas.openxmlformats.org/drawingml/2006/main" xmlns:r="http://schemas.openxmlformats.org/officeDocument/2006/relationships" xmlns:p="http://schemas.openxmlformats.org/presentationml/2006/main">
   <p:cSld>
     <p:spTree>
@@ -23403,7 +25325,7 @@
 </p:sld>
 </file>
 
-<file path=ppt/slides/slide21.xml><?xml version="1.0" encoding="utf-8"?>
+<file path=ppt/slides/slide25.xml><?xml version="1.0" encoding="utf-8"?>
 <p:sld xmlns:a="http://schemas.openxmlformats.org/drawingml/2006/main" xmlns:r="http://schemas.openxmlformats.org/officeDocument/2006/relationships" xmlns:p="http://schemas.openxmlformats.org/presentationml/2006/main">
   <p:cSld>
     <p:spTree>
@@ -23484,7 +25406,7 @@
 </p:sld>
 </file>
 
-<file path=ppt/slides/slide22.xml><?xml version="1.0" encoding="utf-8"?>
+<file path=ppt/slides/slide26.xml><?xml version="1.0" encoding="utf-8"?>
 <p:sld xmlns:a="http://schemas.openxmlformats.org/drawingml/2006/main" xmlns:r="http://schemas.openxmlformats.org/officeDocument/2006/relationships" xmlns:p="http://schemas.openxmlformats.org/presentationml/2006/main">
   <p:cSld>
     <p:spTree>
@@ -23618,7 +25540,1969 @@
 </p:sld>
 </file>
 
-<file path=ppt/slides/slide23.xml><?xml version="1.0" encoding="utf-8"?>
+<file path=ppt/slides/slide27.xml><?xml version="1.0" encoding="utf-8"?>
+<p:sld xmlns:a="http://schemas.openxmlformats.org/drawingml/2006/main" xmlns:r="http://schemas.openxmlformats.org/officeDocument/2006/relationships" xmlns:p="http://schemas.openxmlformats.org/presentationml/2006/main">
+  <p:cSld>
+    <p:spTree>
+      <p:nvGrpSpPr>
+        <p:cNvPr id="1" name=""/>
+        <p:cNvGrpSpPr/>
+        <p:nvPr/>
+      </p:nvGrpSpPr>
+      <p:grpSpPr>
+        <a:xfrm>
+          <a:off x="0" y="0"/>
+          <a:ext cx="0" cy="0"/>
+          <a:chOff x="0" y="0"/>
+          <a:chExt cx="0" cy="0"/>
+        </a:xfrm>
+      </p:grpSpPr>
+      <p:sp>
+        <p:nvSpPr>
+          <p:cNvPr id="2" name="Titel 1"/>
+          <p:cNvSpPr>
+            <a:spLocks noGrp="1"/>
+          </p:cNvSpPr>
+          <p:nvPr>
+            <p:ph type="title"/>
+          </p:nvPr>
+        </p:nvSpPr>
+        <p:spPr/>
+        <p:txBody>
+          <a:bodyPr/>
+          <a:lstStyle/>
+          <a:p>
+            <a:r>
+              <a:rPr lang="de-DE" dirty="0" smtClean="0"/>
+              <a:t>Groovy Tag Libraries</a:t>
+            </a:r>
+            <a:endParaRPr lang="de-DE" dirty="0"/>
+          </a:p>
+        </p:txBody>
+      </p:sp>
+      <p:sp>
+        <p:nvSpPr>
+          <p:cNvPr id="4" name="Textfeld 3"/>
+          <p:cNvSpPr txBox="1"/>
+          <p:nvPr/>
+        </p:nvSpPr>
+        <p:spPr>
+          <a:xfrm>
+            <a:off x="323528" y="1340768"/>
+            <a:ext cx="7529625" cy="4247317"/>
+          </a:xfrm>
+          <a:prstGeom prst="rect">
+            <a:avLst/>
+          </a:prstGeom>
+          <a:noFill/>
+        </p:spPr>
+        <p:txBody>
+          <a:bodyPr wrap="none" rtlCol="0">
+            <a:spAutoFit/>
+          </a:bodyPr>
+          <a:lstStyle/>
+          <a:p>
+            <a:r>
+              <a:rPr lang="de-DE" dirty="0" err="1" smtClean="0">
+                <a:latin typeface="Consolas" pitchFamily="49" charset="0"/>
+                <a:cs typeface="Consolas" pitchFamily="49" charset="0"/>
+              </a:rPr>
+              <a:t>class</a:t>
+            </a:r>
+            <a:r>
+              <a:rPr lang="de-DE" dirty="0" smtClean="0">
+                <a:latin typeface="Consolas" pitchFamily="49" charset="0"/>
+                <a:cs typeface="Consolas" pitchFamily="49" charset="0"/>
+              </a:rPr>
+              <a:t> </a:t>
+            </a:r>
+            <a:r>
+              <a:rPr lang="de-DE" dirty="0" err="1" smtClean="0">
+                <a:latin typeface="Consolas" pitchFamily="49" charset="0"/>
+                <a:cs typeface="Consolas" pitchFamily="49" charset="0"/>
+              </a:rPr>
+              <a:t>TwitterTagLib</a:t>
+            </a:r>
+            <a:r>
+              <a:rPr lang="de-DE" dirty="0" smtClean="0">
+                <a:latin typeface="Consolas" pitchFamily="49" charset="0"/>
+                <a:cs typeface="Consolas" pitchFamily="49" charset="0"/>
+              </a:rPr>
+              <a:t> {</a:t>
+            </a:r>
+          </a:p>
+          <a:p>
+            <a:endParaRPr lang="de-DE" dirty="0" smtClean="0">
+              <a:latin typeface="Consolas" pitchFamily="49" charset="0"/>
+              <a:cs typeface="Consolas" pitchFamily="49" charset="0"/>
+            </a:endParaRPr>
+          </a:p>
+          <a:p>
+            <a:r>
+              <a:rPr lang="de-DE" dirty="0" smtClean="0">
+                <a:latin typeface="Consolas" pitchFamily="49" charset="0"/>
+                <a:cs typeface="Consolas" pitchFamily="49" charset="0"/>
+              </a:rPr>
+              <a:t>    </a:t>
+            </a:r>
+            <a:r>
+              <a:rPr lang="de-DE" dirty="0" err="1" smtClean="0">
+                <a:latin typeface="Consolas" pitchFamily="49" charset="0"/>
+                <a:cs typeface="Consolas" pitchFamily="49" charset="0"/>
+              </a:rPr>
+              <a:t>static</a:t>
+            </a:r>
+            <a:r>
+              <a:rPr lang="de-DE" dirty="0" smtClean="0">
+                <a:latin typeface="Consolas" pitchFamily="49" charset="0"/>
+                <a:cs typeface="Consolas" pitchFamily="49" charset="0"/>
+              </a:rPr>
+              <a:t> </a:t>
+            </a:r>
+            <a:r>
+              <a:rPr lang="de-DE" dirty="0" err="1" smtClean="0">
+                <a:latin typeface="Consolas" pitchFamily="49" charset="0"/>
+                <a:cs typeface="Consolas" pitchFamily="49" charset="0"/>
+              </a:rPr>
+              <a:t>namespace</a:t>
+            </a:r>
+            <a:r>
+              <a:rPr lang="de-DE" dirty="0" smtClean="0">
+                <a:latin typeface="Consolas" pitchFamily="49" charset="0"/>
+                <a:cs typeface="Consolas" pitchFamily="49" charset="0"/>
+              </a:rPr>
+              <a:t> = "</a:t>
+            </a:r>
+            <a:r>
+              <a:rPr lang="de-DE" dirty="0" err="1" smtClean="0">
+                <a:latin typeface="Consolas" pitchFamily="49" charset="0"/>
+                <a:cs typeface="Consolas" pitchFamily="49" charset="0"/>
+              </a:rPr>
+              <a:t>twitter</a:t>
+            </a:r>
+            <a:r>
+              <a:rPr lang="de-DE" dirty="0" smtClean="0">
+                <a:latin typeface="Consolas" pitchFamily="49" charset="0"/>
+                <a:cs typeface="Consolas" pitchFamily="49" charset="0"/>
+              </a:rPr>
+              <a:t>"</a:t>
+            </a:r>
+          </a:p>
+          <a:p>
+            <a:endParaRPr lang="de-DE" dirty="0" smtClean="0">
+              <a:latin typeface="Consolas" pitchFamily="49" charset="0"/>
+              <a:cs typeface="Consolas" pitchFamily="49" charset="0"/>
+            </a:endParaRPr>
+          </a:p>
+          <a:p>
+            <a:r>
+              <a:rPr lang="de-DE" dirty="0" smtClean="0">
+                <a:latin typeface="Consolas" pitchFamily="49" charset="0"/>
+                <a:cs typeface="Consolas" pitchFamily="49" charset="0"/>
+              </a:rPr>
+              <a:t>    </a:t>
+            </a:r>
+            <a:r>
+              <a:rPr lang="de-DE" dirty="0" err="1" smtClean="0">
+                <a:latin typeface="Consolas" pitchFamily="49" charset="0"/>
+                <a:cs typeface="Consolas" pitchFamily="49" charset="0"/>
+              </a:rPr>
+              <a:t>def</a:t>
+            </a:r>
+            <a:r>
+              <a:rPr lang="de-DE" dirty="0" smtClean="0">
+                <a:latin typeface="Consolas" pitchFamily="49" charset="0"/>
+                <a:cs typeface="Consolas" pitchFamily="49" charset="0"/>
+              </a:rPr>
+              <a:t> </a:t>
+            </a:r>
+            <a:r>
+              <a:rPr lang="de-DE" dirty="0" err="1" smtClean="0">
+                <a:latin typeface="Consolas" pitchFamily="49" charset="0"/>
+                <a:cs typeface="Consolas" pitchFamily="49" charset="0"/>
+              </a:rPr>
+              <a:t>displayStatus</a:t>
+            </a:r>
+            <a:r>
+              <a:rPr lang="de-DE" dirty="0" smtClean="0">
+                <a:latin typeface="Consolas" pitchFamily="49" charset="0"/>
+                <a:cs typeface="Consolas" pitchFamily="49" charset="0"/>
+              </a:rPr>
+              <a:t> = { </a:t>
+            </a:r>
+            <a:r>
+              <a:rPr lang="de-DE" dirty="0" err="1" smtClean="0">
+                <a:latin typeface="Consolas" pitchFamily="49" charset="0"/>
+                <a:cs typeface="Consolas" pitchFamily="49" charset="0"/>
+              </a:rPr>
+              <a:t>attrs</a:t>
+            </a:r>
+            <a:r>
+              <a:rPr lang="de-DE" dirty="0" smtClean="0">
+                <a:latin typeface="Consolas" pitchFamily="49" charset="0"/>
+                <a:cs typeface="Consolas" pitchFamily="49" charset="0"/>
+              </a:rPr>
+              <a:t>, </a:t>
+            </a:r>
+            <a:r>
+              <a:rPr lang="de-DE" dirty="0" err="1" smtClean="0">
+                <a:latin typeface="Consolas" pitchFamily="49" charset="0"/>
+                <a:cs typeface="Consolas" pitchFamily="49" charset="0"/>
+              </a:rPr>
+              <a:t>body</a:t>
+            </a:r>
+            <a:r>
+              <a:rPr lang="de-DE" dirty="0" smtClean="0">
+                <a:latin typeface="Consolas" pitchFamily="49" charset="0"/>
+                <a:cs typeface="Consolas" pitchFamily="49" charset="0"/>
+              </a:rPr>
+              <a:t> -&gt;</a:t>
+            </a:r>
+          </a:p>
+          <a:p>
+            <a:r>
+              <a:rPr lang="de-DE" dirty="0" smtClean="0">
+                <a:latin typeface="Consolas" pitchFamily="49" charset="0"/>
+                <a:cs typeface="Consolas" pitchFamily="49" charset="0"/>
+              </a:rPr>
+              <a:t>        </a:t>
+            </a:r>
+            <a:r>
+              <a:rPr lang="de-DE" dirty="0" err="1" smtClean="0">
+                <a:latin typeface="Consolas" pitchFamily="49" charset="0"/>
+                <a:cs typeface="Consolas" pitchFamily="49" charset="0"/>
+              </a:rPr>
+              <a:t>def</a:t>
+            </a:r>
+            <a:r>
+              <a:rPr lang="de-DE" dirty="0" smtClean="0">
+                <a:latin typeface="Consolas" pitchFamily="49" charset="0"/>
+                <a:cs typeface="Consolas" pitchFamily="49" charset="0"/>
+              </a:rPr>
+              <a:t> </a:t>
+            </a:r>
+            <a:r>
+              <a:rPr lang="de-DE" dirty="0" err="1" smtClean="0">
+                <a:latin typeface="Consolas" pitchFamily="49" charset="0"/>
+                <a:cs typeface="Consolas" pitchFamily="49" charset="0"/>
+              </a:rPr>
+              <a:t>status</a:t>
+            </a:r>
+            <a:r>
+              <a:rPr lang="de-DE" dirty="0" smtClean="0">
+                <a:latin typeface="Consolas" pitchFamily="49" charset="0"/>
+                <a:cs typeface="Consolas" pitchFamily="49" charset="0"/>
+              </a:rPr>
+              <a:t> = </a:t>
+            </a:r>
+            <a:r>
+              <a:rPr lang="de-DE" dirty="0" err="1" smtClean="0">
+                <a:latin typeface="Consolas" pitchFamily="49" charset="0"/>
+                <a:cs typeface="Consolas" pitchFamily="49" charset="0"/>
+              </a:rPr>
+              <a:t>attrs.status</a:t>
+            </a:r>
+            <a:r>
+              <a:rPr lang="de-DE" dirty="0" smtClean="0">
+                <a:latin typeface="Consolas" pitchFamily="49" charset="0"/>
+                <a:cs typeface="Consolas" pitchFamily="49" charset="0"/>
+              </a:rPr>
+              <a:t> </a:t>
+            </a:r>
+            <a:r>
+              <a:rPr lang="de-DE" dirty="0" err="1" smtClean="0">
+                <a:latin typeface="Consolas" pitchFamily="49" charset="0"/>
+                <a:cs typeface="Consolas" pitchFamily="49" charset="0"/>
+              </a:rPr>
+              <a:t>as</a:t>
+            </a:r>
+            <a:r>
+              <a:rPr lang="de-DE" dirty="0" smtClean="0">
+                <a:latin typeface="Consolas" pitchFamily="49" charset="0"/>
+                <a:cs typeface="Consolas" pitchFamily="49" charset="0"/>
+              </a:rPr>
+              <a:t> Status</a:t>
+            </a:r>
+          </a:p>
+          <a:p>
+            <a:r>
+              <a:rPr lang="de-DE" dirty="0" smtClean="0">
+                <a:latin typeface="Consolas" pitchFamily="49" charset="0"/>
+                <a:cs typeface="Consolas" pitchFamily="49" charset="0"/>
+              </a:rPr>
+              <a:t>        out &lt;&lt; """</a:t>
+            </a:r>
+          </a:p>
+          <a:p>
+            <a:r>
+              <a:rPr lang="de-DE" dirty="0" smtClean="0">
+                <a:latin typeface="Consolas" pitchFamily="49" charset="0"/>
+                <a:cs typeface="Consolas" pitchFamily="49" charset="0"/>
+              </a:rPr>
+              <a:t>            &lt;</a:t>
+            </a:r>
+            <a:r>
+              <a:rPr lang="de-DE" dirty="0" err="1" smtClean="0">
+                <a:latin typeface="Consolas" pitchFamily="49" charset="0"/>
+                <a:cs typeface="Consolas" pitchFamily="49" charset="0"/>
+              </a:rPr>
+              <a:t>div</a:t>
+            </a:r>
+            <a:r>
+              <a:rPr lang="de-DE" dirty="0" smtClean="0">
+                <a:latin typeface="Consolas" pitchFamily="49" charset="0"/>
+                <a:cs typeface="Consolas" pitchFamily="49" charset="0"/>
+              </a:rPr>
+              <a:t> </a:t>
+            </a:r>
+            <a:r>
+              <a:rPr lang="de-DE" dirty="0" err="1" smtClean="0">
+                <a:latin typeface="Consolas" pitchFamily="49" charset="0"/>
+                <a:cs typeface="Consolas" pitchFamily="49" charset="0"/>
+              </a:rPr>
+              <a:t>class</a:t>
+            </a:r>
+            <a:r>
+              <a:rPr lang="de-DE" dirty="0" smtClean="0">
+                <a:latin typeface="Consolas" pitchFamily="49" charset="0"/>
+                <a:cs typeface="Consolas" pitchFamily="49" charset="0"/>
+              </a:rPr>
+              <a:t>="</a:t>
+            </a:r>
+            <a:r>
+              <a:rPr lang="de-DE" dirty="0" err="1" smtClean="0">
+                <a:latin typeface="Consolas" pitchFamily="49" charset="0"/>
+                <a:cs typeface="Consolas" pitchFamily="49" charset="0"/>
+              </a:rPr>
+              <a:t>status</a:t>
+            </a:r>
+            <a:r>
+              <a:rPr lang="de-DE" dirty="0" smtClean="0">
+                <a:latin typeface="Consolas" pitchFamily="49" charset="0"/>
+                <a:cs typeface="Consolas" pitchFamily="49" charset="0"/>
+              </a:rPr>
+              <a:t>"&gt;</a:t>
+            </a:r>
+          </a:p>
+          <a:p>
+            <a:r>
+              <a:rPr lang="de-DE" dirty="0" smtClean="0">
+                <a:latin typeface="Consolas" pitchFamily="49" charset="0"/>
+                <a:cs typeface="Consolas" pitchFamily="49" charset="0"/>
+              </a:rPr>
+              <a:t>                &lt;span&gt;${</a:t>
+            </a:r>
+            <a:r>
+              <a:rPr lang="de-DE" dirty="0" err="1" smtClean="0">
+                <a:latin typeface="Consolas" pitchFamily="49" charset="0"/>
+                <a:cs typeface="Consolas" pitchFamily="49" charset="0"/>
+              </a:rPr>
+              <a:t>status.poster.username</a:t>
+            </a:r>
+            <a:r>
+              <a:rPr lang="de-DE" dirty="0" smtClean="0">
+                <a:latin typeface="Consolas" pitchFamily="49" charset="0"/>
+                <a:cs typeface="Consolas" pitchFamily="49" charset="0"/>
+              </a:rPr>
+              <a:t>} </a:t>
+            </a:r>
+            <a:r>
+              <a:rPr lang="de-DE" dirty="0" err="1" smtClean="0">
+                <a:latin typeface="Consolas" pitchFamily="49" charset="0"/>
+                <a:cs typeface="Consolas" pitchFamily="49" charset="0"/>
+              </a:rPr>
+              <a:t>posted</a:t>
+            </a:r>
+            <a:r>
+              <a:rPr lang="de-DE" dirty="0" smtClean="0">
+                <a:latin typeface="Consolas" pitchFamily="49" charset="0"/>
+                <a:cs typeface="Consolas" pitchFamily="49" charset="0"/>
+              </a:rPr>
+              <a:t> on </a:t>
+            </a:r>
+            <a:endParaRPr lang="de-DE" dirty="0" smtClean="0">
+              <a:latin typeface="Consolas" pitchFamily="49" charset="0"/>
+              <a:cs typeface="Consolas" pitchFamily="49" charset="0"/>
+            </a:endParaRPr>
+          </a:p>
+          <a:p>
+            <a:r>
+              <a:rPr lang="de-DE" dirty="0" smtClean="0">
+                <a:latin typeface="Consolas" pitchFamily="49" charset="0"/>
+                <a:cs typeface="Consolas" pitchFamily="49" charset="0"/>
+              </a:rPr>
+              <a:t>${</a:t>
+            </a:r>
+            <a:r>
+              <a:rPr lang="de-DE" dirty="0" err="1" smtClean="0">
+                <a:latin typeface="Consolas" pitchFamily="49" charset="0"/>
+                <a:cs typeface="Consolas" pitchFamily="49" charset="0"/>
+              </a:rPr>
+              <a:t>g.formatDate</a:t>
+            </a:r>
+            <a:r>
+              <a:rPr lang="de-DE" dirty="0" smtClean="0">
+                <a:latin typeface="Consolas" pitchFamily="49" charset="0"/>
+                <a:cs typeface="Consolas" pitchFamily="49" charset="0"/>
+              </a:rPr>
+              <a:t>(</a:t>
+            </a:r>
+            <a:r>
+              <a:rPr lang="de-DE" dirty="0" err="1" smtClean="0">
+                <a:latin typeface="Consolas" pitchFamily="49" charset="0"/>
+                <a:cs typeface="Consolas" pitchFamily="49" charset="0"/>
+              </a:rPr>
+              <a:t>date</a:t>
+            </a:r>
+            <a:r>
+              <a:rPr lang="de-DE" dirty="0" smtClean="0">
+                <a:latin typeface="Consolas" pitchFamily="49" charset="0"/>
+                <a:cs typeface="Consolas" pitchFamily="49" charset="0"/>
+              </a:rPr>
+              <a:t>: </a:t>
+            </a:r>
+            <a:r>
+              <a:rPr lang="de-DE" dirty="0" err="1" smtClean="0">
+                <a:latin typeface="Consolas" pitchFamily="49" charset="0"/>
+                <a:cs typeface="Consolas" pitchFamily="49" charset="0"/>
+              </a:rPr>
+              <a:t>status.dateCreated</a:t>
+            </a:r>
+            <a:r>
+              <a:rPr lang="de-DE" dirty="0" smtClean="0">
+                <a:latin typeface="Consolas" pitchFamily="49" charset="0"/>
+                <a:cs typeface="Consolas" pitchFamily="49" charset="0"/>
+              </a:rPr>
+              <a:t>)}:&lt;/span&gt;</a:t>
+            </a:r>
+          </a:p>
+          <a:p>
+            <a:r>
+              <a:rPr lang="de-DE" dirty="0" smtClean="0">
+                <a:latin typeface="Consolas" pitchFamily="49" charset="0"/>
+                <a:cs typeface="Consolas" pitchFamily="49" charset="0"/>
+              </a:rPr>
+              <a:t>                &lt;p&gt;${</a:t>
+            </a:r>
+            <a:r>
+              <a:rPr lang="de-DE" dirty="0" err="1" smtClean="0">
+                <a:latin typeface="Consolas" pitchFamily="49" charset="0"/>
+                <a:cs typeface="Consolas" pitchFamily="49" charset="0"/>
+              </a:rPr>
+              <a:t>status.message</a:t>
+            </a:r>
+            <a:r>
+              <a:rPr lang="de-DE" dirty="0" smtClean="0">
+                <a:latin typeface="Consolas" pitchFamily="49" charset="0"/>
+                <a:cs typeface="Consolas" pitchFamily="49" charset="0"/>
+              </a:rPr>
+              <a:t>}&lt;/p&gt;</a:t>
+            </a:r>
+          </a:p>
+          <a:p>
+            <a:r>
+              <a:rPr lang="de-DE" dirty="0" smtClean="0">
+                <a:latin typeface="Consolas" pitchFamily="49" charset="0"/>
+                <a:cs typeface="Consolas" pitchFamily="49" charset="0"/>
+              </a:rPr>
+              <a:t>            &lt;/</a:t>
+            </a:r>
+            <a:r>
+              <a:rPr lang="de-DE" dirty="0" err="1" smtClean="0">
+                <a:latin typeface="Consolas" pitchFamily="49" charset="0"/>
+                <a:cs typeface="Consolas" pitchFamily="49" charset="0"/>
+              </a:rPr>
+              <a:t>div</a:t>
+            </a:r>
+            <a:r>
+              <a:rPr lang="de-DE" dirty="0" smtClean="0">
+                <a:latin typeface="Consolas" pitchFamily="49" charset="0"/>
+                <a:cs typeface="Consolas" pitchFamily="49" charset="0"/>
+              </a:rPr>
+              <a:t>&gt;"""</a:t>
+            </a:r>
+          </a:p>
+          <a:p>
+            <a:r>
+              <a:rPr lang="de-DE" dirty="0" smtClean="0">
+                <a:latin typeface="Consolas" pitchFamily="49" charset="0"/>
+                <a:cs typeface="Consolas" pitchFamily="49" charset="0"/>
+              </a:rPr>
+              <a:t>    }</a:t>
+            </a:r>
+          </a:p>
+          <a:p>
+            <a:endParaRPr lang="de-DE" dirty="0" smtClean="0">
+              <a:latin typeface="Consolas" pitchFamily="49" charset="0"/>
+              <a:cs typeface="Consolas" pitchFamily="49" charset="0"/>
+            </a:endParaRPr>
+          </a:p>
+          <a:p>
+            <a:r>
+              <a:rPr lang="de-DE" dirty="0" smtClean="0">
+                <a:latin typeface="Consolas" pitchFamily="49" charset="0"/>
+                <a:cs typeface="Consolas" pitchFamily="49" charset="0"/>
+              </a:rPr>
+              <a:t>}</a:t>
+            </a:r>
+            <a:endParaRPr lang="de-DE" dirty="0">
+              <a:latin typeface="Consolas" pitchFamily="49" charset="0"/>
+              <a:cs typeface="Consolas" pitchFamily="49" charset="0"/>
+            </a:endParaRPr>
+          </a:p>
+        </p:txBody>
+      </p:sp>
+      <p:sp>
+        <p:nvSpPr>
+          <p:cNvPr id="5" name="Textfeld 4"/>
+          <p:cNvSpPr txBox="1"/>
+          <p:nvPr/>
+        </p:nvSpPr>
+        <p:spPr>
+          <a:xfrm>
+            <a:off x="3059832" y="5805264"/>
+            <a:ext cx="5630067" cy="369332"/>
+          </a:xfrm>
+          <a:prstGeom prst="rect">
+            <a:avLst/>
+          </a:prstGeom>
+          <a:noFill/>
+        </p:spPr>
+        <p:txBody>
+          <a:bodyPr wrap="none" rtlCol="0">
+            <a:spAutoFit/>
+          </a:bodyPr>
+          <a:lstStyle/>
+          <a:p>
+            <a:r>
+              <a:rPr lang="de-DE" dirty="0" smtClean="0">
+                <a:latin typeface="Consolas" pitchFamily="49" charset="0"/>
+                <a:cs typeface="Consolas" pitchFamily="49" charset="0"/>
+              </a:rPr>
+              <a:t>&lt;</a:t>
+            </a:r>
+            <a:r>
+              <a:rPr lang="de-DE" dirty="0" err="1" smtClean="0">
+                <a:latin typeface="Consolas" pitchFamily="49" charset="0"/>
+                <a:cs typeface="Consolas" pitchFamily="49" charset="0"/>
+              </a:rPr>
+              <a:t>twitter:displayStatus</a:t>
+            </a:r>
+            <a:r>
+              <a:rPr lang="de-DE" dirty="0" smtClean="0">
+                <a:latin typeface="Consolas" pitchFamily="49" charset="0"/>
+                <a:cs typeface="Consolas" pitchFamily="49" charset="0"/>
+              </a:rPr>
+              <a:t> </a:t>
+            </a:r>
+            <a:r>
+              <a:rPr lang="de-DE" dirty="0" err="1" smtClean="0">
+                <a:latin typeface="Consolas" pitchFamily="49" charset="0"/>
+                <a:cs typeface="Consolas" pitchFamily="49" charset="0"/>
+              </a:rPr>
+              <a:t>status</a:t>
+            </a:r>
+            <a:r>
+              <a:rPr lang="de-DE" dirty="0" smtClean="0">
+                <a:latin typeface="Consolas" pitchFamily="49" charset="0"/>
+                <a:cs typeface="Consolas" pitchFamily="49" charset="0"/>
+              </a:rPr>
+              <a:t>="${</a:t>
+            </a:r>
+            <a:r>
+              <a:rPr lang="de-DE" dirty="0" err="1" smtClean="0">
+                <a:latin typeface="Consolas" pitchFamily="49" charset="0"/>
+                <a:cs typeface="Consolas" pitchFamily="49" charset="0"/>
+              </a:rPr>
+              <a:t>status</a:t>
+            </a:r>
+            <a:r>
+              <a:rPr lang="de-DE" dirty="0" smtClean="0">
+                <a:latin typeface="Consolas" pitchFamily="49" charset="0"/>
+                <a:cs typeface="Consolas" pitchFamily="49" charset="0"/>
+              </a:rPr>
+              <a:t>}"/&gt;</a:t>
+            </a:r>
+            <a:endParaRPr lang="de-DE" dirty="0" smtClean="0">
+              <a:latin typeface="Consolas" pitchFamily="49" charset="0"/>
+              <a:cs typeface="Consolas" pitchFamily="49" charset="0"/>
+            </a:endParaRPr>
+          </a:p>
+        </p:txBody>
+      </p:sp>
+      <p:sp>
+        <p:nvSpPr>
+          <p:cNvPr id="6" name="Legende mit Pfeil nach unten 5"/>
+          <p:cNvSpPr/>
+          <p:nvPr/>
+        </p:nvSpPr>
+        <p:spPr>
+          <a:xfrm>
+            <a:off x="4283968" y="5013176"/>
+            <a:ext cx="3744416" cy="720080"/>
+          </a:xfrm>
+          <a:prstGeom prst="downArrowCallout">
+            <a:avLst/>
+          </a:prstGeom>
+        </p:spPr>
+        <p:style>
+          <a:lnRef idx="2">
+            <a:schemeClr val="accent5">
+              <a:shade val="50000"/>
+            </a:schemeClr>
+          </a:lnRef>
+          <a:fillRef idx="1">
+            <a:schemeClr val="accent5"/>
+          </a:fillRef>
+          <a:effectRef idx="0">
+            <a:schemeClr val="accent5"/>
+          </a:effectRef>
+          <a:fontRef idx="minor">
+            <a:schemeClr val="lt1"/>
+          </a:fontRef>
+        </p:style>
+        <p:txBody>
+          <a:bodyPr rtlCol="0" anchor="ctr"/>
+          <a:lstStyle/>
+          <a:p>
+            <a:pPr algn="ctr"/>
+            <a:r>
+              <a:rPr lang="de-DE" dirty="0" smtClean="0"/>
+              <a:t>Verwendung</a:t>
+            </a:r>
+            <a:endParaRPr lang="de-DE" dirty="0"/>
+          </a:p>
+        </p:txBody>
+      </p:sp>
+      <p:sp>
+        <p:nvSpPr>
+          <p:cNvPr id="7" name="Legende mit Pfeil nach links 6"/>
+          <p:cNvSpPr/>
+          <p:nvPr/>
+        </p:nvSpPr>
+        <p:spPr>
+          <a:xfrm>
+            <a:off x="6732240" y="1772816"/>
+            <a:ext cx="1872208" cy="1440160"/>
+          </a:xfrm>
+          <a:prstGeom prst="leftArrowCallout">
+            <a:avLst/>
+          </a:prstGeom>
+        </p:spPr>
+        <p:style>
+          <a:lnRef idx="2">
+            <a:schemeClr val="accent6">
+              <a:shade val="50000"/>
+            </a:schemeClr>
+          </a:lnRef>
+          <a:fillRef idx="1">
+            <a:schemeClr val="accent6"/>
+          </a:fillRef>
+          <a:effectRef idx="0">
+            <a:schemeClr val="accent6"/>
+          </a:effectRef>
+          <a:fontRef idx="minor">
+            <a:schemeClr val="lt1"/>
+          </a:fontRef>
+        </p:style>
+        <p:txBody>
+          <a:bodyPr rtlCol="0" anchor="ctr"/>
+          <a:lstStyle/>
+          <a:p>
+            <a:pPr algn="ctr"/>
+            <a:r>
+              <a:rPr lang="de-DE" dirty="0" smtClean="0"/>
+              <a:t>Definition</a:t>
+            </a:r>
+            <a:endParaRPr lang="de-DE" dirty="0"/>
+          </a:p>
+        </p:txBody>
+      </p:sp>
+    </p:spTree>
+  </p:cSld>
+  <p:clrMapOvr>
+    <a:masterClrMapping/>
+  </p:clrMapOvr>
+  <p:transition spd="slow" advTm="10000"/>
+  <p:timing>
+    <p:tnLst>
+      <p:par>
+        <p:cTn id="1" dur="indefinite" restart="never" nodeType="tmRoot"/>
+      </p:par>
+    </p:tnLst>
+  </p:timing>
+</p:sld>
+</file>
+
+<file path=ppt/slides/slide28.xml><?xml version="1.0" encoding="utf-8"?>
+<p:sld xmlns:a="http://schemas.openxmlformats.org/drawingml/2006/main" xmlns:r="http://schemas.openxmlformats.org/officeDocument/2006/relationships" xmlns:p="http://schemas.openxmlformats.org/presentationml/2006/main">
+  <p:cSld>
+    <p:spTree>
+      <p:nvGrpSpPr>
+        <p:cNvPr id="1" name=""/>
+        <p:cNvGrpSpPr/>
+        <p:nvPr/>
+      </p:nvGrpSpPr>
+      <p:grpSpPr>
+        <a:xfrm>
+          <a:off x="0" y="0"/>
+          <a:ext cx="0" cy="0"/>
+          <a:chOff x="0" y="0"/>
+          <a:chExt cx="0" cy="0"/>
+        </a:xfrm>
+      </p:grpSpPr>
+      <p:sp>
+        <p:nvSpPr>
+          <p:cNvPr id="2" name="Titel 1"/>
+          <p:cNvSpPr>
+            <a:spLocks noGrp="1"/>
+          </p:cNvSpPr>
+          <p:nvPr>
+            <p:ph type="title"/>
+          </p:nvPr>
+        </p:nvSpPr>
+        <p:spPr/>
+        <p:txBody>
+          <a:bodyPr/>
+          <a:lstStyle/>
+          <a:p>
+            <a:r>
+              <a:rPr lang="de-DE" dirty="0" smtClean="0"/>
+              <a:t>Content </a:t>
+            </a:r>
+            <a:r>
+              <a:rPr lang="de-DE" dirty="0" err="1" smtClean="0"/>
+              <a:t>Negotiation</a:t>
+            </a:r>
+            <a:endParaRPr lang="de-DE" dirty="0"/>
+          </a:p>
+        </p:txBody>
+      </p:sp>
+      <p:sp>
+        <p:nvSpPr>
+          <p:cNvPr id="4" name="Textfeld 3"/>
+          <p:cNvSpPr txBox="1"/>
+          <p:nvPr/>
+        </p:nvSpPr>
+        <p:spPr>
+          <a:xfrm>
+            <a:off x="395537" y="1268760"/>
+            <a:ext cx="8352928" cy="2308324"/>
+          </a:xfrm>
+          <a:prstGeom prst="rect">
+            <a:avLst/>
+          </a:prstGeom>
+          <a:noFill/>
+        </p:spPr>
+        <p:txBody>
+          <a:bodyPr wrap="square" rtlCol="0">
+            <a:spAutoFit/>
+          </a:bodyPr>
+          <a:lstStyle/>
+          <a:p>
+            <a:r>
+              <a:rPr lang="de-DE" dirty="0" err="1" smtClean="0">
+                <a:latin typeface="Consolas" pitchFamily="49" charset="0"/>
+                <a:cs typeface="Consolas" pitchFamily="49" charset="0"/>
+              </a:rPr>
+              <a:t>class</a:t>
+            </a:r>
+            <a:r>
+              <a:rPr lang="de-DE" dirty="0" smtClean="0">
+                <a:latin typeface="Consolas" pitchFamily="49" charset="0"/>
+                <a:cs typeface="Consolas" pitchFamily="49" charset="0"/>
+              </a:rPr>
+              <a:t> </a:t>
+            </a:r>
+            <a:r>
+              <a:rPr lang="de-DE" dirty="0" err="1" smtClean="0">
+                <a:latin typeface="Consolas" pitchFamily="49" charset="0"/>
+                <a:cs typeface="Consolas" pitchFamily="49" charset="0"/>
+              </a:rPr>
+              <a:t>TwitterController</a:t>
+            </a:r>
+            <a:r>
+              <a:rPr lang="de-DE" dirty="0" smtClean="0">
+                <a:latin typeface="Consolas" pitchFamily="49" charset="0"/>
+                <a:cs typeface="Consolas" pitchFamily="49" charset="0"/>
+              </a:rPr>
+              <a:t> {</a:t>
+            </a:r>
+          </a:p>
+          <a:p>
+            <a:r>
+              <a:rPr lang="de-DE" dirty="0" smtClean="0">
+                <a:latin typeface="Consolas" pitchFamily="49" charset="0"/>
+                <a:cs typeface="Consolas" pitchFamily="49" charset="0"/>
+              </a:rPr>
+              <a:t>    </a:t>
+            </a:r>
+            <a:r>
+              <a:rPr lang="de-DE" dirty="0" err="1" smtClean="0">
+                <a:latin typeface="Consolas" pitchFamily="49" charset="0"/>
+                <a:cs typeface="Consolas" pitchFamily="49" charset="0"/>
+              </a:rPr>
+              <a:t>def</a:t>
+            </a:r>
+            <a:r>
+              <a:rPr lang="de-DE" dirty="0" smtClean="0">
+                <a:latin typeface="Consolas" pitchFamily="49" charset="0"/>
+                <a:cs typeface="Consolas" pitchFamily="49" charset="0"/>
+              </a:rPr>
+              <a:t> </a:t>
+            </a:r>
+            <a:r>
+              <a:rPr lang="de-DE" dirty="0" err="1" smtClean="0">
+                <a:latin typeface="Consolas" pitchFamily="49" charset="0"/>
+                <a:cs typeface="Consolas" pitchFamily="49" charset="0"/>
+              </a:rPr>
+              <a:t>status</a:t>
+            </a:r>
+            <a:r>
+              <a:rPr lang="de-DE" dirty="0" smtClean="0">
+                <a:latin typeface="Consolas" pitchFamily="49" charset="0"/>
+                <a:cs typeface="Consolas" pitchFamily="49" charset="0"/>
+              </a:rPr>
+              <a:t> </a:t>
+            </a:r>
+            <a:r>
+              <a:rPr lang="de-DE" dirty="0" smtClean="0">
+                <a:latin typeface="Consolas" pitchFamily="49" charset="0"/>
+                <a:cs typeface="Consolas" pitchFamily="49" charset="0"/>
+              </a:rPr>
+              <a:t>= {</a:t>
+            </a:r>
+          </a:p>
+          <a:p>
+            <a:r>
+              <a:rPr lang="de-DE" dirty="0" smtClean="0">
+                <a:latin typeface="Consolas" pitchFamily="49" charset="0"/>
+                <a:cs typeface="Consolas" pitchFamily="49" charset="0"/>
+              </a:rPr>
+              <a:t>        </a:t>
+            </a:r>
+            <a:r>
+              <a:rPr lang="de-DE" dirty="0" err="1" smtClean="0">
+                <a:latin typeface="Consolas" pitchFamily="49" charset="0"/>
+                <a:cs typeface="Consolas" pitchFamily="49" charset="0"/>
+              </a:rPr>
+              <a:t>withFormat</a:t>
+            </a:r>
+            <a:r>
+              <a:rPr lang="de-DE" dirty="0" smtClean="0">
+                <a:latin typeface="Consolas" pitchFamily="49" charset="0"/>
+                <a:cs typeface="Consolas" pitchFamily="49" charset="0"/>
+              </a:rPr>
+              <a:t> {</a:t>
+            </a:r>
+          </a:p>
+          <a:p>
+            <a:r>
+              <a:rPr lang="de-DE" dirty="0" smtClean="0">
+                <a:latin typeface="Consolas" pitchFamily="49" charset="0"/>
+                <a:cs typeface="Consolas" pitchFamily="49" charset="0"/>
+              </a:rPr>
+              <a:t>            </a:t>
+            </a:r>
+            <a:r>
+              <a:rPr lang="de-DE" dirty="0" err="1" smtClean="0">
+                <a:latin typeface="Consolas" pitchFamily="49" charset="0"/>
+                <a:cs typeface="Consolas" pitchFamily="49" charset="0"/>
+              </a:rPr>
+              <a:t>json</a:t>
+            </a:r>
+            <a:r>
+              <a:rPr lang="de-DE" dirty="0" smtClean="0">
+                <a:latin typeface="Consolas" pitchFamily="49" charset="0"/>
+                <a:cs typeface="Consolas" pitchFamily="49" charset="0"/>
+              </a:rPr>
+              <a:t> { render </a:t>
+            </a:r>
+            <a:r>
+              <a:rPr lang="de-DE" dirty="0" err="1" smtClean="0">
+                <a:latin typeface="Consolas" pitchFamily="49" charset="0"/>
+                <a:cs typeface="Consolas" pitchFamily="49" charset="0"/>
+              </a:rPr>
+              <a:t>Status.list</a:t>
+            </a:r>
+            <a:r>
+              <a:rPr lang="de-DE" dirty="0" smtClean="0">
+                <a:latin typeface="Consolas" pitchFamily="49" charset="0"/>
+                <a:cs typeface="Consolas" pitchFamily="49" charset="0"/>
+              </a:rPr>
+              <a:t>() </a:t>
+            </a:r>
+            <a:r>
+              <a:rPr lang="de-DE" dirty="0" err="1" smtClean="0">
+                <a:latin typeface="Consolas" pitchFamily="49" charset="0"/>
+                <a:cs typeface="Consolas" pitchFamily="49" charset="0"/>
+              </a:rPr>
+              <a:t>as</a:t>
+            </a:r>
+            <a:r>
+              <a:rPr lang="de-DE" dirty="0" smtClean="0">
+                <a:latin typeface="Consolas" pitchFamily="49" charset="0"/>
+                <a:cs typeface="Consolas" pitchFamily="49" charset="0"/>
+              </a:rPr>
+              <a:t> JSON }</a:t>
+            </a:r>
+          </a:p>
+          <a:p>
+            <a:r>
+              <a:rPr lang="de-DE" dirty="0" smtClean="0">
+                <a:latin typeface="Consolas" pitchFamily="49" charset="0"/>
+                <a:cs typeface="Consolas" pitchFamily="49" charset="0"/>
+              </a:rPr>
+              <a:t>            </a:t>
+            </a:r>
+            <a:r>
+              <a:rPr lang="de-DE" dirty="0" err="1" smtClean="0">
+                <a:latin typeface="Consolas" pitchFamily="49" charset="0"/>
+                <a:cs typeface="Consolas" pitchFamily="49" charset="0"/>
+              </a:rPr>
+              <a:t>xml</a:t>
+            </a:r>
+            <a:r>
+              <a:rPr lang="de-DE" dirty="0" smtClean="0">
+                <a:latin typeface="Consolas" pitchFamily="49" charset="0"/>
+                <a:cs typeface="Consolas" pitchFamily="49" charset="0"/>
+              </a:rPr>
+              <a:t> { render </a:t>
+            </a:r>
+            <a:r>
+              <a:rPr lang="de-DE" dirty="0" err="1" smtClean="0">
+                <a:latin typeface="Consolas" pitchFamily="49" charset="0"/>
+                <a:cs typeface="Consolas" pitchFamily="49" charset="0"/>
+              </a:rPr>
+              <a:t>Status.list</a:t>
+            </a:r>
+            <a:r>
+              <a:rPr lang="de-DE" dirty="0" smtClean="0">
+                <a:latin typeface="Consolas" pitchFamily="49" charset="0"/>
+                <a:cs typeface="Consolas" pitchFamily="49" charset="0"/>
+              </a:rPr>
+              <a:t>() </a:t>
+            </a:r>
+            <a:r>
+              <a:rPr lang="de-DE" dirty="0" err="1" smtClean="0">
+                <a:latin typeface="Consolas" pitchFamily="49" charset="0"/>
+                <a:cs typeface="Consolas" pitchFamily="49" charset="0"/>
+              </a:rPr>
+              <a:t>as</a:t>
+            </a:r>
+            <a:r>
+              <a:rPr lang="de-DE" dirty="0" smtClean="0">
+                <a:latin typeface="Consolas" pitchFamily="49" charset="0"/>
+                <a:cs typeface="Consolas" pitchFamily="49" charset="0"/>
+              </a:rPr>
+              <a:t> XML }</a:t>
+            </a:r>
+          </a:p>
+          <a:p>
+            <a:r>
+              <a:rPr lang="de-DE" dirty="0" smtClean="0">
+                <a:latin typeface="Consolas" pitchFamily="49" charset="0"/>
+                <a:cs typeface="Consolas" pitchFamily="49" charset="0"/>
+              </a:rPr>
+              <a:t>        }</a:t>
+            </a:r>
+          </a:p>
+          <a:p>
+            <a:r>
+              <a:rPr lang="de-DE" dirty="0" smtClean="0">
+                <a:latin typeface="Consolas" pitchFamily="49" charset="0"/>
+                <a:cs typeface="Consolas" pitchFamily="49" charset="0"/>
+              </a:rPr>
+              <a:t>    }</a:t>
+            </a:r>
+          </a:p>
+          <a:p>
+            <a:r>
+              <a:rPr lang="de-DE" dirty="0" smtClean="0">
+                <a:latin typeface="Consolas" pitchFamily="49" charset="0"/>
+                <a:cs typeface="Consolas" pitchFamily="49" charset="0"/>
+              </a:rPr>
+              <a:t>}</a:t>
+            </a:r>
+            <a:endParaRPr lang="de-DE" dirty="0">
+              <a:latin typeface="Consolas" pitchFamily="49" charset="0"/>
+              <a:cs typeface="Consolas" pitchFamily="49" charset="0"/>
+            </a:endParaRPr>
+          </a:p>
+        </p:txBody>
+      </p:sp>
+      <p:sp>
+        <p:nvSpPr>
+          <p:cNvPr id="5" name="Textfeld 4"/>
+          <p:cNvSpPr txBox="1"/>
+          <p:nvPr/>
+        </p:nvSpPr>
+        <p:spPr>
+          <a:xfrm>
+            <a:off x="395536" y="3653730"/>
+            <a:ext cx="4177747" cy="2492990"/>
+          </a:xfrm>
+          <a:prstGeom prst="rect">
+            <a:avLst/>
+          </a:prstGeom>
+          <a:noFill/>
+        </p:spPr>
+        <p:txBody>
+          <a:bodyPr wrap="none" rtlCol="0">
+            <a:spAutoFit/>
+          </a:bodyPr>
+          <a:lstStyle/>
+          <a:p>
+            <a:r>
+              <a:rPr lang="de-DE" sz="1200" dirty="0" smtClean="0">
+                <a:latin typeface="Consolas" pitchFamily="49" charset="0"/>
+                <a:cs typeface="Consolas" pitchFamily="49" charset="0"/>
+              </a:rPr>
+              <a:t>&lt;</a:t>
+            </a:r>
+            <a:r>
+              <a:rPr lang="de-DE" sz="1200" dirty="0" err="1" smtClean="0">
+                <a:latin typeface="Consolas" pitchFamily="49" charset="0"/>
+                <a:cs typeface="Consolas" pitchFamily="49" charset="0"/>
+              </a:rPr>
+              <a:t>list</a:t>
+            </a:r>
+            <a:r>
+              <a:rPr lang="de-DE" sz="1200" dirty="0" smtClean="0">
+                <a:latin typeface="Consolas" pitchFamily="49" charset="0"/>
+                <a:cs typeface="Consolas" pitchFamily="49" charset="0"/>
+              </a:rPr>
+              <a:t>&gt;</a:t>
+            </a:r>
+          </a:p>
+          <a:p>
+            <a:r>
+              <a:rPr lang="de-DE" sz="1200" dirty="0" smtClean="0">
+                <a:latin typeface="Consolas" pitchFamily="49" charset="0"/>
+                <a:cs typeface="Consolas" pitchFamily="49" charset="0"/>
+              </a:rPr>
+              <a:t>    &lt;</a:t>
+            </a:r>
+            <a:r>
+              <a:rPr lang="de-DE" sz="1200" dirty="0" err="1" smtClean="0">
+                <a:latin typeface="Consolas" pitchFamily="49" charset="0"/>
+                <a:cs typeface="Consolas" pitchFamily="49" charset="0"/>
+              </a:rPr>
+              <a:t>status</a:t>
+            </a:r>
+            <a:r>
+              <a:rPr lang="de-DE" sz="1200" dirty="0" smtClean="0">
+                <a:latin typeface="Consolas" pitchFamily="49" charset="0"/>
+                <a:cs typeface="Consolas" pitchFamily="49" charset="0"/>
+              </a:rPr>
+              <a:t> </a:t>
+            </a:r>
+            <a:r>
+              <a:rPr lang="de-DE" sz="1200" dirty="0" err="1" smtClean="0">
+                <a:latin typeface="Consolas" pitchFamily="49" charset="0"/>
+                <a:cs typeface="Consolas" pitchFamily="49" charset="0"/>
+              </a:rPr>
+              <a:t>id</a:t>
+            </a:r>
+            <a:r>
+              <a:rPr lang="de-DE" sz="1200" dirty="0" smtClean="0">
+                <a:latin typeface="Consolas" pitchFamily="49" charset="0"/>
+                <a:cs typeface="Consolas" pitchFamily="49" charset="0"/>
+              </a:rPr>
+              <a:t>="1"&gt;</a:t>
+            </a:r>
+          </a:p>
+          <a:p>
+            <a:r>
+              <a:rPr lang="de-DE" sz="1200" dirty="0" smtClean="0">
+                <a:latin typeface="Consolas" pitchFamily="49" charset="0"/>
+                <a:cs typeface="Consolas" pitchFamily="49" charset="0"/>
+              </a:rPr>
+              <a:t>        &lt;</a:t>
+            </a:r>
+            <a:r>
+              <a:rPr lang="de-DE" sz="1200" dirty="0" err="1" smtClean="0">
+                <a:latin typeface="Consolas" pitchFamily="49" charset="0"/>
+                <a:cs typeface="Consolas" pitchFamily="49" charset="0"/>
+              </a:rPr>
+              <a:t>dateCreated</a:t>
+            </a:r>
+            <a:r>
+              <a:rPr lang="de-DE" sz="1200" dirty="0" smtClean="0">
+                <a:latin typeface="Consolas" pitchFamily="49" charset="0"/>
+                <a:cs typeface="Consolas" pitchFamily="49" charset="0"/>
+              </a:rPr>
+              <a:t>&gt;2011-11-04 </a:t>
+            </a:r>
+            <a:r>
+              <a:rPr lang="de-DE" sz="1200" dirty="0" smtClean="0">
+                <a:latin typeface="Consolas" pitchFamily="49" charset="0"/>
+                <a:cs typeface="Consolas" pitchFamily="49" charset="0"/>
+              </a:rPr>
+              <a:t>…&lt;/</a:t>
+            </a:r>
+            <a:r>
+              <a:rPr lang="de-DE" sz="1200" dirty="0" err="1" smtClean="0">
+                <a:latin typeface="Consolas" pitchFamily="49" charset="0"/>
+                <a:cs typeface="Consolas" pitchFamily="49" charset="0"/>
+              </a:rPr>
+              <a:t>dateCreated</a:t>
+            </a:r>
+            <a:r>
+              <a:rPr lang="de-DE" sz="1200" dirty="0" smtClean="0">
+                <a:latin typeface="Consolas" pitchFamily="49" charset="0"/>
+                <a:cs typeface="Consolas" pitchFamily="49" charset="0"/>
+              </a:rPr>
+              <a:t>&gt;</a:t>
+            </a:r>
+          </a:p>
+          <a:p>
+            <a:r>
+              <a:rPr lang="de-DE" sz="1200" dirty="0" smtClean="0">
+                <a:latin typeface="Consolas" pitchFamily="49" charset="0"/>
+                <a:cs typeface="Consolas" pitchFamily="49" charset="0"/>
+              </a:rPr>
+              <a:t>        &lt;</a:t>
+            </a:r>
+            <a:r>
+              <a:rPr lang="de-DE" sz="1200" dirty="0" err="1" smtClean="0">
+                <a:latin typeface="Consolas" pitchFamily="49" charset="0"/>
+                <a:cs typeface="Consolas" pitchFamily="49" charset="0"/>
+              </a:rPr>
+              <a:t>message</a:t>
+            </a:r>
+            <a:r>
+              <a:rPr lang="de-DE" sz="1200" dirty="0" smtClean="0">
+                <a:latin typeface="Consolas" pitchFamily="49" charset="0"/>
+                <a:cs typeface="Consolas" pitchFamily="49" charset="0"/>
+              </a:rPr>
+              <a:t>&gt;</a:t>
+            </a:r>
+            <a:r>
+              <a:rPr lang="de-DE" sz="1200" dirty="0" err="1" smtClean="0">
+                <a:latin typeface="Consolas" pitchFamily="49" charset="0"/>
+                <a:cs typeface="Consolas" pitchFamily="49" charset="0"/>
+              </a:rPr>
+              <a:t>My</a:t>
+            </a:r>
+            <a:r>
+              <a:rPr lang="de-DE" sz="1200" dirty="0" smtClean="0">
+                <a:latin typeface="Consolas" pitchFamily="49" charset="0"/>
+                <a:cs typeface="Consolas" pitchFamily="49" charset="0"/>
+              </a:rPr>
+              <a:t> </a:t>
+            </a:r>
+            <a:r>
+              <a:rPr lang="de-DE" sz="1200" dirty="0" err="1" smtClean="0">
+                <a:latin typeface="Consolas" pitchFamily="49" charset="0"/>
+                <a:cs typeface="Consolas" pitchFamily="49" charset="0"/>
+              </a:rPr>
+              <a:t>first</a:t>
+            </a:r>
+            <a:r>
+              <a:rPr lang="de-DE" sz="1200" dirty="0" smtClean="0">
+                <a:latin typeface="Consolas" pitchFamily="49" charset="0"/>
+                <a:cs typeface="Consolas" pitchFamily="49" charset="0"/>
+              </a:rPr>
+              <a:t> post!&lt;/</a:t>
+            </a:r>
+            <a:r>
+              <a:rPr lang="de-DE" sz="1200" dirty="0" err="1" smtClean="0">
+                <a:latin typeface="Consolas" pitchFamily="49" charset="0"/>
+                <a:cs typeface="Consolas" pitchFamily="49" charset="0"/>
+              </a:rPr>
+              <a:t>message</a:t>
+            </a:r>
+            <a:r>
+              <a:rPr lang="de-DE" sz="1200" dirty="0" smtClean="0">
+                <a:latin typeface="Consolas" pitchFamily="49" charset="0"/>
+                <a:cs typeface="Consolas" pitchFamily="49" charset="0"/>
+              </a:rPr>
+              <a:t>&gt;</a:t>
+            </a:r>
+          </a:p>
+          <a:p>
+            <a:r>
+              <a:rPr lang="de-DE" sz="1200" dirty="0" smtClean="0">
+                <a:latin typeface="Consolas" pitchFamily="49" charset="0"/>
+                <a:cs typeface="Consolas" pitchFamily="49" charset="0"/>
+              </a:rPr>
+              <a:t>        &lt;</a:t>
+            </a:r>
+            <a:r>
+              <a:rPr lang="de-DE" sz="1200" dirty="0" err="1" smtClean="0">
+                <a:latin typeface="Consolas" pitchFamily="49" charset="0"/>
+                <a:cs typeface="Consolas" pitchFamily="49" charset="0"/>
+              </a:rPr>
+              <a:t>poster</a:t>
+            </a:r>
+            <a:r>
+              <a:rPr lang="de-DE" sz="1200" dirty="0" smtClean="0">
+                <a:latin typeface="Consolas" pitchFamily="49" charset="0"/>
+                <a:cs typeface="Consolas" pitchFamily="49" charset="0"/>
+              </a:rPr>
+              <a:t> </a:t>
+            </a:r>
+            <a:r>
+              <a:rPr lang="de-DE" sz="1200" dirty="0" err="1" smtClean="0">
+                <a:latin typeface="Consolas" pitchFamily="49" charset="0"/>
+                <a:cs typeface="Consolas" pitchFamily="49" charset="0"/>
+              </a:rPr>
+              <a:t>id</a:t>
+            </a:r>
+            <a:r>
+              <a:rPr lang="de-DE" sz="1200" dirty="0" smtClean="0">
+                <a:latin typeface="Consolas" pitchFamily="49" charset="0"/>
+                <a:cs typeface="Consolas" pitchFamily="49" charset="0"/>
+              </a:rPr>
+              <a:t>="1"/&gt;</a:t>
+            </a:r>
+          </a:p>
+          <a:p>
+            <a:r>
+              <a:rPr lang="de-DE" sz="1200" dirty="0" smtClean="0">
+                <a:latin typeface="Consolas" pitchFamily="49" charset="0"/>
+                <a:cs typeface="Consolas" pitchFamily="49" charset="0"/>
+              </a:rPr>
+              <a:t>    &lt;/</a:t>
+            </a:r>
+            <a:r>
+              <a:rPr lang="de-DE" sz="1200" dirty="0" err="1" smtClean="0">
+                <a:latin typeface="Consolas" pitchFamily="49" charset="0"/>
+                <a:cs typeface="Consolas" pitchFamily="49" charset="0"/>
+              </a:rPr>
+              <a:t>status</a:t>
+            </a:r>
+            <a:r>
+              <a:rPr lang="de-DE" sz="1200" dirty="0" smtClean="0">
+                <a:latin typeface="Consolas" pitchFamily="49" charset="0"/>
+                <a:cs typeface="Consolas" pitchFamily="49" charset="0"/>
+              </a:rPr>
+              <a:t>&gt;</a:t>
+            </a:r>
+          </a:p>
+          <a:p>
+            <a:r>
+              <a:rPr lang="de-DE" sz="1200" dirty="0" smtClean="0">
+                <a:latin typeface="Consolas" pitchFamily="49" charset="0"/>
+                <a:cs typeface="Consolas" pitchFamily="49" charset="0"/>
+              </a:rPr>
+              <a:t>    &lt;</a:t>
+            </a:r>
+            <a:r>
+              <a:rPr lang="de-DE" sz="1200" dirty="0" err="1" smtClean="0">
+                <a:latin typeface="Consolas" pitchFamily="49" charset="0"/>
+                <a:cs typeface="Consolas" pitchFamily="49" charset="0"/>
+              </a:rPr>
+              <a:t>status</a:t>
+            </a:r>
+            <a:r>
+              <a:rPr lang="de-DE" sz="1200" dirty="0" smtClean="0">
+                <a:latin typeface="Consolas" pitchFamily="49" charset="0"/>
+                <a:cs typeface="Consolas" pitchFamily="49" charset="0"/>
+              </a:rPr>
+              <a:t> </a:t>
+            </a:r>
+            <a:r>
+              <a:rPr lang="de-DE" sz="1200" dirty="0" err="1" smtClean="0">
+                <a:latin typeface="Consolas" pitchFamily="49" charset="0"/>
+                <a:cs typeface="Consolas" pitchFamily="49" charset="0"/>
+              </a:rPr>
+              <a:t>id</a:t>
+            </a:r>
+            <a:r>
+              <a:rPr lang="de-DE" sz="1200" dirty="0" smtClean="0">
+                <a:latin typeface="Consolas" pitchFamily="49" charset="0"/>
+                <a:cs typeface="Consolas" pitchFamily="49" charset="0"/>
+              </a:rPr>
+              <a:t>="2"&gt;</a:t>
+            </a:r>
+          </a:p>
+          <a:p>
+            <a:r>
+              <a:rPr lang="de-DE" sz="1200" dirty="0" smtClean="0">
+                <a:latin typeface="Consolas" pitchFamily="49" charset="0"/>
+                <a:cs typeface="Consolas" pitchFamily="49" charset="0"/>
+              </a:rPr>
+              <a:t>        &lt;</a:t>
+            </a:r>
+            <a:r>
+              <a:rPr lang="de-DE" sz="1200" dirty="0" err="1" smtClean="0">
+                <a:latin typeface="Consolas" pitchFamily="49" charset="0"/>
+                <a:cs typeface="Consolas" pitchFamily="49" charset="0"/>
+              </a:rPr>
+              <a:t>dateCreated</a:t>
+            </a:r>
+            <a:r>
+              <a:rPr lang="de-DE" sz="1200" dirty="0" smtClean="0">
+                <a:latin typeface="Consolas" pitchFamily="49" charset="0"/>
+                <a:cs typeface="Consolas" pitchFamily="49" charset="0"/>
+              </a:rPr>
+              <a:t>&gt;2011-11-04 </a:t>
+            </a:r>
+            <a:r>
+              <a:rPr lang="de-DE" sz="1200" dirty="0" smtClean="0">
+                <a:latin typeface="Consolas" pitchFamily="49" charset="0"/>
+                <a:cs typeface="Consolas" pitchFamily="49" charset="0"/>
+              </a:rPr>
+              <a:t>…&lt;/</a:t>
+            </a:r>
+            <a:r>
+              <a:rPr lang="de-DE" sz="1200" dirty="0" err="1" smtClean="0">
+                <a:latin typeface="Consolas" pitchFamily="49" charset="0"/>
+                <a:cs typeface="Consolas" pitchFamily="49" charset="0"/>
+              </a:rPr>
+              <a:t>dateCreated</a:t>
+            </a:r>
+            <a:r>
+              <a:rPr lang="de-DE" sz="1200" dirty="0" smtClean="0">
+                <a:latin typeface="Consolas" pitchFamily="49" charset="0"/>
+                <a:cs typeface="Consolas" pitchFamily="49" charset="0"/>
+              </a:rPr>
+              <a:t>&gt;</a:t>
+            </a:r>
+          </a:p>
+          <a:p>
+            <a:r>
+              <a:rPr lang="de-DE" sz="1200" dirty="0" smtClean="0">
+                <a:latin typeface="Consolas" pitchFamily="49" charset="0"/>
+                <a:cs typeface="Consolas" pitchFamily="49" charset="0"/>
+              </a:rPr>
+              <a:t>        &lt;</a:t>
+            </a:r>
+            <a:r>
+              <a:rPr lang="de-DE" sz="1200" dirty="0" err="1" smtClean="0">
+                <a:latin typeface="Consolas" pitchFamily="49" charset="0"/>
+                <a:cs typeface="Consolas" pitchFamily="49" charset="0"/>
+              </a:rPr>
+              <a:t>message</a:t>
+            </a:r>
+            <a:r>
+              <a:rPr lang="de-DE" sz="1200" dirty="0" smtClean="0">
+                <a:latin typeface="Consolas" pitchFamily="49" charset="0"/>
+                <a:cs typeface="Consolas" pitchFamily="49" charset="0"/>
+              </a:rPr>
+              <a:t>&gt;Second </a:t>
+            </a:r>
+            <a:r>
+              <a:rPr lang="de-DE" sz="1200" dirty="0" err="1" smtClean="0">
+                <a:latin typeface="Consolas" pitchFamily="49" charset="0"/>
+                <a:cs typeface="Consolas" pitchFamily="49" charset="0"/>
+              </a:rPr>
+              <a:t>message</a:t>
+            </a:r>
+            <a:r>
+              <a:rPr lang="de-DE" sz="1200" dirty="0" smtClean="0">
+                <a:latin typeface="Consolas" pitchFamily="49" charset="0"/>
+                <a:cs typeface="Consolas" pitchFamily="49" charset="0"/>
+              </a:rPr>
+              <a:t>!&lt;/</a:t>
+            </a:r>
+            <a:r>
+              <a:rPr lang="de-DE" sz="1200" dirty="0" err="1" smtClean="0">
+                <a:latin typeface="Consolas" pitchFamily="49" charset="0"/>
+                <a:cs typeface="Consolas" pitchFamily="49" charset="0"/>
+              </a:rPr>
+              <a:t>message</a:t>
+            </a:r>
+            <a:r>
+              <a:rPr lang="de-DE" sz="1200" dirty="0" smtClean="0">
+                <a:latin typeface="Consolas" pitchFamily="49" charset="0"/>
+                <a:cs typeface="Consolas" pitchFamily="49" charset="0"/>
+              </a:rPr>
+              <a:t>&gt;</a:t>
+            </a:r>
+          </a:p>
+          <a:p>
+            <a:r>
+              <a:rPr lang="de-DE" sz="1200" dirty="0" smtClean="0">
+                <a:latin typeface="Consolas" pitchFamily="49" charset="0"/>
+                <a:cs typeface="Consolas" pitchFamily="49" charset="0"/>
+              </a:rPr>
+              <a:t>        &lt;</a:t>
+            </a:r>
+            <a:r>
+              <a:rPr lang="de-DE" sz="1200" dirty="0" err="1" smtClean="0">
+                <a:latin typeface="Consolas" pitchFamily="49" charset="0"/>
+                <a:cs typeface="Consolas" pitchFamily="49" charset="0"/>
+              </a:rPr>
+              <a:t>poster</a:t>
+            </a:r>
+            <a:r>
+              <a:rPr lang="de-DE" sz="1200" dirty="0" smtClean="0">
+                <a:latin typeface="Consolas" pitchFamily="49" charset="0"/>
+                <a:cs typeface="Consolas" pitchFamily="49" charset="0"/>
+              </a:rPr>
+              <a:t> </a:t>
+            </a:r>
+            <a:r>
+              <a:rPr lang="de-DE" sz="1200" dirty="0" err="1" smtClean="0">
+                <a:latin typeface="Consolas" pitchFamily="49" charset="0"/>
+                <a:cs typeface="Consolas" pitchFamily="49" charset="0"/>
+              </a:rPr>
+              <a:t>id</a:t>
+            </a:r>
+            <a:r>
+              <a:rPr lang="de-DE" sz="1200" dirty="0" smtClean="0">
+                <a:latin typeface="Consolas" pitchFamily="49" charset="0"/>
+                <a:cs typeface="Consolas" pitchFamily="49" charset="0"/>
+              </a:rPr>
+              <a:t>="1"/&gt;</a:t>
+            </a:r>
+          </a:p>
+          <a:p>
+            <a:r>
+              <a:rPr lang="de-DE" sz="1200" dirty="0" smtClean="0">
+                <a:latin typeface="Consolas" pitchFamily="49" charset="0"/>
+                <a:cs typeface="Consolas" pitchFamily="49" charset="0"/>
+              </a:rPr>
+              <a:t>    &lt;/</a:t>
+            </a:r>
+            <a:r>
+              <a:rPr lang="de-DE" sz="1200" dirty="0" err="1" smtClean="0">
+                <a:latin typeface="Consolas" pitchFamily="49" charset="0"/>
+                <a:cs typeface="Consolas" pitchFamily="49" charset="0"/>
+              </a:rPr>
+              <a:t>status</a:t>
+            </a:r>
+            <a:r>
+              <a:rPr lang="de-DE" sz="1200" dirty="0" smtClean="0">
+                <a:latin typeface="Consolas" pitchFamily="49" charset="0"/>
+                <a:cs typeface="Consolas" pitchFamily="49" charset="0"/>
+              </a:rPr>
+              <a:t>&gt;</a:t>
+            </a:r>
+          </a:p>
+          <a:p>
+            <a:r>
+              <a:rPr lang="de-DE" sz="1200" dirty="0" smtClean="0">
+                <a:latin typeface="Consolas" pitchFamily="49" charset="0"/>
+                <a:cs typeface="Consolas" pitchFamily="49" charset="0"/>
+              </a:rPr>
+              <a:t>&lt;/</a:t>
+            </a:r>
+            <a:r>
+              <a:rPr lang="de-DE" sz="1200" dirty="0" err="1" smtClean="0">
+                <a:latin typeface="Consolas" pitchFamily="49" charset="0"/>
+                <a:cs typeface="Consolas" pitchFamily="49" charset="0"/>
+              </a:rPr>
+              <a:t>list</a:t>
+            </a:r>
+            <a:r>
+              <a:rPr lang="de-DE" sz="1200" dirty="0" smtClean="0">
+                <a:latin typeface="Consolas" pitchFamily="49" charset="0"/>
+                <a:cs typeface="Consolas" pitchFamily="49" charset="0"/>
+              </a:rPr>
+              <a:t>&gt;</a:t>
+            </a:r>
+          </a:p>
+          <a:p>
+            <a:endParaRPr lang="de-DE" sz="1200" dirty="0">
+              <a:latin typeface="Consolas" pitchFamily="49" charset="0"/>
+              <a:cs typeface="Consolas" pitchFamily="49" charset="0"/>
+            </a:endParaRPr>
+          </a:p>
+        </p:txBody>
+      </p:sp>
+      <p:sp>
+        <p:nvSpPr>
+          <p:cNvPr id="6" name="Textfeld 5"/>
+          <p:cNvSpPr txBox="1"/>
+          <p:nvPr/>
+        </p:nvSpPr>
+        <p:spPr>
+          <a:xfrm>
+            <a:off x="4644008" y="3653730"/>
+            <a:ext cx="4104456" cy="2492990"/>
+          </a:xfrm>
+          <a:prstGeom prst="rect">
+            <a:avLst/>
+          </a:prstGeom>
+          <a:noFill/>
+        </p:spPr>
+        <p:txBody>
+          <a:bodyPr wrap="square" rtlCol="0">
+            <a:spAutoFit/>
+          </a:bodyPr>
+          <a:lstStyle/>
+          <a:p>
+            <a:r>
+              <a:rPr lang="de-DE" sz="1200" dirty="0" smtClean="0">
+                <a:latin typeface="Consolas" pitchFamily="49" charset="0"/>
+                <a:cs typeface="Consolas" pitchFamily="49" charset="0"/>
+              </a:rPr>
+              <a:t>[{</a:t>
+            </a:r>
+          </a:p>
+          <a:p>
+            <a:r>
+              <a:rPr lang="de-DE" sz="1200" dirty="0" smtClean="0">
+                <a:latin typeface="Consolas" pitchFamily="49" charset="0"/>
+                <a:cs typeface="Consolas" pitchFamily="49" charset="0"/>
+              </a:rPr>
+              <a:t>    "</a:t>
+            </a:r>
+            <a:r>
+              <a:rPr lang="de-DE" sz="1200" dirty="0" err="1" smtClean="0">
+                <a:latin typeface="Consolas" pitchFamily="49" charset="0"/>
+                <a:cs typeface="Consolas" pitchFamily="49" charset="0"/>
+              </a:rPr>
+              <a:t>class</a:t>
+            </a:r>
+            <a:r>
+              <a:rPr lang="de-DE" sz="1200" dirty="0" smtClean="0">
+                <a:latin typeface="Consolas" pitchFamily="49" charset="0"/>
+                <a:cs typeface="Consolas" pitchFamily="49" charset="0"/>
+              </a:rPr>
+              <a:t>":"grails4taglib.Status",</a:t>
+            </a:r>
+          </a:p>
+          <a:p>
+            <a:r>
+              <a:rPr lang="de-DE" sz="1200" dirty="0" smtClean="0">
+                <a:latin typeface="Consolas" pitchFamily="49" charset="0"/>
+                <a:cs typeface="Consolas" pitchFamily="49" charset="0"/>
+              </a:rPr>
+              <a:t>    "</a:t>
+            </a:r>
+            <a:r>
+              <a:rPr lang="de-DE" sz="1200" dirty="0" err="1" smtClean="0">
+                <a:latin typeface="Consolas" pitchFamily="49" charset="0"/>
+                <a:cs typeface="Consolas" pitchFamily="49" charset="0"/>
+              </a:rPr>
+              <a:t>id</a:t>
+            </a:r>
+            <a:r>
+              <a:rPr lang="de-DE" sz="1200" dirty="0" smtClean="0">
+                <a:latin typeface="Consolas" pitchFamily="49" charset="0"/>
+                <a:cs typeface="Consolas" pitchFamily="49" charset="0"/>
+              </a:rPr>
+              <a:t>":1,</a:t>
+            </a:r>
+          </a:p>
+          <a:p>
+            <a:r>
+              <a:rPr lang="de-DE" sz="1200" dirty="0" smtClean="0">
+                <a:latin typeface="Consolas" pitchFamily="49" charset="0"/>
+                <a:cs typeface="Consolas" pitchFamily="49" charset="0"/>
+              </a:rPr>
+              <a:t>    "</a:t>
+            </a:r>
+            <a:r>
+              <a:rPr lang="de-DE" sz="1200" dirty="0" err="1" smtClean="0">
+                <a:latin typeface="Consolas" pitchFamily="49" charset="0"/>
+                <a:cs typeface="Consolas" pitchFamily="49" charset="0"/>
+              </a:rPr>
+              <a:t>dateCreated</a:t>
+            </a:r>
+            <a:r>
+              <a:rPr lang="de-DE" sz="1200" dirty="0" smtClean="0">
+                <a:latin typeface="Consolas" pitchFamily="49" charset="0"/>
+                <a:cs typeface="Consolas" pitchFamily="49" charset="0"/>
+              </a:rPr>
+              <a:t>":"2011-11-04T12:51:30Z",</a:t>
+            </a:r>
+          </a:p>
+          <a:p>
+            <a:r>
+              <a:rPr lang="de-DE" sz="1200" dirty="0" smtClean="0">
+                <a:latin typeface="Consolas" pitchFamily="49" charset="0"/>
+                <a:cs typeface="Consolas" pitchFamily="49" charset="0"/>
+              </a:rPr>
+              <a:t>    "</a:t>
+            </a:r>
+            <a:r>
+              <a:rPr lang="de-DE" sz="1200" dirty="0" err="1" smtClean="0">
+                <a:latin typeface="Consolas" pitchFamily="49" charset="0"/>
+                <a:cs typeface="Consolas" pitchFamily="49" charset="0"/>
+              </a:rPr>
+              <a:t>message</a:t>
+            </a:r>
+            <a:r>
+              <a:rPr lang="de-DE" sz="1200" dirty="0" smtClean="0">
+                <a:latin typeface="Consolas" pitchFamily="49" charset="0"/>
+                <a:cs typeface="Consolas" pitchFamily="49" charset="0"/>
+              </a:rPr>
+              <a:t>":"</a:t>
+            </a:r>
+            <a:r>
+              <a:rPr lang="de-DE" sz="1200" dirty="0" err="1" smtClean="0">
+                <a:latin typeface="Consolas" pitchFamily="49" charset="0"/>
+                <a:cs typeface="Consolas" pitchFamily="49" charset="0"/>
+              </a:rPr>
+              <a:t>My</a:t>
+            </a:r>
+            <a:r>
+              <a:rPr lang="de-DE" sz="1200" dirty="0" smtClean="0">
+                <a:latin typeface="Consolas" pitchFamily="49" charset="0"/>
+                <a:cs typeface="Consolas" pitchFamily="49" charset="0"/>
+              </a:rPr>
+              <a:t> </a:t>
+            </a:r>
+            <a:r>
+              <a:rPr lang="de-DE" sz="1200" dirty="0" err="1" smtClean="0">
+                <a:latin typeface="Consolas" pitchFamily="49" charset="0"/>
+                <a:cs typeface="Consolas" pitchFamily="49" charset="0"/>
+              </a:rPr>
+              <a:t>first</a:t>
+            </a:r>
+            <a:r>
+              <a:rPr lang="de-DE" sz="1200" dirty="0" smtClean="0">
+                <a:latin typeface="Consolas" pitchFamily="49" charset="0"/>
+                <a:cs typeface="Consolas" pitchFamily="49" charset="0"/>
+              </a:rPr>
+              <a:t> post!",</a:t>
+            </a:r>
+          </a:p>
+          <a:p>
+            <a:r>
+              <a:rPr lang="de-DE" sz="1200" dirty="0" smtClean="0">
+                <a:latin typeface="Consolas" pitchFamily="49" charset="0"/>
+                <a:cs typeface="Consolas" pitchFamily="49" charset="0"/>
+              </a:rPr>
+              <a:t>    "</a:t>
+            </a:r>
+            <a:r>
+              <a:rPr lang="de-DE" sz="1200" dirty="0" err="1" smtClean="0">
+                <a:latin typeface="Consolas" pitchFamily="49" charset="0"/>
+                <a:cs typeface="Consolas" pitchFamily="49" charset="0"/>
+              </a:rPr>
+              <a:t>poster</a:t>
+            </a:r>
+            <a:r>
+              <a:rPr lang="de-DE" sz="1200" dirty="0" smtClean="0">
+                <a:latin typeface="Consolas" pitchFamily="49" charset="0"/>
+                <a:cs typeface="Consolas" pitchFamily="49" charset="0"/>
+              </a:rPr>
+              <a:t>":{"</a:t>
+            </a:r>
+            <a:r>
+              <a:rPr lang="de-DE" sz="1200" dirty="0" err="1" smtClean="0">
+                <a:latin typeface="Consolas" pitchFamily="49" charset="0"/>
+                <a:cs typeface="Consolas" pitchFamily="49" charset="0"/>
+              </a:rPr>
+              <a:t>class</a:t>
+            </a:r>
+            <a:r>
+              <a:rPr lang="de-DE" sz="1200" dirty="0" smtClean="0">
+                <a:latin typeface="Consolas" pitchFamily="49" charset="0"/>
+                <a:cs typeface="Consolas" pitchFamily="49" charset="0"/>
+              </a:rPr>
+              <a:t>":"</a:t>
+            </a:r>
+            <a:r>
+              <a:rPr lang="de-DE" sz="1200" dirty="0" err="1" smtClean="0">
+                <a:latin typeface="Consolas" pitchFamily="49" charset="0"/>
+                <a:cs typeface="Consolas" pitchFamily="49" charset="0"/>
+              </a:rPr>
+              <a:t>Person","id</a:t>
+            </a:r>
+            <a:r>
+              <a:rPr lang="de-DE" sz="1200" dirty="0" smtClean="0">
+                <a:latin typeface="Consolas" pitchFamily="49" charset="0"/>
+                <a:cs typeface="Consolas" pitchFamily="49" charset="0"/>
+              </a:rPr>
+              <a:t>":1}</a:t>
+            </a:r>
+          </a:p>
+          <a:p>
+            <a:r>
+              <a:rPr lang="de-DE" sz="1200" dirty="0" smtClean="0">
+                <a:latin typeface="Consolas" pitchFamily="49" charset="0"/>
+                <a:cs typeface="Consolas" pitchFamily="49" charset="0"/>
+              </a:rPr>
+              <a:t>},{</a:t>
+            </a:r>
+          </a:p>
+          <a:p>
+            <a:r>
+              <a:rPr lang="de-DE" sz="1200" dirty="0" smtClean="0">
+                <a:latin typeface="Consolas" pitchFamily="49" charset="0"/>
+                <a:cs typeface="Consolas" pitchFamily="49" charset="0"/>
+              </a:rPr>
+              <a:t>    "</a:t>
+            </a:r>
+            <a:r>
+              <a:rPr lang="de-DE" sz="1200" dirty="0" err="1" smtClean="0">
+                <a:latin typeface="Consolas" pitchFamily="49" charset="0"/>
+                <a:cs typeface="Consolas" pitchFamily="49" charset="0"/>
+              </a:rPr>
+              <a:t>class</a:t>
+            </a:r>
+            <a:r>
+              <a:rPr lang="de-DE" sz="1200" dirty="0" smtClean="0">
+                <a:latin typeface="Consolas" pitchFamily="49" charset="0"/>
+                <a:cs typeface="Consolas" pitchFamily="49" charset="0"/>
+              </a:rPr>
+              <a:t>":"grails4taglib.Status",</a:t>
+            </a:r>
+          </a:p>
+          <a:p>
+            <a:r>
+              <a:rPr lang="de-DE" sz="1200" dirty="0" smtClean="0">
+                <a:latin typeface="Consolas" pitchFamily="49" charset="0"/>
+                <a:cs typeface="Consolas" pitchFamily="49" charset="0"/>
+              </a:rPr>
+              <a:t>    "</a:t>
+            </a:r>
+            <a:r>
+              <a:rPr lang="de-DE" sz="1200" dirty="0" err="1" smtClean="0">
+                <a:latin typeface="Consolas" pitchFamily="49" charset="0"/>
+                <a:cs typeface="Consolas" pitchFamily="49" charset="0"/>
+              </a:rPr>
+              <a:t>id</a:t>
+            </a:r>
+            <a:r>
+              <a:rPr lang="de-DE" sz="1200" dirty="0" smtClean="0">
+                <a:latin typeface="Consolas" pitchFamily="49" charset="0"/>
+                <a:cs typeface="Consolas" pitchFamily="49" charset="0"/>
+              </a:rPr>
+              <a:t>":2,</a:t>
+            </a:r>
+          </a:p>
+          <a:p>
+            <a:r>
+              <a:rPr lang="de-DE" sz="1200" dirty="0" smtClean="0">
+                <a:latin typeface="Consolas" pitchFamily="49" charset="0"/>
+                <a:cs typeface="Consolas" pitchFamily="49" charset="0"/>
+              </a:rPr>
+              <a:t>    "</a:t>
+            </a:r>
+            <a:r>
+              <a:rPr lang="de-DE" sz="1200" dirty="0" err="1" smtClean="0">
+                <a:latin typeface="Consolas" pitchFamily="49" charset="0"/>
+                <a:cs typeface="Consolas" pitchFamily="49" charset="0"/>
+              </a:rPr>
+              <a:t>dateCreated</a:t>
+            </a:r>
+            <a:r>
+              <a:rPr lang="de-DE" sz="1200" dirty="0" smtClean="0">
+                <a:latin typeface="Consolas" pitchFamily="49" charset="0"/>
+                <a:cs typeface="Consolas" pitchFamily="49" charset="0"/>
+              </a:rPr>
+              <a:t>":"2011-11-04T12:51:42Z",</a:t>
+            </a:r>
+          </a:p>
+          <a:p>
+            <a:r>
+              <a:rPr lang="de-DE" sz="1200" dirty="0" smtClean="0">
+                <a:latin typeface="Consolas" pitchFamily="49" charset="0"/>
+                <a:cs typeface="Consolas" pitchFamily="49" charset="0"/>
+              </a:rPr>
+              <a:t>    "</a:t>
+            </a:r>
+            <a:r>
+              <a:rPr lang="de-DE" sz="1200" dirty="0" err="1" smtClean="0">
+                <a:latin typeface="Consolas" pitchFamily="49" charset="0"/>
+                <a:cs typeface="Consolas" pitchFamily="49" charset="0"/>
+              </a:rPr>
+              <a:t>message</a:t>
+            </a:r>
+            <a:r>
+              <a:rPr lang="de-DE" sz="1200" dirty="0" smtClean="0">
+                <a:latin typeface="Consolas" pitchFamily="49" charset="0"/>
+                <a:cs typeface="Consolas" pitchFamily="49" charset="0"/>
+              </a:rPr>
+              <a:t>":"Second </a:t>
+            </a:r>
+            <a:r>
+              <a:rPr lang="de-DE" sz="1200" dirty="0" err="1" smtClean="0">
+                <a:latin typeface="Consolas" pitchFamily="49" charset="0"/>
+                <a:cs typeface="Consolas" pitchFamily="49" charset="0"/>
+              </a:rPr>
+              <a:t>message</a:t>
+            </a:r>
+            <a:r>
+              <a:rPr lang="de-DE" sz="1200" dirty="0" smtClean="0">
+                <a:latin typeface="Consolas" pitchFamily="49" charset="0"/>
+                <a:cs typeface="Consolas" pitchFamily="49" charset="0"/>
+              </a:rPr>
+              <a:t>!",</a:t>
+            </a:r>
+          </a:p>
+          <a:p>
+            <a:r>
+              <a:rPr lang="de-DE" sz="1200" dirty="0" smtClean="0">
+                <a:latin typeface="Consolas" pitchFamily="49" charset="0"/>
+                <a:cs typeface="Consolas" pitchFamily="49" charset="0"/>
+              </a:rPr>
+              <a:t>    "</a:t>
+            </a:r>
+            <a:r>
+              <a:rPr lang="de-DE" sz="1200" dirty="0" err="1" smtClean="0">
+                <a:latin typeface="Consolas" pitchFamily="49" charset="0"/>
+                <a:cs typeface="Consolas" pitchFamily="49" charset="0"/>
+              </a:rPr>
+              <a:t>poster</a:t>
+            </a:r>
+            <a:r>
+              <a:rPr lang="de-DE" sz="1200" dirty="0" smtClean="0">
+                <a:latin typeface="Consolas" pitchFamily="49" charset="0"/>
+                <a:cs typeface="Consolas" pitchFamily="49" charset="0"/>
+              </a:rPr>
+              <a:t>":{"</a:t>
+            </a:r>
+            <a:r>
+              <a:rPr lang="de-DE" sz="1200" dirty="0" err="1" smtClean="0">
+                <a:latin typeface="Consolas" pitchFamily="49" charset="0"/>
+                <a:cs typeface="Consolas" pitchFamily="49" charset="0"/>
+              </a:rPr>
+              <a:t>class</a:t>
+            </a:r>
+            <a:r>
+              <a:rPr lang="de-DE" sz="1200" dirty="0" smtClean="0">
+                <a:latin typeface="Consolas" pitchFamily="49" charset="0"/>
+                <a:cs typeface="Consolas" pitchFamily="49" charset="0"/>
+              </a:rPr>
+              <a:t>":"</a:t>
+            </a:r>
+            <a:r>
+              <a:rPr lang="de-DE" sz="1200" dirty="0" err="1" smtClean="0">
+                <a:latin typeface="Consolas" pitchFamily="49" charset="0"/>
+                <a:cs typeface="Consolas" pitchFamily="49" charset="0"/>
+              </a:rPr>
+              <a:t>Person","id</a:t>
+            </a:r>
+            <a:r>
+              <a:rPr lang="de-DE" sz="1200" dirty="0" smtClean="0">
+                <a:latin typeface="Consolas" pitchFamily="49" charset="0"/>
+                <a:cs typeface="Consolas" pitchFamily="49" charset="0"/>
+              </a:rPr>
+              <a:t>":1}</a:t>
+            </a:r>
+          </a:p>
+          <a:p>
+            <a:r>
+              <a:rPr lang="de-DE" sz="1200" dirty="0" smtClean="0">
+                <a:latin typeface="Consolas" pitchFamily="49" charset="0"/>
+                <a:cs typeface="Consolas" pitchFamily="49" charset="0"/>
+              </a:rPr>
+              <a:t>}]</a:t>
+            </a:r>
+            <a:endParaRPr lang="de-DE" sz="1200" dirty="0">
+              <a:latin typeface="Consolas" pitchFamily="49" charset="0"/>
+              <a:cs typeface="Consolas" pitchFamily="49" charset="0"/>
+            </a:endParaRPr>
+          </a:p>
+        </p:txBody>
+      </p:sp>
+      <p:sp>
+        <p:nvSpPr>
+          <p:cNvPr id="9" name="Legende mit Pfeil nach unten 8"/>
+          <p:cNvSpPr/>
+          <p:nvPr/>
+        </p:nvSpPr>
+        <p:spPr>
+          <a:xfrm>
+            <a:off x="5292080" y="3068960"/>
+            <a:ext cx="2160240" cy="648072"/>
+          </a:xfrm>
+          <a:prstGeom prst="downArrowCallout">
+            <a:avLst/>
+          </a:prstGeom>
+        </p:spPr>
+        <p:style>
+          <a:lnRef idx="2">
+            <a:schemeClr val="accent5">
+              <a:shade val="50000"/>
+            </a:schemeClr>
+          </a:lnRef>
+          <a:fillRef idx="1">
+            <a:schemeClr val="accent5"/>
+          </a:fillRef>
+          <a:effectRef idx="0">
+            <a:schemeClr val="accent5"/>
+          </a:effectRef>
+          <a:fontRef idx="minor">
+            <a:schemeClr val="lt1"/>
+          </a:fontRef>
+        </p:style>
+        <p:txBody>
+          <a:bodyPr rtlCol="0" anchor="ctr"/>
+          <a:lstStyle/>
+          <a:p>
+            <a:pPr algn="ctr"/>
+            <a:r>
+              <a:rPr lang="de-DE" dirty="0" err="1" smtClean="0"/>
+              <a:t>twitter</a:t>
+            </a:r>
+            <a:r>
+              <a:rPr lang="de-DE" dirty="0" smtClean="0"/>
+              <a:t>/</a:t>
+            </a:r>
+            <a:r>
+              <a:rPr lang="de-DE" dirty="0" err="1" smtClean="0"/>
+              <a:t>status.json</a:t>
+            </a:r>
+            <a:endParaRPr lang="de-DE" dirty="0"/>
+          </a:p>
+        </p:txBody>
+      </p:sp>
+      <p:sp>
+        <p:nvSpPr>
+          <p:cNvPr id="10" name="Legende mit Pfeil nach unten 9"/>
+          <p:cNvSpPr/>
+          <p:nvPr/>
+        </p:nvSpPr>
+        <p:spPr>
+          <a:xfrm>
+            <a:off x="1331640" y="3068960"/>
+            <a:ext cx="2160240" cy="648072"/>
+          </a:xfrm>
+          <a:prstGeom prst="downArrowCallout">
+            <a:avLst/>
+          </a:prstGeom>
+        </p:spPr>
+        <p:style>
+          <a:lnRef idx="2">
+            <a:schemeClr val="accent5">
+              <a:shade val="50000"/>
+            </a:schemeClr>
+          </a:lnRef>
+          <a:fillRef idx="1">
+            <a:schemeClr val="accent5"/>
+          </a:fillRef>
+          <a:effectRef idx="0">
+            <a:schemeClr val="accent5"/>
+          </a:effectRef>
+          <a:fontRef idx="minor">
+            <a:schemeClr val="lt1"/>
+          </a:fontRef>
+        </p:style>
+        <p:txBody>
+          <a:bodyPr rtlCol="0" anchor="ctr"/>
+          <a:lstStyle/>
+          <a:p>
+            <a:pPr algn="ctr"/>
+            <a:r>
+              <a:rPr lang="de-DE" dirty="0" err="1" smtClean="0"/>
+              <a:t>twitter</a:t>
+            </a:r>
+            <a:r>
+              <a:rPr lang="de-DE" dirty="0" smtClean="0"/>
+              <a:t>/status.xml</a:t>
+            </a:r>
+            <a:endParaRPr lang="de-DE" dirty="0"/>
+          </a:p>
+        </p:txBody>
+      </p:sp>
+    </p:spTree>
+  </p:cSld>
+  <p:clrMapOvr>
+    <a:masterClrMapping/>
+  </p:clrMapOvr>
+  <p:transition spd="slow" advTm="10000"/>
+  <p:timing>
+    <p:tnLst>
+      <p:par>
+        <p:cTn id="1" dur="indefinite" restart="never" nodeType="tmRoot"/>
+      </p:par>
+    </p:tnLst>
+  </p:timing>
+</p:sld>
+</file>
+
+<file path=ppt/slides/slide29.xml><?xml version="1.0" encoding="utf-8"?>
 <p:sld xmlns:a="http://schemas.openxmlformats.org/drawingml/2006/main" xmlns:r="http://schemas.openxmlformats.org/officeDocument/2006/relationships" xmlns:p="http://schemas.openxmlformats.org/presentationml/2006/main">
   <p:cSld>
     <p:spTree>
@@ -23691,10 +27575,1471 @@
     <a:masterClrMapping/>
   </p:clrMapOvr>
   <p:transition spd="slow" advTm="10000"/>
+  <p:timing>
+    <p:tnLst>
+      <p:par>
+        <p:cTn id="1" dur="indefinite" restart="never" nodeType="tmRoot"/>
+      </p:par>
+    </p:tnLst>
+  </p:timing>
 </p:sld>
 </file>
 
-<file path=ppt/slides/slide24.xml><?xml version="1.0" encoding="utf-8"?>
+<file path=ppt/slides/slide3.xml><?xml version="1.0" encoding="utf-8"?>
+<p:sld xmlns:a="http://schemas.openxmlformats.org/drawingml/2006/main" xmlns:r="http://schemas.openxmlformats.org/officeDocument/2006/relationships" xmlns:p="http://schemas.openxmlformats.org/presentationml/2006/main">
+  <p:cSld>
+    <p:spTree>
+      <p:nvGrpSpPr>
+        <p:cNvPr id="1" name=""/>
+        <p:cNvGrpSpPr/>
+        <p:nvPr/>
+      </p:nvGrpSpPr>
+      <p:grpSpPr>
+        <a:xfrm>
+          <a:off x="0" y="0"/>
+          <a:ext cx="0" cy="0"/>
+          <a:chOff x="0" y="0"/>
+          <a:chExt cx="0" cy="0"/>
+        </a:xfrm>
+      </p:grpSpPr>
+      <p:sp>
+        <p:nvSpPr>
+          <p:cNvPr id="24" name="Rechteck 23"/>
+          <p:cNvSpPr/>
+          <p:nvPr/>
+        </p:nvSpPr>
+        <p:spPr>
+          <a:xfrm>
+            <a:off x="251520" y="5462667"/>
+            <a:ext cx="8712968" cy="936104"/>
+          </a:xfrm>
+          <a:prstGeom prst="rect">
+            <a:avLst/>
+          </a:prstGeom>
+          <a:solidFill>
+            <a:schemeClr val="bg1"/>
+          </a:solidFill>
+          <a:ln>
+            <a:noFill/>
+          </a:ln>
+        </p:spPr>
+        <p:style>
+          <a:lnRef idx="2">
+            <a:schemeClr val="accent1">
+              <a:shade val="50000"/>
+            </a:schemeClr>
+          </a:lnRef>
+          <a:fillRef idx="1">
+            <a:schemeClr val="accent1"/>
+          </a:fillRef>
+          <a:effectRef idx="0">
+            <a:schemeClr val="accent1"/>
+          </a:effectRef>
+          <a:fontRef idx="minor">
+            <a:schemeClr val="lt1"/>
+          </a:fontRef>
+        </p:style>
+        <p:txBody>
+          <a:bodyPr rtlCol="0" anchor="ctr"/>
+          <a:lstStyle/>
+          <a:p>
+            <a:pPr algn="ctr"/>
+            <a:endParaRPr lang="de-DE"/>
+          </a:p>
+        </p:txBody>
+      </p:sp>
+      <p:sp>
+        <p:nvSpPr>
+          <p:cNvPr id="18" name="Rechteck 17"/>
+          <p:cNvSpPr/>
+          <p:nvPr/>
+        </p:nvSpPr>
+        <p:spPr>
+          <a:xfrm>
+            <a:off x="247620" y="2456262"/>
+            <a:ext cx="8643998" cy="18000"/>
+          </a:xfrm>
+          <a:prstGeom prst="rect">
+            <a:avLst/>
+          </a:prstGeom>
+          <a:solidFill>
+            <a:schemeClr val="bg1"/>
+          </a:solidFill>
+          <a:ln>
+            <a:noFill/>
+          </a:ln>
+        </p:spPr>
+        <p:style>
+          <a:lnRef idx="2">
+            <a:schemeClr val="accent1">
+              <a:shade val="50000"/>
+            </a:schemeClr>
+          </a:lnRef>
+          <a:fillRef idx="1">
+            <a:schemeClr val="accent1"/>
+          </a:fillRef>
+          <a:effectRef idx="0">
+            <a:schemeClr val="accent1"/>
+          </a:effectRef>
+          <a:fontRef idx="minor">
+            <a:schemeClr val="lt1"/>
+          </a:fontRef>
+        </p:style>
+        <p:txBody>
+          <a:bodyPr rtlCol="0" anchor="ctr"/>
+          <a:lstStyle/>
+          <a:p>
+            <a:pPr algn="ctr"/>
+            <a:endParaRPr lang="de-DE"/>
+          </a:p>
+        </p:txBody>
+      </p:sp>
+      <p:sp>
+        <p:nvSpPr>
+          <p:cNvPr id="4" name="Trapezoid 3"/>
+          <p:cNvSpPr>
+            <a:spLocks/>
+          </p:cNvSpPr>
+          <p:nvPr/>
+        </p:nvSpPr>
+        <p:spPr>
+          <a:xfrm rot="5400000">
+            <a:off x="2779938" y="2124718"/>
+            <a:ext cx="3600400" cy="2608564"/>
+          </a:xfrm>
+          <a:prstGeom prst="trapezoid">
+            <a:avLst>
+              <a:gd name="adj" fmla="val 18212"/>
+            </a:avLst>
+          </a:prstGeom>
+          <a:solidFill>
+            <a:schemeClr val="accent3">
+              <a:alpha val="60000"/>
+            </a:schemeClr>
+          </a:solidFill>
+          <a:ln w="9525">
+            <a:solidFill>
+              <a:schemeClr val="accent3"/>
+            </a:solidFill>
+          </a:ln>
+        </p:spPr>
+        <p:style>
+          <a:lnRef idx="2">
+            <a:schemeClr val="accent1">
+              <a:shade val="50000"/>
+            </a:schemeClr>
+          </a:lnRef>
+          <a:fillRef idx="1">
+            <a:schemeClr val="accent1"/>
+          </a:fillRef>
+          <a:effectRef idx="0">
+            <a:schemeClr val="accent1"/>
+          </a:effectRef>
+          <a:fontRef idx="minor">
+            <a:schemeClr val="lt1"/>
+          </a:fontRef>
+        </p:style>
+        <p:txBody>
+          <a:bodyPr rtlCol="0" anchor="ctr"/>
+          <a:lstStyle/>
+          <a:p>
+            <a:pPr marL="0" algn="ctr" defTabSz="914400" rtl="0" eaLnBrk="1" latinLnBrk="0" hangingPunct="1"/>
+            <a:endParaRPr lang="de-DE" sz="1800" kern="1200">
+              <a:solidFill>
+                <a:schemeClr val="lt1"/>
+              </a:solidFill>
+              <a:latin typeface="+mn-lt"/>
+              <a:ea typeface="+mn-ea"/>
+              <a:cs typeface="+mn-cs"/>
+            </a:endParaRPr>
+          </a:p>
+        </p:txBody>
+      </p:sp>
+      <p:sp>
+        <p:nvSpPr>
+          <p:cNvPr id="5" name="Trapezoid 4"/>
+          <p:cNvSpPr>
+            <a:spLocks noChangeAspect="1"/>
+          </p:cNvSpPr>
+          <p:nvPr/>
+        </p:nvSpPr>
+        <p:spPr>
+          <a:xfrm rot="5400000">
+            <a:off x="-180197" y="2132525"/>
+            <a:ext cx="3599738" cy="2592287"/>
+          </a:xfrm>
+          <a:prstGeom prst="trapezoid">
+            <a:avLst>
+              <a:gd name="adj" fmla="val 17301"/>
+            </a:avLst>
+          </a:prstGeom>
+          <a:solidFill>
+            <a:schemeClr val="accent3"/>
+          </a:solidFill>
+          <a:ln w="9525">
+            <a:solidFill>
+              <a:schemeClr val="accent3"/>
+            </a:solidFill>
+          </a:ln>
+        </p:spPr>
+        <p:style>
+          <a:lnRef idx="2">
+            <a:schemeClr val="accent1">
+              <a:shade val="50000"/>
+            </a:schemeClr>
+          </a:lnRef>
+          <a:fillRef idx="1">
+            <a:schemeClr val="accent1"/>
+          </a:fillRef>
+          <a:effectRef idx="0">
+            <a:schemeClr val="accent1"/>
+          </a:effectRef>
+          <a:fontRef idx="minor">
+            <a:schemeClr val="lt1"/>
+          </a:fontRef>
+        </p:style>
+        <p:txBody>
+          <a:bodyPr rtlCol="0" anchor="ctr"/>
+          <a:lstStyle/>
+          <a:p>
+            <a:pPr algn="ctr"/>
+            <a:endParaRPr lang="de-DE"/>
+          </a:p>
+        </p:txBody>
+      </p:sp>
+      <p:sp>
+        <p:nvSpPr>
+          <p:cNvPr id="6" name="Textfeld 5"/>
+          <p:cNvSpPr txBox="1"/>
+          <p:nvPr/>
+        </p:nvSpPr>
+        <p:spPr>
+          <a:xfrm>
+            <a:off x="440400" y="2053344"/>
+            <a:ext cx="1857388" cy="2246769"/>
+          </a:xfrm>
+          <a:prstGeom prst="rect">
+            <a:avLst/>
+          </a:prstGeom>
+        </p:spPr>
+        <p:txBody>
+          <a:bodyPr vert="horz" lIns="0" tIns="0" rIns="0" bIns="0" rtlCol="0">
+            <a:normAutofit fontScale="92500" lnSpcReduction="10000"/>
+          </a:bodyPr>
+          <a:lstStyle/>
+          <a:p>
+            <a:pPr lvl="0" algn="l" defTabSz="914400" rtl="0" eaLnBrk="1" latinLnBrk="0" hangingPunct="1">
+              <a:buClr>
+                <a:schemeClr val="tx1"/>
+              </a:buClr>
+              <a:buFont typeface="Wingdings" pitchFamily="2" charset="2"/>
+              <a:buNone/>
+            </a:pPr>
+            <a:r>
+              <a:rPr kumimoji="0" lang="de-DE" sz="2200" b="1" i="0" u="none" strike="noStrike" kern="1200" cap="none" spc="0" normalizeH="0" baseline="0" noProof="0" dirty="0" smtClean="0">
+                <a:ln>
+                  <a:noFill/>
+                </a:ln>
+                <a:solidFill>
+                  <a:schemeClr val="tx1"/>
+                </a:solidFill>
+                <a:effectLst/>
+                <a:uLnTx/>
+                <a:uFillTx/>
+                <a:latin typeface="+mn-lt"/>
+                <a:ea typeface="+mn-ea"/>
+                <a:cs typeface="+mn-cs"/>
+              </a:rPr>
+              <a:t>Leistungs-</a:t>
+            </a:r>
+            <a:br>
+              <a:rPr kumimoji="0" lang="de-DE" sz="2200" b="1" i="0" u="none" strike="noStrike" kern="1200" cap="none" spc="0" normalizeH="0" baseline="0" noProof="0" dirty="0" smtClean="0">
+                <a:ln>
+                  <a:noFill/>
+                </a:ln>
+                <a:solidFill>
+                  <a:schemeClr val="tx1"/>
+                </a:solidFill>
+                <a:effectLst/>
+                <a:uLnTx/>
+                <a:uFillTx/>
+                <a:latin typeface="+mn-lt"/>
+                <a:ea typeface="+mn-ea"/>
+                <a:cs typeface="+mn-cs"/>
+              </a:rPr>
+            </a:br>
+            <a:r>
+              <a:rPr kumimoji="0" lang="de-DE" sz="2200" b="1" i="0" u="none" strike="noStrike" kern="1200" cap="none" spc="0" normalizeH="0" baseline="0" noProof="0" dirty="0" err="1" smtClean="0">
+                <a:ln>
+                  <a:noFill/>
+                </a:ln>
+                <a:solidFill>
+                  <a:schemeClr val="tx1"/>
+                </a:solidFill>
+                <a:effectLst/>
+                <a:uLnTx/>
+                <a:uFillTx/>
+                <a:latin typeface="+mn-lt"/>
+                <a:ea typeface="+mn-ea"/>
+                <a:cs typeface="+mn-cs"/>
+              </a:rPr>
+              <a:t>angebot</a:t>
+            </a:r>
+            <a:endParaRPr kumimoji="0" lang="de-DE" sz="2200" b="1" i="0" u="none" strike="noStrike" kern="1200" cap="none" spc="0" normalizeH="0" baseline="0" noProof="0" dirty="0" smtClean="0">
+              <a:ln>
+                <a:noFill/>
+              </a:ln>
+              <a:solidFill>
+                <a:schemeClr val="tx2"/>
+              </a:solidFill>
+              <a:effectLst/>
+              <a:uLnTx/>
+              <a:uFillTx/>
+              <a:latin typeface="+mn-lt"/>
+              <a:ea typeface="+mn-ea"/>
+              <a:cs typeface="+mn-cs"/>
+            </a:endParaRPr>
+          </a:p>
+          <a:p>
+            <a:pPr marL="177800" lvl="1" indent="-177800" algn="l" defTabSz="914400" rtl="0" eaLnBrk="1" latinLnBrk="0" hangingPunct="1">
+              <a:spcBef>
+                <a:spcPts val="1200"/>
+              </a:spcBef>
+              <a:buClr>
+                <a:schemeClr val="tx1"/>
+              </a:buClr>
+              <a:buFont typeface="Wingdings" pitchFamily="2" charset="2"/>
+              <a:buChar char=""/>
+            </a:pPr>
+            <a:r>
+              <a:rPr kumimoji="0" lang="de-DE" sz="1700" b="0" i="0" u="none" strike="noStrike" kern="1200" cap="none" spc="0" normalizeH="0" baseline="0" noProof="0" dirty="0" smtClean="0">
+                <a:ln>
+                  <a:noFill/>
+                </a:ln>
+                <a:solidFill>
+                  <a:schemeClr val="tx2"/>
+                </a:solidFill>
+                <a:effectLst/>
+                <a:uLnTx/>
+                <a:uFillTx/>
+                <a:latin typeface="+mn-lt"/>
+                <a:ea typeface="+mn-ea"/>
+                <a:cs typeface="+mn-cs"/>
+              </a:rPr>
+              <a:t>Java</a:t>
+            </a:r>
+          </a:p>
+          <a:p>
+            <a:pPr marL="177800" lvl="1" indent="-177800" algn="l" defTabSz="914400" rtl="0" eaLnBrk="1" latinLnBrk="0" hangingPunct="1">
+              <a:buClr>
+                <a:schemeClr val="tx1"/>
+              </a:buClr>
+              <a:buFont typeface="Wingdings" pitchFamily="2" charset="2"/>
+              <a:buChar char=""/>
+            </a:pPr>
+            <a:r>
+              <a:rPr kumimoji="0" lang="de-DE" sz="1700" b="0" i="0" u="none" strike="noStrike" kern="1200" cap="none" spc="0" normalizeH="0" baseline="0" noProof="0" dirty="0" smtClean="0">
+                <a:ln>
+                  <a:noFill/>
+                </a:ln>
+                <a:solidFill>
+                  <a:schemeClr val="tx2"/>
+                </a:solidFill>
+                <a:effectLst/>
+                <a:uLnTx/>
+                <a:uFillTx/>
+                <a:latin typeface="+mn-lt"/>
+                <a:ea typeface="+mn-ea"/>
+                <a:cs typeface="+mn-cs"/>
+              </a:rPr>
+              <a:t>SOA/BPM</a:t>
+            </a:r>
+          </a:p>
+          <a:p>
+            <a:pPr marL="177800" lvl="1" indent="-177800" algn="l" defTabSz="914400" rtl="0" eaLnBrk="1" latinLnBrk="0" hangingPunct="1">
+              <a:buClr>
+                <a:schemeClr val="tx1"/>
+              </a:buClr>
+              <a:buFont typeface="Wingdings" pitchFamily="2" charset="2"/>
+              <a:buChar char=""/>
+            </a:pPr>
+            <a:r>
+              <a:rPr kumimoji="0" lang="de-DE" sz="1700" b="0" i="0" u="none" strike="noStrike" kern="1200" cap="none" spc="0" normalizeH="0" baseline="0" noProof="0" dirty="0" smtClean="0">
+                <a:ln>
+                  <a:noFill/>
+                </a:ln>
+                <a:solidFill>
+                  <a:schemeClr val="tx2"/>
+                </a:solidFill>
+                <a:effectLst/>
+                <a:uLnTx/>
+                <a:uFillTx/>
+                <a:latin typeface="+mn-lt"/>
+                <a:ea typeface="+mn-ea"/>
+                <a:cs typeface="+mn-cs"/>
+              </a:rPr>
+              <a:t>ORACLE</a:t>
+            </a:r>
+          </a:p>
+          <a:p>
+            <a:pPr marL="177800" lvl="1" indent="-177800" algn="l" defTabSz="914400" rtl="0" eaLnBrk="1" latinLnBrk="0" hangingPunct="1">
+              <a:buClr>
+                <a:schemeClr val="tx1"/>
+              </a:buClr>
+              <a:buFont typeface="Wingdings" pitchFamily="2" charset="2"/>
+              <a:buChar char=""/>
+            </a:pPr>
+            <a:r>
+              <a:rPr kumimoji="0" lang="de-DE" sz="1700" b="0" i="0" u="none" strike="noStrike" kern="1200" cap="none" spc="0" normalizeH="0" baseline="0" noProof="0" dirty="0" smtClean="0">
+                <a:ln>
+                  <a:noFill/>
+                </a:ln>
+                <a:solidFill>
+                  <a:schemeClr val="tx2"/>
+                </a:solidFill>
+                <a:effectLst/>
+                <a:uLnTx/>
+                <a:uFillTx/>
+                <a:latin typeface="+mn-lt"/>
+                <a:ea typeface="+mn-ea"/>
+                <a:cs typeface="+mn-cs"/>
+              </a:rPr>
+              <a:t>BI/DWH</a:t>
+            </a:r>
+          </a:p>
+          <a:p>
+            <a:pPr marL="177800" lvl="1" indent="-177800" algn="l" defTabSz="914400" rtl="0" eaLnBrk="1" latinLnBrk="0" hangingPunct="1">
+              <a:buClr>
+                <a:schemeClr val="tx1"/>
+              </a:buClr>
+              <a:buFont typeface="Wingdings" pitchFamily="2" charset="2"/>
+              <a:buChar char=""/>
+            </a:pPr>
+            <a:r>
+              <a:rPr kumimoji="0" lang="de-DE" sz="1700" b="0" i="0" u="none" strike="noStrike" kern="1200" cap="none" spc="0" normalizeH="0" baseline="0" noProof="0" dirty="0" err="1" smtClean="0">
+                <a:ln>
+                  <a:noFill/>
+                </a:ln>
+                <a:solidFill>
+                  <a:schemeClr val="tx2"/>
+                </a:solidFill>
+                <a:effectLst/>
+                <a:uLnTx/>
+                <a:uFillTx/>
+                <a:latin typeface="+mn-lt"/>
+                <a:ea typeface="+mn-ea"/>
+                <a:cs typeface="+mn-cs"/>
+              </a:rPr>
+              <a:t>Outtasking</a:t>
+            </a:r>
+            <a:endParaRPr kumimoji="0" lang="de-DE" sz="1700" b="0" i="0" u="none" strike="noStrike" kern="1200" cap="none" spc="0" normalizeH="0" baseline="0" noProof="0" dirty="0" smtClean="0">
+              <a:ln>
+                <a:noFill/>
+              </a:ln>
+              <a:solidFill>
+                <a:schemeClr val="tx2"/>
+              </a:solidFill>
+              <a:effectLst/>
+              <a:uLnTx/>
+              <a:uFillTx/>
+              <a:latin typeface="+mn-lt"/>
+              <a:ea typeface="+mn-ea"/>
+              <a:cs typeface="+mn-cs"/>
+            </a:endParaRPr>
+          </a:p>
+          <a:p>
+            <a:pPr marL="177800" lvl="1" indent="-177800" algn="l" defTabSz="914400" rtl="0" eaLnBrk="1" latinLnBrk="0" hangingPunct="1">
+              <a:buClr>
+                <a:schemeClr val="tx1"/>
+              </a:buClr>
+              <a:buFont typeface="Wingdings" pitchFamily="2" charset="2"/>
+              <a:buChar char=""/>
+            </a:pPr>
+            <a:r>
+              <a:rPr lang="de-DE" sz="1700" noProof="0" dirty="0" err="1" smtClean="0">
+                <a:solidFill>
+                  <a:schemeClr val="tx2"/>
+                </a:solidFill>
+              </a:rPr>
+              <a:t>Exadata</a:t>
+            </a:r>
+            <a:r>
+              <a:rPr lang="de-DE" sz="1700" noProof="0" dirty="0" smtClean="0">
+                <a:solidFill>
+                  <a:schemeClr val="tx2"/>
+                </a:solidFill>
+              </a:rPr>
+              <a:t> </a:t>
+            </a:r>
+          </a:p>
+          <a:p>
+            <a:pPr marL="177800" lvl="1" indent="-177800" algn="l" defTabSz="914400" rtl="0" eaLnBrk="1" latinLnBrk="0" hangingPunct="1">
+              <a:buClr>
+                <a:schemeClr val="tx1"/>
+              </a:buClr>
+              <a:buFont typeface="Wingdings" pitchFamily="2" charset="2"/>
+              <a:buChar char=""/>
+            </a:pPr>
+            <a:r>
+              <a:rPr lang="de-DE" sz="1700" noProof="0" dirty="0" err="1" smtClean="0">
+                <a:solidFill>
+                  <a:schemeClr val="tx2"/>
+                </a:solidFill>
+              </a:rPr>
+              <a:t>Exalogic</a:t>
+            </a:r>
+            <a:endParaRPr kumimoji="0" lang="de-DE" sz="1700" b="0" i="0" u="none" strike="noStrike" kern="1200" cap="none" spc="0" normalizeH="0" baseline="0" noProof="0" dirty="0" smtClean="0">
+              <a:ln>
+                <a:noFill/>
+              </a:ln>
+              <a:solidFill>
+                <a:schemeClr val="tx2"/>
+              </a:solidFill>
+              <a:effectLst/>
+              <a:uLnTx/>
+              <a:uFillTx/>
+              <a:latin typeface="+mn-lt"/>
+              <a:ea typeface="+mn-ea"/>
+              <a:cs typeface="+mn-cs"/>
+            </a:endParaRPr>
+          </a:p>
+          <a:p>
+            <a:pPr algn="l" defTabSz="914400" rtl="0" eaLnBrk="1" latinLnBrk="0" hangingPunct="1">
+              <a:buClr>
+                <a:schemeClr val="tx1"/>
+              </a:buClr>
+              <a:buFont typeface="Wingdings" pitchFamily="2" charset="2"/>
+              <a:buChar char=""/>
+            </a:pPr>
+            <a:endParaRPr kumimoji="0" lang="de-DE" sz="2000" b="1" i="0" u="none" strike="noStrike" kern="1200" cap="none" spc="0" normalizeH="0" baseline="0" noProof="0" dirty="0" smtClean="0">
+              <a:ln>
+                <a:noFill/>
+              </a:ln>
+              <a:solidFill>
+                <a:schemeClr val="tx2"/>
+              </a:solidFill>
+              <a:effectLst/>
+              <a:uLnTx/>
+              <a:uFillTx/>
+              <a:latin typeface="+mn-lt"/>
+              <a:ea typeface="+mn-ea"/>
+              <a:cs typeface="+mn-cs"/>
+            </a:endParaRPr>
+          </a:p>
+        </p:txBody>
+      </p:sp>
+      <p:sp>
+        <p:nvSpPr>
+          <p:cNvPr id="7" name="Textfeld 6"/>
+          <p:cNvSpPr txBox="1"/>
+          <p:nvPr/>
+        </p:nvSpPr>
+        <p:spPr>
+          <a:xfrm>
+            <a:off x="3378960" y="2011153"/>
+            <a:ext cx="2145420" cy="2858007"/>
+          </a:xfrm>
+          <a:prstGeom prst="rect">
+            <a:avLst/>
+          </a:prstGeom>
+        </p:spPr>
+        <p:txBody>
+          <a:bodyPr vert="horz" lIns="0" tIns="0" rIns="0" bIns="0" rtlCol="0">
+            <a:normAutofit/>
+          </a:bodyPr>
+          <a:lstStyle/>
+          <a:p>
+            <a:pPr lvl="0" algn="l" defTabSz="914400" rtl="0" eaLnBrk="1" latinLnBrk="0" hangingPunct="1">
+              <a:buClr>
+                <a:schemeClr val="tx1"/>
+              </a:buClr>
+              <a:buFont typeface="Wingdings" pitchFamily="2" charset="2"/>
+              <a:buNone/>
+            </a:pPr>
+            <a:r>
+              <a:rPr kumimoji="0" lang="de-DE" sz="2000" b="1" i="0" u="none" strike="noStrike" kern="1200" cap="none" spc="0" normalizeH="0" baseline="0" noProof="0" dirty="0" smtClean="0">
+                <a:ln>
+                  <a:noFill/>
+                </a:ln>
+                <a:solidFill>
+                  <a:schemeClr val="tx1"/>
+                </a:solidFill>
+                <a:effectLst/>
+                <a:uLnTx/>
+                <a:uFillTx/>
+                <a:latin typeface="+mn-lt"/>
+                <a:ea typeface="+mn-ea"/>
+                <a:cs typeface="+mn-cs"/>
+              </a:rPr>
+              <a:t>Kunden / Kollegen</a:t>
+            </a:r>
+            <a:r>
+              <a:rPr kumimoji="0" lang="de-DE" sz="2200" b="1" i="0" u="none" strike="noStrike" kern="1200" cap="none" spc="0" normalizeH="0" baseline="0" noProof="0" dirty="0" smtClean="0">
+                <a:ln>
+                  <a:noFill/>
+                </a:ln>
+                <a:solidFill>
+                  <a:schemeClr val="tx2"/>
+                </a:solidFill>
+                <a:effectLst/>
+                <a:uLnTx/>
+                <a:uFillTx/>
+                <a:latin typeface="+mn-lt"/>
+                <a:ea typeface="+mn-ea"/>
+                <a:cs typeface="+mn-cs"/>
+              </a:rPr>
+              <a:t/>
+            </a:r>
+            <a:br>
+              <a:rPr kumimoji="0" lang="de-DE" sz="2200" b="1" i="0" u="none" strike="noStrike" kern="1200" cap="none" spc="0" normalizeH="0" baseline="0" noProof="0" dirty="0" smtClean="0">
+                <a:ln>
+                  <a:noFill/>
+                </a:ln>
+                <a:solidFill>
+                  <a:schemeClr val="tx2"/>
+                </a:solidFill>
+                <a:effectLst/>
+                <a:uLnTx/>
+                <a:uFillTx/>
+                <a:latin typeface="+mn-lt"/>
+                <a:ea typeface="+mn-ea"/>
+                <a:cs typeface="+mn-cs"/>
+              </a:rPr>
+            </a:br>
+            <a:endParaRPr kumimoji="0" lang="de-DE" sz="1400" b="1" i="0" u="none" strike="noStrike" kern="1200" cap="none" spc="0" normalizeH="0" baseline="0" noProof="0" dirty="0" smtClean="0">
+              <a:ln>
+                <a:noFill/>
+              </a:ln>
+              <a:solidFill>
+                <a:schemeClr val="tx2"/>
+              </a:solidFill>
+              <a:effectLst/>
+              <a:uLnTx/>
+              <a:uFillTx/>
+              <a:latin typeface="+mn-lt"/>
+              <a:ea typeface="+mn-ea"/>
+              <a:cs typeface="+mn-cs"/>
+            </a:endParaRPr>
+          </a:p>
+          <a:p>
+            <a:pPr marL="0" lvl="1">
+              <a:buClr>
+                <a:schemeClr val="tx1"/>
+              </a:buClr>
+              <a:buFont typeface="Wingdings" pitchFamily="2" charset="2"/>
+              <a:buChar char=""/>
+            </a:pPr>
+            <a:r>
+              <a:rPr lang="de-DE" sz="1600" dirty="0" smtClean="0">
+                <a:solidFill>
+                  <a:schemeClr val="tx2"/>
+                </a:solidFill>
+              </a:rPr>
+              <a:t>Über 600 Kunden</a:t>
+            </a:r>
+          </a:p>
+          <a:p>
+            <a:pPr marL="0" lvl="1">
+              <a:buClr>
+                <a:schemeClr val="tx1"/>
+              </a:buClr>
+              <a:buFont typeface="Wingdings" pitchFamily="2" charset="2"/>
+              <a:buChar char=""/>
+            </a:pPr>
+            <a:r>
+              <a:rPr lang="de-DE" sz="1600" dirty="0" smtClean="0">
+                <a:solidFill>
+                  <a:schemeClr val="tx2"/>
+                </a:solidFill>
+              </a:rPr>
+              <a:t>Branchen-</a:t>
+            </a:r>
+            <a:br>
+              <a:rPr lang="de-DE" sz="1600" dirty="0" smtClean="0">
+                <a:solidFill>
+                  <a:schemeClr val="tx2"/>
+                </a:solidFill>
+              </a:rPr>
+            </a:br>
+            <a:r>
+              <a:rPr lang="de-DE" sz="1600" dirty="0" smtClean="0">
+                <a:solidFill>
+                  <a:schemeClr val="tx2"/>
+                </a:solidFill>
+              </a:rPr>
+              <a:t>   übergreifend</a:t>
+            </a:r>
+          </a:p>
+          <a:p>
+            <a:pPr marL="0" lvl="1">
+              <a:buClr>
+                <a:schemeClr val="tx1"/>
+              </a:buClr>
+              <a:buFont typeface="Wingdings" pitchFamily="2" charset="2"/>
+              <a:buChar char=""/>
+            </a:pPr>
+            <a:endParaRPr lang="de-DE" sz="1600" dirty="0" smtClean="0">
+              <a:solidFill>
+                <a:schemeClr val="tx2"/>
+              </a:solidFill>
+            </a:endParaRPr>
+          </a:p>
+          <a:p>
+            <a:pPr marL="0" lvl="1">
+              <a:buClr>
+                <a:schemeClr val="tx1"/>
+              </a:buClr>
+              <a:buFont typeface="Wingdings" pitchFamily="2" charset="2"/>
+              <a:buChar char=""/>
+            </a:pPr>
+            <a:r>
+              <a:rPr lang="de-DE" sz="1600" dirty="0" smtClean="0">
+                <a:solidFill>
+                  <a:schemeClr val="tx2"/>
+                </a:solidFill>
+              </a:rPr>
+              <a:t>Über 450 Kollegen</a:t>
+            </a:r>
+          </a:p>
+          <a:p>
+            <a:pPr marL="0" lvl="1">
+              <a:buClr>
+                <a:schemeClr val="tx1"/>
+              </a:buClr>
+              <a:buFont typeface="Wingdings" pitchFamily="2" charset="2"/>
+              <a:buChar char=""/>
+            </a:pPr>
+            <a:r>
+              <a:rPr lang="de-DE" sz="1600" dirty="0" smtClean="0">
+                <a:solidFill>
+                  <a:schemeClr val="tx2"/>
+                </a:solidFill>
+              </a:rPr>
+              <a:t>An 8 Standorten</a:t>
+            </a:r>
+          </a:p>
+          <a:p>
+            <a:pPr algn="l" defTabSz="914400" rtl="0" eaLnBrk="1" latinLnBrk="0" hangingPunct="1">
+              <a:buClr>
+                <a:schemeClr val="tx1"/>
+              </a:buClr>
+              <a:buFont typeface="Wingdings" pitchFamily="2" charset="2"/>
+              <a:buChar char=""/>
+            </a:pPr>
+            <a:endParaRPr kumimoji="0" lang="de-DE" sz="2000" b="1" i="0" u="none" strike="noStrike" kern="1200" cap="none" spc="0" normalizeH="0" baseline="0" noProof="0" dirty="0" smtClean="0">
+              <a:ln>
+                <a:noFill/>
+              </a:ln>
+              <a:solidFill>
+                <a:schemeClr val="tx2"/>
+              </a:solidFill>
+              <a:effectLst/>
+              <a:uLnTx/>
+              <a:uFillTx/>
+              <a:latin typeface="+mn-lt"/>
+              <a:ea typeface="+mn-ea"/>
+              <a:cs typeface="+mn-cs"/>
+            </a:endParaRPr>
+          </a:p>
+        </p:txBody>
+      </p:sp>
+      <p:sp>
+        <p:nvSpPr>
+          <p:cNvPr id="8" name="Trapezoid 7"/>
+          <p:cNvSpPr>
+            <a:spLocks/>
+          </p:cNvSpPr>
+          <p:nvPr/>
+        </p:nvSpPr>
+        <p:spPr>
+          <a:xfrm rot="5400000">
+            <a:off x="5715990" y="2124718"/>
+            <a:ext cx="3600400" cy="2608564"/>
+          </a:xfrm>
+          <a:prstGeom prst="trapezoid">
+            <a:avLst>
+              <a:gd name="adj" fmla="val 17101"/>
+            </a:avLst>
+          </a:prstGeom>
+          <a:solidFill>
+            <a:schemeClr val="accent3">
+              <a:alpha val="40000"/>
+            </a:schemeClr>
+          </a:solidFill>
+          <a:ln w="9525">
+            <a:solidFill>
+              <a:schemeClr val="accent3"/>
+            </a:solidFill>
+          </a:ln>
+        </p:spPr>
+        <p:style>
+          <a:lnRef idx="2">
+            <a:schemeClr val="accent1">
+              <a:shade val="50000"/>
+            </a:schemeClr>
+          </a:lnRef>
+          <a:fillRef idx="1">
+            <a:schemeClr val="accent1"/>
+          </a:fillRef>
+          <a:effectRef idx="0">
+            <a:schemeClr val="accent1"/>
+          </a:effectRef>
+          <a:fontRef idx="minor">
+            <a:schemeClr val="lt1"/>
+          </a:fontRef>
+        </p:style>
+        <p:txBody>
+          <a:bodyPr rtlCol="0" anchor="ctr"/>
+          <a:lstStyle/>
+          <a:p>
+            <a:pPr marL="0" algn="ctr" defTabSz="914400" rtl="0" eaLnBrk="1" latinLnBrk="0" hangingPunct="1"/>
+            <a:endParaRPr lang="de-DE" sz="1800" kern="1200">
+              <a:solidFill>
+                <a:schemeClr val="lt1"/>
+              </a:solidFill>
+              <a:latin typeface="+mn-lt"/>
+              <a:ea typeface="+mn-ea"/>
+              <a:cs typeface="+mn-cs"/>
+            </a:endParaRPr>
+          </a:p>
+        </p:txBody>
+      </p:sp>
+      <p:sp>
+        <p:nvSpPr>
+          <p:cNvPr id="10" name="Textfeld 9"/>
+          <p:cNvSpPr txBox="1"/>
+          <p:nvPr/>
+        </p:nvSpPr>
+        <p:spPr>
+          <a:xfrm>
+            <a:off x="6315012" y="1988840"/>
+            <a:ext cx="1857388" cy="2643206"/>
+          </a:xfrm>
+          <a:prstGeom prst="rect">
+            <a:avLst/>
+          </a:prstGeom>
+        </p:spPr>
+        <p:txBody>
+          <a:bodyPr vert="horz" lIns="0" tIns="0" rIns="0" bIns="0" rtlCol="0">
+            <a:normAutofit/>
+          </a:bodyPr>
+          <a:lstStyle/>
+          <a:p>
+            <a:pPr lvl="0" algn="l" defTabSz="914400" rtl="0" eaLnBrk="1" latinLnBrk="0" hangingPunct="1">
+              <a:buClr>
+                <a:schemeClr val="tx1"/>
+              </a:buClr>
+              <a:buFont typeface="Wingdings" pitchFamily="2" charset="2"/>
+              <a:buNone/>
+            </a:pPr>
+            <a:r>
+              <a:rPr kumimoji="0" lang="de-DE" sz="2000" b="1" i="0" u="none" strike="noStrike" kern="1200" cap="none" spc="0" normalizeH="0" baseline="0" noProof="0" dirty="0" smtClean="0">
+                <a:ln>
+                  <a:noFill/>
+                </a:ln>
+                <a:solidFill>
+                  <a:schemeClr val="tx1"/>
+                </a:solidFill>
+                <a:effectLst/>
+                <a:uLnTx/>
+                <a:uFillTx/>
+                <a:latin typeface="+mn-lt"/>
+                <a:ea typeface="+mn-ea"/>
+                <a:cs typeface="+mn-cs"/>
+              </a:rPr>
+              <a:t>Tätigkeits-</a:t>
+            </a:r>
+            <a:br>
+              <a:rPr kumimoji="0" lang="de-DE" sz="2000" b="1" i="0" u="none" strike="noStrike" kern="1200" cap="none" spc="0" normalizeH="0" baseline="0" noProof="0" dirty="0" smtClean="0">
+                <a:ln>
+                  <a:noFill/>
+                </a:ln>
+                <a:solidFill>
+                  <a:schemeClr val="tx1"/>
+                </a:solidFill>
+                <a:effectLst/>
+                <a:uLnTx/>
+                <a:uFillTx/>
+                <a:latin typeface="+mn-lt"/>
+                <a:ea typeface="+mn-ea"/>
+                <a:cs typeface="+mn-cs"/>
+              </a:rPr>
+            </a:br>
+            <a:r>
+              <a:rPr kumimoji="0" lang="de-DE" sz="2000" b="1" i="0" u="none" strike="noStrike" kern="1200" cap="none" spc="0" normalizeH="0" baseline="0" noProof="0" dirty="0" err="1" smtClean="0">
+                <a:ln>
+                  <a:noFill/>
+                </a:ln>
+                <a:solidFill>
+                  <a:schemeClr val="tx1"/>
+                </a:solidFill>
+                <a:effectLst/>
+                <a:uLnTx/>
+                <a:uFillTx/>
+                <a:latin typeface="+mn-lt"/>
+                <a:ea typeface="+mn-ea"/>
+                <a:cs typeface="+mn-cs"/>
+              </a:rPr>
+              <a:t>felder</a:t>
+            </a:r>
+            <a:endParaRPr kumimoji="0" lang="de-DE" sz="2000" b="1" i="0" u="none" strike="noStrike" kern="1200" cap="none" spc="0" normalizeH="0" baseline="0" noProof="0" dirty="0" smtClean="0">
+              <a:ln>
+                <a:noFill/>
+              </a:ln>
+              <a:solidFill>
+                <a:schemeClr val="tx2"/>
+              </a:solidFill>
+              <a:effectLst/>
+              <a:uLnTx/>
+              <a:uFillTx/>
+              <a:latin typeface="+mn-lt"/>
+              <a:ea typeface="+mn-ea"/>
+              <a:cs typeface="+mn-cs"/>
+            </a:endParaRPr>
+          </a:p>
+          <a:p>
+            <a:pPr marL="177800" lvl="1" indent="-177800" algn="l" defTabSz="914400" rtl="0" eaLnBrk="1" latinLnBrk="0" hangingPunct="1">
+              <a:spcBef>
+                <a:spcPts val="1200"/>
+              </a:spcBef>
+              <a:buClr>
+                <a:schemeClr val="tx1"/>
+              </a:buClr>
+              <a:buFont typeface="Wingdings" pitchFamily="2" charset="2"/>
+              <a:buChar char=""/>
+            </a:pPr>
+            <a:r>
+              <a:rPr kumimoji="0" lang="de-DE" sz="1600" b="0" i="0" u="none" strike="noStrike" kern="1200" cap="none" spc="0" normalizeH="0" baseline="0" noProof="0" dirty="0" smtClean="0">
+                <a:ln>
+                  <a:noFill/>
+                </a:ln>
+                <a:solidFill>
+                  <a:schemeClr val="tx2"/>
+                </a:solidFill>
+                <a:effectLst/>
+                <a:uLnTx/>
+                <a:uFillTx/>
+                <a:latin typeface="+mn-lt"/>
+                <a:ea typeface="+mn-ea"/>
+                <a:cs typeface="+mn-cs"/>
+              </a:rPr>
+              <a:t>IT-Strategie</a:t>
+            </a:r>
+          </a:p>
+          <a:p>
+            <a:pPr marL="177800" lvl="1" indent="-177800" algn="l" defTabSz="914400" rtl="0" eaLnBrk="1" latinLnBrk="0" hangingPunct="1">
+              <a:buClr>
+                <a:schemeClr val="tx1"/>
+              </a:buClr>
+              <a:buFont typeface="Wingdings" pitchFamily="2" charset="2"/>
+              <a:buChar char=""/>
+            </a:pPr>
+            <a:r>
+              <a:rPr kumimoji="0" lang="de-DE" sz="1600" b="0" i="0" u="none" strike="noStrike" kern="1200" cap="none" spc="0" normalizeH="0" baseline="0" noProof="0" dirty="0" smtClean="0">
+                <a:ln>
+                  <a:noFill/>
+                </a:ln>
+                <a:solidFill>
+                  <a:schemeClr val="tx2"/>
+                </a:solidFill>
+                <a:effectLst/>
+                <a:uLnTx/>
+                <a:uFillTx/>
+                <a:latin typeface="+mn-lt"/>
+                <a:ea typeface="+mn-ea"/>
+                <a:cs typeface="+mn-cs"/>
+              </a:rPr>
+              <a:t>Beratung</a:t>
+            </a:r>
+          </a:p>
+          <a:p>
+            <a:pPr marL="177800" lvl="1" indent="-177800" algn="l" defTabSz="914400" rtl="0" eaLnBrk="1" latinLnBrk="0" hangingPunct="1">
+              <a:buClr>
+                <a:schemeClr val="tx1"/>
+              </a:buClr>
+              <a:buFont typeface="Wingdings" pitchFamily="2" charset="2"/>
+              <a:buChar char=""/>
+            </a:pPr>
+            <a:r>
+              <a:rPr kumimoji="0" lang="de-DE" sz="1600" b="0" i="0" u="none" strike="noStrike" kern="1200" cap="none" spc="0" normalizeH="0" baseline="0" noProof="0" dirty="0" smtClean="0">
+                <a:ln>
+                  <a:noFill/>
+                </a:ln>
+                <a:solidFill>
+                  <a:schemeClr val="tx2"/>
+                </a:solidFill>
+                <a:effectLst/>
+                <a:uLnTx/>
+                <a:uFillTx/>
+                <a:latin typeface="+mn-lt"/>
+                <a:ea typeface="+mn-ea"/>
+                <a:cs typeface="+mn-cs"/>
+              </a:rPr>
+              <a:t>Implementierung</a:t>
+            </a:r>
+          </a:p>
+          <a:p>
+            <a:pPr marL="177800" lvl="1" indent="-177800" algn="l" defTabSz="914400" rtl="0" eaLnBrk="1" latinLnBrk="0" hangingPunct="1">
+              <a:buClr>
+                <a:schemeClr val="tx1"/>
+              </a:buClr>
+              <a:buFont typeface="Wingdings" pitchFamily="2" charset="2"/>
+              <a:buChar char=""/>
+            </a:pPr>
+            <a:r>
+              <a:rPr kumimoji="0" lang="de-DE" sz="1600" b="0" i="0" u="none" strike="noStrike" kern="1200" cap="none" spc="0" normalizeH="0" baseline="0" noProof="0" dirty="0" smtClean="0">
+                <a:ln>
+                  <a:noFill/>
+                </a:ln>
+                <a:solidFill>
+                  <a:schemeClr val="tx2"/>
+                </a:solidFill>
+                <a:effectLst/>
+                <a:uLnTx/>
+                <a:uFillTx/>
+                <a:latin typeface="+mn-lt"/>
+                <a:ea typeface="+mn-ea"/>
+                <a:cs typeface="+mn-cs"/>
+              </a:rPr>
+              <a:t>Betrieb</a:t>
+            </a:r>
+          </a:p>
+          <a:p>
+            <a:pPr marL="177800" lvl="1" indent="-177800" algn="l" defTabSz="914400" rtl="0" eaLnBrk="1" latinLnBrk="0" hangingPunct="1">
+              <a:buClr>
+                <a:schemeClr val="tx1"/>
+              </a:buClr>
+              <a:buFont typeface="Wingdings" pitchFamily="2" charset="2"/>
+              <a:buChar char=""/>
+            </a:pPr>
+            <a:r>
+              <a:rPr kumimoji="0" lang="de-DE" sz="1600" b="0" i="0" u="none" strike="noStrike" kern="1200" cap="none" spc="0" normalizeH="0" baseline="0" noProof="0" dirty="0" smtClean="0">
+                <a:ln>
+                  <a:noFill/>
+                </a:ln>
+                <a:solidFill>
+                  <a:schemeClr val="tx2"/>
+                </a:solidFill>
+                <a:effectLst/>
+                <a:uLnTx/>
+                <a:uFillTx/>
+                <a:latin typeface="+mn-lt"/>
+                <a:ea typeface="+mn-ea"/>
+                <a:cs typeface="+mn-cs"/>
+              </a:rPr>
+              <a:t>Training</a:t>
+            </a:r>
+          </a:p>
+          <a:p>
+            <a:pPr marL="273050" lvl="1" indent="-273050" algn="l" defTabSz="914400" rtl="0" eaLnBrk="1" latinLnBrk="0" hangingPunct="1">
+              <a:buClr>
+                <a:schemeClr val="tx1"/>
+              </a:buClr>
+              <a:buFont typeface="Wingdings" pitchFamily="2" charset="2"/>
+              <a:buChar char=""/>
+            </a:pPr>
+            <a:endParaRPr kumimoji="0" lang="de-DE" sz="1600" b="0" i="0" u="none" strike="noStrike" kern="1200" cap="none" spc="0" normalizeH="0" baseline="0" noProof="0" dirty="0" smtClean="0">
+              <a:ln>
+                <a:noFill/>
+              </a:ln>
+              <a:solidFill>
+                <a:schemeClr val="tx2"/>
+              </a:solidFill>
+              <a:effectLst/>
+              <a:uLnTx/>
+              <a:uFillTx/>
+              <a:latin typeface="+mn-lt"/>
+              <a:ea typeface="+mn-ea"/>
+              <a:cs typeface="+mn-cs"/>
+            </a:endParaRPr>
+          </a:p>
+          <a:p>
+            <a:pPr algn="l" defTabSz="914400" rtl="0" eaLnBrk="1" latinLnBrk="0" hangingPunct="1">
+              <a:buClr>
+                <a:schemeClr val="tx1"/>
+              </a:buClr>
+              <a:buFont typeface="Wingdings" pitchFamily="2" charset="2"/>
+              <a:buChar char=""/>
+            </a:pPr>
+            <a:endParaRPr kumimoji="0" lang="de-DE" sz="1600" b="1" i="0" u="none" strike="noStrike" kern="1200" cap="none" spc="0" normalizeH="0" baseline="0" noProof="0" dirty="0" smtClean="0">
+              <a:ln>
+                <a:noFill/>
+              </a:ln>
+              <a:solidFill>
+                <a:schemeClr val="tx2"/>
+              </a:solidFill>
+              <a:effectLst/>
+              <a:uLnTx/>
+              <a:uFillTx/>
+              <a:latin typeface="+mn-lt"/>
+              <a:ea typeface="+mn-ea"/>
+              <a:cs typeface="+mn-cs"/>
+            </a:endParaRPr>
+          </a:p>
+        </p:txBody>
+      </p:sp>
+      <p:pic>
+        <p:nvPicPr>
+          <p:cNvPr id="1027" name="Picture 3"/>
+          <p:cNvPicPr>
+            <a:picLocks noChangeAspect="1" noChangeArrowheads="1"/>
+          </p:cNvPicPr>
+          <p:nvPr/>
+        </p:nvPicPr>
+        <p:blipFill>
+          <a:blip r:embed="rId2" cstate="print"/>
+          <a:srcRect/>
+          <a:stretch>
+            <a:fillRect/>
+          </a:stretch>
+        </p:blipFill>
+        <p:spPr bwMode="auto">
+          <a:xfrm>
+            <a:off x="1952330" y="5497354"/>
+            <a:ext cx="1728000" cy="758118"/>
+          </a:xfrm>
+          <a:prstGeom prst="rect">
+            <a:avLst/>
+          </a:prstGeom>
+          <a:ln>
+            <a:noFill/>
+          </a:ln>
+          <a:effectLst/>
+        </p:spPr>
+      </p:pic>
+      <p:pic>
+        <p:nvPicPr>
+          <p:cNvPr id="1028" name="Picture 4"/>
+          <p:cNvPicPr>
+            <a:picLocks noChangeAspect="1" noChangeArrowheads="1"/>
+          </p:cNvPicPr>
+          <p:nvPr/>
+        </p:nvPicPr>
+        <p:blipFill>
+          <a:blip r:embed="rId3" cstate="print"/>
+          <a:srcRect/>
+          <a:stretch>
+            <a:fillRect/>
+          </a:stretch>
+        </p:blipFill>
+        <p:spPr bwMode="auto">
+          <a:xfrm>
+            <a:off x="7217220" y="5497354"/>
+            <a:ext cx="1728000" cy="866117"/>
+          </a:xfrm>
+          <a:prstGeom prst="rect">
+            <a:avLst/>
+          </a:prstGeom>
+          <a:ln>
+            <a:noFill/>
+          </a:ln>
+          <a:effectLst/>
+        </p:spPr>
+      </p:pic>
+      <p:pic>
+        <p:nvPicPr>
+          <p:cNvPr id="19" name="Picture 2"/>
+          <p:cNvPicPr>
+            <a:picLocks noChangeAspect="1" noChangeArrowheads="1"/>
+          </p:cNvPicPr>
+          <p:nvPr/>
+        </p:nvPicPr>
+        <p:blipFill>
+          <a:blip r:embed="rId4" cstate="print"/>
+          <a:srcRect/>
+          <a:stretch>
+            <a:fillRect/>
+          </a:stretch>
+        </p:blipFill>
+        <p:spPr bwMode="auto">
+          <a:xfrm>
+            <a:off x="7236296" y="3629167"/>
+            <a:ext cx="1563608" cy="1167985"/>
+          </a:xfrm>
+          <a:prstGeom prst="rect">
+            <a:avLst/>
+          </a:prstGeom>
+          <a:noFill/>
+          <a:ln w="9525">
+            <a:noFill/>
+            <a:miter lim="800000"/>
+            <a:headEnd/>
+            <a:tailEnd/>
+          </a:ln>
+          <a:effectLst/>
+        </p:spPr>
+      </p:pic>
+      <p:sp>
+        <p:nvSpPr>
+          <p:cNvPr id="20" name="Textfeld 19"/>
+          <p:cNvSpPr txBox="1"/>
+          <p:nvPr/>
+        </p:nvSpPr>
+        <p:spPr>
+          <a:xfrm>
+            <a:off x="323528" y="1124744"/>
+            <a:ext cx="8496944" cy="504056"/>
+          </a:xfrm>
+          <a:prstGeom prst="rect">
+            <a:avLst/>
+          </a:prstGeom>
+        </p:spPr>
+        <p:txBody>
+          <a:bodyPr vert="horz" lIns="0" tIns="0" rIns="0" bIns="0" rtlCol="0">
+            <a:normAutofit/>
+          </a:bodyPr>
+          <a:lstStyle/>
+          <a:p>
+            <a:pPr lvl="0" algn="ctr" defTabSz="914400" rtl="0" eaLnBrk="1" latinLnBrk="0" hangingPunct="1">
+              <a:buClr>
+                <a:schemeClr val="tx1"/>
+              </a:buClr>
+              <a:buFont typeface="Wingdings" pitchFamily="2" charset="2"/>
+              <a:buNone/>
+            </a:pPr>
+            <a:r>
+              <a:rPr kumimoji="0" lang="de-DE" sz="2400" b="1" i="0" u="none" strike="noStrike" kern="1200" cap="none" spc="0" normalizeH="0" baseline="0" noProof="0" dirty="0" smtClean="0">
+                <a:ln>
+                  <a:noFill/>
+                </a:ln>
+                <a:solidFill>
+                  <a:schemeClr val="tx1"/>
+                </a:solidFill>
+                <a:effectLst/>
+                <a:uLnTx/>
+                <a:uFillTx/>
+                <a:latin typeface="+mn-lt"/>
+                <a:ea typeface="+mn-ea"/>
+                <a:cs typeface="+mn-cs"/>
+              </a:rPr>
+              <a:t>Ihr ORACLE Center</a:t>
+            </a:r>
+            <a:r>
+              <a:rPr kumimoji="0" lang="de-DE" sz="2400" b="1" i="0" u="none" strike="noStrike" kern="1200" cap="none" spc="0" normalizeH="0" noProof="0" dirty="0" smtClean="0">
+                <a:ln>
+                  <a:noFill/>
+                </a:ln>
+                <a:solidFill>
+                  <a:schemeClr val="tx1"/>
+                </a:solidFill>
+                <a:effectLst/>
+                <a:uLnTx/>
+                <a:uFillTx/>
+                <a:latin typeface="+mn-lt"/>
+                <a:ea typeface="+mn-ea"/>
+                <a:cs typeface="+mn-cs"/>
+              </a:rPr>
+              <a:t> </a:t>
+            </a:r>
+            <a:r>
+              <a:rPr kumimoji="0" lang="de-DE" sz="2400" b="1" i="0" u="none" strike="noStrike" kern="1200" cap="none" spc="0" normalizeH="0" noProof="0" dirty="0" err="1" smtClean="0">
+                <a:ln>
+                  <a:noFill/>
+                </a:ln>
+                <a:solidFill>
+                  <a:schemeClr val="tx1"/>
+                </a:solidFill>
+                <a:effectLst/>
+                <a:uLnTx/>
+                <a:uFillTx/>
+                <a:latin typeface="+mn-lt"/>
+                <a:ea typeface="+mn-ea"/>
+                <a:cs typeface="+mn-cs"/>
+              </a:rPr>
+              <a:t>of</a:t>
+            </a:r>
+            <a:r>
+              <a:rPr kumimoji="0" lang="de-DE" sz="2400" b="1" i="0" u="none" strike="noStrike" kern="1200" cap="none" spc="0" normalizeH="0" noProof="0" dirty="0" smtClean="0">
+                <a:ln>
+                  <a:noFill/>
+                </a:ln>
+                <a:solidFill>
+                  <a:schemeClr val="tx1"/>
+                </a:solidFill>
+                <a:effectLst/>
+                <a:uLnTx/>
+                <a:uFillTx/>
+                <a:latin typeface="+mn-lt"/>
+                <a:ea typeface="+mn-ea"/>
+                <a:cs typeface="+mn-cs"/>
+              </a:rPr>
+              <a:t> Excellence</a:t>
+            </a:r>
+            <a:endParaRPr kumimoji="0" lang="de-DE" sz="2400" b="1" i="0" u="none" strike="noStrike" kern="1200" cap="none" spc="0" normalizeH="0" baseline="0" noProof="0" dirty="0" smtClean="0">
+              <a:ln>
+                <a:noFill/>
+              </a:ln>
+              <a:solidFill>
+                <a:schemeClr val="tx2"/>
+              </a:solidFill>
+              <a:effectLst/>
+              <a:uLnTx/>
+              <a:uFillTx/>
+              <a:latin typeface="+mn-lt"/>
+              <a:ea typeface="+mn-ea"/>
+              <a:cs typeface="+mn-cs"/>
+            </a:endParaRPr>
+          </a:p>
+        </p:txBody>
+      </p:sp>
+      <p:pic>
+        <p:nvPicPr>
+          <p:cNvPr id="2" name="Picture 3" descr="V:\Marketing u Vertriebsmaterial\Logos und Banner\Partner-Logos\Oracle\Oracle RAC Specialized\GIF\O_SpecPlat_OracleRealAppClusters_clr.gif"/>
+          <p:cNvPicPr>
+            <a:picLocks noChangeAspect="1" noChangeArrowheads="1"/>
+          </p:cNvPicPr>
+          <p:nvPr/>
+        </p:nvPicPr>
+        <p:blipFill>
+          <a:blip r:embed="rId5" cstate="print"/>
+          <a:srcRect/>
+          <a:stretch>
+            <a:fillRect/>
+          </a:stretch>
+        </p:blipFill>
+        <p:spPr bwMode="auto">
+          <a:xfrm>
+            <a:off x="5461043" y="5494919"/>
+            <a:ext cx="1728000" cy="864000"/>
+          </a:xfrm>
+          <a:prstGeom prst="rect">
+            <a:avLst/>
+          </a:prstGeom>
+          <a:noFill/>
+        </p:spPr>
+      </p:pic>
+      <p:pic>
+        <p:nvPicPr>
+          <p:cNvPr id="3" name="Picture 4" descr="V:\Marketing u Vertriebsmaterial\Logos und Banner\Partner-Logos\Oracle\Oracle DB Specialized\O_SpecPlat_OracleDatabase\GIF\O_SpecPlat_OracleDatabase_clr.gif"/>
+          <p:cNvPicPr>
+            <a:picLocks noChangeAspect="1" noChangeArrowheads="1"/>
+          </p:cNvPicPr>
+          <p:nvPr/>
+        </p:nvPicPr>
+        <p:blipFill>
+          <a:blip r:embed="rId6" cstate="print"/>
+          <a:srcRect/>
+          <a:stretch>
+            <a:fillRect/>
+          </a:stretch>
+        </p:blipFill>
+        <p:spPr bwMode="auto">
+          <a:xfrm>
+            <a:off x="199390" y="5484396"/>
+            <a:ext cx="1728000" cy="745412"/>
+          </a:xfrm>
+          <a:prstGeom prst="rect">
+            <a:avLst/>
+          </a:prstGeom>
+          <a:noFill/>
+        </p:spPr>
+      </p:pic>
+      <p:pic>
+        <p:nvPicPr>
+          <p:cNvPr id="1029" name="Picture 5" descr="V:\Marketing u Vertriebsmaterial\Logos und Banner\Partner-Logos\Oracle\Oracel OEL Specialized\GIF\O_SpecPlat_OracleEntLinux_clr.gif"/>
+          <p:cNvPicPr>
+            <a:picLocks noChangeAspect="1" noChangeArrowheads="1"/>
+          </p:cNvPicPr>
+          <p:nvPr/>
+        </p:nvPicPr>
+        <p:blipFill>
+          <a:blip r:embed="rId7" cstate="print"/>
+          <a:srcRect/>
+          <a:stretch>
+            <a:fillRect/>
+          </a:stretch>
+        </p:blipFill>
+        <p:spPr bwMode="auto">
+          <a:xfrm>
+            <a:off x="3699915" y="5495580"/>
+            <a:ext cx="1728000" cy="745412"/>
+          </a:xfrm>
+          <a:prstGeom prst="rect">
+            <a:avLst/>
+          </a:prstGeom>
+          <a:noFill/>
+        </p:spPr>
+      </p:pic>
+      <p:pic>
+        <p:nvPicPr>
+          <p:cNvPr id="1030" name="Picture 6"/>
+          <p:cNvPicPr>
+            <a:picLocks noChangeAspect="1" noChangeArrowheads="1"/>
+          </p:cNvPicPr>
+          <p:nvPr/>
+        </p:nvPicPr>
+        <p:blipFill>
+          <a:blip r:embed="rId8" cstate="print"/>
+          <a:srcRect/>
+          <a:stretch>
+            <a:fillRect/>
+          </a:stretch>
+        </p:blipFill>
+        <p:spPr bwMode="auto">
+          <a:xfrm>
+            <a:off x="457816" y="4293096"/>
+            <a:ext cx="2088232" cy="535175"/>
+          </a:xfrm>
+          <a:prstGeom prst="rect">
+            <a:avLst/>
+          </a:prstGeom>
+          <a:noFill/>
+          <a:ln w="9525">
+            <a:noFill/>
+            <a:miter lim="800000"/>
+            <a:headEnd/>
+            <a:tailEnd/>
+          </a:ln>
+          <a:effectLst/>
+        </p:spPr>
+      </p:pic>
+      <p:cxnSp>
+        <p:nvCxnSpPr>
+          <p:cNvPr id="30" name="Gerade Verbindung 29"/>
+          <p:cNvCxnSpPr/>
+          <p:nvPr/>
+        </p:nvCxnSpPr>
+        <p:spPr>
+          <a:xfrm>
+            <a:off x="251520" y="1484784"/>
+            <a:ext cx="8568952" cy="0"/>
+          </a:xfrm>
+          <a:prstGeom prst="line">
+            <a:avLst/>
+          </a:prstGeom>
+        </p:spPr>
+        <p:style>
+          <a:lnRef idx="1">
+            <a:schemeClr val="accent1"/>
+          </a:lnRef>
+          <a:fillRef idx="0">
+            <a:schemeClr val="accent1"/>
+          </a:fillRef>
+          <a:effectRef idx="0">
+            <a:schemeClr val="accent1"/>
+          </a:effectRef>
+          <a:fontRef idx="minor">
+            <a:schemeClr val="tx1"/>
+          </a:fontRef>
+        </p:style>
+      </p:cxnSp>
+    </p:spTree>
+  </p:cSld>
+  <p:clrMapOvr>
+    <a:masterClrMapping/>
+  </p:clrMapOvr>
+  <p:transition spd="slow" advTm="10000"/>
+  <p:timing>
+    <p:tnLst>
+      <p:par>
+        <p:cTn id="1" dur="indefinite" restart="never" nodeType="tmRoot"/>
+      </p:par>
+    </p:tnLst>
+  </p:timing>
+</p:sld>
+</file>
+
+<file path=ppt/slides/slide30.xml><?xml version="1.0" encoding="utf-8"?>
 <p:sld xmlns:a="http://schemas.openxmlformats.org/drawingml/2006/main" xmlns:r="http://schemas.openxmlformats.org/officeDocument/2006/relationships" xmlns:p="http://schemas.openxmlformats.org/presentationml/2006/main">
   <p:cSld>
     <p:spTree>
@@ -23840,7 +29185,7 @@
 </p:sld>
 </file>
 
-<file path=ppt/slides/slide25.xml><?xml version="1.0" encoding="utf-8"?>
+<file path=ppt/slides/slide31.xml><?xml version="1.0" encoding="utf-8"?>
 <p:sld xmlns:a="http://schemas.openxmlformats.org/drawingml/2006/main" xmlns:r="http://schemas.openxmlformats.org/officeDocument/2006/relationships" xmlns:p="http://schemas.openxmlformats.org/presentationml/2006/main">
   <p:cSld>
     <p:spTree>
@@ -23919,7 +29264,7 @@
 </p:sld>
 </file>
 
-<file path=ppt/slides/slide26.xml><?xml version="1.0" encoding="utf-8"?>
+<file path=ppt/slides/slide32.xml><?xml version="1.0" encoding="utf-8"?>
 <p:sld xmlns:a="http://schemas.openxmlformats.org/drawingml/2006/main" xmlns:r="http://schemas.openxmlformats.org/officeDocument/2006/relationships" xmlns:p="http://schemas.openxmlformats.org/presentationml/2006/main">
   <p:cSld>
     <p:spTree>
@@ -24107,7 +29452,7 @@
     </p:spTree>
     <p:extLst>
       <p:ext uri="{BB962C8B-B14F-4D97-AF65-F5344CB8AC3E}">
-        <p14:creationId xmlns:p14="http://schemas.microsoft.com/office/powerpoint/2010/main" val="1364891894"/>
+        <p14:creationId xmlns:p14="http://schemas.microsoft.com/office/powerpoint/2010/main" xmlns="" val="1364891894"/>
       </p:ext>
     </p:extLst>
   </p:cSld>
@@ -24118,7 +29463,7 @@
 </p:sld>
 </file>
 
-<file path=ppt/slides/slide27.xml><?xml version="1.0" encoding="utf-8"?>
+<file path=ppt/slides/slide33.xml><?xml version="1.0" encoding="utf-8"?>
 <p:sld xmlns:a="http://schemas.openxmlformats.org/drawingml/2006/main" xmlns:r="http://schemas.openxmlformats.org/officeDocument/2006/relationships" xmlns:p="http://schemas.openxmlformats.org/presentationml/2006/main">
   <p:cSld>
     <p:spTree>
@@ -24167,7 +29512,7 @@
 </p:sld>
 </file>
 
-<file path=ppt/slides/slide28.xml><?xml version="1.0" encoding="utf-8"?>
+<file path=ppt/slides/slide34.xml><?xml version="1.0" encoding="utf-8"?>
 <p:sld xmlns:a="http://schemas.openxmlformats.org/drawingml/2006/main" xmlns:r="http://schemas.openxmlformats.org/officeDocument/2006/relationships" xmlns:p="http://schemas.openxmlformats.org/presentationml/2006/main">
   <p:cSld>
     <p:spTree>
@@ -25001,7 +30346,7 @@
             <a:blip r:embed="rId5" cstate="print">
               <a:extLst>
                 <a:ext uri="{28A0092B-C50C-407E-A947-70E740481C1C}">
-                  <a14:useLocalDpi xmlns:a14="http://schemas.microsoft.com/office/drawing/2010/main" val="0"/>
+                  <a14:useLocalDpi xmlns:a14="http://schemas.microsoft.com/office/drawing/2010/main" xmlns="" val="0"/>
                 </a:ext>
               </a:extLst>
             </a:blip>
@@ -25031,7 +30376,7 @@
             <a:blip r:embed="rId6" cstate="print">
               <a:extLst>
                 <a:ext uri="{28A0092B-C50C-407E-A947-70E740481C1C}">
-                  <a14:useLocalDpi xmlns:a14="http://schemas.microsoft.com/office/drawing/2010/main" val="0"/>
+                  <a14:useLocalDpi xmlns:a14="http://schemas.microsoft.com/office/drawing/2010/main" xmlns="" val="0"/>
                 </a:ext>
               </a:extLst>
             </a:blip>
@@ -25061,7 +30406,7 @@
             <a:blip r:embed="rId7" cstate="print">
               <a:extLst>
                 <a:ext uri="{28A0092B-C50C-407E-A947-70E740481C1C}">
-                  <a14:useLocalDpi xmlns:a14="http://schemas.microsoft.com/office/drawing/2010/main" val="0"/>
+                  <a14:useLocalDpi xmlns:a14="http://schemas.microsoft.com/office/drawing/2010/main" xmlns="" val="0"/>
                 </a:ext>
               </a:extLst>
             </a:blip>
@@ -25130,7 +30475,7 @@
     </p:spTree>
     <p:extLst>
       <p:ext uri="{BB962C8B-B14F-4D97-AF65-F5344CB8AC3E}">
-        <p14:creationId xmlns:p14="http://schemas.microsoft.com/office/powerpoint/2010/main" val="1074872443"/>
+        <p14:creationId xmlns:p14="http://schemas.microsoft.com/office/powerpoint/2010/main" xmlns="" val="1074872443"/>
       </p:ext>
     </p:extLst>
   </p:cSld>
@@ -25138,1460 +30483,6 @@
     <a:masterClrMapping/>
   </p:clrMapOvr>
   <p:transition spd="slow"/>
-  <p:timing>
-    <p:tnLst>
-      <p:par>
-        <p:cTn id="1" dur="indefinite" restart="never" nodeType="tmRoot"/>
-      </p:par>
-    </p:tnLst>
-  </p:timing>
-</p:sld>
-</file>
-
-<file path=ppt/slides/slide3.xml><?xml version="1.0" encoding="utf-8"?>
-<p:sld xmlns:a="http://schemas.openxmlformats.org/drawingml/2006/main" xmlns:r="http://schemas.openxmlformats.org/officeDocument/2006/relationships" xmlns:p="http://schemas.openxmlformats.org/presentationml/2006/main">
-  <p:cSld>
-    <p:spTree>
-      <p:nvGrpSpPr>
-        <p:cNvPr id="1" name=""/>
-        <p:cNvGrpSpPr/>
-        <p:nvPr/>
-      </p:nvGrpSpPr>
-      <p:grpSpPr>
-        <a:xfrm>
-          <a:off x="0" y="0"/>
-          <a:ext cx="0" cy="0"/>
-          <a:chOff x="0" y="0"/>
-          <a:chExt cx="0" cy="0"/>
-        </a:xfrm>
-      </p:grpSpPr>
-      <p:sp>
-        <p:nvSpPr>
-          <p:cNvPr id="24" name="Rechteck 23"/>
-          <p:cNvSpPr/>
-          <p:nvPr/>
-        </p:nvSpPr>
-        <p:spPr>
-          <a:xfrm>
-            <a:off x="251520" y="5462667"/>
-            <a:ext cx="8712968" cy="936104"/>
-          </a:xfrm>
-          <a:prstGeom prst="rect">
-            <a:avLst/>
-          </a:prstGeom>
-          <a:solidFill>
-            <a:schemeClr val="bg1"/>
-          </a:solidFill>
-          <a:ln>
-            <a:noFill/>
-          </a:ln>
-        </p:spPr>
-        <p:style>
-          <a:lnRef idx="2">
-            <a:schemeClr val="accent1">
-              <a:shade val="50000"/>
-            </a:schemeClr>
-          </a:lnRef>
-          <a:fillRef idx="1">
-            <a:schemeClr val="accent1"/>
-          </a:fillRef>
-          <a:effectRef idx="0">
-            <a:schemeClr val="accent1"/>
-          </a:effectRef>
-          <a:fontRef idx="minor">
-            <a:schemeClr val="lt1"/>
-          </a:fontRef>
-        </p:style>
-        <p:txBody>
-          <a:bodyPr rtlCol="0" anchor="ctr"/>
-          <a:lstStyle/>
-          <a:p>
-            <a:pPr algn="ctr"/>
-            <a:endParaRPr lang="de-DE"/>
-          </a:p>
-        </p:txBody>
-      </p:sp>
-      <p:sp>
-        <p:nvSpPr>
-          <p:cNvPr id="18" name="Rechteck 17"/>
-          <p:cNvSpPr/>
-          <p:nvPr/>
-        </p:nvSpPr>
-        <p:spPr>
-          <a:xfrm>
-            <a:off x="247620" y="2456262"/>
-            <a:ext cx="8643998" cy="18000"/>
-          </a:xfrm>
-          <a:prstGeom prst="rect">
-            <a:avLst/>
-          </a:prstGeom>
-          <a:solidFill>
-            <a:schemeClr val="bg1"/>
-          </a:solidFill>
-          <a:ln>
-            <a:noFill/>
-          </a:ln>
-        </p:spPr>
-        <p:style>
-          <a:lnRef idx="2">
-            <a:schemeClr val="accent1">
-              <a:shade val="50000"/>
-            </a:schemeClr>
-          </a:lnRef>
-          <a:fillRef idx="1">
-            <a:schemeClr val="accent1"/>
-          </a:fillRef>
-          <a:effectRef idx="0">
-            <a:schemeClr val="accent1"/>
-          </a:effectRef>
-          <a:fontRef idx="minor">
-            <a:schemeClr val="lt1"/>
-          </a:fontRef>
-        </p:style>
-        <p:txBody>
-          <a:bodyPr rtlCol="0" anchor="ctr"/>
-          <a:lstStyle/>
-          <a:p>
-            <a:pPr algn="ctr"/>
-            <a:endParaRPr lang="de-DE"/>
-          </a:p>
-        </p:txBody>
-      </p:sp>
-      <p:sp>
-        <p:nvSpPr>
-          <p:cNvPr id="4" name="Trapezoid 3"/>
-          <p:cNvSpPr>
-            <a:spLocks/>
-          </p:cNvSpPr>
-          <p:nvPr/>
-        </p:nvSpPr>
-        <p:spPr>
-          <a:xfrm rot="5400000">
-            <a:off x="2779938" y="2124718"/>
-            <a:ext cx="3600400" cy="2608564"/>
-          </a:xfrm>
-          <a:prstGeom prst="trapezoid">
-            <a:avLst>
-              <a:gd name="adj" fmla="val 18212"/>
-            </a:avLst>
-          </a:prstGeom>
-          <a:solidFill>
-            <a:schemeClr val="accent3">
-              <a:alpha val="60000"/>
-            </a:schemeClr>
-          </a:solidFill>
-          <a:ln w="9525">
-            <a:solidFill>
-              <a:schemeClr val="accent3"/>
-            </a:solidFill>
-          </a:ln>
-        </p:spPr>
-        <p:style>
-          <a:lnRef idx="2">
-            <a:schemeClr val="accent1">
-              <a:shade val="50000"/>
-            </a:schemeClr>
-          </a:lnRef>
-          <a:fillRef idx="1">
-            <a:schemeClr val="accent1"/>
-          </a:fillRef>
-          <a:effectRef idx="0">
-            <a:schemeClr val="accent1"/>
-          </a:effectRef>
-          <a:fontRef idx="minor">
-            <a:schemeClr val="lt1"/>
-          </a:fontRef>
-        </p:style>
-        <p:txBody>
-          <a:bodyPr rtlCol="0" anchor="ctr"/>
-          <a:lstStyle/>
-          <a:p>
-            <a:pPr marL="0" algn="ctr" defTabSz="914400" rtl="0" eaLnBrk="1" latinLnBrk="0" hangingPunct="1"/>
-            <a:endParaRPr lang="de-DE" sz="1800" kern="1200">
-              <a:solidFill>
-                <a:schemeClr val="lt1"/>
-              </a:solidFill>
-              <a:latin typeface="+mn-lt"/>
-              <a:ea typeface="+mn-ea"/>
-              <a:cs typeface="+mn-cs"/>
-            </a:endParaRPr>
-          </a:p>
-        </p:txBody>
-      </p:sp>
-      <p:sp>
-        <p:nvSpPr>
-          <p:cNvPr id="5" name="Trapezoid 4"/>
-          <p:cNvSpPr>
-            <a:spLocks noChangeAspect="1"/>
-          </p:cNvSpPr>
-          <p:nvPr/>
-        </p:nvSpPr>
-        <p:spPr>
-          <a:xfrm rot="5400000">
-            <a:off x="-180197" y="2132525"/>
-            <a:ext cx="3599738" cy="2592287"/>
-          </a:xfrm>
-          <a:prstGeom prst="trapezoid">
-            <a:avLst>
-              <a:gd name="adj" fmla="val 17301"/>
-            </a:avLst>
-          </a:prstGeom>
-          <a:solidFill>
-            <a:schemeClr val="accent3"/>
-          </a:solidFill>
-          <a:ln w="9525">
-            <a:solidFill>
-              <a:schemeClr val="accent3"/>
-            </a:solidFill>
-          </a:ln>
-        </p:spPr>
-        <p:style>
-          <a:lnRef idx="2">
-            <a:schemeClr val="accent1">
-              <a:shade val="50000"/>
-            </a:schemeClr>
-          </a:lnRef>
-          <a:fillRef idx="1">
-            <a:schemeClr val="accent1"/>
-          </a:fillRef>
-          <a:effectRef idx="0">
-            <a:schemeClr val="accent1"/>
-          </a:effectRef>
-          <a:fontRef idx="minor">
-            <a:schemeClr val="lt1"/>
-          </a:fontRef>
-        </p:style>
-        <p:txBody>
-          <a:bodyPr rtlCol="0" anchor="ctr"/>
-          <a:lstStyle/>
-          <a:p>
-            <a:pPr algn="ctr"/>
-            <a:endParaRPr lang="de-DE"/>
-          </a:p>
-        </p:txBody>
-      </p:sp>
-      <p:sp>
-        <p:nvSpPr>
-          <p:cNvPr id="6" name="Textfeld 5"/>
-          <p:cNvSpPr txBox="1"/>
-          <p:nvPr/>
-        </p:nvSpPr>
-        <p:spPr>
-          <a:xfrm>
-            <a:off x="440400" y="2053344"/>
-            <a:ext cx="1857388" cy="2246769"/>
-          </a:xfrm>
-          <a:prstGeom prst="rect">
-            <a:avLst/>
-          </a:prstGeom>
-        </p:spPr>
-        <p:txBody>
-          <a:bodyPr vert="horz" lIns="0" tIns="0" rIns="0" bIns="0" rtlCol="0">
-            <a:normAutofit fontScale="92500" lnSpcReduction="10000"/>
-          </a:bodyPr>
-          <a:lstStyle/>
-          <a:p>
-            <a:pPr lvl="0" algn="l" defTabSz="914400" rtl="0" eaLnBrk="1" latinLnBrk="0" hangingPunct="1">
-              <a:buClr>
-                <a:schemeClr val="tx1"/>
-              </a:buClr>
-              <a:buFont typeface="Wingdings" pitchFamily="2" charset="2"/>
-              <a:buNone/>
-            </a:pPr>
-            <a:r>
-              <a:rPr kumimoji="0" lang="de-DE" sz="2200" b="1" i="0" u="none" strike="noStrike" kern="1200" cap="none" spc="0" normalizeH="0" baseline="0" noProof="0" dirty="0" smtClean="0">
-                <a:ln>
-                  <a:noFill/>
-                </a:ln>
-                <a:solidFill>
-                  <a:schemeClr val="tx1"/>
-                </a:solidFill>
-                <a:effectLst/>
-                <a:uLnTx/>
-                <a:uFillTx/>
-                <a:latin typeface="+mn-lt"/>
-                <a:ea typeface="+mn-ea"/>
-                <a:cs typeface="+mn-cs"/>
-              </a:rPr>
-              <a:t>Leistungs-</a:t>
-            </a:r>
-            <a:br>
-              <a:rPr kumimoji="0" lang="de-DE" sz="2200" b="1" i="0" u="none" strike="noStrike" kern="1200" cap="none" spc="0" normalizeH="0" baseline="0" noProof="0" dirty="0" smtClean="0">
-                <a:ln>
-                  <a:noFill/>
-                </a:ln>
-                <a:solidFill>
-                  <a:schemeClr val="tx1"/>
-                </a:solidFill>
-                <a:effectLst/>
-                <a:uLnTx/>
-                <a:uFillTx/>
-                <a:latin typeface="+mn-lt"/>
-                <a:ea typeface="+mn-ea"/>
-                <a:cs typeface="+mn-cs"/>
-              </a:rPr>
-            </a:br>
-            <a:r>
-              <a:rPr kumimoji="0" lang="de-DE" sz="2200" b="1" i="0" u="none" strike="noStrike" kern="1200" cap="none" spc="0" normalizeH="0" baseline="0" noProof="0" dirty="0" err="1" smtClean="0">
-                <a:ln>
-                  <a:noFill/>
-                </a:ln>
-                <a:solidFill>
-                  <a:schemeClr val="tx1"/>
-                </a:solidFill>
-                <a:effectLst/>
-                <a:uLnTx/>
-                <a:uFillTx/>
-                <a:latin typeface="+mn-lt"/>
-                <a:ea typeface="+mn-ea"/>
-                <a:cs typeface="+mn-cs"/>
-              </a:rPr>
-              <a:t>angebot</a:t>
-            </a:r>
-            <a:endParaRPr kumimoji="0" lang="de-DE" sz="2200" b="1" i="0" u="none" strike="noStrike" kern="1200" cap="none" spc="0" normalizeH="0" baseline="0" noProof="0" dirty="0" smtClean="0">
-              <a:ln>
-                <a:noFill/>
-              </a:ln>
-              <a:solidFill>
-                <a:schemeClr val="tx2"/>
-              </a:solidFill>
-              <a:effectLst/>
-              <a:uLnTx/>
-              <a:uFillTx/>
-              <a:latin typeface="+mn-lt"/>
-              <a:ea typeface="+mn-ea"/>
-              <a:cs typeface="+mn-cs"/>
-            </a:endParaRPr>
-          </a:p>
-          <a:p>
-            <a:pPr marL="177800" lvl="1" indent="-177800" algn="l" defTabSz="914400" rtl="0" eaLnBrk="1" latinLnBrk="0" hangingPunct="1">
-              <a:spcBef>
-                <a:spcPts val="1200"/>
-              </a:spcBef>
-              <a:buClr>
-                <a:schemeClr val="tx1"/>
-              </a:buClr>
-              <a:buFont typeface="Wingdings" pitchFamily="2" charset="2"/>
-              <a:buChar char=""/>
-            </a:pPr>
-            <a:r>
-              <a:rPr kumimoji="0" lang="de-DE" sz="1700" b="0" i="0" u="none" strike="noStrike" kern="1200" cap="none" spc="0" normalizeH="0" baseline="0" noProof="0" dirty="0" smtClean="0">
-                <a:ln>
-                  <a:noFill/>
-                </a:ln>
-                <a:solidFill>
-                  <a:schemeClr val="tx2"/>
-                </a:solidFill>
-                <a:effectLst/>
-                <a:uLnTx/>
-                <a:uFillTx/>
-                <a:latin typeface="+mn-lt"/>
-                <a:ea typeface="+mn-ea"/>
-                <a:cs typeface="+mn-cs"/>
-              </a:rPr>
-              <a:t>Java</a:t>
-            </a:r>
-          </a:p>
-          <a:p>
-            <a:pPr marL="177800" lvl="1" indent="-177800" algn="l" defTabSz="914400" rtl="0" eaLnBrk="1" latinLnBrk="0" hangingPunct="1">
-              <a:buClr>
-                <a:schemeClr val="tx1"/>
-              </a:buClr>
-              <a:buFont typeface="Wingdings" pitchFamily="2" charset="2"/>
-              <a:buChar char=""/>
-            </a:pPr>
-            <a:r>
-              <a:rPr kumimoji="0" lang="de-DE" sz="1700" b="0" i="0" u="none" strike="noStrike" kern="1200" cap="none" spc="0" normalizeH="0" baseline="0" noProof="0" dirty="0" smtClean="0">
-                <a:ln>
-                  <a:noFill/>
-                </a:ln>
-                <a:solidFill>
-                  <a:schemeClr val="tx2"/>
-                </a:solidFill>
-                <a:effectLst/>
-                <a:uLnTx/>
-                <a:uFillTx/>
-                <a:latin typeface="+mn-lt"/>
-                <a:ea typeface="+mn-ea"/>
-                <a:cs typeface="+mn-cs"/>
-              </a:rPr>
-              <a:t>SOA/BPM</a:t>
-            </a:r>
-          </a:p>
-          <a:p>
-            <a:pPr marL="177800" lvl="1" indent="-177800" algn="l" defTabSz="914400" rtl="0" eaLnBrk="1" latinLnBrk="0" hangingPunct="1">
-              <a:buClr>
-                <a:schemeClr val="tx1"/>
-              </a:buClr>
-              <a:buFont typeface="Wingdings" pitchFamily="2" charset="2"/>
-              <a:buChar char=""/>
-            </a:pPr>
-            <a:r>
-              <a:rPr kumimoji="0" lang="de-DE" sz="1700" b="0" i="0" u="none" strike="noStrike" kern="1200" cap="none" spc="0" normalizeH="0" baseline="0" noProof="0" dirty="0" smtClean="0">
-                <a:ln>
-                  <a:noFill/>
-                </a:ln>
-                <a:solidFill>
-                  <a:schemeClr val="tx2"/>
-                </a:solidFill>
-                <a:effectLst/>
-                <a:uLnTx/>
-                <a:uFillTx/>
-                <a:latin typeface="+mn-lt"/>
-                <a:ea typeface="+mn-ea"/>
-                <a:cs typeface="+mn-cs"/>
-              </a:rPr>
-              <a:t>ORACLE</a:t>
-            </a:r>
-          </a:p>
-          <a:p>
-            <a:pPr marL="177800" lvl="1" indent="-177800" algn="l" defTabSz="914400" rtl="0" eaLnBrk="1" latinLnBrk="0" hangingPunct="1">
-              <a:buClr>
-                <a:schemeClr val="tx1"/>
-              </a:buClr>
-              <a:buFont typeface="Wingdings" pitchFamily="2" charset="2"/>
-              <a:buChar char=""/>
-            </a:pPr>
-            <a:r>
-              <a:rPr kumimoji="0" lang="de-DE" sz="1700" b="0" i="0" u="none" strike="noStrike" kern="1200" cap="none" spc="0" normalizeH="0" baseline="0" noProof="0" dirty="0" smtClean="0">
-                <a:ln>
-                  <a:noFill/>
-                </a:ln>
-                <a:solidFill>
-                  <a:schemeClr val="tx2"/>
-                </a:solidFill>
-                <a:effectLst/>
-                <a:uLnTx/>
-                <a:uFillTx/>
-                <a:latin typeface="+mn-lt"/>
-                <a:ea typeface="+mn-ea"/>
-                <a:cs typeface="+mn-cs"/>
-              </a:rPr>
-              <a:t>BI/DWH</a:t>
-            </a:r>
-          </a:p>
-          <a:p>
-            <a:pPr marL="177800" lvl="1" indent="-177800" algn="l" defTabSz="914400" rtl="0" eaLnBrk="1" latinLnBrk="0" hangingPunct="1">
-              <a:buClr>
-                <a:schemeClr val="tx1"/>
-              </a:buClr>
-              <a:buFont typeface="Wingdings" pitchFamily="2" charset="2"/>
-              <a:buChar char=""/>
-            </a:pPr>
-            <a:r>
-              <a:rPr kumimoji="0" lang="de-DE" sz="1700" b="0" i="0" u="none" strike="noStrike" kern="1200" cap="none" spc="0" normalizeH="0" baseline="0" noProof="0" dirty="0" err="1" smtClean="0">
-                <a:ln>
-                  <a:noFill/>
-                </a:ln>
-                <a:solidFill>
-                  <a:schemeClr val="tx2"/>
-                </a:solidFill>
-                <a:effectLst/>
-                <a:uLnTx/>
-                <a:uFillTx/>
-                <a:latin typeface="+mn-lt"/>
-                <a:ea typeface="+mn-ea"/>
-                <a:cs typeface="+mn-cs"/>
-              </a:rPr>
-              <a:t>Outtasking</a:t>
-            </a:r>
-            <a:endParaRPr kumimoji="0" lang="de-DE" sz="1700" b="0" i="0" u="none" strike="noStrike" kern="1200" cap="none" spc="0" normalizeH="0" baseline="0" noProof="0" dirty="0" smtClean="0">
-              <a:ln>
-                <a:noFill/>
-              </a:ln>
-              <a:solidFill>
-                <a:schemeClr val="tx2"/>
-              </a:solidFill>
-              <a:effectLst/>
-              <a:uLnTx/>
-              <a:uFillTx/>
-              <a:latin typeface="+mn-lt"/>
-              <a:ea typeface="+mn-ea"/>
-              <a:cs typeface="+mn-cs"/>
-            </a:endParaRPr>
-          </a:p>
-          <a:p>
-            <a:pPr marL="177800" lvl="1" indent="-177800" algn="l" defTabSz="914400" rtl="0" eaLnBrk="1" latinLnBrk="0" hangingPunct="1">
-              <a:buClr>
-                <a:schemeClr val="tx1"/>
-              </a:buClr>
-              <a:buFont typeface="Wingdings" pitchFamily="2" charset="2"/>
-              <a:buChar char=""/>
-            </a:pPr>
-            <a:r>
-              <a:rPr lang="de-DE" sz="1700" noProof="0" dirty="0" err="1" smtClean="0">
-                <a:solidFill>
-                  <a:schemeClr val="tx2"/>
-                </a:solidFill>
-              </a:rPr>
-              <a:t>Exadata</a:t>
-            </a:r>
-            <a:r>
-              <a:rPr lang="de-DE" sz="1700" noProof="0" dirty="0" smtClean="0">
-                <a:solidFill>
-                  <a:schemeClr val="tx2"/>
-                </a:solidFill>
-              </a:rPr>
-              <a:t> </a:t>
-            </a:r>
-          </a:p>
-          <a:p>
-            <a:pPr marL="177800" lvl="1" indent="-177800" algn="l" defTabSz="914400" rtl="0" eaLnBrk="1" latinLnBrk="0" hangingPunct="1">
-              <a:buClr>
-                <a:schemeClr val="tx1"/>
-              </a:buClr>
-              <a:buFont typeface="Wingdings" pitchFamily="2" charset="2"/>
-              <a:buChar char=""/>
-            </a:pPr>
-            <a:r>
-              <a:rPr lang="de-DE" sz="1700" noProof="0" dirty="0" err="1" smtClean="0">
-                <a:solidFill>
-                  <a:schemeClr val="tx2"/>
-                </a:solidFill>
-              </a:rPr>
-              <a:t>Exalogic</a:t>
-            </a:r>
-            <a:endParaRPr kumimoji="0" lang="de-DE" sz="1700" b="0" i="0" u="none" strike="noStrike" kern="1200" cap="none" spc="0" normalizeH="0" baseline="0" noProof="0" dirty="0" smtClean="0">
-              <a:ln>
-                <a:noFill/>
-              </a:ln>
-              <a:solidFill>
-                <a:schemeClr val="tx2"/>
-              </a:solidFill>
-              <a:effectLst/>
-              <a:uLnTx/>
-              <a:uFillTx/>
-              <a:latin typeface="+mn-lt"/>
-              <a:ea typeface="+mn-ea"/>
-              <a:cs typeface="+mn-cs"/>
-            </a:endParaRPr>
-          </a:p>
-          <a:p>
-            <a:pPr algn="l" defTabSz="914400" rtl="0" eaLnBrk="1" latinLnBrk="0" hangingPunct="1">
-              <a:buClr>
-                <a:schemeClr val="tx1"/>
-              </a:buClr>
-              <a:buFont typeface="Wingdings" pitchFamily="2" charset="2"/>
-              <a:buChar char=""/>
-            </a:pPr>
-            <a:endParaRPr kumimoji="0" lang="de-DE" sz="2000" b="1" i="0" u="none" strike="noStrike" kern="1200" cap="none" spc="0" normalizeH="0" baseline="0" noProof="0" dirty="0" smtClean="0">
-              <a:ln>
-                <a:noFill/>
-              </a:ln>
-              <a:solidFill>
-                <a:schemeClr val="tx2"/>
-              </a:solidFill>
-              <a:effectLst/>
-              <a:uLnTx/>
-              <a:uFillTx/>
-              <a:latin typeface="+mn-lt"/>
-              <a:ea typeface="+mn-ea"/>
-              <a:cs typeface="+mn-cs"/>
-            </a:endParaRPr>
-          </a:p>
-        </p:txBody>
-      </p:sp>
-      <p:sp>
-        <p:nvSpPr>
-          <p:cNvPr id="7" name="Textfeld 6"/>
-          <p:cNvSpPr txBox="1"/>
-          <p:nvPr/>
-        </p:nvSpPr>
-        <p:spPr>
-          <a:xfrm>
-            <a:off x="3378960" y="2011153"/>
-            <a:ext cx="2145420" cy="2858007"/>
-          </a:xfrm>
-          <a:prstGeom prst="rect">
-            <a:avLst/>
-          </a:prstGeom>
-        </p:spPr>
-        <p:txBody>
-          <a:bodyPr vert="horz" lIns="0" tIns="0" rIns="0" bIns="0" rtlCol="0">
-            <a:normAutofit/>
-          </a:bodyPr>
-          <a:lstStyle/>
-          <a:p>
-            <a:pPr lvl="0" algn="l" defTabSz="914400" rtl="0" eaLnBrk="1" latinLnBrk="0" hangingPunct="1">
-              <a:buClr>
-                <a:schemeClr val="tx1"/>
-              </a:buClr>
-              <a:buFont typeface="Wingdings" pitchFamily="2" charset="2"/>
-              <a:buNone/>
-            </a:pPr>
-            <a:r>
-              <a:rPr kumimoji="0" lang="de-DE" sz="2000" b="1" i="0" u="none" strike="noStrike" kern="1200" cap="none" spc="0" normalizeH="0" baseline="0" noProof="0" dirty="0" smtClean="0">
-                <a:ln>
-                  <a:noFill/>
-                </a:ln>
-                <a:solidFill>
-                  <a:schemeClr val="tx1"/>
-                </a:solidFill>
-                <a:effectLst/>
-                <a:uLnTx/>
-                <a:uFillTx/>
-                <a:latin typeface="+mn-lt"/>
-                <a:ea typeface="+mn-ea"/>
-                <a:cs typeface="+mn-cs"/>
-              </a:rPr>
-              <a:t>Kunden / Kollegen</a:t>
-            </a:r>
-            <a:r>
-              <a:rPr kumimoji="0" lang="de-DE" sz="2200" b="1" i="0" u="none" strike="noStrike" kern="1200" cap="none" spc="0" normalizeH="0" baseline="0" noProof="0" dirty="0" smtClean="0">
-                <a:ln>
-                  <a:noFill/>
-                </a:ln>
-                <a:solidFill>
-                  <a:schemeClr val="tx2"/>
-                </a:solidFill>
-                <a:effectLst/>
-                <a:uLnTx/>
-                <a:uFillTx/>
-                <a:latin typeface="+mn-lt"/>
-                <a:ea typeface="+mn-ea"/>
-                <a:cs typeface="+mn-cs"/>
-              </a:rPr>
-              <a:t/>
-            </a:r>
-            <a:br>
-              <a:rPr kumimoji="0" lang="de-DE" sz="2200" b="1" i="0" u="none" strike="noStrike" kern="1200" cap="none" spc="0" normalizeH="0" baseline="0" noProof="0" dirty="0" smtClean="0">
-                <a:ln>
-                  <a:noFill/>
-                </a:ln>
-                <a:solidFill>
-                  <a:schemeClr val="tx2"/>
-                </a:solidFill>
-                <a:effectLst/>
-                <a:uLnTx/>
-                <a:uFillTx/>
-                <a:latin typeface="+mn-lt"/>
-                <a:ea typeface="+mn-ea"/>
-                <a:cs typeface="+mn-cs"/>
-              </a:rPr>
-            </a:br>
-            <a:endParaRPr kumimoji="0" lang="de-DE" sz="1400" b="1" i="0" u="none" strike="noStrike" kern="1200" cap="none" spc="0" normalizeH="0" baseline="0" noProof="0" dirty="0" smtClean="0">
-              <a:ln>
-                <a:noFill/>
-              </a:ln>
-              <a:solidFill>
-                <a:schemeClr val="tx2"/>
-              </a:solidFill>
-              <a:effectLst/>
-              <a:uLnTx/>
-              <a:uFillTx/>
-              <a:latin typeface="+mn-lt"/>
-              <a:ea typeface="+mn-ea"/>
-              <a:cs typeface="+mn-cs"/>
-            </a:endParaRPr>
-          </a:p>
-          <a:p>
-            <a:pPr marL="0" lvl="1">
-              <a:buClr>
-                <a:schemeClr val="tx1"/>
-              </a:buClr>
-              <a:buFont typeface="Wingdings" pitchFamily="2" charset="2"/>
-              <a:buChar char=""/>
-            </a:pPr>
-            <a:r>
-              <a:rPr lang="de-DE" sz="1600" dirty="0" smtClean="0">
-                <a:solidFill>
-                  <a:schemeClr val="tx2"/>
-                </a:solidFill>
-              </a:rPr>
-              <a:t>Über 600 Kunden</a:t>
-            </a:r>
-          </a:p>
-          <a:p>
-            <a:pPr marL="0" lvl="1">
-              <a:buClr>
-                <a:schemeClr val="tx1"/>
-              </a:buClr>
-              <a:buFont typeface="Wingdings" pitchFamily="2" charset="2"/>
-              <a:buChar char=""/>
-            </a:pPr>
-            <a:r>
-              <a:rPr lang="de-DE" sz="1600" dirty="0" smtClean="0">
-                <a:solidFill>
-                  <a:schemeClr val="tx2"/>
-                </a:solidFill>
-              </a:rPr>
-              <a:t>Branchen-</a:t>
-            </a:r>
-            <a:br>
-              <a:rPr lang="de-DE" sz="1600" dirty="0" smtClean="0">
-                <a:solidFill>
-                  <a:schemeClr val="tx2"/>
-                </a:solidFill>
-              </a:rPr>
-            </a:br>
-            <a:r>
-              <a:rPr lang="de-DE" sz="1600" dirty="0" smtClean="0">
-                <a:solidFill>
-                  <a:schemeClr val="tx2"/>
-                </a:solidFill>
-              </a:rPr>
-              <a:t>   übergreifend</a:t>
-            </a:r>
-          </a:p>
-          <a:p>
-            <a:pPr marL="0" lvl="1">
-              <a:buClr>
-                <a:schemeClr val="tx1"/>
-              </a:buClr>
-              <a:buFont typeface="Wingdings" pitchFamily="2" charset="2"/>
-              <a:buChar char=""/>
-            </a:pPr>
-            <a:endParaRPr lang="de-DE" sz="1600" dirty="0" smtClean="0">
-              <a:solidFill>
-                <a:schemeClr val="tx2"/>
-              </a:solidFill>
-            </a:endParaRPr>
-          </a:p>
-          <a:p>
-            <a:pPr marL="0" lvl="1">
-              <a:buClr>
-                <a:schemeClr val="tx1"/>
-              </a:buClr>
-              <a:buFont typeface="Wingdings" pitchFamily="2" charset="2"/>
-              <a:buChar char=""/>
-            </a:pPr>
-            <a:r>
-              <a:rPr lang="de-DE" sz="1600" dirty="0" smtClean="0">
-                <a:solidFill>
-                  <a:schemeClr val="tx2"/>
-                </a:solidFill>
-              </a:rPr>
-              <a:t>Über 450 Kollegen</a:t>
-            </a:r>
-          </a:p>
-          <a:p>
-            <a:pPr marL="0" lvl="1">
-              <a:buClr>
-                <a:schemeClr val="tx1"/>
-              </a:buClr>
-              <a:buFont typeface="Wingdings" pitchFamily="2" charset="2"/>
-              <a:buChar char=""/>
-            </a:pPr>
-            <a:r>
-              <a:rPr lang="de-DE" sz="1600" dirty="0" smtClean="0">
-                <a:solidFill>
-                  <a:schemeClr val="tx2"/>
-                </a:solidFill>
-              </a:rPr>
-              <a:t>An 8 Standorten</a:t>
-            </a:r>
-          </a:p>
-          <a:p>
-            <a:pPr algn="l" defTabSz="914400" rtl="0" eaLnBrk="1" latinLnBrk="0" hangingPunct="1">
-              <a:buClr>
-                <a:schemeClr val="tx1"/>
-              </a:buClr>
-              <a:buFont typeface="Wingdings" pitchFamily="2" charset="2"/>
-              <a:buChar char=""/>
-            </a:pPr>
-            <a:endParaRPr kumimoji="0" lang="de-DE" sz="2000" b="1" i="0" u="none" strike="noStrike" kern="1200" cap="none" spc="0" normalizeH="0" baseline="0" noProof="0" dirty="0" smtClean="0">
-              <a:ln>
-                <a:noFill/>
-              </a:ln>
-              <a:solidFill>
-                <a:schemeClr val="tx2"/>
-              </a:solidFill>
-              <a:effectLst/>
-              <a:uLnTx/>
-              <a:uFillTx/>
-              <a:latin typeface="+mn-lt"/>
-              <a:ea typeface="+mn-ea"/>
-              <a:cs typeface="+mn-cs"/>
-            </a:endParaRPr>
-          </a:p>
-        </p:txBody>
-      </p:sp>
-      <p:sp>
-        <p:nvSpPr>
-          <p:cNvPr id="8" name="Trapezoid 7"/>
-          <p:cNvSpPr>
-            <a:spLocks/>
-          </p:cNvSpPr>
-          <p:nvPr/>
-        </p:nvSpPr>
-        <p:spPr>
-          <a:xfrm rot="5400000">
-            <a:off x="5715990" y="2124718"/>
-            <a:ext cx="3600400" cy="2608564"/>
-          </a:xfrm>
-          <a:prstGeom prst="trapezoid">
-            <a:avLst>
-              <a:gd name="adj" fmla="val 17101"/>
-            </a:avLst>
-          </a:prstGeom>
-          <a:solidFill>
-            <a:schemeClr val="accent3">
-              <a:alpha val="40000"/>
-            </a:schemeClr>
-          </a:solidFill>
-          <a:ln w="9525">
-            <a:solidFill>
-              <a:schemeClr val="accent3"/>
-            </a:solidFill>
-          </a:ln>
-        </p:spPr>
-        <p:style>
-          <a:lnRef idx="2">
-            <a:schemeClr val="accent1">
-              <a:shade val="50000"/>
-            </a:schemeClr>
-          </a:lnRef>
-          <a:fillRef idx="1">
-            <a:schemeClr val="accent1"/>
-          </a:fillRef>
-          <a:effectRef idx="0">
-            <a:schemeClr val="accent1"/>
-          </a:effectRef>
-          <a:fontRef idx="minor">
-            <a:schemeClr val="lt1"/>
-          </a:fontRef>
-        </p:style>
-        <p:txBody>
-          <a:bodyPr rtlCol="0" anchor="ctr"/>
-          <a:lstStyle/>
-          <a:p>
-            <a:pPr marL="0" algn="ctr" defTabSz="914400" rtl="0" eaLnBrk="1" latinLnBrk="0" hangingPunct="1"/>
-            <a:endParaRPr lang="de-DE" sz="1800" kern="1200">
-              <a:solidFill>
-                <a:schemeClr val="lt1"/>
-              </a:solidFill>
-              <a:latin typeface="+mn-lt"/>
-              <a:ea typeface="+mn-ea"/>
-              <a:cs typeface="+mn-cs"/>
-            </a:endParaRPr>
-          </a:p>
-        </p:txBody>
-      </p:sp>
-      <p:sp>
-        <p:nvSpPr>
-          <p:cNvPr id="10" name="Textfeld 9"/>
-          <p:cNvSpPr txBox="1"/>
-          <p:nvPr/>
-        </p:nvSpPr>
-        <p:spPr>
-          <a:xfrm>
-            <a:off x="6315012" y="1988840"/>
-            <a:ext cx="1857388" cy="2643206"/>
-          </a:xfrm>
-          <a:prstGeom prst="rect">
-            <a:avLst/>
-          </a:prstGeom>
-        </p:spPr>
-        <p:txBody>
-          <a:bodyPr vert="horz" lIns="0" tIns="0" rIns="0" bIns="0" rtlCol="0">
-            <a:normAutofit/>
-          </a:bodyPr>
-          <a:lstStyle/>
-          <a:p>
-            <a:pPr lvl="0" algn="l" defTabSz="914400" rtl="0" eaLnBrk="1" latinLnBrk="0" hangingPunct="1">
-              <a:buClr>
-                <a:schemeClr val="tx1"/>
-              </a:buClr>
-              <a:buFont typeface="Wingdings" pitchFamily="2" charset="2"/>
-              <a:buNone/>
-            </a:pPr>
-            <a:r>
-              <a:rPr kumimoji="0" lang="de-DE" sz="2000" b="1" i="0" u="none" strike="noStrike" kern="1200" cap="none" spc="0" normalizeH="0" baseline="0" noProof="0" dirty="0" smtClean="0">
-                <a:ln>
-                  <a:noFill/>
-                </a:ln>
-                <a:solidFill>
-                  <a:schemeClr val="tx1"/>
-                </a:solidFill>
-                <a:effectLst/>
-                <a:uLnTx/>
-                <a:uFillTx/>
-                <a:latin typeface="+mn-lt"/>
-                <a:ea typeface="+mn-ea"/>
-                <a:cs typeface="+mn-cs"/>
-              </a:rPr>
-              <a:t>Tätigkeits-</a:t>
-            </a:r>
-            <a:br>
-              <a:rPr kumimoji="0" lang="de-DE" sz="2000" b="1" i="0" u="none" strike="noStrike" kern="1200" cap="none" spc="0" normalizeH="0" baseline="0" noProof="0" dirty="0" smtClean="0">
-                <a:ln>
-                  <a:noFill/>
-                </a:ln>
-                <a:solidFill>
-                  <a:schemeClr val="tx1"/>
-                </a:solidFill>
-                <a:effectLst/>
-                <a:uLnTx/>
-                <a:uFillTx/>
-                <a:latin typeface="+mn-lt"/>
-                <a:ea typeface="+mn-ea"/>
-                <a:cs typeface="+mn-cs"/>
-              </a:rPr>
-            </a:br>
-            <a:r>
-              <a:rPr kumimoji="0" lang="de-DE" sz="2000" b="1" i="0" u="none" strike="noStrike" kern="1200" cap="none" spc="0" normalizeH="0" baseline="0" noProof="0" dirty="0" err="1" smtClean="0">
-                <a:ln>
-                  <a:noFill/>
-                </a:ln>
-                <a:solidFill>
-                  <a:schemeClr val="tx1"/>
-                </a:solidFill>
-                <a:effectLst/>
-                <a:uLnTx/>
-                <a:uFillTx/>
-                <a:latin typeface="+mn-lt"/>
-                <a:ea typeface="+mn-ea"/>
-                <a:cs typeface="+mn-cs"/>
-              </a:rPr>
-              <a:t>felder</a:t>
-            </a:r>
-            <a:endParaRPr kumimoji="0" lang="de-DE" sz="2000" b="1" i="0" u="none" strike="noStrike" kern="1200" cap="none" spc="0" normalizeH="0" baseline="0" noProof="0" dirty="0" smtClean="0">
-              <a:ln>
-                <a:noFill/>
-              </a:ln>
-              <a:solidFill>
-                <a:schemeClr val="tx2"/>
-              </a:solidFill>
-              <a:effectLst/>
-              <a:uLnTx/>
-              <a:uFillTx/>
-              <a:latin typeface="+mn-lt"/>
-              <a:ea typeface="+mn-ea"/>
-              <a:cs typeface="+mn-cs"/>
-            </a:endParaRPr>
-          </a:p>
-          <a:p>
-            <a:pPr marL="177800" lvl="1" indent="-177800" algn="l" defTabSz="914400" rtl="0" eaLnBrk="1" latinLnBrk="0" hangingPunct="1">
-              <a:spcBef>
-                <a:spcPts val="1200"/>
-              </a:spcBef>
-              <a:buClr>
-                <a:schemeClr val="tx1"/>
-              </a:buClr>
-              <a:buFont typeface="Wingdings" pitchFamily="2" charset="2"/>
-              <a:buChar char=""/>
-            </a:pPr>
-            <a:r>
-              <a:rPr kumimoji="0" lang="de-DE" sz="1600" b="0" i="0" u="none" strike="noStrike" kern="1200" cap="none" spc="0" normalizeH="0" baseline="0" noProof="0" dirty="0" smtClean="0">
-                <a:ln>
-                  <a:noFill/>
-                </a:ln>
-                <a:solidFill>
-                  <a:schemeClr val="tx2"/>
-                </a:solidFill>
-                <a:effectLst/>
-                <a:uLnTx/>
-                <a:uFillTx/>
-                <a:latin typeface="+mn-lt"/>
-                <a:ea typeface="+mn-ea"/>
-                <a:cs typeface="+mn-cs"/>
-              </a:rPr>
-              <a:t>IT-Strategie</a:t>
-            </a:r>
-          </a:p>
-          <a:p>
-            <a:pPr marL="177800" lvl="1" indent="-177800" algn="l" defTabSz="914400" rtl="0" eaLnBrk="1" latinLnBrk="0" hangingPunct="1">
-              <a:buClr>
-                <a:schemeClr val="tx1"/>
-              </a:buClr>
-              <a:buFont typeface="Wingdings" pitchFamily="2" charset="2"/>
-              <a:buChar char=""/>
-            </a:pPr>
-            <a:r>
-              <a:rPr kumimoji="0" lang="de-DE" sz="1600" b="0" i="0" u="none" strike="noStrike" kern="1200" cap="none" spc="0" normalizeH="0" baseline="0" noProof="0" dirty="0" smtClean="0">
-                <a:ln>
-                  <a:noFill/>
-                </a:ln>
-                <a:solidFill>
-                  <a:schemeClr val="tx2"/>
-                </a:solidFill>
-                <a:effectLst/>
-                <a:uLnTx/>
-                <a:uFillTx/>
-                <a:latin typeface="+mn-lt"/>
-                <a:ea typeface="+mn-ea"/>
-                <a:cs typeface="+mn-cs"/>
-              </a:rPr>
-              <a:t>Beratung</a:t>
-            </a:r>
-          </a:p>
-          <a:p>
-            <a:pPr marL="177800" lvl="1" indent="-177800" algn="l" defTabSz="914400" rtl="0" eaLnBrk="1" latinLnBrk="0" hangingPunct="1">
-              <a:buClr>
-                <a:schemeClr val="tx1"/>
-              </a:buClr>
-              <a:buFont typeface="Wingdings" pitchFamily="2" charset="2"/>
-              <a:buChar char=""/>
-            </a:pPr>
-            <a:r>
-              <a:rPr kumimoji="0" lang="de-DE" sz="1600" b="0" i="0" u="none" strike="noStrike" kern="1200" cap="none" spc="0" normalizeH="0" baseline="0" noProof="0" dirty="0" smtClean="0">
-                <a:ln>
-                  <a:noFill/>
-                </a:ln>
-                <a:solidFill>
-                  <a:schemeClr val="tx2"/>
-                </a:solidFill>
-                <a:effectLst/>
-                <a:uLnTx/>
-                <a:uFillTx/>
-                <a:latin typeface="+mn-lt"/>
-                <a:ea typeface="+mn-ea"/>
-                <a:cs typeface="+mn-cs"/>
-              </a:rPr>
-              <a:t>Implementierung</a:t>
-            </a:r>
-          </a:p>
-          <a:p>
-            <a:pPr marL="177800" lvl="1" indent="-177800" algn="l" defTabSz="914400" rtl="0" eaLnBrk="1" latinLnBrk="0" hangingPunct="1">
-              <a:buClr>
-                <a:schemeClr val="tx1"/>
-              </a:buClr>
-              <a:buFont typeface="Wingdings" pitchFamily="2" charset="2"/>
-              <a:buChar char=""/>
-            </a:pPr>
-            <a:r>
-              <a:rPr kumimoji="0" lang="de-DE" sz="1600" b="0" i="0" u="none" strike="noStrike" kern="1200" cap="none" spc="0" normalizeH="0" baseline="0" noProof="0" dirty="0" smtClean="0">
-                <a:ln>
-                  <a:noFill/>
-                </a:ln>
-                <a:solidFill>
-                  <a:schemeClr val="tx2"/>
-                </a:solidFill>
-                <a:effectLst/>
-                <a:uLnTx/>
-                <a:uFillTx/>
-                <a:latin typeface="+mn-lt"/>
-                <a:ea typeface="+mn-ea"/>
-                <a:cs typeface="+mn-cs"/>
-              </a:rPr>
-              <a:t>Betrieb</a:t>
-            </a:r>
-          </a:p>
-          <a:p>
-            <a:pPr marL="177800" lvl="1" indent="-177800" algn="l" defTabSz="914400" rtl="0" eaLnBrk="1" latinLnBrk="0" hangingPunct="1">
-              <a:buClr>
-                <a:schemeClr val="tx1"/>
-              </a:buClr>
-              <a:buFont typeface="Wingdings" pitchFamily="2" charset="2"/>
-              <a:buChar char=""/>
-            </a:pPr>
-            <a:r>
-              <a:rPr kumimoji="0" lang="de-DE" sz="1600" b="0" i="0" u="none" strike="noStrike" kern="1200" cap="none" spc="0" normalizeH="0" baseline="0" noProof="0" dirty="0" smtClean="0">
-                <a:ln>
-                  <a:noFill/>
-                </a:ln>
-                <a:solidFill>
-                  <a:schemeClr val="tx2"/>
-                </a:solidFill>
-                <a:effectLst/>
-                <a:uLnTx/>
-                <a:uFillTx/>
-                <a:latin typeface="+mn-lt"/>
-                <a:ea typeface="+mn-ea"/>
-                <a:cs typeface="+mn-cs"/>
-              </a:rPr>
-              <a:t>Training</a:t>
-            </a:r>
-          </a:p>
-          <a:p>
-            <a:pPr marL="273050" lvl="1" indent="-273050" algn="l" defTabSz="914400" rtl="0" eaLnBrk="1" latinLnBrk="0" hangingPunct="1">
-              <a:buClr>
-                <a:schemeClr val="tx1"/>
-              </a:buClr>
-              <a:buFont typeface="Wingdings" pitchFamily="2" charset="2"/>
-              <a:buChar char=""/>
-            </a:pPr>
-            <a:endParaRPr kumimoji="0" lang="de-DE" sz="1600" b="0" i="0" u="none" strike="noStrike" kern="1200" cap="none" spc="0" normalizeH="0" baseline="0" noProof="0" dirty="0" smtClean="0">
-              <a:ln>
-                <a:noFill/>
-              </a:ln>
-              <a:solidFill>
-                <a:schemeClr val="tx2"/>
-              </a:solidFill>
-              <a:effectLst/>
-              <a:uLnTx/>
-              <a:uFillTx/>
-              <a:latin typeface="+mn-lt"/>
-              <a:ea typeface="+mn-ea"/>
-              <a:cs typeface="+mn-cs"/>
-            </a:endParaRPr>
-          </a:p>
-          <a:p>
-            <a:pPr algn="l" defTabSz="914400" rtl="0" eaLnBrk="1" latinLnBrk="0" hangingPunct="1">
-              <a:buClr>
-                <a:schemeClr val="tx1"/>
-              </a:buClr>
-              <a:buFont typeface="Wingdings" pitchFamily="2" charset="2"/>
-              <a:buChar char=""/>
-            </a:pPr>
-            <a:endParaRPr kumimoji="0" lang="de-DE" sz="1600" b="1" i="0" u="none" strike="noStrike" kern="1200" cap="none" spc="0" normalizeH="0" baseline="0" noProof="0" dirty="0" smtClean="0">
-              <a:ln>
-                <a:noFill/>
-              </a:ln>
-              <a:solidFill>
-                <a:schemeClr val="tx2"/>
-              </a:solidFill>
-              <a:effectLst/>
-              <a:uLnTx/>
-              <a:uFillTx/>
-              <a:latin typeface="+mn-lt"/>
-              <a:ea typeface="+mn-ea"/>
-              <a:cs typeface="+mn-cs"/>
-            </a:endParaRPr>
-          </a:p>
-        </p:txBody>
-      </p:sp>
-      <p:pic>
-        <p:nvPicPr>
-          <p:cNvPr id="1027" name="Picture 3"/>
-          <p:cNvPicPr>
-            <a:picLocks noChangeAspect="1" noChangeArrowheads="1"/>
-          </p:cNvPicPr>
-          <p:nvPr/>
-        </p:nvPicPr>
-        <p:blipFill>
-          <a:blip r:embed="rId2" cstate="print"/>
-          <a:srcRect/>
-          <a:stretch>
-            <a:fillRect/>
-          </a:stretch>
-        </p:blipFill>
-        <p:spPr bwMode="auto">
-          <a:xfrm>
-            <a:off x="1952330" y="5497354"/>
-            <a:ext cx="1728000" cy="758118"/>
-          </a:xfrm>
-          <a:prstGeom prst="rect">
-            <a:avLst/>
-          </a:prstGeom>
-          <a:ln>
-            <a:noFill/>
-          </a:ln>
-          <a:effectLst/>
-        </p:spPr>
-      </p:pic>
-      <p:pic>
-        <p:nvPicPr>
-          <p:cNvPr id="1028" name="Picture 4"/>
-          <p:cNvPicPr>
-            <a:picLocks noChangeAspect="1" noChangeArrowheads="1"/>
-          </p:cNvPicPr>
-          <p:nvPr/>
-        </p:nvPicPr>
-        <p:blipFill>
-          <a:blip r:embed="rId3" cstate="print"/>
-          <a:srcRect/>
-          <a:stretch>
-            <a:fillRect/>
-          </a:stretch>
-        </p:blipFill>
-        <p:spPr bwMode="auto">
-          <a:xfrm>
-            <a:off x="7217220" y="5497354"/>
-            <a:ext cx="1728000" cy="866117"/>
-          </a:xfrm>
-          <a:prstGeom prst="rect">
-            <a:avLst/>
-          </a:prstGeom>
-          <a:ln>
-            <a:noFill/>
-          </a:ln>
-          <a:effectLst/>
-        </p:spPr>
-      </p:pic>
-      <p:pic>
-        <p:nvPicPr>
-          <p:cNvPr id="19" name="Picture 2"/>
-          <p:cNvPicPr>
-            <a:picLocks noChangeAspect="1" noChangeArrowheads="1"/>
-          </p:cNvPicPr>
-          <p:nvPr/>
-        </p:nvPicPr>
-        <p:blipFill>
-          <a:blip r:embed="rId4" cstate="print"/>
-          <a:srcRect/>
-          <a:stretch>
-            <a:fillRect/>
-          </a:stretch>
-        </p:blipFill>
-        <p:spPr bwMode="auto">
-          <a:xfrm>
-            <a:off x="7236296" y="3629167"/>
-            <a:ext cx="1563608" cy="1167985"/>
-          </a:xfrm>
-          <a:prstGeom prst="rect">
-            <a:avLst/>
-          </a:prstGeom>
-          <a:noFill/>
-          <a:ln w="9525">
-            <a:noFill/>
-            <a:miter lim="800000"/>
-            <a:headEnd/>
-            <a:tailEnd/>
-          </a:ln>
-          <a:effectLst/>
-        </p:spPr>
-      </p:pic>
-      <p:sp>
-        <p:nvSpPr>
-          <p:cNvPr id="20" name="Textfeld 19"/>
-          <p:cNvSpPr txBox="1"/>
-          <p:nvPr/>
-        </p:nvSpPr>
-        <p:spPr>
-          <a:xfrm>
-            <a:off x="323528" y="1124744"/>
-            <a:ext cx="8496944" cy="504056"/>
-          </a:xfrm>
-          <a:prstGeom prst="rect">
-            <a:avLst/>
-          </a:prstGeom>
-        </p:spPr>
-        <p:txBody>
-          <a:bodyPr vert="horz" lIns="0" tIns="0" rIns="0" bIns="0" rtlCol="0">
-            <a:normAutofit/>
-          </a:bodyPr>
-          <a:lstStyle/>
-          <a:p>
-            <a:pPr lvl="0" algn="ctr" defTabSz="914400" rtl="0" eaLnBrk="1" latinLnBrk="0" hangingPunct="1">
-              <a:buClr>
-                <a:schemeClr val="tx1"/>
-              </a:buClr>
-              <a:buFont typeface="Wingdings" pitchFamily="2" charset="2"/>
-              <a:buNone/>
-            </a:pPr>
-            <a:r>
-              <a:rPr kumimoji="0" lang="de-DE" sz="2400" b="1" i="0" u="none" strike="noStrike" kern="1200" cap="none" spc="0" normalizeH="0" baseline="0" noProof="0" dirty="0" smtClean="0">
-                <a:ln>
-                  <a:noFill/>
-                </a:ln>
-                <a:solidFill>
-                  <a:schemeClr val="tx1"/>
-                </a:solidFill>
-                <a:effectLst/>
-                <a:uLnTx/>
-                <a:uFillTx/>
-                <a:latin typeface="+mn-lt"/>
-                <a:ea typeface="+mn-ea"/>
-                <a:cs typeface="+mn-cs"/>
-              </a:rPr>
-              <a:t>Ihr ORACLE Center</a:t>
-            </a:r>
-            <a:r>
-              <a:rPr kumimoji="0" lang="de-DE" sz="2400" b="1" i="0" u="none" strike="noStrike" kern="1200" cap="none" spc="0" normalizeH="0" noProof="0" dirty="0" smtClean="0">
-                <a:ln>
-                  <a:noFill/>
-                </a:ln>
-                <a:solidFill>
-                  <a:schemeClr val="tx1"/>
-                </a:solidFill>
-                <a:effectLst/>
-                <a:uLnTx/>
-                <a:uFillTx/>
-                <a:latin typeface="+mn-lt"/>
-                <a:ea typeface="+mn-ea"/>
-                <a:cs typeface="+mn-cs"/>
-              </a:rPr>
-              <a:t> </a:t>
-            </a:r>
-            <a:r>
-              <a:rPr kumimoji="0" lang="de-DE" sz="2400" b="1" i="0" u="none" strike="noStrike" kern="1200" cap="none" spc="0" normalizeH="0" noProof="0" dirty="0" err="1" smtClean="0">
-                <a:ln>
-                  <a:noFill/>
-                </a:ln>
-                <a:solidFill>
-                  <a:schemeClr val="tx1"/>
-                </a:solidFill>
-                <a:effectLst/>
-                <a:uLnTx/>
-                <a:uFillTx/>
-                <a:latin typeface="+mn-lt"/>
-                <a:ea typeface="+mn-ea"/>
-                <a:cs typeface="+mn-cs"/>
-              </a:rPr>
-              <a:t>of</a:t>
-            </a:r>
-            <a:r>
-              <a:rPr kumimoji="0" lang="de-DE" sz="2400" b="1" i="0" u="none" strike="noStrike" kern="1200" cap="none" spc="0" normalizeH="0" noProof="0" dirty="0" smtClean="0">
-                <a:ln>
-                  <a:noFill/>
-                </a:ln>
-                <a:solidFill>
-                  <a:schemeClr val="tx1"/>
-                </a:solidFill>
-                <a:effectLst/>
-                <a:uLnTx/>
-                <a:uFillTx/>
-                <a:latin typeface="+mn-lt"/>
-                <a:ea typeface="+mn-ea"/>
-                <a:cs typeface="+mn-cs"/>
-              </a:rPr>
-              <a:t> Excellence</a:t>
-            </a:r>
-            <a:endParaRPr kumimoji="0" lang="de-DE" sz="2400" b="1" i="0" u="none" strike="noStrike" kern="1200" cap="none" spc="0" normalizeH="0" baseline="0" noProof="0" dirty="0" smtClean="0">
-              <a:ln>
-                <a:noFill/>
-              </a:ln>
-              <a:solidFill>
-                <a:schemeClr val="tx2"/>
-              </a:solidFill>
-              <a:effectLst/>
-              <a:uLnTx/>
-              <a:uFillTx/>
-              <a:latin typeface="+mn-lt"/>
-              <a:ea typeface="+mn-ea"/>
-              <a:cs typeface="+mn-cs"/>
-            </a:endParaRPr>
-          </a:p>
-        </p:txBody>
-      </p:sp>
-      <p:pic>
-        <p:nvPicPr>
-          <p:cNvPr id="2" name="Picture 3" descr="V:\Marketing u Vertriebsmaterial\Logos und Banner\Partner-Logos\Oracle\Oracle RAC Specialized\GIF\O_SpecPlat_OracleRealAppClusters_clr.gif"/>
-          <p:cNvPicPr>
-            <a:picLocks noChangeAspect="1" noChangeArrowheads="1"/>
-          </p:cNvPicPr>
-          <p:nvPr/>
-        </p:nvPicPr>
-        <p:blipFill>
-          <a:blip r:embed="rId5" cstate="print"/>
-          <a:srcRect/>
-          <a:stretch>
-            <a:fillRect/>
-          </a:stretch>
-        </p:blipFill>
-        <p:spPr bwMode="auto">
-          <a:xfrm>
-            <a:off x="5461043" y="5494919"/>
-            <a:ext cx="1728000" cy="864000"/>
-          </a:xfrm>
-          <a:prstGeom prst="rect">
-            <a:avLst/>
-          </a:prstGeom>
-          <a:noFill/>
-        </p:spPr>
-      </p:pic>
-      <p:pic>
-        <p:nvPicPr>
-          <p:cNvPr id="3" name="Picture 4" descr="V:\Marketing u Vertriebsmaterial\Logos und Banner\Partner-Logos\Oracle\Oracle DB Specialized\O_SpecPlat_OracleDatabase\GIF\O_SpecPlat_OracleDatabase_clr.gif"/>
-          <p:cNvPicPr>
-            <a:picLocks noChangeAspect="1" noChangeArrowheads="1"/>
-          </p:cNvPicPr>
-          <p:nvPr/>
-        </p:nvPicPr>
-        <p:blipFill>
-          <a:blip r:embed="rId6" cstate="print"/>
-          <a:srcRect/>
-          <a:stretch>
-            <a:fillRect/>
-          </a:stretch>
-        </p:blipFill>
-        <p:spPr bwMode="auto">
-          <a:xfrm>
-            <a:off x="199390" y="5484396"/>
-            <a:ext cx="1728000" cy="745412"/>
-          </a:xfrm>
-          <a:prstGeom prst="rect">
-            <a:avLst/>
-          </a:prstGeom>
-          <a:noFill/>
-        </p:spPr>
-      </p:pic>
-      <p:pic>
-        <p:nvPicPr>
-          <p:cNvPr id="1029" name="Picture 5" descr="V:\Marketing u Vertriebsmaterial\Logos und Banner\Partner-Logos\Oracle\Oracel OEL Specialized\GIF\O_SpecPlat_OracleEntLinux_clr.gif"/>
-          <p:cNvPicPr>
-            <a:picLocks noChangeAspect="1" noChangeArrowheads="1"/>
-          </p:cNvPicPr>
-          <p:nvPr/>
-        </p:nvPicPr>
-        <p:blipFill>
-          <a:blip r:embed="rId7" cstate="print"/>
-          <a:srcRect/>
-          <a:stretch>
-            <a:fillRect/>
-          </a:stretch>
-        </p:blipFill>
-        <p:spPr bwMode="auto">
-          <a:xfrm>
-            <a:off x="3699915" y="5495580"/>
-            <a:ext cx="1728000" cy="745412"/>
-          </a:xfrm>
-          <a:prstGeom prst="rect">
-            <a:avLst/>
-          </a:prstGeom>
-          <a:noFill/>
-        </p:spPr>
-      </p:pic>
-      <p:pic>
-        <p:nvPicPr>
-          <p:cNvPr id="1030" name="Picture 6"/>
-          <p:cNvPicPr>
-            <a:picLocks noChangeAspect="1" noChangeArrowheads="1"/>
-          </p:cNvPicPr>
-          <p:nvPr/>
-        </p:nvPicPr>
-        <p:blipFill>
-          <a:blip r:embed="rId8" cstate="print"/>
-          <a:srcRect/>
-          <a:stretch>
-            <a:fillRect/>
-          </a:stretch>
-        </p:blipFill>
-        <p:spPr bwMode="auto">
-          <a:xfrm>
-            <a:off x="457816" y="4293096"/>
-            <a:ext cx="2088232" cy="535175"/>
-          </a:xfrm>
-          <a:prstGeom prst="rect">
-            <a:avLst/>
-          </a:prstGeom>
-          <a:noFill/>
-          <a:ln w="9525">
-            <a:noFill/>
-            <a:miter lim="800000"/>
-            <a:headEnd/>
-            <a:tailEnd/>
-          </a:ln>
-          <a:effectLst/>
-        </p:spPr>
-      </p:pic>
-      <p:cxnSp>
-        <p:nvCxnSpPr>
-          <p:cNvPr id="30" name="Gerade Verbindung 29"/>
-          <p:cNvCxnSpPr/>
-          <p:nvPr/>
-        </p:nvCxnSpPr>
-        <p:spPr>
-          <a:xfrm>
-            <a:off x="251520" y="1484784"/>
-            <a:ext cx="8568952" cy="0"/>
-          </a:xfrm>
-          <a:prstGeom prst="line">
-            <a:avLst/>
-          </a:prstGeom>
-        </p:spPr>
-        <p:style>
-          <a:lnRef idx="1">
-            <a:schemeClr val="accent1"/>
-          </a:lnRef>
-          <a:fillRef idx="0">
-            <a:schemeClr val="accent1"/>
-          </a:fillRef>
-          <a:effectRef idx="0">
-            <a:schemeClr val="accent1"/>
-          </a:effectRef>
-          <a:fontRef idx="minor">
-            <a:schemeClr val="tx1"/>
-          </a:fontRef>
-        </p:style>
-      </p:cxnSp>
-    </p:spTree>
-  </p:cSld>
-  <p:clrMapOvr>
-    <a:masterClrMapping/>
-  </p:clrMapOvr>
-  <p:transition spd="slow" advTm="10000"/>
   <p:timing>
     <p:tnLst>
       <p:par>
@@ -26742,7 +30633,7 @@
             <p:ph idx="1"/>
             <p:extLst>
               <p:ext uri="{D42A27DB-BD31-4B8C-83A1-F6EECF244321}">
-                <p14:modId xmlns:p14="http://schemas.microsoft.com/office/powerpoint/2010/main" val="3161229493"/>
+                <p14:modId xmlns:p14="http://schemas.microsoft.com/office/powerpoint/2010/main" xmlns="" val="3161229493"/>
               </p:ext>
             </p:extLst>
           </p:nvPr>
@@ -27991,7 +31882,7 @@
           <a:blip r:embed="rId2" cstate="print">
             <a:extLst>
               <a:ext uri="{28A0092B-C50C-407E-A947-70E740481C1C}">
-                <a14:useLocalDpi xmlns:a14="http://schemas.microsoft.com/office/drawing/2010/main" val="0"/>
+                <a14:useLocalDpi xmlns:a14="http://schemas.microsoft.com/office/drawing/2010/main" xmlns="" val="0"/>
               </a:ext>
             </a:extLst>
           </a:blip>
@@ -28021,7 +31912,7 @@
           <a:blip r:embed="rId3" cstate="print">
             <a:extLst>
               <a:ext uri="{28A0092B-C50C-407E-A947-70E740481C1C}">
-                <a14:useLocalDpi xmlns:a14="http://schemas.microsoft.com/office/drawing/2010/main" val="0"/>
+                <a14:useLocalDpi xmlns:a14="http://schemas.microsoft.com/office/drawing/2010/main" xmlns="" val="0"/>
               </a:ext>
             </a:extLst>
           </a:blip>
@@ -28051,7 +31942,7 @@
           <a:blip r:embed="rId4" cstate="print">
             <a:extLst>
               <a:ext uri="{28A0092B-C50C-407E-A947-70E740481C1C}">
-                <a14:useLocalDpi xmlns:a14="http://schemas.microsoft.com/office/drawing/2010/main" val="0"/>
+                <a14:useLocalDpi xmlns:a14="http://schemas.microsoft.com/office/drawing/2010/main" xmlns="" val="0"/>
               </a:ext>
             </a:extLst>
           </a:blip>
@@ -28072,7 +31963,7 @@
     </p:spTree>
     <p:extLst>
       <p:ext uri="{BB962C8B-B14F-4D97-AF65-F5344CB8AC3E}">
-        <p14:creationId xmlns:p14="http://schemas.microsoft.com/office/powerpoint/2010/main" val="2868768242"/>
+        <p14:creationId xmlns:p14="http://schemas.microsoft.com/office/powerpoint/2010/main" xmlns="" val="2868768242"/>
       </p:ext>
     </p:extLst>
   </p:cSld>
@@ -29546,15 +33437,12 @@
 </file>
 
 <file path=customXml/item1.xml><?xml version="1.0" encoding="utf-8"?>
-<p:properties xmlns:p="http://schemas.microsoft.com/office/2006/metadata/properties" xmlns:xsi="http://www.w3.org/2001/XMLSchema-instance">
-  <documentManagement>
-    <_dlc_DocId xmlns="8cc9f148-63af-4ae4-b4c0-3a33ca8129b3">DOCID-7-65</_dlc_DocId>
-    <_dlc_DocIdUrl xmlns="8cc9f148-63af-4ae4-b4c0-3a33ca8129b3">
-      <Url>https://portal.opitz-consulting.de/_layouts/DocIdRedir.aspx?ID=DOCID-7-65</Url>
-      <Description>DOCID-7-65</Description>
-    </_dlc_DocIdUrl>
-  </documentManagement>
-</p:properties>
+<?mso-contentType ?>
+<FormTemplates xmlns="http://schemas.microsoft.com/sharepoint/v3/contenttype/forms">
+  <Display>DocumentLibraryForm</Display>
+  <Edit>DocumentLibraryForm</Edit>
+  <New>DocumentLibraryForm</New>
+</FormTemplates>
 </file>
 
 <file path=customXml/item2.xml><?xml version="1.0" encoding="utf-8"?>
@@ -29604,12 +33492,15 @@
 </file>
 
 <file path=customXml/item3.xml><?xml version="1.0" encoding="utf-8"?>
-<?mso-contentType ?>
-<FormTemplates xmlns="http://schemas.microsoft.com/sharepoint/v3/contenttype/forms">
-  <Display>DocumentLibraryForm</Display>
-  <Edit>DocumentLibraryForm</Edit>
-  <New>DocumentLibraryForm</New>
-</FormTemplates>
+<p:properties xmlns:p="http://schemas.microsoft.com/office/2006/metadata/properties" xmlns:xsi="http://www.w3.org/2001/XMLSchema-instance">
+  <documentManagement>
+    <_dlc_DocId xmlns="8cc9f148-63af-4ae4-b4c0-3a33ca8129b3">DOCID-7-65</_dlc_DocId>
+    <_dlc_DocIdUrl xmlns="8cc9f148-63af-4ae4-b4c0-3a33ca8129b3">
+      <Url>https://portal.opitz-consulting.de/_layouts/DocIdRedir.aspx?ID=DOCID-7-65</Url>
+      <Description>DOCID-7-65</Description>
+    </_dlc_DocIdUrl>
+  </documentManagement>
+</p:properties>
 </file>
 
 <file path=customXml/item4.xml><?xml version="1.0" encoding="utf-8"?>
@@ -29758,10 +33649,9 @@
 </file>
 
 <file path=customXml/itemProps1.xml><?xml version="1.0" encoding="utf-8"?>
-<ds:datastoreItem xmlns:ds="http://schemas.openxmlformats.org/officeDocument/2006/customXml" ds:itemID="{AF7E4967-43BC-4F71-AEEC-BDE09349FE60}">
+<ds:datastoreItem xmlns:ds="http://schemas.openxmlformats.org/officeDocument/2006/customXml" ds:itemID="{7E7A0F45-7BDE-4AA7-A1BB-E146938E8111}">
   <ds:schemaRefs>
-    <ds:schemaRef ds:uri="http://schemas.microsoft.com/office/2006/metadata/properties"/>
-    <ds:schemaRef ds:uri="8cc9f148-63af-4ae4-b4c0-3a33ca8129b3"/>
+    <ds:schemaRef ds:uri="http://schemas.microsoft.com/sharepoint/v3/contenttype/forms"/>
   </ds:schemaRefs>
 </ds:datastoreItem>
 </file>
@@ -29775,9 +33665,10 @@
 </file>
 
 <file path=customXml/itemProps3.xml><?xml version="1.0" encoding="utf-8"?>
-<ds:datastoreItem xmlns:ds="http://schemas.openxmlformats.org/officeDocument/2006/customXml" ds:itemID="{7E7A0F45-7BDE-4AA7-A1BB-E146938E8111}">
+<ds:datastoreItem xmlns:ds="http://schemas.openxmlformats.org/officeDocument/2006/customXml" ds:itemID="{AF7E4967-43BC-4F71-AEEC-BDE09349FE60}">
   <ds:schemaRefs>
-    <ds:schemaRef ds:uri="http://schemas.microsoft.com/sharepoint/v3/contenttype/forms"/>
+    <ds:schemaRef ds:uri="http://schemas.microsoft.com/office/2006/metadata/properties"/>
+    <ds:schemaRef ds:uri="8cc9f148-63af-4ae4-b4c0-3a33ca8129b3"/>
   </ds:schemaRefs>
 </ds:datastoreItem>
 </file>

--- a/grails-die-suche-ist-vorbei/grails-doagkonferenz-2011.pptx
+++ b/grails-die-suche-ist-vorbei/grails-doagkonferenz-2011.pptx
@@ -5,10 +5,10 @@
     <p:sldMasterId id="2147483697" r:id="rId5"/>
   </p:sldMasterIdLst>
   <p:notesMasterIdLst>
-    <p:notesMasterId r:id="rId40"/>
+    <p:notesMasterId r:id="rId41"/>
   </p:notesMasterIdLst>
   <p:handoutMasterIdLst>
-    <p:handoutMasterId r:id="rId41"/>
+    <p:handoutMasterId r:id="rId42"/>
   </p:handoutMasterIdLst>
   <p:sldIdLst>
     <p:sldId id="256" r:id="rId6"/>
@@ -18,8 +18,8 @@
     <p:sldId id="259" r:id="rId10"/>
     <p:sldId id="274" r:id="rId11"/>
     <p:sldId id="307" r:id="rId12"/>
-    <p:sldId id="308" r:id="rId13"/>
-    <p:sldId id="312" r:id="rId14"/>
+    <p:sldId id="312" r:id="rId13"/>
+    <p:sldId id="308" r:id="rId14"/>
     <p:sldId id="317" r:id="rId15"/>
     <p:sldId id="318" r:id="rId16"/>
     <p:sldId id="319" r:id="rId17"/>
@@ -33,18 +33,19 @@
     <p:sldId id="299" r:id="rId25"/>
     <p:sldId id="300" r:id="rId26"/>
     <p:sldId id="310" r:id="rId27"/>
-    <p:sldId id="304" r:id="rId28"/>
-    <p:sldId id="305" r:id="rId29"/>
-    <p:sldId id="303" r:id="rId30"/>
-    <p:sldId id="311" r:id="rId31"/>
-    <p:sldId id="321" r:id="rId32"/>
+    <p:sldId id="323" r:id="rId28"/>
+    <p:sldId id="304" r:id="rId29"/>
+    <p:sldId id="305" r:id="rId30"/>
+    <p:sldId id="303" r:id="rId31"/>
+    <p:sldId id="311" r:id="rId32"/>
     <p:sldId id="322" r:id="rId33"/>
-    <p:sldId id="309" r:id="rId34"/>
-    <p:sldId id="313" r:id="rId35"/>
-    <p:sldId id="266" r:id="rId36"/>
-    <p:sldId id="265" r:id="rId37"/>
-    <p:sldId id="262" r:id="rId38"/>
-    <p:sldId id="316" r:id="rId39"/>
+    <p:sldId id="321" r:id="rId34"/>
+    <p:sldId id="309" r:id="rId35"/>
+    <p:sldId id="313" r:id="rId36"/>
+    <p:sldId id="266" r:id="rId37"/>
+    <p:sldId id="265" r:id="rId38"/>
+    <p:sldId id="262" r:id="rId39"/>
+    <p:sldId id="316" r:id="rId40"/>
   </p:sldIdLst>
   <p:sldSz cx="9144000" cy="6858000" type="screen4x3"/>
   <p:notesSz cx="6858000" cy="9144000"/>
@@ -1316,21 +1317,21 @@
     </dgm:pt>
   </dgm:ptLst>
   <dgm:cxnLst>
+    <dgm:cxn modelId="{FA87375C-D0A7-4452-B481-67F727AAA2AA}" type="presOf" srcId="{F7671500-8297-4F3E-BDCE-879BE72411ED}" destId="{2BCBC29C-5067-4C24-BDB5-16718A53AE6A}" srcOrd="0" destOrd="0" presId="urn:microsoft.com/office/officeart/2005/8/layout/matrix1"/>
+    <dgm:cxn modelId="{1E87FFFD-6E68-4A9F-82A9-205D3F5EF0EF}" type="presOf" srcId="{50C3BD8F-FA35-49F1-A571-92963C2C793A}" destId="{2C465FEE-CF80-4909-804E-3204153E6FF1}" srcOrd="0" destOrd="0" presId="urn:microsoft.com/office/officeart/2005/8/layout/matrix1"/>
+    <dgm:cxn modelId="{3BC4F52A-0D84-4006-A828-69AD9FE7BBD7}" type="presOf" srcId="{7D353D93-D951-4728-A871-2B312A5FAE0D}" destId="{D19FF58C-E800-439B-B9A6-81525D5A3885}" srcOrd="1" destOrd="0" presId="urn:microsoft.com/office/officeart/2005/8/layout/matrix1"/>
+    <dgm:cxn modelId="{EF2ED0C1-7510-4117-A3B4-E1722361DB55}" type="presOf" srcId="{2CA44078-6723-471E-9EE8-E500D68F584B}" destId="{00F9D2A5-285E-4263-BDA4-C5ECC3BB5457}" srcOrd="0" destOrd="0" presId="urn:microsoft.com/office/officeart/2005/8/layout/matrix1"/>
+    <dgm:cxn modelId="{A4303F15-0D9A-4086-AE14-98BBB28075D6}" srcId="{322F7167-D7E5-435C-A8CC-52B42FC6266D}" destId="{50C3BD8F-FA35-49F1-A571-92963C2C793A}" srcOrd="0" destOrd="0" parTransId="{9BB94167-7A35-4231-AA02-49CB216E6D62}" sibTransId="{C472C849-4A5C-43BB-903D-5ED6B655CEEC}"/>
+    <dgm:cxn modelId="{796A0834-7EE0-4FCF-8BCA-2A3F4B0F8FBB}" srcId="{322F7167-D7E5-435C-A8CC-52B42FC6266D}" destId="{F7671500-8297-4F3E-BDCE-879BE72411ED}" srcOrd="2" destOrd="0" parTransId="{6A162757-755C-4BE7-A32E-0D79424AAB30}" sibTransId="{E5521926-4E6E-4688-9BFB-89AD5F90115B}"/>
+    <dgm:cxn modelId="{2F7114BA-DE38-44AF-B2B1-36241EBDACDE}" srcId="{322F7167-D7E5-435C-A8CC-52B42FC6266D}" destId="{7D353D93-D951-4728-A871-2B312A5FAE0D}" srcOrd="3" destOrd="0" parTransId="{E6C0A325-08B0-4A14-B39C-CBE8CF28F93A}" sibTransId="{701BD626-1384-439B-863C-EAB96A370847}"/>
+    <dgm:cxn modelId="{F4103C12-A425-44D8-866D-553E2C235872}" type="presOf" srcId="{F7671500-8297-4F3E-BDCE-879BE72411ED}" destId="{94717272-4243-488C-95AF-FD69DB98ADDE}" srcOrd="1" destOrd="0" presId="urn:microsoft.com/office/officeart/2005/8/layout/matrix1"/>
+    <dgm:cxn modelId="{6E08934A-26D5-4A10-9C2A-702221EB1C66}" type="presOf" srcId="{7D353D93-D951-4728-A871-2B312A5FAE0D}" destId="{F498BBB4-A080-4839-A4BC-B30620E40F49}" srcOrd="0" destOrd="0" presId="urn:microsoft.com/office/officeart/2005/8/layout/matrix1"/>
+    <dgm:cxn modelId="{797A5495-0C2E-4990-B05E-B75AD751CE1E}" type="presOf" srcId="{50C3BD8F-FA35-49F1-A571-92963C2C793A}" destId="{D057D4C4-7C7C-437F-9AA7-E77B3A3EC01F}" srcOrd="1" destOrd="0" presId="urn:microsoft.com/office/officeart/2005/8/layout/matrix1"/>
     <dgm:cxn modelId="{50E8153B-4E47-44FC-B6BE-4CD8520B6BC2}" srcId="{2CA44078-6723-471E-9EE8-E500D68F584B}" destId="{322F7167-D7E5-435C-A8CC-52B42FC6266D}" srcOrd="0" destOrd="0" parTransId="{4F1DB36A-DA11-4FC6-B205-425407F144A3}" sibTransId="{106FF330-C0D9-40BC-91A0-3C43A17B8498}"/>
-    <dgm:cxn modelId="{2F7114BA-DE38-44AF-B2B1-36241EBDACDE}" srcId="{322F7167-D7E5-435C-A8CC-52B42FC6266D}" destId="{7D353D93-D951-4728-A871-2B312A5FAE0D}" srcOrd="3" destOrd="0" parTransId="{E6C0A325-08B0-4A14-B39C-CBE8CF28F93A}" sibTransId="{701BD626-1384-439B-863C-EAB96A370847}"/>
-    <dgm:cxn modelId="{EF2ED0C1-7510-4117-A3B4-E1722361DB55}" type="presOf" srcId="{2CA44078-6723-471E-9EE8-E500D68F584B}" destId="{00F9D2A5-285E-4263-BDA4-C5ECC3BB5457}" srcOrd="0" destOrd="0" presId="urn:microsoft.com/office/officeart/2005/8/layout/matrix1"/>
+    <dgm:cxn modelId="{BB320B12-6487-4989-9CA8-ECD92005A8C1}" type="presOf" srcId="{3EA38FB7-077E-4699-860B-B7481A9FF50F}" destId="{707396D3-4F4C-4E1B-AE8E-A842EB5E2755}" srcOrd="1" destOrd="0" presId="urn:microsoft.com/office/officeart/2005/8/layout/matrix1"/>
     <dgm:cxn modelId="{E7A28185-E3B0-45A7-85E0-A10425BC2D41}" type="presOf" srcId="{3EA38FB7-077E-4699-860B-B7481A9FF50F}" destId="{C83AB4E9-A066-4C32-9B94-64C1161EA86D}" srcOrd="0" destOrd="0" presId="urn:microsoft.com/office/officeart/2005/8/layout/matrix1"/>
-    <dgm:cxn modelId="{797A5495-0C2E-4990-B05E-B75AD751CE1E}" type="presOf" srcId="{50C3BD8F-FA35-49F1-A571-92963C2C793A}" destId="{D057D4C4-7C7C-437F-9AA7-E77B3A3EC01F}" srcOrd="1" destOrd="0" presId="urn:microsoft.com/office/officeart/2005/8/layout/matrix1"/>
-    <dgm:cxn modelId="{F4103C12-A425-44D8-866D-553E2C235872}" type="presOf" srcId="{F7671500-8297-4F3E-BDCE-879BE72411ED}" destId="{94717272-4243-488C-95AF-FD69DB98ADDE}" srcOrd="1" destOrd="0" presId="urn:microsoft.com/office/officeart/2005/8/layout/matrix1"/>
+    <dgm:cxn modelId="{BDB2C959-37C7-4C56-8F10-702F4A7DD51B}" type="presOf" srcId="{322F7167-D7E5-435C-A8CC-52B42FC6266D}" destId="{D5EA20F8-272A-400E-B692-FE1C3CF6C51C}" srcOrd="0" destOrd="0" presId="urn:microsoft.com/office/officeart/2005/8/layout/matrix1"/>
     <dgm:cxn modelId="{BD74DB50-200D-4700-A3BD-7C0511274F22}" srcId="{322F7167-D7E5-435C-A8CC-52B42FC6266D}" destId="{3EA38FB7-077E-4699-860B-B7481A9FF50F}" srcOrd="1" destOrd="0" parTransId="{4DD7F543-659B-4F40-8415-BF27977ED8CD}" sibTransId="{68EF7038-8C23-4620-9AB0-30A383CCC59B}"/>
-    <dgm:cxn modelId="{BB320B12-6487-4989-9CA8-ECD92005A8C1}" type="presOf" srcId="{3EA38FB7-077E-4699-860B-B7481A9FF50F}" destId="{707396D3-4F4C-4E1B-AE8E-A842EB5E2755}" srcOrd="1" destOrd="0" presId="urn:microsoft.com/office/officeart/2005/8/layout/matrix1"/>
-    <dgm:cxn modelId="{1E87FFFD-6E68-4A9F-82A9-205D3F5EF0EF}" type="presOf" srcId="{50C3BD8F-FA35-49F1-A571-92963C2C793A}" destId="{2C465FEE-CF80-4909-804E-3204153E6FF1}" srcOrd="0" destOrd="0" presId="urn:microsoft.com/office/officeart/2005/8/layout/matrix1"/>
-    <dgm:cxn modelId="{A4303F15-0D9A-4086-AE14-98BBB28075D6}" srcId="{322F7167-D7E5-435C-A8CC-52B42FC6266D}" destId="{50C3BD8F-FA35-49F1-A571-92963C2C793A}" srcOrd="0" destOrd="0" parTransId="{9BB94167-7A35-4231-AA02-49CB216E6D62}" sibTransId="{C472C849-4A5C-43BB-903D-5ED6B655CEEC}"/>
-    <dgm:cxn modelId="{FA87375C-D0A7-4452-B481-67F727AAA2AA}" type="presOf" srcId="{F7671500-8297-4F3E-BDCE-879BE72411ED}" destId="{2BCBC29C-5067-4C24-BDB5-16718A53AE6A}" srcOrd="0" destOrd="0" presId="urn:microsoft.com/office/officeart/2005/8/layout/matrix1"/>
-    <dgm:cxn modelId="{BDB2C959-37C7-4C56-8F10-702F4A7DD51B}" type="presOf" srcId="{322F7167-D7E5-435C-A8CC-52B42FC6266D}" destId="{D5EA20F8-272A-400E-B692-FE1C3CF6C51C}" srcOrd="0" destOrd="0" presId="urn:microsoft.com/office/officeart/2005/8/layout/matrix1"/>
-    <dgm:cxn modelId="{6E08934A-26D5-4A10-9C2A-702221EB1C66}" type="presOf" srcId="{7D353D93-D951-4728-A871-2B312A5FAE0D}" destId="{F498BBB4-A080-4839-A4BC-B30620E40F49}" srcOrd="0" destOrd="0" presId="urn:microsoft.com/office/officeart/2005/8/layout/matrix1"/>
-    <dgm:cxn modelId="{3BC4F52A-0D84-4006-A828-69AD9FE7BBD7}" type="presOf" srcId="{7D353D93-D951-4728-A871-2B312A5FAE0D}" destId="{D19FF58C-E800-439B-B9A6-81525D5A3885}" srcOrd="1" destOrd="0" presId="urn:microsoft.com/office/officeart/2005/8/layout/matrix1"/>
-    <dgm:cxn modelId="{796A0834-7EE0-4FCF-8BCA-2A3F4B0F8FBB}" srcId="{322F7167-D7E5-435C-A8CC-52B42FC6266D}" destId="{F7671500-8297-4F3E-BDCE-879BE72411ED}" srcOrd="2" destOrd="0" parTransId="{6A162757-755C-4BE7-A32E-0D79424AAB30}" sibTransId="{E5521926-4E6E-4688-9BFB-89AD5F90115B}"/>
     <dgm:cxn modelId="{1767F454-5B5F-474C-BF93-C3BB5ECEBF28}" type="presParOf" srcId="{00F9D2A5-285E-4263-BDA4-C5ECC3BB5457}" destId="{B66C5C42-6939-480F-9798-40DDC3EDD9FB}" srcOrd="0" destOrd="0" presId="urn:microsoft.com/office/officeart/2005/8/layout/matrix1"/>
     <dgm:cxn modelId="{76204FB3-8E05-4F4F-B365-5B87C0DE2A86}" type="presParOf" srcId="{B66C5C42-6939-480F-9798-40DDC3EDD9FB}" destId="{2C465FEE-CF80-4909-804E-3204153E6FF1}" srcOrd="0" destOrd="0" presId="urn:microsoft.com/office/officeart/2005/8/layout/matrix1"/>
     <dgm:cxn modelId="{C1EDFD6D-B385-4009-A8E5-EC6C93564758}" type="presParOf" srcId="{B66C5C42-6939-480F-9798-40DDC3EDD9FB}" destId="{D057D4C4-7C7C-437F-9AA7-E77B3A3EC01F}" srcOrd="1" destOrd="0" presId="urn:microsoft.com/office/officeart/2005/8/layout/matrix1"/>
@@ -1346,14 +1347,14 @@
   <dgm:whole/>
   <dgm:extLst>
     <a:ext uri="http://schemas.microsoft.com/office/drawing/2008/diagram">
-      <dsp:dataModelExt xmlns:dsp="http://schemas.microsoft.com/office/drawing/2008/diagram" xmlns="" relId="rId6" minVer="http://schemas.openxmlformats.org/drawingml/2006/diagram"/>
+      <dsp:dataModelExt xmlns:dsp="http://schemas.microsoft.com/office/drawing/2008/diagram" relId="rId6" minVer="http://schemas.openxmlformats.org/drawingml/2006/diagram"/>
     </a:ext>
   </dgm:extLst>
 </dgm:dataModel>
 </file>
 
 <file path=ppt/diagrams/drawing1.xml><?xml version="1.0" encoding="utf-8"?>
-<dsp:drawing xmlns:dgm="http://schemas.openxmlformats.org/drawingml/2006/diagram" xmlns:a="http://schemas.openxmlformats.org/drawingml/2006/main" xmlns:dsp="http://schemas.microsoft.com/office/drawing/2008/diagram">
+<dsp:drawing xmlns:dgm="http://schemas.openxmlformats.org/drawingml/2006/diagram" xmlns:dsp="http://schemas.microsoft.com/office/drawing/2008/diagram" xmlns:a="http://schemas.openxmlformats.org/drawingml/2006/main">
   <dsp:spTree>
     <dsp:nvGrpSpPr>
       <dsp:cNvPr id="0" name=""/>
@@ -1437,9 +1438,9 @@
           </a:endParaRPr>
         </a:p>
       </dsp:txBody>
-      <dsp:txXfrm rot="16200000">
-        <a:off x="762000" y="-762000"/>
-        <a:ext cx="1524000" cy="3048000"/>
+      <dsp:txXfrm rot="5400000">
+        <a:off x="0" y="0"/>
+        <a:ext cx="3048000" cy="1524000"/>
       </dsp:txXfrm>
     </dsp:sp>
     <dsp:sp modelId="{C83AB4E9-A066-4C32-9B94-64C1161EA86D}">
@@ -1683,9 +1684,9 @@
           </a:endParaRPr>
         </a:p>
       </dsp:txBody>
-      <dsp:txXfrm rot="5400000">
-        <a:off x="3810000" y="1777999"/>
-        <a:ext cx="1524000" cy="3048000"/>
+      <dsp:txXfrm rot="-5400000">
+        <a:off x="3048000" y="2539999"/>
+        <a:ext cx="3048000" cy="1524000"/>
       </dsp:txXfrm>
     </dsp:sp>
     <dsp:sp modelId="{D5EA20F8-272A-400E-B692-FE1C3CF6C51C}">
@@ -1762,8 +1763,8 @@
         </a:p>
       </dsp:txBody>
       <dsp:txXfrm>
-        <a:off x="2133600" y="1523999"/>
-        <a:ext cx="1828800" cy="1016000"/>
+        <a:off x="2183197" y="1573596"/>
+        <a:ext cx="1729606" cy="916806"/>
       </dsp:txXfrm>
     </dsp:sp>
   </dsp:spTree>
@@ -3342,7 +3343,7 @@
     </p:spTree>
     <p:extLst>
       <p:ext uri="{BB962C8B-B14F-4D97-AF65-F5344CB8AC3E}">
-        <p14:creationId xmlns:p14="http://schemas.microsoft.com/office/powerpoint/2010/main" xmlns="" val="4179175705"/>
+        <p14:creationId xmlns:p14="http://schemas.microsoft.com/office/powerpoint/2010/main" val="4179175705"/>
       </p:ext>
     </p:extLst>
   </p:cSld>
@@ -3606,7 +3607,7 @@
     </p:spTree>
     <p:extLst>
       <p:ext uri="{BB962C8B-B14F-4D97-AF65-F5344CB8AC3E}">
-        <p14:creationId xmlns:p14="http://schemas.microsoft.com/office/powerpoint/2010/main" xmlns="" val="1834322205"/>
+        <p14:creationId xmlns:p14="http://schemas.microsoft.com/office/powerpoint/2010/main" val="1834322205"/>
       </p:ext>
     </p:extLst>
   </p:cSld>
@@ -3781,7 +3782,7 @@
     </p:spTree>
     <p:extLst>
       <p:ext uri="{BB962C8B-B14F-4D97-AF65-F5344CB8AC3E}">
-        <p14:creationId xmlns:p14="http://schemas.microsoft.com/office/powerpoint/2010/main" xmlns="" val="824769565"/>
+        <p14:creationId xmlns:p14="http://schemas.microsoft.com/office/powerpoint/2010/main" val="824769565"/>
       </p:ext>
     </p:extLst>
   </p:cSld>
@@ -4130,7 +4131,7 @@
             <a:fld id="{133286C6-4904-4CD0-891D-2F37ADC6A93C}" type="slidenum">
               <a:rPr lang="de-DE" smtClean="0"/>
               <a:pPr/>
-              <a:t>9</a:t>
+              <a:t>8</a:t>
             </a:fld>
             <a:endParaRPr lang="de-DE"/>
           </a:p>
@@ -4294,7 +4295,7 @@
             <a:fld id="{133286C6-4904-4CD0-891D-2F37ADC6A93C}" type="slidenum">
               <a:rPr lang="de-DE" smtClean="0"/>
               <a:pPr/>
-              <a:t>31</a:t>
+              <a:t>32</a:t>
             </a:fld>
             <a:endParaRPr lang="de-DE"/>
           </a:p>
@@ -4376,7 +4377,7 @@
             <a:fld id="{133286C6-4904-4CD0-891D-2F37ADC6A93C}" type="slidenum">
               <a:rPr lang="de-DE" smtClean="0"/>
               <a:pPr/>
-              <a:t>34</a:t>
+              <a:t>35</a:t>
             </a:fld>
             <a:endParaRPr lang="de-DE"/>
           </a:p>
@@ -14001,7 +14002,7 @@
     </p:spTree>
     <p:extLst>
       <p:ext uri="{BB962C8B-B14F-4D97-AF65-F5344CB8AC3E}">
-        <p14:creationId xmlns:p14="http://schemas.microsoft.com/office/powerpoint/2010/main" xmlns="" val="3634760287"/>
+        <p14:creationId xmlns:p14="http://schemas.microsoft.com/office/powerpoint/2010/main" val="3634760287"/>
       </p:ext>
     </p:extLst>
   </p:cSld>
@@ -19530,22 +19531,38 @@
                 <a:latin typeface="Consolas" pitchFamily="49" charset="0"/>
                 <a:cs typeface="Consolas" pitchFamily="49" charset="0"/>
               </a:rPr>
-              <a:t> </a:t>
-            </a:r>
+              <a:t> Person(</a:t>
+            </a:r>
+          </a:p>
+          <a:p>
             <a:r>
               <a:rPr lang="de-DE" dirty="0" smtClean="0">
                 <a:latin typeface="Consolas" pitchFamily="49" charset="0"/>
                 <a:cs typeface="Consolas" pitchFamily="49" charset="0"/>
               </a:rPr>
-              <a:t>Person(</a:t>
-            </a:r>
-          </a:p>
-          <a:p>
+              <a:t>        </a:t>
+            </a:r>
+            <a:r>
+              <a:rPr lang="de-DE" dirty="0" err="1" smtClean="0">
+                <a:latin typeface="Consolas" pitchFamily="49" charset="0"/>
+                <a:cs typeface="Consolas" pitchFamily="49" charset="0"/>
+              </a:rPr>
+              <a:t>id</a:t>
+            </a:r>
             <a:r>
               <a:rPr lang="de-DE" dirty="0" smtClean="0">
                 <a:latin typeface="Consolas" pitchFamily="49" charset="0"/>
                 <a:cs typeface="Consolas" pitchFamily="49" charset="0"/>
               </a:rPr>
+              <a:t>: 1,</a:t>
+            </a:r>
+          </a:p>
+          <a:p>
+            <a:r>
+              <a:rPr lang="de-DE" dirty="0" smtClean="0">
+                <a:latin typeface="Consolas" pitchFamily="49" charset="0"/>
+                <a:cs typeface="Consolas" pitchFamily="49" charset="0"/>
+              </a:rPr>
               <a:t>        </a:t>
             </a:r>
             <a:r>
@@ -19553,109 +19570,47 @@
                 <a:latin typeface="Consolas" pitchFamily="49" charset="0"/>
                 <a:cs typeface="Consolas" pitchFamily="49" charset="0"/>
               </a:rPr>
-              <a:t>id</a:t>
+              <a:t>firstName</a:t>
             </a:r>
             <a:r>
               <a:rPr lang="de-DE" dirty="0" smtClean="0">
                 <a:latin typeface="Consolas" pitchFamily="49" charset="0"/>
                 <a:cs typeface="Consolas" pitchFamily="49" charset="0"/>
               </a:rPr>
-              <a:t>: </a:t>
-            </a:r>
+              <a:t>: 'Fred',</a:t>
+            </a:r>
+          </a:p>
+          <a:p>
             <a:r>
               <a:rPr lang="de-DE" dirty="0" smtClean="0">
                 <a:latin typeface="Consolas" pitchFamily="49" charset="0"/>
                 <a:cs typeface="Consolas" pitchFamily="49" charset="0"/>
               </a:rPr>
-              <a:t>1,</a:t>
-            </a:r>
-          </a:p>
-          <a:p>
+              <a:t>        </a:t>
+            </a:r>
+            <a:r>
+              <a:rPr lang="de-DE" dirty="0" err="1" smtClean="0">
+                <a:latin typeface="Consolas" pitchFamily="49" charset="0"/>
+                <a:cs typeface="Consolas" pitchFamily="49" charset="0"/>
+              </a:rPr>
+              <a:t>lastName</a:t>
+            </a:r>
             <a:r>
               <a:rPr lang="de-DE" dirty="0" smtClean="0">
                 <a:latin typeface="Consolas" pitchFamily="49" charset="0"/>
                 <a:cs typeface="Consolas" pitchFamily="49" charset="0"/>
               </a:rPr>
-              <a:t> </a:t>
-            </a:r>
+              <a:t>: 'Feuerstein'</a:t>
+            </a:r>
+          </a:p>
+          <a:p>
             <a:r>
               <a:rPr lang="de-DE" dirty="0" smtClean="0">
                 <a:latin typeface="Consolas" pitchFamily="49" charset="0"/>
                 <a:cs typeface="Consolas" pitchFamily="49" charset="0"/>
               </a:rPr>
-              <a:t>       </a:t>
-            </a:r>
-            <a:r>
-              <a:rPr lang="de-DE" dirty="0" err="1" smtClean="0">
-                <a:latin typeface="Consolas" pitchFamily="49" charset="0"/>
-                <a:cs typeface="Consolas" pitchFamily="49" charset="0"/>
-              </a:rPr>
-              <a:t>firstName</a:t>
-            </a:r>
-            <a:r>
-              <a:rPr lang="de-DE" dirty="0" smtClean="0">
-                <a:latin typeface="Consolas" pitchFamily="49" charset="0"/>
-                <a:cs typeface="Consolas" pitchFamily="49" charset="0"/>
-              </a:rPr>
-              <a:t>: </a:t>
-            </a:r>
-            <a:r>
-              <a:rPr lang="de-DE" dirty="0" smtClean="0">
-                <a:latin typeface="Consolas" pitchFamily="49" charset="0"/>
-                <a:cs typeface="Consolas" pitchFamily="49" charset="0"/>
-              </a:rPr>
-              <a:t>'Fred',</a:t>
-            </a:r>
-          </a:p>
-          <a:p>
-            <a:r>
-              <a:rPr lang="de-DE" dirty="0" smtClean="0">
-                <a:latin typeface="Consolas" pitchFamily="49" charset="0"/>
-                <a:cs typeface="Consolas" pitchFamily="49" charset="0"/>
-              </a:rPr>
-              <a:t> </a:t>
-            </a:r>
-            <a:r>
-              <a:rPr lang="de-DE" dirty="0" smtClean="0">
-                <a:latin typeface="Consolas" pitchFamily="49" charset="0"/>
-                <a:cs typeface="Consolas" pitchFamily="49" charset="0"/>
-              </a:rPr>
-              <a:t>       </a:t>
-            </a:r>
-            <a:r>
-              <a:rPr lang="de-DE" dirty="0" err="1" smtClean="0">
-                <a:latin typeface="Consolas" pitchFamily="49" charset="0"/>
-                <a:cs typeface="Consolas" pitchFamily="49" charset="0"/>
-              </a:rPr>
-              <a:t>lastName</a:t>
-            </a:r>
-            <a:r>
-              <a:rPr lang="de-DE" dirty="0" smtClean="0">
-                <a:latin typeface="Consolas" pitchFamily="49" charset="0"/>
-                <a:cs typeface="Consolas" pitchFamily="49" charset="0"/>
-              </a:rPr>
-              <a:t>: </a:t>
-            </a:r>
-            <a:r>
-              <a:rPr lang="de-DE" dirty="0" smtClean="0">
-                <a:latin typeface="Consolas" pitchFamily="49" charset="0"/>
-                <a:cs typeface="Consolas" pitchFamily="49" charset="0"/>
-              </a:rPr>
-              <a:t>'Feuerstein'</a:t>
-            </a:r>
-          </a:p>
-          <a:p>
-            <a:r>
-              <a:rPr lang="de-DE" dirty="0" smtClean="0">
-                <a:latin typeface="Consolas" pitchFamily="49" charset="0"/>
-                <a:cs typeface="Consolas" pitchFamily="49" charset="0"/>
-              </a:rPr>
               <a:t>)</a:t>
             </a:r>
-            <a:endParaRPr lang="de-DE" dirty="0" smtClean="0">
-              <a:latin typeface="Consolas" pitchFamily="49" charset="0"/>
-              <a:cs typeface="Consolas" pitchFamily="49" charset="0"/>
-            </a:endParaRPr>
           </a:p>
           <a:p>
             <a:endParaRPr lang="de-DE" dirty="0" smtClean="0">
@@ -20718,56 +20673,51 @@
                 <a:latin typeface="Consolas" pitchFamily="49" charset="0"/>
                 <a:cs typeface="Consolas" pitchFamily="49" charset="0"/>
               </a:rPr>
-              <a:t> </a:t>
+              <a:t> ['Fred', 'Wilma'] == </a:t>
+            </a:r>
+            <a:r>
+              <a:rPr lang="de-DE" sz="1600" dirty="0" err="1" smtClean="0">
+                <a:latin typeface="Consolas" pitchFamily="49" charset="0"/>
+                <a:cs typeface="Consolas" pitchFamily="49" charset="0"/>
+              </a:rPr>
+              <a:t>people.findAll</a:t>
             </a:r>
             <a:r>
               <a:rPr lang="de-DE" sz="1600" dirty="0" smtClean="0">
                 <a:latin typeface="Consolas" pitchFamily="49" charset="0"/>
                 <a:cs typeface="Consolas" pitchFamily="49" charset="0"/>
               </a:rPr>
-              <a:t>['Fred', 'Wilma'] == </a:t>
+              <a:t>{</a:t>
             </a:r>
             <a:r>
               <a:rPr lang="de-DE" sz="1600" dirty="0" err="1" smtClean="0">
                 <a:latin typeface="Consolas" pitchFamily="49" charset="0"/>
                 <a:cs typeface="Consolas" pitchFamily="49" charset="0"/>
               </a:rPr>
-              <a:t>people.findAll</a:t>
+              <a:t>it.lastName</a:t>
             </a:r>
             <a:r>
               <a:rPr lang="de-DE" sz="1600" dirty="0" smtClean="0">
                 <a:latin typeface="Consolas" pitchFamily="49" charset="0"/>
                 <a:cs typeface="Consolas" pitchFamily="49" charset="0"/>
               </a:rPr>
-              <a:t>{</a:t>
-            </a:r>
-            <a:r>
-              <a:rPr lang="de-DE" sz="1600" dirty="0" err="1" smtClean="0">
-                <a:latin typeface="Consolas" pitchFamily="49" charset="0"/>
-                <a:cs typeface="Consolas" pitchFamily="49" charset="0"/>
-              </a:rPr>
-              <a:t>it.lastName</a:t>
+              <a:t> == </a:t>
             </a:r>
             <a:r>
               <a:rPr lang="de-DE" sz="1600" dirty="0" smtClean="0">
                 <a:latin typeface="Consolas" pitchFamily="49" charset="0"/>
                 <a:cs typeface="Consolas" pitchFamily="49" charset="0"/>
               </a:rPr>
-              <a:t> </a:t>
-            </a:r>
+              <a:t>  </a:t>
+            </a:r>
+          </a:p>
+          <a:p>
             <a:r>
               <a:rPr lang="de-DE" sz="1600" dirty="0" smtClean="0">
                 <a:latin typeface="Consolas" pitchFamily="49" charset="0"/>
                 <a:cs typeface="Consolas" pitchFamily="49" charset="0"/>
               </a:rPr>
-              <a:t>== </a:t>
-            </a:r>
-            <a:r>
-              <a:rPr lang="de-DE" sz="1600" dirty="0" smtClean="0">
-                <a:latin typeface="Consolas" pitchFamily="49" charset="0"/>
-                <a:cs typeface="Consolas" pitchFamily="49" charset="0"/>
-              </a:rPr>
-              <a:t>'Feuerstein'}*.</a:t>
+              <a:t>        'Feuerstein'}.</a:t>
             </a:r>
             <a:r>
               <a:rPr lang="de-DE" sz="1600" dirty="0" err="1" smtClean="0">
@@ -20794,6 +20744,101 @@
                 <a:latin typeface="Consolas" pitchFamily="49" charset="0"/>
                 <a:cs typeface="Consolas" pitchFamily="49" charset="0"/>
               </a:rPr>
+              <a:t> ['Feuerstein':2, 'Geröllheimer':3] == </a:t>
+            </a:r>
+            <a:r>
+              <a:rPr lang="de-DE" sz="1600" dirty="0" err="1" smtClean="0">
+                <a:latin typeface="Consolas" pitchFamily="49" charset="0"/>
+                <a:cs typeface="Consolas" pitchFamily="49" charset="0"/>
+              </a:rPr>
+              <a:t>people.countBy</a:t>
+            </a:r>
+            <a:r>
+              <a:rPr lang="de-DE" sz="1600" dirty="0" smtClean="0">
+                <a:latin typeface="Consolas" pitchFamily="49" charset="0"/>
+                <a:cs typeface="Consolas" pitchFamily="49" charset="0"/>
+              </a:rPr>
+              <a:t>{</a:t>
+            </a:r>
+            <a:r>
+              <a:rPr lang="de-DE" sz="1600" dirty="0" err="1" smtClean="0">
+                <a:latin typeface="Consolas" pitchFamily="49" charset="0"/>
+                <a:cs typeface="Consolas" pitchFamily="49" charset="0"/>
+              </a:rPr>
+              <a:t>it.lastName</a:t>
+            </a:r>
+            <a:r>
+              <a:rPr lang="de-DE" sz="1600" dirty="0" smtClean="0">
+                <a:latin typeface="Consolas" pitchFamily="49" charset="0"/>
+                <a:cs typeface="Consolas" pitchFamily="49" charset="0"/>
+              </a:rPr>
+              <a:t>}</a:t>
+            </a:r>
+          </a:p>
+          <a:p>
+            <a:r>
+              <a:rPr lang="de-DE" sz="1600" dirty="0" err="1" smtClean="0">
+                <a:latin typeface="Consolas" pitchFamily="49" charset="0"/>
+                <a:cs typeface="Consolas" pitchFamily="49" charset="0"/>
+              </a:rPr>
+              <a:t>people.findAll</a:t>
+            </a:r>
+            <a:r>
+              <a:rPr lang="de-DE" sz="1600" dirty="0" smtClean="0">
+                <a:latin typeface="Consolas" pitchFamily="49" charset="0"/>
+                <a:cs typeface="Consolas" pitchFamily="49" charset="0"/>
+              </a:rPr>
+              <a:t>{</a:t>
+            </a:r>
+            <a:r>
+              <a:rPr lang="de-DE" sz="1600" dirty="0" err="1" smtClean="0">
+                <a:latin typeface="Consolas" pitchFamily="49" charset="0"/>
+                <a:cs typeface="Consolas" pitchFamily="49" charset="0"/>
+              </a:rPr>
+              <a:t>it.lastName</a:t>
+            </a:r>
+            <a:r>
+              <a:rPr lang="de-DE" sz="1600" dirty="0" smtClean="0">
+                <a:latin typeface="Consolas" pitchFamily="49" charset="0"/>
+                <a:cs typeface="Consolas" pitchFamily="49" charset="0"/>
+              </a:rPr>
+              <a:t> == '</a:t>
+            </a:r>
+            <a:r>
+              <a:rPr lang="de-DE" sz="1600" dirty="0" err="1" smtClean="0">
+                <a:latin typeface="Consolas" pitchFamily="49" charset="0"/>
+                <a:cs typeface="Consolas" pitchFamily="49" charset="0"/>
+              </a:rPr>
+              <a:t>Geröllheimer</a:t>
+            </a:r>
+            <a:r>
+              <a:rPr lang="de-DE" sz="1600" dirty="0" smtClean="0">
+                <a:latin typeface="Consolas" pitchFamily="49" charset="0"/>
+                <a:cs typeface="Consolas" pitchFamily="49" charset="0"/>
+              </a:rPr>
+              <a:t>'}.</a:t>
+            </a:r>
+            <a:r>
+              <a:rPr lang="de-DE" sz="1600" dirty="0" err="1" smtClean="0">
+                <a:latin typeface="Consolas" pitchFamily="49" charset="0"/>
+                <a:cs typeface="Consolas" pitchFamily="49" charset="0"/>
+              </a:rPr>
+              <a:t>each</a:t>
+            </a:r>
+            <a:r>
+              <a:rPr lang="de-DE" sz="1600" dirty="0" smtClean="0">
+                <a:latin typeface="Consolas" pitchFamily="49" charset="0"/>
+                <a:cs typeface="Consolas" pitchFamily="49" charset="0"/>
+              </a:rPr>
+              <a:t>{</a:t>
+            </a:r>
+          </a:p>
+          <a:p>
+            <a:r>
+              <a:rPr lang="de-DE" sz="1600" dirty="0">
+                <a:latin typeface="Consolas" pitchFamily="49" charset="0"/>
+                <a:cs typeface="Consolas" pitchFamily="49" charset="0"/>
+              </a:rPr>
               <a:t> </a:t>
             </a:r>
             <a:r>
@@ -20801,153 +20846,42 @@
                 <a:latin typeface="Consolas" pitchFamily="49" charset="0"/>
                 <a:cs typeface="Consolas" pitchFamily="49" charset="0"/>
               </a:rPr>
-              <a:t>['Feuerstein':2, 'Geröllheimer':3] == </a:t>
+              <a:t>       </a:t>
             </a:r>
             <a:r>
               <a:rPr lang="de-DE" sz="1600" dirty="0" err="1" smtClean="0">
                 <a:latin typeface="Consolas" pitchFamily="49" charset="0"/>
                 <a:cs typeface="Consolas" pitchFamily="49" charset="0"/>
               </a:rPr>
-              <a:t>people.countBy</a:t>
+              <a:t>println</a:t>
             </a:r>
             <a:r>
               <a:rPr lang="de-DE" sz="1600" dirty="0" smtClean="0">
                 <a:latin typeface="Consolas" pitchFamily="49" charset="0"/>
                 <a:cs typeface="Consolas" pitchFamily="49" charset="0"/>
               </a:rPr>
-              <a:t>{</a:t>
+              <a:t> </a:t>
+            </a:r>
+            <a:r>
+              <a:rPr lang="de-DE" sz="1600" dirty="0" smtClean="0">
+                <a:latin typeface="Consolas" pitchFamily="49" charset="0"/>
+                <a:cs typeface="Consolas" pitchFamily="49" charset="0"/>
+              </a:rPr>
+              <a:t>"</a:t>
             </a:r>
             <a:r>
               <a:rPr lang="de-DE" sz="1600" dirty="0" err="1" smtClean="0">
                 <a:latin typeface="Consolas" pitchFamily="49" charset="0"/>
                 <a:cs typeface="Consolas" pitchFamily="49" charset="0"/>
               </a:rPr>
-              <a:t>it.lastName</a:t>
+              <a:t>Hello</a:t>
             </a:r>
             <a:r>
               <a:rPr lang="de-DE" sz="1600" dirty="0" smtClean="0">
                 <a:latin typeface="Consolas" pitchFamily="49" charset="0"/>
                 <a:cs typeface="Consolas" pitchFamily="49" charset="0"/>
               </a:rPr>
-              <a:t>}</a:t>
-            </a:r>
-            <a:endParaRPr lang="de-DE" sz="1600" dirty="0" smtClean="0">
-              <a:latin typeface="Consolas" pitchFamily="49" charset="0"/>
-              <a:cs typeface="Consolas" pitchFamily="49" charset="0"/>
-            </a:endParaRPr>
-          </a:p>
-          <a:p>
-            <a:r>
-              <a:rPr lang="de-DE" sz="1600" dirty="0" err="1" smtClean="0">
-                <a:latin typeface="Consolas" pitchFamily="49" charset="0"/>
-                <a:cs typeface="Consolas" pitchFamily="49" charset="0"/>
-              </a:rPr>
-              <a:t>people.findAll</a:t>
-            </a:r>
-            <a:r>
-              <a:rPr lang="de-DE" sz="1600" dirty="0" smtClean="0">
-                <a:latin typeface="Consolas" pitchFamily="49" charset="0"/>
-                <a:cs typeface="Consolas" pitchFamily="49" charset="0"/>
-              </a:rPr>
-              <a:t>{</a:t>
-            </a:r>
-            <a:r>
-              <a:rPr lang="de-DE" sz="1600" dirty="0" err="1" smtClean="0">
-                <a:latin typeface="Consolas" pitchFamily="49" charset="0"/>
-                <a:cs typeface="Consolas" pitchFamily="49" charset="0"/>
-              </a:rPr>
-              <a:t>it.lastName</a:t>
-            </a:r>
-            <a:r>
-              <a:rPr lang="de-DE" sz="1600" dirty="0" smtClean="0">
-                <a:latin typeface="Consolas" pitchFamily="49" charset="0"/>
-                <a:cs typeface="Consolas" pitchFamily="49" charset="0"/>
-              </a:rPr>
-              <a:t> </a:t>
-            </a:r>
-            <a:r>
-              <a:rPr lang="de-DE" sz="1600" dirty="0" smtClean="0">
-                <a:latin typeface="Consolas" pitchFamily="49" charset="0"/>
-                <a:cs typeface="Consolas" pitchFamily="49" charset="0"/>
-              </a:rPr>
-              <a:t>== </a:t>
-            </a:r>
-            <a:r>
-              <a:rPr lang="de-DE" sz="1600" dirty="0" smtClean="0">
-                <a:latin typeface="Consolas" pitchFamily="49" charset="0"/>
-                <a:cs typeface="Consolas" pitchFamily="49" charset="0"/>
-              </a:rPr>
-              <a:t>'</a:t>
-            </a:r>
-            <a:r>
-              <a:rPr lang="de-DE" sz="1600" dirty="0" err="1" smtClean="0">
-                <a:latin typeface="Consolas" pitchFamily="49" charset="0"/>
-                <a:cs typeface="Consolas" pitchFamily="49" charset="0"/>
-              </a:rPr>
-              <a:t>Geröllheimer</a:t>
-            </a:r>
-            <a:r>
-              <a:rPr lang="de-DE" sz="1600" dirty="0" smtClean="0">
-                <a:latin typeface="Consolas" pitchFamily="49" charset="0"/>
-                <a:cs typeface="Consolas" pitchFamily="49" charset="0"/>
-              </a:rPr>
-              <a:t>'}.</a:t>
-            </a:r>
-            <a:r>
-              <a:rPr lang="de-DE" sz="1600" dirty="0" err="1" smtClean="0">
-                <a:latin typeface="Consolas" pitchFamily="49" charset="0"/>
-                <a:cs typeface="Consolas" pitchFamily="49" charset="0"/>
-              </a:rPr>
-              <a:t>each</a:t>
-            </a:r>
-            <a:r>
-              <a:rPr lang="de-DE" sz="1600" dirty="0" smtClean="0">
-                <a:latin typeface="Consolas" pitchFamily="49" charset="0"/>
-                <a:cs typeface="Consolas" pitchFamily="49" charset="0"/>
-              </a:rPr>
-              <a:t>{</a:t>
-            </a:r>
-            <a:r>
-              <a:rPr lang="de-DE" sz="1600" dirty="0" err="1" smtClean="0">
-                <a:latin typeface="Consolas" pitchFamily="49" charset="0"/>
-                <a:cs typeface="Consolas" pitchFamily="49" charset="0"/>
-              </a:rPr>
-              <a:t>println</a:t>
-            </a:r>
-            <a:r>
-              <a:rPr lang="de-DE" sz="1600" dirty="0" smtClean="0">
-                <a:latin typeface="Consolas" pitchFamily="49" charset="0"/>
-                <a:cs typeface="Consolas" pitchFamily="49" charset="0"/>
-              </a:rPr>
-              <a:t> </a:t>
-            </a:r>
-            <a:r>
-              <a:rPr lang="de-DE" sz="1600" dirty="0" smtClean="0">
-                <a:latin typeface="Consolas" pitchFamily="49" charset="0"/>
-                <a:cs typeface="Consolas" pitchFamily="49" charset="0"/>
-              </a:rPr>
-              <a:t>"</a:t>
-            </a:r>
-            <a:r>
-              <a:rPr lang="de-DE" sz="1600" dirty="0" err="1" smtClean="0">
-                <a:latin typeface="Consolas" pitchFamily="49" charset="0"/>
-                <a:cs typeface="Consolas" pitchFamily="49" charset="0"/>
-              </a:rPr>
-              <a:t>Hello</a:t>
-            </a:r>
-            <a:r>
-              <a:rPr lang="de-DE" sz="1600" dirty="0" smtClean="0">
-                <a:latin typeface="Consolas" pitchFamily="49" charset="0"/>
-                <a:cs typeface="Consolas" pitchFamily="49" charset="0"/>
-              </a:rPr>
-              <a:t> </a:t>
-            </a:r>
-            <a:r>
-              <a:rPr lang="de-DE" sz="1600" dirty="0" smtClean="0">
-                <a:latin typeface="Consolas" pitchFamily="49" charset="0"/>
-                <a:cs typeface="Consolas" pitchFamily="49" charset="0"/>
-              </a:rPr>
-              <a:t>$</a:t>
+              <a:t> $</a:t>
             </a:r>
             <a:r>
               <a:rPr lang="de-DE" sz="1600" dirty="0" err="1" smtClean="0">
@@ -21035,7 +20969,7 @@
         <p:spPr>
           <a:xfrm>
             <a:off x="395537" y="2233895"/>
-            <a:ext cx="8352928" cy="3139321"/>
+            <a:ext cx="8352928" cy="2585323"/>
           </a:xfrm>
           <a:prstGeom prst="rect">
             <a:avLst/>
@@ -21124,7 +21058,14 @@
                 <a:latin typeface="Consolas" pitchFamily="49" charset="0"/>
                 <a:cs typeface="Consolas" pitchFamily="49" charset="0"/>
               </a:rPr>
-              <a:t> = """</a:t>
+              <a:t> </a:t>
+            </a:r>
+            <a:r>
+              <a:rPr lang="de-DE" dirty="0" smtClean="0">
+                <a:latin typeface="Consolas" pitchFamily="49" charset="0"/>
+                <a:cs typeface="Consolas" pitchFamily="49" charset="0"/>
+              </a:rPr>
+              <a:t>= """</a:t>
             </a:r>
             <a:r>
               <a:rPr lang="de-DE" dirty="0" err="1" smtClean="0">
@@ -21178,27 +21119,25 @@
           </a:p>
           <a:p>
             <a:r>
+              <a:rPr lang="de-DE" dirty="0" err="1" smtClean="0">
+                <a:latin typeface="Consolas" pitchFamily="49" charset="0"/>
+                <a:cs typeface="Consolas" pitchFamily="49" charset="0"/>
+              </a:rPr>
+              <a:t>file.eachLine</a:t>
+            </a:r>
+            <a:r>
               <a:rPr lang="de-DE" dirty="0" smtClean="0">
                 <a:latin typeface="Consolas" pitchFamily="49" charset="0"/>
                 <a:cs typeface="Consolas" pitchFamily="49" charset="0"/>
               </a:rPr>
-              <a:t>// Zeilenweise auslesen</a:t>
-            </a:r>
-          </a:p>
-          <a:p>
-            <a:r>
-              <a:rPr lang="de-DE" dirty="0" err="1" smtClean="0">
-                <a:latin typeface="Consolas" pitchFamily="49" charset="0"/>
-                <a:cs typeface="Consolas" pitchFamily="49" charset="0"/>
-              </a:rPr>
-              <a:t>file.eachLine</a:t>
+              <a:t> </a:t>
             </a:r>
             <a:r>
               <a:rPr lang="de-DE" dirty="0" smtClean="0">
                 <a:latin typeface="Consolas" pitchFamily="49" charset="0"/>
                 <a:cs typeface="Consolas" pitchFamily="49" charset="0"/>
               </a:rPr>
-              <a:t> { </a:t>
+              <a:t>{ </a:t>
             </a:r>
             <a:r>
               <a:rPr lang="de-DE" dirty="0" err="1" smtClean="0">
@@ -21248,15 +21187,6 @@
               <a:latin typeface="Consolas" pitchFamily="49" charset="0"/>
               <a:cs typeface="Consolas" pitchFamily="49" charset="0"/>
             </a:endParaRPr>
-          </a:p>
-          <a:p>
-            <a:r>
-              <a:rPr lang="de-DE" dirty="0" smtClean="0">
-                <a:latin typeface="Consolas" pitchFamily="49" charset="0"/>
-                <a:cs typeface="Consolas" pitchFamily="49" charset="0"/>
-              </a:rPr>
-              <a:t>// Inhalt ausgeben</a:t>
-            </a:r>
           </a:p>
           <a:p>
             <a:r>
@@ -22753,6 +22683,49 @@
           <a:noFill/>
         </p:spPr>
       </p:pic>
+      <p:sp>
+        <p:nvSpPr>
+          <p:cNvPr id="11" name="Textfeld 10"/>
+          <p:cNvSpPr txBox="1"/>
+          <p:nvPr/>
+        </p:nvSpPr>
+        <p:spPr>
+          <a:xfrm>
+            <a:off x="1314706" y="5589240"/>
+            <a:ext cx="2250808" cy="584775"/>
+          </a:xfrm>
+          <a:prstGeom prst="rect">
+            <a:avLst/>
+          </a:prstGeom>
+          <a:noFill/>
+        </p:spPr>
+        <p:txBody>
+          <a:bodyPr wrap="none" rtlCol="0">
+            <a:spAutoFit/>
+          </a:bodyPr>
+          <a:lstStyle/>
+          <a:p>
+            <a:pPr algn="ctr"/>
+            <a:r>
+              <a:rPr lang="de-DE" sz="1600" dirty="0" smtClean="0">
+                <a:hlinkClick r:id="rId7"/>
+              </a:rPr>
+              <a:t>twitter.com/fred4jupiter</a:t>
+            </a:r>
+            <a:endParaRPr lang="de-DE" sz="1600" dirty="0" smtClean="0"/>
+          </a:p>
+          <a:p>
+            <a:pPr algn="ctr"/>
+            <a:r>
+              <a:rPr lang="de-DE" sz="1600" dirty="0" smtClean="0">
+                <a:hlinkClick r:id="rId8"/>
+              </a:rPr>
+              <a:t>github.com/fred4jupiter</a:t>
+            </a:r>
+            <a:endParaRPr lang="de-DE" sz="1600" dirty="0" smtClean="0"/>
+          </a:p>
+        </p:txBody>
+      </p:sp>
     </p:spTree>
   </p:cSld>
   <p:clrMapOvr>
@@ -24692,7 +24665,11 @@
           </a:p>
           <a:p>
             <a:r>
-              <a:rPr lang="de-DE" dirty="0" smtClean="0"/>
+              <a:rPr lang="de-DE" dirty="0" smtClean="0">
+                <a:solidFill>
+                  <a:schemeClr val="accent6"/>
+                </a:solidFill>
+              </a:rPr>
               <a:t>Dynamische Finder-Methoden</a:t>
             </a:r>
           </a:p>
@@ -24733,6 +24710,36 @@
           </a:p>
         </p:txBody>
       </p:sp>
+      <p:pic>
+        <p:nvPicPr>
+          <p:cNvPr id="4" name="Grafik 3"/>
+          <p:cNvPicPr>
+            <a:picLocks noChangeAspect="1"/>
+          </p:cNvPicPr>
+          <p:nvPr/>
+        </p:nvPicPr>
+        <p:blipFill>
+          <a:blip r:embed="rId2">
+            <a:extLst>
+              <a:ext uri="{28A0092B-C50C-407E-A947-70E740481C1C}">
+                <a14:useLocalDpi xmlns:a14="http://schemas.microsoft.com/office/drawing/2010/main" val="0"/>
+              </a:ext>
+            </a:extLst>
+          </a:blip>
+          <a:stretch>
+            <a:fillRect/>
+          </a:stretch>
+        </p:blipFill>
+        <p:spPr>
+          <a:xfrm>
+            <a:off x="5940152" y="3569311"/>
+            <a:ext cx="2458706" cy="2458706"/>
+          </a:xfrm>
+          <a:prstGeom prst="rect">
+            <a:avLst/>
+          </a:prstGeom>
+        </p:spPr>
+      </p:pic>
     </p:spTree>
   </p:cSld>
   <p:clrMapOvr>
@@ -24743,6 +24750,79 @@
 </file>
 
 <file path=ppt/slides/slide23.xml><?xml version="1.0" encoding="utf-8"?>
+<p:sld xmlns:a="http://schemas.openxmlformats.org/drawingml/2006/main" xmlns:r="http://schemas.openxmlformats.org/officeDocument/2006/relationships" xmlns:p="http://schemas.openxmlformats.org/presentationml/2006/main">
+  <p:cSld>
+    <p:spTree>
+      <p:nvGrpSpPr>
+        <p:cNvPr id="1" name=""/>
+        <p:cNvGrpSpPr/>
+        <p:nvPr/>
+      </p:nvGrpSpPr>
+      <p:grpSpPr>
+        <a:xfrm>
+          <a:off x="0" y="0"/>
+          <a:ext cx="0" cy="0"/>
+          <a:chOff x="0" y="0"/>
+          <a:chExt cx="0" cy="0"/>
+        </a:xfrm>
+      </p:grpSpPr>
+      <p:sp>
+        <p:nvSpPr>
+          <p:cNvPr id="2" name="Titel 1"/>
+          <p:cNvSpPr>
+            <a:spLocks noGrp="1"/>
+          </p:cNvSpPr>
+          <p:nvPr>
+            <p:ph type="title"/>
+          </p:nvPr>
+        </p:nvSpPr>
+        <p:spPr/>
+        <p:txBody>
+          <a:bodyPr/>
+          <a:lstStyle/>
+          <a:p>
+            <a:r>
+              <a:rPr lang="de-DE" dirty="0" smtClean="0"/>
+              <a:t>Dynamische Finder-Methoden</a:t>
+            </a:r>
+            <a:endParaRPr lang="de-DE" dirty="0"/>
+          </a:p>
+        </p:txBody>
+      </p:sp>
+      <p:sp>
+        <p:nvSpPr>
+          <p:cNvPr id="3" name="Inhaltsplatzhalter 2"/>
+          <p:cNvSpPr>
+            <a:spLocks noGrp="1"/>
+          </p:cNvSpPr>
+          <p:nvPr>
+            <p:ph idx="1"/>
+          </p:nvPr>
+        </p:nvSpPr>
+        <p:spPr/>
+        <p:txBody>
+          <a:bodyPr/>
+          <a:lstStyle/>
+          <a:p>
+            <a:endParaRPr lang="de-DE"/>
+          </a:p>
+        </p:txBody>
+      </p:sp>
+    </p:spTree>
+    <p:extLst>
+      <p:ext uri="{BB962C8B-B14F-4D97-AF65-F5344CB8AC3E}">
+        <p14:creationId xmlns:p14="http://schemas.microsoft.com/office/powerpoint/2010/main" val="3520320325"/>
+      </p:ext>
+    </p:extLst>
+  </p:cSld>
+  <p:clrMapOvr>
+    <a:masterClrMapping/>
+  </p:clrMapOvr>
+  <p:transition spd="slow" advTm="10000"/>
+</p:sld>
+</file>
+
+<file path=ppt/slides/slide24.xml><?xml version="1.0" encoding="utf-8"?>
 <p:sld xmlns:a="http://schemas.openxmlformats.org/drawingml/2006/main" xmlns:r="http://schemas.openxmlformats.org/officeDocument/2006/relationships" xmlns:p="http://schemas.openxmlformats.org/presentationml/2006/main">
   <p:cSld>
     <p:spTree>
@@ -25188,7 +25268,7 @@
 </p:sld>
 </file>
 
-<file path=ppt/slides/slide24.xml><?xml version="1.0" encoding="utf-8"?>
+<file path=ppt/slides/slide25.xml><?xml version="1.0" encoding="utf-8"?>
 <p:sld xmlns:a="http://schemas.openxmlformats.org/drawingml/2006/main" xmlns:r="http://schemas.openxmlformats.org/officeDocument/2006/relationships" xmlns:p="http://schemas.openxmlformats.org/presentationml/2006/main">
   <p:cSld>
     <p:spTree>
@@ -25325,7 +25405,7 @@
 </p:sld>
 </file>
 
-<file path=ppt/slides/slide25.xml><?xml version="1.0" encoding="utf-8"?>
+<file path=ppt/slides/slide26.xml><?xml version="1.0" encoding="utf-8"?>
 <p:sld xmlns:a="http://schemas.openxmlformats.org/drawingml/2006/main" xmlns:r="http://schemas.openxmlformats.org/officeDocument/2006/relationships" xmlns:p="http://schemas.openxmlformats.org/presentationml/2006/main">
   <p:cSld>
     <p:spTree>
@@ -25406,140 +25486,6 @@
 </p:sld>
 </file>
 
-<file path=ppt/slides/slide26.xml><?xml version="1.0" encoding="utf-8"?>
-<p:sld xmlns:a="http://schemas.openxmlformats.org/drawingml/2006/main" xmlns:r="http://schemas.openxmlformats.org/officeDocument/2006/relationships" xmlns:p="http://schemas.openxmlformats.org/presentationml/2006/main">
-  <p:cSld>
-    <p:spTree>
-      <p:nvGrpSpPr>
-        <p:cNvPr id="1" name=""/>
-        <p:cNvGrpSpPr/>
-        <p:nvPr/>
-      </p:nvGrpSpPr>
-      <p:grpSpPr>
-        <a:xfrm>
-          <a:off x="0" y="0"/>
-          <a:ext cx="0" cy="0"/>
-          <a:chOff x="0" y="0"/>
-          <a:chExt cx="0" cy="0"/>
-        </a:xfrm>
-      </p:grpSpPr>
-      <p:sp>
-        <p:nvSpPr>
-          <p:cNvPr id="2" name="Titel 1"/>
-          <p:cNvSpPr>
-            <a:spLocks noGrp="1"/>
-          </p:cNvSpPr>
-          <p:nvPr>
-            <p:ph type="title"/>
-          </p:nvPr>
-        </p:nvSpPr>
-        <p:spPr/>
-        <p:txBody>
-          <a:bodyPr/>
-          <a:lstStyle/>
-          <a:p>
-            <a:r>
-              <a:rPr lang="de-DE" dirty="0" smtClean="0"/>
-              <a:t>MVC mit </a:t>
-            </a:r>
-            <a:r>
-              <a:rPr lang="de-DE" dirty="0" err="1" smtClean="0"/>
-              <a:t>Grails</a:t>
-            </a:r>
-            <a:endParaRPr lang="de-DE" dirty="0"/>
-          </a:p>
-        </p:txBody>
-      </p:sp>
-      <p:sp>
-        <p:nvSpPr>
-          <p:cNvPr id="3" name="Inhaltsplatzhalter 2"/>
-          <p:cNvSpPr>
-            <a:spLocks noGrp="1"/>
-          </p:cNvSpPr>
-          <p:nvPr>
-            <p:ph idx="1"/>
-          </p:nvPr>
-        </p:nvSpPr>
-        <p:spPr/>
-        <p:txBody>
-          <a:bodyPr/>
-          <a:lstStyle/>
-          <a:p>
-            <a:r>
-              <a:rPr lang="de-DE" dirty="0" smtClean="0"/>
-              <a:t>Command-Objekte</a:t>
-            </a:r>
-          </a:p>
-          <a:p>
-            <a:r>
-              <a:rPr lang="de-DE" dirty="0" smtClean="0"/>
-              <a:t>URL-</a:t>
-            </a:r>
-            <a:r>
-              <a:rPr lang="de-DE" dirty="0" err="1" smtClean="0"/>
-              <a:t>Mappings</a:t>
-            </a:r>
-            <a:r>
-              <a:rPr lang="de-DE" dirty="0" smtClean="0"/>
-              <a:t> mittels DSL</a:t>
-            </a:r>
-          </a:p>
-          <a:p>
-            <a:r>
-              <a:rPr lang="de-DE" dirty="0" smtClean="0"/>
-              <a:t>Groovy Server Pages (GSPs)</a:t>
-            </a:r>
-          </a:p>
-          <a:p>
-            <a:r>
-              <a:rPr lang="de-DE" dirty="0" smtClean="0"/>
-              <a:t>Groovy Tag-Libraries</a:t>
-            </a:r>
-          </a:p>
-          <a:p>
-            <a:r>
-              <a:rPr lang="de-DE" dirty="0" err="1" smtClean="0"/>
-              <a:t>Scaffolding</a:t>
-            </a:r>
-            <a:r>
-              <a:rPr lang="de-DE" dirty="0" smtClean="0"/>
-              <a:t> von CRUD-Anwendungen</a:t>
-            </a:r>
-          </a:p>
-          <a:p>
-            <a:r>
-              <a:rPr lang="de-DE" dirty="0" smtClean="0"/>
-              <a:t>Internationalisierung (i18n)</a:t>
-            </a:r>
-          </a:p>
-          <a:p>
-            <a:r>
-              <a:rPr lang="de-DE" dirty="0" smtClean="0"/>
-              <a:t>Content </a:t>
-            </a:r>
-            <a:r>
-              <a:rPr lang="de-DE" dirty="0" err="1" smtClean="0"/>
-              <a:t>Negotiation</a:t>
-            </a:r>
-            <a:endParaRPr lang="de-DE" dirty="0" smtClean="0"/>
-          </a:p>
-          <a:p>
-            <a:r>
-              <a:rPr lang="de-DE" dirty="0" smtClean="0"/>
-              <a:t>Basierend auf Spring MVC</a:t>
-            </a:r>
-          </a:p>
-        </p:txBody>
-      </p:sp>
-    </p:spTree>
-  </p:cSld>
-  <p:clrMapOvr>
-    <a:masterClrMapping/>
-  </p:clrMapOvr>
-  <p:transition spd="slow" advTm="10000"/>
-</p:sld>
-</file>
-
 <file path=ppt/slides/slide27.xml><?xml version="1.0" encoding="utf-8"?>
 <p:sld xmlns:a="http://schemas.openxmlformats.org/drawingml/2006/main" xmlns:r="http://schemas.openxmlformats.org/officeDocument/2006/relationships" xmlns:p="http://schemas.openxmlformats.org/presentationml/2006/main">
   <p:cSld>
@@ -25574,7 +25520,11 @@
           <a:p>
             <a:r>
               <a:rPr lang="de-DE" dirty="0" smtClean="0"/>
-              <a:t>Groovy Tag Libraries</a:t>
+              <a:t>MVC mit </a:t>
+            </a:r>
+            <a:r>
+              <a:rPr lang="de-DE" dirty="0" err="1" smtClean="0"/>
+              <a:t>Grails</a:t>
             </a:r>
             <a:endParaRPr lang="de-DE" dirty="0"/>
           </a:p>
@@ -25582,639 +25532,98 @@
       </p:sp>
       <p:sp>
         <p:nvSpPr>
-          <p:cNvPr id="4" name="Textfeld 3"/>
-          <p:cNvSpPr txBox="1"/>
-          <p:nvPr/>
+          <p:cNvPr id="3" name="Inhaltsplatzhalter 2"/>
+          <p:cNvSpPr>
+            <a:spLocks noGrp="1"/>
+          </p:cNvSpPr>
+          <p:nvPr>
+            <p:ph idx="1"/>
+          </p:nvPr>
         </p:nvSpPr>
-        <p:spPr>
-          <a:xfrm>
-            <a:off x="323528" y="1340768"/>
-            <a:ext cx="7529625" cy="4247317"/>
-          </a:xfrm>
-          <a:prstGeom prst="rect">
-            <a:avLst/>
-          </a:prstGeom>
-          <a:noFill/>
-        </p:spPr>
+        <p:spPr/>
         <p:txBody>
-          <a:bodyPr wrap="none" rtlCol="0">
-            <a:spAutoFit/>
-          </a:bodyPr>
+          <a:bodyPr/>
           <a:lstStyle/>
           <a:p>
             <a:r>
+              <a:rPr lang="de-DE" dirty="0" smtClean="0"/>
+              <a:t>Command-Objekte</a:t>
+            </a:r>
+          </a:p>
+          <a:p>
+            <a:r>
+              <a:rPr lang="de-DE" dirty="0" smtClean="0"/>
+              <a:t>URL-</a:t>
+            </a:r>
+            <a:r>
+              <a:rPr lang="de-DE" dirty="0" err="1" smtClean="0"/>
+              <a:t>Mappings</a:t>
+            </a:r>
+            <a:r>
+              <a:rPr lang="de-DE" dirty="0" smtClean="0"/>
+              <a:t> mittels DSL</a:t>
+            </a:r>
+          </a:p>
+          <a:p>
+            <a:r>
+              <a:rPr lang="de-DE" dirty="0" smtClean="0"/>
+              <a:t>Groovy Server Pages (GSPs)</a:t>
+            </a:r>
+          </a:p>
+          <a:p>
+            <a:r>
+              <a:rPr lang="de-DE" dirty="0" smtClean="0">
+                <a:solidFill>
+                  <a:schemeClr val="accent6"/>
+                </a:solidFill>
+              </a:rPr>
+              <a:t>Groovy Tag-Libraries</a:t>
+            </a:r>
+          </a:p>
+          <a:p>
+            <a:r>
+              <a:rPr lang="de-DE" dirty="0" err="1" smtClean="0"/>
+              <a:t>Scaffolding</a:t>
+            </a:r>
+            <a:r>
+              <a:rPr lang="de-DE" dirty="0" smtClean="0"/>
+              <a:t> von CRUD-Anwendungen</a:t>
+            </a:r>
+          </a:p>
+          <a:p>
+            <a:r>
+              <a:rPr lang="de-DE" dirty="0" smtClean="0"/>
+              <a:t>Internationalisierung (i18n)</a:t>
+            </a:r>
+          </a:p>
+          <a:p>
+            <a:r>
+              <a:rPr lang="de-DE" dirty="0" smtClean="0">
+                <a:solidFill>
+                  <a:schemeClr val="accent6"/>
+                </a:solidFill>
+              </a:rPr>
+              <a:t>Content </a:t>
+            </a:r>
+            <a:r>
               <a:rPr lang="de-DE" dirty="0" err="1" smtClean="0">
-                <a:latin typeface="Consolas" pitchFamily="49" charset="0"/>
-                <a:cs typeface="Consolas" pitchFamily="49" charset="0"/>
-              </a:rPr>
-              <a:t>class</a:t>
-            </a:r>
-            <a:r>
-              <a:rPr lang="de-DE" dirty="0" smtClean="0">
-                <a:latin typeface="Consolas" pitchFamily="49" charset="0"/>
-                <a:cs typeface="Consolas" pitchFamily="49" charset="0"/>
-              </a:rPr>
-              <a:t> </a:t>
-            </a:r>
-            <a:r>
-              <a:rPr lang="de-DE" dirty="0" err="1" smtClean="0">
-                <a:latin typeface="Consolas" pitchFamily="49" charset="0"/>
-                <a:cs typeface="Consolas" pitchFamily="49" charset="0"/>
-              </a:rPr>
-              <a:t>TwitterTagLib</a:t>
-            </a:r>
-            <a:r>
-              <a:rPr lang="de-DE" dirty="0" smtClean="0">
-                <a:latin typeface="Consolas" pitchFamily="49" charset="0"/>
-                <a:cs typeface="Consolas" pitchFamily="49" charset="0"/>
-              </a:rPr>
-              <a:t> {</a:t>
-            </a:r>
-          </a:p>
-          <a:p>
+                <a:solidFill>
+                  <a:schemeClr val="accent6"/>
+                </a:solidFill>
+              </a:rPr>
+              <a:t>Negotiation</a:t>
+            </a:r>
             <a:endParaRPr lang="de-DE" dirty="0" smtClean="0">
-              <a:latin typeface="Consolas" pitchFamily="49" charset="0"/>
-              <a:cs typeface="Consolas" pitchFamily="49" charset="0"/>
+              <a:solidFill>
+                <a:schemeClr val="accent6"/>
+              </a:solidFill>
             </a:endParaRPr>
           </a:p>
           <a:p>
             <a:r>
-              <a:rPr lang="de-DE" dirty="0" smtClean="0">
-                <a:latin typeface="Consolas" pitchFamily="49" charset="0"/>
-                <a:cs typeface="Consolas" pitchFamily="49" charset="0"/>
-              </a:rPr>
-              <a:t>    </a:t>
-            </a:r>
-            <a:r>
-              <a:rPr lang="de-DE" dirty="0" err="1" smtClean="0">
-                <a:latin typeface="Consolas" pitchFamily="49" charset="0"/>
-                <a:cs typeface="Consolas" pitchFamily="49" charset="0"/>
-              </a:rPr>
-              <a:t>static</a:t>
-            </a:r>
-            <a:r>
-              <a:rPr lang="de-DE" dirty="0" smtClean="0">
-                <a:latin typeface="Consolas" pitchFamily="49" charset="0"/>
-                <a:cs typeface="Consolas" pitchFamily="49" charset="0"/>
-              </a:rPr>
-              <a:t> </a:t>
-            </a:r>
-            <a:r>
-              <a:rPr lang="de-DE" dirty="0" err="1" smtClean="0">
-                <a:latin typeface="Consolas" pitchFamily="49" charset="0"/>
-                <a:cs typeface="Consolas" pitchFamily="49" charset="0"/>
-              </a:rPr>
-              <a:t>namespace</a:t>
-            </a:r>
-            <a:r>
-              <a:rPr lang="de-DE" dirty="0" smtClean="0">
-                <a:latin typeface="Consolas" pitchFamily="49" charset="0"/>
-                <a:cs typeface="Consolas" pitchFamily="49" charset="0"/>
-              </a:rPr>
-              <a:t> = "</a:t>
-            </a:r>
-            <a:r>
-              <a:rPr lang="de-DE" dirty="0" err="1" smtClean="0">
-                <a:latin typeface="Consolas" pitchFamily="49" charset="0"/>
-                <a:cs typeface="Consolas" pitchFamily="49" charset="0"/>
-              </a:rPr>
-              <a:t>twitter</a:t>
-            </a:r>
-            <a:r>
-              <a:rPr lang="de-DE" dirty="0" smtClean="0">
-                <a:latin typeface="Consolas" pitchFamily="49" charset="0"/>
-                <a:cs typeface="Consolas" pitchFamily="49" charset="0"/>
-              </a:rPr>
-              <a:t>"</a:t>
-            </a:r>
-          </a:p>
-          <a:p>
-            <a:endParaRPr lang="de-DE" dirty="0" smtClean="0">
-              <a:latin typeface="Consolas" pitchFamily="49" charset="0"/>
-              <a:cs typeface="Consolas" pitchFamily="49" charset="0"/>
-            </a:endParaRPr>
-          </a:p>
-          <a:p>
-            <a:r>
-              <a:rPr lang="de-DE" dirty="0" smtClean="0">
-                <a:latin typeface="Consolas" pitchFamily="49" charset="0"/>
-                <a:cs typeface="Consolas" pitchFamily="49" charset="0"/>
-              </a:rPr>
-              <a:t>    </a:t>
-            </a:r>
-            <a:r>
-              <a:rPr lang="de-DE" dirty="0" err="1" smtClean="0">
-                <a:latin typeface="Consolas" pitchFamily="49" charset="0"/>
-                <a:cs typeface="Consolas" pitchFamily="49" charset="0"/>
-              </a:rPr>
-              <a:t>def</a:t>
-            </a:r>
-            <a:r>
-              <a:rPr lang="de-DE" dirty="0" smtClean="0">
-                <a:latin typeface="Consolas" pitchFamily="49" charset="0"/>
-                <a:cs typeface="Consolas" pitchFamily="49" charset="0"/>
-              </a:rPr>
-              <a:t> </a:t>
-            </a:r>
-            <a:r>
-              <a:rPr lang="de-DE" dirty="0" err="1" smtClean="0">
-                <a:latin typeface="Consolas" pitchFamily="49" charset="0"/>
-                <a:cs typeface="Consolas" pitchFamily="49" charset="0"/>
-              </a:rPr>
-              <a:t>displayStatus</a:t>
-            </a:r>
-            <a:r>
-              <a:rPr lang="de-DE" dirty="0" smtClean="0">
-                <a:latin typeface="Consolas" pitchFamily="49" charset="0"/>
-                <a:cs typeface="Consolas" pitchFamily="49" charset="0"/>
-              </a:rPr>
-              <a:t> = { </a:t>
-            </a:r>
-            <a:r>
-              <a:rPr lang="de-DE" dirty="0" err="1" smtClean="0">
-                <a:latin typeface="Consolas" pitchFamily="49" charset="0"/>
-                <a:cs typeface="Consolas" pitchFamily="49" charset="0"/>
-              </a:rPr>
-              <a:t>attrs</a:t>
-            </a:r>
-            <a:r>
-              <a:rPr lang="de-DE" dirty="0" smtClean="0">
-                <a:latin typeface="Consolas" pitchFamily="49" charset="0"/>
-                <a:cs typeface="Consolas" pitchFamily="49" charset="0"/>
-              </a:rPr>
-              <a:t>, </a:t>
-            </a:r>
-            <a:r>
-              <a:rPr lang="de-DE" dirty="0" err="1" smtClean="0">
-                <a:latin typeface="Consolas" pitchFamily="49" charset="0"/>
-                <a:cs typeface="Consolas" pitchFamily="49" charset="0"/>
-              </a:rPr>
-              <a:t>body</a:t>
-            </a:r>
-            <a:r>
-              <a:rPr lang="de-DE" dirty="0" smtClean="0">
-                <a:latin typeface="Consolas" pitchFamily="49" charset="0"/>
-                <a:cs typeface="Consolas" pitchFamily="49" charset="0"/>
-              </a:rPr>
-              <a:t> -&gt;</a:t>
-            </a:r>
-          </a:p>
-          <a:p>
-            <a:r>
-              <a:rPr lang="de-DE" dirty="0" smtClean="0">
-                <a:latin typeface="Consolas" pitchFamily="49" charset="0"/>
-                <a:cs typeface="Consolas" pitchFamily="49" charset="0"/>
-              </a:rPr>
-              <a:t>        </a:t>
-            </a:r>
-            <a:r>
-              <a:rPr lang="de-DE" dirty="0" err="1" smtClean="0">
-                <a:latin typeface="Consolas" pitchFamily="49" charset="0"/>
-                <a:cs typeface="Consolas" pitchFamily="49" charset="0"/>
-              </a:rPr>
-              <a:t>def</a:t>
-            </a:r>
-            <a:r>
-              <a:rPr lang="de-DE" dirty="0" smtClean="0">
-                <a:latin typeface="Consolas" pitchFamily="49" charset="0"/>
-                <a:cs typeface="Consolas" pitchFamily="49" charset="0"/>
-              </a:rPr>
-              <a:t> </a:t>
-            </a:r>
-            <a:r>
-              <a:rPr lang="de-DE" dirty="0" err="1" smtClean="0">
-                <a:latin typeface="Consolas" pitchFamily="49" charset="0"/>
-                <a:cs typeface="Consolas" pitchFamily="49" charset="0"/>
-              </a:rPr>
-              <a:t>status</a:t>
-            </a:r>
-            <a:r>
-              <a:rPr lang="de-DE" dirty="0" smtClean="0">
-                <a:latin typeface="Consolas" pitchFamily="49" charset="0"/>
-                <a:cs typeface="Consolas" pitchFamily="49" charset="0"/>
-              </a:rPr>
-              <a:t> = </a:t>
-            </a:r>
-            <a:r>
-              <a:rPr lang="de-DE" dirty="0" err="1" smtClean="0">
-                <a:latin typeface="Consolas" pitchFamily="49" charset="0"/>
-                <a:cs typeface="Consolas" pitchFamily="49" charset="0"/>
-              </a:rPr>
-              <a:t>attrs.status</a:t>
-            </a:r>
-            <a:r>
-              <a:rPr lang="de-DE" dirty="0" smtClean="0">
-                <a:latin typeface="Consolas" pitchFamily="49" charset="0"/>
-                <a:cs typeface="Consolas" pitchFamily="49" charset="0"/>
-              </a:rPr>
-              <a:t> </a:t>
-            </a:r>
-            <a:r>
-              <a:rPr lang="de-DE" dirty="0" err="1" smtClean="0">
-                <a:latin typeface="Consolas" pitchFamily="49" charset="0"/>
-                <a:cs typeface="Consolas" pitchFamily="49" charset="0"/>
-              </a:rPr>
-              <a:t>as</a:t>
-            </a:r>
-            <a:r>
-              <a:rPr lang="de-DE" dirty="0" smtClean="0">
-                <a:latin typeface="Consolas" pitchFamily="49" charset="0"/>
-                <a:cs typeface="Consolas" pitchFamily="49" charset="0"/>
-              </a:rPr>
-              <a:t> Status</a:t>
-            </a:r>
-          </a:p>
-          <a:p>
-            <a:r>
-              <a:rPr lang="de-DE" dirty="0" smtClean="0">
-                <a:latin typeface="Consolas" pitchFamily="49" charset="0"/>
-                <a:cs typeface="Consolas" pitchFamily="49" charset="0"/>
-              </a:rPr>
-              <a:t>        out &lt;&lt; """</a:t>
-            </a:r>
-          </a:p>
-          <a:p>
-            <a:r>
-              <a:rPr lang="de-DE" dirty="0" smtClean="0">
-                <a:latin typeface="Consolas" pitchFamily="49" charset="0"/>
-                <a:cs typeface="Consolas" pitchFamily="49" charset="0"/>
-              </a:rPr>
-              <a:t>            &lt;</a:t>
-            </a:r>
-            <a:r>
-              <a:rPr lang="de-DE" dirty="0" err="1" smtClean="0">
-                <a:latin typeface="Consolas" pitchFamily="49" charset="0"/>
-                <a:cs typeface="Consolas" pitchFamily="49" charset="0"/>
-              </a:rPr>
-              <a:t>div</a:t>
-            </a:r>
-            <a:r>
-              <a:rPr lang="de-DE" dirty="0" smtClean="0">
-                <a:latin typeface="Consolas" pitchFamily="49" charset="0"/>
-                <a:cs typeface="Consolas" pitchFamily="49" charset="0"/>
-              </a:rPr>
-              <a:t> </a:t>
-            </a:r>
-            <a:r>
-              <a:rPr lang="de-DE" dirty="0" err="1" smtClean="0">
-                <a:latin typeface="Consolas" pitchFamily="49" charset="0"/>
-                <a:cs typeface="Consolas" pitchFamily="49" charset="0"/>
-              </a:rPr>
-              <a:t>class</a:t>
-            </a:r>
-            <a:r>
-              <a:rPr lang="de-DE" dirty="0" smtClean="0">
-                <a:latin typeface="Consolas" pitchFamily="49" charset="0"/>
-                <a:cs typeface="Consolas" pitchFamily="49" charset="0"/>
-              </a:rPr>
-              <a:t>="</a:t>
-            </a:r>
-            <a:r>
-              <a:rPr lang="de-DE" dirty="0" err="1" smtClean="0">
-                <a:latin typeface="Consolas" pitchFamily="49" charset="0"/>
-                <a:cs typeface="Consolas" pitchFamily="49" charset="0"/>
-              </a:rPr>
-              <a:t>status</a:t>
-            </a:r>
-            <a:r>
-              <a:rPr lang="de-DE" dirty="0" smtClean="0">
-                <a:latin typeface="Consolas" pitchFamily="49" charset="0"/>
-                <a:cs typeface="Consolas" pitchFamily="49" charset="0"/>
-              </a:rPr>
-              <a:t>"&gt;</a:t>
-            </a:r>
-          </a:p>
-          <a:p>
-            <a:r>
-              <a:rPr lang="de-DE" dirty="0" smtClean="0">
-                <a:latin typeface="Consolas" pitchFamily="49" charset="0"/>
-                <a:cs typeface="Consolas" pitchFamily="49" charset="0"/>
-              </a:rPr>
-              <a:t>                &lt;span&gt;${</a:t>
-            </a:r>
-            <a:r>
-              <a:rPr lang="de-DE" dirty="0" err="1" smtClean="0">
-                <a:latin typeface="Consolas" pitchFamily="49" charset="0"/>
-                <a:cs typeface="Consolas" pitchFamily="49" charset="0"/>
-              </a:rPr>
-              <a:t>status.poster.username</a:t>
-            </a:r>
-            <a:r>
-              <a:rPr lang="de-DE" dirty="0" smtClean="0">
-                <a:latin typeface="Consolas" pitchFamily="49" charset="0"/>
-                <a:cs typeface="Consolas" pitchFamily="49" charset="0"/>
-              </a:rPr>
-              <a:t>} </a:t>
-            </a:r>
-            <a:r>
-              <a:rPr lang="de-DE" dirty="0" err="1" smtClean="0">
-                <a:latin typeface="Consolas" pitchFamily="49" charset="0"/>
-                <a:cs typeface="Consolas" pitchFamily="49" charset="0"/>
-              </a:rPr>
-              <a:t>posted</a:t>
-            </a:r>
-            <a:r>
-              <a:rPr lang="de-DE" dirty="0" smtClean="0">
-                <a:latin typeface="Consolas" pitchFamily="49" charset="0"/>
-                <a:cs typeface="Consolas" pitchFamily="49" charset="0"/>
-              </a:rPr>
-              <a:t> on </a:t>
-            </a:r>
-            <a:endParaRPr lang="de-DE" dirty="0" smtClean="0">
-              <a:latin typeface="Consolas" pitchFamily="49" charset="0"/>
-              <a:cs typeface="Consolas" pitchFamily="49" charset="0"/>
-            </a:endParaRPr>
-          </a:p>
-          <a:p>
-            <a:r>
-              <a:rPr lang="de-DE" dirty="0" smtClean="0">
-                <a:latin typeface="Consolas" pitchFamily="49" charset="0"/>
-                <a:cs typeface="Consolas" pitchFamily="49" charset="0"/>
-              </a:rPr>
-              <a:t>${</a:t>
-            </a:r>
-            <a:r>
-              <a:rPr lang="de-DE" dirty="0" err="1" smtClean="0">
-                <a:latin typeface="Consolas" pitchFamily="49" charset="0"/>
-                <a:cs typeface="Consolas" pitchFamily="49" charset="0"/>
-              </a:rPr>
-              <a:t>g.formatDate</a:t>
-            </a:r>
-            <a:r>
-              <a:rPr lang="de-DE" dirty="0" smtClean="0">
-                <a:latin typeface="Consolas" pitchFamily="49" charset="0"/>
-                <a:cs typeface="Consolas" pitchFamily="49" charset="0"/>
-              </a:rPr>
-              <a:t>(</a:t>
-            </a:r>
-            <a:r>
-              <a:rPr lang="de-DE" dirty="0" err="1" smtClean="0">
-                <a:latin typeface="Consolas" pitchFamily="49" charset="0"/>
-                <a:cs typeface="Consolas" pitchFamily="49" charset="0"/>
-              </a:rPr>
-              <a:t>date</a:t>
-            </a:r>
-            <a:r>
-              <a:rPr lang="de-DE" dirty="0" smtClean="0">
-                <a:latin typeface="Consolas" pitchFamily="49" charset="0"/>
-                <a:cs typeface="Consolas" pitchFamily="49" charset="0"/>
-              </a:rPr>
-              <a:t>: </a:t>
-            </a:r>
-            <a:r>
-              <a:rPr lang="de-DE" dirty="0" err="1" smtClean="0">
-                <a:latin typeface="Consolas" pitchFamily="49" charset="0"/>
-                <a:cs typeface="Consolas" pitchFamily="49" charset="0"/>
-              </a:rPr>
-              <a:t>status.dateCreated</a:t>
-            </a:r>
-            <a:r>
-              <a:rPr lang="de-DE" dirty="0" smtClean="0">
-                <a:latin typeface="Consolas" pitchFamily="49" charset="0"/>
-                <a:cs typeface="Consolas" pitchFamily="49" charset="0"/>
-              </a:rPr>
-              <a:t>)}:&lt;/span&gt;</a:t>
-            </a:r>
-          </a:p>
-          <a:p>
-            <a:r>
-              <a:rPr lang="de-DE" dirty="0" smtClean="0">
-                <a:latin typeface="Consolas" pitchFamily="49" charset="0"/>
-                <a:cs typeface="Consolas" pitchFamily="49" charset="0"/>
-              </a:rPr>
-              <a:t>                &lt;p&gt;${</a:t>
-            </a:r>
-            <a:r>
-              <a:rPr lang="de-DE" dirty="0" err="1" smtClean="0">
-                <a:latin typeface="Consolas" pitchFamily="49" charset="0"/>
-                <a:cs typeface="Consolas" pitchFamily="49" charset="0"/>
-              </a:rPr>
-              <a:t>status.message</a:t>
-            </a:r>
-            <a:r>
-              <a:rPr lang="de-DE" dirty="0" smtClean="0">
-                <a:latin typeface="Consolas" pitchFamily="49" charset="0"/>
-                <a:cs typeface="Consolas" pitchFamily="49" charset="0"/>
-              </a:rPr>
-              <a:t>}&lt;/p&gt;</a:t>
-            </a:r>
-          </a:p>
-          <a:p>
-            <a:r>
-              <a:rPr lang="de-DE" dirty="0" smtClean="0">
-                <a:latin typeface="Consolas" pitchFamily="49" charset="0"/>
-                <a:cs typeface="Consolas" pitchFamily="49" charset="0"/>
-              </a:rPr>
-              <a:t>            &lt;/</a:t>
-            </a:r>
-            <a:r>
-              <a:rPr lang="de-DE" dirty="0" err="1" smtClean="0">
-                <a:latin typeface="Consolas" pitchFamily="49" charset="0"/>
-                <a:cs typeface="Consolas" pitchFamily="49" charset="0"/>
-              </a:rPr>
-              <a:t>div</a:t>
-            </a:r>
-            <a:r>
-              <a:rPr lang="de-DE" dirty="0" smtClean="0">
-                <a:latin typeface="Consolas" pitchFamily="49" charset="0"/>
-                <a:cs typeface="Consolas" pitchFamily="49" charset="0"/>
-              </a:rPr>
-              <a:t>&gt;"""</a:t>
-            </a:r>
-          </a:p>
-          <a:p>
-            <a:r>
-              <a:rPr lang="de-DE" dirty="0" smtClean="0">
-                <a:latin typeface="Consolas" pitchFamily="49" charset="0"/>
-                <a:cs typeface="Consolas" pitchFamily="49" charset="0"/>
-              </a:rPr>
-              <a:t>    }</a:t>
-            </a:r>
-          </a:p>
-          <a:p>
-            <a:endParaRPr lang="de-DE" dirty="0" smtClean="0">
-              <a:latin typeface="Consolas" pitchFamily="49" charset="0"/>
-              <a:cs typeface="Consolas" pitchFamily="49" charset="0"/>
-            </a:endParaRPr>
-          </a:p>
-          <a:p>
-            <a:r>
-              <a:rPr lang="de-DE" dirty="0" smtClean="0">
-                <a:latin typeface="Consolas" pitchFamily="49" charset="0"/>
-                <a:cs typeface="Consolas" pitchFamily="49" charset="0"/>
-              </a:rPr>
-              <a:t>}</a:t>
-            </a:r>
-            <a:endParaRPr lang="de-DE" dirty="0">
-              <a:latin typeface="Consolas" pitchFamily="49" charset="0"/>
-              <a:cs typeface="Consolas" pitchFamily="49" charset="0"/>
-            </a:endParaRPr>
-          </a:p>
-        </p:txBody>
-      </p:sp>
-      <p:sp>
-        <p:nvSpPr>
-          <p:cNvPr id="5" name="Textfeld 4"/>
-          <p:cNvSpPr txBox="1"/>
-          <p:nvPr/>
-        </p:nvSpPr>
-        <p:spPr>
-          <a:xfrm>
-            <a:off x="3059832" y="5805264"/>
-            <a:ext cx="5630067" cy="369332"/>
-          </a:xfrm>
-          <a:prstGeom prst="rect">
-            <a:avLst/>
-          </a:prstGeom>
-          <a:noFill/>
-        </p:spPr>
-        <p:txBody>
-          <a:bodyPr wrap="none" rtlCol="0">
-            <a:spAutoFit/>
-          </a:bodyPr>
-          <a:lstStyle/>
-          <a:p>
-            <a:r>
-              <a:rPr lang="de-DE" dirty="0" smtClean="0">
-                <a:latin typeface="Consolas" pitchFamily="49" charset="0"/>
-                <a:cs typeface="Consolas" pitchFamily="49" charset="0"/>
-              </a:rPr>
-              <a:t>&lt;</a:t>
-            </a:r>
-            <a:r>
-              <a:rPr lang="de-DE" dirty="0" err="1" smtClean="0">
-                <a:latin typeface="Consolas" pitchFamily="49" charset="0"/>
-                <a:cs typeface="Consolas" pitchFamily="49" charset="0"/>
-              </a:rPr>
-              <a:t>twitter:displayStatus</a:t>
-            </a:r>
-            <a:r>
-              <a:rPr lang="de-DE" dirty="0" smtClean="0">
-                <a:latin typeface="Consolas" pitchFamily="49" charset="0"/>
-                <a:cs typeface="Consolas" pitchFamily="49" charset="0"/>
-              </a:rPr>
-              <a:t> </a:t>
-            </a:r>
-            <a:r>
-              <a:rPr lang="de-DE" dirty="0" err="1" smtClean="0">
-                <a:latin typeface="Consolas" pitchFamily="49" charset="0"/>
-                <a:cs typeface="Consolas" pitchFamily="49" charset="0"/>
-              </a:rPr>
-              <a:t>status</a:t>
-            </a:r>
-            <a:r>
-              <a:rPr lang="de-DE" dirty="0" smtClean="0">
-                <a:latin typeface="Consolas" pitchFamily="49" charset="0"/>
-                <a:cs typeface="Consolas" pitchFamily="49" charset="0"/>
-              </a:rPr>
-              <a:t>="${</a:t>
-            </a:r>
-            <a:r>
-              <a:rPr lang="de-DE" dirty="0" err="1" smtClean="0">
-                <a:latin typeface="Consolas" pitchFamily="49" charset="0"/>
-                <a:cs typeface="Consolas" pitchFamily="49" charset="0"/>
-              </a:rPr>
-              <a:t>status</a:t>
-            </a:r>
-            <a:r>
-              <a:rPr lang="de-DE" dirty="0" smtClean="0">
-                <a:latin typeface="Consolas" pitchFamily="49" charset="0"/>
-                <a:cs typeface="Consolas" pitchFamily="49" charset="0"/>
-              </a:rPr>
-              <a:t>}"/&gt;</a:t>
-            </a:r>
-            <a:endParaRPr lang="de-DE" dirty="0" smtClean="0">
-              <a:latin typeface="Consolas" pitchFamily="49" charset="0"/>
-              <a:cs typeface="Consolas" pitchFamily="49" charset="0"/>
-            </a:endParaRPr>
-          </a:p>
-        </p:txBody>
-      </p:sp>
-      <p:sp>
-        <p:nvSpPr>
-          <p:cNvPr id="6" name="Legende mit Pfeil nach unten 5"/>
-          <p:cNvSpPr/>
-          <p:nvPr/>
-        </p:nvSpPr>
-        <p:spPr>
-          <a:xfrm>
-            <a:off x="4283968" y="5013176"/>
-            <a:ext cx="3744416" cy="720080"/>
-          </a:xfrm>
-          <a:prstGeom prst="downArrowCallout">
-            <a:avLst/>
-          </a:prstGeom>
-        </p:spPr>
-        <p:style>
-          <a:lnRef idx="2">
-            <a:schemeClr val="accent5">
-              <a:shade val="50000"/>
-            </a:schemeClr>
-          </a:lnRef>
-          <a:fillRef idx="1">
-            <a:schemeClr val="accent5"/>
-          </a:fillRef>
-          <a:effectRef idx="0">
-            <a:schemeClr val="accent5"/>
-          </a:effectRef>
-          <a:fontRef idx="minor">
-            <a:schemeClr val="lt1"/>
-          </a:fontRef>
-        </p:style>
-        <p:txBody>
-          <a:bodyPr rtlCol="0" anchor="ctr"/>
-          <a:lstStyle/>
-          <a:p>
-            <a:pPr algn="ctr"/>
-            <a:r>
               <a:rPr lang="de-DE" dirty="0" smtClean="0"/>
-              <a:t>Verwendung</a:t>
-            </a:r>
-            <a:endParaRPr lang="de-DE" dirty="0"/>
-          </a:p>
-        </p:txBody>
-      </p:sp>
-      <p:sp>
-        <p:nvSpPr>
-          <p:cNvPr id="7" name="Legende mit Pfeil nach links 6"/>
-          <p:cNvSpPr/>
-          <p:nvPr/>
-        </p:nvSpPr>
-        <p:spPr>
-          <a:xfrm>
-            <a:off x="6732240" y="1772816"/>
-            <a:ext cx="1872208" cy="1440160"/>
-          </a:xfrm>
-          <a:prstGeom prst="leftArrowCallout">
-            <a:avLst/>
-          </a:prstGeom>
-        </p:spPr>
-        <p:style>
-          <a:lnRef idx="2">
-            <a:schemeClr val="accent6">
-              <a:shade val="50000"/>
-            </a:schemeClr>
-          </a:lnRef>
-          <a:fillRef idx="1">
-            <a:schemeClr val="accent6"/>
-          </a:fillRef>
-          <a:effectRef idx="0">
-            <a:schemeClr val="accent6"/>
-          </a:effectRef>
-          <a:fontRef idx="minor">
-            <a:schemeClr val="lt1"/>
-          </a:fontRef>
-        </p:style>
-        <p:txBody>
-          <a:bodyPr rtlCol="0" anchor="ctr"/>
-          <a:lstStyle/>
-          <a:p>
-            <a:pPr algn="ctr"/>
-            <a:r>
-              <a:rPr lang="de-DE" dirty="0" smtClean="0"/>
-              <a:t>Definition</a:t>
-            </a:r>
-            <a:endParaRPr lang="de-DE" dirty="0"/>
+              <a:t>Basierend auf Spring MVC</a:t>
+            </a:r>
           </a:p>
         </p:txBody>
       </p:sp>
@@ -26224,13 +25633,6 @@
     <a:masterClrMapping/>
   </p:clrMapOvr>
   <p:transition spd="slow" advTm="10000"/>
-  <p:timing>
-    <p:tnLst>
-      <p:par>
-        <p:cTn id="1" dur="indefinite" restart="never" nodeType="tmRoot"/>
-      </p:par>
-    </p:tnLst>
-  </p:timing>
 </p:sld>
 </file>
 
@@ -26363,14 +25765,7 @@
                 <a:latin typeface="Consolas" pitchFamily="49" charset="0"/>
                 <a:cs typeface="Consolas" pitchFamily="49" charset="0"/>
               </a:rPr>
-              <a:t> </a:t>
-            </a:r>
-            <a:r>
-              <a:rPr lang="de-DE" dirty="0" smtClean="0">
-                <a:latin typeface="Consolas" pitchFamily="49" charset="0"/>
-                <a:cs typeface="Consolas" pitchFamily="49" charset="0"/>
-              </a:rPr>
-              <a:t>= {</a:t>
+              <a:t> = {</a:t>
             </a:r>
           </a:p>
           <a:p>
@@ -26632,20 +26027,198 @@
                 <a:latin typeface="Consolas" pitchFamily="49" charset="0"/>
                 <a:cs typeface="Consolas" pitchFamily="49" charset="0"/>
               </a:rPr>
-              <a:t>&gt;2011-11-04 </a:t>
+              <a:t>&gt;2011-11-04 …&lt;/</a:t>
+            </a:r>
+            <a:r>
+              <a:rPr lang="de-DE" sz="1200" dirty="0" err="1" smtClean="0">
+                <a:latin typeface="Consolas" pitchFamily="49" charset="0"/>
+                <a:cs typeface="Consolas" pitchFamily="49" charset="0"/>
+              </a:rPr>
+              <a:t>dateCreated</a:t>
             </a:r>
             <a:r>
               <a:rPr lang="de-DE" sz="1200" dirty="0" smtClean="0">
                 <a:latin typeface="Consolas" pitchFamily="49" charset="0"/>
                 <a:cs typeface="Consolas" pitchFamily="49" charset="0"/>
               </a:rPr>
-              <a:t>…&lt;/</a:t>
+              <a:t>&gt;</a:t>
+            </a:r>
+          </a:p>
+          <a:p>
+            <a:r>
+              <a:rPr lang="de-DE" sz="1200" dirty="0" smtClean="0">
+                <a:latin typeface="Consolas" pitchFamily="49" charset="0"/>
+                <a:cs typeface="Consolas" pitchFamily="49" charset="0"/>
+              </a:rPr>
+              <a:t>        &lt;</a:t>
             </a:r>
             <a:r>
               <a:rPr lang="de-DE" sz="1200" dirty="0" err="1" smtClean="0">
                 <a:latin typeface="Consolas" pitchFamily="49" charset="0"/>
                 <a:cs typeface="Consolas" pitchFamily="49" charset="0"/>
               </a:rPr>
+              <a:t>message</a:t>
+            </a:r>
+            <a:r>
+              <a:rPr lang="de-DE" sz="1200" dirty="0" smtClean="0">
+                <a:latin typeface="Consolas" pitchFamily="49" charset="0"/>
+                <a:cs typeface="Consolas" pitchFamily="49" charset="0"/>
+              </a:rPr>
+              <a:t>&gt;</a:t>
+            </a:r>
+            <a:r>
+              <a:rPr lang="de-DE" sz="1200" dirty="0" err="1" smtClean="0">
+                <a:latin typeface="Consolas" pitchFamily="49" charset="0"/>
+                <a:cs typeface="Consolas" pitchFamily="49" charset="0"/>
+              </a:rPr>
+              <a:t>My</a:t>
+            </a:r>
+            <a:r>
+              <a:rPr lang="de-DE" sz="1200" dirty="0" smtClean="0">
+                <a:latin typeface="Consolas" pitchFamily="49" charset="0"/>
+                <a:cs typeface="Consolas" pitchFamily="49" charset="0"/>
+              </a:rPr>
+              <a:t> </a:t>
+            </a:r>
+            <a:r>
+              <a:rPr lang="de-DE" sz="1200" dirty="0" err="1" smtClean="0">
+                <a:latin typeface="Consolas" pitchFamily="49" charset="0"/>
+                <a:cs typeface="Consolas" pitchFamily="49" charset="0"/>
+              </a:rPr>
+              <a:t>first</a:t>
+            </a:r>
+            <a:r>
+              <a:rPr lang="de-DE" sz="1200" dirty="0" smtClean="0">
+                <a:latin typeface="Consolas" pitchFamily="49" charset="0"/>
+                <a:cs typeface="Consolas" pitchFamily="49" charset="0"/>
+              </a:rPr>
+              <a:t> post!&lt;/</a:t>
+            </a:r>
+            <a:r>
+              <a:rPr lang="de-DE" sz="1200" dirty="0" err="1" smtClean="0">
+                <a:latin typeface="Consolas" pitchFamily="49" charset="0"/>
+                <a:cs typeface="Consolas" pitchFamily="49" charset="0"/>
+              </a:rPr>
+              <a:t>message</a:t>
+            </a:r>
+            <a:r>
+              <a:rPr lang="de-DE" sz="1200" dirty="0" smtClean="0">
+                <a:latin typeface="Consolas" pitchFamily="49" charset="0"/>
+                <a:cs typeface="Consolas" pitchFamily="49" charset="0"/>
+              </a:rPr>
+              <a:t>&gt;</a:t>
+            </a:r>
+          </a:p>
+          <a:p>
+            <a:r>
+              <a:rPr lang="de-DE" sz="1200" dirty="0" smtClean="0">
+                <a:latin typeface="Consolas" pitchFamily="49" charset="0"/>
+                <a:cs typeface="Consolas" pitchFamily="49" charset="0"/>
+              </a:rPr>
+              <a:t>        &lt;</a:t>
+            </a:r>
+            <a:r>
+              <a:rPr lang="de-DE" sz="1200" dirty="0" err="1" smtClean="0">
+                <a:latin typeface="Consolas" pitchFamily="49" charset="0"/>
+                <a:cs typeface="Consolas" pitchFamily="49" charset="0"/>
+              </a:rPr>
+              <a:t>poster</a:t>
+            </a:r>
+            <a:r>
+              <a:rPr lang="de-DE" sz="1200" dirty="0" smtClean="0">
+                <a:latin typeface="Consolas" pitchFamily="49" charset="0"/>
+                <a:cs typeface="Consolas" pitchFamily="49" charset="0"/>
+              </a:rPr>
+              <a:t> </a:t>
+            </a:r>
+            <a:r>
+              <a:rPr lang="de-DE" sz="1200" dirty="0" err="1" smtClean="0">
+                <a:latin typeface="Consolas" pitchFamily="49" charset="0"/>
+                <a:cs typeface="Consolas" pitchFamily="49" charset="0"/>
+              </a:rPr>
+              <a:t>id</a:t>
+            </a:r>
+            <a:r>
+              <a:rPr lang="de-DE" sz="1200" dirty="0" smtClean="0">
+                <a:latin typeface="Consolas" pitchFamily="49" charset="0"/>
+                <a:cs typeface="Consolas" pitchFamily="49" charset="0"/>
+              </a:rPr>
+              <a:t>="1"/&gt;</a:t>
+            </a:r>
+          </a:p>
+          <a:p>
+            <a:r>
+              <a:rPr lang="de-DE" sz="1200" dirty="0" smtClean="0">
+                <a:latin typeface="Consolas" pitchFamily="49" charset="0"/>
+                <a:cs typeface="Consolas" pitchFamily="49" charset="0"/>
+              </a:rPr>
+              <a:t>    &lt;/</a:t>
+            </a:r>
+            <a:r>
+              <a:rPr lang="de-DE" sz="1200" dirty="0" err="1" smtClean="0">
+                <a:latin typeface="Consolas" pitchFamily="49" charset="0"/>
+                <a:cs typeface="Consolas" pitchFamily="49" charset="0"/>
+              </a:rPr>
+              <a:t>status</a:t>
+            </a:r>
+            <a:r>
+              <a:rPr lang="de-DE" sz="1200" dirty="0" smtClean="0">
+                <a:latin typeface="Consolas" pitchFamily="49" charset="0"/>
+                <a:cs typeface="Consolas" pitchFamily="49" charset="0"/>
+              </a:rPr>
+              <a:t>&gt;</a:t>
+            </a:r>
+          </a:p>
+          <a:p>
+            <a:r>
+              <a:rPr lang="de-DE" sz="1200" dirty="0" smtClean="0">
+                <a:latin typeface="Consolas" pitchFamily="49" charset="0"/>
+                <a:cs typeface="Consolas" pitchFamily="49" charset="0"/>
+              </a:rPr>
+              <a:t>    &lt;</a:t>
+            </a:r>
+            <a:r>
+              <a:rPr lang="de-DE" sz="1200" dirty="0" err="1" smtClean="0">
+                <a:latin typeface="Consolas" pitchFamily="49" charset="0"/>
+                <a:cs typeface="Consolas" pitchFamily="49" charset="0"/>
+              </a:rPr>
+              <a:t>status</a:t>
+            </a:r>
+            <a:r>
+              <a:rPr lang="de-DE" sz="1200" dirty="0" smtClean="0">
+                <a:latin typeface="Consolas" pitchFamily="49" charset="0"/>
+                <a:cs typeface="Consolas" pitchFamily="49" charset="0"/>
+              </a:rPr>
+              <a:t> </a:t>
+            </a:r>
+            <a:r>
+              <a:rPr lang="de-DE" sz="1200" dirty="0" err="1" smtClean="0">
+                <a:latin typeface="Consolas" pitchFamily="49" charset="0"/>
+                <a:cs typeface="Consolas" pitchFamily="49" charset="0"/>
+              </a:rPr>
+              <a:t>id</a:t>
+            </a:r>
+            <a:r>
+              <a:rPr lang="de-DE" sz="1200" dirty="0" smtClean="0">
+                <a:latin typeface="Consolas" pitchFamily="49" charset="0"/>
+                <a:cs typeface="Consolas" pitchFamily="49" charset="0"/>
+              </a:rPr>
+              <a:t>="2"&gt;</a:t>
+            </a:r>
+          </a:p>
+          <a:p>
+            <a:r>
+              <a:rPr lang="de-DE" sz="1200" dirty="0" smtClean="0">
+                <a:latin typeface="Consolas" pitchFamily="49" charset="0"/>
+                <a:cs typeface="Consolas" pitchFamily="49" charset="0"/>
+              </a:rPr>
+              <a:t>        &lt;</a:t>
+            </a:r>
+            <a:r>
+              <a:rPr lang="de-DE" sz="1200" dirty="0" err="1" smtClean="0">
+                <a:latin typeface="Consolas" pitchFamily="49" charset="0"/>
+                <a:cs typeface="Consolas" pitchFamily="49" charset="0"/>
+              </a:rPr>
               <a:t>dateCreated</a:t>
             </a:r>
             <a:r>
@@ -26653,199 +26226,7 @@
                 <a:latin typeface="Consolas" pitchFamily="49" charset="0"/>
                 <a:cs typeface="Consolas" pitchFamily="49" charset="0"/>
               </a:rPr>
-              <a:t>&gt;</a:t>
-            </a:r>
-          </a:p>
-          <a:p>
-            <a:r>
-              <a:rPr lang="de-DE" sz="1200" dirty="0" smtClean="0">
-                <a:latin typeface="Consolas" pitchFamily="49" charset="0"/>
-                <a:cs typeface="Consolas" pitchFamily="49" charset="0"/>
-              </a:rPr>
-              <a:t>        &lt;</a:t>
-            </a:r>
-            <a:r>
-              <a:rPr lang="de-DE" sz="1200" dirty="0" err="1" smtClean="0">
-                <a:latin typeface="Consolas" pitchFamily="49" charset="0"/>
-                <a:cs typeface="Consolas" pitchFamily="49" charset="0"/>
-              </a:rPr>
-              <a:t>message</a:t>
-            </a:r>
-            <a:r>
-              <a:rPr lang="de-DE" sz="1200" dirty="0" smtClean="0">
-                <a:latin typeface="Consolas" pitchFamily="49" charset="0"/>
-                <a:cs typeface="Consolas" pitchFamily="49" charset="0"/>
-              </a:rPr>
-              <a:t>&gt;</a:t>
-            </a:r>
-            <a:r>
-              <a:rPr lang="de-DE" sz="1200" dirty="0" err="1" smtClean="0">
-                <a:latin typeface="Consolas" pitchFamily="49" charset="0"/>
-                <a:cs typeface="Consolas" pitchFamily="49" charset="0"/>
-              </a:rPr>
-              <a:t>My</a:t>
-            </a:r>
-            <a:r>
-              <a:rPr lang="de-DE" sz="1200" dirty="0" smtClean="0">
-                <a:latin typeface="Consolas" pitchFamily="49" charset="0"/>
-                <a:cs typeface="Consolas" pitchFamily="49" charset="0"/>
-              </a:rPr>
-              <a:t> </a:t>
-            </a:r>
-            <a:r>
-              <a:rPr lang="de-DE" sz="1200" dirty="0" err="1" smtClean="0">
-                <a:latin typeface="Consolas" pitchFamily="49" charset="0"/>
-                <a:cs typeface="Consolas" pitchFamily="49" charset="0"/>
-              </a:rPr>
-              <a:t>first</a:t>
-            </a:r>
-            <a:r>
-              <a:rPr lang="de-DE" sz="1200" dirty="0" smtClean="0">
-                <a:latin typeface="Consolas" pitchFamily="49" charset="0"/>
-                <a:cs typeface="Consolas" pitchFamily="49" charset="0"/>
-              </a:rPr>
-              <a:t> post!&lt;/</a:t>
-            </a:r>
-            <a:r>
-              <a:rPr lang="de-DE" sz="1200" dirty="0" err="1" smtClean="0">
-                <a:latin typeface="Consolas" pitchFamily="49" charset="0"/>
-                <a:cs typeface="Consolas" pitchFamily="49" charset="0"/>
-              </a:rPr>
-              <a:t>message</a:t>
-            </a:r>
-            <a:r>
-              <a:rPr lang="de-DE" sz="1200" dirty="0" smtClean="0">
-                <a:latin typeface="Consolas" pitchFamily="49" charset="0"/>
-                <a:cs typeface="Consolas" pitchFamily="49" charset="0"/>
-              </a:rPr>
-              <a:t>&gt;</a:t>
-            </a:r>
-          </a:p>
-          <a:p>
-            <a:r>
-              <a:rPr lang="de-DE" sz="1200" dirty="0" smtClean="0">
-                <a:latin typeface="Consolas" pitchFamily="49" charset="0"/>
-                <a:cs typeface="Consolas" pitchFamily="49" charset="0"/>
-              </a:rPr>
-              <a:t>        &lt;</a:t>
-            </a:r>
-            <a:r>
-              <a:rPr lang="de-DE" sz="1200" dirty="0" err="1" smtClean="0">
-                <a:latin typeface="Consolas" pitchFamily="49" charset="0"/>
-                <a:cs typeface="Consolas" pitchFamily="49" charset="0"/>
-              </a:rPr>
-              <a:t>poster</a:t>
-            </a:r>
-            <a:r>
-              <a:rPr lang="de-DE" sz="1200" dirty="0" smtClean="0">
-                <a:latin typeface="Consolas" pitchFamily="49" charset="0"/>
-                <a:cs typeface="Consolas" pitchFamily="49" charset="0"/>
-              </a:rPr>
-              <a:t> </a:t>
-            </a:r>
-            <a:r>
-              <a:rPr lang="de-DE" sz="1200" dirty="0" err="1" smtClean="0">
-                <a:latin typeface="Consolas" pitchFamily="49" charset="0"/>
-                <a:cs typeface="Consolas" pitchFamily="49" charset="0"/>
-              </a:rPr>
-              <a:t>id</a:t>
-            </a:r>
-            <a:r>
-              <a:rPr lang="de-DE" sz="1200" dirty="0" smtClean="0">
-                <a:latin typeface="Consolas" pitchFamily="49" charset="0"/>
-                <a:cs typeface="Consolas" pitchFamily="49" charset="0"/>
-              </a:rPr>
-              <a:t>="1"/&gt;</a:t>
-            </a:r>
-          </a:p>
-          <a:p>
-            <a:r>
-              <a:rPr lang="de-DE" sz="1200" dirty="0" smtClean="0">
-                <a:latin typeface="Consolas" pitchFamily="49" charset="0"/>
-                <a:cs typeface="Consolas" pitchFamily="49" charset="0"/>
-              </a:rPr>
-              <a:t>    &lt;/</a:t>
-            </a:r>
-            <a:r>
-              <a:rPr lang="de-DE" sz="1200" dirty="0" err="1" smtClean="0">
-                <a:latin typeface="Consolas" pitchFamily="49" charset="0"/>
-                <a:cs typeface="Consolas" pitchFamily="49" charset="0"/>
-              </a:rPr>
-              <a:t>status</a:t>
-            </a:r>
-            <a:r>
-              <a:rPr lang="de-DE" sz="1200" dirty="0" smtClean="0">
-                <a:latin typeface="Consolas" pitchFamily="49" charset="0"/>
-                <a:cs typeface="Consolas" pitchFamily="49" charset="0"/>
-              </a:rPr>
-              <a:t>&gt;</a:t>
-            </a:r>
-          </a:p>
-          <a:p>
-            <a:r>
-              <a:rPr lang="de-DE" sz="1200" dirty="0" smtClean="0">
-                <a:latin typeface="Consolas" pitchFamily="49" charset="0"/>
-                <a:cs typeface="Consolas" pitchFamily="49" charset="0"/>
-              </a:rPr>
-              <a:t>    &lt;</a:t>
-            </a:r>
-            <a:r>
-              <a:rPr lang="de-DE" sz="1200" dirty="0" err="1" smtClean="0">
-                <a:latin typeface="Consolas" pitchFamily="49" charset="0"/>
-                <a:cs typeface="Consolas" pitchFamily="49" charset="0"/>
-              </a:rPr>
-              <a:t>status</a:t>
-            </a:r>
-            <a:r>
-              <a:rPr lang="de-DE" sz="1200" dirty="0" smtClean="0">
-                <a:latin typeface="Consolas" pitchFamily="49" charset="0"/>
-                <a:cs typeface="Consolas" pitchFamily="49" charset="0"/>
-              </a:rPr>
-              <a:t> </a:t>
-            </a:r>
-            <a:r>
-              <a:rPr lang="de-DE" sz="1200" dirty="0" err="1" smtClean="0">
-                <a:latin typeface="Consolas" pitchFamily="49" charset="0"/>
-                <a:cs typeface="Consolas" pitchFamily="49" charset="0"/>
-              </a:rPr>
-              <a:t>id</a:t>
-            </a:r>
-            <a:r>
-              <a:rPr lang="de-DE" sz="1200" dirty="0" smtClean="0">
-                <a:latin typeface="Consolas" pitchFamily="49" charset="0"/>
-                <a:cs typeface="Consolas" pitchFamily="49" charset="0"/>
-              </a:rPr>
-              <a:t>="2"&gt;</a:t>
-            </a:r>
-          </a:p>
-          <a:p>
-            <a:r>
-              <a:rPr lang="de-DE" sz="1200" dirty="0" smtClean="0">
-                <a:latin typeface="Consolas" pitchFamily="49" charset="0"/>
-                <a:cs typeface="Consolas" pitchFamily="49" charset="0"/>
-              </a:rPr>
-              <a:t>        &lt;</a:t>
-            </a:r>
-            <a:r>
-              <a:rPr lang="de-DE" sz="1200" dirty="0" err="1" smtClean="0">
-                <a:latin typeface="Consolas" pitchFamily="49" charset="0"/>
-                <a:cs typeface="Consolas" pitchFamily="49" charset="0"/>
-              </a:rPr>
-              <a:t>dateCreated</a:t>
-            </a:r>
-            <a:r>
-              <a:rPr lang="de-DE" sz="1200" dirty="0" smtClean="0">
-                <a:latin typeface="Consolas" pitchFamily="49" charset="0"/>
-                <a:cs typeface="Consolas" pitchFamily="49" charset="0"/>
-              </a:rPr>
-              <a:t>&gt;2011-11-04 </a:t>
-            </a:r>
-            <a:r>
-              <a:rPr lang="de-DE" sz="1200" dirty="0" smtClean="0">
-                <a:latin typeface="Consolas" pitchFamily="49" charset="0"/>
-                <a:cs typeface="Consolas" pitchFamily="49" charset="0"/>
-              </a:rPr>
-              <a:t>…&lt;/</a:t>
+              <a:t>&gt;2011-11-04 …&lt;/</a:t>
             </a:r>
             <a:r>
               <a:rPr lang="de-DE" sz="1200" dirty="0" err="1" smtClean="0">
@@ -27521,30 +26902,7 @@
       </p:grpSpPr>
       <p:sp>
         <p:nvSpPr>
-          <p:cNvPr id="4" name="Textplatzhalter 3"/>
-          <p:cNvSpPr>
-            <a:spLocks noGrp="1"/>
-          </p:cNvSpPr>
-          <p:nvPr>
-            <p:ph type="body" sz="quarter" idx="10"/>
-          </p:nvPr>
-        </p:nvSpPr>
-        <p:spPr/>
-        <p:txBody>
-          <a:bodyPr/>
-          <a:lstStyle/>
-          <a:p>
-            <a:r>
-              <a:rPr lang="de-DE" dirty="0" smtClean="0"/>
-              <a:t>3</a:t>
-            </a:r>
-            <a:endParaRPr lang="de-DE" dirty="0"/>
-          </a:p>
-        </p:txBody>
-      </p:sp>
-      <p:sp>
-        <p:nvSpPr>
-          <p:cNvPr id="3" name="Titel 2"/>
+          <p:cNvPr id="2" name="Titel 1"/>
           <p:cNvSpPr>
             <a:spLocks noGrp="1"/>
           </p:cNvSpPr>
@@ -27559,11 +26917,637 @@
           <a:p>
             <a:r>
               <a:rPr lang="de-DE" dirty="0" smtClean="0"/>
-              <a:t>Live </a:t>
-            </a:r>
-            <a:r>
-              <a:rPr lang="de-DE" dirty="0" err="1" smtClean="0"/>
-              <a:t>Coding</a:t>
+              <a:t>Groovy Tag Libraries</a:t>
+            </a:r>
+            <a:endParaRPr lang="de-DE" dirty="0"/>
+          </a:p>
+        </p:txBody>
+      </p:sp>
+      <p:sp>
+        <p:nvSpPr>
+          <p:cNvPr id="4" name="Textfeld 3"/>
+          <p:cNvSpPr txBox="1"/>
+          <p:nvPr/>
+        </p:nvSpPr>
+        <p:spPr>
+          <a:xfrm>
+            <a:off x="323528" y="1340768"/>
+            <a:ext cx="7529625" cy="4247317"/>
+          </a:xfrm>
+          <a:prstGeom prst="rect">
+            <a:avLst/>
+          </a:prstGeom>
+          <a:noFill/>
+        </p:spPr>
+        <p:txBody>
+          <a:bodyPr wrap="none" rtlCol="0">
+            <a:spAutoFit/>
+          </a:bodyPr>
+          <a:lstStyle/>
+          <a:p>
+            <a:r>
+              <a:rPr lang="de-DE" dirty="0" err="1" smtClean="0">
+                <a:latin typeface="Consolas" pitchFamily="49" charset="0"/>
+                <a:cs typeface="Consolas" pitchFamily="49" charset="0"/>
+              </a:rPr>
+              <a:t>class</a:t>
+            </a:r>
+            <a:r>
+              <a:rPr lang="de-DE" dirty="0" smtClean="0">
+                <a:latin typeface="Consolas" pitchFamily="49" charset="0"/>
+                <a:cs typeface="Consolas" pitchFamily="49" charset="0"/>
+              </a:rPr>
+              <a:t> </a:t>
+            </a:r>
+            <a:r>
+              <a:rPr lang="de-DE" dirty="0" err="1" smtClean="0">
+                <a:latin typeface="Consolas" pitchFamily="49" charset="0"/>
+                <a:cs typeface="Consolas" pitchFamily="49" charset="0"/>
+              </a:rPr>
+              <a:t>TwitterTagLib</a:t>
+            </a:r>
+            <a:r>
+              <a:rPr lang="de-DE" dirty="0" smtClean="0">
+                <a:latin typeface="Consolas" pitchFamily="49" charset="0"/>
+                <a:cs typeface="Consolas" pitchFamily="49" charset="0"/>
+              </a:rPr>
+              <a:t> {</a:t>
+            </a:r>
+          </a:p>
+          <a:p>
+            <a:endParaRPr lang="de-DE" dirty="0" smtClean="0">
+              <a:latin typeface="Consolas" pitchFamily="49" charset="0"/>
+              <a:cs typeface="Consolas" pitchFamily="49" charset="0"/>
+            </a:endParaRPr>
+          </a:p>
+          <a:p>
+            <a:r>
+              <a:rPr lang="de-DE" dirty="0" smtClean="0">
+                <a:latin typeface="Consolas" pitchFamily="49" charset="0"/>
+                <a:cs typeface="Consolas" pitchFamily="49" charset="0"/>
+              </a:rPr>
+              <a:t>    </a:t>
+            </a:r>
+            <a:r>
+              <a:rPr lang="de-DE" dirty="0" err="1" smtClean="0">
+                <a:latin typeface="Consolas" pitchFamily="49" charset="0"/>
+                <a:cs typeface="Consolas" pitchFamily="49" charset="0"/>
+              </a:rPr>
+              <a:t>static</a:t>
+            </a:r>
+            <a:r>
+              <a:rPr lang="de-DE" dirty="0" smtClean="0">
+                <a:latin typeface="Consolas" pitchFamily="49" charset="0"/>
+                <a:cs typeface="Consolas" pitchFamily="49" charset="0"/>
+              </a:rPr>
+              <a:t> </a:t>
+            </a:r>
+            <a:r>
+              <a:rPr lang="de-DE" dirty="0" err="1" smtClean="0">
+                <a:latin typeface="Consolas" pitchFamily="49" charset="0"/>
+                <a:cs typeface="Consolas" pitchFamily="49" charset="0"/>
+              </a:rPr>
+              <a:t>namespace</a:t>
+            </a:r>
+            <a:r>
+              <a:rPr lang="de-DE" dirty="0" smtClean="0">
+                <a:latin typeface="Consolas" pitchFamily="49" charset="0"/>
+                <a:cs typeface="Consolas" pitchFamily="49" charset="0"/>
+              </a:rPr>
+              <a:t> = "</a:t>
+            </a:r>
+            <a:r>
+              <a:rPr lang="de-DE" dirty="0" err="1" smtClean="0">
+                <a:latin typeface="Consolas" pitchFamily="49" charset="0"/>
+                <a:cs typeface="Consolas" pitchFamily="49" charset="0"/>
+              </a:rPr>
+              <a:t>twitter</a:t>
+            </a:r>
+            <a:r>
+              <a:rPr lang="de-DE" dirty="0" smtClean="0">
+                <a:latin typeface="Consolas" pitchFamily="49" charset="0"/>
+                <a:cs typeface="Consolas" pitchFamily="49" charset="0"/>
+              </a:rPr>
+              <a:t>"</a:t>
+            </a:r>
+          </a:p>
+          <a:p>
+            <a:endParaRPr lang="de-DE" dirty="0" smtClean="0">
+              <a:latin typeface="Consolas" pitchFamily="49" charset="0"/>
+              <a:cs typeface="Consolas" pitchFamily="49" charset="0"/>
+            </a:endParaRPr>
+          </a:p>
+          <a:p>
+            <a:r>
+              <a:rPr lang="de-DE" dirty="0" smtClean="0">
+                <a:latin typeface="Consolas" pitchFamily="49" charset="0"/>
+                <a:cs typeface="Consolas" pitchFamily="49" charset="0"/>
+              </a:rPr>
+              <a:t>    </a:t>
+            </a:r>
+            <a:r>
+              <a:rPr lang="de-DE" dirty="0" err="1" smtClean="0">
+                <a:latin typeface="Consolas" pitchFamily="49" charset="0"/>
+                <a:cs typeface="Consolas" pitchFamily="49" charset="0"/>
+              </a:rPr>
+              <a:t>def</a:t>
+            </a:r>
+            <a:r>
+              <a:rPr lang="de-DE" dirty="0" smtClean="0">
+                <a:latin typeface="Consolas" pitchFamily="49" charset="0"/>
+                <a:cs typeface="Consolas" pitchFamily="49" charset="0"/>
+              </a:rPr>
+              <a:t> </a:t>
+            </a:r>
+            <a:r>
+              <a:rPr lang="de-DE" dirty="0" err="1" smtClean="0">
+                <a:latin typeface="Consolas" pitchFamily="49" charset="0"/>
+                <a:cs typeface="Consolas" pitchFamily="49" charset="0"/>
+              </a:rPr>
+              <a:t>displayStatus</a:t>
+            </a:r>
+            <a:r>
+              <a:rPr lang="de-DE" dirty="0" smtClean="0">
+                <a:latin typeface="Consolas" pitchFamily="49" charset="0"/>
+                <a:cs typeface="Consolas" pitchFamily="49" charset="0"/>
+              </a:rPr>
+              <a:t> = { </a:t>
+            </a:r>
+            <a:r>
+              <a:rPr lang="de-DE" dirty="0" err="1" smtClean="0">
+                <a:latin typeface="Consolas" pitchFamily="49" charset="0"/>
+                <a:cs typeface="Consolas" pitchFamily="49" charset="0"/>
+              </a:rPr>
+              <a:t>attrs</a:t>
+            </a:r>
+            <a:r>
+              <a:rPr lang="de-DE" dirty="0" smtClean="0">
+                <a:latin typeface="Consolas" pitchFamily="49" charset="0"/>
+                <a:cs typeface="Consolas" pitchFamily="49" charset="0"/>
+              </a:rPr>
+              <a:t>, </a:t>
+            </a:r>
+            <a:r>
+              <a:rPr lang="de-DE" dirty="0" err="1" smtClean="0">
+                <a:latin typeface="Consolas" pitchFamily="49" charset="0"/>
+                <a:cs typeface="Consolas" pitchFamily="49" charset="0"/>
+              </a:rPr>
+              <a:t>body</a:t>
+            </a:r>
+            <a:r>
+              <a:rPr lang="de-DE" dirty="0" smtClean="0">
+                <a:latin typeface="Consolas" pitchFamily="49" charset="0"/>
+                <a:cs typeface="Consolas" pitchFamily="49" charset="0"/>
+              </a:rPr>
+              <a:t> -&gt;</a:t>
+            </a:r>
+          </a:p>
+          <a:p>
+            <a:r>
+              <a:rPr lang="de-DE" dirty="0" smtClean="0">
+                <a:latin typeface="Consolas" pitchFamily="49" charset="0"/>
+                <a:cs typeface="Consolas" pitchFamily="49" charset="0"/>
+              </a:rPr>
+              <a:t>        </a:t>
+            </a:r>
+            <a:r>
+              <a:rPr lang="de-DE" dirty="0" err="1" smtClean="0">
+                <a:latin typeface="Consolas" pitchFamily="49" charset="0"/>
+                <a:cs typeface="Consolas" pitchFamily="49" charset="0"/>
+              </a:rPr>
+              <a:t>def</a:t>
+            </a:r>
+            <a:r>
+              <a:rPr lang="de-DE" dirty="0" smtClean="0">
+                <a:latin typeface="Consolas" pitchFamily="49" charset="0"/>
+                <a:cs typeface="Consolas" pitchFamily="49" charset="0"/>
+              </a:rPr>
+              <a:t> </a:t>
+            </a:r>
+            <a:r>
+              <a:rPr lang="de-DE" dirty="0" err="1" smtClean="0">
+                <a:latin typeface="Consolas" pitchFamily="49" charset="0"/>
+                <a:cs typeface="Consolas" pitchFamily="49" charset="0"/>
+              </a:rPr>
+              <a:t>status</a:t>
+            </a:r>
+            <a:r>
+              <a:rPr lang="de-DE" dirty="0" smtClean="0">
+                <a:latin typeface="Consolas" pitchFamily="49" charset="0"/>
+                <a:cs typeface="Consolas" pitchFamily="49" charset="0"/>
+              </a:rPr>
+              <a:t> = </a:t>
+            </a:r>
+            <a:r>
+              <a:rPr lang="de-DE" dirty="0" err="1" smtClean="0">
+                <a:latin typeface="Consolas" pitchFamily="49" charset="0"/>
+                <a:cs typeface="Consolas" pitchFamily="49" charset="0"/>
+              </a:rPr>
+              <a:t>attrs.status</a:t>
+            </a:r>
+            <a:r>
+              <a:rPr lang="de-DE" dirty="0" smtClean="0">
+                <a:latin typeface="Consolas" pitchFamily="49" charset="0"/>
+                <a:cs typeface="Consolas" pitchFamily="49" charset="0"/>
+              </a:rPr>
+              <a:t> </a:t>
+            </a:r>
+            <a:r>
+              <a:rPr lang="de-DE" dirty="0" err="1" smtClean="0">
+                <a:latin typeface="Consolas" pitchFamily="49" charset="0"/>
+                <a:cs typeface="Consolas" pitchFamily="49" charset="0"/>
+              </a:rPr>
+              <a:t>as</a:t>
+            </a:r>
+            <a:r>
+              <a:rPr lang="de-DE" dirty="0" smtClean="0">
+                <a:latin typeface="Consolas" pitchFamily="49" charset="0"/>
+                <a:cs typeface="Consolas" pitchFamily="49" charset="0"/>
+              </a:rPr>
+              <a:t> Status</a:t>
+            </a:r>
+          </a:p>
+          <a:p>
+            <a:r>
+              <a:rPr lang="de-DE" dirty="0" smtClean="0">
+                <a:latin typeface="Consolas" pitchFamily="49" charset="0"/>
+                <a:cs typeface="Consolas" pitchFamily="49" charset="0"/>
+              </a:rPr>
+              <a:t>        out &lt;&lt; """</a:t>
+            </a:r>
+          </a:p>
+          <a:p>
+            <a:r>
+              <a:rPr lang="de-DE" dirty="0" smtClean="0">
+                <a:latin typeface="Consolas" pitchFamily="49" charset="0"/>
+                <a:cs typeface="Consolas" pitchFamily="49" charset="0"/>
+              </a:rPr>
+              <a:t>            &lt;</a:t>
+            </a:r>
+            <a:r>
+              <a:rPr lang="de-DE" dirty="0" err="1" smtClean="0">
+                <a:latin typeface="Consolas" pitchFamily="49" charset="0"/>
+                <a:cs typeface="Consolas" pitchFamily="49" charset="0"/>
+              </a:rPr>
+              <a:t>div</a:t>
+            </a:r>
+            <a:r>
+              <a:rPr lang="de-DE" dirty="0" smtClean="0">
+                <a:latin typeface="Consolas" pitchFamily="49" charset="0"/>
+                <a:cs typeface="Consolas" pitchFamily="49" charset="0"/>
+              </a:rPr>
+              <a:t> </a:t>
+            </a:r>
+            <a:r>
+              <a:rPr lang="de-DE" dirty="0" err="1" smtClean="0">
+                <a:latin typeface="Consolas" pitchFamily="49" charset="0"/>
+                <a:cs typeface="Consolas" pitchFamily="49" charset="0"/>
+              </a:rPr>
+              <a:t>class</a:t>
+            </a:r>
+            <a:r>
+              <a:rPr lang="de-DE" dirty="0" smtClean="0">
+                <a:latin typeface="Consolas" pitchFamily="49" charset="0"/>
+                <a:cs typeface="Consolas" pitchFamily="49" charset="0"/>
+              </a:rPr>
+              <a:t>="</a:t>
+            </a:r>
+            <a:r>
+              <a:rPr lang="de-DE" dirty="0" err="1" smtClean="0">
+                <a:latin typeface="Consolas" pitchFamily="49" charset="0"/>
+                <a:cs typeface="Consolas" pitchFamily="49" charset="0"/>
+              </a:rPr>
+              <a:t>status</a:t>
+            </a:r>
+            <a:r>
+              <a:rPr lang="de-DE" dirty="0" smtClean="0">
+                <a:latin typeface="Consolas" pitchFamily="49" charset="0"/>
+                <a:cs typeface="Consolas" pitchFamily="49" charset="0"/>
+              </a:rPr>
+              <a:t>"&gt;</a:t>
+            </a:r>
+          </a:p>
+          <a:p>
+            <a:r>
+              <a:rPr lang="de-DE" dirty="0" smtClean="0">
+                <a:latin typeface="Consolas" pitchFamily="49" charset="0"/>
+                <a:cs typeface="Consolas" pitchFamily="49" charset="0"/>
+              </a:rPr>
+              <a:t>                &lt;span&gt;${</a:t>
+            </a:r>
+            <a:r>
+              <a:rPr lang="de-DE" dirty="0" err="1" smtClean="0">
+                <a:latin typeface="Consolas" pitchFamily="49" charset="0"/>
+                <a:cs typeface="Consolas" pitchFamily="49" charset="0"/>
+              </a:rPr>
+              <a:t>status.poster.username</a:t>
+            </a:r>
+            <a:r>
+              <a:rPr lang="de-DE" dirty="0" smtClean="0">
+                <a:latin typeface="Consolas" pitchFamily="49" charset="0"/>
+                <a:cs typeface="Consolas" pitchFamily="49" charset="0"/>
+              </a:rPr>
+              <a:t>} </a:t>
+            </a:r>
+            <a:r>
+              <a:rPr lang="de-DE" dirty="0" err="1" smtClean="0">
+                <a:latin typeface="Consolas" pitchFamily="49" charset="0"/>
+                <a:cs typeface="Consolas" pitchFamily="49" charset="0"/>
+              </a:rPr>
+              <a:t>posted</a:t>
+            </a:r>
+            <a:r>
+              <a:rPr lang="de-DE" dirty="0" smtClean="0">
+                <a:latin typeface="Consolas" pitchFamily="49" charset="0"/>
+                <a:cs typeface="Consolas" pitchFamily="49" charset="0"/>
+              </a:rPr>
+              <a:t> on </a:t>
+            </a:r>
+          </a:p>
+          <a:p>
+            <a:r>
+              <a:rPr lang="de-DE" dirty="0" smtClean="0">
+                <a:latin typeface="Consolas" pitchFamily="49" charset="0"/>
+                <a:cs typeface="Consolas" pitchFamily="49" charset="0"/>
+              </a:rPr>
+              <a:t>${</a:t>
+            </a:r>
+            <a:r>
+              <a:rPr lang="de-DE" dirty="0" err="1" smtClean="0">
+                <a:latin typeface="Consolas" pitchFamily="49" charset="0"/>
+                <a:cs typeface="Consolas" pitchFamily="49" charset="0"/>
+              </a:rPr>
+              <a:t>g.formatDate</a:t>
+            </a:r>
+            <a:r>
+              <a:rPr lang="de-DE" dirty="0" smtClean="0">
+                <a:latin typeface="Consolas" pitchFamily="49" charset="0"/>
+                <a:cs typeface="Consolas" pitchFamily="49" charset="0"/>
+              </a:rPr>
+              <a:t>(</a:t>
+            </a:r>
+            <a:r>
+              <a:rPr lang="de-DE" dirty="0" err="1" smtClean="0">
+                <a:latin typeface="Consolas" pitchFamily="49" charset="0"/>
+                <a:cs typeface="Consolas" pitchFamily="49" charset="0"/>
+              </a:rPr>
+              <a:t>date</a:t>
+            </a:r>
+            <a:r>
+              <a:rPr lang="de-DE" dirty="0" smtClean="0">
+                <a:latin typeface="Consolas" pitchFamily="49" charset="0"/>
+                <a:cs typeface="Consolas" pitchFamily="49" charset="0"/>
+              </a:rPr>
+              <a:t>: </a:t>
+            </a:r>
+            <a:r>
+              <a:rPr lang="de-DE" dirty="0" err="1" smtClean="0">
+                <a:latin typeface="Consolas" pitchFamily="49" charset="0"/>
+                <a:cs typeface="Consolas" pitchFamily="49" charset="0"/>
+              </a:rPr>
+              <a:t>status.dateCreated</a:t>
+            </a:r>
+            <a:r>
+              <a:rPr lang="de-DE" dirty="0" smtClean="0">
+                <a:latin typeface="Consolas" pitchFamily="49" charset="0"/>
+                <a:cs typeface="Consolas" pitchFamily="49" charset="0"/>
+              </a:rPr>
+              <a:t>)}:&lt;/span&gt;</a:t>
+            </a:r>
+          </a:p>
+          <a:p>
+            <a:r>
+              <a:rPr lang="de-DE" dirty="0" smtClean="0">
+                <a:latin typeface="Consolas" pitchFamily="49" charset="0"/>
+                <a:cs typeface="Consolas" pitchFamily="49" charset="0"/>
+              </a:rPr>
+              <a:t>                &lt;p&gt;${</a:t>
+            </a:r>
+            <a:r>
+              <a:rPr lang="de-DE" dirty="0" err="1" smtClean="0">
+                <a:latin typeface="Consolas" pitchFamily="49" charset="0"/>
+                <a:cs typeface="Consolas" pitchFamily="49" charset="0"/>
+              </a:rPr>
+              <a:t>status.message</a:t>
+            </a:r>
+            <a:r>
+              <a:rPr lang="de-DE" dirty="0" smtClean="0">
+                <a:latin typeface="Consolas" pitchFamily="49" charset="0"/>
+                <a:cs typeface="Consolas" pitchFamily="49" charset="0"/>
+              </a:rPr>
+              <a:t>}&lt;/p&gt;</a:t>
+            </a:r>
+          </a:p>
+          <a:p>
+            <a:r>
+              <a:rPr lang="de-DE" dirty="0" smtClean="0">
+                <a:latin typeface="Consolas" pitchFamily="49" charset="0"/>
+                <a:cs typeface="Consolas" pitchFamily="49" charset="0"/>
+              </a:rPr>
+              <a:t>            &lt;/</a:t>
+            </a:r>
+            <a:r>
+              <a:rPr lang="de-DE" dirty="0" err="1" smtClean="0">
+                <a:latin typeface="Consolas" pitchFamily="49" charset="0"/>
+                <a:cs typeface="Consolas" pitchFamily="49" charset="0"/>
+              </a:rPr>
+              <a:t>div</a:t>
+            </a:r>
+            <a:r>
+              <a:rPr lang="de-DE" dirty="0" smtClean="0">
+                <a:latin typeface="Consolas" pitchFamily="49" charset="0"/>
+                <a:cs typeface="Consolas" pitchFamily="49" charset="0"/>
+              </a:rPr>
+              <a:t>&gt;"""</a:t>
+            </a:r>
+          </a:p>
+          <a:p>
+            <a:r>
+              <a:rPr lang="de-DE" dirty="0" smtClean="0">
+                <a:latin typeface="Consolas" pitchFamily="49" charset="0"/>
+                <a:cs typeface="Consolas" pitchFamily="49" charset="0"/>
+              </a:rPr>
+              <a:t>    }</a:t>
+            </a:r>
+          </a:p>
+          <a:p>
+            <a:endParaRPr lang="de-DE" dirty="0" smtClean="0">
+              <a:latin typeface="Consolas" pitchFamily="49" charset="0"/>
+              <a:cs typeface="Consolas" pitchFamily="49" charset="0"/>
+            </a:endParaRPr>
+          </a:p>
+          <a:p>
+            <a:r>
+              <a:rPr lang="de-DE" dirty="0" smtClean="0">
+                <a:latin typeface="Consolas" pitchFamily="49" charset="0"/>
+                <a:cs typeface="Consolas" pitchFamily="49" charset="0"/>
+              </a:rPr>
+              <a:t>}</a:t>
+            </a:r>
+            <a:endParaRPr lang="de-DE" dirty="0">
+              <a:latin typeface="Consolas" pitchFamily="49" charset="0"/>
+              <a:cs typeface="Consolas" pitchFamily="49" charset="0"/>
+            </a:endParaRPr>
+          </a:p>
+        </p:txBody>
+      </p:sp>
+      <p:sp>
+        <p:nvSpPr>
+          <p:cNvPr id="5" name="Textfeld 4"/>
+          <p:cNvSpPr txBox="1"/>
+          <p:nvPr/>
+        </p:nvSpPr>
+        <p:spPr>
+          <a:xfrm>
+            <a:off x="3059832" y="5805264"/>
+            <a:ext cx="5630067" cy="369332"/>
+          </a:xfrm>
+          <a:prstGeom prst="rect">
+            <a:avLst/>
+          </a:prstGeom>
+          <a:noFill/>
+        </p:spPr>
+        <p:txBody>
+          <a:bodyPr wrap="none" rtlCol="0">
+            <a:spAutoFit/>
+          </a:bodyPr>
+          <a:lstStyle/>
+          <a:p>
+            <a:r>
+              <a:rPr lang="de-DE" dirty="0" smtClean="0">
+                <a:latin typeface="Consolas" pitchFamily="49" charset="0"/>
+                <a:cs typeface="Consolas" pitchFamily="49" charset="0"/>
+              </a:rPr>
+              <a:t>&lt;</a:t>
+            </a:r>
+            <a:r>
+              <a:rPr lang="de-DE" dirty="0" err="1" smtClean="0">
+                <a:latin typeface="Consolas" pitchFamily="49" charset="0"/>
+                <a:cs typeface="Consolas" pitchFamily="49" charset="0"/>
+              </a:rPr>
+              <a:t>twitter:displayStatus</a:t>
+            </a:r>
+            <a:r>
+              <a:rPr lang="de-DE" dirty="0" smtClean="0">
+                <a:latin typeface="Consolas" pitchFamily="49" charset="0"/>
+                <a:cs typeface="Consolas" pitchFamily="49" charset="0"/>
+              </a:rPr>
+              <a:t> </a:t>
+            </a:r>
+            <a:r>
+              <a:rPr lang="de-DE" dirty="0" err="1" smtClean="0">
+                <a:latin typeface="Consolas" pitchFamily="49" charset="0"/>
+                <a:cs typeface="Consolas" pitchFamily="49" charset="0"/>
+              </a:rPr>
+              <a:t>status</a:t>
+            </a:r>
+            <a:r>
+              <a:rPr lang="de-DE" dirty="0" smtClean="0">
+                <a:latin typeface="Consolas" pitchFamily="49" charset="0"/>
+                <a:cs typeface="Consolas" pitchFamily="49" charset="0"/>
+              </a:rPr>
+              <a:t>="${</a:t>
+            </a:r>
+            <a:r>
+              <a:rPr lang="de-DE" dirty="0" err="1" smtClean="0">
+                <a:latin typeface="Consolas" pitchFamily="49" charset="0"/>
+                <a:cs typeface="Consolas" pitchFamily="49" charset="0"/>
+              </a:rPr>
+              <a:t>status</a:t>
+            </a:r>
+            <a:r>
+              <a:rPr lang="de-DE" dirty="0" smtClean="0">
+                <a:latin typeface="Consolas" pitchFamily="49" charset="0"/>
+                <a:cs typeface="Consolas" pitchFamily="49" charset="0"/>
+              </a:rPr>
+              <a:t>}"/&gt;</a:t>
+            </a:r>
+          </a:p>
+        </p:txBody>
+      </p:sp>
+      <p:sp>
+        <p:nvSpPr>
+          <p:cNvPr id="6" name="Legende mit Pfeil nach unten 5"/>
+          <p:cNvSpPr/>
+          <p:nvPr/>
+        </p:nvSpPr>
+        <p:spPr>
+          <a:xfrm>
+            <a:off x="4283968" y="5013176"/>
+            <a:ext cx="3744416" cy="720080"/>
+          </a:xfrm>
+          <a:prstGeom prst="downArrowCallout">
+            <a:avLst/>
+          </a:prstGeom>
+        </p:spPr>
+        <p:style>
+          <a:lnRef idx="2">
+            <a:schemeClr val="accent5">
+              <a:shade val="50000"/>
+            </a:schemeClr>
+          </a:lnRef>
+          <a:fillRef idx="1">
+            <a:schemeClr val="accent5"/>
+          </a:fillRef>
+          <a:effectRef idx="0">
+            <a:schemeClr val="accent5"/>
+          </a:effectRef>
+          <a:fontRef idx="minor">
+            <a:schemeClr val="lt1"/>
+          </a:fontRef>
+        </p:style>
+        <p:txBody>
+          <a:bodyPr rtlCol="0" anchor="ctr"/>
+          <a:lstStyle/>
+          <a:p>
+            <a:pPr algn="ctr"/>
+            <a:r>
+              <a:rPr lang="de-DE" dirty="0" smtClean="0"/>
+              <a:t>Verwendung</a:t>
+            </a:r>
+            <a:endParaRPr lang="de-DE" dirty="0"/>
+          </a:p>
+        </p:txBody>
+      </p:sp>
+      <p:sp>
+        <p:nvSpPr>
+          <p:cNvPr id="7" name="Legende mit Pfeil nach links 6"/>
+          <p:cNvSpPr/>
+          <p:nvPr/>
+        </p:nvSpPr>
+        <p:spPr>
+          <a:xfrm>
+            <a:off x="6732240" y="1772816"/>
+            <a:ext cx="1872208" cy="1440160"/>
+          </a:xfrm>
+          <a:prstGeom prst="leftArrowCallout">
+            <a:avLst/>
+          </a:prstGeom>
+        </p:spPr>
+        <p:style>
+          <a:lnRef idx="2">
+            <a:schemeClr val="accent6">
+              <a:shade val="50000"/>
+            </a:schemeClr>
+          </a:lnRef>
+          <a:fillRef idx="1">
+            <a:schemeClr val="accent6"/>
+          </a:fillRef>
+          <a:effectRef idx="0">
+            <a:schemeClr val="accent6"/>
+          </a:effectRef>
+          <a:fontRef idx="minor">
+            <a:schemeClr val="lt1"/>
+          </a:fontRef>
+        </p:style>
+        <p:txBody>
+          <a:bodyPr rtlCol="0" anchor="ctr"/>
+          <a:lstStyle/>
+          <a:p>
+            <a:pPr algn="ctr"/>
+            <a:r>
+              <a:rPr lang="de-DE" dirty="0" smtClean="0"/>
+              <a:t>Definition</a:t>
             </a:r>
             <a:endParaRPr lang="de-DE" dirty="0"/>
           </a:p>
@@ -29058,6 +29042,89 @@
       </p:grpSpPr>
       <p:sp>
         <p:nvSpPr>
+          <p:cNvPr id="4" name="Textplatzhalter 3"/>
+          <p:cNvSpPr>
+            <a:spLocks noGrp="1"/>
+          </p:cNvSpPr>
+          <p:nvPr>
+            <p:ph type="body" sz="quarter" idx="10"/>
+          </p:nvPr>
+        </p:nvSpPr>
+        <p:spPr/>
+        <p:txBody>
+          <a:bodyPr/>
+          <a:lstStyle/>
+          <a:p>
+            <a:r>
+              <a:rPr lang="de-DE" dirty="0" smtClean="0"/>
+              <a:t>3</a:t>
+            </a:r>
+            <a:endParaRPr lang="de-DE" dirty="0"/>
+          </a:p>
+        </p:txBody>
+      </p:sp>
+      <p:sp>
+        <p:nvSpPr>
+          <p:cNvPr id="3" name="Titel 2"/>
+          <p:cNvSpPr>
+            <a:spLocks noGrp="1"/>
+          </p:cNvSpPr>
+          <p:nvPr>
+            <p:ph type="title"/>
+          </p:nvPr>
+        </p:nvSpPr>
+        <p:spPr/>
+        <p:txBody>
+          <a:bodyPr/>
+          <a:lstStyle/>
+          <a:p>
+            <a:r>
+              <a:rPr lang="de-DE" dirty="0" smtClean="0"/>
+              <a:t>Live </a:t>
+            </a:r>
+            <a:r>
+              <a:rPr lang="de-DE" dirty="0" err="1" smtClean="0"/>
+              <a:t>Coding</a:t>
+            </a:r>
+            <a:endParaRPr lang="de-DE" dirty="0"/>
+          </a:p>
+        </p:txBody>
+      </p:sp>
+    </p:spTree>
+  </p:cSld>
+  <p:clrMapOvr>
+    <a:masterClrMapping/>
+  </p:clrMapOvr>
+  <p:transition spd="slow" advTm="10000"/>
+  <p:timing>
+    <p:tnLst>
+      <p:par>
+        <p:cTn id="1" dur="indefinite" restart="never" nodeType="tmRoot"/>
+      </p:par>
+    </p:tnLst>
+  </p:timing>
+</p:sld>
+</file>
+
+<file path=ppt/slides/slide31.xml><?xml version="1.0" encoding="utf-8"?>
+<p:sld xmlns:a="http://schemas.openxmlformats.org/drawingml/2006/main" xmlns:r="http://schemas.openxmlformats.org/officeDocument/2006/relationships" xmlns:p="http://schemas.openxmlformats.org/presentationml/2006/main">
+  <p:cSld>
+    <p:spTree>
+      <p:nvGrpSpPr>
+        <p:cNvPr id="1" name=""/>
+        <p:cNvGrpSpPr/>
+        <p:nvPr/>
+      </p:nvGrpSpPr>
+      <p:grpSpPr>
+        <a:xfrm>
+          <a:off x="0" y="0"/>
+          <a:ext cx="0" cy="0"/>
+          <a:chOff x="0" y="0"/>
+          <a:chExt cx="0" cy="0"/>
+        </a:xfrm>
+      </p:grpSpPr>
+      <p:sp>
+        <p:nvSpPr>
           <p:cNvPr id="4" name="Titel 3"/>
           <p:cNvSpPr>
             <a:spLocks noGrp="1"/>
@@ -29185,7 +29252,7 @@
 </p:sld>
 </file>
 
-<file path=ppt/slides/slide31.xml><?xml version="1.0" encoding="utf-8"?>
+<file path=ppt/slides/slide32.xml><?xml version="1.0" encoding="utf-8"?>
 <p:sld xmlns:a="http://schemas.openxmlformats.org/drawingml/2006/main" xmlns:r="http://schemas.openxmlformats.org/officeDocument/2006/relationships" xmlns:p="http://schemas.openxmlformats.org/presentationml/2006/main">
   <p:cSld>
     <p:spTree>
@@ -29264,205 +29331,6 @@
 </p:sld>
 </file>
 
-<file path=ppt/slides/slide32.xml><?xml version="1.0" encoding="utf-8"?>
-<p:sld xmlns:a="http://schemas.openxmlformats.org/drawingml/2006/main" xmlns:r="http://schemas.openxmlformats.org/officeDocument/2006/relationships" xmlns:p="http://schemas.openxmlformats.org/presentationml/2006/main">
-  <p:cSld>
-    <p:spTree>
-      <p:nvGrpSpPr>
-        <p:cNvPr id="1" name=""/>
-        <p:cNvGrpSpPr/>
-        <p:nvPr/>
-      </p:nvGrpSpPr>
-      <p:grpSpPr>
-        <a:xfrm>
-          <a:off x="0" y="0"/>
-          <a:ext cx="0" cy="0"/>
-          <a:chOff x="0" y="0"/>
-          <a:chExt cx="0" cy="0"/>
-        </a:xfrm>
-      </p:grpSpPr>
-      <p:sp>
-        <p:nvSpPr>
-          <p:cNvPr id="2" name="Titel 1"/>
-          <p:cNvSpPr>
-            <a:spLocks noGrp="1"/>
-          </p:cNvSpPr>
-          <p:nvPr>
-            <p:ph type="title"/>
-          </p:nvPr>
-        </p:nvSpPr>
-        <p:spPr/>
-        <p:txBody>
-          <a:bodyPr/>
-          <a:lstStyle/>
-          <a:p>
-            <a:r>
-              <a:rPr lang="de-DE" dirty="0" smtClean="0"/>
-              <a:t>Im Netz...</a:t>
-            </a:r>
-            <a:endParaRPr lang="de-DE" dirty="0"/>
-          </a:p>
-        </p:txBody>
-      </p:sp>
-      <p:sp>
-        <p:nvSpPr>
-          <p:cNvPr id="4" name="Rechteck 3"/>
-          <p:cNvSpPr/>
-          <p:nvPr/>
-        </p:nvSpPr>
-        <p:spPr>
-          <a:xfrm>
-            <a:off x="323410" y="1628750"/>
-            <a:ext cx="8497180" cy="4154984"/>
-          </a:xfrm>
-          <a:prstGeom prst="rect">
-            <a:avLst/>
-          </a:prstGeom>
-        </p:spPr>
-        <p:txBody>
-          <a:bodyPr wrap="square">
-            <a:spAutoFit/>
-          </a:bodyPr>
-          <a:lstStyle/>
-          <a:p>
-            <a:pPr algn="ctr">
-              <a:lnSpc>
-                <a:spcPct val="120000"/>
-              </a:lnSpc>
-            </a:pPr>
-            <a:r>
-              <a:rPr lang="de-DE" sz="2400" b="1" dirty="0" smtClean="0"/>
-              <a:t>Groovy &amp; </a:t>
-            </a:r>
-            <a:r>
-              <a:rPr lang="de-DE" sz="2400" b="1" dirty="0" err="1" smtClean="0"/>
-              <a:t>Grails</a:t>
-            </a:r>
-            <a:r>
-              <a:rPr lang="de-DE" sz="2400" b="1" dirty="0" smtClean="0"/>
-              <a:t>:</a:t>
-            </a:r>
-          </a:p>
-          <a:p>
-            <a:pPr algn="ctr">
-              <a:lnSpc>
-                <a:spcPct val="120000"/>
-              </a:lnSpc>
-            </a:pPr>
-            <a:r>
-              <a:rPr lang="de-DE" sz="2400" dirty="0" smtClean="0">
-                <a:hlinkClick r:id="rId2"/>
-              </a:rPr>
-              <a:t>http://grails.org/</a:t>
-            </a:r>
-            <a:endParaRPr lang="de-DE" sz="2400" dirty="0" smtClean="0"/>
-          </a:p>
-          <a:p>
-            <a:pPr algn="ctr">
-              <a:lnSpc>
-                <a:spcPct val="120000"/>
-              </a:lnSpc>
-            </a:pPr>
-            <a:r>
-              <a:rPr lang="de-DE" sz="2400" dirty="0" smtClean="0">
-                <a:hlinkClick r:id="rId3"/>
-              </a:rPr>
-              <a:t>http://groovy.codehaus.org/</a:t>
-            </a:r>
-            <a:endParaRPr lang="de-DE" sz="2400" dirty="0"/>
-          </a:p>
-          <a:p>
-            <a:pPr algn="ctr">
-              <a:lnSpc>
-                <a:spcPct val="120000"/>
-              </a:lnSpc>
-            </a:pPr>
-            <a:endParaRPr lang="de-DE" sz="2400" dirty="0" smtClean="0"/>
-          </a:p>
-          <a:p>
-            <a:pPr algn="ctr">
-              <a:lnSpc>
-                <a:spcPct val="120000"/>
-              </a:lnSpc>
-            </a:pPr>
-            <a:r>
-              <a:rPr lang="de-DE" sz="2400" b="1" dirty="0" smtClean="0"/>
-              <a:t>Beispiele:</a:t>
-            </a:r>
-          </a:p>
-          <a:p>
-            <a:pPr algn="ctr">
-              <a:lnSpc>
-                <a:spcPct val="120000"/>
-              </a:lnSpc>
-            </a:pPr>
-            <a:r>
-              <a:rPr lang="de-DE" sz="2400" dirty="0" smtClean="0">
-                <a:hlinkClick r:id="rId4"/>
-              </a:rPr>
-              <a:t>https://github.com/codescape/presentations</a:t>
-            </a:r>
-            <a:endParaRPr lang="de-DE" sz="2400" dirty="0" smtClean="0"/>
-          </a:p>
-          <a:p>
-            <a:pPr algn="ctr">
-              <a:lnSpc>
-                <a:spcPct val="120000"/>
-              </a:lnSpc>
-            </a:pPr>
-            <a:endParaRPr lang="de-DE" sz="2400" b="1" dirty="0" smtClean="0"/>
-          </a:p>
-          <a:p>
-            <a:pPr algn="ctr">
-              <a:lnSpc>
-                <a:spcPct val="120000"/>
-              </a:lnSpc>
-            </a:pPr>
-            <a:r>
-              <a:rPr lang="de-DE" sz="2400" b="1" dirty="0" err="1" smtClean="0"/>
-              <a:t>Twitter</a:t>
-            </a:r>
-            <a:r>
-              <a:rPr lang="de-DE" sz="2400" b="1" dirty="0" smtClean="0"/>
-              <a:t>:</a:t>
-            </a:r>
-          </a:p>
-          <a:p>
-            <a:pPr algn="ctr">
-              <a:lnSpc>
-                <a:spcPct val="120000"/>
-              </a:lnSpc>
-            </a:pPr>
-            <a:r>
-              <a:rPr lang="de-DE" sz="2400" dirty="0" smtClean="0">
-                <a:hlinkClick r:id="rId5"/>
-              </a:rPr>
-              <a:t>@</a:t>
-            </a:r>
-            <a:r>
-              <a:rPr lang="de-DE" sz="2400" dirty="0" err="1" smtClean="0">
-                <a:hlinkClick r:id="rId5"/>
-              </a:rPr>
-              <a:t>stefanglase</a:t>
-            </a:r>
-            <a:endParaRPr lang="de-DE" sz="2400" dirty="0"/>
-          </a:p>
-        </p:txBody>
-      </p:sp>
-    </p:spTree>
-    <p:extLst>
-      <p:ext uri="{BB962C8B-B14F-4D97-AF65-F5344CB8AC3E}">
-        <p14:creationId xmlns:p14="http://schemas.microsoft.com/office/powerpoint/2010/main" xmlns="" val="1364891894"/>
-      </p:ext>
-    </p:extLst>
-  </p:cSld>
-  <p:clrMapOvr>
-    <a:masterClrMapping/>
-  </p:clrMapOvr>
-  <p:transition spd="slow"/>
-</p:sld>
-</file>
-
 <file path=ppt/slides/slide33.xml><?xml version="1.0" encoding="utf-8"?>
 <p:sld xmlns:a="http://schemas.openxmlformats.org/drawingml/2006/main" xmlns:r="http://schemas.openxmlformats.org/officeDocument/2006/relationships" xmlns:p="http://schemas.openxmlformats.org/presentationml/2006/main">
   <p:cSld>
@@ -29497,6 +29365,205 @@
           <a:p>
             <a:r>
               <a:rPr lang="de-DE" dirty="0" smtClean="0"/>
+              <a:t>Im Netz...</a:t>
+            </a:r>
+            <a:endParaRPr lang="de-DE" dirty="0"/>
+          </a:p>
+        </p:txBody>
+      </p:sp>
+      <p:sp>
+        <p:nvSpPr>
+          <p:cNvPr id="4" name="Rechteck 3"/>
+          <p:cNvSpPr/>
+          <p:nvPr/>
+        </p:nvSpPr>
+        <p:spPr>
+          <a:xfrm>
+            <a:off x="323410" y="1628750"/>
+            <a:ext cx="8497180" cy="4154984"/>
+          </a:xfrm>
+          <a:prstGeom prst="rect">
+            <a:avLst/>
+          </a:prstGeom>
+        </p:spPr>
+        <p:txBody>
+          <a:bodyPr wrap="square">
+            <a:spAutoFit/>
+          </a:bodyPr>
+          <a:lstStyle/>
+          <a:p>
+            <a:pPr algn="ctr">
+              <a:lnSpc>
+                <a:spcPct val="120000"/>
+              </a:lnSpc>
+            </a:pPr>
+            <a:r>
+              <a:rPr lang="de-DE" sz="2400" b="1" dirty="0" smtClean="0"/>
+              <a:t>Groovy &amp; </a:t>
+            </a:r>
+            <a:r>
+              <a:rPr lang="de-DE" sz="2400" b="1" dirty="0" err="1" smtClean="0"/>
+              <a:t>Grails</a:t>
+            </a:r>
+            <a:r>
+              <a:rPr lang="de-DE" sz="2400" b="1" dirty="0" smtClean="0"/>
+              <a:t>:</a:t>
+            </a:r>
+          </a:p>
+          <a:p>
+            <a:pPr algn="ctr">
+              <a:lnSpc>
+                <a:spcPct val="120000"/>
+              </a:lnSpc>
+            </a:pPr>
+            <a:r>
+              <a:rPr lang="de-DE" sz="2400" dirty="0" smtClean="0">
+                <a:hlinkClick r:id="rId2"/>
+              </a:rPr>
+              <a:t>http://grails.org/</a:t>
+            </a:r>
+            <a:endParaRPr lang="de-DE" sz="2400" dirty="0" smtClean="0"/>
+          </a:p>
+          <a:p>
+            <a:pPr algn="ctr">
+              <a:lnSpc>
+                <a:spcPct val="120000"/>
+              </a:lnSpc>
+            </a:pPr>
+            <a:r>
+              <a:rPr lang="de-DE" sz="2400" dirty="0" smtClean="0">
+                <a:hlinkClick r:id="rId3"/>
+              </a:rPr>
+              <a:t>http://groovy.codehaus.org/</a:t>
+            </a:r>
+            <a:endParaRPr lang="de-DE" sz="2400" dirty="0"/>
+          </a:p>
+          <a:p>
+            <a:pPr algn="ctr">
+              <a:lnSpc>
+                <a:spcPct val="120000"/>
+              </a:lnSpc>
+            </a:pPr>
+            <a:endParaRPr lang="de-DE" sz="2400" dirty="0" smtClean="0"/>
+          </a:p>
+          <a:p>
+            <a:pPr algn="ctr">
+              <a:lnSpc>
+                <a:spcPct val="120000"/>
+              </a:lnSpc>
+            </a:pPr>
+            <a:r>
+              <a:rPr lang="de-DE" sz="2400" b="1" dirty="0" smtClean="0"/>
+              <a:t>Beispiele:</a:t>
+            </a:r>
+          </a:p>
+          <a:p>
+            <a:pPr algn="ctr">
+              <a:lnSpc>
+                <a:spcPct val="120000"/>
+              </a:lnSpc>
+            </a:pPr>
+            <a:r>
+              <a:rPr lang="de-DE" sz="2400" dirty="0" smtClean="0">
+                <a:hlinkClick r:id="rId4"/>
+              </a:rPr>
+              <a:t>https://github.com/codescape/presentations</a:t>
+            </a:r>
+            <a:endParaRPr lang="de-DE" sz="2400" dirty="0" smtClean="0"/>
+          </a:p>
+          <a:p>
+            <a:pPr algn="ctr">
+              <a:lnSpc>
+                <a:spcPct val="120000"/>
+              </a:lnSpc>
+            </a:pPr>
+            <a:endParaRPr lang="de-DE" sz="2400" b="1" dirty="0" smtClean="0"/>
+          </a:p>
+          <a:p>
+            <a:pPr algn="ctr">
+              <a:lnSpc>
+                <a:spcPct val="120000"/>
+              </a:lnSpc>
+            </a:pPr>
+            <a:r>
+              <a:rPr lang="de-DE" sz="2400" b="1" dirty="0" err="1" smtClean="0"/>
+              <a:t>Twitter</a:t>
+            </a:r>
+            <a:r>
+              <a:rPr lang="de-DE" sz="2400" b="1" dirty="0" smtClean="0"/>
+              <a:t>:</a:t>
+            </a:r>
+          </a:p>
+          <a:p>
+            <a:pPr algn="ctr">
+              <a:lnSpc>
+                <a:spcPct val="120000"/>
+              </a:lnSpc>
+            </a:pPr>
+            <a:r>
+              <a:rPr lang="de-DE" sz="2400" dirty="0" smtClean="0">
+                <a:hlinkClick r:id="rId5"/>
+              </a:rPr>
+              <a:t>@</a:t>
+            </a:r>
+            <a:r>
+              <a:rPr lang="de-DE" sz="2400" dirty="0" err="1" smtClean="0">
+                <a:hlinkClick r:id="rId5"/>
+              </a:rPr>
+              <a:t>stefanglase</a:t>
+            </a:r>
+            <a:endParaRPr lang="de-DE" sz="2400" dirty="0"/>
+          </a:p>
+        </p:txBody>
+      </p:sp>
+    </p:spTree>
+    <p:extLst>
+      <p:ext uri="{BB962C8B-B14F-4D97-AF65-F5344CB8AC3E}">
+        <p14:creationId xmlns:p14="http://schemas.microsoft.com/office/powerpoint/2010/main" val="1364891894"/>
+      </p:ext>
+    </p:extLst>
+  </p:cSld>
+  <p:clrMapOvr>
+    <a:masterClrMapping/>
+  </p:clrMapOvr>
+  <p:transition spd="slow"/>
+</p:sld>
+</file>
+
+<file path=ppt/slides/slide34.xml><?xml version="1.0" encoding="utf-8"?>
+<p:sld xmlns:a="http://schemas.openxmlformats.org/drawingml/2006/main" xmlns:r="http://schemas.openxmlformats.org/officeDocument/2006/relationships" xmlns:p="http://schemas.openxmlformats.org/presentationml/2006/main">
+  <p:cSld>
+    <p:spTree>
+      <p:nvGrpSpPr>
+        <p:cNvPr id="1" name=""/>
+        <p:cNvGrpSpPr/>
+        <p:nvPr/>
+      </p:nvGrpSpPr>
+      <p:grpSpPr>
+        <a:xfrm>
+          <a:off x="0" y="0"/>
+          <a:ext cx="0" cy="0"/>
+          <a:chOff x="0" y="0"/>
+          <a:chExt cx="0" cy="0"/>
+        </a:xfrm>
+      </p:grpSpPr>
+      <p:sp>
+        <p:nvSpPr>
+          <p:cNvPr id="2" name="Titel 1"/>
+          <p:cNvSpPr>
+            <a:spLocks noGrp="1"/>
+          </p:cNvSpPr>
+          <p:nvPr>
+            <p:ph type="title"/>
+          </p:nvPr>
+        </p:nvSpPr>
+        <p:spPr/>
+        <p:txBody>
+          <a:bodyPr/>
+          <a:lstStyle/>
+          <a:p>
+            <a:r>
+              <a:rPr lang="de-DE" dirty="0" smtClean="0"/>
               <a:t>Fragen und Antworten</a:t>
             </a:r>
             <a:endParaRPr lang="de-DE" dirty="0"/>
@@ -29512,7 +29579,7 @@
 </p:sld>
 </file>
 
-<file path=ppt/slides/slide34.xml><?xml version="1.0" encoding="utf-8"?>
+<file path=ppt/slides/slide35.xml><?xml version="1.0" encoding="utf-8"?>
 <p:sld xmlns:a="http://schemas.openxmlformats.org/drawingml/2006/main" xmlns:r="http://schemas.openxmlformats.org/officeDocument/2006/relationships" xmlns:p="http://schemas.openxmlformats.org/presentationml/2006/main">
   <p:cSld>
     <p:spTree>
@@ -29604,15 +29671,7 @@
           <a:p>
             <a:r>
               <a:rPr sz="1600" dirty="0" smtClean="0"/>
-              <a:t>OPITZ CONSULTING </a:t>
-            </a:r>
-            <a:r>
-              <a:rPr sz="1600" dirty="0" err="1" smtClean="0"/>
-              <a:t>Gummersbach</a:t>
-            </a:r>
-            <a:r>
-              <a:rPr sz="1600" dirty="0" smtClean="0"/>
-              <a:t> GmbH</a:t>
+              <a:t>OPITZ CONSULTING Gummersbach GmbH</a:t>
             </a:r>
             <a:br>
               <a:rPr sz="1600" dirty="0" smtClean="0"/>
@@ -29642,12 +29701,8 @@
               </a:rPr>
             </a:br>
             <a:r>
-              <a:rPr sz="1600" dirty="0" err="1" smtClean="0"/>
-              <a:t>Telefon</a:t>
-            </a:r>
-            <a:r>
               <a:rPr sz="1600" dirty="0" smtClean="0"/>
-              <a:t>	+49 2261 60 01</a:t>
+              <a:t>Telefon	+49 2261 60 01</a:t>
             </a:r>
             <a:r>
               <a:rPr lang="de-DE" sz="1600" dirty="0" smtClean="0"/>
@@ -29657,13 +29712,8 @@
               <a:rPr sz="1600" dirty="0" smtClean="0"/>
               <a:t>1093</a:t>
             </a:r>
-            <a:br>
-              <a:rPr sz="1600" dirty="0" smtClean="0"/>
-            </a:br>
-            <a:r>
-              <a:rPr sz="1600" dirty="0" smtClean="0"/>
-              <a:t>Mobil	+49 173 7276096</a:t>
-            </a:r>
+          </a:p>
+          <a:p>
             <a:endParaRPr lang="de-DE" sz="1600" dirty="0"/>
           </a:p>
         </p:txBody>
@@ -29709,7 +29759,7 @@
         <p:spPr>
           <a:xfrm>
             <a:off x="357188" y="3284414"/>
-            <a:ext cx="6715142" cy="1143008"/>
+            <a:ext cx="6715142" cy="1080690"/>
           </a:xfrm>
         </p:spPr>
         <p:txBody>
@@ -29720,15 +29770,7 @@
           <a:p>
             <a:r>
               <a:rPr sz="1600" dirty="0" smtClean="0"/>
-              <a:t>OPITZ CONSULTING </a:t>
-            </a:r>
-            <a:r>
-              <a:rPr sz="1600" dirty="0" err="1" smtClean="0"/>
-              <a:t>Gummersbach</a:t>
-            </a:r>
-            <a:r>
-              <a:rPr sz="1600" dirty="0" smtClean="0"/>
-              <a:t> GmbH</a:t>
+              <a:t>OPITZ CONSULTING Gummersbach GmbH</a:t>
             </a:r>
             <a:br>
               <a:rPr sz="1600" dirty="0" smtClean="0"/>
@@ -29747,12 +29789,8 @@
               <a:rPr sz="1600" dirty="0" smtClean="0"/>
             </a:br>
             <a:r>
-              <a:rPr sz="1600" dirty="0" err="1" smtClean="0"/>
-              <a:t>Telefon</a:t>
-            </a:r>
-            <a:r>
               <a:rPr sz="1600" dirty="0" smtClean="0"/>
-              <a:t>	</a:t>
+              <a:t>Telefon	</a:t>
             </a:r>
             <a:r>
               <a:rPr lang="de-DE" sz="1600" dirty="0" smtClean="0"/>
@@ -29765,18 +29803,6 @@
             <a:br>
               <a:rPr sz="1600" dirty="0" smtClean="0"/>
             </a:br>
-            <a:r>
-              <a:rPr sz="1600" dirty="0" smtClean="0"/>
-              <a:t>Mobil	</a:t>
-            </a:r>
-            <a:r>
-              <a:rPr lang="de-DE" sz="1600" dirty="0" smtClean="0"/>
-              <a:t>+49 </a:t>
-            </a:r>
-            <a:r>
-              <a:rPr lang="de-DE" dirty="0" smtClean="0"/>
-              <a:t>173 9793370</a:t>
-            </a:r>
             <a:endParaRPr sz="1600" dirty="0" smtClean="0"/>
           </a:p>
         </p:txBody>
@@ -30346,7 +30372,7 @@
             <a:blip r:embed="rId5" cstate="print">
               <a:extLst>
                 <a:ext uri="{28A0092B-C50C-407E-A947-70E740481C1C}">
-                  <a14:useLocalDpi xmlns:a14="http://schemas.microsoft.com/office/drawing/2010/main" xmlns="" val="0"/>
+                  <a14:useLocalDpi xmlns:a14="http://schemas.microsoft.com/office/drawing/2010/main" val="0"/>
                 </a:ext>
               </a:extLst>
             </a:blip>
@@ -30376,7 +30402,7 @@
             <a:blip r:embed="rId6" cstate="print">
               <a:extLst>
                 <a:ext uri="{28A0092B-C50C-407E-A947-70E740481C1C}">
-                  <a14:useLocalDpi xmlns:a14="http://schemas.microsoft.com/office/drawing/2010/main" xmlns="" val="0"/>
+                  <a14:useLocalDpi xmlns:a14="http://schemas.microsoft.com/office/drawing/2010/main" val="0"/>
                 </a:ext>
               </a:extLst>
             </a:blip>
@@ -30406,7 +30432,7 @@
             <a:blip r:embed="rId7" cstate="print">
               <a:extLst>
                 <a:ext uri="{28A0092B-C50C-407E-A947-70E740481C1C}">
-                  <a14:useLocalDpi xmlns:a14="http://schemas.microsoft.com/office/drawing/2010/main" xmlns="" val="0"/>
+                  <a14:useLocalDpi xmlns:a14="http://schemas.microsoft.com/office/drawing/2010/main" val="0"/>
                 </a:ext>
               </a:extLst>
             </a:blip>
@@ -30475,7 +30501,7 @@
     </p:spTree>
     <p:extLst>
       <p:ext uri="{BB962C8B-B14F-4D97-AF65-F5344CB8AC3E}">
-        <p14:creationId xmlns:p14="http://schemas.microsoft.com/office/powerpoint/2010/main" xmlns="" val="1074872443"/>
+        <p14:creationId xmlns:p14="http://schemas.microsoft.com/office/powerpoint/2010/main" val="1074872443"/>
       </p:ext>
     </p:extLst>
   </p:cSld>
@@ -30633,7 +30659,7 @@
             <p:ph idx="1"/>
             <p:extLst>
               <p:ext uri="{D42A27DB-BD31-4B8C-83A1-F6EECF244321}">
-                <p14:modId xmlns:p14="http://schemas.microsoft.com/office/powerpoint/2010/main" xmlns="" val="3161229493"/>
+                <p14:modId xmlns:p14="http://schemas.microsoft.com/office/powerpoint/2010/main" val="3161229493"/>
               </p:ext>
             </p:extLst>
           </p:nvPr>
@@ -31882,7 +31908,7 @@
           <a:blip r:embed="rId2" cstate="print">
             <a:extLst>
               <a:ext uri="{28A0092B-C50C-407E-A947-70E740481C1C}">
-                <a14:useLocalDpi xmlns:a14="http://schemas.microsoft.com/office/drawing/2010/main" xmlns="" val="0"/>
+                <a14:useLocalDpi xmlns:a14="http://schemas.microsoft.com/office/drawing/2010/main" val="0"/>
               </a:ext>
             </a:extLst>
           </a:blip>
@@ -31912,7 +31938,7 @@
           <a:blip r:embed="rId3" cstate="print">
             <a:extLst>
               <a:ext uri="{28A0092B-C50C-407E-A947-70E740481C1C}">
-                <a14:useLocalDpi xmlns:a14="http://schemas.microsoft.com/office/drawing/2010/main" xmlns="" val="0"/>
+                <a14:useLocalDpi xmlns:a14="http://schemas.microsoft.com/office/drawing/2010/main" val="0"/>
               </a:ext>
             </a:extLst>
           </a:blip>
@@ -31942,7 +31968,7 @@
           <a:blip r:embed="rId4" cstate="print">
             <a:extLst>
               <a:ext uri="{28A0092B-C50C-407E-A947-70E740481C1C}">
-                <a14:useLocalDpi xmlns:a14="http://schemas.microsoft.com/office/drawing/2010/main" xmlns="" val="0"/>
+                <a14:useLocalDpi xmlns:a14="http://schemas.microsoft.com/office/drawing/2010/main" val="0"/>
               </a:ext>
             </a:extLst>
           </a:blip>
@@ -31963,7 +31989,7 @@
     </p:spTree>
     <p:extLst>
       <p:ext uri="{BB962C8B-B14F-4D97-AF65-F5344CB8AC3E}">
-        <p14:creationId xmlns:p14="http://schemas.microsoft.com/office/powerpoint/2010/main" xmlns="" val="2868768242"/>
+        <p14:creationId xmlns:p14="http://schemas.microsoft.com/office/powerpoint/2010/main" val="2868768242"/>
       </p:ext>
     </p:extLst>
   </p:cSld>
@@ -32325,6 +32351,232 @@
       </p:grpSpPr>
       <p:sp>
         <p:nvSpPr>
+          <p:cNvPr id="2" name="Titel 1"/>
+          <p:cNvSpPr>
+            <a:spLocks noGrp="1"/>
+          </p:cNvSpPr>
+          <p:nvPr>
+            <p:ph type="title"/>
+          </p:nvPr>
+        </p:nvSpPr>
+        <p:spPr/>
+        <p:txBody>
+          <a:bodyPr/>
+          <a:lstStyle/>
+          <a:p>
+            <a:r>
+              <a:rPr lang="de-DE" dirty="0" err="1" smtClean="0"/>
+              <a:t>Hello</a:t>
+            </a:r>
+            <a:r>
+              <a:rPr lang="de-DE" dirty="0" smtClean="0"/>
+              <a:t> World mit Groovy</a:t>
+            </a:r>
+            <a:endParaRPr lang="de-DE" dirty="0"/>
+          </a:p>
+        </p:txBody>
+      </p:sp>
+      <p:sp>
+        <p:nvSpPr>
+          <p:cNvPr id="4" name="Textfeld 3"/>
+          <p:cNvSpPr txBox="1"/>
+          <p:nvPr/>
+        </p:nvSpPr>
+        <p:spPr>
+          <a:xfrm>
+            <a:off x="683569" y="2191504"/>
+            <a:ext cx="7776864" cy="2677656"/>
+          </a:xfrm>
+          <a:prstGeom prst="rect">
+            <a:avLst/>
+          </a:prstGeom>
+          <a:noFill/>
+        </p:spPr>
+        <p:txBody>
+          <a:bodyPr wrap="square" rtlCol="0">
+            <a:spAutoFit/>
+          </a:bodyPr>
+          <a:lstStyle/>
+          <a:p>
+            <a:r>
+              <a:rPr lang="de-DE" sz="2400" dirty="0" err="1" smtClean="0">
+                <a:latin typeface="Consolas" pitchFamily="49" charset="0"/>
+                <a:cs typeface="Consolas" pitchFamily="49" charset="0"/>
+              </a:rPr>
+              <a:t>class</a:t>
+            </a:r>
+            <a:r>
+              <a:rPr lang="de-DE" sz="2400" dirty="0" smtClean="0">
+                <a:latin typeface="Consolas" pitchFamily="49" charset="0"/>
+                <a:cs typeface="Consolas" pitchFamily="49" charset="0"/>
+              </a:rPr>
+              <a:t> </a:t>
+            </a:r>
+            <a:r>
+              <a:rPr lang="de-DE" sz="2400" dirty="0" err="1" smtClean="0">
+                <a:latin typeface="Consolas" pitchFamily="49" charset="0"/>
+                <a:cs typeface="Consolas" pitchFamily="49" charset="0"/>
+              </a:rPr>
+              <a:t>Greeter</a:t>
+            </a:r>
+            <a:r>
+              <a:rPr lang="de-DE" sz="2400" dirty="0" smtClean="0">
+                <a:latin typeface="Consolas" pitchFamily="49" charset="0"/>
+                <a:cs typeface="Consolas" pitchFamily="49" charset="0"/>
+              </a:rPr>
+              <a:t> {</a:t>
+            </a:r>
+          </a:p>
+          <a:p>
+            <a:r>
+              <a:rPr lang="de-DE" sz="2400" dirty="0" smtClean="0">
+                <a:latin typeface="Consolas" pitchFamily="49" charset="0"/>
+                <a:cs typeface="Consolas" pitchFamily="49" charset="0"/>
+              </a:rPr>
+              <a:t>    </a:t>
+            </a:r>
+            <a:r>
+              <a:rPr lang="en-US" sz="2400" dirty="0" smtClean="0">
+                <a:latin typeface="Consolas" pitchFamily="49" charset="0"/>
+                <a:cs typeface="Consolas" pitchFamily="49" charset="0"/>
+              </a:rPr>
+              <a:t>def name</a:t>
+            </a:r>
+            <a:endParaRPr lang="de-DE" sz="2400" dirty="0" smtClean="0">
+              <a:latin typeface="Consolas" pitchFamily="49" charset="0"/>
+              <a:cs typeface="Consolas" pitchFamily="49" charset="0"/>
+            </a:endParaRPr>
+          </a:p>
+          <a:p>
+            <a:r>
+              <a:rPr lang="en-US" sz="2400" dirty="0" smtClean="0">
+                <a:latin typeface="Consolas" pitchFamily="49" charset="0"/>
+                <a:cs typeface="Consolas" pitchFamily="49" charset="0"/>
+              </a:rPr>
+              <a:t>    def greet() { "Hello $name!" }</a:t>
+            </a:r>
+            <a:br>
+              <a:rPr lang="en-US" sz="2400" dirty="0" smtClean="0">
+                <a:latin typeface="Consolas" pitchFamily="49" charset="0"/>
+                <a:cs typeface="Consolas" pitchFamily="49" charset="0"/>
+              </a:rPr>
+            </a:br>
+            <a:r>
+              <a:rPr lang="en-US" sz="2400" dirty="0" smtClean="0">
+                <a:latin typeface="Consolas" pitchFamily="49" charset="0"/>
+                <a:cs typeface="Consolas" pitchFamily="49" charset="0"/>
+              </a:rPr>
+              <a:t>}</a:t>
+            </a:r>
+            <a:br>
+              <a:rPr lang="en-US" sz="2400" dirty="0" smtClean="0">
+                <a:latin typeface="Consolas" pitchFamily="49" charset="0"/>
+                <a:cs typeface="Consolas" pitchFamily="49" charset="0"/>
+              </a:rPr>
+            </a:br>
+            <a:r>
+              <a:rPr lang="en-US" sz="2400" dirty="0" smtClean="0">
+                <a:latin typeface="Consolas" pitchFamily="49" charset="0"/>
+                <a:cs typeface="Consolas" pitchFamily="49" charset="0"/>
+              </a:rPr>
+              <a:t/>
+            </a:r>
+            <a:br>
+              <a:rPr lang="en-US" sz="2400" dirty="0" smtClean="0">
+                <a:latin typeface="Consolas" pitchFamily="49" charset="0"/>
+                <a:cs typeface="Consolas" pitchFamily="49" charset="0"/>
+              </a:rPr>
+            </a:br>
+            <a:r>
+              <a:rPr lang="en-US" sz="2400" dirty="0" err="1" smtClean="0">
+                <a:latin typeface="Consolas" pitchFamily="49" charset="0"/>
+                <a:cs typeface="Consolas" pitchFamily="49" charset="0"/>
+              </a:rPr>
+              <a:t>helloGroovy</a:t>
+            </a:r>
+            <a:r>
+              <a:rPr lang="en-US" sz="2400" dirty="0" smtClean="0">
+                <a:latin typeface="Consolas" pitchFamily="49" charset="0"/>
+                <a:cs typeface="Consolas" pitchFamily="49" charset="0"/>
+              </a:rPr>
+              <a:t> = new Greeter(name: 'Groovy')</a:t>
+            </a:r>
+            <a:br>
+              <a:rPr lang="en-US" sz="2400" dirty="0" smtClean="0">
+                <a:latin typeface="Consolas" pitchFamily="49" charset="0"/>
+                <a:cs typeface="Consolas" pitchFamily="49" charset="0"/>
+              </a:rPr>
+            </a:br>
+            <a:r>
+              <a:rPr lang="en-US" sz="2400" dirty="0" err="1" smtClean="0">
+                <a:latin typeface="Consolas" pitchFamily="49" charset="0"/>
+                <a:cs typeface="Consolas" pitchFamily="49" charset="0"/>
+              </a:rPr>
+              <a:t>println</a:t>
+            </a:r>
+            <a:r>
+              <a:rPr lang="en-US" sz="2400" dirty="0" smtClean="0">
+                <a:latin typeface="Consolas" pitchFamily="49" charset="0"/>
+                <a:cs typeface="Consolas" pitchFamily="49" charset="0"/>
+              </a:rPr>
+              <a:t> </a:t>
+            </a:r>
+            <a:r>
+              <a:rPr lang="en-US" sz="2400" dirty="0" err="1" smtClean="0">
+                <a:latin typeface="Consolas" pitchFamily="49" charset="0"/>
+                <a:cs typeface="Consolas" pitchFamily="49" charset="0"/>
+              </a:rPr>
+              <a:t>helloGroovy.greet</a:t>
+            </a:r>
+            <a:r>
+              <a:rPr lang="en-US" sz="2400" dirty="0" smtClean="0">
+                <a:latin typeface="Consolas" pitchFamily="49" charset="0"/>
+                <a:cs typeface="Consolas" pitchFamily="49" charset="0"/>
+              </a:rPr>
+              <a:t>()</a:t>
+            </a:r>
+            <a:endParaRPr lang="de-DE" sz="2400" dirty="0">
+              <a:latin typeface="Consolas" pitchFamily="49" charset="0"/>
+              <a:cs typeface="Consolas" pitchFamily="49" charset="0"/>
+            </a:endParaRPr>
+          </a:p>
+        </p:txBody>
+      </p:sp>
+    </p:spTree>
+  </p:cSld>
+  <p:clrMapOvr>
+    <a:masterClrMapping/>
+  </p:clrMapOvr>
+  <p:transition spd="slow" advTm="10000"/>
+  <p:timing>
+    <p:tnLst>
+      <p:par>
+        <p:cTn id="1" dur="indefinite" restart="never" nodeType="tmRoot"/>
+      </p:par>
+    </p:tnLst>
+  </p:timing>
+</p:sld>
+</file>
+
+<file path=ppt/slides/slide9.xml><?xml version="1.0" encoding="utf-8"?>
+<p:sld xmlns:a="http://schemas.openxmlformats.org/drawingml/2006/main" xmlns:r="http://schemas.openxmlformats.org/officeDocument/2006/relationships" xmlns:p="http://schemas.openxmlformats.org/presentationml/2006/main">
+  <p:cSld>
+    <p:spTree>
+      <p:nvGrpSpPr>
+        <p:cNvPr id="1" name=""/>
+        <p:cNvGrpSpPr/>
+        <p:nvPr/>
+      </p:nvGrpSpPr>
+      <p:grpSpPr>
+        <a:xfrm>
+          <a:off x="0" y="0"/>
+          <a:ext cx="0" cy="0"/>
+          <a:chOff x="0" y="0"/>
+          <a:chExt cx="0" cy="0"/>
+        </a:xfrm>
+      </p:grpSpPr>
+      <p:sp>
+        <p:nvSpPr>
           <p:cNvPr id="4" name="Titel 3"/>
           <p:cNvSpPr>
             <a:spLocks noGrp="1"/>
@@ -32416,232 +32668,6 @@
     <a:masterClrMapping/>
   </p:clrMapOvr>
   <p:transition spd="slow" advTm="10000"/>
-</p:sld>
-</file>
-
-<file path=ppt/slides/slide9.xml><?xml version="1.0" encoding="utf-8"?>
-<p:sld xmlns:a="http://schemas.openxmlformats.org/drawingml/2006/main" xmlns:r="http://schemas.openxmlformats.org/officeDocument/2006/relationships" xmlns:p="http://schemas.openxmlformats.org/presentationml/2006/main">
-  <p:cSld>
-    <p:spTree>
-      <p:nvGrpSpPr>
-        <p:cNvPr id="1" name=""/>
-        <p:cNvGrpSpPr/>
-        <p:nvPr/>
-      </p:nvGrpSpPr>
-      <p:grpSpPr>
-        <a:xfrm>
-          <a:off x="0" y="0"/>
-          <a:ext cx="0" cy="0"/>
-          <a:chOff x="0" y="0"/>
-          <a:chExt cx="0" cy="0"/>
-        </a:xfrm>
-      </p:grpSpPr>
-      <p:sp>
-        <p:nvSpPr>
-          <p:cNvPr id="2" name="Titel 1"/>
-          <p:cNvSpPr>
-            <a:spLocks noGrp="1"/>
-          </p:cNvSpPr>
-          <p:nvPr>
-            <p:ph type="title"/>
-          </p:nvPr>
-        </p:nvSpPr>
-        <p:spPr/>
-        <p:txBody>
-          <a:bodyPr/>
-          <a:lstStyle/>
-          <a:p>
-            <a:r>
-              <a:rPr lang="de-DE" dirty="0" err="1" smtClean="0"/>
-              <a:t>Hello</a:t>
-            </a:r>
-            <a:r>
-              <a:rPr lang="de-DE" dirty="0" smtClean="0"/>
-              <a:t> World mit Groovy</a:t>
-            </a:r>
-            <a:endParaRPr lang="de-DE" dirty="0"/>
-          </a:p>
-        </p:txBody>
-      </p:sp>
-      <p:sp>
-        <p:nvSpPr>
-          <p:cNvPr id="4" name="Textfeld 3"/>
-          <p:cNvSpPr txBox="1"/>
-          <p:nvPr/>
-        </p:nvSpPr>
-        <p:spPr>
-          <a:xfrm>
-            <a:off x="683569" y="2191504"/>
-            <a:ext cx="7776864" cy="2677656"/>
-          </a:xfrm>
-          <a:prstGeom prst="rect">
-            <a:avLst/>
-          </a:prstGeom>
-          <a:noFill/>
-        </p:spPr>
-        <p:txBody>
-          <a:bodyPr wrap="square" rtlCol="0">
-            <a:spAutoFit/>
-          </a:bodyPr>
-          <a:lstStyle/>
-          <a:p>
-            <a:r>
-              <a:rPr lang="de-DE" sz="2400" dirty="0" err="1" smtClean="0">
-                <a:latin typeface="Consolas" pitchFamily="49" charset="0"/>
-                <a:cs typeface="Consolas" pitchFamily="49" charset="0"/>
-              </a:rPr>
-              <a:t>class</a:t>
-            </a:r>
-            <a:r>
-              <a:rPr lang="de-DE" sz="2400" dirty="0" smtClean="0">
-                <a:latin typeface="Consolas" pitchFamily="49" charset="0"/>
-                <a:cs typeface="Consolas" pitchFamily="49" charset="0"/>
-              </a:rPr>
-              <a:t> </a:t>
-            </a:r>
-            <a:r>
-              <a:rPr lang="de-DE" sz="2400" dirty="0" err="1" smtClean="0">
-                <a:latin typeface="Consolas" pitchFamily="49" charset="0"/>
-                <a:cs typeface="Consolas" pitchFamily="49" charset="0"/>
-              </a:rPr>
-              <a:t>Greeter</a:t>
-            </a:r>
-            <a:r>
-              <a:rPr lang="de-DE" sz="2400" dirty="0" smtClean="0">
-                <a:latin typeface="Consolas" pitchFamily="49" charset="0"/>
-                <a:cs typeface="Consolas" pitchFamily="49" charset="0"/>
-              </a:rPr>
-              <a:t> {</a:t>
-            </a:r>
-          </a:p>
-          <a:p>
-            <a:r>
-              <a:rPr lang="de-DE" sz="2400" dirty="0" smtClean="0">
-                <a:latin typeface="Consolas" pitchFamily="49" charset="0"/>
-                <a:cs typeface="Consolas" pitchFamily="49" charset="0"/>
-              </a:rPr>
-              <a:t>    </a:t>
-            </a:r>
-            <a:r>
-              <a:rPr lang="en-US" sz="2400" dirty="0" smtClean="0">
-                <a:latin typeface="Consolas" pitchFamily="49" charset="0"/>
-                <a:cs typeface="Consolas" pitchFamily="49" charset="0"/>
-              </a:rPr>
-              <a:t>def name</a:t>
-            </a:r>
-            <a:endParaRPr lang="de-DE" sz="2400" dirty="0" smtClean="0">
-              <a:latin typeface="Consolas" pitchFamily="49" charset="0"/>
-              <a:cs typeface="Consolas" pitchFamily="49" charset="0"/>
-            </a:endParaRPr>
-          </a:p>
-          <a:p>
-            <a:r>
-              <a:rPr lang="en-US" sz="2400" dirty="0" smtClean="0">
-                <a:latin typeface="Consolas" pitchFamily="49" charset="0"/>
-                <a:cs typeface="Consolas" pitchFamily="49" charset="0"/>
-              </a:rPr>
-              <a:t>    def greet() { "Hello $name!" }</a:t>
-            </a:r>
-            <a:br>
-              <a:rPr lang="en-US" sz="2400" dirty="0" smtClean="0">
-                <a:latin typeface="Consolas" pitchFamily="49" charset="0"/>
-                <a:cs typeface="Consolas" pitchFamily="49" charset="0"/>
-              </a:rPr>
-            </a:br>
-            <a:r>
-              <a:rPr lang="en-US" sz="2400" dirty="0" smtClean="0">
-                <a:latin typeface="Consolas" pitchFamily="49" charset="0"/>
-                <a:cs typeface="Consolas" pitchFamily="49" charset="0"/>
-              </a:rPr>
-              <a:t>}</a:t>
-            </a:r>
-            <a:br>
-              <a:rPr lang="en-US" sz="2400" dirty="0" smtClean="0">
-                <a:latin typeface="Consolas" pitchFamily="49" charset="0"/>
-                <a:cs typeface="Consolas" pitchFamily="49" charset="0"/>
-              </a:rPr>
-            </a:br>
-            <a:r>
-              <a:rPr lang="en-US" sz="2400" dirty="0" smtClean="0">
-                <a:latin typeface="Consolas" pitchFamily="49" charset="0"/>
-                <a:cs typeface="Consolas" pitchFamily="49" charset="0"/>
-              </a:rPr>
-              <a:t/>
-            </a:r>
-            <a:br>
-              <a:rPr lang="en-US" sz="2400" dirty="0" smtClean="0">
-                <a:latin typeface="Consolas" pitchFamily="49" charset="0"/>
-                <a:cs typeface="Consolas" pitchFamily="49" charset="0"/>
-              </a:rPr>
-            </a:br>
-            <a:r>
-              <a:rPr lang="en-US" sz="2400" dirty="0" err="1" smtClean="0">
-                <a:latin typeface="Consolas" pitchFamily="49" charset="0"/>
-                <a:cs typeface="Consolas" pitchFamily="49" charset="0"/>
-              </a:rPr>
-              <a:t>helloGroovy</a:t>
-            </a:r>
-            <a:r>
-              <a:rPr lang="en-US" sz="2400" dirty="0" smtClean="0">
-                <a:latin typeface="Consolas" pitchFamily="49" charset="0"/>
-                <a:cs typeface="Consolas" pitchFamily="49" charset="0"/>
-              </a:rPr>
-              <a:t> = new Greeter(name: 'Groovy')</a:t>
-            </a:r>
-            <a:br>
-              <a:rPr lang="en-US" sz="2400" dirty="0" smtClean="0">
-                <a:latin typeface="Consolas" pitchFamily="49" charset="0"/>
-                <a:cs typeface="Consolas" pitchFamily="49" charset="0"/>
-              </a:rPr>
-            </a:br>
-            <a:r>
-              <a:rPr lang="en-US" sz="2400" dirty="0" err="1" smtClean="0">
-                <a:latin typeface="Consolas" pitchFamily="49" charset="0"/>
-                <a:cs typeface="Consolas" pitchFamily="49" charset="0"/>
-              </a:rPr>
-              <a:t>println</a:t>
-            </a:r>
-            <a:r>
-              <a:rPr lang="en-US" sz="2400" dirty="0" smtClean="0">
-                <a:latin typeface="Consolas" pitchFamily="49" charset="0"/>
-                <a:cs typeface="Consolas" pitchFamily="49" charset="0"/>
-              </a:rPr>
-              <a:t> </a:t>
-            </a:r>
-            <a:r>
-              <a:rPr lang="en-US" sz="2400" dirty="0" err="1" smtClean="0">
-                <a:latin typeface="Consolas" pitchFamily="49" charset="0"/>
-                <a:cs typeface="Consolas" pitchFamily="49" charset="0"/>
-              </a:rPr>
-              <a:t>helloGroovy.greet</a:t>
-            </a:r>
-            <a:r>
-              <a:rPr lang="en-US" sz="2400" dirty="0" smtClean="0">
-                <a:latin typeface="Consolas" pitchFamily="49" charset="0"/>
-                <a:cs typeface="Consolas" pitchFamily="49" charset="0"/>
-              </a:rPr>
-              <a:t>()</a:t>
-            </a:r>
-            <a:endParaRPr lang="de-DE" sz="2400" dirty="0">
-              <a:latin typeface="Consolas" pitchFamily="49" charset="0"/>
-              <a:cs typeface="Consolas" pitchFamily="49" charset="0"/>
-            </a:endParaRPr>
-          </a:p>
-        </p:txBody>
-      </p:sp>
-    </p:spTree>
-  </p:cSld>
-  <p:clrMapOvr>
-    <a:masterClrMapping/>
-  </p:clrMapOvr>
-  <p:transition spd="slow" advTm="10000"/>
-  <p:timing>
-    <p:tnLst>
-      <p:par>
-        <p:cTn id="1" dur="indefinite" restart="never" nodeType="tmRoot"/>
-      </p:par>
-    </p:tnLst>
-  </p:timing>
 </p:sld>
 </file>
 
@@ -33437,12 +33463,15 @@
 </file>
 
 <file path=customXml/item1.xml><?xml version="1.0" encoding="utf-8"?>
-<?mso-contentType ?>
-<FormTemplates xmlns="http://schemas.microsoft.com/sharepoint/v3/contenttype/forms">
-  <Display>DocumentLibraryForm</Display>
-  <Edit>DocumentLibraryForm</Edit>
-  <New>DocumentLibraryForm</New>
-</FormTemplates>
+<p:properties xmlns:p="http://schemas.microsoft.com/office/2006/metadata/properties" xmlns:xsi="http://www.w3.org/2001/XMLSchema-instance">
+  <documentManagement>
+    <_dlc_DocId xmlns="8cc9f148-63af-4ae4-b4c0-3a33ca8129b3">DOCID-7-65</_dlc_DocId>
+    <_dlc_DocIdUrl xmlns="8cc9f148-63af-4ae4-b4c0-3a33ca8129b3">
+      <Url>https://portal.opitz-consulting.de/_layouts/DocIdRedir.aspx?ID=DOCID-7-65</Url>
+      <Description>DOCID-7-65</Description>
+    </_dlc_DocIdUrl>
+  </documentManagement>
+</p:properties>
 </file>
 
 <file path=customXml/item2.xml><?xml version="1.0" encoding="utf-8"?>
@@ -33492,15 +33521,12 @@
 </file>
 
 <file path=customXml/item3.xml><?xml version="1.0" encoding="utf-8"?>
-<p:properties xmlns:p="http://schemas.microsoft.com/office/2006/metadata/properties" xmlns:xsi="http://www.w3.org/2001/XMLSchema-instance">
-  <documentManagement>
-    <_dlc_DocId xmlns="8cc9f148-63af-4ae4-b4c0-3a33ca8129b3">DOCID-7-65</_dlc_DocId>
-    <_dlc_DocIdUrl xmlns="8cc9f148-63af-4ae4-b4c0-3a33ca8129b3">
-      <Url>https://portal.opitz-consulting.de/_layouts/DocIdRedir.aspx?ID=DOCID-7-65</Url>
-      <Description>DOCID-7-65</Description>
-    </_dlc_DocIdUrl>
-  </documentManagement>
-</p:properties>
+<?mso-contentType ?>
+<FormTemplates xmlns="http://schemas.microsoft.com/sharepoint/v3/contenttype/forms">
+  <Display>DocumentLibraryForm</Display>
+  <Edit>DocumentLibraryForm</Edit>
+  <New>DocumentLibraryForm</New>
+</FormTemplates>
 </file>
 
 <file path=customXml/item4.xml><?xml version="1.0" encoding="utf-8"?>
@@ -33649,9 +33675,10 @@
 </file>
 
 <file path=customXml/itemProps1.xml><?xml version="1.0" encoding="utf-8"?>
-<ds:datastoreItem xmlns:ds="http://schemas.openxmlformats.org/officeDocument/2006/customXml" ds:itemID="{7E7A0F45-7BDE-4AA7-A1BB-E146938E8111}">
+<ds:datastoreItem xmlns:ds="http://schemas.openxmlformats.org/officeDocument/2006/customXml" ds:itemID="{AF7E4967-43BC-4F71-AEEC-BDE09349FE60}">
   <ds:schemaRefs>
-    <ds:schemaRef ds:uri="http://schemas.microsoft.com/sharepoint/v3/contenttype/forms"/>
+    <ds:schemaRef ds:uri="http://schemas.microsoft.com/office/2006/metadata/properties"/>
+    <ds:schemaRef ds:uri="8cc9f148-63af-4ae4-b4c0-3a33ca8129b3"/>
   </ds:schemaRefs>
 </ds:datastoreItem>
 </file>
@@ -33665,10 +33692,9 @@
 </file>
 
 <file path=customXml/itemProps3.xml><?xml version="1.0" encoding="utf-8"?>
-<ds:datastoreItem xmlns:ds="http://schemas.openxmlformats.org/officeDocument/2006/customXml" ds:itemID="{AF7E4967-43BC-4F71-AEEC-BDE09349FE60}">
+<ds:datastoreItem xmlns:ds="http://schemas.openxmlformats.org/officeDocument/2006/customXml" ds:itemID="{7E7A0F45-7BDE-4AA7-A1BB-E146938E8111}">
   <ds:schemaRefs>
-    <ds:schemaRef ds:uri="http://schemas.microsoft.com/office/2006/metadata/properties"/>
-    <ds:schemaRef ds:uri="8cc9f148-63af-4ae4-b4c0-3a33ca8129b3"/>
+    <ds:schemaRef ds:uri="http://schemas.microsoft.com/sharepoint/v3/contenttype/forms"/>
   </ds:schemaRefs>
 </ds:datastoreItem>
 </file>

--- a/grails-die-suche-ist-vorbei/grails-doagkonferenz-2011.pptx
+++ b/grails-die-suche-ist-vorbei/grails-doagkonferenz-2011.pptx
@@ -148,18 +148,34 @@
 </file>
 
 <file path=ppt/diagrams/colors1.xml><?xml version="1.0" encoding="utf-8"?>
-<dgm:colorsDef xmlns:dgm="http://schemas.openxmlformats.org/drawingml/2006/diagram" xmlns:a="http://schemas.openxmlformats.org/drawingml/2006/main" uniqueId="urn:microsoft.com/office/officeart/2005/8/colors/accent0_3">
+<dgm:colorsDef xmlns:dgm="http://schemas.openxmlformats.org/drawingml/2006/diagram" xmlns:a="http://schemas.openxmlformats.org/drawingml/2006/main" uniqueId="urn:microsoft.com/office/officeart/2005/8/colors/colorful1">
   <dgm:title val=""/>
   <dgm:desc val=""/>
   <dgm:catLst>
-    <dgm:cat type="mainScheme" pri="10300"/>
+    <dgm:cat type="colorful" pri="10100"/>
   </dgm:catLst>
   <dgm:styleLbl name="node0">
     <dgm:fillClrLst meth="repeat">
-      <a:schemeClr val="dk2"/>
+      <a:schemeClr val="accent1"/>
     </dgm:fillClrLst>
     <dgm:linClrLst meth="repeat">
-      <a:schemeClr val="lt2"/>
+      <a:schemeClr val="lt1"/>
+    </dgm:linClrLst>
+    <dgm:effectClrLst/>
+    <dgm:txLinClrLst/>
+    <dgm:txFillClrLst/>
+    <dgm:txEffectClrLst/>
+  </dgm:styleLbl>
+  <dgm:styleLbl name="node1">
+    <dgm:fillClrLst meth="repeat">
+      <a:schemeClr val="accent2"/>
+      <a:schemeClr val="accent3"/>
+      <a:schemeClr val="accent4"/>
+      <a:schemeClr val="accent5"/>
+      <a:schemeClr val="accent6"/>
+    </dgm:fillClrLst>
+    <dgm:linClrLst meth="repeat">
+      <a:schemeClr val="lt1"/>
     </dgm:linClrLst>
     <dgm:effectClrLst/>
     <dgm:txLinClrLst/>
@@ -168,22 +184,18 @@
   </dgm:styleLbl>
   <dgm:styleLbl name="alignNode1">
     <dgm:fillClrLst meth="repeat">
-      <a:schemeClr val="dk2"/>
+      <a:schemeClr val="accent2"/>
+      <a:schemeClr val="accent3"/>
+      <a:schemeClr val="accent4"/>
+      <a:schemeClr val="accent5"/>
+      <a:schemeClr val="accent6"/>
     </dgm:fillClrLst>
     <dgm:linClrLst meth="repeat">
-      <a:schemeClr val="dk2"/>
-    </dgm:linClrLst>
-    <dgm:effectClrLst/>
-    <dgm:txLinClrLst/>
-    <dgm:txFillClrLst/>
-    <dgm:txEffectClrLst/>
-  </dgm:styleLbl>
-  <dgm:styleLbl name="node1">
-    <dgm:fillClrLst meth="repeat">
-      <a:schemeClr val="dk2"/>
-    </dgm:fillClrLst>
-    <dgm:linClrLst meth="repeat">
-      <a:schemeClr val="lt2"/>
+      <a:schemeClr val="accent2"/>
+      <a:schemeClr val="accent3"/>
+      <a:schemeClr val="accent4"/>
+      <a:schemeClr val="accent5"/>
+      <a:schemeClr val="accent6"/>
     </dgm:linClrLst>
     <dgm:effectClrLst/>
     <dgm:txLinClrLst/>
@@ -192,10 +204,14 @@
   </dgm:styleLbl>
   <dgm:styleLbl name="lnNode1">
     <dgm:fillClrLst meth="repeat">
-      <a:schemeClr val="dk2"/>
+      <a:schemeClr val="accent2"/>
+      <a:schemeClr val="accent3"/>
+      <a:schemeClr val="accent4"/>
+      <a:schemeClr val="accent5"/>
+      <a:schemeClr val="accent6"/>
     </dgm:fillClrLst>
     <dgm:linClrLst meth="repeat">
-      <a:schemeClr val="lt2"/>
+      <a:schemeClr val="lt1"/>
     </dgm:linClrLst>
     <dgm:effectClrLst/>
     <dgm:txLinClrLst/>
@@ -204,12 +220,24 @@
   </dgm:styleLbl>
   <dgm:styleLbl name="vennNode1">
     <dgm:fillClrLst meth="repeat">
-      <a:schemeClr val="dk2">
+      <a:schemeClr val="accent2">
+        <a:alpha val="50000"/>
+      </a:schemeClr>
+      <a:schemeClr val="accent3">
+        <a:alpha val="50000"/>
+      </a:schemeClr>
+      <a:schemeClr val="accent4">
+        <a:alpha val="50000"/>
+      </a:schemeClr>
+      <a:schemeClr val="accent5">
+        <a:alpha val="50000"/>
+      </a:schemeClr>
+      <a:schemeClr val="accent6">
         <a:alpha val="50000"/>
       </a:schemeClr>
     </dgm:fillClrLst>
     <dgm:linClrLst meth="repeat">
-      <a:schemeClr val="lt2"/>
+      <a:schemeClr val="lt1"/>
     </dgm:linClrLst>
     <dgm:effectClrLst/>
     <dgm:txLinClrLst/>
@@ -217,11 +245,11 @@
     <dgm:txEffectClrLst/>
   </dgm:styleLbl>
   <dgm:styleLbl name="node2">
-    <dgm:fillClrLst meth="repeat">
-      <a:schemeClr val="dk2"/>
+    <dgm:fillClrLst>
+      <a:schemeClr val="accent2"/>
     </dgm:fillClrLst>
     <dgm:linClrLst meth="repeat">
-      <a:schemeClr val="lt2"/>
+      <a:schemeClr val="lt1"/>
     </dgm:linClrLst>
     <dgm:effectClrLst/>
     <dgm:txLinClrLst/>
@@ -229,11 +257,11 @@
     <dgm:txEffectClrLst/>
   </dgm:styleLbl>
   <dgm:styleLbl name="node3">
-    <dgm:fillClrLst meth="repeat">
-      <a:schemeClr val="dk2"/>
+    <dgm:fillClrLst>
+      <a:schemeClr val="accent3"/>
     </dgm:fillClrLst>
     <dgm:linClrLst meth="repeat">
-      <a:schemeClr val="lt2"/>
+      <a:schemeClr val="lt1"/>
     </dgm:linClrLst>
     <dgm:effectClrLst/>
     <dgm:txLinClrLst/>
@@ -241,11 +269,11 @@
     <dgm:txEffectClrLst/>
   </dgm:styleLbl>
   <dgm:styleLbl name="node4">
-    <dgm:fillClrLst meth="repeat">
-      <a:schemeClr val="dk2"/>
+    <dgm:fillClrLst>
+      <a:schemeClr val="accent4"/>
     </dgm:fillClrLst>
     <dgm:linClrLst meth="repeat">
-      <a:schemeClr val="lt2"/>
+      <a:schemeClr val="lt1"/>
     </dgm:linClrLst>
     <dgm:effectClrLst/>
     <dgm:txLinClrLst/>
@@ -254,66 +282,80 @@
   </dgm:styleLbl>
   <dgm:styleLbl name="fgImgPlace1">
     <dgm:fillClrLst meth="repeat">
-      <a:schemeClr val="dk2">
+      <a:schemeClr val="accent2">
+        <a:tint val="50000"/>
+      </a:schemeClr>
+      <a:schemeClr val="accent3">
+        <a:tint val="50000"/>
+      </a:schemeClr>
+      <a:schemeClr val="accent4">
+        <a:tint val="50000"/>
+      </a:schemeClr>
+      <a:schemeClr val="accent5">
+        <a:tint val="50000"/>
+      </a:schemeClr>
+      <a:schemeClr val="accent6">
         <a:tint val="50000"/>
       </a:schemeClr>
     </dgm:fillClrLst>
     <dgm:linClrLst meth="repeat">
-      <a:schemeClr val="lt2"/>
+      <a:schemeClr val="lt1"/>
     </dgm:linClrLst>
     <dgm:effectClrLst/>
     <dgm:txLinClrLst/>
     <dgm:txFillClrLst meth="repeat">
-      <a:schemeClr val="lt2"/>
+      <a:schemeClr val="lt1"/>
     </dgm:txFillClrLst>
     <dgm:txEffectClrLst/>
   </dgm:styleLbl>
   <dgm:styleLbl name="alignImgPlace1">
-    <dgm:fillClrLst meth="repeat">
-      <a:schemeClr val="dk2">
+    <dgm:fillClrLst>
+      <a:schemeClr val="accent1">
         <a:tint val="50000"/>
+      </a:schemeClr>
+      <a:schemeClr val="accent1">
+        <a:tint val="20000"/>
       </a:schemeClr>
     </dgm:fillClrLst>
     <dgm:linClrLst meth="repeat">
-      <a:schemeClr val="dk2">
-        <a:shade val="80000"/>
-      </a:schemeClr>
+      <a:schemeClr val="lt1"/>
     </dgm:linClrLst>
     <dgm:effectClrLst/>
     <dgm:txLinClrLst/>
     <dgm:txFillClrLst meth="repeat">
-      <a:schemeClr val="lt2"/>
+      <a:schemeClr val="lt1"/>
     </dgm:txFillClrLst>
     <dgm:txEffectClrLst/>
   </dgm:styleLbl>
   <dgm:styleLbl name="bgImgPlace1">
-    <dgm:fillClrLst meth="repeat">
-      <a:schemeClr val="dk2">
+    <dgm:fillClrLst>
+      <a:schemeClr val="accent1">
         <a:tint val="50000"/>
+      </a:schemeClr>
+      <a:schemeClr val="accent1">
+        <a:tint val="20000"/>
       </a:schemeClr>
     </dgm:fillClrLst>
     <dgm:linClrLst meth="repeat">
-      <a:schemeClr val="dk2">
-        <a:shade val="80000"/>
-      </a:schemeClr>
+      <a:schemeClr val="lt1"/>
     </dgm:linClrLst>
     <dgm:effectClrLst/>
     <dgm:txLinClrLst/>
     <dgm:txFillClrLst meth="repeat">
-      <a:schemeClr val="lt2"/>
+      <a:schemeClr val="lt1"/>
     </dgm:txFillClrLst>
     <dgm:txEffectClrLst/>
   </dgm:styleLbl>
   <dgm:styleLbl name="sibTrans2D1">
     <dgm:fillClrLst meth="repeat">
-      <a:schemeClr val="dk2">
-        <a:tint val="60000"/>
-      </a:schemeClr>
+      <a:schemeClr val="accent2"/>
+      <a:schemeClr val="accent3"/>
+      <a:schemeClr val="accent4"/>
+      <a:schemeClr val="accent5"/>
+      <a:schemeClr val="accent6"/>
     </dgm:fillClrLst>
-    <dgm:linClrLst meth="repeat">
-      <a:schemeClr val="dk2">
-        <a:tint val="60000"/>
-      </a:schemeClr>
+    <dgm:linClrLst meth="cycle">
+      <a:schemeClr val="lt1"/>
     </dgm:linClrLst>
     <dgm:effectClrLst/>
     <dgm:txLinClrLst/>
@@ -322,72 +364,84 @@
   </dgm:styleLbl>
   <dgm:styleLbl name="fgSibTrans2D1">
     <dgm:fillClrLst meth="repeat">
-      <a:schemeClr val="dk2">
-        <a:tint val="60000"/>
-      </a:schemeClr>
+      <a:schemeClr val="accent2"/>
+      <a:schemeClr val="accent3"/>
+      <a:schemeClr val="accent4"/>
+      <a:schemeClr val="accent5"/>
+      <a:schemeClr val="accent6"/>
     </dgm:fillClrLst>
-    <dgm:linClrLst meth="repeat">
-      <a:schemeClr val="dk2">
-        <a:tint val="60000"/>
-      </a:schemeClr>
+    <dgm:linClrLst meth="cycle">
+      <a:schemeClr val="lt1"/>
     </dgm:linClrLst>
     <dgm:effectClrLst/>
     <dgm:txLinClrLst/>
-    <dgm:txFillClrLst/>
+    <dgm:txFillClrLst meth="repeat">
+      <a:schemeClr val="lt1"/>
+    </dgm:txFillClrLst>
     <dgm:txEffectClrLst/>
   </dgm:styleLbl>
   <dgm:styleLbl name="bgSibTrans2D1">
     <dgm:fillClrLst meth="repeat">
-      <a:schemeClr val="dk2">
-        <a:tint val="60000"/>
-      </a:schemeClr>
+      <a:schemeClr val="accent2"/>
+      <a:schemeClr val="accent3"/>
+      <a:schemeClr val="accent4"/>
+      <a:schemeClr val="accent5"/>
+      <a:schemeClr val="accent6"/>
     </dgm:fillClrLst>
-    <dgm:linClrLst meth="repeat">
-      <a:schemeClr val="dk2">
-        <a:tint val="60000"/>
-      </a:schemeClr>
+    <dgm:linClrLst meth="cycle">
+      <a:schemeClr val="lt1"/>
     </dgm:linClrLst>
     <dgm:effectClrLst/>
     <dgm:txLinClrLst/>
-    <dgm:txFillClrLst/>
+    <dgm:txFillClrLst meth="repeat">
+      <a:schemeClr val="lt1"/>
+    </dgm:txFillClrLst>
     <dgm:txEffectClrLst/>
   </dgm:styleLbl>
   <dgm:styleLbl name="sibTrans1D1">
     <dgm:fillClrLst meth="repeat">
-      <a:schemeClr val="dk2"/>
+      <a:schemeClr val="accent2"/>
+      <a:schemeClr val="accent3"/>
+      <a:schemeClr val="accent4"/>
+      <a:schemeClr val="accent5"/>
+      <a:schemeClr val="accent6"/>
     </dgm:fillClrLst>
     <dgm:linClrLst meth="repeat">
-      <a:schemeClr val="dk2"/>
+      <a:schemeClr val="accent2"/>
+      <a:schemeClr val="accent3"/>
+      <a:schemeClr val="accent4"/>
+      <a:schemeClr val="accent5"/>
+      <a:schemeClr val="accent6"/>
     </dgm:linClrLst>
     <dgm:effectClrLst/>
     <dgm:txLinClrLst/>
     <dgm:txFillClrLst meth="repeat">
-      <a:schemeClr val="lt2"/>
+      <a:schemeClr val="tx1"/>
     </dgm:txFillClrLst>
     <dgm:txEffectClrLst/>
   </dgm:styleLbl>
   <dgm:styleLbl name="callout">
     <dgm:fillClrLst meth="repeat">
-      <a:schemeClr val="dk2"/>
+      <a:schemeClr val="accent2"/>
     </dgm:fillClrLst>
     <dgm:linClrLst meth="repeat">
-      <a:schemeClr val="dk2">
+      <a:schemeClr val="accent2">
         <a:tint val="50000"/>
       </a:schemeClr>
     </dgm:linClrLst>
     <dgm:effectClrLst/>
     <dgm:txLinClrLst/>
     <dgm:txFillClrLst meth="repeat">
-      <a:schemeClr val="lt2"/>
+      <a:schemeClr val="tx1"/>
     </dgm:txFillClrLst>
     <dgm:txEffectClrLst/>
   </dgm:styleLbl>
   <dgm:styleLbl name="asst0">
     <dgm:fillClrLst meth="repeat">
-      <a:schemeClr val="dk2"/>
+      <a:schemeClr val="accent1"/>
     </dgm:fillClrLst>
     <dgm:linClrLst meth="repeat">
-      <a:schemeClr val="lt2"/>
+      <a:schemeClr val="lt1"/>
     </dgm:linClrLst>
     <dgm:effectClrLst/>
     <dgm:txLinClrLst/>
@@ -396,10 +450,10 @@
   </dgm:styleLbl>
   <dgm:styleLbl name="asst1">
     <dgm:fillClrLst meth="repeat">
-      <a:schemeClr val="dk2"/>
+      <a:schemeClr val="accent2"/>
     </dgm:fillClrLst>
     <dgm:linClrLst meth="repeat">
-      <a:schemeClr val="lt2"/>
+      <a:schemeClr val="lt1"/>
     </dgm:linClrLst>
     <dgm:effectClrLst/>
     <dgm:txLinClrLst/>
@@ -407,11 +461,11 @@
     <dgm:txEffectClrLst/>
   </dgm:styleLbl>
   <dgm:styleLbl name="asst2">
-    <dgm:fillClrLst meth="repeat">
-      <a:schemeClr val="dk2"/>
+    <dgm:fillClrLst>
+      <a:schemeClr val="accent3"/>
     </dgm:fillClrLst>
     <dgm:linClrLst meth="repeat">
-      <a:schemeClr val="lt2"/>
+      <a:schemeClr val="lt1"/>
     </dgm:linClrLst>
     <dgm:effectClrLst/>
     <dgm:txLinClrLst/>
@@ -419,11 +473,11 @@
     <dgm:txEffectClrLst/>
   </dgm:styleLbl>
   <dgm:styleLbl name="asst3">
-    <dgm:fillClrLst meth="repeat">
-      <a:schemeClr val="dk2"/>
+    <dgm:fillClrLst>
+      <a:schemeClr val="accent4"/>
     </dgm:fillClrLst>
     <dgm:linClrLst meth="repeat">
-      <a:schemeClr val="lt2"/>
+      <a:schemeClr val="lt1"/>
     </dgm:linClrLst>
     <dgm:effectClrLst/>
     <dgm:txLinClrLst/>
@@ -431,11 +485,11 @@
     <dgm:txEffectClrLst/>
   </dgm:styleLbl>
   <dgm:styleLbl name="asst4">
-    <dgm:fillClrLst meth="repeat">
-      <a:schemeClr val="dk2"/>
+    <dgm:fillClrLst>
+      <a:schemeClr val="accent5"/>
     </dgm:fillClrLst>
     <dgm:linClrLst meth="repeat">
-      <a:schemeClr val="lt2"/>
+      <a:schemeClr val="lt1"/>
     </dgm:linClrLst>
     <dgm:effectClrLst/>
     <dgm:txLinClrLst/>
@@ -444,72 +498,62 @@
   </dgm:styleLbl>
   <dgm:styleLbl name="parChTrans2D1">
     <dgm:fillClrLst meth="repeat">
-      <a:schemeClr val="dk2">
-        <a:tint val="60000"/>
-      </a:schemeClr>
+      <a:schemeClr val="accent2"/>
     </dgm:fillClrLst>
     <dgm:linClrLst meth="repeat">
-      <a:schemeClr val="dk2">
-        <a:tint val="60000"/>
-      </a:schemeClr>
+      <a:schemeClr val="lt1"/>
     </dgm:linClrLst>
     <dgm:effectClrLst/>
     <dgm:txLinClrLst/>
     <dgm:txFillClrLst meth="repeat">
-      <a:schemeClr val="lt2"/>
+      <a:schemeClr val="lt1"/>
     </dgm:txFillClrLst>
     <dgm:txEffectClrLst/>
   </dgm:styleLbl>
   <dgm:styleLbl name="parChTrans2D2">
     <dgm:fillClrLst meth="repeat">
-      <a:schemeClr val="dk2"/>
+      <a:schemeClr val="accent3"/>
     </dgm:fillClrLst>
     <dgm:linClrLst meth="repeat">
-      <a:schemeClr val="dk2"/>
+      <a:schemeClr val="lt1"/>
+    </dgm:linClrLst>
+    <dgm:effectClrLst/>
+    <dgm:txLinClrLst/>
+    <dgm:txFillClrLst/>
+    <dgm:txEffectClrLst/>
+  </dgm:styleLbl>
+  <dgm:styleLbl name="parChTrans2D3">
+    <dgm:fillClrLst meth="repeat">
+      <a:schemeClr val="accent4"/>
+    </dgm:fillClrLst>
+    <dgm:linClrLst meth="repeat">
+      <a:schemeClr val="lt1"/>
+    </dgm:linClrLst>
+    <dgm:effectClrLst/>
+    <dgm:txLinClrLst/>
+    <dgm:txFillClrLst/>
+    <dgm:txEffectClrLst/>
+  </dgm:styleLbl>
+  <dgm:styleLbl name="parChTrans2D4">
+    <dgm:fillClrLst meth="repeat">
+      <a:schemeClr val="accent5"/>
+    </dgm:fillClrLst>
+    <dgm:linClrLst meth="repeat">
+      <a:schemeClr val="lt1"/>
     </dgm:linClrLst>
     <dgm:effectClrLst/>
     <dgm:txLinClrLst/>
     <dgm:txFillClrLst meth="repeat">
-      <a:schemeClr val="lt2"/>
-    </dgm:txFillClrLst>
-    <dgm:txEffectClrLst/>
-  </dgm:styleLbl>
-  <dgm:styleLbl name="parChTrans2D3">
-    <dgm:fillClrLst meth="repeat">
-      <a:schemeClr val="dk2"/>
-    </dgm:fillClrLst>
-    <dgm:linClrLst meth="repeat">
-      <a:schemeClr val="dk2"/>
-    </dgm:linClrLst>
-    <dgm:effectClrLst/>
-    <dgm:txLinClrLst/>
-    <dgm:txFillClrLst meth="repeat">
-      <a:schemeClr val="lt2"/>
-    </dgm:txFillClrLst>
-    <dgm:txEffectClrLst/>
-  </dgm:styleLbl>
-  <dgm:styleLbl name="parChTrans2D4">
-    <dgm:fillClrLst meth="repeat">
-      <a:schemeClr val="dk2"/>
-    </dgm:fillClrLst>
-    <dgm:linClrLst meth="repeat">
-      <a:schemeClr val="dk2"/>
-    </dgm:linClrLst>
-    <dgm:effectClrLst/>
-    <dgm:txLinClrLst/>
-    <dgm:txFillClrLst meth="repeat">
-      <a:schemeClr val="lt2"/>
+      <a:schemeClr val="lt1"/>
     </dgm:txFillClrLst>
     <dgm:txEffectClrLst/>
   </dgm:styleLbl>
   <dgm:styleLbl name="parChTrans1D1">
     <dgm:fillClrLst meth="repeat">
-      <a:schemeClr val="dk2"/>
+      <a:schemeClr val="accent2"/>
     </dgm:fillClrLst>
     <dgm:linClrLst meth="repeat">
-      <a:schemeClr val="dk2">
-        <a:shade val="60000"/>
-      </a:schemeClr>
+      <a:schemeClr val="accent1"/>
     </dgm:linClrLst>
     <dgm:effectClrLst/>
     <dgm:txLinClrLst/>
@@ -520,12 +564,12 @@
   </dgm:styleLbl>
   <dgm:styleLbl name="parChTrans1D2">
     <dgm:fillClrLst meth="repeat">
-      <a:schemeClr val="dk2"/>
+      <a:schemeClr val="accent3">
+        <a:tint val="90000"/>
+      </a:schemeClr>
     </dgm:fillClrLst>
     <dgm:linClrLst meth="repeat">
-      <a:schemeClr val="dk2">
-        <a:shade val="60000"/>
-      </a:schemeClr>
+      <a:schemeClr val="accent2"/>
     </dgm:linClrLst>
     <dgm:effectClrLst/>
     <dgm:txLinClrLst/>
@@ -536,12 +580,12 @@
   </dgm:styleLbl>
   <dgm:styleLbl name="parChTrans1D3">
     <dgm:fillClrLst meth="repeat">
-      <a:schemeClr val="dk2"/>
+      <a:schemeClr val="accent4">
+        <a:tint val="70000"/>
+      </a:schemeClr>
     </dgm:fillClrLst>
     <dgm:linClrLst meth="repeat">
-      <a:schemeClr val="dk2">
-        <a:shade val="80000"/>
-      </a:schemeClr>
+      <a:schemeClr val="accent3"/>
     </dgm:linClrLst>
     <dgm:effectClrLst/>
     <dgm:txLinClrLst/>
@@ -552,12 +596,12 @@
   </dgm:styleLbl>
   <dgm:styleLbl name="parChTrans1D4">
     <dgm:fillClrLst meth="repeat">
-      <a:schemeClr val="dk2"/>
+      <a:schemeClr val="accent5">
+        <a:tint val="50000"/>
+      </a:schemeClr>
     </dgm:fillClrLst>
     <dgm:linClrLst meth="repeat">
-      <a:schemeClr val="dk2">
-        <a:shade val="80000"/>
-      </a:schemeClr>
+      <a:schemeClr val="accent4"/>
     </dgm:linClrLst>
     <dgm:effectClrLst/>
     <dgm:txLinClrLst/>
@@ -568,12 +612,16 @@
   </dgm:styleLbl>
   <dgm:styleLbl name="fgAcc1">
     <dgm:fillClrLst meth="repeat">
-      <a:schemeClr val="lt2">
+      <a:schemeClr val="lt1">
         <a:alpha val="90000"/>
       </a:schemeClr>
     </dgm:fillClrLst>
     <dgm:linClrLst meth="repeat">
-      <a:schemeClr val="dk2"/>
+      <a:schemeClr val="accent2"/>
+      <a:schemeClr val="accent3"/>
+      <a:schemeClr val="accent4"/>
+      <a:schemeClr val="accent5"/>
+      <a:schemeClr val="accent6"/>
     </dgm:linClrLst>
     <dgm:effectClrLst/>
     <dgm:txLinClrLst/>
@@ -584,12 +632,16 @@
   </dgm:styleLbl>
   <dgm:styleLbl name="conFgAcc1">
     <dgm:fillClrLst meth="repeat">
-      <a:schemeClr val="lt2">
+      <a:schemeClr val="lt1">
         <a:alpha val="90000"/>
       </a:schemeClr>
     </dgm:fillClrLst>
     <dgm:linClrLst meth="repeat">
-      <a:schemeClr val="dk2"/>
+      <a:schemeClr val="accent2"/>
+      <a:schemeClr val="accent3"/>
+      <a:schemeClr val="accent4"/>
+      <a:schemeClr val="accent5"/>
+      <a:schemeClr val="accent6"/>
     </dgm:linClrLst>
     <dgm:effectClrLst/>
     <dgm:txLinClrLst/>
@@ -600,12 +652,16 @@
   </dgm:styleLbl>
   <dgm:styleLbl name="alignAcc1">
     <dgm:fillClrLst meth="repeat">
-      <a:schemeClr val="lt2">
+      <a:schemeClr val="lt1">
         <a:alpha val="90000"/>
       </a:schemeClr>
     </dgm:fillClrLst>
     <dgm:linClrLst meth="repeat">
-      <a:schemeClr val="dk2"/>
+      <a:schemeClr val="accent2"/>
+      <a:schemeClr val="accent3"/>
+      <a:schemeClr val="accent4"/>
+      <a:schemeClr val="accent5"/>
+      <a:schemeClr val="accent6"/>
     </dgm:linClrLst>
     <dgm:effectClrLst/>
     <dgm:txLinClrLst/>
@@ -616,12 +672,12 @@
   </dgm:styleLbl>
   <dgm:styleLbl name="trAlignAcc1">
     <dgm:fillClrLst meth="repeat">
-      <a:schemeClr val="lt2">
+      <a:schemeClr val="lt1">
         <a:alpha val="40000"/>
       </a:schemeClr>
     </dgm:fillClrLst>
     <dgm:linClrLst meth="repeat">
-      <a:schemeClr val="dk2"/>
+      <a:schemeClr val="accent1"/>
     </dgm:linClrLst>
     <dgm:effectClrLst/>
     <dgm:txLinClrLst/>
@@ -632,12 +688,16 @@
   </dgm:styleLbl>
   <dgm:styleLbl name="bgAcc1">
     <dgm:fillClrLst meth="repeat">
-      <a:schemeClr val="lt2">
+      <a:schemeClr val="lt1">
         <a:alpha val="90000"/>
       </a:schemeClr>
     </dgm:fillClrLst>
     <dgm:linClrLst meth="repeat">
-      <a:schemeClr val="dk2"/>
+      <a:schemeClr val="accent2"/>
+      <a:schemeClr val="accent3"/>
+      <a:schemeClr val="accent4"/>
+      <a:schemeClr val="accent5"/>
+      <a:schemeClr val="accent6"/>
     </dgm:linClrLst>
     <dgm:effectClrLst/>
     <dgm:txLinClrLst/>
@@ -648,10 +708,14 @@
   </dgm:styleLbl>
   <dgm:styleLbl name="solidFgAcc1">
     <dgm:fillClrLst meth="repeat">
-      <a:schemeClr val="lt2"/>
+      <a:schemeClr val="lt1"/>
     </dgm:fillClrLst>
     <dgm:linClrLst meth="repeat">
-      <a:schemeClr val="dk2"/>
+      <a:schemeClr val="accent2"/>
+      <a:schemeClr val="accent3"/>
+      <a:schemeClr val="accent4"/>
+      <a:schemeClr val="accent5"/>
+      <a:schemeClr val="accent6"/>
     </dgm:linClrLst>
     <dgm:effectClrLst/>
     <dgm:txLinClrLst/>
@@ -662,10 +726,14 @@
   </dgm:styleLbl>
   <dgm:styleLbl name="solidAlignAcc1">
     <dgm:fillClrLst meth="repeat">
-      <a:schemeClr val="lt2"/>
+      <a:schemeClr val="lt1"/>
     </dgm:fillClrLst>
     <dgm:linClrLst meth="repeat">
-      <a:schemeClr val="dk2"/>
+      <a:schemeClr val="accent2"/>
+      <a:schemeClr val="accent3"/>
+      <a:schemeClr val="accent4"/>
+      <a:schemeClr val="accent5"/>
+      <a:schemeClr val="accent6"/>
     </dgm:linClrLst>
     <dgm:effectClrLst/>
     <dgm:txLinClrLst/>
@@ -676,10 +744,14 @@
   </dgm:styleLbl>
   <dgm:styleLbl name="solidBgAcc1">
     <dgm:fillClrLst meth="repeat">
-      <a:schemeClr val="lt2"/>
+      <a:schemeClr val="lt1"/>
     </dgm:fillClrLst>
     <dgm:linClrLst meth="repeat">
-      <a:schemeClr val="dk2"/>
+      <a:schemeClr val="accent2"/>
+      <a:schemeClr val="accent3"/>
+      <a:schemeClr val="accent4"/>
+      <a:schemeClr val="accent5"/>
+      <a:schemeClr val="accent6"/>
     </dgm:linClrLst>
     <dgm:effectClrLst/>
     <dgm:txLinClrLst/>
@@ -690,15 +762,47 @@
   </dgm:styleLbl>
   <dgm:styleLbl name="fgAccFollowNode1">
     <dgm:fillClrLst meth="repeat">
-      <a:schemeClr val="dk2">
+      <a:schemeClr val="accent2">
+        <a:tint val="40000"/>
         <a:alpha val="90000"/>
+      </a:schemeClr>
+      <a:schemeClr val="accent3">
         <a:tint val="40000"/>
+        <a:alpha val="90000"/>
+      </a:schemeClr>
+      <a:schemeClr val="accent4">
+        <a:tint val="40000"/>
+        <a:alpha val="90000"/>
+      </a:schemeClr>
+      <a:schemeClr val="accent5">
+        <a:tint val="40000"/>
+        <a:alpha val="90000"/>
+      </a:schemeClr>
+      <a:schemeClr val="accent6">
+        <a:tint val="40000"/>
+        <a:alpha val="90000"/>
       </a:schemeClr>
     </dgm:fillClrLst>
     <dgm:linClrLst meth="repeat">
-      <a:schemeClr val="dk2">
+      <a:schemeClr val="accent2">
+        <a:tint val="40000"/>
         <a:alpha val="90000"/>
+      </a:schemeClr>
+      <a:schemeClr val="accent3">
         <a:tint val="40000"/>
+        <a:alpha val="90000"/>
+      </a:schemeClr>
+      <a:schemeClr val="accent4">
+        <a:tint val="40000"/>
+        <a:alpha val="90000"/>
+      </a:schemeClr>
+      <a:schemeClr val="accent5">
+        <a:tint val="40000"/>
+        <a:alpha val="90000"/>
+      </a:schemeClr>
+      <a:schemeClr val="accent6">
+        <a:tint val="40000"/>
+        <a:alpha val="90000"/>
       </a:schemeClr>
     </dgm:linClrLst>
     <dgm:effectClrLst/>
@@ -710,15 +814,47 @@
   </dgm:styleLbl>
   <dgm:styleLbl name="alignAccFollowNode1">
     <dgm:fillClrLst meth="repeat">
-      <a:schemeClr val="dk2">
+      <a:schemeClr val="accent2">
+        <a:tint val="40000"/>
         <a:alpha val="90000"/>
+      </a:schemeClr>
+      <a:schemeClr val="accent3">
         <a:tint val="40000"/>
+        <a:alpha val="90000"/>
+      </a:schemeClr>
+      <a:schemeClr val="accent4">
+        <a:tint val="40000"/>
+        <a:alpha val="90000"/>
+      </a:schemeClr>
+      <a:schemeClr val="accent5">
+        <a:tint val="40000"/>
+        <a:alpha val="90000"/>
+      </a:schemeClr>
+      <a:schemeClr val="accent6">
+        <a:tint val="40000"/>
+        <a:alpha val="90000"/>
       </a:schemeClr>
     </dgm:fillClrLst>
     <dgm:linClrLst meth="repeat">
-      <a:schemeClr val="dk2">
+      <a:schemeClr val="accent2">
+        <a:tint val="40000"/>
         <a:alpha val="90000"/>
+      </a:schemeClr>
+      <a:schemeClr val="accent3">
         <a:tint val="40000"/>
+        <a:alpha val="90000"/>
+      </a:schemeClr>
+      <a:schemeClr val="accent4">
+        <a:tint val="40000"/>
+        <a:alpha val="90000"/>
+      </a:schemeClr>
+      <a:schemeClr val="accent5">
+        <a:tint val="40000"/>
+        <a:alpha val="90000"/>
+      </a:schemeClr>
+      <a:schemeClr val="accent6">
+        <a:tint val="40000"/>
+        <a:alpha val="90000"/>
       </a:schemeClr>
     </dgm:linClrLst>
     <dgm:effectClrLst/>
@@ -730,15 +866,47 @@
   </dgm:styleLbl>
   <dgm:styleLbl name="bgAccFollowNode1">
     <dgm:fillClrLst meth="repeat">
-      <a:schemeClr val="dk2">
+      <a:schemeClr val="accent2">
+        <a:tint val="40000"/>
         <a:alpha val="90000"/>
+      </a:schemeClr>
+      <a:schemeClr val="accent3">
         <a:tint val="40000"/>
+        <a:alpha val="90000"/>
+      </a:schemeClr>
+      <a:schemeClr val="accent4">
+        <a:tint val="40000"/>
+        <a:alpha val="90000"/>
+      </a:schemeClr>
+      <a:schemeClr val="accent5">
+        <a:tint val="40000"/>
+        <a:alpha val="90000"/>
+      </a:schemeClr>
+      <a:schemeClr val="accent6">
+        <a:tint val="40000"/>
+        <a:alpha val="90000"/>
       </a:schemeClr>
     </dgm:fillClrLst>
     <dgm:linClrLst meth="repeat">
-      <a:schemeClr val="dk2">
+      <a:schemeClr val="accent2">
+        <a:tint val="40000"/>
         <a:alpha val="90000"/>
+      </a:schemeClr>
+      <a:schemeClr val="accent3">
         <a:tint val="40000"/>
+        <a:alpha val="90000"/>
+      </a:schemeClr>
+      <a:schemeClr val="accent4">
+        <a:tint val="40000"/>
+        <a:alpha val="90000"/>
+      </a:schemeClr>
+      <a:schemeClr val="accent5">
+        <a:tint val="40000"/>
+        <a:alpha val="90000"/>
+      </a:schemeClr>
+      <a:schemeClr val="accent6">
+        <a:tint val="40000"/>
+        <a:alpha val="90000"/>
       </a:schemeClr>
     </dgm:linClrLst>
     <dgm:effectClrLst/>
@@ -750,12 +918,12 @@
   </dgm:styleLbl>
   <dgm:styleLbl name="fgAcc0">
     <dgm:fillClrLst meth="repeat">
-      <a:schemeClr val="lt2">
+      <a:schemeClr val="lt1">
         <a:alpha val="90000"/>
       </a:schemeClr>
     </dgm:fillClrLst>
-    <dgm:linClrLst meth="repeat">
-      <a:schemeClr val="dk2"/>
+    <dgm:linClrLst>
+      <a:schemeClr val="accent1"/>
     </dgm:linClrLst>
     <dgm:effectClrLst/>
     <dgm:txLinClrLst/>
@@ -766,12 +934,12 @@
   </dgm:styleLbl>
   <dgm:styleLbl name="fgAcc2">
     <dgm:fillClrLst meth="repeat">
-      <a:schemeClr val="lt2">
+      <a:schemeClr val="lt1">
         <a:alpha val="90000"/>
       </a:schemeClr>
     </dgm:fillClrLst>
-    <dgm:linClrLst meth="repeat">
-      <a:schemeClr val="dk2"/>
+    <dgm:linClrLst>
+      <a:schemeClr val="accent2"/>
     </dgm:linClrLst>
     <dgm:effectClrLst/>
     <dgm:txLinClrLst/>
@@ -782,12 +950,12 @@
   </dgm:styleLbl>
   <dgm:styleLbl name="fgAcc3">
     <dgm:fillClrLst meth="repeat">
-      <a:schemeClr val="lt2">
+      <a:schemeClr val="lt1">
         <a:alpha val="90000"/>
       </a:schemeClr>
     </dgm:fillClrLst>
-    <dgm:linClrLst meth="repeat">
-      <a:schemeClr val="dk2"/>
+    <dgm:linClrLst>
+      <a:schemeClr val="accent3"/>
     </dgm:linClrLst>
     <dgm:effectClrLst/>
     <dgm:txLinClrLst/>
@@ -798,12 +966,12 @@
   </dgm:styleLbl>
   <dgm:styleLbl name="fgAcc4">
     <dgm:fillClrLst meth="repeat">
-      <a:schemeClr val="lt2">
+      <a:schemeClr val="lt1">
         <a:alpha val="90000"/>
       </a:schemeClr>
     </dgm:fillClrLst>
-    <dgm:linClrLst meth="repeat">
-      <a:schemeClr val="dk2"/>
+    <dgm:linClrLst>
+      <a:schemeClr val="accent4"/>
     </dgm:linClrLst>
     <dgm:effectClrLst/>
     <dgm:txLinClrLst/>
@@ -814,12 +982,12 @@
   </dgm:styleLbl>
   <dgm:styleLbl name="bgShp">
     <dgm:fillClrLst meth="repeat">
-      <a:schemeClr val="dk2">
+      <a:schemeClr val="accent2">
         <a:tint val="40000"/>
       </a:schemeClr>
     </dgm:fillClrLst>
     <dgm:linClrLst meth="repeat">
-      <a:schemeClr val="dk2"/>
+      <a:schemeClr val="dk1"/>
     </dgm:linClrLst>
     <dgm:effectClrLst/>
     <dgm:txLinClrLst/>
@@ -830,12 +998,12 @@
   </dgm:styleLbl>
   <dgm:styleLbl name="dkBgShp">
     <dgm:fillClrLst meth="repeat">
-      <a:schemeClr val="dk2">
-        <a:shade val="80000"/>
+      <a:schemeClr val="accent2">
+        <a:shade val="90000"/>
       </a:schemeClr>
     </dgm:fillClrLst>
     <dgm:linClrLst meth="repeat">
-      <a:schemeClr val="dk2"/>
+      <a:schemeClr val="dk1"/>
     </dgm:linClrLst>
     <dgm:effectClrLst/>
     <dgm:txLinClrLst/>
@@ -846,13 +1014,13 @@
   </dgm:styleLbl>
   <dgm:styleLbl name="trBgShp">
     <dgm:fillClrLst meth="repeat">
-      <a:schemeClr val="dk2">
+      <a:schemeClr val="accent1">
         <a:tint val="50000"/>
         <a:alpha val="40000"/>
       </a:schemeClr>
     </dgm:fillClrLst>
     <dgm:linClrLst meth="repeat">
-      <a:schemeClr val="dk2"/>
+      <a:schemeClr val="accent2"/>
     </dgm:linClrLst>
     <dgm:effectClrLst/>
     <dgm:txLinClrLst/>
@@ -863,12 +1031,12 @@
   </dgm:styleLbl>
   <dgm:styleLbl name="fgShp">
     <dgm:fillClrLst meth="repeat">
-      <a:schemeClr val="dk2">
-        <a:tint val="60000"/>
+      <a:schemeClr val="accent2">
+        <a:tint val="40000"/>
       </a:schemeClr>
     </dgm:fillClrLst>
     <dgm:linClrLst meth="repeat">
-      <a:schemeClr val="lt2"/>
+      <a:schemeClr val="lt1"/>
     </dgm:linClrLst>
     <dgm:effectClrLst/>
     <dgm:txLinClrLst/>
@@ -879,7 +1047,7 @@
   </dgm:styleLbl>
   <dgm:styleLbl name="revTx">
     <dgm:fillClrLst meth="repeat">
-      <a:schemeClr val="lt2">
+      <a:schemeClr val="lt1">
         <a:alpha val="0"/>
       </a:schemeClr>
     </dgm:fillClrLst>
@@ -902,7 +1070,7 @@
 <dgm:dataModel xmlns:dgm="http://schemas.openxmlformats.org/drawingml/2006/diagram" xmlns:a="http://schemas.openxmlformats.org/drawingml/2006/main">
   <dgm:ptLst>
     <dgm:pt modelId="{2CA44078-6723-471E-9EE8-E500D68F584B}" type="doc">
-      <dgm:prSet loTypeId="urn:microsoft.com/office/officeart/2005/8/layout/matrix1" loCatId="matrix" qsTypeId="urn:microsoft.com/office/officeart/2005/8/quickstyle/simple1" qsCatId="simple" csTypeId="urn:microsoft.com/office/officeart/2005/8/colors/accent0_3" csCatId="mainScheme" phldr="1"/>
+      <dgm:prSet loTypeId="urn:microsoft.com/office/officeart/2005/8/layout/matrix1" loCatId="matrix" qsTypeId="urn:microsoft.com/office/officeart/2005/8/quickstyle/simple1" qsCatId="simple" csTypeId="urn:microsoft.com/office/officeart/2005/8/colors/colorful1" csCatId="colorful" phldr="1"/>
       <dgm:spPr/>
       <dgm:t>
         <a:bodyPr/>
@@ -914,11 +1082,7 @@
     </dgm:pt>
     <dgm:pt modelId="{322F7167-D7E5-435C-A8CC-52B42FC6266D}">
       <dgm:prSet phldrT="[Text]"/>
-      <dgm:spPr>
-        <a:solidFill>
-          <a:schemeClr val="bg1"/>
-        </a:solidFill>
-      </dgm:spPr>
+      <dgm:spPr/>
       <dgm:t>
         <a:bodyPr/>
         <a:lstStyle/>
@@ -926,14 +1090,14 @@
           <a:r>
             <a:rPr lang="de-DE" b="1" dirty="0" err="1" smtClean="0">
               <a:solidFill>
-                <a:srgbClr val="002060"/>
+                <a:schemeClr val="tx2"/>
               </a:solidFill>
             </a:rPr>
             <a:t>Grails</a:t>
           </a:r>
           <a:endParaRPr lang="de-DE" b="1" dirty="0">
             <a:solidFill>
-              <a:srgbClr val="002060"/>
+              <a:schemeClr val="tx2"/>
             </a:solidFill>
           </a:endParaRPr>
         </a:p>
@@ -965,9 +1129,7 @@
       <dgm:prSet phldrT="[Text]"/>
       <dgm:spPr>
         <a:solidFill>
-          <a:schemeClr val="bg1">
-            <a:lumMod val="75000"/>
-          </a:schemeClr>
+          <a:srgbClr val="92D050"/>
         </a:solidFill>
       </dgm:spPr>
       <dgm:t>
@@ -975,18 +1137,10 @@
         <a:lstStyle/>
         <a:p>
           <a:r>
-            <a:rPr lang="de-DE" dirty="0" smtClean="0">
-              <a:solidFill>
-                <a:srgbClr val="002060"/>
-              </a:solidFill>
-            </a:rPr>
+            <a:rPr lang="de-DE" smtClean="0"/>
             <a:t>Spring</a:t>
           </a:r>
-          <a:endParaRPr lang="de-DE" dirty="0">
-            <a:solidFill>
-              <a:srgbClr val="002060"/>
-            </a:solidFill>
-          </a:endParaRPr>
+          <a:endParaRPr lang="de-DE" dirty="0"/>
         </a:p>
       </dgm:t>
     </dgm:pt>
@@ -1016,9 +1170,7 @@
       <dgm:prSet phldrT="[Text]"/>
       <dgm:spPr>
         <a:solidFill>
-          <a:schemeClr val="bg1">
-            <a:lumMod val="75000"/>
-          </a:schemeClr>
+          <a:schemeClr val="tx1"/>
         </a:solidFill>
       </dgm:spPr>
       <dgm:t>
@@ -1026,18 +1178,10 @@
         <a:lstStyle/>
         <a:p>
           <a:r>
-            <a:rPr lang="de-DE" dirty="0" smtClean="0">
-              <a:solidFill>
-                <a:srgbClr val="002060"/>
-              </a:solidFill>
-            </a:rPr>
+            <a:rPr lang="de-DE" smtClean="0"/>
             <a:t>Groovy</a:t>
           </a:r>
-          <a:endParaRPr lang="de-DE" dirty="0">
-            <a:solidFill>
-              <a:srgbClr val="002060"/>
-            </a:solidFill>
-          </a:endParaRPr>
+          <a:endParaRPr lang="de-DE" dirty="0"/>
         </a:p>
       </dgm:t>
     </dgm:pt>
@@ -1065,30 +1209,16 @@
     </dgm:pt>
     <dgm:pt modelId="{F7671500-8297-4F3E-BDCE-879BE72411ED}">
       <dgm:prSet phldrT="[Text]"/>
-      <dgm:spPr>
-        <a:solidFill>
-          <a:schemeClr val="bg1">
-            <a:lumMod val="75000"/>
-          </a:schemeClr>
-        </a:solidFill>
-      </dgm:spPr>
+      <dgm:spPr/>
       <dgm:t>
         <a:bodyPr/>
         <a:lstStyle/>
         <a:p>
           <a:r>
-            <a:rPr lang="de-DE" dirty="0" smtClean="0">
-              <a:solidFill>
-                <a:srgbClr val="002060"/>
-              </a:solidFill>
-            </a:rPr>
+            <a:rPr lang="de-DE" smtClean="0"/>
             <a:t>Hibernate</a:t>
           </a:r>
-          <a:endParaRPr lang="de-DE" dirty="0">
-            <a:solidFill>
-              <a:srgbClr val="002060"/>
-            </a:solidFill>
-          </a:endParaRPr>
+          <a:endParaRPr lang="de-DE" dirty="0"/>
         </a:p>
       </dgm:t>
     </dgm:pt>
@@ -1116,30 +1246,16 @@
     </dgm:pt>
     <dgm:pt modelId="{7D353D93-D951-4728-A871-2B312A5FAE0D}">
       <dgm:prSet phldrT="[Text]"/>
-      <dgm:spPr>
-        <a:solidFill>
-          <a:schemeClr val="bg1">
-            <a:lumMod val="75000"/>
-          </a:schemeClr>
-        </a:solidFill>
-      </dgm:spPr>
+      <dgm:spPr/>
       <dgm:t>
         <a:bodyPr/>
         <a:lstStyle/>
         <a:p>
           <a:r>
-            <a:rPr lang="de-DE" dirty="0" err="1" smtClean="0">
-              <a:solidFill>
-                <a:srgbClr val="002060"/>
-              </a:solidFill>
-            </a:rPr>
+            <a:rPr lang="de-DE" smtClean="0"/>
             <a:t>SiteMesh</a:t>
           </a:r>
-          <a:endParaRPr lang="de-DE" dirty="0">
-            <a:solidFill>
-              <a:srgbClr val="002060"/>
-            </a:solidFill>
-          </a:endParaRPr>
+          <a:endParaRPr lang="de-DE" dirty="0"/>
         </a:p>
       </dgm:t>
     </dgm:pt>
@@ -1186,6 +1302,13 @@
     <dgm:pt modelId="{B66C5C42-6939-480F-9798-40DDC3EDD9FB}" type="pres">
       <dgm:prSet presAssocID="{2CA44078-6723-471E-9EE8-E500D68F584B}" presName="matrix" presStyleCnt="0"/>
       <dgm:spPr/>
+      <dgm:t>
+        <a:bodyPr/>
+        <a:lstStyle/>
+        <a:p>
+          <a:endParaRPr lang="de-DE"/>
+        </a:p>
+      </dgm:t>
     </dgm:pt>
     <dgm:pt modelId="{2C465FEE-CF80-4909-804E-3204153E6FF1}" type="pres">
       <dgm:prSet presAssocID="{2CA44078-6723-471E-9EE8-E500D68F584B}" presName="tile1" presStyleLbl="node1" presStyleIdx="0" presStyleCnt="4"/>
@@ -1317,21 +1440,21 @@
     </dgm:pt>
   </dgm:ptLst>
   <dgm:cxnLst>
+    <dgm:cxn modelId="{50E8153B-4E47-44FC-B6BE-4CD8520B6BC2}" srcId="{2CA44078-6723-471E-9EE8-E500D68F584B}" destId="{322F7167-D7E5-435C-A8CC-52B42FC6266D}" srcOrd="0" destOrd="0" parTransId="{4F1DB36A-DA11-4FC6-B205-425407F144A3}" sibTransId="{106FF330-C0D9-40BC-91A0-3C43A17B8498}"/>
+    <dgm:cxn modelId="{2F7114BA-DE38-44AF-B2B1-36241EBDACDE}" srcId="{322F7167-D7E5-435C-A8CC-52B42FC6266D}" destId="{7D353D93-D951-4728-A871-2B312A5FAE0D}" srcOrd="3" destOrd="0" parTransId="{E6C0A325-08B0-4A14-B39C-CBE8CF28F93A}" sibTransId="{701BD626-1384-439B-863C-EAB96A370847}"/>
+    <dgm:cxn modelId="{EF2ED0C1-7510-4117-A3B4-E1722361DB55}" type="presOf" srcId="{2CA44078-6723-471E-9EE8-E500D68F584B}" destId="{00F9D2A5-285E-4263-BDA4-C5ECC3BB5457}" srcOrd="0" destOrd="0" presId="urn:microsoft.com/office/officeart/2005/8/layout/matrix1"/>
+    <dgm:cxn modelId="{E7A28185-E3B0-45A7-85E0-A10425BC2D41}" type="presOf" srcId="{3EA38FB7-077E-4699-860B-B7481A9FF50F}" destId="{C83AB4E9-A066-4C32-9B94-64C1161EA86D}" srcOrd="0" destOrd="0" presId="urn:microsoft.com/office/officeart/2005/8/layout/matrix1"/>
+    <dgm:cxn modelId="{797A5495-0C2E-4990-B05E-B75AD751CE1E}" type="presOf" srcId="{50C3BD8F-FA35-49F1-A571-92963C2C793A}" destId="{D057D4C4-7C7C-437F-9AA7-E77B3A3EC01F}" srcOrd="1" destOrd="0" presId="urn:microsoft.com/office/officeart/2005/8/layout/matrix1"/>
+    <dgm:cxn modelId="{F4103C12-A425-44D8-866D-553E2C235872}" type="presOf" srcId="{F7671500-8297-4F3E-BDCE-879BE72411ED}" destId="{94717272-4243-488C-95AF-FD69DB98ADDE}" srcOrd="1" destOrd="0" presId="urn:microsoft.com/office/officeart/2005/8/layout/matrix1"/>
+    <dgm:cxn modelId="{BD74DB50-200D-4700-A3BD-7C0511274F22}" srcId="{322F7167-D7E5-435C-A8CC-52B42FC6266D}" destId="{3EA38FB7-077E-4699-860B-B7481A9FF50F}" srcOrd="1" destOrd="0" parTransId="{4DD7F543-659B-4F40-8415-BF27977ED8CD}" sibTransId="{68EF7038-8C23-4620-9AB0-30A383CCC59B}"/>
+    <dgm:cxn modelId="{BB320B12-6487-4989-9CA8-ECD92005A8C1}" type="presOf" srcId="{3EA38FB7-077E-4699-860B-B7481A9FF50F}" destId="{707396D3-4F4C-4E1B-AE8E-A842EB5E2755}" srcOrd="1" destOrd="0" presId="urn:microsoft.com/office/officeart/2005/8/layout/matrix1"/>
+    <dgm:cxn modelId="{1E87FFFD-6E68-4A9F-82A9-205D3F5EF0EF}" type="presOf" srcId="{50C3BD8F-FA35-49F1-A571-92963C2C793A}" destId="{2C465FEE-CF80-4909-804E-3204153E6FF1}" srcOrd="0" destOrd="0" presId="urn:microsoft.com/office/officeart/2005/8/layout/matrix1"/>
+    <dgm:cxn modelId="{A4303F15-0D9A-4086-AE14-98BBB28075D6}" srcId="{322F7167-D7E5-435C-A8CC-52B42FC6266D}" destId="{50C3BD8F-FA35-49F1-A571-92963C2C793A}" srcOrd="0" destOrd="0" parTransId="{9BB94167-7A35-4231-AA02-49CB216E6D62}" sibTransId="{C472C849-4A5C-43BB-903D-5ED6B655CEEC}"/>
     <dgm:cxn modelId="{FA87375C-D0A7-4452-B481-67F727AAA2AA}" type="presOf" srcId="{F7671500-8297-4F3E-BDCE-879BE72411ED}" destId="{2BCBC29C-5067-4C24-BDB5-16718A53AE6A}" srcOrd="0" destOrd="0" presId="urn:microsoft.com/office/officeart/2005/8/layout/matrix1"/>
-    <dgm:cxn modelId="{1E87FFFD-6E68-4A9F-82A9-205D3F5EF0EF}" type="presOf" srcId="{50C3BD8F-FA35-49F1-A571-92963C2C793A}" destId="{2C465FEE-CF80-4909-804E-3204153E6FF1}" srcOrd="0" destOrd="0" presId="urn:microsoft.com/office/officeart/2005/8/layout/matrix1"/>
+    <dgm:cxn modelId="{BDB2C959-37C7-4C56-8F10-702F4A7DD51B}" type="presOf" srcId="{322F7167-D7E5-435C-A8CC-52B42FC6266D}" destId="{D5EA20F8-272A-400E-B692-FE1C3CF6C51C}" srcOrd="0" destOrd="0" presId="urn:microsoft.com/office/officeart/2005/8/layout/matrix1"/>
+    <dgm:cxn modelId="{6E08934A-26D5-4A10-9C2A-702221EB1C66}" type="presOf" srcId="{7D353D93-D951-4728-A871-2B312A5FAE0D}" destId="{F498BBB4-A080-4839-A4BC-B30620E40F49}" srcOrd="0" destOrd="0" presId="urn:microsoft.com/office/officeart/2005/8/layout/matrix1"/>
     <dgm:cxn modelId="{3BC4F52A-0D84-4006-A828-69AD9FE7BBD7}" type="presOf" srcId="{7D353D93-D951-4728-A871-2B312A5FAE0D}" destId="{D19FF58C-E800-439B-B9A6-81525D5A3885}" srcOrd="1" destOrd="0" presId="urn:microsoft.com/office/officeart/2005/8/layout/matrix1"/>
-    <dgm:cxn modelId="{EF2ED0C1-7510-4117-A3B4-E1722361DB55}" type="presOf" srcId="{2CA44078-6723-471E-9EE8-E500D68F584B}" destId="{00F9D2A5-285E-4263-BDA4-C5ECC3BB5457}" srcOrd="0" destOrd="0" presId="urn:microsoft.com/office/officeart/2005/8/layout/matrix1"/>
-    <dgm:cxn modelId="{A4303F15-0D9A-4086-AE14-98BBB28075D6}" srcId="{322F7167-D7E5-435C-A8CC-52B42FC6266D}" destId="{50C3BD8F-FA35-49F1-A571-92963C2C793A}" srcOrd="0" destOrd="0" parTransId="{9BB94167-7A35-4231-AA02-49CB216E6D62}" sibTransId="{C472C849-4A5C-43BB-903D-5ED6B655CEEC}"/>
     <dgm:cxn modelId="{796A0834-7EE0-4FCF-8BCA-2A3F4B0F8FBB}" srcId="{322F7167-D7E5-435C-A8CC-52B42FC6266D}" destId="{F7671500-8297-4F3E-BDCE-879BE72411ED}" srcOrd="2" destOrd="0" parTransId="{6A162757-755C-4BE7-A32E-0D79424AAB30}" sibTransId="{E5521926-4E6E-4688-9BFB-89AD5F90115B}"/>
-    <dgm:cxn modelId="{2F7114BA-DE38-44AF-B2B1-36241EBDACDE}" srcId="{322F7167-D7E5-435C-A8CC-52B42FC6266D}" destId="{7D353D93-D951-4728-A871-2B312A5FAE0D}" srcOrd="3" destOrd="0" parTransId="{E6C0A325-08B0-4A14-B39C-CBE8CF28F93A}" sibTransId="{701BD626-1384-439B-863C-EAB96A370847}"/>
-    <dgm:cxn modelId="{F4103C12-A425-44D8-866D-553E2C235872}" type="presOf" srcId="{F7671500-8297-4F3E-BDCE-879BE72411ED}" destId="{94717272-4243-488C-95AF-FD69DB98ADDE}" srcOrd="1" destOrd="0" presId="urn:microsoft.com/office/officeart/2005/8/layout/matrix1"/>
-    <dgm:cxn modelId="{6E08934A-26D5-4A10-9C2A-702221EB1C66}" type="presOf" srcId="{7D353D93-D951-4728-A871-2B312A5FAE0D}" destId="{F498BBB4-A080-4839-A4BC-B30620E40F49}" srcOrd="0" destOrd="0" presId="urn:microsoft.com/office/officeart/2005/8/layout/matrix1"/>
-    <dgm:cxn modelId="{797A5495-0C2E-4990-B05E-B75AD751CE1E}" type="presOf" srcId="{50C3BD8F-FA35-49F1-A571-92963C2C793A}" destId="{D057D4C4-7C7C-437F-9AA7-E77B3A3EC01F}" srcOrd="1" destOrd="0" presId="urn:microsoft.com/office/officeart/2005/8/layout/matrix1"/>
-    <dgm:cxn modelId="{50E8153B-4E47-44FC-B6BE-4CD8520B6BC2}" srcId="{2CA44078-6723-471E-9EE8-E500D68F584B}" destId="{322F7167-D7E5-435C-A8CC-52B42FC6266D}" srcOrd="0" destOrd="0" parTransId="{4F1DB36A-DA11-4FC6-B205-425407F144A3}" sibTransId="{106FF330-C0D9-40BC-91A0-3C43A17B8498}"/>
-    <dgm:cxn modelId="{BB320B12-6487-4989-9CA8-ECD92005A8C1}" type="presOf" srcId="{3EA38FB7-077E-4699-860B-B7481A9FF50F}" destId="{707396D3-4F4C-4E1B-AE8E-A842EB5E2755}" srcOrd="1" destOrd="0" presId="urn:microsoft.com/office/officeart/2005/8/layout/matrix1"/>
-    <dgm:cxn modelId="{E7A28185-E3B0-45A7-85E0-A10425BC2D41}" type="presOf" srcId="{3EA38FB7-077E-4699-860B-B7481A9FF50F}" destId="{C83AB4E9-A066-4C32-9B94-64C1161EA86D}" srcOrd="0" destOrd="0" presId="urn:microsoft.com/office/officeart/2005/8/layout/matrix1"/>
-    <dgm:cxn modelId="{BDB2C959-37C7-4C56-8F10-702F4A7DD51B}" type="presOf" srcId="{322F7167-D7E5-435C-A8CC-52B42FC6266D}" destId="{D5EA20F8-272A-400E-B692-FE1C3CF6C51C}" srcOrd="0" destOrd="0" presId="urn:microsoft.com/office/officeart/2005/8/layout/matrix1"/>
-    <dgm:cxn modelId="{BD74DB50-200D-4700-A3BD-7C0511274F22}" srcId="{322F7167-D7E5-435C-A8CC-52B42FC6266D}" destId="{3EA38FB7-077E-4699-860B-B7481A9FF50F}" srcOrd="1" destOrd="0" parTransId="{4DD7F543-659B-4F40-8415-BF27977ED8CD}" sibTransId="{68EF7038-8C23-4620-9AB0-30A383CCC59B}"/>
     <dgm:cxn modelId="{1767F454-5B5F-474C-BF93-C3BB5ECEBF28}" type="presParOf" srcId="{00F9D2A5-285E-4263-BDA4-C5ECC3BB5457}" destId="{B66C5C42-6939-480F-9798-40DDC3EDD9FB}" srcOrd="0" destOrd="0" presId="urn:microsoft.com/office/officeart/2005/8/layout/matrix1"/>
     <dgm:cxn modelId="{76204FB3-8E05-4F4F-B365-5B87C0DE2A86}" type="presParOf" srcId="{B66C5C42-6939-480F-9798-40DDC3EDD9FB}" destId="{2C465FEE-CF80-4909-804E-3204153E6FF1}" srcOrd="0" destOrd="0" presId="urn:microsoft.com/office/officeart/2005/8/layout/matrix1"/>
     <dgm:cxn modelId="{C1EDFD6D-B385-4009-A8E5-EC6C93564758}" type="presParOf" srcId="{B66C5C42-6939-480F-9798-40DDC3EDD9FB}" destId="{D057D4C4-7C7C-437F-9AA7-E77B3A3EC01F}" srcOrd="1" destOrd="0" presId="urn:microsoft.com/office/officeart/2005/8/layout/matrix1"/>
@@ -1347,14 +1470,14 @@
   <dgm:whole/>
   <dgm:extLst>
     <a:ext uri="http://schemas.microsoft.com/office/drawing/2008/diagram">
-      <dsp:dataModelExt xmlns:dsp="http://schemas.microsoft.com/office/drawing/2008/diagram" relId="rId6" minVer="http://schemas.openxmlformats.org/drawingml/2006/diagram"/>
+      <dsp:dataModelExt xmlns:dsp="http://schemas.microsoft.com/office/drawing/2008/diagram" xmlns="" relId="rId6" minVer="http://schemas.openxmlformats.org/drawingml/2006/diagram"/>
     </a:ext>
   </dgm:extLst>
 </dgm:dataModel>
 </file>
 
 <file path=ppt/diagrams/drawing1.xml><?xml version="1.0" encoding="utf-8"?>
-<dsp:drawing xmlns:dgm="http://schemas.openxmlformats.org/drawingml/2006/diagram" xmlns:dsp="http://schemas.microsoft.com/office/drawing/2008/diagram" xmlns:a="http://schemas.openxmlformats.org/drawingml/2006/main">
+<dsp:drawing xmlns:dgm="http://schemas.openxmlformats.org/drawingml/2006/diagram" xmlns:a="http://schemas.openxmlformats.org/drawingml/2006/main" xmlns:dsp="http://schemas.microsoft.com/office/drawing/2008/diagram">
   <dsp:spTree>
     <dsp:nvGrpSpPr>
       <dsp:cNvPr id="0" name=""/>
@@ -1375,13 +1498,11 @@
           <a:avLst/>
         </a:prstGeom>
         <a:solidFill>
-          <a:schemeClr val="bg1">
-            <a:lumMod val="75000"/>
-          </a:schemeClr>
+          <a:srgbClr val="92D050"/>
         </a:solidFill>
         <a:ln w="25400" cap="flat" cmpd="sng" algn="ctr">
           <a:solidFill>
-            <a:schemeClr val="lt2">
+            <a:schemeClr val="lt1">
               <a:hueOff val="0"/>
               <a:satOff val="0"/>
               <a:lumOff val="0"/>
@@ -1424,23 +1545,15 @@
             </a:spcAft>
           </a:pPr>
           <a:r>
-            <a:rPr lang="de-DE" sz="3900" kern="1200" dirty="0" smtClean="0">
-              <a:solidFill>
-                <a:srgbClr val="002060"/>
-              </a:solidFill>
-            </a:rPr>
+            <a:rPr lang="de-DE" sz="3900" kern="1200" smtClean="0"/>
             <a:t>Spring</a:t>
           </a:r>
-          <a:endParaRPr lang="de-DE" sz="3900" kern="1200" dirty="0">
-            <a:solidFill>
-              <a:srgbClr val="002060"/>
-            </a:solidFill>
-          </a:endParaRPr>
+          <a:endParaRPr lang="de-DE" sz="3900" kern="1200" dirty="0"/>
         </a:p>
       </dsp:txBody>
-      <dsp:txXfrm rot="5400000">
-        <a:off x="0" y="0"/>
-        <a:ext cx="3048000" cy="1524000"/>
+      <dsp:txXfrm rot="16200000">
+        <a:off x="762000" y="-762000"/>
+        <a:ext cx="1524000" cy="3048000"/>
       </dsp:txXfrm>
     </dsp:sp>
     <dsp:sp modelId="{C83AB4E9-A066-4C32-9B94-64C1161EA86D}">
@@ -1457,13 +1570,11 @@
           <a:avLst/>
         </a:prstGeom>
         <a:solidFill>
-          <a:schemeClr val="bg1">
-            <a:lumMod val="75000"/>
-          </a:schemeClr>
+          <a:schemeClr val="tx1"/>
         </a:solidFill>
         <a:ln w="25400" cap="flat" cmpd="sng" algn="ctr">
           <a:solidFill>
-            <a:schemeClr val="lt2">
+            <a:schemeClr val="lt1">
               <a:hueOff val="0"/>
               <a:satOff val="0"/>
               <a:lumOff val="0"/>
@@ -1506,18 +1617,10 @@
             </a:spcAft>
           </a:pPr>
           <a:r>
-            <a:rPr lang="de-DE" sz="3900" kern="1200" dirty="0" smtClean="0">
-              <a:solidFill>
-                <a:srgbClr val="002060"/>
-              </a:solidFill>
-            </a:rPr>
+            <a:rPr lang="de-DE" sz="3900" kern="1200" smtClean="0"/>
             <a:t>Groovy</a:t>
           </a:r>
-          <a:endParaRPr lang="de-DE" sz="3900" kern="1200" dirty="0">
-            <a:solidFill>
-              <a:srgbClr val="002060"/>
-            </a:solidFill>
-          </a:endParaRPr>
+          <a:endParaRPr lang="de-DE" sz="3900" kern="1200" dirty="0"/>
         </a:p>
       </dsp:txBody>
       <dsp:txXfrm>
@@ -1539,13 +1642,16 @@
           <a:avLst/>
         </a:prstGeom>
         <a:solidFill>
-          <a:schemeClr val="bg1">
-            <a:lumMod val="75000"/>
+          <a:schemeClr val="accent4">
+            <a:hueOff val="0"/>
+            <a:satOff val="0"/>
+            <a:lumOff val="0"/>
+            <a:alphaOff val="0"/>
           </a:schemeClr>
         </a:solidFill>
         <a:ln w="25400" cap="flat" cmpd="sng" algn="ctr">
           <a:solidFill>
-            <a:schemeClr val="lt2">
+            <a:schemeClr val="lt1">
               <a:hueOff val="0"/>
               <a:satOff val="0"/>
               <a:lumOff val="0"/>
@@ -1588,18 +1694,10 @@
             </a:spcAft>
           </a:pPr>
           <a:r>
-            <a:rPr lang="de-DE" sz="3900" kern="1200" dirty="0" smtClean="0">
-              <a:solidFill>
-                <a:srgbClr val="002060"/>
-              </a:solidFill>
-            </a:rPr>
+            <a:rPr lang="de-DE" sz="3900" kern="1200" smtClean="0"/>
             <a:t>Hibernate</a:t>
           </a:r>
-          <a:endParaRPr lang="de-DE" sz="3900" kern="1200" dirty="0">
-            <a:solidFill>
-              <a:srgbClr val="002060"/>
-            </a:solidFill>
-          </a:endParaRPr>
+          <a:endParaRPr lang="de-DE" sz="3900" kern="1200" dirty="0"/>
         </a:p>
       </dsp:txBody>
       <dsp:txXfrm rot="10800000">
@@ -1621,13 +1719,16 @@
           <a:avLst/>
         </a:prstGeom>
         <a:solidFill>
-          <a:schemeClr val="bg1">
-            <a:lumMod val="75000"/>
+          <a:schemeClr val="accent5">
+            <a:hueOff val="0"/>
+            <a:satOff val="0"/>
+            <a:lumOff val="0"/>
+            <a:alphaOff val="0"/>
           </a:schemeClr>
         </a:solidFill>
         <a:ln w="25400" cap="flat" cmpd="sng" algn="ctr">
           <a:solidFill>
-            <a:schemeClr val="lt2">
+            <a:schemeClr val="lt1">
               <a:hueOff val="0"/>
               <a:satOff val="0"/>
               <a:lumOff val="0"/>
@@ -1670,23 +1771,15 @@
             </a:spcAft>
           </a:pPr>
           <a:r>
-            <a:rPr lang="de-DE" sz="3900" kern="1200" dirty="0" err="1" smtClean="0">
-              <a:solidFill>
-                <a:srgbClr val="002060"/>
-              </a:solidFill>
-            </a:rPr>
+            <a:rPr lang="de-DE" sz="3900" kern="1200" smtClean="0"/>
             <a:t>SiteMesh</a:t>
           </a:r>
-          <a:endParaRPr lang="de-DE" sz="3900" kern="1200" dirty="0">
-            <a:solidFill>
-              <a:srgbClr val="002060"/>
-            </a:solidFill>
-          </a:endParaRPr>
+          <a:endParaRPr lang="de-DE" sz="3900" kern="1200" dirty="0"/>
         </a:p>
       </dsp:txBody>
-      <dsp:txXfrm rot="-5400000">
-        <a:off x="3048000" y="2539999"/>
-        <a:ext cx="3048000" cy="1524000"/>
+      <dsp:txXfrm rot="5400000">
+        <a:off x="3810000" y="1777999"/>
+        <a:ext cx="1524000" cy="3048000"/>
       </dsp:txXfrm>
     </dsp:sp>
     <dsp:sp modelId="{D5EA20F8-272A-400E-B692-FE1C3CF6C51C}">
@@ -1703,11 +1796,17 @@
           <a:avLst/>
         </a:prstGeom>
         <a:solidFill>
-          <a:schemeClr val="bg1"/>
+          <a:schemeClr val="accent2">
+            <a:tint val="40000"/>
+            <a:hueOff val="0"/>
+            <a:satOff val="0"/>
+            <a:lumOff val="0"/>
+            <a:alphaOff val="0"/>
+          </a:schemeClr>
         </a:solidFill>
         <a:ln w="25400" cap="flat" cmpd="sng" algn="ctr">
           <a:solidFill>
-            <a:schemeClr val="lt2">
+            <a:schemeClr val="lt1">
               <a:hueOff val="0"/>
               <a:satOff val="0"/>
               <a:lumOff val="0"/>
@@ -1750,21 +1849,21 @@
           <a:r>
             <a:rPr lang="de-DE" sz="3900" b="1" kern="1200" dirty="0" err="1" smtClean="0">
               <a:solidFill>
-                <a:srgbClr val="002060"/>
+                <a:schemeClr val="tx2"/>
               </a:solidFill>
             </a:rPr>
             <a:t>Grails</a:t>
           </a:r>
           <a:endParaRPr lang="de-DE" sz="3900" b="1" kern="1200" dirty="0">
             <a:solidFill>
-              <a:srgbClr val="002060"/>
+              <a:schemeClr val="tx2"/>
             </a:solidFill>
           </a:endParaRPr>
         </a:p>
       </dsp:txBody>
       <dsp:txXfrm>
-        <a:off x="2183197" y="1573596"/>
-        <a:ext cx="1729606" cy="916806"/>
+        <a:off x="2133600" y="1523999"/>
+        <a:ext cx="1828800" cy="1016000"/>
       </dsp:txXfrm>
     </dsp:sp>
   </dsp:spTree>
@@ -3343,7 +3442,7 @@
     </p:spTree>
     <p:extLst>
       <p:ext uri="{BB962C8B-B14F-4D97-AF65-F5344CB8AC3E}">
-        <p14:creationId xmlns:p14="http://schemas.microsoft.com/office/powerpoint/2010/main" val="4179175705"/>
+        <p14:creationId xmlns:p14="http://schemas.microsoft.com/office/powerpoint/2010/main" xmlns="" val="4179175705"/>
       </p:ext>
     </p:extLst>
   </p:cSld>
@@ -3607,7 +3706,7 @@
     </p:spTree>
     <p:extLst>
       <p:ext uri="{BB962C8B-B14F-4D97-AF65-F5344CB8AC3E}">
-        <p14:creationId xmlns:p14="http://schemas.microsoft.com/office/powerpoint/2010/main" val="1834322205"/>
+        <p14:creationId xmlns:p14="http://schemas.microsoft.com/office/powerpoint/2010/main" xmlns="" val="1834322205"/>
       </p:ext>
     </p:extLst>
   </p:cSld>
@@ -3782,7 +3881,7 @@
     </p:spTree>
     <p:extLst>
       <p:ext uri="{BB962C8B-B14F-4D97-AF65-F5344CB8AC3E}">
-        <p14:creationId xmlns:p14="http://schemas.microsoft.com/office/powerpoint/2010/main" val="824769565"/>
+        <p14:creationId xmlns:p14="http://schemas.microsoft.com/office/powerpoint/2010/main" xmlns="" val="824769565"/>
       </p:ext>
     </p:extLst>
   </p:cSld>
@@ -14002,7 +14101,7 @@
     </p:spTree>
     <p:extLst>
       <p:ext uri="{BB962C8B-B14F-4D97-AF65-F5344CB8AC3E}">
-        <p14:creationId xmlns:p14="http://schemas.microsoft.com/office/powerpoint/2010/main" val="3634760287"/>
+        <p14:creationId xmlns:p14="http://schemas.microsoft.com/office/powerpoint/2010/main" xmlns="" val="3634760287"/>
       </p:ext>
     </p:extLst>
   </p:cSld>
@@ -20628,7 +20727,14 @@
                 <a:latin typeface="Consolas" pitchFamily="49" charset="0"/>
                 <a:cs typeface="Consolas" pitchFamily="49" charset="0"/>
               </a:rPr>
-              <a:t>: '</a:t>
+              <a:t>: </a:t>
+            </a:r>
+            <a:r>
+              <a:rPr lang="de-DE" sz="1600" dirty="0" smtClean="0">
+                <a:latin typeface="Consolas" pitchFamily="49" charset="0"/>
+                <a:cs typeface="Consolas" pitchFamily="49" charset="0"/>
+              </a:rPr>
+              <a:t>'</a:t>
             </a:r>
             <a:r>
               <a:rPr lang="de-DE" sz="1600" dirty="0" err="1" smtClean="0">
@@ -20642,90 +20748,14 @@
                 <a:latin typeface="Consolas" pitchFamily="49" charset="0"/>
                 <a:cs typeface="Consolas" pitchFamily="49" charset="0"/>
               </a:rPr>
-              <a:t>')</a:t>
-            </a:r>
-          </a:p>
-          <a:p>
-            <a:r>
-              <a:rPr lang="de-DE" sz="1600" dirty="0" smtClean="0">
-                <a:latin typeface="Consolas" pitchFamily="49" charset="0"/>
-                <a:cs typeface="Consolas" pitchFamily="49" charset="0"/>
-              </a:rPr>
-              <a:t>]</a:t>
-            </a:r>
-          </a:p>
-          <a:p>
+              <a:t>')]</a:t>
+            </a:r>
             <a:endParaRPr lang="de-DE" sz="1600" dirty="0" smtClean="0">
               <a:latin typeface="Consolas" pitchFamily="49" charset="0"/>
               <a:cs typeface="Consolas" pitchFamily="49" charset="0"/>
             </a:endParaRPr>
           </a:p>
           <a:p>
-            <a:r>
-              <a:rPr lang="de-DE" sz="1600" dirty="0" err="1" smtClean="0">
-                <a:latin typeface="Consolas" pitchFamily="49" charset="0"/>
-                <a:cs typeface="Consolas" pitchFamily="49" charset="0"/>
-              </a:rPr>
-              <a:t>assert</a:t>
-            </a:r>
-            <a:r>
-              <a:rPr lang="de-DE" sz="1600" dirty="0" smtClean="0">
-                <a:latin typeface="Consolas" pitchFamily="49" charset="0"/>
-                <a:cs typeface="Consolas" pitchFamily="49" charset="0"/>
-              </a:rPr>
-              <a:t> ['Fred', 'Wilma'] == </a:t>
-            </a:r>
-            <a:r>
-              <a:rPr lang="de-DE" sz="1600" dirty="0" err="1" smtClean="0">
-                <a:latin typeface="Consolas" pitchFamily="49" charset="0"/>
-                <a:cs typeface="Consolas" pitchFamily="49" charset="0"/>
-              </a:rPr>
-              <a:t>people.findAll</a:t>
-            </a:r>
-            <a:r>
-              <a:rPr lang="de-DE" sz="1600" dirty="0" smtClean="0">
-                <a:latin typeface="Consolas" pitchFamily="49" charset="0"/>
-                <a:cs typeface="Consolas" pitchFamily="49" charset="0"/>
-              </a:rPr>
-              <a:t>{</a:t>
-            </a:r>
-            <a:r>
-              <a:rPr lang="de-DE" sz="1600" dirty="0" err="1" smtClean="0">
-                <a:latin typeface="Consolas" pitchFamily="49" charset="0"/>
-                <a:cs typeface="Consolas" pitchFamily="49" charset="0"/>
-              </a:rPr>
-              <a:t>it.lastName</a:t>
-            </a:r>
-            <a:r>
-              <a:rPr lang="de-DE" sz="1600" dirty="0" smtClean="0">
-                <a:latin typeface="Consolas" pitchFamily="49" charset="0"/>
-                <a:cs typeface="Consolas" pitchFamily="49" charset="0"/>
-              </a:rPr>
-              <a:t> == </a:t>
-            </a:r>
-            <a:r>
-              <a:rPr lang="de-DE" sz="1600" dirty="0" smtClean="0">
-                <a:latin typeface="Consolas" pitchFamily="49" charset="0"/>
-                <a:cs typeface="Consolas" pitchFamily="49" charset="0"/>
-              </a:rPr>
-              <a:t>  </a:t>
-            </a:r>
-          </a:p>
-          <a:p>
-            <a:r>
-              <a:rPr lang="de-DE" sz="1600" dirty="0" smtClean="0">
-                <a:latin typeface="Consolas" pitchFamily="49" charset="0"/>
-                <a:cs typeface="Consolas" pitchFamily="49" charset="0"/>
-              </a:rPr>
-              <a:t>        'Feuerstein'}.</a:t>
-            </a:r>
-            <a:r>
-              <a:rPr lang="de-DE" sz="1600" dirty="0" err="1" smtClean="0">
-                <a:latin typeface="Consolas" pitchFamily="49" charset="0"/>
-                <a:cs typeface="Consolas" pitchFamily="49" charset="0"/>
-              </a:rPr>
-              <a:t>firstName</a:t>
-            </a:r>
             <a:endParaRPr lang="de-DE" sz="1600" dirty="0" smtClean="0">
               <a:latin typeface="Consolas" pitchFamily="49" charset="0"/>
               <a:cs typeface="Consolas" pitchFamily="49" charset="0"/>
@@ -20744,6 +20774,88 @@
                 <a:latin typeface="Consolas" pitchFamily="49" charset="0"/>
                 <a:cs typeface="Consolas" pitchFamily="49" charset="0"/>
               </a:rPr>
+              <a:t> ['Fred', 'Wilma'] == </a:t>
+            </a:r>
+            <a:endParaRPr lang="de-DE" sz="1600" dirty="0" smtClean="0">
+              <a:latin typeface="Consolas" pitchFamily="49" charset="0"/>
+              <a:cs typeface="Consolas" pitchFamily="49" charset="0"/>
+            </a:endParaRPr>
+          </a:p>
+          <a:p>
+            <a:r>
+              <a:rPr lang="de-DE" sz="1600" dirty="0" smtClean="0">
+                <a:latin typeface="Consolas" pitchFamily="49" charset="0"/>
+                <a:cs typeface="Consolas" pitchFamily="49" charset="0"/>
+              </a:rPr>
+              <a:t> </a:t>
+            </a:r>
+            <a:r>
+              <a:rPr lang="de-DE" sz="1600" dirty="0" smtClean="0">
+                <a:latin typeface="Consolas" pitchFamily="49" charset="0"/>
+                <a:cs typeface="Consolas" pitchFamily="49" charset="0"/>
+              </a:rPr>
+              <a:t>      </a:t>
+            </a:r>
+            <a:r>
+              <a:rPr lang="de-DE" sz="1600" dirty="0" err="1" smtClean="0">
+                <a:latin typeface="Consolas" pitchFamily="49" charset="0"/>
+                <a:cs typeface="Consolas" pitchFamily="49" charset="0"/>
+              </a:rPr>
+              <a:t>people.findAll</a:t>
+            </a:r>
+            <a:r>
+              <a:rPr lang="de-DE" sz="1600" dirty="0" smtClean="0">
+                <a:latin typeface="Consolas" pitchFamily="49" charset="0"/>
+                <a:cs typeface="Consolas" pitchFamily="49" charset="0"/>
+              </a:rPr>
+              <a:t>{</a:t>
+            </a:r>
+            <a:r>
+              <a:rPr lang="de-DE" sz="1600" dirty="0" err="1" smtClean="0">
+                <a:latin typeface="Consolas" pitchFamily="49" charset="0"/>
+                <a:cs typeface="Consolas" pitchFamily="49" charset="0"/>
+              </a:rPr>
+              <a:t>it.lastName</a:t>
+            </a:r>
+            <a:r>
+              <a:rPr lang="de-DE" sz="1600" dirty="0" smtClean="0">
+                <a:latin typeface="Consolas" pitchFamily="49" charset="0"/>
+                <a:cs typeface="Consolas" pitchFamily="49" charset="0"/>
+              </a:rPr>
+              <a:t> == 'Feuerstein</a:t>
+            </a:r>
+            <a:r>
+              <a:rPr lang="de-DE" sz="1600" dirty="0" smtClean="0">
+                <a:latin typeface="Consolas" pitchFamily="49" charset="0"/>
+                <a:cs typeface="Consolas" pitchFamily="49" charset="0"/>
+              </a:rPr>
+              <a:t>'}.</a:t>
+            </a:r>
+            <a:r>
+              <a:rPr lang="de-DE" sz="1600" dirty="0" err="1" smtClean="0">
+                <a:latin typeface="Consolas" pitchFamily="49" charset="0"/>
+                <a:cs typeface="Consolas" pitchFamily="49" charset="0"/>
+              </a:rPr>
+              <a:t>firstName</a:t>
+            </a:r>
+            <a:endParaRPr lang="de-DE" sz="1600" dirty="0" smtClean="0">
+              <a:latin typeface="Consolas" pitchFamily="49" charset="0"/>
+              <a:cs typeface="Consolas" pitchFamily="49" charset="0"/>
+            </a:endParaRPr>
+          </a:p>
+          <a:p>
+            <a:r>
+              <a:rPr lang="de-DE" sz="1600" dirty="0" err="1" smtClean="0">
+                <a:latin typeface="Consolas" pitchFamily="49" charset="0"/>
+                <a:cs typeface="Consolas" pitchFamily="49" charset="0"/>
+              </a:rPr>
+              <a:t>assert</a:t>
+            </a:r>
+            <a:r>
+              <a:rPr lang="de-DE" sz="1600" dirty="0" smtClean="0">
+                <a:latin typeface="Consolas" pitchFamily="49" charset="0"/>
+                <a:cs typeface="Consolas" pitchFamily="49" charset="0"/>
+              </a:rPr>
               <a:t> ['Feuerstein':2, 'Geröllheimer':3] == </a:t>
             </a:r>
             <a:r>
@@ -20776,6 +20888,12 @@
             </a:r>
           </a:p>
           <a:p>
+            <a:endParaRPr lang="de-DE" sz="1600" dirty="0" smtClean="0">
+              <a:latin typeface="Consolas" pitchFamily="49" charset="0"/>
+              <a:cs typeface="Consolas" pitchFamily="49" charset="0"/>
+            </a:endParaRPr>
+          </a:p>
+          <a:p>
             <a:r>
               <a:rPr lang="de-DE" sz="1600" dirty="0" err="1" smtClean="0">
                 <a:latin typeface="Consolas" pitchFamily="49" charset="0"/>
@@ -20816,7 +20934,30 @@
                 <a:latin typeface="Consolas" pitchFamily="49" charset="0"/>
                 <a:cs typeface="Consolas" pitchFamily="49" charset="0"/>
               </a:rPr>
-              <a:t>'}.</a:t>
+              <a:t>'}</a:t>
+            </a:r>
+          </a:p>
+          <a:p>
+            <a:r>
+              <a:rPr lang="de-DE" sz="1600" dirty="0" smtClean="0">
+                <a:latin typeface="Consolas" pitchFamily="49" charset="0"/>
+                <a:cs typeface="Consolas" pitchFamily="49" charset="0"/>
+              </a:rPr>
+              <a:t> </a:t>
+            </a:r>
+            <a:r>
+              <a:rPr lang="de-DE" sz="1600" dirty="0" smtClean="0">
+                <a:latin typeface="Consolas" pitchFamily="49" charset="0"/>
+                <a:cs typeface="Consolas" pitchFamily="49" charset="0"/>
+              </a:rPr>
+              <a:t>      </a:t>
+            </a:r>
+            <a:r>
+              <a:rPr lang="de-DE" sz="1600" dirty="0" smtClean="0">
+                <a:latin typeface="Consolas" pitchFamily="49" charset="0"/>
+                <a:cs typeface="Consolas" pitchFamily="49" charset="0"/>
+              </a:rPr>
+              <a:t>.</a:t>
             </a:r>
             <a:r>
               <a:rPr lang="de-DE" sz="1600" dirty="0" err="1" smtClean="0">
@@ -20830,23 +20971,7 @@
                 <a:latin typeface="Consolas" pitchFamily="49" charset="0"/>
                 <a:cs typeface="Consolas" pitchFamily="49" charset="0"/>
               </a:rPr>
-              <a:t>{</a:t>
-            </a:r>
-          </a:p>
-          <a:p>
-            <a:r>
-              <a:rPr lang="de-DE" sz="1600" dirty="0">
-                <a:latin typeface="Consolas" pitchFamily="49" charset="0"/>
-                <a:cs typeface="Consolas" pitchFamily="49" charset="0"/>
-              </a:rPr>
-              <a:t> </a:t>
-            </a:r>
-            <a:r>
-              <a:rPr lang="de-DE" sz="1600" dirty="0" smtClean="0">
-                <a:latin typeface="Consolas" pitchFamily="49" charset="0"/>
-                <a:cs typeface="Consolas" pitchFamily="49" charset="0"/>
-              </a:rPr>
-              <a:t>       </a:t>
+              <a:t>{ </a:t>
             </a:r>
             <a:r>
               <a:rPr lang="de-DE" sz="1600" dirty="0" err="1" smtClean="0">
@@ -21058,14 +21183,7 @@
                 <a:latin typeface="Consolas" pitchFamily="49" charset="0"/>
                 <a:cs typeface="Consolas" pitchFamily="49" charset="0"/>
               </a:rPr>
-              <a:t> </a:t>
-            </a:r>
-            <a:r>
-              <a:rPr lang="de-DE" dirty="0" smtClean="0">
-                <a:latin typeface="Consolas" pitchFamily="49" charset="0"/>
-                <a:cs typeface="Consolas" pitchFamily="49" charset="0"/>
-              </a:rPr>
-              <a:t>= """</a:t>
+              <a:t> = """</a:t>
             </a:r>
             <a:r>
               <a:rPr lang="de-DE" dirty="0" err="1" smtClean="0">
@@ -21130,14 +21248,7 @@
                 <a:latin typeface="Consolas" pitchFamily="49" charset="0"/>
                 <a:cs typeface="Consolas" pitchFamily="49" charset="0"/>
               </a:rPr>
-              <a:t> </a:t>
-            </a:r>
-            <a:r>
-              <a:rPr lang="de-DE" dirty="0" smtClean="0">
-                <a:latin typeface="Consolas" pitchFamily="49" charset="0"/>
-                <a:cs typeface="Consolas" pitchFamily="49" charset="0"/>
-              </a:rPr>
-              <a:t>{ </a:t>
+              <a:t> { </a:t>
             </a:r>
             <a:r>
               <a:rPr lang="de-DE" dirty="0" err="1" smtClean="0">
@@ -21217,6 +21328,32 @@
           </a:p>
         </p:txBody>
       </p:sp>
+      <p:pic>
+        <p:nvPicPr>
+          <p:cNvPr id="1026" name="Picture 2" descr="C:\Users\sgl\Downloads\1320420733_Drive File Server.png"/>
+          <p:cNvPicPr>
+            <a:picLocks noChangeAspect="1" noChangeArrowheads="1"/>
+          </p:cNvPicPr>
+          <p:nvPr/>
+        </p:nvPicPr>
+        <p:blipFill>
+          <a:blip r:embed="rId2" cstate="print"/>
+          <a:srcRect/>
+          <a:stretch>
+            <a:fillRect/>
+          </a:stretch>
+        </p:blipFill>
+        <p:spPr bwMode="auto">
+          <a:xfrm>
+            <a:off x="6660232" y="1412776"/>
+            <a:ext cx="1872208" cy="1872208"/>
+          </a:xfrm>
+          <a:prstGeom prst="rect">
+            <a:avLst/>
+          </a:prstGeom>
+          <a:noFill/>
+        </p:spPr>
+      </p:pic>
     </p:spTree>
   </p:cSld>
   <p:clrMapOvr>
@@ -21620,26 +21757,100 @@
             <a:r>
               <a:rPr lang="en-US" sz="1800" dirty="0" smtClean="0">
                 <a:solidFill>
+                  <a:schemeClr val="bg1">
+                    <a:lumMod val="65000"/>
+                  </a:schemeClr>
+                </a:solidFill>
+              </a:rPr>
+              <a:t>Grails is an advanced and innovative </a:t>
+            </a:r>
+            <a:r>
+              <a:rPr lang="en-US" sz="1800" dirty="0" smtClean="0">
+                <a:solidFill>
+                  <a:schemeClr val="accent6"/>
+                </a:solidFill>
+              </a:rPr>
+              <a:t>open source web application platform</a:t>
+            </a:r>
+            <a:r>
+              <a:rPr lang="en-US" sz="1800" dirty="0" smtClean="0">
+                <a:solidFill>
                   <a:schemeClr val="tx1"/>
                 </a:solidFill>
               </a:rPr>
-              <a:t>Grails is an advanced and innovative </a:t>
+              <a:t> </a:t>
             </a:r>
             <a:r>
               <a:rPr lang="en-US" sz="1800" dirty="0" smtClean="0">
                 <a:solidFill>
+                  <a:schemeClr val="bg1">
+                    <a:lumMod val="65000"/>
+                  </a:schemeClr>
+                </a:solidFill>
+              </a:rPr>
+              <a:t>that delivers new levels of developer productivity by applying principles like </a:t>
+            </a:r>
+            <a:r>
+              <a:rPr lang="en-US" sz="1800" dirty="0" smtClean="0">
+                <a:solidFill>
                   <a:schemeClr val="accent6"/>
                 </a:solidFill>
               </a:rPr>
-              <a:t>open source web application platform</a:t>
+              <a:t>Convention over Configuration</a:t>
             </a:r>
             <a:r>
               <a:rPr lang="en-US" sz="1800" dirty="0" smtClean="0">
                 <a:solidFill>
+                  <a:schemeClr val="bg1">
+                    <a:lumMod val="65000"/>
+                  </a:schemeClr>
+                </a:solidFill>
+              </a:rPr>
+              <a:t>. Grails helps development teams embrace agile methodologies, deliver quality applications in reduced amounts of time, and focus on what really matters: creating </a:t>
+            </a:r>
+            <a:r>
+              <a:rPr lang="en-US" sz="1800" dirty="0" smtClean="0">
+                <a:solidFill>
+                  <a:schemeClr val="accent6"/>
+                </a:solidFill>
+              </a:rPr>
+              <a:t>high quality, easy to use</a:t>
+            </a:r>
+            <a:r>
+              <a:rPr lang="en-US" sz="1800" dirty="0" smtClean="0">
+                <a:solidFill>
+                  <a:schemeClr val="bg1">
+                    <a:lumMod val="65000"/>
+                  </a:schemeClr>
+                </a:solidFill>
+              </a:rPr>
+              <a:t> applications that delight users. Grails naturally complements Java application development since it </a:t>
+            </a:r>
+            <a:r>
+              <a:rPr lang="en-US" sz="1800" dirty="0" smtClean="0">
+                <a:solidFill>
+                  <a:schemeClr val="accent6"/>
+                </a:solidFill>
+              </a:rPr>
+              <a:t>is built on Spring </a:t>
+            </a:r>
+            <a:r>
+              <a:rPr lang="en-US" sz="1800" dirty="0" smtClean="0">
+                <a:solidFill>
+                  <a:schemeClr val="bg1">
+                    <a:lumMod val="65000"/>
+                  </a:schemeClr>
+                </a:solidFill>
+              </a:rPr>
+              <a:t>and</a:t>
+            </a:r>
+            <a:r>
+              <a:rPr lang="en-US" sz="1800" dirty="0" smtClean="0">
+                <a:solidFill>
                   <a:schemeClr val="tx1"/>
                 </a:solidFill>
               </a:rPr>
-              <a:t> that delivers new levels of developer productivity by applying principles like </a:t>
+              <a:t> </a:t>
             </a:r>
             <a:r>
               <a:rPr lang="en-US" sz="1800" dirty="0" smtClean="0">
@@ -21647,67 +21858,23 @@
                   <a:schemeClr val="accent6"/>
                 </a:solidFill>
               </a:rPr>
-              <a:t>Convention over Configuration</a:t>
+              <a:t>based on Groovy</a:t>
             </a:r>
             <a:r>
               <a:rPr lang="en-US" sz="1800" dirty="0" smtClean="0">
                 <a:solidFill>
-                  <a:schemeClr val="tx1"/>
-                </a:solidFill>
-              </a:rPr>
-              <a:t>. Grails helps development teams</a:t>
-            </a:r>
-            <a:r>
-              <a:rPr lang="en-US" sz="1800" dirty="0" smtClean="0">
-                <a:solidFill>
-                  <a:schemeClr val="accent6"/>
-                </a:solidFill>
-              </a:rPr>
-              <a:t> embrace agile methodologies</a:t>
-            </a:r>
-            <a:r>
-              <a:rPr lang="en-US" sz="1800" dirty="0" smtClean="0">
-                <a:solidFill>
-                  <a:schemeClr val="tx1"/>
-                </a:solidFill>
-              </a:rPr>
-              <a:t>, deliver quality applications in reduced amounts of time, and focus on what really matters: creating high quality, easy to use applications that delight users. Grails naturally complements Java application development since it </a:t>
-            </a:r>
-            <a:r>
-              <a:rPr lang="en-US" sz="1800" dirty="0" smtClean="0">
-                <a:solidFill>
-                  <a:schemeClr val="accent6"/>
-                </a:solidFill>
-              </a:rPr>
-              <a:t>is built on Spring </a:t>
-            </a:r>
-            <a:r>
-              <a:rPr lang="en-US" sz="1800" dirty="0" smtClean="0">
-                <a:solidFill>
-                  <a:schemeClr val="tx1"/>
-                </a:solidFill>
-              </a:rPr>
-              <a:t>and </a:t>
-            </a:r>
-            <a:r>
-              <a:rPr lang="en-US" sz="1800" dirty="0" smtClean="0">
-                <a:solidFill>
-                  <a:schemeClr val="accent6"/>
-                </a:solidFill>
-              </a:rPr>
-              <a:t>based on Groovy</a:t>
-            </a:r>
-            <a:r>
-              <a:rPr lang="en-US" sz="1800" dirty="0" smtClean="0">
-                <a:solidFill>
-                  <a:schemeClr val="tx1"/>
+                  <a:schemeClr val="bg1">
+                    <a:lumMod val="65000"/>
+                  </a:schemeClr>
                 </a:solidFill>
               </a:rPr>
               <a:t>, the leading dynamic language for the Java platform.</a:t>
             </a:r>
             <a:endParaRPr lang="de-DE" sz="2400" dirty="0">
               <a:solidFill>
-                <a:schemeClr val="tx1"/>
+                <a:schemeClr val="bg1">
+                  <a:lumMod val="65000"/>
+                </a:schemeClr>
               </a:solidFill>
             </a:endParaRPr>
           </a:p>
@@ -21873,6 +22040,14 @@
           <a:prstGeom prst="roundRect">
             <a:avLst/>
           </a:prstGeom>
+          <a:solidFill>
+            <a:schemeClr val="accent6"/>
+          </a:solidFill>
+          <a:ln>
+            <a:solidFill>
+              <a:schemeClr val="accent6"/>
+            </a:solidFill>
+          </a:ln>
         </p:spPr>
         <p:style>
           <a:lnRef idx="2">
@@ -22206,6 +22381,13 @@
     <a:masterClrMapping/>
   </p:clrMapOvr>
   <p:transition spd="slow" advTm="10000"/>
+  <p:timing>
+    <p:tnLst>
+      <p:par>
+        <p:cTn id="1" dur="indefinite" restart="never" nodeType="tmRoot"/>
+      </p:par>
+    </p:tnLst>
+  </p:timing>
 </p:sld>
 </file>
 
@@ -22258,46 +22440,107 @@
           <p:nvPr/>
         </p:nvPicPr>
         <p:blipFill>
-          <a:blip r:embed="rId2" cstate="print">
-            <a:clrChange>
-              <a:clrFrom>
-                <a:srgbClr val="FCFCFC"/>
-              </a:clrFrom>
-              <a:clrTo>
-                <a:srgbClr val="FCFCFC">
-                  <a:alpha val="0"/>
-                </a:srgbClr>
-              </a:clrTo>
-            </a:clrChange>
-          </a:blip>
-          <a:srcRect l="23451" t="17854" r="14255" b="55542"/>
+          <a:blip r:embed="rId2" cstate="print"/>
+          <a:srcRect l="22682" t="18059" r="14255" b="57554"/>
           <a:stretch>
             <a:fillRect/>
           </a:stretch>
         </p:blipFill>
         <p:spPr bwMode="auto">
           <a:xfrm>
-            <a:off x="539552" y="2767593"/>
-            <a:ext cx="8064896" cy="2389599"/>
+            <a:off x="546098" y="2564904"/>
+            <a:ext cx="8051804" cy="2160240"/>
+          </a:xfrm>
+          <a:prstGeom prst="rect">
+            <a:avLst/>
+          </a:prstGeom>
+          <a:ln>
+            <a:noFill/>
+          </a:ln>
+          <a:effectLst>
+            <a:outerShdw blurRad="292100" dist="139700" dir="2700000" algn="tl" rotWithShape="0">
+              <a:srgbClr val="333333">
+                <a:alpha val="65000"/>
+              </a:srgbClr>
+            </a:outerShdw>
+          </a:effectLst>
+        </p:spPr>
+      </p:pic>
+      <p:sp>
+        <p:nvSpPr>
+          <p:cNvPr id="5" name="Textfeld 4"/>
+          <p:cNvSpPr txBox="1"/>
+          <p:nvPr/>
+        </p:nvSpPr>
+        <p:spPr>
+          <a:xfrm>
+            <a:off x="3000897" y="4869160"/>
+            <a:ext cx="3142207" cy="523220"/>
           </a:xfrm>
           <a:prstGeom prst="rect">
             <a:avLst/>
           </a:prstGeom>
           <a:noFill/>
-          <a:ln w="9525">
-            <a:noFill/>
-            <a:miter lim="800000"/>
-            <a:headEnd/>
-            <a:tailEnd/>
-          </a:ln>
         </p:spPr>
-      </p:pic>
+        <p:txBody>
+          <a:bodyPr wrap="none" rtlCol="0">
+            <a:spAutoFit/>
+          </a:bodyPr>
+          <a:lstStyle/>
+          <a:p>
+            <a:r>
+              <a:rPr lang="de-DE" sz="2800" b="1" dirty="0" err="1" smtClean="0">
+                <a:solidFill>
+                  <a:schemeClr val="bg2"/>
+                </a:solidFill>
+                <a:latin typeface="Consolas" pitchFamily="49" charset="0"/>
+                <a:cs typeface="Consolas" pitchFamily="49" charset="0"/>
+              </a:rPr>
+              <a:t>grails-app</a:t>
+            </a:r>
+            <a:r>
+              <a:rPr lang="de-DE" sz="2800" b="1" dirty="0" smtClean="0">
+                <a:solidFill>
+                  <a:schemeClr val="bg2"/>
+                </a:solidFill>
+                <a:latin typeface="Consolas" pitchFamily="49" charset="0"/>
+                <a:cs typeface="Consolas" pitchFamily="49" charset="0"/>
+              </a:rPr>
+              <a:t>/</a:t>
+            </a:r>
+            <a:r>
+              <a:rPr lang="de-DE" sz="2800" b="1" dirty="0" err="1" smtClean="0">
+                <a:solidFill>
+                  <a:schemeClr val="bg2"/>
+                </a:solidFill>
+                <a:latin typeface="Consolas" pitchFamily="49" charset="0"/>
+                <a:cs typeface="Consolas" pitchFamily="49" charset="0"/>
+              </a:rPr>
+              <a:t>conf</a:t>
+            </a:r>
+            <a:endParaRPr lang="de-DE" sz="2800" b="1" dirty="0">
+              <a:solidFill>
+                <a:schemeClr val="bg2"/>
+              </a:solidFill>
+              <a:latin typeface="Consolas" pitchFamily="49" charset="0"/>
+              <a:cs typeface="Consolas" pitchFamily="49" charset="0"/>
+            </a:endParaRPr>
+          </a:p>
+        </p:txBody>
+      </p:sp>
     </p:spTree>
   </p:cSld>
   <p:clrMapOvr>
     <a:masterClrMapping/>
   </p:clrMapOvr>
   <p:transition spd="slow" advTm="10000"/>
+  <p:timing>
+    <p:tnLst>
+      <p:par>
+        <p:cTn id="1" dur="indefinite" restart="never" nodeType="tmRoot"/>
+      </p:par>
+    </p:tnLst>
+  </p:timing>
 </p:sld>
 </file>
 
@@ -24102,10 +24345,12 @@
             <a:avLst/>
           </a:prstGeom>
           <a:solidFill>
-            <a:schemeClr val="tx1"/>
+            <a:schemeClr val="accent6"/>
           </a:solidFill>
           <a:ln>
-            <a:noFill/>
+            <a:solidFill>
+              <a:schemeClr val="accent6"/>
+            </a:solidFill>
           </a:ln>
         </p:spPr>
         <p:style>
@@ -24659,7 +24904,13 @@
           <a:lstStyle/>
           <a:p>
             <a:r>
-              <a:rPr lang="de-DE" dirty="0" smtClean="0"/>
+              <a:rPr lang="de-DE" dirty="0" smtClean="0">
+                <a:solidFill>
+                  <a:schemeClr val="bg2">
+                    <a:lumMod val="75000"/>
+                  </a:schemeClr>
+                </a:solidFill>
+              </a:rPr>
               <a:t>Objektrelationales Mapping als DSL</a:t>
             </a:r>
           </a:p>
@@ -24667,7 +24918,7 @@
             <a:r>
               <a:rPr lang="de-DE" dirty="0" smtClean="0">
                 <a:solidFill>
-                  <a:schemeClr val="accent6"/>
+                  <a:schemeClr val="tx1"/>
                 </a:solidFill>
               </a:rPr>
               <a:t>Dynamische Finder-Methoden</a:t>
@@ -24675,38 +24926,86 @@
           </a:p>
           <a:p>
             <a:r>
-              <a:rPr lang="de-DE" dirty="0" smtClean="0"/>
+              <a:rPr lang="de-DE" dirty="0" smtClean="0">
+                <a:solidFill>
+                  <a:schemeClr val="bg2">
+                    <a:lumMod val="75000"/>
+                  </a:schemeClr>
+                </a:solidFill>
+              </a:rPr>
               <a:t>Dynamische Persistenz-Methoden</a:t>
             </a:r>
           </a:p>
           <a:p>
             <a:r>
-              <a:rPr lang="de-DE" dirty="0" smtClean="0"/>
+              <a:rPr lang="de-DE" dirty="0" smtClean="0">
+                <a:solidFill>
+                  <a:schemeClr val="bg2">
+                    <a:lumMod val="75000"/>
+                  </a:schemeClr>
+                </a:solidFill>
+              </a:rPr>
               <a:t>Hibernate </a:t>
             </a:r>
             <a:r>
-              <a:rPr lang="de-DE" dirty="0" err="1" smtClean="0"/>
+              <a:rPr lang="de-DE" dirty="0" err="1" smtClean="0">
+                <a:solidFill>
+                  <a:schemeClr val="bg2">
+                    <a:lumMod val="75000"/>
+                  </a:schemeClr>
+                </a:solidFill>
+              </a:rPr>
               <a:t>Criteria</a:t>
             </a:r>
             <a:r>
-              <a:rPr lang="de-DE" dirty="0" smtClean="0"/>
+              <a:rPr lang="de-DE" dirty="0" smtClean="0">
+                <a:solidFill>
+                  <a:schemeClr val="bg2">
+                    <a:lumMod val="75000"/>
+                  </a:schemeClr>
+                </a:solidFill>
+              </a:rPr>
               <a:t> </a:t>
             </a:r>
             <a:r>
-              <a:rPr lang="de-DE" dirty="0" err="1" smtClean="0"/>
+              <a:rPr lang="de-DE" dirty="0" err="1" smtClean="0">
+                <a:solidFill>
+                  <a:schemeClr val="bg2">
+                    <a:lumMod val="75000"/>
+                  </a:schemeClr>
+                </a:solidFill>
+              </a:rPr>
               <a:t>Builder</a:t>
             </a:r>
             <a:r>
-              <a:rPr lang="de-DE" dirty="0" smtClean="0"/>
+              <a:rPr lang="de-DE" dirty="0" smtClean="0">
+                <a:solidFill>
+                  <a:schemeClr val="bg2">
+                    <a:lumMod val="75000"/>
+                  </a:schemeClr>
+                </a:solidFill>
+              </a:rPr>
               <a:t> als DSL</a:t>
             </a:r>
           </a:p>
           <a:p>
             <a:r>
-              <a:rPr lang="de-DE" dirty="0" smtClean="0"/>
+              <a:rPr lang="de-DE" dirty="0" smtClean="0">
+                <a:solidFill>
+                  <a:schemeClr val="bg2">
+                    <a:lumMod val="75000"/>
+                  </a:schemeClr>
+                </a:solidFill>
+              </a:rPr>
               <a:t>Basierend auf Hibernate</a:t>
             </a:r>
-            <a:endParaRPr lang="de-DE" dirty="0"/>
+            <a:endParaRPr lang="de-DE" dirty="0">
+              <a:solidFill>
+                <a:schemeClr val="bg2">
+                  <a:lumMod val="75000"/>
+                </a:schemeClr>
+              </a:solidFill>
+            </a:endParaRPr>
           </a:p>
         </p:txBody>
       </p:sp>
@@ -24719,10 +25018,10 @@
           <p:nvPr/>
         </p:nvPicPr>
         <p:blipFill>
-          <a:blip r:embed="rId2">
+          <a:blip r:embed="rId2" cstate="print">
             <a:extLst>
               <a:ext uri="{28A0092B-C50C-407E-A947-70E740481C1C}">
-                <a14:useLocalDpi xmlns:a14="http://schemas.microsoft.com/office/drawing/2010/main" val="0"/>
+                <a14:useLocalDpi xmlns:a14="http://schemas.microsoft.com/office/drawing/2010/main" xmlns="" val="0"/>
               </a:ext>
             </a:extLst>
           </a:blip>
@@ -24791,27 +25090,219 @@
       </p:sp>
       <p:sp>
         <p:nvSpPr>
-          <p:cNvPr id="3" name="Inhaltsplatzhalter 2"/>
-          <p:cNvSpPr>
-            <a:spLocks noGrp="1"/>
-          </p:cNvSpPr>
-          <p:nvPr>
-            <p:ph idx="1"/>
-          </p:nvPr>
+          <p:cNvPr id="4" name="Textfeld 3"/>
+          <p:cNvSpPr txBox="1"/>
+          <p:nvPr/>
         </p:nvSpPr>
-        <p:spPr/>
+        <p:spPr>
+          <a:xfrm>
+            <a:off x="323528" y="1412776"/>
+            <a:ext cx="8542723" cy="3970318"/>
+          </a:xfrm>
+          <a:prstGeom prst="rect">
+            <a:avLst/>
+          </a:prstGeom>
+          <a:noFill/>
+        </p:spPr>
         <p:txBody>
-          <a:bodyPr/>
+          <a:bodyPr wrap="none" rtlCol="0">
+            <a:spAutoFit/>
+          </a:bodyPr>
           <a:lstStyle/>
           <a:p>
-            <a:endParaRPr lang="de-DE"/>
+            <a:r>
+              <a:rPr lang="de-DE" dirty="0" smtClean="0">
+                <a:solidFill>
+                  <a:schemeClr val="bg2"/>
+                </a:solidFill>
+                <a:latin typeface="Consolas" pitchFamily="49" charset="0"/>
+                <a:cs typeface="Consolas" pitchFamily="49" charset="0"/>
+              </a:rPr>
+              <a:t>// Erste Person mit dem Vornamen „Fred“</a:t>
+            </a:r>
+          </a:p>
+          <a:p>
+            <a:r>
+              <a:rPr lang="de-DE" dirty="0" err="1" smtClean="0">
+                <a:latin typeface="Consolas" pitchFamily="49" charset="0"/>
+                <a:cs typeface="Consolas" pitchFamily="49" charset="0"/>
+              </a:rPr>
+              <a:t>Person.findByFirstName</a:t>
+            </a:r>
+            <a:r>
+              <a:rPr lang="de-DE" dirty="0" smtClean="0">
+                <a:latin typeface="Consolas" pitchFamily="49" charset="0"/>
+                <a:cs typeface="Consolas" pitchFamily="49" charset="0"/>
+              </a:rPr>
+              <a:t>('Fred')</a:t>
+            </a:r>
+          </a:p>
+          <a:p>
+            <a:endParaRPr lang="de-DE" dirty="0" smtClean="0">
+              <a:latin typeface="Consolas" pitchFamily="49" charset="0"/>
+              <a:cs typeface="Consolas" pitchFamily="49" charset="0"/>
+            </a:endParaRPr>
+          </a:p>
+          <a:p>
+            <a:r>
+              <a:rPr lang="de-DE" dirty="0" smtClean="0">
+                <a:solidFill>
+                  <a:schemeClr val="bg2"/>
+                </a:solidFill>
+                <a:latin typeface="Consolas" pitchFamily="49" charset="0"/>
+                <a:cs typeface="Consolas" pitchFamily="49" charset="0"/>
+              </a:rPr>
+              <a:t>// Erste Person mit dem Vornamen „Fred“ und Nachnamen „Feuerstein“</a:t>
+            </a:r>
+          </a:p>
+          <a:p>
+            <a:r>
+              <a:rPr lang="de-DE" dirty="0" err="1" smtClean="0">
+                <a:latin typeface="Consolas" pitchFamily="49" charset="0"/>
+                <a:cs typeface="Consolas" pitchFamily="49" charset="0"/>
+              </a:rPr>
+              <a:t>Person.findByFirstNameAndLastName</a:t>
+            </a:r>
+            <a:r>
+              <a:rPr lang="de-DE" dirty="0" smtClean="0">
+                <a:latin typeface="Consolas" pitchFamily="49" charset="0"/>
+                <a:cs typeface="Consolas" pitchFamily="49" charset="0"/>
+              </a:rPr>
+              <a:t>('Fred', 'Feuerstein')</a:t>
+            </a:r>
+          </a:p>
+          <a:p>
+            <a:endParaRPr lang="de-DE" dirty="0" smtClean="0">
+              <a:latin typeface="Consolas" pitchFamily="49" charset="0"/>
+              <a:cs typeface="Consolas" pitchFamily="49" charset="0"/>
+            </a:endParaRPr>
+          </a:p>
+          <a:p>
+            <a:r>
+              <a:rPr lang="de-DE" dirty="0" smtClean="0">
+                <a:solidFill>
+                  <a:schemeClr val="bg2"/>
+                </a:solidFill>
+                <a:latin typeface="Consolas" pitchFamily="49" charset="0"/>
+                <a:cs typeface="Consolas" pitchFamily="49" charset="0"/>
+              </a:rPr>
+              <a:t>// Alle Personen im Alter zwischen </a:t>
+            </a:r>
+            <a:r>
+              <a:rPr lang="de-DE" dirty="0" smtClean="0">
+                <a:solidFill>
+                  <a:schemeClr val="bg2"/>
+                </a:solidFill>
+                <a:latin typeface="Consolas" pitchFamily="49" charset="0"/>
+                <a:cs typeface="Consolas" pitchFamily="49" charset="0"/>
+              </a:rPr>
+              <a:t>2</a:t>
+            </a:r>
+            <a:r>
+              <a:rPr lang="de-DE" dirty="0" smtClean="0">
+                <a:solidFill>
+                  <a:schemeClr val="bg2"/>
+                </a:solidFill>
+                <a:latin typeface="Consolas" pitchFamily="49" charset="0"/>
+                <a:cs typeface="Consolas" pitchFamily="49" charset="0"/>
+              </a:rPr>
+              <a:t> und 10 Jahren</a:t>
+            </a:r>
+          </a:p>
+          <a:p>
+            <a:r>
+              <a:rPr lang="de-DE" dirty="0" err="1" smtClean="0">
+                <a:latin typeface="Consolas" pitchFamily="49" charset="0"/>
+                <a:cs typeface="Consolas" pitchFamily="49" charset="0"/>
+              </a:rPr>
+              <a:t>Person.findAllByAgeBetween</a:t>
+            </a:r>
+            <a:r>
+              <a:rPr lang="de-DE" dirty="0" smtClean="0">
+                <a:latin typeface="Consolas" pitchFamily="49" charset="0"/>
+                <a:cs typeface="Consolas" pitchFamily="49" charset="0"/>
+              </a:rPr>
+              <a:t>(2, 10)</a:t>
+            </a:r>
+          </a:p>
+          <a:p>
+            <a:endParaRPr lang="de-DE" dirty="0" smtClean="0">
+              <a:latin typeface="Consolas" pitchFamily="49" charset="0"/>
+              <a:cs typeface="Consolas" pitchFamily="49" charset="0"/>
+            </a:endParaRPr>
+          </a:p>
+          <a:p>
+            <a:r>
+              <a:rPr lang="de-DE" dirty="0" smtClean="0">
+                <a:solidFill>
+                  <a:schemeClr val="bg2"/>
+                </a:solidFill>
+                <a:latin typeface="Consolas" pitchFamily="49" charset="0"/>
+                <a:cs typeface="Consolas" pitchFamily="49" charset="0"/>
+              </a:rPr>
+              <a:t>// Alle Personen mit einem hinterlegten Geburtstag</a:t>
+            </a:r>
+          </a:p>
+          <a:p>
+            <a:r>
+              <a:rPr lang="de-DE" dirty="0" err="1" smtClean="0">
+                <a:latin typeface="Consolas" pitchFamily="49" charset="0"/>
+                <a:cs typeface="Consolas" pitchFamily="49" charset="0"/>
+              </a:rPr>
+              <a:t>Person.findAllByBirthdayIsNotNull</a:t>
+            </a:r>
+            <a:r>
+              <a:rPr lang="de-DE" dirty="0" smtClean="0">
+                <a:latin typeface="Consolas" pitchFamily="49" charset="0"/>
+                <a:cs typeface="Consolas" pitchFamily="49" charset="0"/>
+              </a:rPr>
+              <a:t>()</a:t>
+            </a:r>
+          </a:p>
+          <a:p>
+            <a:endParaRPr lang="de-DE" dirty="0" smtClean="0">
+              <a:latin typeface="Consolas" pitchFamily="49" charset="0"/>
+              <a:cs typeface="Consolas" pitchFamily="49" charset="0"/>
+            </a:endParaRPr>
+          </a:p>
+          <a:p>
+            <a:r>
+              <a:rPr lang="de-DE" dirty="0" smtClean="0">
+                <a:solidFill>
+                  <a:schemeClr val="bg2"/>
+                </a:solidFill>
+                <a:latin typeface="Consolas" pitchFamily="49" charset="0"/>
+                <a:cs typeface="Consolas" pitchFamily="49" charset="0"/>
+              </a:rPr>
+              <a:t>// Alle Personen mit einem „B“ als ersten Buchstaben im Vornamen</a:t>
+            </a:r>
+          </a:p>
+          <a:p>
+            <a:r>
+              <a:rPr lang="de-DE" dirty="0" err="1" smtClean="0">
+                <a:latin typeface="Consolas" pitchFamily="49" charset="0"/>
+                <a:cs typeface="Consolas" pitchFamily="49" charset="0"/>
+              </a:rPr>
+              <a:t>Person.findAllByFirstNameLike</a:t>
+            </a:r>
+            <a:r>
+              <a:rPr lang="de-DE" dirty="0" smtClean="0">
+                <a:latin typeface="Consolas" pitchFamily="49" charset="0"/>
+                <a:cs typeface="Consolas" pitchFamily="49" charset="0"/>
+              </a:rPr>
+              <a:t>('B%')</a:t>
+            </a:r>
+            <a:endParaRPr lang="de-DE" dirty="0">
+              <a:latin typeface="Consolas" pitchFamily="49" charset="0"/>
+              <a:cs typeface="Consolas" pitchFamily="49" charset="0"/>
+            </a:endParaRPr>
           </a:p>
         </p:txBody>
       </p:sp>
     </p:spTree>
     <p:extLst>
       <p:ext uri="{BB962C8B-B14F-4D97-AF65-F5344CB8AC3E}">
-        <p14:creationId xmlns:p14="http://schemas.microsoft.com/office/powerpoint/2010/main" val="3520320325"/>
+        <p14:creationId xmlns:p14="http://schemas.microsoft.com/office/powerpoint/2010/main" xmlns="" val="3520320325"/>
       </p:ext>
     </p:extLst>
   </p:cSld>
@@ -25170,13 +25661,13 @@
         </p:spPr>
         <p:style>
           <a:lnRef idx="3">
-            <a:schemeClr val="dk1"/>
+            <a:schemeClr val="accent4"/>
           </a:lnRef>
           <a:fillRef idx="0">
-            <a:schemeClr val="dk1"/>
+            <a:schemeClr val="accent4"/>
           </a:fillRef>
           <a:effectRef idx="2">
-            <a:schemeClr val="dk1"/>
+            <a:schemeClr val="accent4"/>
           </a:effectRef>
           <a:fontRef idx="minor">
             <a:schemeClr val="tx1"/>
@@ -25445,13 +25936,16 @@
           <a:prstGeom prst="rect">
             <a:avLst/>
           </a:prstGeom>
-          <a:noFill/>
-          <a:ln w="9525">
+          <a:ln>
             <a:noFill/>
-            <a:miter lim="800000"/>
-            <a:headEnd/>
-            <a:tailEnd/>
           </a:ln>
+          <a:effectLst>
+            <a:outerShdw blurRad="292100" dist="139700" dir="2700000" algn="tl" rotWithShape="0">
+              <a:srgbClr val="333333">
+                <a:alpha val="65000"/>
+              </a:srgbClr>
+            </a:outerShdw>
+          </a:effectLst>
         </p:spPr>
       </p:pic>
       <p:sp>
@@ -25546,27 +26040,57 @@
           <a:lstStyle/>
           <a:p>
             <a:r>
-              <a:rPr lang="de-DE" dirty="0" smtClean="0"/>
+              <a:rPr lang="de-DE" dirty="0" smtClean="0">
+                <a:solidFill>
+                  <a:schemeClr val="bg2">
+                    <a:lumMod val="75000"/>
+                  </a:schemeClr>
+                </a:solidFill>
+              </a:rPr>
               <a:t>Command-Objekte</a:t>
             </a:r>
           </a:p>
           <a:p>
             <a:r>
-              <a:rPr lang="de-DE" dirty="0" smtClean="0"/>
+              <a:rPr lang="de-DE" dirty="0" smtClean="0">
+                <a:solidFill>
+                  <a:schemeClr val="bg2">
+                    <a:lumMod val="75000"/>
+                  </a:schemeClr>
+                </a:solidFill>
+              </a:rPr>
               <a:t>URL-</a:t>
             </a:r>
             <a:r>
-              <a:rPr lang="de-DE" dirty="0" err="1" smtClean="0"/>
+              <a:rPr lang="de-DE" dirty="0" err="1" smtClean="0">
+                <a:solidFill>
+                  <a:schemeClr val="bg2">
+                    <a:lumMod val="75000"/>
+                  </a:schemeClr>
+                </a:solidFill>
+              </a:rPr>
               <a:t>Mappings</a:t>
             </a:r>
             <a:r>
-              <a:rPr lang="de-DE" dirty="0" smtClean="0"/>
+              <a:rPr lang="de-DE" dirty="0" smtClean="0">
+                <a:solidFill>
+                  <a:schemeClr val="bg2">
+                    <a:lumMod val="75000"/>
+                  </a:schemeClr>
+                </a:solidFill>
+              </a:rPr>
               <a:t> mittels DSL</a:t>
             </a:r>
           </a:p>
           <a:p>
             <a:r>
-              <a:rPr lang="de-DE" dirty="0" smtClean="0"/>
+              <a:rPr lang="de-DE" dirty="0" smtClean="0">
+                <a:solidFill>
+                  <a:schemeClr val="bg2">
+                    <a:lumMod val="75000"/>
+                  </a:schemeClr>
+                </a:solidFill>
+              </a:rPr>
               <a:t>Groovy Server Pages (GSPs)</a:t>
             </a:r>
           </a:p>
@@ -25574,7 +26098,7 @@
             <a:r>
               <a:rPr lang="de-DE" dirty="0" smtClean="0">
                 <a:solidFill>
-                  <a:schemeClr val="accent6"/>
+                  <a:schemeClr val="tx1"/>
                 </a:solidFill>
               </a:rPr>
               <a:t>Groovy Tag-Libraries</a:t>
@@ -25582,17 +26106,35 @@
           </a:p>
           <a:p>
             <a:r>
-              <a:rPr lang="de-DE" dirty="0" err="1" smtClean="0"/>
+              <a:rPr lang="de-DE" dirty="0" err="1" smtClean="0">
+                <a:solidFill>
+                  <a:schemeClr val="bg2">
+                    <a:lumMod val="75000"/>
+                  </a:schemeClr>
+                </a:solidFill>
+              </a:rPr>
               <a:t>Scaffolding</a:t>
             </a:r>
             <a:r>
-              <a:rPr lang="de-DE" dirty="0" smtClean="0"/>
+              <a:rPr lang="de-DE" dirty="0" smtClean="0">
+                <a:solidFill>
+                  <a:schemeClr val="bg2">
+                    <a:lumMod val="75000"/>
+                  </a:schemeClr>
+                </a:solidFill>
+              </a:rPr>
               <a:t> von CRUD-Anwendungen</a:t>
             </a:r>
           </a:p>
           <a:p>
             <a:r>
-              <a:rPr lang="de-DE" dirty="0" smtClean="0"/>
+              <a:rPr lang="de-DE" dirty="0" smtClean="0">
+                <a:solidFill>
+                  <a:schemeClr val="bg2">
+                    <a:lumMod val="75000"/>
+                  </a:schemeClr>
+                </a:solidFill>
+              </a:rPr>
               <a:t>Internationalisierung (i18n)</a:t>
             </a:r>
           </a:p>
@@ -25600,7 +26142,7 @@
             <a:r>
               <a:rPr lang="de-DE" dirty="0" smtClean="0">
                 <a:solidFill>
-                  <a:schemeClr val="accent6"/>
+                  <a:schemeClr val="tx1"/>
                 </a:solidFill>
               </a:rPr>
               <a:t>Content </a:t>
@@ -25608,20 +26150,26 @@
             <a:r>
               <a:rPr lang="de-DE" dirty="0" err="1" smtClean="0">
                 <a:solidFill>
-                  <a:schemeClr val="accent6"/>
+                  <a:schemeClr val="tx1"/>
                 </a:solidFill>
               </a:rPr>
               <a:t>Negotiation</a:t>
             </a:r>
             <a:endParaRPr lang="de-DE" dirty="0" smtClean="0">
               <a:solidFill>
-                <a:schemeClr val="accent6"/>
+                <a:schemeClr val="tx1"/>
               </a:solidFill>
             </a:endParaRPr>
           </a:p>
           <a:p>
             <a:r>
-              <a:rPr lang="de-DE" dirty="0" smtClean="0"/>
+              <a:rPr lang="de-DE" dirty="0" smtClean="0">
+                <a:solidFill>
+                  <a:schemeClr val="bg2">
+                    <a:lumMod val="75000"/>
+                  </a:schemeClr>
+                </a:solidFill>
+              </a:rPr>
               <a:t>Basierend auf Spring MVC</a:t>
             </a:r>
           </a:p>
@@ -29173,7 +29721,16 @@
           <a:prstGeom prst="rect">
             <a:avLst/>
           </a:prstGeom>
-          <a:noFill/>
+          <a:ln>
+            <a:noFill/>
+          </a:ln>
+          <a:effectLst>
+            <a:outerShdw blurRad="292100" dist="139700" dir="2700000" algn="tl" rotWithShape="0">
+              <a:srgbClr val="333333">
+                <a:alpha val="65000"/>
+              </a:srgbClr>
+            </a:outerShdw>
+          </a:effectLst>
         </p:spPr>
       </p:pic>
       <p:sp>
@@ -29519,7 +30076,7 @@
     </p:spTree>
     <p:extLst>
       <p:ext uri="{BB962C8B-B14F-4D97-AF65-F5344CB8AC3E}">
-        <p14:creationId xmlns:p14="http://schemas.microsoft.com/office/powerpoint/2010/main" val="1364891894"/>
+        <p14:creationId xmlns:p14="http://schemas.microsoft.com/office/powerpoint/2010/main" xmlns="" val="1364891894"/>
       </p:ext>
     </p:extLst>
   </p:cSld>
@@ -30372,7 +30929,7 @@
             <a:blip r:embed="rId5" cstate="print">
               <a:extLst>
                 <a:ext uri="{28A0092B-C50C-407E-A947-70E740481C1C}">
-                  <a14:useLocalDpi xmlns:a14="http://schemas.microsoft.com/office/drawing/2010/main" val="0"/>
+                  <a14:useLocalDpi xmlns:a14="http://schemas.microsoft.com/office/drawing/2010/main" xmlns="" val="0"/>
                 </a:ext>
               </a:extLst>
             </a:blip>
@@ -30402,7 +30959,7 @@
             <a:blip r:embed="rId6" cstate="print">
               <a:extLst>
                 <a:ext uri="{28A0092B-C50C-407E-A947-70E740481C1C}">
-                  <a14:useLocalDpi xmlns:a14="http://schemas.microsoft.com/office/drawing/2010/main" val="0"/>
+                  <a14:useLocalDpi xmlns:a14="http://schemas.microsoft.com/office/drawing/2010/main" xmlns="" val="0"/>
                 </a:ext>
               </a:extLst>
             </a:blip>
@@ -30432,7 +30989,7 @@
             <a:blip r:embed="rId7" cstate="print">
               <a:extLst>
                 <a:ext uri="{28A0092B-C50C-407E-A947-70E740481C1C}">
-                  <a14:useLocalDpi xmlns:a14="http://schemas.microsoft.com/office/drawing/2010/main" val="0"/>
+                  <a14:useLocalDpi xmlns:a14="http://schemas.microsoft.com/office/drawing/2010/main" xmlns="" val="0"/>
                 </a:ext>
               </a:extLst>
             </a:blip>
@@ -30501,7 +31058,7 @@
     </p:spTree>
     <p:extLst>
       <p:ext uri="{BB962C8B-B14F-4D97-AF65-F5344CB8AC3E}">
-        <p14:creationId xmlns:p14="http://schemas.microsoft.com/office/powerpoint/2010/main" val="1074872443"/>
+        <p14:creationId xmlns:p14="http://schemas.microsoft.com/office/powerpoint/2010/main" xmlns="" val="1074872443"/>
       </p:ext>
     </p:extLst>
   </p:cSld>
@@ -30659,7 +31216,7 @@
             <p:ph idx="1"/>
             <p:extLst>
               <p:ext uri="{D42A27DB-BD31-4B8C-83A1-F6EECF244321}">
-                <p14:modId xmlns:p14="http://schemas.microsoft.com/office/powerpoint/2010/main" val="3161229493"/>
+                <p14:modId xmlns:p14="http://schemas.microsoft.com/office/powerpoint/2010/main" xmlns="" val="3161229493"/>
               </p:ext>
             </p:extLst>
           </p:nvPr>
@@ -31908,7 +32465,7 @@
           <a:blip r:embed="rId2" cstate="print">
             <a:extLst>
               <a:ext uri="{28A0092B-C50C-407E-A947-70E740481C1C}">
-                <a14:useLocalDpi xmlns:a14="http://schemas.microsoft.com/office/drawing/2010/main" val="0"/>
+                <a14:useLocalDpi xmlns:a14="http://schemas.microsoft.com/office/drawing/2010/main" xmlns="" val="0"/>
               </a:ext>
             </a:extLst>
           </a:blip>
@@ -31938,7 +32495,7 @@
           <a:blip r:embed="rId3" cstate="print">
             <a:extLst>
               <a:ext uri="{28A0092B-C50C-407E-A947-70E740481C1C}">
-                <a14:useLocalDpi xmlns:a14="http://schemas.microsoft.com/office/drawing/2010/main" val="0"/>
+                <a14:useLocalDpi xmlns:a14="http://schemas.microsoft.com/office/drawing/2010/main" xmlns="" val="0"/>
               </a:ext>
             </a:extLst>
           </a:blip>
@@ -31968,7 +32525,7 @@
           <a:blip r:embed="rId4" cstate="print">
             <a:extLst>
               <a:ext uri="{28A0092B-C50C-407E-A947-70E740481C1C}">
-                <a14:useLocalDpi xmlns:a14="http://schemas.microsoft.com/office/drawing/2010/main" val="0"/>
+                <a14:useLocalDpi xmlns:a14="http://schemas.microsoft.com/office/drawing/2010/main" xmlns="" val="0"/>
               </a:ext>
             </a:extLst>
           </a:blip>
@@ -31989,7 +32546,7 @@
     </p:spTree>
     <p:extLst>
       <p:ext uri="{BB962C8B-B14F-4D97-AF65-F5344CB8AC3E}">
-        <p14:creationId xmlns:p14="http://schemas.microsoft.com/office/powerpoint/2010/main" val="2868768242"/>
+        <p14:creationId xmlns:p14="http://schemas.microsoft.com/office/powerpoint/2010/main" xmlns="" val="2868768242"/>
       </p:ext>
     </p:extLst>
   </p:cSld>
@@ -32024,6 +32581,85 @@
           <a:chExt cx="0" cy="0"/>
         </a:xfrm>
       </p:grpSpPr>
+      <p:pic>
+        <p:nvPicPr>
+          <p:cNvPr id="36866" name="Picture 2" descr="http://www.sxc.hu/pic/l/b/bi/biewoef/682025_39638222.jpg"/>
+          <p:cNvPicPr>
+            <a:picLocks noChangeAspect="1" noChangeArrowheads="1"/>
+          </p:cNvPicPr>
+          <p:nvPr/>
+        </p:nvPicPr>
+        <p:blipFill>
+          <a:blip r:embed="rId2" cstate="print"/>
+          <a:srcRect/>
+          <a:stretch>
+            <a:fillRect/>
+          </a:stretch>
+        </p:blipFill>
+        <p:spPr bwMode="auto">
+          <a:xfrm>
+            <a:off x="302052" y="1412776"/>
+            <a:ext cx="8626323" cy="4917004"/>
+          </a:xfrm>
+          <a:prstGeom prst="rect">
+            <a:avLst/>
+          </a:prstGeom>
+          <a:ln>
+            <a:noFill/>
+          </a:ln>
+          <a:effectLst>
+            <a:softEdge rad="112500"/>
+          </a:effectLst>
+        </p:spPr>
+      </p:pic>
+      <p:sp>
+        <p:nvSpPr>
+          <p:cNvPr id="7" name="Abgerundetes Rechteck 6"/>
+          <p:cNvSpPr/>
+          <p:nvPr/>
+        </p:nvSpPr>
+        <p:spPr>
+          <a:xfrm>
+            <a:off x="251520" y="1268760"/>
+            <a:ext cx="3312368" cy="2304256"/>
+          </a:xfrm>
+          <a:prstGeom prst="roundRect">
+            <a:avLst/>
+          </a:prstGeom>
+          <a:solidFill>
+            <a:schemeClr val="bg1"/>
+          </a:solidFill>
+          <a:ln>
+            <a:solidFill>
+              <a:schemeClr val="bg1"/>
+            </a:solidFill>
+          </a:ln>
+        </p:spPr>
+        <p:style>
+          <a:lnRef idx="2">
+            <a:schemeClr val="accent1">
+              <a:shade val="50000"/>
+            </a:schemeClr>
+          </a:lnRef>
+          <a:fillRef idx="1">
+            <a:schemeClr val="accent1"/>
+          </a:fillRef>
+          <a:effectRef idx="0">
+            <a:schemeClr val="accent1"/>
+          </a:effectRef>
+          <a:fontRef idx="minor">
+            <a:schemeClr val="lt1"/>
+          </a:fontRef>
+        </p:style>
+        <p:txBody>
+          <a:bodyPr rtlCol="0" anchor="ctr"/>
+          <a:lstStyle/>
+          <a:p>
+            <a:pPr algn="ctr"/>
+            <a:endParaRPr lang="de-DE"/>
+          </a:p>
+        </p:txBody>
+      </p:sp>
       <p:sp>
         <p:nvSpPr>
           <p:cNvPr id="2" name="Titel 1"/>
@@ -32091,6 +32727,36 @@
               <a:t>Coding</a:t>
             </a:r>
             <a:endParaRPr lang="de-DE" dirty="0"/>
+          </a:p>
+        </p:txBody>
+      </p:sp>
+      <p:sp>
+        <p:nvSpPr>
+          <p:cNvPr id="8" name="Textfeld 7"/>
+          <p:cNvSpPr txBox="1"/>
+          <p:nvPr/>
+        </p:nvSpPr>
+        <p:spPr>
+          <a:xfrm>
+            <a:off x="5354526" y="6093296"/>
+            <a:ext cx="3681970" cy="276999"/>
+          </a:xfrm>
+          <a:prstGeom prst="rect">
+            <a:avLst/>
+          </a:prstGeom>
+          <a:noFill/>
+        </p:spPr>
+        <p:txBody>
+          <a:bodyPr wrap="none" rtlCol="0">
+            <a:spAutoFit/>
+          </a:bodyPr>
+          <a:lstStyle/>
+          <a:p>
+            <a:r>
+              <a:rPr lang="de-DE" sz="1200" dirty="0" smtClean="0"/>
+              <a:t>http://www.sxc.hu/browse.phtml?f=view&amp;id=682025</a:t>
+            </a:r>
+            <a:endParaRPr lang="de-DE" sz="1200" dirty="0"/>
           </a:p>
         </p:txBody>
       </p:sp>
@@ -32259,8 +32925,24 @@
           <a:p>
             <a:r>
               <a:rPr lang="de-DE" dirty="0" smtClean="0"/>
-              <a:t>Nahtlose Integration existierender Java Klassen und Bibliotheken</a:t>
-            </a:r>
+              <a:t>Nahtlose Integration existierender Java Klassen und </a:t>
+            </a:r>
+            <a:r>
+              <a:rPr lang="de-DE" dirty="0" smtClean="0"/>
+              <a:t>Bibliotheken</a:t>
+            </a:r>
+          </a:p>
+          <a:p>
+            <a:endParaRPr lang="de-DE" dirty="0" smtClean="0"/>
+          </a:p>
+          <a:p>
+            <a:endParaRPr lang="de-DE" dirty="0" smtClean="0"/>
+          </a:p>
+          <a:p>
+            <a:endParaRPr lang="de-DE" dirty="0" smtClean="0"/>
+          </a:p>
+          <a:p>
+            <a:endParaRPr lang="de-DE" dirty="0" smtClean="0"/>
           </a:p>
           <a:p>
             <a:r>
@@ -32314,7 +32996,7 @@
         </p:blipFill>
         <p:spPr bwMode="auto">
           <a:xfrm>
-            <a:off x="4427984" y="4221088"/>
+            <a:off x="2545804" y="2420888"/>
             <a:ext cx="4052392" cy="2022144"/>
           </a:xfrm>
           <a:prstGeom prst="rect">
@@ -33463,15 +34145,12 @@
 </file>
 
 <file path=customXml/item1.xml><?xml version="1.0" encoding="utf-8"?>
-<p:properties xmlns:p="http://schemas.microsoft.com/office/2006/metadata/properties" xmlns:xsi="http://www.w3.org/2001/XMLSchema-instance">
-  <documentManagement>
-    <_dlc_DocId xmlns="8cc9f148-63af-4ae4-b4c0-3a33ca8129b3">DOCID-7-65</_dlc_DocId>
-    <_dlc_DocIdUrl xmlns="8cc9f148-63af-4ae4-b4c0-3a33ca8129b3">
-      <Url>https://portal.opitz-consulting.de/_layouts/DocIdRedir.aspx?ID=DOCID-7-65</Url>
-      <Description>DOCID-7-65</Description>
-    </_dlc_DocIdUrl>
-  </documentManagement>
-</p:properties>
+<?mso-contentType ?>
+<FormTemplates xmlns="http://schemas.microsoft.com/sharepoint/v3/contenttype/forms">
+  <Display>DocumentLibraryForm</Display>
+  <Edit>DocumentLibraryForm</Edit>
+  <New>DocumentLibraryForm</New>
+</FormTemplates>
 </file>
 
 <file path=customXml/item2.xml><?xml version="1.0" encoding="utf-8"?>
@@ -33521,12 +34200,15 @@
 </file>
 
 <file path=customXml/item3.xml><?xml version="1.0" encoding="utf-8"?>
-<?mso-contentType ?>
-<FormTemplates xmlns="http://schemas.microsoft.com/sharepoint/v3/contenttype/forms">
-  <Display>DocumentLibraryForm</Display>
-  <Edit>DocumentLibraryForm</Edit>
-  <New>DocumentLibraryForm</New>
-</FormTemplates>
+<p:properties xmlns:p="http://schemas.microsoft.com/office/2006/metadata/properties" xmlns:xsi="http://www.w3.org/2001/XMLSchema-instance">
+  <documentManagement>
+    <_dlc_DocId xmlns="8cc9f148-63af-4ae4-b4c0-3a33ca8129b3">DOCID-7-65</_dlc_DocId>
+    <_dlc_DocIdUrl xmlns="8cc9f148-63af-4ae4-b4c0-3a33ca8129b3">
+      <Url>https://portal.opitz-consulting.de/_layouts/DocIdRedir.aspx?ID=DOCID-7-65</Url>
+      <Description>DOCID-7-65</Description>
+    </_dlc_DocIdUrl>
+  </documentManagement>
+</p:properties>
 </file>
 
 <file path=customXml/item4.xml><?xml version="1.0" encoding="utf-8"?>
@@ -33675,10 +34357,9 @@
 </file>
 
 <file path=customXml/itemProps1.xml><?xml version="1.0" encoding="utf-8"?>
-<ds:datastoreItem xmlns:ds="http://schemas.openxmlformats.org/officeDocument/2006/customXml" ds:itemID="{AF7E4967-43BC-4F71-AEEC-BDE09349FE60}">
+<ds:datastoreItem xmlns:ds="http://schemas.openxmlformats.org/officeDocument/2006/customXml" ds:itemID="{7E7A0F45-7BDE-4AA7-A1BB-E146938E8111}">
   <ds:schemaRefs>
-    <ds:schemaRef ds:uri="http://schemas.microsoft.com/office/2006/metadata/properties"/>
-    <ds:schemaRef ds:uri="8cc9f148-63af-4ae4-b4c0-3a33ca8129b3"/>
+    <ds:schemaRef ds:uri="http://schemas.microsoft.com/sharepoint/v3/contenttype/forms"/>
   </ds:schemaRefs>
 </ds:datastoreItem>
 </file>
@@ -33692,9 +34373,10 @@
 </file>
 
 <file path=customXml/itemProps3.xml><?xml version="1.0" encoding="utf-8"?>
-<ds:datastoreItem xmlns:ds="http://schemas.openxmlformats.org/officeDocument/2006/customXml" ds:itemID="{7E7A0F45-7BDE-4AA7-A1BB-E146938E8111}">
+<ds:datastoreItem xmlns:ds="http://schemas.openxmlformats.org/officeDocument/2006/customXml" ds:itemID="{AF7E4967-43BC-4F71-AEEC-BDE09349FE60}">
   <ds:schemaRefs>
-    <ds:schemaRef ds:uri="http://schemas.microsoft.com/sharepoint/v3/contenttype/forms"/>
+    <ds:schemaRef ds:uri="http://schemas.microsoft.com/office/2006/metadata/properties"/>
+    <ds:schemaRef ds:uri="8cc9f148-63af-4ae4-b4c0-3a33ca8129b3"/>
   </ds:schemaRefs>
 </ds:datastoreItem>
 </file>

--- a/grails-die-suche-ist-vorbei/grails-doagkonferenz-2011.pptx
+++ b/grails-die-suche-ist-vorbei/grails-doagkonferenz-2011.pptx
@@ -1446,8 +1446,8 @@
     <dgm:cxn modelId="{E7A28185-E3B0-45A7-85E0-A10425BC2D41}" type="presOf" srcId="{3EA38FB7-077E-4699-860B-B7481A9FF50F}" destId="{C83AB4E9-A066-4C32-9B94-64C1161EA86D}" srcOrd="0" destOrd="0" presId="urn:microsoft.com/office/officeart/2005/8/layout/matrix1"/>
     <dgm:cxn modelId="{797A5495-0C2E-4990-B05E-B75AD751CE1E}" type="presOf" srcId="{50C3BD8F-FA35-49F1-A571-92963C2C793A}" destId="{D057D4C4-7C7C-437F-9AA7-E77B3A3EC01F}" srcOrd="1" destOrd="0" presId="urn:microsoft.com/office/officeart/2005/8/layout/matrix1"/>
     <dgm:cxn modelId="{F4103C12-A425-44D8-866D-553E2C235872}" type="presOf" srcId="{F7671500-8297-4F3E-BDCE-879BE72411ED}" destId="{94717272-4243-488C-95AF-FD69DB98ADDE}" srcOrd="1" destOrd="0" presId="urn:microsoft.com/office/officeart/2005/8/layout/matrix1"/>
+    <dgm:cxn modelId="{BB320B12-6487-4989-9CA8-ECD92005A8C1}" type="presOf" srcId="{3EA38FB7-077E-4699-860B-B7481A9FF50F}" destId="{707396D3-4F4C-4E1B-AE8E-A842EB5E2755}" srcOrd="1" destOrd="0" presId="urn:microsoft.com/office/officeart/2005/8/layout/matrix1"/>
     <dgm:cxn modelId="{BD74DB50-200D-4700-A3BD-7C0511274F22}" srcId="{322F7167-D7E5-435C-A8CC-52B42FC6266D}" destId="{3EA38FB7-077E-4699-860B-B7481A9FF50F}" srcOrd="1" destOrd="0" parTransId="{4DD7F543-659B-4F40-8415-BF27977ED8CD}" sibTransId="{68EF7038-8C23-4620-9AB0-30A383CCC59B}"/>
-    <dgm:cxn modelId="{BB320B12-6487-4989-9CA8-ECD92005A8C1}" type="presOf" srcId="{3EA38FB7-077E-4699-860B-B7481A9FF50F}" destId="{707396D3-4F4C-4E1B-AE8E-A842EB5E2755}" srcOrd="1" destOrd="0" presId="urn:microsoft.com/office/officeart/2005/8/layout/matrix1"/>
     <dgm:cxn modelId="{1E87FFFD-6E68-4A9F-82A9-205D3F5EF0EF}" type="presOf" srcId="{50C3BD8F-FA35-49F1-A571-92963C2C793A}" destId="{2C465FEE-CF80-4909-804E-3204153E6FF1}" srcOrd="0" destOrd="0" presId="urn:microsoft.com/office/officeart/2005/8/layout/matrix1"/>
     <dgm:cxn modelId="{A4303F15-0D9A-4086-AE14-98BBB28075D6}" srcId="{322F7167-D7E5-435C-A8CC-52B42FC6266D}" destId="{50C3BD8F-FA35-49F1-A571-92963C2C793A}" srcOrd="0" destOrd="0" parTransId="{9BB94167-7A35-4231-AA02-49CB216E6D62}" sibTransId="{C472C849-4A5C-43BB-903D-5ED6B655CEEC}"/>
     <dgm:cxn modelId="{FA87375C-D0A7-4452-B481-67F727AAA2AA}" type="presOf" srcId="{F7671500-8297-4F3E-BDCE-879BE72411ED}" destId="{2BCBC29C-5067-4C24-BDB5-16718A53AE6A}" srcOrd="0" destOrd="0" presId="urn:microsoft.com/office/officeart/2005/8/layout/matrix1"/>
@@ -3442,7 +3442,7 @@
     </p:spTree>
     <p:extLst>
       <p:ext uri="{BB962C8B-B14F-4D97-AF65-F5344CB8AC3E}">
-        <p14:creationId xmlns:p14="http://schemas.microsoft.com/office/powerpoint/2010/main" xmlns="" val="4179175705"/>
+        <p14:creationId xmlns="" xmlns:p14="http://schemas.microsoft.com/office/powerpoint/2010/main" val="4179175705"/>
       </p:ext>
     </p:extLst>
   </p:cSld>
@@ -3706,7 +3706,7 @@
     </p:spTree>
     <p:extLst>
       <p:ext uri="{BB962C8B-B14F-4D97-AF65-F5344CB8AC3E}">
-        <p14:creationId xmlns:p14="http://schemas.microsoft.com/office/powerpoint/2010/main" xmlns="" val="1834322205"/>
+        <p14:creationId xmlns="" xmlns:p14="http://schemas.microsoft.com/office/powerpoint/2010/main" val="1834322205"/>
       </p:ext>
     </p:extLst>
   </p:cSld>
@@ -3881,7 +3881,7 @@
     </p:spTree>
     <p:extLst>
       <p:ext uri="{BB962C8B-B14F-4D97-AF65-F5344CB8AC3E}">
-        <p14:creationId xmlns:p14="http://schemas.microsoft.com/office/powerpoint/2010/main" xmlns="" val="824769565"/>
+        <p14:creationId xmlns="" xmlns:p14="http://schemas.microsoft.com/office/powerpoint/2010/main" val="824769565"/>
       </p:ext>
     </p:extLst>
   </p:cSld>
@@ -14101,7 +14101,7 @@
     </p:spTree>
     <p:extLst>
       <p:ext uri="{BB962C8B-B14F-4D97-AF65-F5344CB8AC3E}">
-        <p14:creationId xmlns:p14="http://schemas.microsoft.com/office/powerpoint/2010/main" xmlns="" val="3634760287"/>
+        <p14:creationId xmlns="" xmlns:p14="http://schemas.microsoft.com/office/powerpoint/2010/main" val="3634760287"/>
       </p:ext>
     </p:extLst>
   </p:cSld>
@@ -20727,35 +20727,88 @@
                 <a:latin typeface="Consolas" pitchFamily="49" charset="0"/>
                 <a:cs typeface="Consolas" pitchFamily="49" charset="0"/>
               </a:rPr>
-              <a:t>: </a:t>
+              <a:t>: '</a:t>
+            </a:r>
+            <a:r>
+              <a:rPr lang="de-DE" sz="1600" dirty="0" err="1" smtClean="0">
+                <a:latin typeface="Consolas" pitchFamily="49" charset="0"/>
+                <a:cs typeface="Consolas" pitchFamily="49" charset="0"/>
+              </a:rPr>
+              <a:t>Geröllheimer</a:t>
             </a:r>
             <a:r>
               <a:rPr lang="de-DE" sz="1600" dirty="0" smtClean="0">
                 <a:latin typeface="Consolas" pitchFamily="49" charset="0"/>
                 <a:cs typeface="Consolas" pitchFamily="49" charset="0"/>
               </a:rPr>
-              <a:t>'</a:t>
-            </a:r>
-            <a:r>
-              <a:rPr lang="de-DE" sz="1600" dirty="0" err="1" smtClean="0">
-                <a:latin typeface="Consolas" pitchFamily="49" charset="0"/>
-                <a:cs typeface="Consolas" pitchFamily="49" charset="0"/>
-              </a:rPr>
-              <a:t>Geröllheimer</a:t>
-            </a:r>
-            <a:r>
-              <a:rPr lang="de-DE" sz="1600" dirty="0" smtClean="0">
-                <a:latin typeface="Consolas" pitchFamily="49" charset="0"/>
-                <a:cs typeface="Consolas" pitchFamily="49" charset="0"/>
-              </a:rPr>
               <a:t>')]</a:t>
             </a:r>
+          </a:p>
+          <a:p>
             <a:endParaRPr lang="de-DE" sz="1600" dirty="0" smtClean="0">
               <a:latin typeface="Consolas" pitchFamily="49" charset="0"/>
               <a:cs typeface="Consolas" pitchFamily="49" charset="0"/>
             </a:endParaRPr>
           </a:p>
           <a:p>
+            <a:r>
+              <a:rPr lang="de-DE" sz="1600" dirty="0" err="1" smtClean="0">
+                <a:latin typeface="Consolas" pitchFamily="49" charset="0"/>
+                <a:cs typeface="Consolas" pitchFamily="49" charset="0"/>
+              </a:rPr>
+              <a:t>assert</a:t>
+            </a:r>
+            <a:r>
+              <a:rPr lang="de-DE" sz="1600" dirty="0" smtClean="0">
+                <a:latin typeface="Consolas" pitchFamily="49" charset="0"/>
+                <a:cs typeface="Consolas" pitchFamily="49" charset="0"/>
+              </a:rPr>
+              <a:t> ['Fred', 'Wilma'] == </a:t>
+            </a:r>
+          </a:p>
+          <a:p>
+            <a:r>
+              <a:rPr lang="de-DE" sz="1600" dirty="0" smtClean="0">
+                <a:latin typeface="Consolas" pitchFamily="49" charset="0"/>
+                <a:cs typeface="Consolas" pitchFamily="49" charset="0"/>
+              </a:rPr>
+              <a:t>       </a:t>
+            </a:r>
+            <a:r>
+              <a:rPr lang="de-DE" sz="1600" dirty="0" err="1" smtClean="0">
+                <a:latin typeface="Consolas" pitchFamily="49" charset="0"/>
+                <a:cs typeface="Consolas" pitchFamily="49" charset="0"/>
+              </a:rPr>
+              <a:t>people.findAll</a:t>
+            </a:r>
+            <a:r>
+              <a:rPr lang="de-DE" sz="1600" dirty="0" smtClean="0">
+                <a:latin typeface="Consolas" pitchFamily="49" charset="0"/>
+                <a:cs typeface="Consolas" pitchFamily="49" charset="0"/>
+              </a:rPr>
+              <a:t>{</a:t>
+            </a:r>
+            <a:r>
+              <a:rPr lang="de-DE" sz="1600" dirty="0" err="1" smtClean="0">
+                <a:latin typeface="Consolas" pitchFamily="49" charset="0"/>
+                <a:cs typeface="Consolas" pitchFamily="49" charset="0"/>
+              </a:rPr>
+              <a:t>it.lastName</a:t>
+            </a:r>
+            <a:r>
+              <a:rPr lang="de-DE" sz="1600" dirty="0" smtClean="0">
+                <a:latin typeface="Consolas" pitchFamily="49" charset="0"/>
+                <a:cs typeface="Consolas" pitchFamily="49" charset="0"/>
+              </a:rPr>
+              <a:t> == 'Feuerstein'}.</a:t>
+            </a:r>
+            <a:r>
+              <a:rPr lang="de-DE" sz="1600" dirty="0" err="1" smtClean="0">
+                <a:latin typeface="Consolas" pitchFamily="49" charset="0"/>
+                <a:cs typeface="Consolas" pitchFamily="49" charset="0"/>
+              </a:rPr>
+              <a:t>firstName</a:t>
+            </a:r>
             <a:endParaRPr lang="de-DE" sz="1600" dirty="0" smtClean="0">
               <a:latin typeface="Consolas" pitchFamily="49" charset="0"/>
               <a:cs typeface="Consolas" pitchFamily="49" charset="0"/>
@@ -20774,8 +20827,38 @@
                 <a:latin typeface="Consolas" pitchFamily="49" charset="0"/>
                 <a:cs typeface="Consolas" pitchFamily="49" charset="0"/>
               </a:rPr>
-              <a:t> ['Fred', 'Wilma'] == </a:t>
-            </a:r>
+              <a:t> ['Feuerstein':2, 'Geröllheimer':3] == </a:t>
+            </a:r>
+            <a:r>
+              <a:rPr lang="de-DE" sz="1600" dirty="0" err="1" smtClean="0">
+                <a:latin typeface="Consolas" pitchFamily="49" charset="0"/>
+                <a:cs typeface="Consolas" pitchFamily="49" charset="0"/>
+              </a:rPr>
+              <a:t>people.countBy</a:t>
+            </a:r>
+            <a:r>
+              <a:rPr lang="de-DE" sz="1600" dirty="0" smtClean="0">
+                <a:latin typeface="Consolas" pitchFamily="49" charset="0"/>
+                <a:cs typeface="Consolas" pitchFamily="49" charset="0"/>
+              </a:rPr>
+              <a:t>{</a:t>
+            </a:r>
+            <a:r>
+              <a:rPr lang="de-DE" sz="1600" dirty="0" err="1" smtClean="0">
+                <a:latin typeface="Consolas" pitchFamily="49" charset="0"/>
+                <a:cs typeface="Consolas" pitchFamily="49" charset="0"/>
+              </a:rPr>
+              <a:t>it.lastName</a:t>
+            </a:r>
+            <a:r>
+              <a:rPr lang="de-DE" sz="1600" dirty="0" smtClean="0">
+                <a:latin typeface="Consolas" pitchFamily="49" charset="0"/>
+                <a:cs typeface="Consolas" pitchFamily="49" charset="0"/>
+              </a:rPr>
+              <a:t>}</a:t>
+            </a:r>
+          </a:p>
+          <a:p>
             <a:endParaRPr lang="de-DE" sz="1600" dirty="0" smtClean="0">
               <a:latin typeface="Consolas" pitchFamily="49" charset="0"/>
               <a:cs typeface="Consolas" pitchFamily="49" charset="0"/>
@@ -20783,216 +20866,83 @@
           </a:p>
           <a:p>
             <a:r>
+              <a:rPr lang="de-DE" sz="1600" dirty="0" err="1" smtClean="0">
+                <a:latin typeface="Consolas" pitchFamily="49" charset="0"/>
+                <a:cs typeface="Consolas" pitchFamily="49" charset="0"/>
+              </a:rPr>
+              <a:t>people.findAll</a:t>
+            </a:r>
+            <a:r>
               <a:rPr lang="de-DE" sz="1600" dirty="0" smtClean="0">
                 <a:latin typeface="Consolas" pitchFamily="49" charset="0"/>
                 <a:cs typeface="Consolas" pitchFamily="49" charset="0"/>
               </a:rPr>
-              <a:t> </a:t>
+              <a:t>{</a:t>
+            </a:r>
+            <a:r>
+              <a:rPr lang="de-DE" sz="1600" dirty="0" err="1" smtClean="0">
+                <a:latin typeface="Consolas" pitchFamily="49" charset="0"/>
+                <a:cs typeface="Consolas" pitchFamily="49" charset="0"/>
+              </a:rPr>
+              <a:t>it.lastName</a:t>
             </a:r>
             <a:r>
               <a:rPr lang="de-DE" sz="1600" dirty="0" smtClean="0">
                 <a:latin typeface="Consolas" pitchFamily="49" charset="0"/>
                 <a:cs typeface="Consolas" pitchFamily="49" charset="0"/>
               </a:rPr>
-              <a:t>      </a:t>
+              <a:t> == '</a:t>
             </a:r>
             <a:r>
               <a:rPr lang="de-DE" sz="1600" dirty="0" err="1" smtClean="0">
                 <a:latin typeface="Consolas" pitchFamily="49" charset="0"/>
                 <a:cs typeface="Consolas" pitchFamily="49" charset="0"/>
               </a:rPr>
-              <a:t>people.findAll</a:t>
+              <a:t>Geröllheimer</a:t>
             </a:r>
             <a:r>
               <a:rPr lang="de-DE" sz="1600" dirty="0" smtClean="0">
                 <a:latin typeface="Consolas" pitchFamily="49" charset="0"/>
                 <a:cs typeface="Consolas" pitchFamily="49" charset="0"/>
               </a:rPr>
-              <a:t>{</a:t>
+              <a:t>'}</a:t>
+            </a:r>
+          </a:p>
+          <a:p>
+            <a:r>
+              <a:rPr lang="de-DE" sz="1600" dirty="0" smtClean="0">
+                <a:latin typeface="Consolas" pitchFamily="49" charset="0"/>
+                <a:cs typeface="Consolas" pitchFamily="49" charset="0"/>
+              </a:rPr>
+              <a:t>       .</a:t>
             </a:r>
             <a:r>
               <a:rPr lang="de-DE" sz="1600" dirty="0" err="1" smtClean="0">
                 <a:latin typeface="Consolas" pitchFamily="49" charset="0"/>
                 <a:cs typeface="Consolas" pitchFamily="49" charset="0"/>
               </a:rPr>
-              <a:t>it.lastName</a:t>
+              <a:t>each</a:t>
             </a:r>
             <a:r>
               <a:rPr lang="de-DE" sz="1600" dirty="0" smtClean="0">
                 <a:latin typeface="Consolas" pitchFamily="49" charset="0"/>
                 <a:cs typeface="Consolas" pitchFamily="49" charset="0"/>
               </a:rPr>
-              <a:t> == 'Feuerstein</a:t>
+              <a:t>{ </a:t>
+            </a:r>
+            <a:r>
+              <a:rPr lang="de-DE" sz="1600" dirty="0" err="1" smtClean="0">
+                <a:latin typeface="Consolas" pitchFamily="49" charset="0"/>
+                <a:cs typeface="Consolas" pitchFamily="49" charset="0"/>
+              </a:rPr>
+              <a:t>println</a:t>
             </a:r>
             <a:r>
               <a:rPr lang="de-DE" sz="1600" dirty="0" smtClean="0">
                 <a:latin typeface="Consolas" pitchFamily="49" charset="0"/>
                 <a:cs typeface="Consolas" pitchFamily="49" charset="0"/>
               </a:rPr>
-              <a:t>'}.</a:t>
-            </a:r>
-            <a:r>
-              <a:rPr lang="de-DE" sz="1600" dirty="0" err="1" smtClean="0">
-                <a:latin typeface="Consolas" pitchFamily="49" charset="0"/>
-                <a:cs typeface="Consolas" pitchFamily="49" charset="0"/>
-              </a:rPr>
-              <a:t>firstName</a:t>
-            </a:r>
-            <a:endParaRPr lang="de-DE" sz="1600" dirty="0" smtClean="0">
-              <a:latin typeface="Consolas" pitchFamily="49" charset="0"/>
-              <a:cs typeface="Consolas" pitchFamily="49" charset="0"/>
-            </a:endParaRPr>
-          </a:p>
-          <a:p>
-            <a:r>
-              <a:rPr lang="de-DE" sz="1600" dirty="0" err="1" smtClean="0">
-                <a:latin typeface="Consolas" pitchFamily="49" charset="0"/>
-                <a:cs typeface="Consolas" pitchFamily="49" charset="0"/>
-              </a:rPr>
-              <a:t>assert</a:t>
-            </a:r>
-            <a:r>
-              <a:rPr lang="de-DE" sz="1600" dirty="0" smtClean="0">
-                <a:latin typeface="Consolas" pitchFamily="49" charset="0"/>
-                <a:cs typeface="Consolas" pitchFamily="49" charset="0"/>
-              </a:rPr>
-              <a:t> ['Feuerstein':2, 'Geröllheimer':3] == </a:t>
-            </a:r>
-            <a:r>
-              <a:rPr lang="de-DE" sz="1600" dirty="0" err="1" smtClean="0">
-                <a:latin typeface="Consolas" pitchFamily="49" charset="0"/>
-                <a:cs typeface="Consolas" pitchFamily="49" charset="0"/>
-              </a:rPr>
-              <a:t>people.countBy</a:t>
-            </a:r>
-            <a:r>
-              <a:rPr lang="de-DE" sz="1600" dirty="0" smtClean="0">
-                <a:latin typeface="Consolas" pitchFamily="49" charset="0"/>
-                <a:cs typeface="Consolas" pitchFamily="49" charset="0"/>
-              </a:rPr>
-              <a:t>{</a:t>
-            </a:r>
-            <a:r>
-              <a:rPr lang="de-DE" sz="1600" dirty="0" err="1" smtClean="0">
-                <a:latin typeface="Consolas" pitchFamily="49" charset="0"/>
-                <a:cs typeface="Consolas" pitchFamily="49" charset="0"/>
-              </a:rPr>
-              <a:t>it.lastName</a:t>
-            </a:r>
-            <a:r>
-              <a:rPr lang="de-DE" sz="1600" dirty="0" smtClean="0">
-                <a:latin typeface="Consolas" pitchFamily="49" charset="0"/>
-                <a:cs typeface="Consolas" pitchFamily="49" charset="0"/>
-              </a:rPr>
-              <a:t>}</a:t>
-            </a:r>
-          </a:p>
-          <a:p>
-            <a:endParaRPr lang="de-DE" sz="1600" dirty="0" smtClean="0">
-              <a:latin typeface="Consolas" pitchFamily="49" charset="0"/>
-              <a:cs typeface="Consolas" pitchFamily="49" charset="0"/>
-            </a:endParaRPr>
-          </a:p>
-          <a:p>
-            <a:r>
-              <a:rPr lang="de-DE" sz="1600" dirty="0" err="1" smtClean="0">
-                <a:latin typeface="Consolas" pitchFamily="49" charset="0"/>
-                <a:cs typeface="Consolas" pitchFamily="49" charset="0"/>
-              </a:rPr>
-              <a:t>people.findAll</a:t>
-            </a:r>
-            <a:r>
-              <a:rPr lang="de-DE" sz="1600" dirty="0" smtClean="0">
-                <a:latin typeface="Consolas" pitchFamily="49" charset="0"/>
-                <a:cs typeface="Consolas" pitchFamily="49" charset="0"/>
-              </a:rPr>
-              <a:t>{</a:t>
-            </a:r>
-            <a:r>
-              <a:rPr lang="de-DE" sz="1600" dirty="0" err="1" smtClean="0">
-                <a:latin typeface="Consolas" pitchFamily="49" charset="0"/>
-                <a:cs typeface="Consolas" pitchFamily="49" charset="0"/>
-              </a:rPr>
-              <a:t>it.lastName</a:t>
-            </a:r>
-            <a:r>
-              <a:rPr lang="de-DE" sz="1600" dirty="0" smtClean="0">
-                <a:latin typeface="Consolas" pitchFamily="49" charset="0"/>
-                <a:cs typeface="Consolas" pitchFamily="49" charset="0"/>
-              </a:rPr>
-              <a:t> == '</a:t>
-            </a:r>
-            <a:r>
-              <a:rPr lang="de-DE" sz="1600" dirty="0" err="1" smtClean="0">
-                <a:latin typeface="Consolas" pitchFamily="49" charset="0"/>
-                <a:cs typeface="Consolas" pitchFamily="49" charset="0"/>
-              </a:rPr>
-              <a:t>Geröllheimer</a:t>
-            </a:r>
-            <a:r>
-              <a:rPr lang="de-DE" sz="1600" dirty="0" smtClean="0">
-                <a:latin typeface="Consolas" pitchFamily="49" charset="0"/>
-                <a:cs typeface="Consolas" pitchFamily="49" charset="0"/>
-              </a:rPr>
-              <a:t>'}</a:t>
-            </a:r>
-          </a:p>
-          <a:p>
-            <a:r>
-              <a:rPr lang="de-DE" sz="1600" dirty="0" smtClean="0">
-                <a:latin typeface="Consolas" pitchFamily="49" charset="0"/>
-                <a:cs typeface="Consolas" pitchFamily="49" charset="0"/>
-              </a:rPr>
-              <a:t> </a:t>
-            </a:r>
-            <a:r>
-              <a:rPr lang="de-DE" sz="1600" dirty="0" smtClean="0">
-                <a:latin typeface="Consolas" pitchFamily="49" charset="0"/>
-                <a:cs typeface="Consolas" pitchFamily="49" charset="0"/>
-              </a:rPr>
-              <a:t>      </a:t>
-            </a:r>
-            <a:r>
-              <a:rPr lang="de-DE" sz="1600" dirty="0" smtClean="0">
-                <a:latin typeface="Consolas" pitchFamily="49" charset="0"/>
-                <a:cs typeface="Consolas" pitchFamily="49" charset="0"/>
-              </a:rPr>
-              <a:t>.</a:t>
-            </a:r>
-            <a:r>
-              <a:rPr lang="de-DE" sz="1600" dirty="0" err="1" smtClean="0">
-                <a:latin typeface="Consolas" pitchFamily="49" charset="0"/>
-                <a:cs typeface="Consolas" pitchFamily="49" charset="0"/>
-              </a:rPr>
-              <a:t>each</a:t>
-            </a:r>
-            <a:r>
-              <a:rPr lang="de-DE" sz="1600" dirty="0" smtClean="0">
-                <a:latin typeface="Consolas" pitchFamily="49" charset="0"/>
-                <a:cs typeface="Consolas" pitchFamily="49" charset="0"/>
-              </a:rPr>
-              <a:t>{ </a:t>
-            </a:r>
-            <a:r>
-              <a:rPr lang="de-DE" sz="1600" dirty="0" err="1" smtClean="0">
-                <a:latin typeface="Consolas" pitchFamily="49" charset="0"/>
-                <a:cs typeface="Consolas" pitchFamily="49" charset="0"/>
-              </a:rPr>
-              <a:t>println</a:t>
-            </a:r>
-            <a:r>
-              <a:rPr lang="de-DE" sz="1600" dirty="0" smtClean="0">
-                <a:latin typeface="Consolas" pitchFamily="49" charset="0"/>
-                <a:cs typeface="Consolas" pitchFamily="49" charset="0"/>
-              </a:rPr>
-              <a:t> </a:t>
-            </a:r>
-            <a:r>
-              <a:rPr lang="de-DE" sz="1600" dirty="0" smtClean="0">
-                <a:latin typeface="Consolas" pitchFamily="49" charset="0"/>
-                <a:cs typeface="Consolas" pitchFamily="49" charset="0"/>
-              </a:rPr>
-              <a:t>"</a:t>
+              <a:t> "</a:t>
             </a:r>
             <a:r>
               <a:rPr lang="de-DE" sz="1600" dirty="0" err="1" smtClean="0">
@@ -22441,7 +22391,7 @@
         </p:nvPicPr>
         <p:blipFill>
           <a:blip r:embed="rId2" cstate="print"/>
-          <a:srcRect l="22682" t="18059" r="14255" b="57554"/>
+          <a:srcRect/>
           <a:stretch>
             <a:fillRect/>
           </a:stretch>
@@ -22729,7 +22679,7 @@
         </p:nvPicPr>
         <p:blipFill>
           <a:blip r:embed="rId5" cstate="print"/>
-          <a:srcRect l="8129" r="6522"/>
+          <a:srcRect/>
           <a:stretch>
             <a:fillRect/>
           </a:stretch>
@@ -25021,7 +24971,7 @@
           <a:blip r:embed="rId2" cstate="print">
             <a:extLst>
               <a:ext uri="{28A0092B-C50C-407E-A947-70E740481C1C}">
-                <a14:useLocalDpi xmlns:a14="http://schemas.microsoft.com/office/drawing/2010/main" xmlns="" val="0"/>
+                <a14:useLocalDpi xmlns="" xmlns:a14="http://schemas.microsoft.com/office/drawing/2010/main" val="0"/>
               </a:ext>
             </a:extLst>
           </a:blip>
@@ -25186,27 +25136,7 @@
                 <a:latin typeface="Consolas" pitchFamily="49" charset="0"/>
                 <a:cs typeface="Consolas" pitchFamily="49" charset="0"/>
               </a:rPr>
-              <a:t>// Alle Personen im Alter zwischen </a:t>
-            </a:r>
-            <a:r>
-              <a:rPr lang="de-DE" dirty="0" smtClean="0">
-                <a:solidFill>
-                  <a:schemeClr val="bg2"/>
-                </a:solidFill>
-                <a:latin typeface="Consolas" pitchFamily="49" charset="0"/>
-                <a:cs typeface="Consolas" pitchFamily="49" charset="0"/>
-              </a:rPr>
-              <a:t>2</a:t>
-            </a:r>
-            <a:r>
-              <a:rPr lang="de-DE" dirty="0" smtClean="0">
-                <a:solidFill>
-                  <a:schemeClr val="bg2"/>
-                </a:solidFill>
-                <a:latin typeface="Consolas" pitchFamily="49" charset="0"/>
-                <a:cs typeface="Consolas" pitchFamily="49" charset="0"/>
-              </a:rPr>
-              <a:t> und 10 Jahren</a:t>
+              <a:t>// Alle Personen im Alter zwischen 2 und 10 Jahren</a:t>
             </a:r>
           </a:p>
           <a:p>
@@ -25302,7 +25232,7 @@
     </p:spTree>
     <p:extLst>
       <p:ext uri="{BB962C8B-B14F-4D97-AF65-F5344CB8AC3E}">
-        <p14:creationId xmlns:p14="http://schemas.microsoft.com/office/powerpoint/2010/main" xmlns="" val="3520320325"/>
+        <p14:creationId xmlns="" xmlns:p14="http://schemas.microsoft.com/office/powerpoint/2010/main" val="3520320325"/>
       </p:ext>
     </p:extLst>
   </p:cSld>
@@ -25923,7 +25853,7 @@
         </p:nvPicPr>
         <p:blipFill>
           <a:blip r:embed="rId2" cstate="print"/>
-          <a:srcRect l="38877" t="21331" r="17857" b="22053"/>
+          <a:srcRect/>
           <a:stretch>
             <a:fillRect/>
           </a:stretch>
@@ -30076,7 +30006,7 @@
     </p:spTree>
     <p:extLst>
       <p:ext uri="{BB962C8B-B14F-4D97-AF65-F5344CB8AC3E}">
-        <p14:creationId xmlns:p14="http://schemas.microsoft.com/office/powerpoint/2010/main" xmlns="" val="1364891894"/>
+        <p14:creationId xmlns="" xmlns:p14="http://schemas.microsoft.com/office/powerpoint/2010/main" val="1364891894"/>
       </p:ext>
     </p:extLst>
   </p:cSld>
@@ -30929,7 +30859,7 @@
             <a:blip r:embed="rId5" cstate="print">
               <a:extLst>
                 <a:ext uri="{28A0092B-C50C-407E-A947-70E740481C1C}">
-                  <a14:useLocalDpi xmlns:a14="http://schemas.microsoft.com/office/drawing/2010/main" xmlns="" val="0"/>
+                  <a14:useLocalDpi xmlns="" xmlns:a14="http://schemas.microsoft.com/office/drawing/2010/main" val="0"/>
                 </a:ext>
               </a:extLst>
             </a:blip>
@@ -30959,7 +30889,7 @@
             <a:blip r:embed="rId6" cstate="print">
               <a:extLst>
                 <a:ext uri="{28A0092B-C50C-407E-A947-70E740481C1C}">
-                  <a14:useLocalDpi xmlns:a14="http://schemas.microsoft.com/office/drawing/2010/main" xmlns="" val="0"/>
+                  <a14:useLocalDpi xmlns="" xmlns:a14="http://schemas.microsoft.com/office/drawing/2010/main" val="0"/>
                 </a:ext>
               </a:extLst>
             </a:blip>
@@ -30989,7 +30919,7 @@
             <a:blip r:embed="rId7" cstate="print">
               <a:extLst>
                 <a:ext uri="{28A0092B-C50C-407E-A947-70E740481C1C}">
-                  <a14:useLocalDpi xmlns:a14="http://schemas.microsoft.com/office/drawing/2010/main" xmlns="" val="0"/>
+                  <a14:useLocalDpi xmlns="" xmlns:a14="http://schemas.microsoft.com/office/drawing/2010/main" val="0"/>
                 </a:ext>
               </a:extLst>
             </a:blip>
@@ -31020,12 +30950,17 @@
         </p:nvPicPr>
         <p:blipFill>
           <a:blip r:embed="rId8" cstate="print"/>
-          <a:srcRect t="9375" b="9375"/>
+          <a:srcRect l="10504" r="11606"/>
           <a:stretch>
             <a:fillRect/>
           </a:stretch>
         </p:blipFill>
-        <p:spPr/>
+        <p:spPr>
+          <a:xfrm>
+            <a:off x="7380312" y="1357298"/>
+            <a:ext cx="1224136" cy="1571636"/>
+          </a:xfrm>
+        </p:spPr>
       </p:pic>
       <p:pic>
         <p:nvPicPr>
@@ -31058,7 +30993,7 @@
     </p:spTree>
     <p:extLst>
       <p:ext uri="{BB962C8B-B14F-4D97-AF65-F5344CB8AC3E}">
-        <p14:creationId xmlns:p14="http://schemas.microsoft.com/office/powerpoint/2010/main" xmlns="" val="1074872443"/>
+        <p14:creationId xmlns="" xmlns:p14="http://schemas.microsoft.com/office/powerpoint/2010/main" val="1074872443"/>
       </p:ext>
     </p:extLst>
   </p:cSld>
@@ -31216,7 +31151,7 @@
             <p:ph idx="1"/>
             <p:extLst>
               <p:ext uri="{D42A27DB-BD31-4B8C-83A1-F6EECF244321}">
-                <p14:modId xmlns:p14="http://schemas.microsoft.com/office/powerpoint/2010/main" xmlns="" val="3161229493"/>
+                <p14:modId xmlns="" xmlns:p14="http://schemas.microsoft.com/office/powerpoint/2010/main" val="3161229493"/>
               </p:ext>
             </p:extLst>
           </p:nvPr>
@@ -32465,7 +32400,7 @@
           <a:blip r:embed="rId2" cstate="print">
             <a:extLst>
               <a:ext uri="{28A0092B-C50C-407E-A947-70E740481C1C}">
-                <a14:useLocalDpi xmlns:a14="http://schemas.microsoft.com/office/drawing/2010/main" xmlns="" val="0"/>
+                <a14:useLocalDpi xmlns="" xmlns:a14="http://schemas.microsoft.com/office/drawing/2010/main" val="0"/>
               </a:ext>
             </a:extLst>
           </a:blip>
@@ -32495,7 +32430,7 @@
           <a:blip r:embed="rId3" cstate="print">
             <a:extLst>
               <a:ext uri="{28A0092B-C50C-407E-A947-70E740481C1C}">
-                <a14:useLocalDpi xmlns:a14="http://schemas.microsoft.com/office/drawing/2010/main" xmlns="" val="0"/>
+                <a14:useLocalDpi xmlns="" xmlns:a14="http://schemas.microsoft.com/office/drawing/2010/main" val="0"/>
               </a:ext>
             </a:extLst>
           </a:blip>
@@ -32525,7 +32460,7 @@
           <a:blip r:embed="rId4" cstate="print">
             <a:extLst>
               <a:ext uri="{28A0092B-C50C-407E-A947-70E740481C1C}">
-                <a14:useLocalDpi xmlns:a14="http://schemas.microsoft.com/office/drawing/2010/main" xmlns="" val="0"/>
+                <a14:useLocalDpi xmlns="" xmlns:a14="http://schemas.microsoft.com/office/drawing/2010/main" val="0"/>
               </a:ext>
             </a:extLst>
           </a:blip>
@@ -32546,7 +32481,7 @@
     </p:spTree>
     <p:extLst>
       <p:ext uri="{BB962C8B-B14F-4D97-AF65-F5344CB8AC3E}">
-        <p14:creationId xmlns:p14="http://schemas.microsoft.com/office/powerpoint/2010/main" xmlns="" val="2868768242"/>
+        <p14:creationId xmlns="" xmlns:p14="http://schemas.microsoft.com/office/powerpoint/2010/main" val="2868768242"/>
       </p:ext>
     </p:extLst>
   </p:cSld>
@@ -32925,11 +32860,7 @@
           <a:p>
             <a:r>
               <a:rPr lang="de-DE" dirty="0" smtClean="0"/>
-              <a:t>Nahtlose Integration existierender Java Klassen und </a:t>
-            </a:r>
-            <a:r>
-              <a:rPr lang="de-DE" dirty="0" smtClean="0"/>
-              <a:t>Bibliotheken</a:t>
+              <a:t>Nahtlose Integration existierender Java Klassen und Bibliotheken</a:t>
             </a:r>
           </a:p>
           <a:p>
@@ -34145,12 +34076,15 @@
 </file>
 
 <file path=customXml/item1.xml><?xml version="1.0" encoding="utf-8"?>
-<?mso-contentType ?>
-<FormTemplates xmlns="http://schemas.microsoft.com/sharepoint/v3/contenttype/forms">
-  <Display>DocumentLibraryForm</Display>
-  <Edit>DocumentLibraryForm</Edit>
-  <New>DocumentLibraryForm</New>
-</FormTemplates>
+<p:properties xmlns:p="http://schemas.microsoft.com/office/2006/metadata/properties" xmlns:xsi="http://www.w3.org/2001/XMLSchema-instance">
+  <documentManagement>
+    <_dlc_DocId xmlns="8cc9f148-63af-4ae4-b4c0-3a33ca8129b3">DOCID-7-65</_dlc_DocId>
+    <_dlc_DocIdUrl xmlns="8cc9f148-63af-4ae4-b4c0-3a33ca8129b3">
+      <Url>https://portal.opitz-consulting.de/_layouts/DocIdRedir.aspx?ID=DOCID-7-65</Url>
+      <Description>DOCID-7-65</Description>
+    </_dlc_DocIdUrl>
+  </documentManagement>
+</p:properties>
 </file>
 
 <file path=customXml/item2.xml><?xml version="1.0" encoding="utf-8"?>
@@ -34200,15 +34134,12 @@
 </file>
 
 <file path=customXml/item3.xml><?xml version="1.0" encoding="utf-8"?>
-<p:properties xmlns:p="http://schemas.microsoft.com/office/2006/metadata/properties" xmlns:xsi="http://www.w3.org/2001/XMLSchema-instance">
-  <documentManagement>
-    <_dlc_DocId xmlns="8cc9f148-63af-4ae4-b4c0-3a33ca8129b3">DOCID-7-65</_dlc_DocId>
-    <_dlc_DocIdUrl xmlns="8cc9f148-63af-4ae4-b4c0-3a33ca8129b3">
-      <Url>https://portal.opitz-consulting.de/_layouts/DocIdRedir.aspx?ID=DOCID-7-65</Url>
-      <Description>DOCID-7-65</Description>
-    </_dlc_DocIdUrl>
-  </documentManagement>
-</p:properties>
+<?mso-contentType ?>
+<FormTemplates xmlns="http://schemas.microsoft.com/sharepoint/v3/contenttype/forms">
+  <Display>DocumentLibraryForm</Display>
+  <Edit>DocumentLibraryForm</Edit>
+  <New>DocumentLibraryForm</New>
+</FormTemplates>
 </file>
 
 <file path=customXml/item4.xml><?xml version="1.0" encoding="utf-8"?>
@@ -34357,9 +34288,10 @@
 </file>
 
 <file path=customXml/itemProps1.xml><?xml version="1.0" encoding="utf-8"?>
-<ds:datastoreItem xmlns:ds="http://schemas.openxmlformats.org/officeDocument/2006/customXml" ds:itemID="{7E7A0F45-7BDE-4AA7-A1BB-E146938E8111}">
+<ds:datastoreItem xmlns:ds="http://schemas.openxmlformats.org/officeDocument/2006/customXml" ds:itemID="{AF7E4967-43BC-4F71-AEEC-BDE09349FE60}">
   <ds:schemaRefs>
-    <ds:schemaRef ds:uri="http://schemas.microsoft.com/sharepoint/v3/contenttype/forms"/>
+    <ds:schemaRef ds:uri="http://schemas.microsoft.com/office/2006/metadata/properties"/>
+    <ds:schemaRef ds:uri="8cc9f148-63af-4ae4-b4c0-3a33ca8129b3"/>
   </ds:schemaRefs>
 </ds:datastoreItem>
 </file>
@@ -34373,10 +34305,9 @@
 </file>
 
 <file path=customXml/itemProps3.xml><?xml version="1.0" encoding="utf-8"?>
-<ds:datastoreItem xmlns:ds="http://schemas.openxmlformats.org/officeDocument/2006/customXml" ds:itemID="{AF7E4967-43BC-4F71-AEEC-BDE09349FE60}">
+<ds:datastoreItem xmlns:ds="http://schemas.openxmlformats.org/officeDocument/2006/customXml" ds:itemID="{7E7A0F45-7BDE-4AA7-A1BB-E146938E8111}">
   <ds:schemaRefs>
-    <ds:schemaRef ds:uri="http://schemas.microsoft.com/office/2006/metadata/properties"/>
-    <ds:schemaRef ds:uri="8cc9f148-63af-4ae4-b4c0-3a33ca8129b3"/>
+    <ds:schemaRef ds:uri="http://schemas.microsoft.com/sharepoint/v3/contenttype/forms"/>
   </ds:schemaRefs>
 </ds:datastoreItem>
 </file>

--- a/grails-die-suche-ist-vorbei/grails-doagkonferenz-2011.pptx
+++ b/grails-die-suche-ist-vorbei/grails-doagkonferenz-2011.pptx
@@ -13,8 +13,8 @@
   <p:sldIdLst>
     <p:sldId id="256" r:id="rId6"/>
     <p:sldId id="257" r:id="rId7"/>
-    <p:sldId id="314" r:id="rId8"/>
-    <p:sldId id="315" r:id="rId9"/>
+    <p:sldId id="324" r:id="rId8"/>
+    <p:sldId id="325" r:id="rId9"/>
     <p:sldId id="259" r:id="rId10"/>
     <p:sldId id="274" r:id="rId11"/>
     <p:sldId id="307" r:id="rId12"/>
@@ -3373,7 +3373,7 @@
             <a:fld id="{E4B7E1CC-5804-4FAA-A440-E3B0242BB0EE}" type="datetimeFigureOut">
               <a:rPr lang="de-DE" smtClean="0"/>
               <a:pPr/>
-              <a:t>04.11.2011</a:t>
+              <a:t>13.11.2011</a:t>
             </a:fld>
             <a:endParaRPr lang="de-DE"/>
           </a:p>
@@ -3542,7 +3542,7 @@
             <a:fld id="{600A7168-685E-42A5-A6B5-B6E3AF6AADAA}" type="datetimeFigureOut">
               <a:rPr lang="de-DE" smtClean="0"/>
               <a:pPr/>
-              <a:t>04.11.2011</a:t>
+              <a:t>13.11.2011</a:t>
             </a:fld>
             <a:endParaRPr lang="de-DE"/>
           </a:p>
@@ -4290,7 +4290,7 @@
           </a:bodyPr>
           <a:lstStyle/>
           <a:p>
-            <a:endParaRPr lang="de-DE"/>
+            <a:endParaRPr lang="de-DE" dirty="0"/>
           </a:p>
         </p:txBody>
       </p:sp>
@@ -4312,7 +4312,7 @@
             <a:fld id="{133286C6-4904-4CD0-891D-2F37ADC6A93C}" type="slidenum">
               <a:rPr lang="de-DE" smtClean="0"/>
               <a:pPr/>
-              <a:t>15</a:t>
+              <a:t>10</a:t>
             </a:fld>
             <a:endParaRPr lang="de-DE"/>
           </a:p>
@@ -4372,7 +4372,7 @@
           </a:bodyPr>
           <a:lstStyle/>
           <a:p>
-            <a:endParaRPr lang="de-DE" dirty="0"/>
+            <a:endParaRPr lang="de-DE"/>
           </a:p>
         </p:txBody>
       </p:sp>
@@ -4394,7 +4394,7 @@
             <a:fld id="{133286C6-4904-4CD0-891D-2F37ADC6A93C}" type="slidenum">
               <a:rPr lang="de-DE" smtClean="0"/>
               <a:pPr/>
-              <a:t>32</a:t>
+              <a:t>15</a:t>
             </a:fld>
             <a:endParaRPr lang="de-DE"/>
           </a:p>
@@ -4409,6 +4409,88 @@
 </file>
 
 <file path=ppt/notesSlides/notesSlide5.xml><?xml version="1.0" encoding="utf-8"?>
+<p:notes xmlns:a="http://schemas.openxmlformats.org/drawingml/2006/main" xmlns:r="http://schemas.openxmlformats.org/officeDocument/2006/relationships" xmlns:p="http://schemas.openxmlformats.org/presentationml/2006/main">
+  <p:cSld>
+    <p:spTree>
+      <p:nvGrpSpPr>
+        <p:cNvPr id="1" name=""/>
+        <p:cNvGrpSpPr/>
+        <p:nvPr/>
+      </p:nvGrpSpPr>
+      <p:grpSpPr>
+        <a:xfrm>
+          <a:off x="0" y="0"/>
+          <a:ext cx="0" cy="0"/>
+          <a:chOff x="0" y="0"/>
+          <a:chExt cx="0" cy="0"/>
+        </a:xfrm>
+      </p:grpSpPr>
+      <p:sp>
+        <p:nvSpPr>
+          <p:cNvPr id="2" name="Folienbildplatzhalter 1"/>
+          <p:cNvSpPr>
+            <a:spLocks noGrp="1" noRot="1" noChangeAspect="1"/>
+          </p:cNvSpPr>
+          <p:nvPr>
+            <p:ph type="sldImg"/>
+          </p:nvPr>
+        </p:nvSpPr>
+        <p:spPr/>
+      </p:sp>
+      <p:sp>
+        <p:nvSpPr>
+          <p:cNvPr id="3" name="Notizenplatzhalter 2"/>
+          <p:cNvSpPr>
+            <a:spLocks noGrp="1"/>
+          </p:cNvSpPr>
+          <p:nvPr>
+            <p:ph type="body" idx="1"/>
+          </p:nvPr>
+        </p:nvSpPr>
+        <p:spPr/>
+        <p:txBody>
+          <a:bodyPr>
+            <a:normAutofit/>
+          </a:bodyPr>
+          <a:lstStyle/>
+          <a:p>
+            <a:endParaRPr lang="de-DE" dirty="0"/>
+          </a:p>
+        </p:txBody>
+      </p:sp>
+      <p:sp>
+        <p:nvSpPr>
+          <p:cNvPr id="4" name="Foliennummernplatzhalter 3"/>
+          <p:cNvSpPr>
+            <a:spLocks noGrp="1"/>
+          </p:cNvSpPr>
+          <p:nvPr>
+            <p:ph type="sldNum" sz="quarter" idx="10"/>
+          </p:nvPr>
+        </p:nvSpPr>
+        <p:spPr/>
+        <p:txBody>
+          <a:bodyPr/>
+          <a:lstStyle/>
+          <a:p>
+            <a:fld id="{133286C6-4904-4CD0-891D-2F37ADC6A93C}" type="slidenum">
+              <a:rPr lang="de-DE" smtClean="0"/>
+              <a:pPr/>
+              <a:t>32</a:t>
+            </a:fld>
+            <a:endParaRPr lang="de-DE"/>
+          </a:p>
+        </p:txBody>
+      </p:sp>
+    </p:spTree>
+  </p:cSld>
+  <p:clrMapOvr>
+    <a:masterClrMapping/>
+  </p:clrMapOvr>
+</p:notes>
+</file>
+
+<file path=ppt/notesSlides/notesSlide6.xml><?xml version="1.0" encoding="utf-8"?>
 <p:notes xmlns:a="http://schemas.openxmlformats.org/drawingml/2006/main" xmlns:r="http://schemas.openxmlformats.org/officeDocument/2006/relationships" xmlns:p="http://schemas.openxmlformats.org/presentationml/2006/main">
   <p:cSld>
     <p:spTree>
@@ -19501,6 +19583,9 @@
           <a:p>
             <a:r>
               <a:rPr lang="de-DE" dirty="0" err="1" smtClean="0">
+                <a:solidFill>
+                  <a:srgbClr val="7030A0"/>
+                </a:solidFill>
                 <a:latin typeface="Consolas" pitchFamily="49" charset="0"/>
                 <a:cs typeface="Consolas" pitchFamily="49" charset="0"/>
               </a:rPr>
@@ -19592,6 +19677,9 @@
           <a:p>
             <a:r>
               <a:rPr lang="de-DE" dirty="0" err="1" smtClean="0">
+                <a:solidFill>
+                  <a:srgbClr val="7030A0"/>
+                </a:solidFill>
                 <a:latin typeface="Consolas" pitchFamily="49" charset="0"/>
                 <a:cs typeface="Consolas" pitchFamily="49" charset="0"/>
               </a:rPr>
@@ -19620,6 +19708,9 @@
             </a:r>
             <a:r>
               <a:rPr lang="de-DE" dirty="0" err="1" smtClean="0">
+                <a:solidFill>
+                  <a:srgbClr val="7030A0"/>
+                </a:solidFill>
                 <a:latin typeface="Consolas" pitchFamily="49" charset="0"/>
                 <a:cs typeface="Consolas" pitchFamily="49" charset="0"/>
               </a:rPr>
@@ -19639,7 +19730,7 @@
                 <a:latin typeface="Consolas" pitchFamily="49" charset="0"/>
                 <a:cs typeface="Consolas" pitchFamily="49" charset="0"/>
               </a:rPr>
-              <a:t>        </a:t>
+              <a:t>    </a:t>
             </a:r>
             <a:r>
               <a:rPr lang="de-DE" dirty="0" err="1" smtClean="0">
@@ -19653,16 +19744,33 @@
                 <a:latin typeface="Consolas" pitchFamily="49" charset="0"/>
                 <a:cs typeface="Consolas" pitchFamily="49" charset="0"/>
               </a:rPr>
-              <a:t>: 1,</a:t>
-            </a:r>
-          </a:p>
-          <a:p>
+              <a:t>: </a:t>
+            </a:r>
             <a:r>
               <a:rPr lang="de-DE" dirty="0" smtClean="0">
-                <a:latin typeface="Consolas" pitchFamily="49" charset="0"/>
-                <a:cs typeface="Consolas" pitchFamily="49" charset="0"/>
-              </a:rPr>
-              <a:t>        </a:t>
+                <a:solidFill>
+                  <a:srgbClr val="00B050"/>
+                </a:solidFill>
+                <a:latin typeface="Consolas" pitchFamily="49" charset="0"/>
+                <a:cs typeface="Consolas" pitchFamily="49" charset="0"/>
+              </a:rPr>
+              <a:t>1</a:t>
+            </a:r>
+            <a:r>
+              <a:rPr lang="de-DE" dirty="0" smtClean="0">
+                <a:latin typeface="Consolas" pitchFamily="49" charset="0"/>
+                <a:cs typeface="Consolas" pitchFamily="49" charset="0"/>
+              </a:rPr>
+              <a:t>,</a:t>
+            </a:r>
+          </a:p>
+          <a:p>
+            <a:r>
+              <a:rPr lang="de-DE" dirty="0" smtClean="0">
+                <a:latin typeface="Consolas" pitchFamily="49" charset="0"/>
+                <a:cs typeface="Consolas" pitchFamily="49" charset="0"/>
+              </a:rPr>
+              <a:t>    </a:t>
             </a:r>
             <a:r>
               <a:rPr lang="de-DE" dirty="0" err="1" smtClean="0">
@@ -19676,16 +19784,33 @@
                 <a:latin typeface="Consolas" pitchFamily="49" charset="0"/>
                 <a:cs typeface="Consolas" pitchFamily="49" charset="0"/>
               </a:rPr>
-              <a:t>: 'Fred',</a:t>
-            </a:r>
-          </a:p>
-          <a:p>
+              <a:t>: </a:t>
+            </a:r>
             <a:r>
               <a:rPr lang="de-DE" dirty="0" smtClean="0">
-                <a:latin typeface="Consolas" pitchFamily="49" charset="0"/>
-                <a:cs typeface="Consolas" pitchFamily="49" charset="0"/>
-              </a:rPr>
-              <a:t>        </a:t>
+                <a:solidFill>
+                  <a:srgbClr val="C00000"/>
+                </a:solidFill>
+                <a:latin typeface="Consolas" pitchFamily="49" charset="0"/>
+                <a:cs typeface="Consolas" pitchFamily="49" charset="0"/>
+              </a:rPr>
+              <a:t>'Fred'</a:t>
+            </a:r>
+            <a:r>
+              <a:rPr lang="de-DE" dirty="0" smtClean="0">
+                <a:latin typeface="Consolas" pitchFamily="49" charset="0"/>
+                <a:cs typeface="Consolas" pitchFamily="49" charset="0"/>
+              </a:rPr>
+              <a:t>,</a:t>
+            </a:r>
+          </a:p>
+          <a:p>
+            <a:r>
+              <a:rPr lang="de-DE" dirty="0" smtClean="0">
+                <a:latin typeface="Consolas" pitchFamily="49" charset="0"/>
+                <a:cs typeface="Consolas" pitchFamily="49" charset="0"/>
+              </a:rPr>
+              <a:t>    </a:t>
             </a:r>
             <a:r>
               <a:rPr lang="de-DE" dirty="0" err="1" smtClean="0">
@@ -19699,7 +19824,17 @@
                 <a:latin typeface="Consolas" pitchFamily="49" charset="0"/>
                 <a:cs typeface="Consolas" pitchFamily="49" charset="0"/>
               </a:rPr>
-              <a:t>: 'Feuerstein'</a:t>
+              <a:t>: </a:t>
+            </a:r>
+            <a:r>
+              <a:rPr lang="de-DE" dirty="0" smtClean="0">
+                <a:solidFill>
+                  <a:srgbClr val="C00000"/>
+                </a:solidFill>
+                <a:latin typeface="Consolas" pitchFamily="49" charset="0"/>
+                <a:cs typeface="Consolas" pitchFamily="49" charset="0"/>
+              </a:rPr>
+              <a:t>'Feuerstein'</a:t>
             </a:r>
           </a:p>
           <a:p>
@@ -19720,6 +19855,9 @@
           <a:p>
             <a:r>
               <a:rPr lang="de-DE" dirty="0" err="1" smtClean="0">
+                <a:solidFill>
+                  <a:srgbClr val="7030A0"/>
+                </a:solidFill>
                 <a:latin typeface="Consolas" pitchFamily="49" charset="0"/>
                 <a:cs typeface="Consolas" pitchFamily="49" charset="0"/>
               </a:rPr>
@@ -19730,12 +19868,25 @@
                 <a:latin typeface="Consolas" pitchFamily="49" charset="0"/>
                 <a:cs typeface="Consolas" pitchFamily="49" charset="0"/>
               </a:rPr>
-              <a:t> person.id == 1</a:t>
+              <a:t> person.id == </a:t>
+            </a:r>
+            <a:r>
+              <a:rPr lang="de-DE" dirty="0" smtClean="0">
+                <a:solidFill>
+                  <a:srgbClr val="00B050"/>
+                </a:solidFill>
+                <a:latin typeface="Consolas" pitchFamily="49" charset="0"/>
+                <a:cs typeface="Consolas" pitchFamily="49" charset="0"/>
+              </a:rPr>
+              <a:t>1</a:t>
             </a:r>
           </a:p>
           <a:p>
             <a:r>
               <a:rPr lang="de-DE" dirty="0" err="1" smtClean="0">
+                <a:solidFill>
+                  <a:srgbClr val="7030A0"/>
+                </a:solidFill>
                 <a:latin typeface="Consolas" pitchFamily="49" charset="0"/>
                 <a:cs typeface="Consolas" pitchFamily="49" charset="0"/>
               </a:rPr>
@@ -19760,12 +19911,25 @@
                 <a:latin typeface="Consolas" pitchFamily="49" charset="0"/>
                 <a:cs typeface="Consolas" pitchFamily="49" charset="0"/>
               </a:rPr>
-              <a:t> == 'Fred'</a:t>
+              <a:t> == </a:t>
+            </a:r>
+            <a:r>
+              <a:rPr lang="de-DE" dirty="0" smtClean="0">
+                <a:solidFill>
+                  <a:srgbClr val="C00000"/>
+                </a:solidFill>
+                <a:latin typeface="Consolas" pitchFamily="49" charset="0"/>
+                <a:cs typeface="Consolas" pitchFamily="49" charset="0"/>
+              </a:rPr>
+              <a:t>'Fred'</a:t>
             </a:r>
           </a:p>
           <a:p>
             <a:r>
               <a:rPr lang="de-DE" dirty="0" err="1" smtClean="0">
+                <a:solidFill>
+                  <a:srgbClr val="7030A0"/>
+                </a:solidFill>
                 <a:latin typeface="Consolas" pitchFamily="49" charset="0"/>
                 <a:cs typeface="Consolas" pitchFamily="49" charset="0"/>
               </a:rPr>
@@ -19790,9 +19954,22 @@
                 <a:latin typeface="Consolas" pitchFamily="49" charset="0"/>
                 <a:cs typeface="Consolas" pitchFamily="49" charset="0"/>
               </a:rPr>
-              <a:t> == 'Feuerstein'</a:t>
+              <a:t> == </a:t>
+            </a:r>
+            <a:r>
+              <a:rPr lang="de-DE" dirty="0" smtClean="0">
+                <a:solidFill>
+                  <a:srgbClr val="C00000"/>
+                </a:solidFill>
+                <a:latin typeface="Consolas" pitchFamily="49" charset="0"/>
+                <a:cs typeface="Consolas" pitchFamily="49" charset="0"/>
+              </a:rPr>
+              <a:t>'Feuerstein'</a:t>
             </a:r>
             <a:endParaRPr lang="de-DE" dirty="0">
+              <a:solidFill>
+                <a:srgbClr val="C00000"/>
+              </a:solidFill>
               <a:latin typeface="Consolas" pitchFamily="49" charset="0"/>
               <a:cs typeface="Consolas" pitchFamily="49" charset="0"/>
             </a:endParaRPr>
@@ -19805,6 +19982,13 @@
     <a:masterClrMapping/>
   </p:clrMapOvr>
   <p:transition spd="slow" advTm="10000"/>
+  <p:timing>
+    <p:tnLst>
+      <p:par>
+        <p:cTn id="1" dur="indefinite" restart="never" nodeType="tmRoot"/>
+      </p:par>
+    </p:tnLst>
+  </p:timing>
 </p:sld>
 </file>
 
@@ -19892,6 +20076,9 @@
           <a:p>
             <a:r>
               <a:rPr lang="de-DE" dirty="0" err="1" smtClean="0">
+                <a:solidFill>
+                  <a:srgbClr val="7030A0"/>
+                </a:solidFill>
                 <a:latin typeface="Consolas" pitchFamily="49" charset="0"/>
                 <a:cs typeface="Consolas" pitchFamily="49" charset="0"/>
               </a:rPr>
@@ -19983,6 +20170,9 @@
           <a:p>
             <a:r>
               <a:rPr lang="de-DE" dirty="0" err="1" smtClean="0">
+                <a:solidFill>
+                  <a:srgbClr val="7030A0"/>
+                </a:solidFill>
                 <a:latin typeface="Consolas" pitchFamily="49" charset="0"/>
                 <a:cs typeface="Consolas" pitchFamily="49" charset="0"/>
               </a:rPr>
@@ -20011,6 +20201,9 @@
             </a:r>
             <a:r>
               <a:rPr lang="de-DE" dirty="0" err="1" smtClean="0">
+                <a:solidFill>
+                  <a:srgbClr val="7030A0"/>
+                </a:solidFill>
                 <a:latin typeface="Consolas" pitchFamily="49" charset="0"/>
                 <a:cs typeface="Consolas" pitchFamily="49" charset="0"/>
               </a:rPr>
@@ -20025,6 +20218,9 @@
             </a:r>
             <a:r>
               <a:rPr lang="de-DE" dirty="0" err="1" smtClean="0">
+                <a:solidFill>
+                  <a:srgbClr val="7030A0"/>
+                </a:solidFill>
                 <a:latin typeface="Consolas" pitchFamily="49" charset="0"/>
                 <a:cs typeface="Consolas" pitchFamily="49" charset="0"/>
               </a:rPr>
@@ -20058,12 +20254,22 @@
                 <a:latin typeface="Consolas" pitchFamily="49" charset="0"/>
                 <a:cs typeface="Consolas" pitchFamily="49" charset="0"/>
               </a:rPr>
-              <a:t> = 1</a:t>
-            </a:r>
-          </a:p>
-          <a:p>
+              <a:t> = </a:t>
+            </a:r>
             <a:r>
               <a:rPr lang="de-DE" dirty="0" smtClean="0">
+                <a:solidFill>
+                  <a:srgbClr val="00B050"/>
+                </a:solidFill>
+                <a:latin typeface="Consolas" pitchFamily="49" charset="0"/>
+                <a:cs typeface="Consolas" pitchFamily="49" charset="0"/>
+              </a:rPr>
+              <a:t>1</a:t>
+            </a:r>
+          </a:p>
+          <a:p>
+            <a:r>
+              <a:rPr lang="de-DE" dirty="0" smtClean="0">
                 <a:latin typeface="Consolas" pitchFamily="49" charset="0"/>
                 <a:cs typeface="Consolas" pitchFamily="49" charset="0"/>
               </a:rPr>
@@ -20081,12 +20287,22 @@
                 <a:latin typeface="Consolas" pitchFamily="49" charset="0"/>
                 <a:cs typeface="Consolas" pitchFamily="49" charset="0"/>
               </a:rPr>
-              <a:t> = 'Fred'</a:t>
-            </a:r>
-          </a:p>
-          <a:p>
+              <a:t> = </a:t>
+            </a:r>
             <a:r>
               <a:rPr lang="de-DE" dirty="0" smtClean="0">
+                <a:solidFill>
+                  <a:srgbClr val="C00000"/>
+                </a:solidFill>
+                <a:latin typeface="Consolas" pitchFamily="49" charset="0"/>
+                <a:cs typeface="Consolas" pitchFamily="49" charset="0"/>
+              </a:rPr>
+              <a:t>'Fred'</a:t>
+            </a:r>
+          </a:p>
+          <a:p>
+            <a:r>
+              <a:rPr lang="de-DE" dirty="0" smtClean="0">
                 <a:latin typeface="Consolas" pitchFamily="49" charset="0"/>
                 <a:cs typeface="Consolas" pitchFamily="49" charset="0"/>
               </a:rPr>
@@ -20104,7 +20320,17 @@
                 <a:latin typeface="Consolas" pitchFamily="49" charset="0"/>
                 <a:cs typeface="Consolas" pitchFamily="49" charset="0"/>
               </a:rPr>
-              <a:t> = 'Feuerstein'</a:t>
+              <a:t> = </a:t>
+            </a:r>
+            <a:r>
+              <a:rPr lang="de-DE" dirty="0" smtClean="0">
+                <a:solidFill>
+                  <a:srgbClr val="C00000"/>
+                </a:solidFill>
+                <a:latin typeface="Consolas" pitchFamily="49" charset="0"/>
+                <a:cs typeface="Consolas" pitchFamily="49" charset="0"/>
+              </a:rPr>
+              <a:t>'Feuerstein'</a:t>
             </a:r>
           </a:p>
           <a:p>
@@ -20145,6 +20371,9 @@
           <a:p>
             <a:r>
               <a:rPr lang="de-DE" dirty="0" err="1" smtClean="0">
+                <a:solidFill>
+                  <a:srgbClr val="7030A0"/>
+                </a:solidFill>
                 <a:latin typeface="Consolas" pitchFamily="49" charset="0"/>
                 <a:cs typeface="Consolas" pitchFamily="49" charset="0"/>
               </a:rPr>
@@ -20184,6 +20413,13 @@
     <a:masterClrMapping/>
   </p:clrMapOvr>
   <p:transition spd="slow" advTm="10000"/>
+  <p:timing>
+    <p:tnLst>
+      <p:par>
+        <p:cTn id="1" dur="indefinite" restart="never" nodeType="tmRoot"/>
+      </p:par>
+    </p:tnLst>
+  </p:timing>
 </p:sld>
 </file>
 
@@ -20259,6 +20495,9 @@
           <a:p>
             <a:r>
               <a:rPr lang="de-DE" sz="1600" dirty="0" err="1" smtClean="0">
+                <a:solidFill>
+                  <a:srgbClr val="7030A0"/>
+                </a:solidFill>
                 <a:latin typeface="Consolas" pitchFamily="49" charset="0"/>
                 <a:cs typeface="Consolas" pitchFamily="49" charset="0"/>
               </a:rPr>
@@ -20350,6 +20589,9 @@
           <a:p>
             <a:r>
               <a:rPr lang="de-DE" sz="1600" dirty="0" err="1" smtClean="0">
+                <a:solidFill>
+                  <a:srgbClr val="7030A0"/>
+                </a:solidFill>
                 <a:latin typeface="Consolas" pitchFamily="49" charset="0"/>
                 <a:cs typeface="Consolas" pitchFamily="49" charset="0"/>
               </a:rPr>
@@ -20387,6 +20629,9 @@
             </a:r>
             <a:r>
               <a:rPr lang="de-DE" sz="1600" dirty="0" err="1" smtClean="0">
+                <a:solidFill>
+                  <a:srgbClr val="7030A0"/>
+                </a:solidFill>
                 <a:latin typeface="Consolas" pitchFamily="49" charset="0"/>
                 <a:cs typeface="Consolas" pitchFamily="49" charset="0"/>
               </a:rPr>
@@ -20411,7 +20656,24 @@
                 <a:latin typeface="Consolas" pitchFamily="49" charset="0"/>
                 <a:cs typeface="Consolas" pitchFamily="49" charset="0"/>
               </a:rPr>
-              <a:t>: 1, </a:t>
+              <a:t>: </a:t>
+            </a:r>
+            <a:r>
+              <a:rPr lang="de-DE" sz="1600" dirty="0" smtClean="0">
+                <a:solidFill>
+                  <a:srgbClr val="00B050"/>
+                </a:solidFill>
+                <a:latin typeface="Consolas" pitchFamily="49" charset="0"/>
+                <a:cs typeface="Consolas" pitchFamily="49" charset="0"/>
+              </a:rPr>
+              <a:t>1</a:t>
+            </a:r>
+            <a:r>
+              <a:rPr lang="de-DE" sz="1600" dirty="0" smtClean="0">
+                <a:latin typeface="Consolas" pitchFamily="49" charset="0"/>
+                <a:cs typeface="Consolas" pitchFamily="49" charset="0"/>
+              </a:rPr>
+              <a:t>, </a:t>
             </a:r>
             <a:r>
               <a:rPr lang="de-DE" sz="1600" dirty="0" err="1" smtClean="0">
@@ -20425,7 +20687,24 @@
                 <a:latin typeface="Consolas" pitchFamily="49" charset="0"/>
                 <a:cs typeface="Consolas" pitchFamily="49" charset="0"/>
               </a:rPr>
-              <a:t>: 'Fred', </a:t>
+              <a:t>: </a:t>
+            </a:r>
+            <a:r>
+              <a:rPr lang="de-DE" sz="1600" dirty="0" smtClean="0">
+                <a:solidFill>
+                  <a:srgbClr val="C00000"/>
+                </a:solidFill>
+                <a:latin typeface="Consolas" pitchFamily="49" charset="0"/>
+                <a:cs typeface="Consolas" pitchFamily="49" charset="0"/>
+              </a:rPr>
+              <a:t>'Fred'</a:t>
+            </a:r>
+            <a:r>
+              <a:rPr lang="de-DE" sz="1600" dirty="0" smtClean="0">
+                <a:latin typeface="Consolas" pitchFamily="49" charset="0"/>
+                <a:cs typeface="Consolas" pitchFamily="49" charset="0"/>
+              </a:rPr>
+              <a:t>, </a:t>
             </a:r>
             <a:r>
               <a:rPr lang="de-DE" sz="1600" dirty="0" err="1" smtClean="0">
@@ -20439,12 +20718,29 @@
                 <a:latin typeface="Consolas" pitchFamily="49" charset="0"/>
                 <a:cs typeface="Consolas" pitchFamily="49" charset="0"/>
               </a:rPr>
-              <a:t>: 'Feuerstein'),</a:t>
-            </a:r>
-          </a:p>
-          <a:p>
+              <a:t>: </a:t>
+            </a:r>
             <a:r>
               <a:rPr lang="de-DE" sz="1600" dirty="0" smtClean="0">
+                <a:solidFill>
+                  <a:srgbClr val="C00000"/>
+                </a:solidFill>
+                <a:latin typeface="Consolas" pitchFamily="49" charset="0"/>
+                <a:cs typeface="Consolas" pitchFamily="49" charset="0"/>
+              </a:rPr>
+              <a:t>'Feuerstein'</a:t>
+            </a:r>
+            <a:r>
+              <a:rPr lang="de-DE" sz="1600" dirty="0" smtClean="0">
+                <a:latin typeface="Consolas" pitchFamily="49" charset="0"/>
+                <a:cs typeface="Consolas" pitchFamily="49" charset="0"/>
+              </a:rPr>
+              <a:t>),</a:t>
+            </a:r>
+          </a:p>
+          <a:p>
+            <a:r>
+              <a:rPr lang="de-DE" sz="1600" dirty="0" smtClean="0">
                 <a:latin typeface="Consolas" pitchFamily="49" charset="0"/>
                 <a:cs typeface="Consolas" pitchFamily="49" charset="0"/>
               </a:rPr>
@@ -20452,6 +20748,9 @@
             </a:r>
             <a:r>
               <a:rPr lang="de-DE" sz="1600" dirty="0" err="1" smtClean="0">
+                <a:solidFill>
+                  <a:srgbClr val="7030A0"/>
+                </a:solidFill>
                 <a:latin typeface="Consolas" pitchFamily="49" charset="0"/>
                 <a:cs typeface="Consolas" pitchFamily="49" charset="0"/>
               </a:rPr>
@@ -20476,7 +20775,24 @@
                 <a:latin typeface="Consolas" pitchFamily="49" charset="0"/>
                 <a:cs typeface="Consolas" pitchFamily="49" charset="0"/>
               </a:rPr>
-              <a:t>: 2, </a:t>
+              <a:t>: </a:t>
+            </a:r>
+            <a:r>
+              <a:rPr lang="de-DE" sz="1600" dirty="0" smtClean="0">
+                <a:solidFill>
+                  <a:srgbClr val="00B050"/>
+                </a:solidFill>
+                <a:latin typeface="Consolas" pitchFamily="49" charset="0"/>
+                <a:cs typeface="Consolas" pitchFamily="49" charset="0"/>
+              </a:rPr>
+              <a:t>2</a:t>
+            </a:r>
+            <a:r>
+              <a:rPr lang="de-DE" sz="1600" dirty="0" smtClean="0">
+                <a:latin typeface="Consolas" pitchFamily="49" charset="0"/>
+                <a:cs typeface="Consolas" pitchFamily="49" charset="0"/>
+              </a:rPr>
+              <a:t>, </a:t>
             </a:r>
             <a:r>
               <a:rPr lang="de-DE" sz="1600" dirty="0" err="1" smtClean="0">
@@ -20490,7 +20806,24 @@
                 <a:latin typeface="Consolas" pitchFamily="49" charset="0"/>
                 <a:cs typeface="Consolas" pitchFamily="49" charset="0"/>
               </a:rPr>
-              <a:t>: 'Wilma', </a:t>
+              <a:t>: </a:t>
+            </a:r>
+            <a:r>
+              <a:rPr lang="de-DE" sz="1600" dirty="0" smtClean="0">
+                <a:solidFill>
+                  <a:srgbClr val="C00000"/>
+                </a:solidFill>
+                <a:latin typeface="Consolas" pitchFamily="49" charset="0"/>
+                <a:cs typeface="Consolas" pitchFamily="49" charset="0"/>
+              </a:rPr>
+              <a:t>'Wilma'</a:t>
+            </a:r>
+            <a:r>
+              <a:rPr lang="de-DE" sz="1600" dirty="0" smtClean="0">
+                <a:latin typeface="Consolas" pitchFamily="49" charset="0"/>
+                <a:cs typeface="Consolas" pitchFamily="49" charset="0"/>
+              </a:rPr>
+              <a:t>, </a:t>
             </a:r>
             <a:r>
               <a:rPr lang="de-DE" sz="1600" dirty="0" err="1" smtClean="0">
@@ -20504,12 +20837,29 @@
                 <a:latin typeface="Consolas" pitchFamily="49" charset="0"/>
                 <a:cs typeface="Consolas" pitchFamily="49" charset="0"/>
               </a:rPr>
-              <a:t>: 'Feuerstein'),</a:t>
-            </a:r>
-          </a:p>
-          <a:p>
+              <a:t>: </a:t>
+            </a:r>
             <a:r>
               <a:rPr lang="de-DE" sz="1600" dirty="0" smtClean="0">
+                <a:solidFill>
+                  <a:srgbClr val="C00000"/>
+                </a:solidFill>
+                <a:latin typeface="Consolas" pitchFamily="49" charset="0"/>
+                <a:cs typeface="Consolas" pitchFamily="49" charset="0"/>
+              </a:rPr>
+              <a:t>'Feuerstein'</a:t>
+            </a:r>
+            <a:r>
+              <a:rPr lang="de-DE" sz="1600" dirty="0" smtClean="0">
+                <a:latin typeface="Consolas" pitchFamily="49" charset="0"/>
+                <a:cs typeface="Consolas" pitchFamily="49" charset="0"/>
+              </a:rPr>
+              <a:t>),</a:t>
+            </a:r>
+          </a:p>
+          <a:p>
+            <a:r>
+              <a:rPr lang="de-DE" sz="1600" dirty="0" smtClean="0">
                 <a:latin typeface="Consolas" pitchFamily="49" charset="0"/>
                 <a:cs typeface="Consolas" pitchFamily="49" charset="0"/>
               </a:rPr>
@@ -20517,6 +20867,9 @@
             </a:r>
             <a:r>
               <a:rPr lang="de-DE" sz="1600" dirty="0" err="1" smtClean="0">
+                <a:solidFill>
+                  <a:srgbClr val="7030A0"/>
+                </a:solidFill>
                 <a:latin typeface="Consolas" pitchFamily="49" charset="0"/>
                 <a:cs typeface="Consolas" pitchFamily="49" charset="0"/>
               </a:rPr>
@@ -20541,7 +20894,24 @@
                 <a:latin typeface="Consolas" pitchFamily="49" charset="0"/>
                 <a:cs typeface="Consolas" pitchFamily="49" charset="0"/>
               </a:rPr>
-              <a:t>: 3, </a:t>
+              <a:t>: </a:t>
+            </a:r>
+            <a:r>
+              <a:rPr lang="de-DE" sz="1600" dirty="0" smtClean="0">
+                <a:solidFill>
+                  <a:srgbClr val="00B050"/>
+                </a:solidFill>
+                <a:latin typeface="Consolas" pitchFamily="49" charset="0"/>
+                <a:cs typeface="Consolas" pitchFamily="49" charset="0"/>
+              </a:rPr>
+              <a:t>3</a:t>
+            </a:r>
+            <a:r>
+              <a:rPr lang="de-DE" sz="1600" dirty="0" smtClean="0">
+                <a:latin typeface="Consolas" pitchFamily="49" charset="0"/>
+                <a:cs typeface="Consolas" pitchFamily="49" charset="0"/>
+              </a:rPr>
+              <a:t>, </a:t>
             </a:r>
             <a:r>
               <a:rPr lang="de-DE" sz="1600" dirty="0" err="1" smtClean="0">
@@ -20555,7 +20925,24 @@
                 <a:latin typeface="Consolas" pitchFamily="49" charset="0"/>
                 <a:cs typeface="Consolas" pitchFamily="49" charset="0"/>
               </a:rPr>
-              <a:t>: 'Betty', </a:t>
+              <a:t>: </a:t>
+            </a:r>
+            <a:r>
+              <a:rPr lang="de-DE" sz="1600" dirty="0" smtClean="0">
+                <a:solidFill>
+                  <a:srgbClr val="C00000"/>
+                </a:solidFill>
+                <a:latin typeface="Consolas" pitchFamily="49" charset="0"/>
+                <a:cs typeface="Consolas" pitchFamily="49" charset="0"/>
+              </a:rPr>
+              <a:t>'Betty'</a:t>
+            </a:r>
+            <a:r>
+              <a:rPr lang="de-DE" sz="1600" dirty="0" smtClean="0">
+                <a:latin typeface="Consolas" pitchFamily="49" charset="0"/>
+                <a:cs typeface="Consolas" pitchFamily="49" charset="0"/>
+              </a:rPr>
+              <a:t>, </a:t>
             </a:r>
             <a:r>
               <a:rPr lang="de-DE" sz="1600" dirty="0" err="1" smtClean="0">
@@ -20569,10 +20956,23 @@
                 <a:latin typeface="Consolas" pitchFamily="49" charset="0"/>
                 <a:cs typeface="Consolas" pitchFamily="49" charset="0"/>
               </a:rPr>
-              <a:t>: '</a:t>
+              <a:t>: </a:t>
+            </a:r>
+            <a:r>
+              <a:rPr lang="de-DE" sz="1600" dirty="0" smtClean="0">
+                <a:solidFill>
+                  <a:srgbClr val="C00000"/>
+                </a:solidFill>
+                <a:latin typeface="Consolas" pitchFamily="49" charset="0"/>
+                <a:cs typeface="Consolas" pitchFamily="49" charset="0"/>
+              </a:rPr>
+              <a:t>'</a:t>
             </a:r>
             <a:r>
               <a:rPr lang="de-DE" sz="1600" dirty="0" err="1" smtClean="0">
+                <a:solidFill>
+                  <a:srgbClr val="C00000"/>
+                </a:solidFill>
                 <a:latin typeface="Consolas" pitchFamily="49" charset="0"/>
                 <a:cs typeface="Consolas" pitchFamily="49" charset="0"/>
               </a:rPr>
@@ -20580,22 +20980,35 @@
             </a:r>
             <a:r>
               <a:rPr lang="de-DE" sz="1600" dirty="0" smtClean="0">
-                <a:latin typeface="Consolas" pitchFamily="49" charset="0"/>
-                <a:cs typeface="Consolas" pitchFamily="49" charset="0"/>
-              </a:rPr>
-              <a:t>'),</a:t>
-            </a:r>
-          </a:p>
-          <a:p>
+                <a:solidFill>
+                  <a:srgbClr val="C00000"/>
+                </a:solidFill>
+                <a:latin typeface="Consolas" pitchFamily="49" charset="0"/>
+                <a:cs typeface="Consolas" pitchFamily="49" charset="0"/>
+              </a:rPr>
+              <a:t>'</a:t>
+            </a:r>
             <a:r>
               <a:rPr lang="de-DE" sz="1600" dirty="0" smtClean="0">
                 <a:latin typeface="Consolas" pitchFamily="49" charset="0"/>
                 <a:cs typeface="Consolas" pitchFamily="49" charset="0"/>
               </a:rPr>
+              <a:t>),</a:t>
+            </a:r>
+          </a:p>
+          <a:p>
+            <a:r>
+              <a:rPr lang="de-DE" sz="1600" dirty="0" smtClean="0">
+                <a:latin typeface="Consolas" pitchFamily="49" charset="0"/>
+                <a:cs typeface="Consolas" pitchFamily="49" charset="0"/>
+              </a:rPr>
               <a:t>    </a:t>
             </a:r>
             <a:r>
               <a:rPr lang="de-DE" sz="1600" dirty="0" err="1" smtClean="0">
+                <a:solidFill>
+                  <a:srgbClr val="7030A0"/>
+                </a:solidFill>
                 <a:latin typeface="Consolas" pitchFamily="49" charset="0"/>
                 <a:cs typeface="Consolas" pitchFamily="49" charset="0"/>
               </a:rPr>
@@ -20620,7 +21033,24 @@
                 <a:latin typeface="Consolas" pitchFamily="49" charset="0"/>
                 <a:cs typeface="Consolas" pitchFamily="49" charset="0"/>
               </a:rPr>
-              <a:t>: 4, </a:t>
+              <a:t>: </a:t>
+            </a:r>
+            <a:r>
+              <a:rPr lang="de-DE" sz="1600" dirty="0" smtClean="0">
+                <a:solidFill>
+                  <a:srgbClr val="00B050"/>
+                </a:solidFill>
+                <a:latin typeface="Consolas" pitchFamily="49" charset="0"/>
+                <a:cs typeface="Consolas" pitchFamily="49" charset="0"/>
+              </a:rPr>
+              <a:t>4</a:t>
+            </a:r>
+            <a:r>
+              <a:rPr lang="de-DE" sz="1600" dirty="0" smtClean="0">
+                <a:latin typeface="Consolas" pitchFamily="49" charset="0"/>
+                <a:cs typeface="Consolas" pitchFamily="49" charset="0"/>
+              </a:rPr>
+              <a:t>, </a:t>
             </a:r>
             <a:r>
               <a:rPr lang="de-DE" sz="1600" dirty="0" err="1" smtClean="0">
@@ -20634,7 +21064,24 @@
                 <a:latin typeface="Consolas" pitchFamily="49" charset="0"/>
                 <a:cs typeface="Consolas" pitchFamily="49" charset="0"/>
               </a:rPr>
-              <a:t>: 'Barney', </a:t>
+              <a:t>: </a:t>
+            </a:r>
+            <a:r>
+              <a:rPr lang="de-DE" sz="1600" dirty="0" smtClean="0">
+                <a:solidFill>
+                  <a:srgbClr val="C00000"/>
+                </a:solidFill>
+                <a:latin typeface="Consolas" pitchFamily="49" charset="0"/>
+                <a:cs typeface="Consolas" pitchFamily="49" charset="0"/>
+              </a:rPr>
+              <a:t>'Barney'</a:t>
+            </a:r>
+            <a:r>
+              <a:rPr lang="de-DE" sz="1600" dirty="0" smtClean="0">
+                <a:latin typeface="Consolas" pitchFamily="49" charset="0"/>
+                <a:cs typeface="Consolas" pitchFamily="49" charset="0"/>
+              </a:rPr>
+              <a:t>, </a:t>
             </a:r>
             <a:r>
               <a:rPr lang="de-DE" sz="1600" dirty="0" err="1" smtClean="0">
@@ -20648,10 +21095,23 @@
                 <a:latin typeface="Consolas" pitchFamily="49" charset="0"/>
                 <a:cs typeface="Consolas" pitchFamily="49" charset="0"/>
               </a:rPr>
-              <a:t>: '</a:t>
+              <a:t>: </a:t>
+            </a:r>
+            <a:r>
+              <a:rPr lang="de-DE" sz="1600" dirty="0" smtClean="0">
+                <a:solidFill>
+                  <a:srgbClr val="C00000"/>
+                </a:solidFill>
+                <a:latin typeface="Consolas" pitchFamily="49" charset="0"/>
+                <a:cs typeface="Consolas" pitchFamily="49" charset="0"/>
+              </a:rPr>
+              <a:t>'</a:t>
             </a:r>
             <a:r>
               <a:rPr lang="de-DE" sz="1600" dirty="0" err="1" smtClean="0">
+                <a:solidFill>
+                  <a:srgbClr val="C00000"/>
+                </a:solidFill>
                 <a:latin typeface="Consolas" pitchFamily="49" charset="0"/>
                 <a:cs typeface="Consolas" pitchFamily="49" charset="0"/>
               </a:rPr>
@@ -20659,22 +21119,35 @@
             </a:r>
             <a:r>
               <a:rPr lang="de-DE" sz="1600" dirty="0" smtClean="0">
-                <a:latin typeface="Consolas" pitchFamily="49" charset="0"/>
-                <a:cs typeface="Consolas" pitchFamily="49" charset="0"/>
-              </a:rPr>
-              <a:t>'),</a:t>
-            </a:r>
-          </a:p>
-          <a:p>
+                <a:solidFill>
+                  <a:srgbClr val="C00000"/>
+                </a:solidFill>
+                <a:latin typeface="Consolas" pitchFamily="49" charset="0"/>
+                <a:cs typeface="Consolas" pitchFamily="49" charset="0"/>
+              </a:rPr>
+              <a:t>'</a:t>
+            </a:r>
             <a:r>
               <a:rPr lang="de-DE" sz="1600" dirty="0" smtClean="0">
                 <a:latin typeface="Consolas" pitchFamily="49" charset="0"/>
                 <a:cs typeface="Consolas" pitchFamily="49" charset="0"/>
               </a:rPr>
+              <a:t>),</a:t>
+            </a:r>
+          </a:p>
+          <a:p>
+            <a:r>
+              <a:rPr lang="de-DE" sz="1600" dirty="0" smtClean="0">
+                <a:latin typeface="Consolas" pitchFamily="49" charset="0"/>
+                <a:cs typeface="Consolas" pitchFamily="49" charset="0"/>
+              </a:rPr>
               <a:t>    </a:t>
             </a:r>
             <a:r>
               <a:rPr lang="de-DE" sz="1600" dirty="0" err="1" smtClean="0">
+                <a:solidFill>
+                  <a:srgbClr val="7030A0"/>
+                </a:solidFill>
                 <a:latin typeface="Consolas" pitchFamily="49" charset="0"/>
                 <a:cs typeface="Consolas" pitchFamily="49" charset="0"/>
               </a:rPr>
@@ -20699,7 +21172,24 @@
                 <a:latin typeface="Consolas" pitchFamily="49" charset="0"/>
                 <a:cs typeface="Consolas" pitchFamily="49" charset="0"/>
               </a:rPr>
-              <a:t>: 5, </a:t>
+              <a:t>: </a:t>
+            </a:r>
+            <a:r>
+              <a:rPr lang="de-DE" sz="1600" dirty="0" smtClean="0">
+                <a:solidFill>
+                  <a:srgbClr val="00B050"/>
+                </a:solidFill>
+                <a:latin typeface="Consolas" pitchFamily="49" charset="0"/>
+                <a:cs typeface="Consolas" pitchFamily="49" charset="0"/>
+              </a:rPr>
+              <a:t>5</a:t>
+            </a:r>
+            <a:r>
+              <a:rPr lang="de-DE" sz="1600" dirty="0" smtClean="0">
+                <a:latin typeface="Consolas" pitchFamily="49" charset="0"/>
+                <a:cs typeface="Consolas" pitchFamily="49" charset="0"/>
+              </a:rPr>
+              <a:t>, </a:t>
             </a:r>
             <a:r>
               <a:rPr lang="de-DE" sz="1600" dirty="0" err="1" smtClean="0">
@@ -20713,7 +21203,24 @@
                 <a:latin typeface="Consolas" pitchFamily="49" charset="0"/>
                 <a:cs typeface="Consolas" pitchFamily="49" charset="0"/>
               </a:rPr>
-              <a:t>: 'Bam-Bam', </a:t>
+              <a:t>: </a:t>
+            </a:r>
+            <a:r>
+              <a:rPr lang="de-DE" sz="1600" dirty="0" smtClean="0">
+                <a:solidFill>
+                  <a:srgbClr val="C00000"/>
+                </a:solidFill>
+                <a:latin typeface="Consolas" pitchFamily="49" charset="0"/>
+                <a:cs typeface="Consolas" pitchFamily="49" charset="0"/>
+              </a:rPr>
+              <a:t>'Bam-Bam'</a:t>
+            </a:r>
+            <a:r>
+              <a:rPr lang="de-DE" sz="1600" dirty="0" smtClean="0">
+                <a:latin typeface="Consolas" pitchFamily="49" charset="0"/>
+                <a:cs typeface="Consolas" pitchFamily="49" charset="0"/>
+              </a:rPr>
+              <a:t>, </a:t>
             </a:r>
             <a:r>
               <a:rPr lang="de-DE" sz="1600" dirty="0" err="1" smtClean="0">
@@ -20727,10 +21234,23 @@
                 <a:latin typeface="Consolas" pitchFamily="49" charset="0"/>
                 <a:cs typeface="Consolas" pitchFamily="49" charset="0"/>
               </a:rPr>
-              <a:t>: '</a:t>
+              <a:t>: </a:t>
+            </a:r>
+            <a:r>
+              <a:rPr lang="de-DE" sz="1600" dirty="0" smtClean="0">
+                <a:solidFill>
+                  <a:srgbClr val="C00000"/>
+                </a:solidFill>
+                <a:latin typeface="Consolas" pitchFamily="49" charset="0"/>
+                <a:cs typeface="Consolas" pitchFamily="49" charset="0"/>
+              </a:rPr>
+              <a:t>'</a:t>
             </a:r>
             <a:r>
               <a:rPr lang="de-DE" sz="1600" dirty="0" err="1" smtClean="0">
+                <a:solidFill>
+                  <a:srgbClr val="C00000"/>
+                </a:solidFill>
                 <a:latin typeface="Consolas" pitchFamily="49" charset="0"/>
                 <a:cs typeface="Consolas" pitchFamily="49" charset="0"/>
               </a:rPr>
@@ -20738,10 +21258,20 @@
             </a:r>
             <a:r>
               <a:rPr lang="de-DE" sz="1600" dirty="0" smtClean="0">
-                <a:latin typeface="Consolas" pitchFamily="49" charset="0"/>
-                <a:cs typeface="Consolas" pitchFamily="49" charset="0"/>
-              </a:rPr>
-              <a:t>')]</a:t>
+                <a:solidFill>
+                  <a:srgbClr val="C00000"/>
+                </a:solidFill>
+                <a:latin typeface="Consolas" pitchFamily="49" charset="0"/>
+                <a:cs typeface="Consolas" pitchFamily="49" charset="0"/>
+              </a:rPr>
+              <a:t>'</a:t>
+            </a:r>
+            <a:r>
+              <a:rPr lang="de-DE" sz="1600" dirty="0" smtClean="0">
+                <a:latin typeface="Consolas" pitchFamily="49" charset="0"/>
+                <a:cs typeface="Consolas" pitchFamily="49" charset="0"/>
+              </a:rPr>
+              <a:t>)]</a:t>
             </a:r>
           </a:p>
           <a:p>
@@ -20753,6 +21283,9 @@
           <a:p>
             <a:r>
               <a:rPr lang="de-DE" sz="1600" dirty="0" err="1" smtClean="0">
+                <a:solidFill>
+                  <a:srgbClr val="7030A0"/>
+                </a:solidFill>
                 <a:latin typeface="Consolas" pitchFamily="49" charset="0"/>
                 <a:cs typeface="Consolas" pitchFamily="49" charset="0"/>
               </a:rPr>
@@ -20763,7 +21296,41 @@
                 <a:latin typeface="Consolas" pitchFamily="49" charset="0"/>
                 <a:cs typeface="Consolas" pitchFamily="49" charset="0"/>
               </a:rPr>
-              <a:t> ['Fred', 'Wilma'] == </a:t>
+              <a:t> [</a:t>
+            </a:r>
+            <a:r>
+              <a:rPr lang="de-DE" sz="1600" dirty="0" smtClean="0">
+                <a:solidFill>
+                  <a:srgbClr val="C00000"/>
+                </a:solidFill>
+                <a:latin typeface="Consolas" pitchFamily="49" charset="0"/>
+                <a:cs typeface="Consolas" pitchFamily="49" charset="0"/>
+              </a:rPr>
+              <a:t>'Fred'</a:t>
+            </a:r>
+            <a:r>
+              <a:rPr lang="de-DE" sz="1600" dirty="0" smtClean="0">
+                <a:latin typeface="Consolas" pitchFamily="49" charset="0"/>
+                <a:cs typeface="Consolas" pitchFamily="49" charset="0"/>
+              </a:rPr>
+              <a:t>,</a:t>
+            </a:r>
+            <a:r>
+              <a:rPr lang="de-DE" sz="1600" dirty="0" smtClean="0">
+                <a:solidFill>
+                  <a:srgbClr val="C00000"/>
+                </a:solidFill>
+                <a:latin typeface="Consolas" pitchFamily="49" charset="0"/>
+                <a:cs typeface="Consolas" pitchFamily="49" charset="0"/>
+              </a:rPr>
+              <a:t> 'Wilma'</a:t>
+            </a:r>
+            <a:r>
+              <a:rPr lang="de-DE" sz="1600" dirty="0" smtClean="0">
+                <a:latin typeface="Consolas" pitchFamily="49" charset="0"/>
+                <a:cs typeface="Consolas" pitchFamily="49" charset="0"/>
+              </a:rPr>
+              <a:t>] == </a:t>
             </a:r>
           </a:p>
           <a:p>
@@ -20817,6 +21384,9 @@
           <a:p>
             <a:r>
               <a:rPr lang="de-DE" sz="1600" dirty="0" err="1" smtClean="0">
+                <a:solidFill>
+                  <a:srgbClr val="7030A0"/>
+                </a:solidFill>
                 <a:latin typeface="Consolas" pitchFamily="49" charset="0"/>
                 <a:cs typeface="Consolas" pitchFamily="49" charset="0"/>
               </a:rPr>
@@ -20827,7 +21397,75 @@
                 <a:latin typeface="Consolas" pitchFamily="49" charset="0"/>
                 <a:cs typeface="Consolas" pitchFamily="49" charset="0"/>
               </a:rPr>
-              <a:t> ['Feuerstein':2, 'Geröllheimer':3] == </a:t>
+              <a:t> [</a:t>
+            </a:r>
+            <a:r>
+              <a:rPr lang="de-DE" sz="1600" dirty="0" smtClean="0">
+                <a:solidFill>
+                  <a:srgbClr val="C00000"/>
+                </a:solidFill>
+                <a:latin typeface="Consolas" pitchFamily="49" charset="0"/>
+                <a:cs typeface="Consolas" pitchFamily="49" charset="0"/>
+              </a:rPr>
+              <a:t>'Feuerstein'</a:t>
+            </a:r>
+            <a:r>
+              <a:rPr lang="de-DE" sz="1600" dirty="0" smtClean="0">
+                <a:latin typeface="Consolas" pitchFamily="49" charset="0"/>
+                <a:cs typeface="Consolas" pitchFamily="49" charset="0"/>
+              </a:rPr>
+              <a:t>:</a:t>
+            </a:r>
+            <a:r>
+              <a:rPr lang="de-DE" sz="1600" dirty="0" smtClean="0">
+                <a:solidFill>
+                  <a:srgbClr val="00B050"/>
+                </a:solidFill>
+                <a:latin typeface="Consolas" pitchFamily="49" charset="0"/>
+                <a:cs typeface="Consolas" pitchFamily="49" charset="0"/>
+              </a:rPr>
+              <a:t>2</a:t>
+            </a:r>
+            <a:r>
+              <a:rPr lang="de-DE" sz="1600" dirty="0" smtClean="0">
+                <a:latin typeface="Consolas" pitchFamily="49" charset="0"/>
+                <a:cs typeface="Consolas" pitchFamily="49" charset="0"/>
+              </a:rPr>
+              <a:t>, </a:t>
+            </a:r>
+            <a:r>
+              <a:rPr lang="de-DE" sz="1600" dirty="0" smtClean="0">
+                <a:solidFill>
+                  <a:srgbClr val="C00000"/>
+                </a:solidFill>
+                <a:latin typeface="Consolas" pitchFamily="49" charset="0"/>
+                <a:cs typeface="Consolas" pitchFamily="49" charset="0"/>
+              </a:rPr>
+              <a:t>'Geröllheimer'</a:t>
+            </a:r>
+            <a:r>
+              <a:rPr lang="de-DE" sz="1600" dirty="0" smtClean="0">
+                <a:latin typeface="Consolas" pitchFamily="49" charset="0"/>
+                <a:cs typeface="Consolas" pitchFamily="49" charset="0"/>
+              </a:rPr>
+              <a:t>:</a:t>
+            </a:r>
+            <a:r>
+              <a:rPr lang="de-DE" sz="1600" dirty="0" smtClean="0">
+                <a:solidFill>
+                  <a:srgbClr val="00B050"/>
+                </a:solidFill>
+                <a:latin typeface="Consolas" pitchFamily="49" charset="0"/>
+                <a:cs typeface="Consolas" pitchFamily="49" charset="0"/>
+              </a:rPr>
+              <a:t>3</a:t>
+            </a:r>
+            <a:r>
+              <a:rPr lang="de-DE" sz="1600" dirty="0" smtClean="0">
+                <a:latin typeface="Consolas" pitchFamily="49" charset="0"/>
+                <a:cs typeface="Consolas" pitchFamily="49" charset="0"/>
+              </a:rPr>
+              <a:t>] == </a:t>
             </a:r>
             <a:r>
               <a:rPr lang="de-DE" sz="1600" dirty="0" err="1" smtClean="0">
@@ -20891,10 +21529,23 @@
                 <a:latin typeface="Consolas" pitchFamily="49" charset="0"/>
                 <a:cs typeface="Consolas" pitchFamily="49" charset="0"/>
               </a:rPr>
-              <a:t> == '</a:t>
+              <a:t> == </a:t>
+            </a:r>
+            <a:r>
+              <a:rPr lang="de-DE" sz="1600" dirty="0" smtClean="0">
+                <a:solidFill>
+                  <a:srgbClr val="C00000"/>
+                </a:solidFill>
+                <a:latin typeface="Consolas" pitchFamily="49" charset="0"/>
+                <a:cs typeface="Consolas" pitchFamily="49" charset="0"/>
+              </a:rPr>
+              <a:t>'</a:t>
             </a:r>
             <a:r>
               <a:rPr lang="de-DE" sz="1600" dirty="0" err="1" smtClean="0">
+                <a:solidFill>
+                  <a:srgbClr val="C00000"/>
+                </a:solidFill>
                 <a:latin typeface="Consolas" pitchFamily="49" charset="0"/>
                 <a:cs typeface="Consolas" pitchFamily="49" charset="0"/>
               </a:rPr>
@@ -20902,18 +21553,28 @@
             </a:r>
             <a:r>
               <a:rPr lang="de-DE" sz="1600" dirty="0" smtClean="0">
-                <a:latin typeface="Consolas" pitchFamily="49" charset="0"/>
-                <a:cs typeface="Consolas" pitchFamily="49" charset="0"/>
-              </a:rPr>
-              <a:t>'}</a:t>
-            </a:r>
-          </a:p>
-          <a:p>
+                <a:solidFill>
+                  <a:srgbClr val="C00000"/>
+                </a:solidFill>
+                <a:latin typeface="Consolas" pitchFamily="49" charset="0"/>
+                <a:cs typeface="Consolas" pitchFamily="49" charset="0"/>
+              </a:rPr>
+              <a:t>'</a:t>
+            </a:r>
             <a:r>
               <a:rPr lang="de-DE" sz="1600" dirty="0" smtClean="0">
                 <a:latin typeface="Consolas" pitchFamily="49" charset="0"/>
                 <a:cs typeface="Consolas" pitchFamily="49" charset="0"/>
               </a:rPr>
+              <a:t>}</a:t>
+            </a:r>
+          </a:p>
+          <a:p>
+            <a:r>
+              <a:rPr lang="de-DE" sz="1600" dirty="0" smtClean="0">
+                <a:latin typeface="Consolas" pitchFamily="49" charset="0"/>
+                <a:cs typeface="Consolas" pitchFamily="49" charset="0"/>
+              </a:rPr>
               <a:t>       .</a:t>
             </a:r>
             <a:r>
@@ -20942,10 +21603,23 @@
                 <a:latin typeface="Consolas" pitchFamily="49" charset="0"/>
                 <a:cs typeface="Consolas" pitchFamily="49" charset="0"/>
               </a:rPr>
-              <a:t> "</a:t>
+              <a:t> </a:t>
+            </a:r>
+            <a:r>
+              <a:rPr lang="de-DE" sz="1600" dirty="0" smtClean="0">
+                <a:solidFill>
+                  <a:srgbClr val="C00000"/>
+                </a:solidFill>
+                <a:latin typeface="Consolas" pitchFamily="49" charset="0"/>
+                <a:cs typeface="Consolas" pitchFamily="49" charset="0"/>
+              </a:rPr>
+              <a:t>"</a:t>
             </a:r>
             <a:r>
               <a:rPr lang="de-DE" sz="1600" dirty="0" err="1" smtClean="0">
+                <a:solidFill>
+                  <a:srgbClr val="C00000"/>
+                </a:solidFill>
                 <a:latin typeface="Consolas" pitchFamily="49" charset="0"/>
                 <a:cs typeface="Consolas" pitchFamily="49" charset="0"/>
               </a:rPr>
@@ -20953,6 +21627,9 @@
             </a:r>
             <a:r>
               <a:rPr lang="de-DE" sz="1600" dirty="0" smtClean="0">
+                <a:solidFill>
+                  <a:srgbClr val="C00000"/>
+                </a:solidFill>
                 <a:latin typeface="Consolas" pitchFamily="49" charset="0"/>
                 <a:cs typeface="Consolas" pitchFamily="49" charset="0"/>
               </a:rPr>
@@ -20960,6 +21637,9 @@
             </a:r>
             <a:r>
               <a:rPr lang="de-DE" sz="1600" dirty="0" err="1" smtClean="0">
+                <a:solidFill>
+                  <a:srgbClr val="C00000"/>
+                </a:solidFill>
                 <a:latin typeface="Consolas" pitchFamily="49" charset="0"/>
                 <a:cs typeface="Consolas" pitchFamily="49" charset="0"/>
               </a:rPr>
@@ -20967,10 +21647,20 @@
             </a:r>
             <a:r>
               <a:rPr lang="de-DE" sz="1600" dirty="0" smtClean="0">
-                <a:latin typeface="Consolas" pitchFamily="49" charset="0"/>
-                <a:cs typeface="Consolas" pitchFamily="49" charset="0"/>
-              </a:rPr>
-              <a:t>!"}</a:t>
+                <a:solidFill>
+                  <a:srgbClr val="C00000"/>
+                </a:solidFill>
+                <a:latin typeface="Consolas" pitchFamily="49" charset="0"/>
+                <a:cs typeface="Consolas" pitchFamily="49" charset="0"/>
+              </a:rPr>
+              <a:t>!"</a:t>
+            </a:r>
+            <a:r>
+              <a:rPr lang="de-DE" sz="1600" dirty="0" smtClean="0">
+                <a:latin typeface="Consolas" pitchFamily="49" charset="0"/>
+                <a:cs typeface="Consolas" pitchFamily="49" charset="0"/>
+              </a:rPr>
+              <a:t>}</a:t>
             </a:r>
             <a:endParaRPr lang="de-DE" sz="1600" dirty="0">
               <a:latin typeface="Consolas" pitchFamily="49" charset="0"/>
@@ -21059,6 +21749,9 @@
           <a:p>
             <a:r>
               <a:rPr lang="de-DE" dirty="0" err="1" smtClean="0">
+                <a:solidFill>
+                  <a:srgbClr val="7030A0"/>
+                </a:solidFill>
                 <a:latin typeface="Consolas" pitchFamily="49" charset="0"/>
                 <a:cs typeface="Consolas" pitchFamily="49" charset="0"/>
               </a:rPr>
@@ -21087,6 +21780,9 @@
             </a:r>
             <a:r>
               <a:rPr lang="de-DE" dirty="0" err="1" smtClean="0">
+                <a:solidFill>
+                  <a:srgbClr val="7030A0"/>
+                </a:solidFill>
                 <a:latin typeface="Consolas" pitchFamily="49" charset="0"/>
                 <a:cs typeface="Consolas" pitchFamily="49" charset="0"/>
               </a:rPr>
@@ -21097,10 +21793,23 @@
                 <a:latin typeface="Consolas" pitchFamily="49" charset="0"/>
                 <a:cs typeface="Consolas" pitchFamily="49" charset="0"/>
               </a:rPr>
-              <a:t> File('</a:t>
+              <a:t> File(</a:t>
+            </a:r>
+            <a:r>
+              <a:rPr lang="de-DE" dirty="0" smtClean="0">
+                <a:solidFill>
+                  <a:srgbClr val="C00000"/>
+                </a:solidFill>
+                <a:latin typeface="Consolas" pitchFamily="49" charset="0"/>
+                <a:cs typeface="Consolas" pitchFamily="49" charset="0"/>
+              </a:rPr>
+              <a:t>'</a:t>
             </a:r>
             <a:r>
               <a:rPr lang="de-DE" dirty="0" err="1" smtClean="0">
+                <a:solidFill>
+                  <a:srgbClr val="C00000"/>
+                </a:solidFill>
                 <a:latin typeface="Consolas" pitchFamily="49" charset="0"/>
                 <a:cs typeface="Consolas" pitchFamily="49" charset="0"/>
               </a:rPr>
@@ -21108,10 +21817,20 @@
             </a:r>
             <a:r>
               <a:rPr lang="de-DE" dirty="0" smtClean="0">
-                <a:latin typeface="Consolas" pitchFamily="49" charset="0"/>
-                <a:cs typeface="Consolas" pitchFamily="49" charset="0"/>
-              </a:rPr>
-              <a:t>')</a:t>
+                <a:solidFill>
+                  <a:srgbClr val="C00000"/>
+                </a:solidFill>
+                <a:latin typeface="Consolas" pitchFamily="49" charset="0"/>
+                <a:cs typeface="Consolas" pitchFamily="49" charset="0"/>
+              </a:rPr>
+              <a:t>'</a:t>
+            </a:r>
+            <a:r>
+              <a:rPr lang="de-DE" dirty="0" smtClean="0">
+                <a:latin typeface="Consolas" pitchFamily="49" charset="0"/>
+                <a:cs typeface="Consolas" pitchFamily="49" charset="0"/>
+              </a:rPr>
+              <a:t>)</a:t>
             </a:r>
           </a:p>
           <a:p>
@@ -21133,10 +21852,23 @@
                 <a:latin typeface="Consolas" pitchFamily="49" charset="0"/>
                 <a:cs typeface="Consolas" pitchFamily="49" charset="0"/>
               </a:rPr>
-              <a:t> = """</a:t>
+              <a:t> = </a:t>
+            </a:r>
+            <a:r>
+              <a:rPr lang="de-DE" dirty="0" smtClean="0">
+                <a:solidFill>
+                  <a:srgbClr val="C00000"/>
+                </a:solidFill>
+                <a:latin typeface="Consolas" pitchFamily="49" charset="0"/>
+                <a:cs typeface="Consolas" pitchFamily="49" charset="0"/>
+              </a:rPr>
+              <a:t>"""</a:t>
             </a:r>
             <a:r>
               <a:rPr lang="de-DE" dirty="0" err="1" smtClean="0">
+                <a:solidFill>
+                  <a:srgbClr val="C00000"/>
+                </a:solidFill>
                 <a:latin typeface="Consolas" pitchFamily="49" charset="0"/>
                 <a:cs typeface="Consolas" pitchFamily="49" charset="0"/>
               </a:rPr>
@@ -21144,6 +21876,9 @@
             </a:r>
             <a:r>
               <a:rPr lang="de-DE" dirty="0" smtClean="0">
+                <a:solidFill>
+                  <a:srgbClr val="C00000"/>
+                </a:solidFill>
                 <a:latin typeface="Consolas" pitchFamily="49" charset="0"/>
                 <a:cs typeface="Consolas" pitchFamily="49" charset="0"/>
               </a:rPr>
@@ -21151,11 +21886,47 @@
             </a:r>
             <a:r>
               <a:rPr lang="de-DE" dirty="0" err="1" smtClean="0">
+                <a:solidFill>
+                  <a:srgbClr val="C00000"/>
+                </a:solidFill>
                 <a:latin typeface="Consolas" pitchFamily="49" charset="0"/>
                 <a:cs typeface="Consolas" pitchFamily="49" charset="0"/>
               </a:rPr>
               <a:t>day</a:t>
             </a:r>
+            <a:endParaRPr lang="de-DE" dirty="0" smtClean="0">
+              <a:solidFill>
+                <a:srgbClr val="C00000"/>
+              </a:solidFill>
+              <a:latin typeface="Consolas" pitchFamily="49" charset="0"/>
+              <a:cs typeface="Consolas" pitchFamily="49" charset="0"/>
+            </a:endParaRPr>
+          </a:p>
+          <a:p>
+            <a:r>
+              <a:rPr lang="de-DE" dirty="0" smtClean="0">
+                <a:solidFill>
+                  <a:srgbClr val="C00000"/>
+                </a:solidFill>
+                <a:latin typeface="Consolas" pitchFamily="49" charset="0"/>
+                <a:cs typeface="Consolas" pitchFamily="49" charset="0"/>
+              </a:rPr>
+              <a:t>Guten Tag</a:t>
+            </a:r>
+          </a:p>
+          <a:p>
+            <a:r>
+              <a:rPr lang="de-DE" dirty="0" smtClean="0">
+                <a:solidFill>
+                  <a:srgbClr val="C00000"/>
+                </a:solidFill>
+                <a:latin typeface="Consolas" pitchFamily="49" charset="0"/>
+                <a:cs typeface="Consolas" pitchFamily="49" charset="0"/>
+              </a:rPr>
+              <a:t>Buenos Dias"""</a:t>
+            </a:r>
+          </a:p>
+          <a:p>
             <a:endParaRPr lang="de-DE" dirty="0" smtClean="0">
               <a:latin typeface="Consolas" pitchFamily="49" charset="0"/>
               <a:cs typeface="Consolas" pitchFamily="49" charset="0"/>
@@ -21163,45 +21934,62 @@
           </a:p>
           <a:p>
             <a:r>
+              <a:rPr lang="de-DE" dirty="0" err="1" smtClean="0">
+                <a:latin typeface="Consolas" pitchFamily="49" charset="0"/>
+                <a:cs typeface="Consolas" pitchFamily="49" charset="0"/>
+              </a:rPr>
+              <a:t>file.eachLine</a:t>
+            </a:r>
+            <a:r>
               <a:rPr lang="de-DE" dirty="0" smtClean="0">
                 <a:latin typeface="Consolas" pitchFamily="49" charset="0"/>
                 <a:cs typeface="Consolas" pitchFamily="49" charset="0"/>
               </a:rPr>
-              <a:t>Guten Tag</a:t>
-            </a:r>
-          </a:p>
-          <a:p>
+              <a:t> { </a:t>
+            </a:r>
+            <a:r>
+              <a:rPr lang="de-DE" dirty="0" err="1" smtClean="0">
+                <a:latin typeface="Consolas" pitchFamily="49" charset="0"/>
+                <a:cs typeface="Consolas" pitchFamily="49" charset="0"/>
+              </a:rPr>
+              <a:t>line</a:t>
+            </a:r>
             <a:r>
               <a:rPr lang="de-DE" dirty="0" smtClean="0">
                 <a:latin typeface="Consolas" pitchFamily="49" charset="0"/>
                 <a:cs typeface="Consolas" pitchFamily="49" charset="0"/>
               </a:rPr>
-              <a:t>Buenos Dias"""</a:t>
-            </a:r>
-          </a:p>
-          <a:p>
-            <a:endParaRPr lang="de-DE" dirty="0" smtClean="0">
-              <a:latin typeface="Consolas" pitchFamily="49" charset="0"/>
-              <a:cs typeface="Consolas" pitchFamily="49" charset="0"/>
-            </a:endParaRPr>
-          </a:p>
-          <a:p>
+              <a:t>, i -&gt; </a:t>
+            </a:r>
             <a:r>
               <a:rPr lang="de-DE" dirty="0" err="1" smtClean="0">
                 <a:latin typeface="Consolas" pitchFamily="49" charset="0"/>
                 <a:cs typeface="Consolas" pitchFamily="49" charset="0"/>
               </a:rPr>
-              <a:t>file.eachLine</a:t>
+              <a:t>println</a:t>
             </a:r>
             <a:r>
               <a:rPr lang="de-DE" dirty="0" smtClean="0">
                 <a:latin typeface="Consolas" pitchFamily="49" charset="0"/>
                 <a:cs typeface="Consolas" pitchFamily="49" charset="0"/>
               </a:rPr>
-              <a:t> { </a:t>
+              <a:t> </a:t>
+            </a:r>
+            <a:r>
+              <a:rPr lang="de-DE" dirty="0" smtClean="0">
+                <a:solidFill>
+                  <a:srgbClr val="C00000"/>
+                </a:solidFill>
+                <a:latin typeface="Consolas" pitchFamily="49" charset="0"/>
+                <a:cs typeface="Consolas" pitchFamily="49" charset="0"/>
+              </a:rPr>
+              <a:t>"$i: $</a:t>
             </a:r>
             <a:r>
               <a:rPr lang="de-DE" dirty="0" err="1" smtClean="0">
+                <a:solidFill>
+                  <a:srgbClr val="C00000"/>
+                </a:solidFill>
                 <a:latin typeface="Consolas" pitchFamily="49" charset="0"/>
                 <a:cs typeface="Consolas" pitchFamily="49" charset="0"/>
               </a:rPr>
@@ -21209,38 +21997,20 @@
             </a:r>
             <a:r>
               <a:rPr lang="de-DE" dirty="0" smtClean="0">
-                <a:latin typeface="Consolas" pitchFamily="49" charset="0"/>
-                <a:cs typeface="Consolas" pitchFamily="49" charset="0"/>
-              </a:rPr>
-              <a:t>, i -&gt; </a:t>
-            </a:r>
-            <a:r>
-              <a:rPr lang="de-DE" dirty="0" err="1" smtClean="0">
-                <a:latin typeface="Consolas" pitchFamily="49" charset="0"/>
-                <a:cs typeface="Consolas" pitchFamily="49" charset="0"/>
-              </a:rPr>
-              <a:t>println</a:t>
+                <a:solidFill>
+                  <a:srgbClr val="C00000"/>
+                </a:solidFill>
+                <a:latin typeface="Consolas" pitchFamily="49" charset="0"/>
+                <a:cs typeface="Consolas" pitchFamily="49" charset="0"/>
+              </a:rPr>
+              <a:t>" </a:t>
             </a:r>
             <a:r>
               <a:rPr lang="de-DE" dirty="0" smtClean="0">
                 <a:latin typeface="Consolas" pitchFamily="49" charset="0"/>
                 <a:cs typeface="Consolas" pitchFamily="49" charset="0"/>
               </a:rPr>
-              <a:t> "$i: $</a:t>
-            </a:r>
-            <a:r>
-              <a:rPr lang="de-DE" dirty="0" err="1" smtClean="0">
-                <a:latin typeface="Consolas" pitchFamily="49" charset="0"/>
-                <a:cs typeface="Consolas" pitchFamily="49" charset="0"/>
-              </a:rPr>
-              <a:t>line</a:t>
-            </a:r>
-            <a:r>
-              <a:rPr lang="de-DE" dirty="0" smtClean="0">
-                <a:latin typeface="Consolas" pitchFamily="49" charset="0"/>
-                <a:cs typeface="Consolas" pitchFamily="49" charset="0"/>
-              </a:rPr>
-              <a:t>" }</a:t>
+              <a:t>}</a:t>
             </a:r>
           </a:p>
           <a:p>
@@ -22969,6 +23739,7 @@
           <a:solidFill>
             <a:schemeClr val="bg1">
               <a:lumMod val="85000"/>
+              <a:alpha val="31000"/>
             </a:schemeClr>
           </a:solidFill>
           <a:ln>
@@ -23012,8 +23783,8 @@
         </p:nvSpPr>
         <p:spPr>
           <a:xfrm>
-            <a:off x="251520" y="1196751"/>
-            <a:ext cx="8640960" cy="4752529"/>
+            <a:off x="179512" y="1196751"/>
+            <a:ext cx="8784976" cy="4770537"/>
           </a:xfrm>
           <a:prstGeom prst="rect">
             <a:avLst/>
@@ -23021,7 +23792,7 @@
           <a:noFill/>
         </p:spPr>
         <p:txBody>
-          <a:bodyPr wrap="square" numCol="2" rtlCol="0">
+          <a:bodyPr wrap="square" numCol="1" rtlCol="0">
             <a:spAutoFit/>
           </a:bodyPr>
           <a:lstStyle/>
@@ -23058,10 +23829,23 @@
                 <a:latin typeface="Consolas" pitchFamily="49" charset="0"/>
                 <a:cs typeface="Consolas" pitchFamily="49" charset="0"/>
               </a:rPr>
-              <a:t>public</a:t>
+              <a:t>pu</a:t>
+            </a:r>
+            <a:r>
+              <a:rPr lang="de-DE" sz="1600" dirty="0" err="1" smtClean="0">
+                <a:solidFill>
+                  <a:srgbClr val="7030A0"/>
+                </a:solidFill>
+                <a:latin typeface="Consolas" pitchFamily="49" charset="0"/>
+                <a:cs typeface="Consolas" pitchFamily="49" charset="0"/>
+              </a:rPr>
+              <a:t>blic</a:t>
             </a:r>
             <a:r>
               <a:rPr lang="de-DE" sz="1600" dirty="0" smtClean="0">
+                <a:solidFill>
+                  <a:srgbClr val="7030A0"/>
+                </a:solidFill>
                 <a:latin typeface="Consolas" pitchFamily="49" charset="0"/>
                 <a:cs typeface="Consolas" pitchFamily="49" charset="0"/>
               </a:rPr>
@@ -23069,6 +23853,9 @@
             </a:r>
             <a:r>
               <a:rPr lang="de-DE" sz="1600" dirty="0" err="1" smtClean="0">
+                <a:solidFill>
+                  <a:srgbClr val="7030A0"/>
+                </a:solidFill>
                 <a:latin typeface="Consolas" pitchFamily="49" charset="0"/>
                 <a:cs typeface="Consolas" pitchFamily="49" charset="0"/>
               </a:rPr>
@@ -23076,10 +23863,20 @@
             </a:r>
             <a:r>
               <a:rPr lang="de-DE" sz="1600" dirty="0" smtClean="0">
-                <a:latin typeface="Consolas" pitchFamily="49" charset="0"/>
-                <a:cs typeface="Consolas" pitchFamily="49" charset="0"/>
-              </a:rPr>
-              <a:t> Customer {</a:t>
+                <a:solidFill>
+                  <a:srgbClr val="7030A0"/>
+                </a:solidFill>
+                <a:latin typeface="Consolas" pitchFamily="49" charset="0"/>
+                <a:cs typeface="Consolas" pitchFamily="49" charset="0"/>
+              </a:rPr>
+              <a:t> </a:t>
+            </a:r>
+            <a:r>
+              <a:rPr lang="de-DE" sz="1600" dirty="0" smtClean="0">
+                <a:latin typeface="Consolas" pitchFamily="49" charset="0"/>
+                <a:cs typeface="Consolas" pitchFamily="49" charset="0"/>
+              </a:rPr>
+              <a:t>Customer {</a:t>
             </a:r>
             <a:br>
               <a:rPr lang="de-DE" sz="1600" dirty="0" smtClean="0">
@@ -23105,10 +23902,23 @@
                 <a:latin typeface="Consolas" pitchFamily="49" charset="0"/>
                 <a:cs typeface="Consolas" pitchFamily="49" charset="0"/>
               </a:rPr>
-              <a:t>    private </a:t>
+              <a:t>    </a:t>
+            </a:r>
+            <a:r>
+              <a:rPr lang="de-DE" sz="1600" dirty="0" smtClean="0">
+                <a:solidFill>
+                  <a:srgbClr val="7030A0"/>
+                </a:solidFill>
+                <a:latin typeface="Consolas" pitchFamily="49" charset="0"/>
+                <a:cs typeface="Consolas" pitchFamily="49" charset="0"/>
+              </a:rPr>
+              <a:t>private </a:t>
             </a:r>
             <a:r>
               <a:rPr lang="de-DE" sz="1600" dirty="0" err="1" smtClean="0">
+                <a:solidFill>
+                  <a:srgbClr val="7030A0"/>
+                </a:solidFill>
                 <a:latin typeface="Consolas" pitchFamily="49" charset="0"/>
                 <a:cs typeface="Consolas" pitchFamily="49" charset="0"/>
               </a:rPr>
@@ -23116,6 +23926,9 @@
             </a:r>
             <a:r>
               <a:rPr lang="de-DE" sz="1600" dirty="0" smtClean="0">
+                <a:solidFill>
+                  <a:srgbClr val="7030A0"/>
+                </a:solidFill>
                 <a:latin typeface="Consolas" pitchFamily="49" charset="0"/>
                 <a:cs typeface="Consolas" pitchFamily="49" charset="0"/>
               </a:rPr>
@@ -23146,7 +23959,24 @@
                 <a:latin typeface="Consolas" pitchFamily="49" charset="0"/>
                 <a:cs typeface="Consolas" pitchFamily="49" charset="0"/>
               </a:rPr>
-              <a:t>    private String </a:t>
+              <a:t>    </a:t>
+            </a:r>
+            <a:r>
+              <a:rPr lang="de-DE" sz="1600" dirty="0" smtClean="0">
+                <a:solidFill>
+                  <a:srgbClr val="7030A0"/>
+                </a:solidFill>
+                <a:latin typeface="Consolas" pitchFamily="49" charset="0"/>
+                <a:cs typeface="Consolas" pitchFamily="49" charset="0"/>
+              </a:rPr>
+              <a:t>private</a:t>
+            </a:r>
+            <a:r>
+              <a:rPr lang="de-DE" sz="1600" dirty="0" smtClean="0">
+                <a:latin typeface="Consolas" pitchFamily="49" charset="0"/>
+                <a:cs typeface="Consolas" pitchFamily="49" charset="0"/>
+              </a:rPr>
+              <a:t> String </a:t>
             </a:r>
             <a:r>
               <a:rPr lang="de-DE" sz="1600" dirty="0" err="1" smtClean="0">
@@ -23173,7 +24003,24 @@
                 <a:latin typeface="Consolas" pitchFamily="49" charset="0"/>
                 <a:cs typeface="Consolas" pitchFamily="49" charset="0"/>
               </a:rPr>
-              <a:t>    private </a:t>
+              <a:t>    </a:t>
+            </a:r>
+            <a:r>
+              <a:rPr lang="de-DE" sz="1600" dirty="0" smtClean="0">
+                <a:solidFill>
+                  <a:srgbClr val="7030A0"/>
+                </a:solidFill>
+                <a:latin typeface="Consolas" pitchFamily="49" charset="0"/>
+                <a:cs typeface="Consolas" pitchFamily="49" charset="0"/>
+              </a:rPr>
+              <a:t>private</a:t>
+            </a:r>
+            <a:r>
+              <a:rPr lang="de-DE" sz="1600" dirty="0" smtClean="0">
+                <a:latin typeface="Consolas" pitchFamily="49" charset="0"/>
+                <a:cs typeface="Consolas" pitchFamily="49" charset="0"/>
+              </a:rPr>
+              <a:t> </a:t>
             </a:r>
             <a:r>
               <a:rPr lang="de-DE" sz="1600" dirty="0" err="1" smtClean="0">
@@ -23258,6 +24105,9 @@
             </a:r>
             <a:r>
               <a:rPr lang="de-DE" sz="1600" dirty="0" err="1" smtClean="0">
+                <a:solidFill>
+                  <a:srgbClr val="7030A0"/>
+                </a:solidFill>
                 <a:latin typeface="Consolas" pitchFamily="49" charset="0"/>
                 <a:cs typeface="Consolas" pitchFamily="49" charset="0"/>
               </a:rPr>
@@ -23265,6 +24115,9 @@
             </a:r>
             <a:r>
               <a:rPr lang="de-DE" sz="1600" dirty="0" smtClean="0">
+                <a:solidFill>
+                  <a:srgbClr val="7030A0"/>
+                </a:solidFill>
                 <a:latin typeface="Consolas" pitchFamily="49" charset="0"/>
                 <a:cs typeface="Consolas" pitchFamily="49" charset="0"/>
               </a:rPr>
@@ -23272,6 +24125,9 @@
             </a:r>
             <a:r>
               <a:rPr lang="de-DE" sz="1600" dirty="0" err="1" smtClean="0">
+                <a:solidFill>
+                  <a:srgbClr val="7030A0"/>
+                </a:solidFill>
                 <a:latin typeface="Consolas" pitchFamily="49" charset="0"/>
                 <a:cs typeface="Consolas" pitchFamily="49" charset="0"/>
               </a:rPr>
@@ -23279,6 +24135,9 @@
             </a:r>
             <a:r>
               <a:rPr lang="de-DE" sz="1600" dirty="0" smtClean="0">
+                <a:solidFill>
+                  <a:srgbClr val="7030A0"/>
+                </a:solidFill>
                 <a:latin typeface="Consolas" pitchFamily="49" charset="0"/>
                 <a:cs typeface="Consolas" pitchFamily="49" charset="0"/>
               </a:rPr>
@@ -23296,7 +24155,73 @@
                 <a:latin typeface="Consolas" pitchFamily="49" charset="0"/>
                 <a:cs typeface="Consolas" pitchFamily="49" charset="0"/>
               </a:rPr>
-              <a:t>() {</a:t>
+              <a:t>() </a:t>
+            </a:r>
+            <a:r>
+              <a:rPr lang="de-DE" sz="1600" dirty="0" smtClean="0">
+                <a:latin typeface="Consolas" pitchFamily="49" charset="0"/>
+                <a:cs typeface="Consolas" pitchFamily="49" charset="0"/>
+              </a:rPr>
+              <a:t>{</a:t>
+            </a:r>
+            <a:r>
+              <a:rPr lang="de-DE" sz="1600" dirty="0" smtClean="0">
+                <a:latin typeface="Consolas" pitchFamily="49" charset="0"/>
+                <a:cs typeface="Consolas" pitchFamily="49" charset="0"/>
+              </a:rPr>
+              <a:t> </a:t>
+            </a:r>
+            <a:r>
+              <a:rPr lang="de-DE" sz="1600" dirty="0" err="1" smtClean="0">
+                <a:solidFill>
+                  <a:srgbClr val="7030A0"/>
+                </a:solidFill>
+                <a:latin typeface="Consolas" pitchFamily="49" charset="0"/>
+                <a:cs typeface="Consolas" pitchFamily="49" charset="0"/>
+              </a:rPr>
+              <a:t>return</a:t>
+            </a:r>
+            <a:r>
+              <a:rPr lang="de-DE" sz="1600" dirty="0" smtClean="0">
+                <a:latin typeface="Consolas" pitchFamily="49" charset="0"/>
+                <a:cs typeface="Consolas" pitchFamily="49" charset="0"/>
+              </a:rPr>
+              <a:t> </a:t>
+            </a:r>
+            <a:r>
+              <a:rPr lang="de-DE" sz="1600" dirty="0" err="1" smtClean="0">
+                <a:latin typeface="Consolas" pitchFamily="49" charset="0"/>
+                <a:cs typeface="Consolas" pitchFamily="49" charset="0"/>
+              </a:rPr>
+              <a:t>id</a:t>
+            </a:r>
+            <a:r>
+              <a:rPr lang="de-DE" sz="1600" dirty="0" smtClean="0">
+                <a:latin typeface="Consolas" pitchFamily="49" charset="0"/>
+                <a:cs typeface="Consolas" pitchFamily="49" charset="0"/>
+              </a:rPr>
+              <a:t>;</a:t>
+            </a:r>
+            <a:r>
+              <a:rPr lang="de-DE" sz="1600" dirty="0" smtClean="0">
+                <a:latin typeface="Consolas" pitchFamily="49" charset="0"/>
+                <a:cs typeface="Consolas" pitchFamily="49" charset="0"/>
+              </a:rPr>
+              <a:t> </a:t>
+            </a:r>
+            <a:r>
+              <a:rPr lang="de-DE" sz="1600" dirty="0" smtClean="0">
+                <a:latin typeface="Consolas" pitchFamily="49" charset="0"/>
+                <a:cs typeface="Consolas" pitchFamily="49" charset="0"/>
+              </a:rPr>
+              <a:t>}</a:t>
+            </a:r>
+            <a:r>
+              <a:rPr lang="de-DE" sz="1600" dirty="0" smtClean="0">
+                <a:latin typeface="Consolas" pitchFamily="49" charset="0"/>
+                <a:cs typeface="Consolas" pitchFamily="49" charset="0"/>
+              </a:rPr>
+              <a:t/>
             </a:r>
             <a:br>
               <a:rPr lang="de-DE" sz="1600" dirty="0" smtClean="0">
@@ -23309,17 +24234,23 @@
                 <a:latin typeface="Consolas" pitchFamily="49" charset="0"/>
                 <a:cs typeface="Consolas" pitchFamily="49" charset="0"/>
               </a:rPr>
-              <a:t>        </a:t>
+              <a:t>    </a:t>
             </a:r>
             <a:r>
               <a:rPr lang="de-DE" sz="1600" dirty="0" err="1" smtClean="0">
-                <a:latin typeface="Consolas" pitchFamily="49" charset="0"/>
-                <a:cs typeface="Consolas" pitchFamily="49" charset="0"/>
-              </a:rPr>
-              <a:t>return</a:t>
+                <a:solidFill>
+                  <a:srgbClr val="7030A0"/>
+                </a:solidFill>
+                <a:latin typeface="Consolas" pitchFamily="49" charset="0"/>
+                <a:cs typeface="Consolas" pitchFamily="49" charset="0"/>
+              </a:rPr>
+              <a:t>public</a:t>
             </a:r>
             <a:r>
               <a:rPr lang="de-DE" sz="1600" dirty="0" smtClean="0">
+                <a:solidFill>
+                  <a:srgbClr val="7030A0"/>
+                </a:solidFill>
                 <a:latin typeface="Consolas" pitchFamily="49" charset="0"/>
                 <a:cs typeface="Consolas" pitchFamily="49" charset="0"/>
               </a:rPr>
@@ -23327,6 +24258,57 @@
             </a:r>
             <a:r>
               <a:rPr lang="de-DE" sz="1600" dirty="0" err="1" smtClean="0">
+                <a:solidFill>
+                  <a:srgbClr val="7030A0"/>
+                </a:solidFill>
+                <a:latin typeface="Consolas" pitchFamily="49" charset="0"/>
+                <a:cs typeface="Consolas" pitchFamily="49" charset="0"/>
+              </a:rPr>
+              <a:t>void</a:t>
+            </a:r>
+            <a:r>
+              <a:rPr lang="de-DE" sz="1600" dirty="0" smtClean="0">
+                <a:solidFill>
+                  <a:srgbClr val="7030A0"/>
+                </a:solidFill>
+                <a:latin typeface="Consolas" pitchFamily="49" charset="0"/>
+                <a:cs typeface="Consolas" pitchFamily="49" charset="0"/>
+              </a:rPr>
+              <a:t> </a:t>
+            </a:r>
+            <a:r>
+              <a:rPr lang="de-DE" sz="1600" dirty="0" err="1" smtClean="0">
+                <a:latin typeface="Consolas" pitchFamily="49" charset="0"/>
+                <a:cs typeface="Consolas" pitchFamily="49" charset="0"/>
+              </a:rPr>
+              <a:t>setId</a:t>
+            </a:r>
+            <a:r>
+              <a:rPr lang="de-DE" sz="1600" dirty="0" smtClean="0">
+                <a:latin typeface="Consolas" pitchFamily="49" charset="0"/>
+                <a:cs typeface="Consolas" pitchFamily="49" charset="0"/>
+              </a:rPr>
+              <a:t>(</a:t>
+            </a:r>
+            <a:r>
+              <a:rPr lang="de-DE" sz="1600" dirty="0" err="1" smtClean="0">
+                <a:solidFill>
+                  <a:srgbClr val="7030A0"/>
+                </a:solidFill>
+                <a:latin typeface="Consolas" pitchFamily="49" charset="0"/>
+                <a:cs typeface="Consolas" pitchFamily="49" charset="0"/>
+              </a:rPr>
+              <a:t>int</a:t>
+            </a:r>
+            <a:r>
+              <a:rPr lang="de-DE" sz="1600" dirty="0" smtClean="0">
+                <a:latin typeface="Consolas" pitchFamily="49" charset="0"/>
+                <a:cs typeface="Consolas" pitchFamily="49" charset="0"/>
+              </a:rPr>
+              <a:t> </a:t>
+            </a:r>
+            <a:r>
+              <a:rPr lang="de-DE" sz="1600" dirty="0" err="1" smtClean="0">
                 <a:latin typeface="Consolas" pitchFamily="49" charset="0"/>
                 <a:cs typeface="Consolas" pitchFamily="49" charset="0"/>
               </a:rPr>
@@ -23337,7 +24319,80 @@
                 <a:latin typeface="Consolas" pitchFamily="49" charset="0"/>
                 <a:cs typeface="Consolas" pitchFamily="49" charset="0"/>
               </a:rPr>
+              <a:t>) </a:t>
+            </a:r>
+            <a:r>
+              <a:rPr lang="de-DE" sz="1600" dirty="0" smtClean="0">
+                <a:latin typeface="Consolas" pitchFamily="49" charset="0"/>
+                <a:cs typeface="Consolas" pitchFamily="49" charset="0"/>
+              </a:rPr>
+              <a:t>{</a:t>
+            </a:r>
+            <a:r>
+              <a:rPr lang="de-DE" sz="1600" dirty="0" smtClean="0">
+                <a:latin typeface="Consolas" pitchFamily="49" charset="0"/>
+                <a:cs typeface="Consolas" pitchFamily="49" charset="0"/>
+              </a:rPr>
+              <a:t> </a:t>
+            </a:r>
+            <a:r>
+              <a:rPr lang="de-DE" sz="1600" dirty="0" smtClean="0">
+                <a:solidFill>
+                  <a:srgbClr val="7030A0"/>
+                </a:solidFill>
+                <a:latin typeface="Consolas" pitchFamily="49" charset="0"/>
+                <a:cs typeface="Consolas" pitchFamily="49" charset="0"/>
+              </a:rPr>
+              <a:t>this</a:t>
+            </a:r>
+            <a:r>
+              <a:rPr lang="de-DE" sz="1600" dirty="0" smtClean="0">
+                <a:latin typeface="Consolas" pitchFamily="49" charset="0"/>
+                <a:cs typeface="Consolas" pitchFamily="49" charset="0"/>
+              </a:rPr>
+              <a:t>.id </a:t>
+            </a:r>
+            <a:r>
+              <a:rPr lang="de-DE" sz="1600" dirty="0" smtClean="0">
+                <a:latin typeface="Consolas" pitchFamily="49" charset="0"/>
+                <a:cs typeface="Consolas" pitchFamily="49" charset="0"/>
+              </a:rPr>
+              <a:t>= </a:t>
+            </a:r>
+            <a:r>
+              <a:rPr lang="de-DE" sz="1600" dirty="0" err="1" smtClean="0">
+                <a:latin typeface="Consolas" pitchFamily="49" charset="0"/>
+                <a:cs typeface="Consolas" pitchFamily="49" charset="0"/>
+              </a:rPr>
+              <a:t>id</a:t>
+            </a:r>
+            <a:r>
+              <a:rPr lang="de-DE" sz="1600" dirty="0" smtClean="0">
+                <a:latin typeface="Consolas" pitchFamily="49" charset="0"/>
+                <a:cs typeface="Consolas" pitchFamily="49" charset="0"/>
+              </a:rPr>
               <a:t>;</a:t>
+            </a:r>
+            <a:r>
+              <a:rPr lang="de-DE" sz="1600" dirty="0" smtClean="0">
+                <a:latin typeface="Consolas" pitchFamily="49" charset="0"/>
+                <a:cs typeface="Consolas" pitchFamily="49" charset="0"/>
+              </a:rPr>
+              <a:t> </a:t>
+            </a:r>
+            <a:r>
+              <a:rPr lang="de-DE" sz="1600" dirty="0" smtClean="0">
+                <a:latin typeface="Consolas" pitchFamily="49" charset="0"/>
+                <a:cs typeface="Consolas" pitchFamily="49" charset="0"/>
+              </a:rPr>
+              <a:t>}</a:t>
+            </a:r>
+            <a:r>
+              <a:rPr lang="de-DE" sz="1600" dirty="0" smtClean="0">
+                <a:latin typeface="Consolas" pitchFamily="49" charset="0"/>
+                <a:cs typeface="Consolas" pitchFamily="49" charset="0"/>
+              </a:rPr>
+              <a:t/>
             </a:r>
             <a:br>
               <a:rPr lang="de-DE" sz="1600" dirty="0" smtClean="0">
@@ -23350,7 +24405,7 @@
                 <a:latin typeface="Consolas" pitchFamily="49" charset="0"/>
                 <a:cs typeface="Consolas" pitchFamily="49" charset="0"/>
               </a:rPr>
-              <a:t>    }</a:t>
+              <a:t/>
             </a:r>
             <a:br>
               <a:rPr lang="de-DE" sz="1600" dirty="0" smtClean="0">
@@ -23363,6 +24418,103 @@
                 <a:latin typeface="Consolas" pitchFamily="49" charset="0"/>
                 <a:cs typeface="Consolas" pitchFamily="49" charset="0"/>
               </a:rPr>
+              <a:t>    </a:t>
+            </a:r>
+            <a:r>
+              <a:rPr lang="de-DE" sz="1600" dirty="0" err="1" smtClean="0">
+                <a:solidFill>
+                  <a:srgbClr val="7030A0"/>
+                </a:solidFill>
+                <a:latin typeface="Consolas" pitchFamily="49" charset="0"/>
+                <a:cs typeface="Consolas" pitchFamily="49" charset="0"/>
+              </a:rPr>
+              <a:t>public</a:t>
+            </a:r>
+            <a:r>
+              <a:rPr lang="de-DE" sz="1600" dirty="0" smtClean="0">
+                <a:latin typeface="Consolas" pitchFamily="49" charset="0"/>
+                <a:cs typeface="Consolas" pitchFamily="49" charset="0"/>
+              </a:rPr>
+              <a:t> String </a:t>
+            </a:r>
+            <a:r>
+              <a:rPr lang="de-DE" sz="1600" dirty="0" err="1" smtClean="0">
+                <a:latin typeface="Consolas" pitchFamily="49" charset="0"/>
+                <a:cs typeface="Consolas" pitchFamily="49" charset="0"/>
+              </a:rPr>
+              <a:t>getName</a:t>
+            </a:r>
+            <a:r>
+              <a:rPr lang="de-DE" sz="1600" dirty="0" smtClean="0">
+                <a:latin typeface="Consolas" pitchFamily="49" charset="0"/>
+                <a:cs typeface="Consolas" pitchFamily="49" charset="0"/>
+              </a:rPr>
+              <a:t>() </a:t>
+            </a:r>
+            <a:r>
+              <a:rPr lang="de-DE" sz="1600" dirty="0" smtClean="0">
+                <a:latin typeface="Consolas" pitchFamily="49" charset="0"/>
+                <a:cs typeface="Consolas" pitchFamily="49" charset="0"/>
+              </a:rPr>
+              <a:t>{</a:t>
+            </a:r>
+            <a:r>
+              <a:rPr lang="de-DE" sz="1600" dirty="0" smtClean="0">
+                <a:latin typeface="Consolas" pitchFamily="49" charset="0"/>
+                <a:cs typeface="Consolas" pitchFamily="49" charset="0"/>
+              </a:rPr>
+              <a:t> </a:t>
+            </a:r>
+            <a:r>
+              <a:rPr lang="de-DE" sz="1600" dirty="0" err="1" smtClean="0">
+                <a:solidFill>
+                  <a:srgbClr val="7030A0"/>
+                </a:solidFill>
+                <a:latin typeface="Consolas" pitchFamily="49" charset="0"/>
+                <a:cs typeface="Consolas" pitchFamily="49" charset="0"/>
+              </a:rPr>
+              <a:t>return</a:t>
+            </a:r>
+            <a:r>
+              <a:rPr lang="de-DE" sz="1600" dirty="0" smtClean="0">
+                <a:latin typeface="Consolas" pitchFamily="49" charset="0"/>
+                <a:cs typeface="Consolas" pitchFamily="49" charset="0"/>
+              </a:rPr>
+              <a:t> </a:t>
+            </a:r>
+            <a:r>
+              <a:rPr lang="de-DE" sz="1600" dirty="0" err="1" smtClean="0">
+                <a:latin typeface="Consolas" pitchFamily="49" charset="0"/>
+                <a:cs typeface="Consolas" pitchFamily="49" charset="0"/>
+              </a:rPr>
+              <a:t>name</a:t>
+            </a:r>
+            <a:r>
+              <a:rPr lang="de-DE" sz="1600" dirty="0" smtClean="0">
+                <a:latin typeface="Consolas" pitchFamily="49" charset="0"/>
+                <a:cs typeface="Consolas" pitchFamily="49" charset="0"/>
+              </a:rPr>
+              <a:t>;</a:t>
+            </a:r>
+            <a:r>
+              <a:rPr lang="de-DE" sz="1600" dirty="0" smtClean="0">
+                <a:latin typeface="Consolas" pitchFamily="49" charset="0"/>
+                <a:cs typeface="Consolas" pitchFamily="49" charset="0"/>
+              </a:rPr>
+              <a:t> </a:t>
+            </a:r>
+            <a:r>
+              <a:rPr lang="de-DE" sz="1600" dirty="0" smtClean="0">
+                <a:latin typeface="Consolas" pitchFamily="49" charset="0"/>
+                <a:cs typeface="Consolas" pitchFamily="49" charset="0"/>
+              </a:rPr>
+              <a:t>}</a:t>
+            </a:r>
+            <a:r>
+              <a:rPr lang="de-DE" sz="1600" dirty="0" smtClean="0">
+                <a:latin typeface="Consolas" pitchFamily="49" charset="0"/>
+                <a:cs typeface="Consolas" pitchFamily="49" charset="0"/>
+              </a:rPr>
               <a:t/>
             </a:r>
             <a:br>
@@ -23380,6 +24532,9 @@
             </a:r>
             <a:r>
               <a:rPr lang="de-DE" sz="1600" dirty="0" err="1" smtClean="0">
+                <a:solidFill>
+                  <a:srgbClr val="7030A0"/>
+                </a:solidFill>
                 <a:latin typeface="Consolas" pitchFamily="49" charset="0"/>
                 <a:cs typeface="Consolas" pitchFamily="49" charset="0"/>
               </a:rPr>
@@ -23387,6 +24542,9 @@
             </a:r>
             <a:r>
               <a:rPr lang="de-DE" sz="1600" dirty="0" smtClean="0">
+                <a:solidFill>
+                  <a:srgbClr val="7030A0"/>
+                </a:solidFill>
                 <a:latin typeface="Consolas" pitchFamily="49" charset="0"/>
                 <a:cs typeface="Consolas" pitchFamily="49" charset="0"/>
               </a:rPr>
@@ -23394,6 +24552,9 @@
             </a:r>
             <a:r>
               <a:rPr lang="de-DE" sz="1600" dirty="0" err="1" smtClean="0">
+                <a:solidFill>
+                  <a:srgbClr val="7030A0"/>
+                </a:solidFill>
                 <a:latin typeface="Consolas" pitchFamily="49" charset="0"/>
                 <a:cs typeface="Consolas" pitchFamily="49" charset="0"/>
               </a:rPr>
@@ -23401,6 +24562,9 @@
             </a:r>
             <a:r>
               <a:rPr lang="de-DE" sz="1600" dirty="0" smtClean="0">
+                <a:solidFill>
+                  <a:srgbClr val="7030A0"/>
+                </a:solidFill>
                 <a:latin typeface="Consolas" pitchFamily="49" charset="0"/>
                 <a:cs typeface="Consolas" pitchFamily="49" charset="0"/>
               </a:rPr>
@@ -23411,42 +24575,101 @@
                 <a:latin typeface="Consolas" pitchFamily="49" charset="0"/>
                 <a:cs typeface="Consolas" pitchFamily="49" charset="0"/>
               </a:rPr>
-              <a:t>setId</a:t>
+              <a:t>setName</a:t>
             </a:r>
             <a:r>
               <a:rPr lang="de-DE" sz="1600" dirty="0" smtClean="0">
                 <a:latin typeface="Consolas" pitchFamily="49" charset="0"/>
                 <a:cs typeface="Consolas" pitchFamily="49" charset="0"/>
               </a:rPr>
-              <a:t>(</a:t>
+              <a:t>(String </a:t>
             </a:r>
             <a:r>
               <a:rPr lang="de-DE" sz="1600" dirty="0" err="1" smtClean="0">
                 <a:latin typeface="Consolas" pitchFamily="49" charset="0"/>
                 <a:cs typeface="Consolas" pitchFamily="49" charset="0"/>
               </a:rPr>
-              <a:t>int</a:t>
+              <a:t>name</a:t>
             </a:r>
             <a:r>
               <a:rPr lang="de-DE" sz="1600" dirty="0" smtClean="0">
                 <a:latin typeface="Consolas" pitchFamily="49" charset="0"/>
                 <a:cs typeface="Consolas" pitchFamily="49" charset="0"/>
               </a:rPr>
+              <a:t>) </a:t>
+            </a:r>
+            <a:r>
+              <a:rPr lang="de-DE" sz="1600" dirty="0" smtClean="0">
+                <a:latin typeface="Consolas" pitchFamily="49" charset="0"/>
+                <a:cs typeface="Consolas" pitchFamily="49" charset="0"/>
+              </a:rPr>
+              <a:t>{</a:t>
+            </a:r>
+            <a:r>
+              <a:rPr lang="de-DE" sz="1600" dirty="0" smtClean="0">
+                <a:latin typeface="Consolas" pitchFamily="49" charset="0"/>
+                <a:cs typeface="Consolas" pitchFamily="49" charset="0"/>
+              </a:rPr>
               <a:t> </a:t>
             </a:r>
             <a:r>
+              <a:rPr lang="de-DE" sz="1600" dirty="0" smtClean="0">
+                <a:solidFill>
+                  <a:srgbClr val="7030A0"/>
+                </a:solidFill>
+                <a:latin typeface="Consolas" pitchFamily="49" charset="0"/>
+                <a:cs typeface="Consolas" pitchFamily="49" charset="0"/>
+              </a:rPr>
+              <a:t>this</a:t>
+            </a:r>
+            <a:r>
+              <a:rPr lang="de-DE" sz="1600" dirty="0" smtClean="0">
+                <a:latin typeface="Consolas" pitchFamily="49" charset="0"/>
+                <a:cs typeface="Consolas" pitchFamily="49" charset="0"/>
+              </a:rPr>
+              <a:t>.name</a:t>
+            </a:r>
+            <a:r>
+              <a:rPr lang="de-DE" sz="1600" dirty="0" smtClean="0">
+                <a:latin typeface="Consolas" pitchFamily="49" charset="0"/>
+                <a:cs typeface="Consolas" pitchFamily="49" charset="0"/>
+              </a:rPr>
+              <a:t> = </a:t>
+            </a:r>
+            <a:r>
               <a:rPr lang="de-DE" sz="1600" dirty="0" err="1" smtClean="0">
                 <a:latin typeface="Consolas" pitchFamily="49" charset="0"/>
                 <a:cs typeface="Consolas" pitchFamily="49" charset="0"/>
               </a:rPr>
-              <a:t>id</a:t>
+              <a:t>name</a:t>
             </a:r>
             <a:r>
               <a:rPr lang="de-DE" sz="1600" dirty="0" smtClean="0">
                 <a:latin typeface="Consolas" pitchFamily="49" charset="0"/>
                 <a:cs typeface="Consolas" pitchFamily="49" charset="0"/>
               </a:rPr>
-              <a:t>) {</a:t>
+              <a:t>;</a:t>
+            </a:r>
+            <a:r>
+              <a:rPr lang="de-DE" sz="1600" dirty="0" smtClean="0">
+                <a:latin typeface="Consolas" pitchFamily="49" charset="0"/>
+                <a:cs typeface="Consolas" pitchFamily="49" charset="0"/>
+              </a:rPr>
+              <a:t> </a:t>
+            </a:r>
+            <a:r>
+              <a:rPr lang="de-DE" sz="1600" dirty="0" smtClean="0">
+                <a:latin typeface="Consolas" pitchFamily="49" charset="0"/>
+                <a:cs typeface="Consolas" pitchFamily="49" charset="0"/>
+              </a:rPr>
+              <a:t>}</a:t>
+            </a:r>
+            <a:r>
+              <a:rPr lang="de-DE" sz="1600" dirty="0" smtClean="0">
+                <a:latin typeface="Consolas" pitchFamily="49" charset="0"/>
+                <a:cs typeface="Consolas" pitchFamily="49" charset="0"/>
+              </a:rPr>
+              <a:t/>
             </a:r>
             <a:br>
               <a:rPr lang="de-DE" sz="1600" dirty="0" smtClean="0">
@@ -23459,21 +24682,7 @@
                 <a:latin typeface="Consolas" pitchFamily="49" charset="0"/>
                 <a:cs typeface="Consolas" pitchFamily="49" charset="0"/>
               </a:rPr>
-              <a:t>        this.id = </a:t>
-            </a:r>
-            <a:r>
-              <a:rPr lang="de-DE" sz="1600" dirty="0" err="1" smtClean="0">
-                <a:latin typeface="Consolas" pitchFamily="49" charset="0"/>
-                <a:cs typeface="Consolas" pitchFamily="49" charset="0"/>
-              </a:rPr>
-              <a:t>id</a:t>
-            </a:r>
-            <a:r>
-              <a:rPr lang="de-DE" sz="1600" dirty="0" smtClean="0">
-                <a:latin typeface="Consolas" pitchFamily="49" charset="0"/>
-                <a:cs typeface="Consolas" pitchFamily="49" charset="0"/>
-              </a:rPr>
-              <a:t>;</a:t>
+              <a:t/>
             </a:r>
             <a:br>
               <a:rPr lang="de-DE" sz="1600" dirty="0" smtClean="0">
@@ -23486,7 +24695,86 @@
                 <a:latin typeface="Consolas" pitchFamily="49" charset="0"/>
                 <a:cs typeface="Consolas" pitchFamily="49" charset="0"/>
               </a:rPr>
-              <a:t>    }</a:t>
+              <a:t>    @</a:t>
+            </a:r>
+            <a:r>
+              <a:rPr lang="de-DE" sz="1600" dirty="0" err="1" smtClean="0">
+                <a:latin typeface="Consolas" pitchFamily="49" charset="0"/>
+                <a:cs typeface="Consolas" pitchFamily="49" charset="0"/>
+              </a:rPr>
+              <a:t>OneToMany</a:t>
+            </a:r>
+            <a:r>
+              <a:rPr lang="de-DE" sz="1600" dirty="0" smtClean="0">
+                <a:latin typeface="Consolas" pitchFamily="49" charset="0"/>
+                <a:cs typeface="Consolas" pitchFamily="49" charset="0"/>
+              </a:rPr>
+              <a:t>(</a:t>
+            </a:r>
+            <a:r>
+              <a:rPr lang="de-DE" sz="1600" dirty="0" err="1" smtClean="0">
+                <a:latin typeface="Consolas" pitchFamily="49" charset="0"/>
+                <a:cs typeface="Consolas" pitchFamily="49" charset="0"/>
+              </a:rPr>
+              <a:t>cascade</a:t>
+            </a:r>
+            <a:r>
+              <a:rPr lang="de-DE" sz="1600" dirty="0" smtClean="0">
+                <a:latin typeface="Consolas" pitchFamily="49" charset="0"/>
+                <a:cs typeface="Consolas" pitchFamily="49" charset="0"/>
+              </a:rPr>
+              <a:t>=ALL, </a:t>
+            </a:r>
+            <a:r>
+              <a:rPr lang="de-DE" sz="1600" dirty="0" err="1" smtClean="0">
+                <a:latin typeface="Consolas" pitchFamily="49" charset="0"/>
+                <a:cs typeface="Consolas" pitchFamily="49" charset="0"/>
+              </a:rPr>
+              <a:t>mappedBy</a:t>
+            </a:r>
+            <a:r>
+              <a:rPr lang="de-DE" sz="1600" dirty="0" smtClean="0">
+                <a:latin typeface="Consolas" pitchFamily="49" charset="0"/>
+                <a:cs typeface="Consolas" pitchFamily="49" charset="0"/>
+              </a:rPr>
+              <a:t>=</a:t>
+            </a:r>
+            <a:r>
+              <a:rPr lang="de-DE" sz="1600" dirty="0" smtClean="0">
+                <a:solidFill>
+                  <a:srgbClr val="C00000"/>
+                </a:solidFill>
+                <a:latin typeface="Consolas" pitchFamily="49" charset="0"/>
+                <a:cs typeface="Consolas" pitchFamily="49" charset="0"/>
+              </a:rPr>
+              <a:t>"</a:t>
+            </a:r>
+            <a:r>
+              <a:rPr lang="de-DE" sz="1600" dirty="0" err="1" smtClean="0">
+                <a:solidFill>
+                  <a:srgbClr val="C00000"/>
+                </a:solidFill>
+                <a:latin typeface="Consolas" pitchFamily="49" charset="0"/>
+                <a:cs typeface="Consolas" pitchFamily="49" charset="0"/>
+              </a:rPr>
+              <a:t>customer</a:t>
+            </a:r>
+            <a:r>
+              <a:rPr lang="de-DE" sz="1600" dirty="0" smtClean="0">
+                <a:solidFill>
+                  <a:srgbClr val="C00000"/>
+                </a:solidFill>
+                <a:latin typeface="Consolas" pitchFamily="49" charset="0"/>
+                <a:cs typeface="Consolas" pitchFamily="49" charset="0"/>
+              </a:rPr>
+              <a:t>"</a:t>
+            </a:r>
+            <a:r>
+              <a:rPr lang="de-DE" sz="1600" dirty="0" smtClean="0">
+                <a:latin typeface="Consolas" pitchFamily="49" charset="0"/>
+                <a:cs typeface="Consolas" pitchFamily="49" charset="0"/>
+              </a:rPr>
+              <a:t>)</a:t>
             </a:r>
             <a:br>
               <a:rPr lang="de-DE" sz="1600" dirty="0" smtClean="0">
@@ -23499,6 +24787,117 @@
                 <a:latin typeface="Consolas" pitchFamily="49" charset="0"/>
                 <a:cs typeface="Consolas" pitchFamily="49" charset="0"/>
               </a:rPr>
+              <a:t>    </a:t>
+            </a:r>
+            <a:r>
+              <a:rPr lang="de-DE" sz="1600" dirty="0" err="1" smtClean="0">
+                <a:solidFill>
+                  <a:srgbClr val="7030A0"/>
+                </a:solidFill>
+                <a:latin typeface="Consolas" pitchFamily="49" charset="0"/>
+                <a:cs typeface="Consolas" pitchFamily="49" charset="0"/>
+              </a:rPr>
+              <a:t>public</a:t>
+            </a:r>
+            <a:r>
+              <a:rPr lang="de-DE" sz="1600" dirty="0" smtClean="0">
+                <a:latin typeface="Consolas" pitchFamily="49" charset="0"/>
+                <a:cs typeface="Consolas" pitchFamily="49" charset="0"/>
+              </a:rPr>
+              <a:t> </a:t>
+            </a:r>
+            <a:r>
+              <a:rPr lang="de-DE" sz="1600" dirty="0" err="1" smtClean="0">
+                <a:latin typeface="Consolas" pitchFamily="49" charset="0"/>
+                <a:cs typeface="Consolas" pitchFamily="49" charset="0"/>
+              </a:rPr>
+              <a:t>Collection</a:t>
+            </a:r>
+            <a:r>
+              <a:rPr lang="de-DE" sz="1600" dirty="0" smtClean="0">
+                <a:latin typeface="Consolas" pitchFamily="49" charset="0"/>
+                <a:cs typeface="Consolas" pitchFamily="49" charset="0"/>
+              </a:rPr>
+              <a:t>&lt;Order&gt; </a:t>
+            </a:r>
+            <a:r>
+              <a:rPr lang="de-DE" sz="1600" dirty="0" err="1" smtClean="0">
+                <a:latin typeface="Consolas" pitchFamily="49" charset="0"/>
+                <a:cs typeface="Consolas" pitchFamily="49" charset="0"/>
+              </a:rPr>
+              <a:t>getOrders</a:t>
+            </a:r>
+            <a:r>
+              <a:rPr lang="de-DE" sz="1600" dirty="0" smtClean="0">
+                <a:latin typeface="Consolas" pitchFamily="49" charset="0"/>
+                <a:cs typeface="Consolas" pitchFamily="49" charset="0"/>
+              </a:rPr>
+              <a:t>() </a:t>
+            </a:r>
+            <a:r>
+              <a:rPr lang="de-DE" sz="1600" dirty="0" smtClean="0">
+                <a:latin typeface="Consolas" pitchFamily="49" charset="0"/>
+                <a:cs typeface="Consolas" pitchFamily="49" charset="0"/>
+              </a:rPr>
+              <a:t>{</a:t>
+            </a:r>
+            <a:r>
+              <a:rPr lang="de-DE" sz="1600" dirty="0" smtClean="0">
+                <a:latin typeface="Consolas" pitchFamily="49" charset="0"/>
+                <a:cs typeface="Consolas" pitchFamily="49" charset="0"/>
+              </a:rPr>
+              <a:t> </a:t>
+            </a:r>
+            <a:r>
+              <a:rPr lang="de-DE" sz="1600" dirty="0" err="1" smtClean="0">
+                <a:solidFill>
+                  <a:srgbClr val="7030A0"/>
+                </a:solidFill>
+                <a:latin typeface="Consolas" pitchFamily="49" charset="0"/>
+                <a:cs typeface="Consolas" pitchFamily="49" charset="0"/>
+              </a:rPr>
+              <a:t>return</a:t>
+            </a:r>
+            <a:r>
+              <a:rPr lang="de-DE" sz="1600" dirty="0" smtClean="0">
+                <a:latin typeface="Consolas" pitchFamily="49" charset="0"/>
+                <a:cs typeface="Consolas" pitchFamily="49" charset="0"/>
+              </a:rPr>
+              <a:t> </a:t>
+            </a:r>
+            <a:r>
+              <a:rPr lang="de-DE" sz="1600" dirty="0" err="1" smtClean="0">
+                <a:latin typeface="Consolas" pitchFamily="49" charset="0"/>
+                <a:cs typeface="Consolas" pitchFamily="49" charset="0"/>
+              </a:rPr>
+              <a:t>orders</a:t>
+            </a:r>
+            <a:r>
+              <a:rPr lang="de-DE" sz="1600" dirty="0" smtClean="0">
+                <a:latin typeface="Consolas" pitchFamily="49" charset="0"/>
+                <a:cs typeface="Consolas" pitchFamily="49" charset="0"/>
+              </a:rPr>
+              <a:t>;</a:t>
+            </a:r>
+            <a:r>
+              <a:rPr lang="de-DE" sz="1600" dirty="0" smtClean="0">
+                <a:latin typeface="Consolas" pitchFamily="49" charset="0"/>
+                <a:cs typeface="Consolas" pitchFamily="49" charset="0"/>
+              </a:rPr>
+              <a:t> </a:t>
+            </a:r>
+            <a:r>
+              <a:rPr lang="de-DE" sz="1600" dirty="0" smtClean="0">
+                <a:latin typeface="Consolas" pitchFamily="49" charset="0"/>
+                <a:cs typeface="Consolas" pitchFamily="49" charset="0"/>
+              </a:rPr>
+              <a:t>}</a:t>
+            </a:r>
+            <a:r>
+              <a:rPr lang="de-DE" sz="1600" dirty="0" smtClean="0">
+                <a:latin typeface="Consolas" pitchFamily="49" charset="0"/>
+                <a:cs typeface="Consolas" pitchFamily="49" charset="0"/>
+              </a:rPr>
               <a:t/>
             </a:r>
             <a:br>
@@ -23516,6 +24915,9 @@
             </a:r>
             <a:r>
               <a:rPr lang="de-DE" sz="1600" dirty="0" err="1" smtClean="0">
+                <a:solidFill>
+                  <a:srgbClr val="7030A0"/>
+                </a:solidFill>
                 <a:latin typeface="Consolas" pitchFamily="49" charset="0"/>
                 <a:cs typeface="Consolas" pitchFamily="49" charset="0"/>
               </a:rPr>
@@ -23526,538 +24928,139 @@
                 <a:latin typeface="Consolas" pitchFamily="49" charset="0"/>
                 <a:cs typeface="Consolas" pitchFamily="49" charset="0"/>
               </a:rPr>
-              <a:t> String </a:t>
+              <a:t> </a:t>
             </a:r>
             <a:r>
               <a:rPr lang="de-DE" sz="1600" dirty="0" err="1" smtClean="0">
-                <a:latin typeface="Consolas" pitchFamily="49" charset="0"/>
-                <a:cs typeface="Consolas" pitchFamily="49" charset="0"/>
-              </a:rPr>
-              <a:t>getName</a:t>
+                <a:solidFill>
+                  <a:srgbClr val="7030A0"/>
+                </a:solidFill>
+                <a:latin typeface="Consolas" pitchFamily="49" charset="0"/>
+                <a:cs typeface="Consolas" pitchFamily="49" charset="0"/>
+              </a:rPr>
+              <a:t>void</a:t>
             </a:r>
             <a:r>
               <a:rPr lang="de-DE" sz="1600" dirty="0" smtClean="0">
                 <a:latin typeface="Consolas" pitchFamily="49" charset="0"/>
                 <a:cs typeface="Consolas" pitchFamily="49" charset="0"/>
               </a:rPr>
-              <a:t>() {</a:t>
-            </a:r>
-            <a:br>
+              <a:t> </a:t>
+            </a:r>
+            <a:r>
+              <a:rPr lang="de-DE" sz="1600" dirty="0" err="1" smtClean="0">
+                <a:latin typeface="Consolas" pitchFamily="49" charset="0"/>
+                <a:cs typeface="Consolas" pitchFamily="49" charset="0"/>
+              </a:rPr>
+              <a:t>setOrders</a:t>
+            </a:r>
+            <a:r>
               <a:rPr lang="de-DE" sz="1600" dirty="0" smtClean="0">
                 <a:latin typeface="Consolas" pitchFamily="49" charset="0"/>
                 <a:cs typeface="Consolas" pitchFamily="49" charset="0"/>
               </a:rPr>
-            </a:br>
+              <a:t>(</a:t>
+            </a:r>
+            <a:r>
+              <a:rPr lang="de-DE" sz="1600" dirty="0" err="1" smtClean="0">
+                <a:latin typeface="Consolas" pitchFamily="49" charset="0"/>
+                <a:cs typeface="Consolas" pitchFamily="49" charset="0"/>
+              </a:rPr>
+              <a:t>Collection</a:t>
+            </a:r>
             <a:r>
               <a:rPr lang="de-DE" sz="1600" dirty="0" smtClean="0">
                 <a:latin typeface="Consolas" pitchFamily="49" charset="0"/>
                 <a:cs typeface="Consolas" pitchFamily="49" charset="0"/>
               </a:rPr>
-              <a:t>        </a:t>
+              <a:t>&lt;Order&gt; </a:t>
             </a:r>
             <a:r>
               <a:rPr lang="de-DE" sz="1600" dirty="0" err="1" smtClean="0">
                 <a:latin typeface="Consolas" pitchFamily="49" charset="0"/>
                 <a:cs typeface="Consolas" pitchFamily="49" charset="0"/>
               </a:rPr>
-              <a:t>return</a:t>
+              <a:t>orders</a:t>
             </a:r>
             <a:r>
               <a:rPr lang="de-DE" sz="1600" dirty="0" smtClean="0">
                 <a:latin typeface="Consolas" pitchFamily="49" charset="0"/>
                 <a:cs typeface="Consolas" pitchFamily="49" charset="0"/>
               </a:rPr>
+              <a:t>) {</a:t>
+            </a:r>
+            <a:r>
+              <a:rPr lang="de-DE" sz="1600" dirty="0" smtClean="0">
+                <a:latin typeface="Consolas" pitchFamily="49" charset="0"/>
+                <a:cs typeface="Consolas" pitchFamily="49" charset="0"/>
+              </a:rPr>
               <a:t> </a:t>
             </a:r>
             <a:r>
               <a:rPr lang="de-DE" sz="1600" dirty="0" err="1" smtClean="0">
-                <a:latin typeface="Consolas" pitchFamily="49" charset="0"/>
-                <a:cs typeface="Consolas" pitchFamily="49" charset="0"/>
-              </a:rPr>
-              <a:t>name</a:t>
+                <a:solidFill>
+                  <a:srgbClr val="7030A0"/>
+                </a:solidFill>
+                <a:latin typeface="Consolas" pitchFamily="49" charset="0"/>
+                <a:cs typeface="Consolas" pitchFamily="49" charset="0"/>
+              </a:rPr>
+              <a:t>this</a:t>
+            </a:r>
+            <a:r>
+              <a:rPr lang="de-DE" sz="1600" dirty="0" err="1" smtClean="0">
+                <a:latin typeface="Consolas" pitchFamily="49" charset="0"/>
+                <a:cs typeface="Consolas" pitchFamily="49" charset="0"/>
+              </a:rPr>
+              <a:t>.orders</a:t>
             </a:r>
             <a:r>
               <a:rPr lang="de-DE" sz="1600" dirty="0" smtClean="0">
                 <a:latin typeface="Consolas" pitchFamily="49" charset="0"/>
                 <a:cs typeface="Consolas" pitchFamily="49" charset="0"/>
               </a:rPr>
+              <a:t> </a:t>
+            </a:r>
+            <a:r>
+              <a:rPr lang="de-DE" sz="1600" dirty="0" smtClean="0">
+                <a:latin typeface="Consolas" pitchFamily="49" charset="0"/>
+                <a:cs typeface="Consolas" pitchFamily="49" charset="0"/>
+              </a:rPr>
+              <a:t>= </a:t>
+            </a:r>
+            <a:r>
+              <a:rPr lang="de-DE" sz="1600" dirty="0" err="1" smtClean="0">
+                <a:latin typeface="Consolas" pitchFamily="49" charset="0"/>
+                <a:cs typeface="Consolas" pitchFamily="49" charset="0"/>
+              </a:rPr>
+              <a:t>orders</a:t>
+            </a:r>
+            <a:r>
+              <a:rPr lang="de-DE" sz="1600" dirty="0" smtClean="0">
+                <a:latin typeface="Consolas" pitchFamily="49" charset="0"/>
+                <a:cs typeface="Consolas" pitchFamily="49" charset="0"/>
+              </a:rPr>
               <a:t>;</a:t>
             </a:r>
-            <a:br>
+            <a:r>
               <a:rPr lang="de-DE" sz="1600" dirty="0" smtClean="0">
                 <a:latin typeface="Consolas" pitchFamily="49" charset="0"/>
                 <a:cs typeface="Consolas" pitchFamily="49" charset="0"/>
               </a:rPr>
-            </a:br>
+              <a:t> </a:t>
+            </a:r>
             <a:r>
               <a:rPr lang="de-DE" sz="1600" dirty="0" smtClean="0">
                 <a:latin typeface="Consolas" pitchFamily="49" charset="0"/>
                 <a:cs typeface="Consolas" pitchFamily="49" charset="0"/>
               </a:rPr>
-              <a:t>    }</a:t>
-            </a:r>
-            <a:br>
+              <a:t>}</a:t>
+            </a:r>
+            <a:r>
               <a:rPr lang="de-DE" sz="1600" dirty="0" smtClean="0">
                 <a:latin typeface="Consolas" pitchFamily="49" charset="0"/>
                 <a:cs typeface="Consolas" pitchFamily="49" charset="0"/>
               </a:rPr>
-            </a:br>
-            <a:r>
-              <a:rPr lang="de-DE" sz="1600" dirty="0" smtClean="0">
-                <a:latin typeface="Consolas" pitchFamily="49" charset="0"/>
-                <a:cs typeface="Consolas" pitchFamily="49" charset="0"/>
-              </a:rPr>
               <a:t/>
-            </a:r>
-            <a:br>
-              <a:rPr lang="de-DE" sz="1600" dirty="0" smtClean="0">
-                <a:latin typeface="Consolas" pitchFamily="49" charset="0"/>
-                <a:cs typeface="Consolas" pitchFamily="49" charset="0"/>
-              </a:rPr>
-            </a:br>
-            <a:r>
-              <a:rPr lang="de-DE" sz="1600" dirty="0" smtClean="0">
-                <a:latin typeface="Consolas" pitchFamily="49" charset="0"/>
-                <a:cs typeface="Consolas" pitchFamily="49" charset="0"/>
-              </a:rPr>
-              <a:t>    </a:t>
-            </a:r>
-            <a:r>
-              <a:rPr lang="de-DE" sz="1600" dirty="0" err="1" smtClean="0">
-                <a:latin typeface="Consolas" pitchFamily="49" charset="0"/>
-                <a:cs typeface="Consolas" pitchFamily="49" charset="0"/>
-              </a:rPr>
-              <a:t>public</a:t>
-            </a:r>
-            <a:r>
-              <a:rPr lang="de-DE" sz="1600" dirty="0" smtClean="0">
-                <a:latin typeface="Consolas" pitchFamily="49" charset="0"/>
-                <a:cs typeface="Consolas" pitchFamily="49" charset="0"/>
-              </a:rPr>
-              <a:t> </a:t>
-            </a:r>
-            <a:r>
-              <a:rPr lang="de-DE" sz="1600" dirty="0" err="1" smtClean="0">
-                <a:latin typeface="Consolas" pitchFamily="49" charset="0"/>
-                <a:cs typeface="Consolas" pitchFamily="49" charset="0"/>
-              </a:rPr>
-              <a:t>void</a:t>
-            </a:r>
-            <a:r>
-              <a:rPr lang="de-DE" sz="1600" dirty="0" smtClean="0">
-                <a:latin typeface="Consolas" pitchFamily="49" charset="0"/>
-                <a:cs typeface="Consolas" pitchFamily="49" charset="0"/>
-              </a:rPr>
-              <a:t> </a:t>
-            </a:r>
-            <a:r>
-              <a:rPr lang="de-DE" sz="1600" dirty="0" err="1" smtClean="0">
-                <a:latin typeface="Consolas" pitchFamily="49" charset="0"/>
-                <a:cs typeface="Consolas" pitchFamily="49" charset="0"/>
-              </a:rPr>
-              <a:t>setName</a:t>
-            </a:r>
-            <a:r>
-              <a:rPr lang="de-DE" sz="1600" dirty="0" smtClean="0">
-                <a:latin typeface="Consolas" pitchFamily="49" charset="0"/>
-                <a:cs typeface="Consolas" pitchFamily="49" charset="0"/>
-              </a:rPr>
-              <a:t>(String </a:t>
-            </a:r>
-            <a:r>
-              <a:rPr lang="de-DE" sz="1600" dirty="0" err="1" smtClean="0">
-                <a:latin typeface="Consolas" pitchFamily="49" charset="0"/>
-                <a:cs typeface="Consolas" pitchFamily="49" charset="0"/>
-              </a:rPr>
-              <a:t>name</a:t>
-            </a:r>
-            <a:r>
-              <a:rPr lang="de-DE" sz="1600" dirty="0" smtClean="0">
-                <a:latin typeface="Consolas" pitchFamily="49" charset="0"/>
-                <a:cs typeface="Consolas" pitchFamily="49" charset="0"/>
-              </a:rPr>
-              <a:t>) {</a:t>
-            </a:r>
-            <a:br>
-              <a:rPr lang="de-DE" sz="1600" dirty="0" smtClean="0">
-                <a:latin typeface="Consolas" pitchFamily="49" charset="0"/>
-                <a:cs typeface="Consolas" pitchFamily="49" charset="0"/>
-              </a:rPr>
-            </a:br>
-            <a:r>
-              <a:rPr lang="de-DE" sz="1600" dirty="0" smtClean="0">
-                <a:latin typeface="Consolas" pitchFamily="49" charset="0"/>
-                <a:cs typeface="Consolas" pitchFamily="49" charset="0"/>
-              </a:rPr>
-              <a:t>        this.name = </a:t>
-            </a:r>
-            <a:r>
-              <a:rPr lang="de-DE" sz="1600" dirty="0" err="1" smtClean="0">
-                <a:latin typeface="Consolas" pitchFamily="49" charset="0"/>
-                <a:cs typeface="Consolas" pitchFamily="49" charset="0"/>
-              </a:rPr>
-              <a:t>name</a:t>
-            </a:r>
-            <a:r>
-              <a:rPr lang="de-DE" sz="1600" dirty="0" smtClean="0">
-                <a:latin typeface="Consolas" pitchFamily="49" charset="0"/>
-                <a:cs typeface="Consolas" pitchFamily="49" charset="0"/>
-              </a:rPr>
-              <a:t>;</a:t>
-            </a:r>
-            <a:br>
-              <a:rPr lang="de-DE" sz="1600" dirty="0" smtClean="0">
-                <a:latin typeface="Consolas" pitchFamily="49" charset="0"/>
-                <a:cs typeface="Consolas" pitchFamily="49" charset="0"/>
-              </a:rPr>
-            </a:br>
-            <a:r>
-              <a:rPr lang="de-DE" sz="1600" dirty="0" smtClean="0">
-                <a:latin typeface="Consolas" pitchFamily="49" charset="0"/>
-                <a:cs typeface="Consolas" pitchFamily="49" charset="0"/>
-              </a:rPr>
-              <a:t>    }</a:t>
-            </a:r>
-            <a:br>
-              <a:rPr lang="de-DE" sz="1600" dirty="0" smtClean="0">
-                <a:latin typeface="Consolas" pitchFamily="49" charset="0"/>
-                <a:cs typeface="Consolas" pitchFamily="49" charset="0"/>
-              </a:rPr>
-            </a:br>
-            <a:r>
-              <a:rPr lang="de-DE" sz="1600" dirty="0" smtClean="0">
-                <a:latin typeface="Consolas" pitchFamily="49" charset="0"/>
-                <a:cs typeface="Consolas" pitchFamily="49" charset="0"/>
-              </a:rPr>
-              <a:t/>
-            </a:r>
-            <a:br>
-              <a:rPr lang="de-DE" sz="1600" dirty="0" smtClean="0">
-                <a:latin typeface="Consolas" pitchFamily="49" charset="0"/>
-                <a:cs typeface="Consolas" pitchFamily="49" charset="0"/>
-              </a:rPr>
-            </a:br>
-            <a:r>
-              <a:rPr lang="de-DE" sz="1600" dirty="0" smtClean="0">
-                <a:latin typeface="Consolas" pitchFamily="49" charset="0"/>
-                <a:cs typeface="Consolas" pitchFamily="49" charset="0"/>
-              </a:rPr>
-              <a:t>    @</a:t>
-            </a:r>
-            <a:r>
-              <a:rPr lang="de-DE" sz="1600" dirty="0" err="1" smtClean="0">
-                <a:latin typeface="Consolas" pitchFamily="49" charset="0"/>
-                <a:cs typeface="Consolas" pitchFamily="49" charset="0"/>
-              </a:rPr>
-              <a:t>OneToMany</a:t>
-            </a:r>
-            <a:r>
-              <a:rPr lang="de-DE" sz="1600" dirty="0" smtClean="0">
-                <a:latin typeface="Consolas" pitchFamily="49" charset="0"/>
-                <a:cs typeface="Consolas" pitchFamily="49" charset="0"/>
-              </a:rPr>
-              <a:t>(</a:t>
-            </a:r>
-            <a:r>
-              <a:rPr lang="de-DE" sz="1600" dirty="0" err="1" smtClean="0">
-                <a:latin typeface="Consolas" pitchFamily="49" charset="0"/>
-                <a:cs typeface="Consolas" pitchFamily="49" charset="0"/>
-              </a:rPr>
-              <a:t>cascade</a:t>
-            </a:r>
-            <a:r>
-              <a:rPr lang="de-DE" sz="1600" dirty="0" smtClean="0">
-                <a:latin typeface="Consolas" pitchFamily="49" charset="0"/>
-                <a:cs typeface="Consolas" pitchFamily="49" charset="0"/>
-              </a:rPr>
-              <a:t>=ALL, </a:t>
-            </a:r>
-            <a:r>
-              <a:rPr lang="de-DE" sz="1600" dirty="0" err="1" smtClean="0">
-                <a:latin typeface="Consolas" pitchFamily="49" charset="0"/>
-                <a:cs typeface="Consolas" pitchFamily="49" charset="0"/>
-              </a:rPr>
-              <a:t>mappedBy</a:t>
-            </a:r>
-            <a:r>
-              <a:rPr lang="de-DE" sz="1600" dirty="0" smtClean="0">
-                <a:latin typeface="Consolas" pitchFamily="49" charset="0"/>
-                <a:cs typeface="Consolas" pitchFamily="49" charset="0"/>
-              </a:rPr>
-              <a:t>="</a:t>
-            </a:r>
-            <a:r>
-              <a:rPr lang="de-DE" sz="1600" dirty="0" err="1" smtClean="0">
-                <a:latin typeface="Consolas" pitchFamily="49" charset="0"/>
-                <a:cs typeface="Consolas" pitchFamily="49" charset="0"/>
-              </a:rPr>
-              <a:t>customer</a:t>
-            </a:r>
-            <a:r>
-              <a:rPr lang="de-DE" sz="1600" dirty="0" smtClean="0">
-                <a:latin typeface="Consolas" pitchFamily="49" charset="0"/>
-                <a:cs typeface="Consolas" pitchFamily="49" charset="0"/>
-              </a:rPr>
-              <a:t>")</a:t>
-            </a:r>
-            <a:br>
-              <a:rPr lang="de-DE" sz="1600" dirty="0" smtClean="0">
-                <a:latin typeface="Consolas" pitchFamily="49" charset="0"/>
-                <a:cs typeface="Consolas" pitchFamily="49" charset="0"/>
-              </a:rPr>
-            </a:br>
-            <a:r>
-              <a:rPr lang="de-DE" sz="1600" dirty="0" smtClean="0">
-                <a:latin typeface="Consolas" pitchFamily="49" charset="0"/>
-                <a:cs typeface="Consolas" pitchFamily="49" charset="0"/>
-              </a:rPr>
-              <a:t>    </a:t>
-            </a:r>
-            <a:r>
-              <a:rPr lang="de-DE" sz="1600" dirty="0" err="1" smtClean="0">
-                <a:latin typeface="Consolas" pitchFamily="49" charset="0"/>
-                <a:cs typeface="Consolas" pitchFamily="49" charset="0"/>
-              </a:rPr>
-              <a:t>public</a:t>
-            </a:r>
-            <a:r>
-              <a:rPr lang="de-DE" sz="1600" dirty="0" smtClean="0">
-                <a:latin typeface="Consolas" pitchFamily="49" charset="0"/>
-                <a:cs typeface="Consolas" pitchFamily="49" charset="0"/>
-              </a:rPr>
-              <a:t> </a:t>
-            </a:r>
-            <a:r>
-              <a:rPr lang="de-DE" sz="1600" dirty="0" err="1" smtClean="0">
-                <a:latin typeface="Consolas" pitchFamily="49" charset="0"/>
-                <a:cs typeface="Consolas" pitchFamily="49" charset="0"/>
-              </a:rPr>
-              <a:t>Collection</a:t>
-            </a:r>
-            <a:r>
-              <a:rPr lang="de-DE" sz="1600" dirty="0" smtClean="0">
-                <a:latin typeface="Consolas" pitchFamily="49" charset="0"/>
-                <a:cs typeface="Consolas" pitchFamily="49" charset="0"/>
-              </a:rPr>
-              <a:t>&lt;Order&gt; </a:t>
-            </a:r>
-            <a:r>
-              <a:rPr lang="de-DE" sz="1600" dirty="0" err="1" smtClean="0">
-                <a:latin typeface="Consolas" pitchFamily="49" charset="0"/>
-                <a:cs typeface="Consolas" pitchFamily="49" charset="0"/>
-              </a:rPr>
-              <a:t>getOrders</a:t>
-            </a:r>
-            <a:r>
-              <a:rPr lang="de-DE" sz="1600" dirty="0" smtClean="0">
-                <a:latin typeface="Consolas" pitchFamily="49" charset="0"/>
-                <a:cs typeface="Consolas" pitchFamily="49" charset="0"/>
-              </a:rPr>
-              <a:t>() {</a:t>
-            </a:r>
-            <a:br>
-              <a:rPr lang="de-DE" sz="1600" dirty="0" smtClean="0">
-                <a:latin typeface="Consolas" pitchFamily="49" charset="0"/>
-                <a:cs typeface="Consolas" pitchFamily="49" charset="0"/>
-              </a:rPr>
-            </a:br>
-            <a:r>
-              <a:rPr lang="de-DE" sz="1600" dirty="0" smtClean="0">
-                <a:latin typeface="Consolas" pitchFamily="49" charset="0"/>
-                <a:cs typeface="Consolas" pitchFamily="49" charset="0"/>
-              </a:rPr>
-              <a:t>        </a:t>
-            </a:r>
-            <a:r>
-              <a:rPr lang="de-DE" sz="1600" dirty="0" err="1" smtClean="0">
-                <a:latin typeface="Consolas" pitchFamily="49" charset="0"/>
-                <a:cs typeface="Consolas" pitchFamily="49" charset="0"/>
-              </a:rPr>
-              <a:t>return</a:t>
-            </a:r>
-            <a:r>
-              <a:rPr lang="de-DE" sz="1600" dirty="0" smtClean="0">
-                <a:latin typeface="Consolas" pitchFamily="49" charset="0"/>
-                <a:cs typeface="Consolas" pitchFamily="49" charset="0"/>
-              </a:rPr>
-              <a:t> </a:t>
-            </a:r>
-            <a:r>
-              <a:rPr lang="de-DE" sz="1600" dirty="0" err="1" smtClean="0">
-                <a:latin typeface="Consolas" pitchFamily="49" charset="0"/>
-                <a:cs typeface="Consolas" pitchFamily="49" charset="0"/>
-              </a:rPr>
-              <a:t>orders</a:t>
-            </a:r>
-            <a:r>
-              <a:rPr lang="de-DE" sz="1600" dirty="0" smtClean="0">
-                <a:latin typeface="Consolas" pitchFamily="49" charset="0"/>
-                <a:cs typeface="Consolas" pitchFamily="49" charset="0"/>
-              </a:rPr>
-              <a:t>;</a:t>
-            </a:r>
-            <a:br>
-              <a:rPr lang="de-DE" sz="1600" dirty="0" smtClean="0">
-                <a:latin typeface="Consolas" pitchFamily="49" charset="0"/>
-                <a:cs typeface="Consolas" pitchFamily="49" charset="0"/>
-              </a:rPr>
-            </a:br>
-            <a:r>
-              <a:rPr lang="de-DE" sz="1600" dirty="0" smtClean="0">
-                <a:latin typeface="Consolas" pitchFamily="49" charset="0"/>
-                <a:cs typeface="Consolas" pitchFamily="49" charset="0"/>
-              </a:rPr>
-              <a:t>    }</a:t>
-            </a:r>
-            <a:br>
-              <a:rPr lang="de-DE" sz="1600" dirty="0" smtClean="0">
-                <a:latin typeface="Consolas" pitchFamily="49" charset="0"/>
-                <a:cs typeface="Consolas" pitchFamily="49" charset="0"/>
-              </a:rPr>
-            </a:br>
-            <a:r>
-              <a:rPr lang="de-DE" sz="1600" dirty="0" smtClean="0">
-                <a:latin typeface="Consolas" pitchFamily="49" charset="0"/>
-                <a:cs typeface="Consolas" pitchFamily="49" charset="0"/>
-              </a:rPr>
-              <a:t/>
-            </a:r>
-            <a:br>
-              <a:rPr lang="de-DE" sz="1600" dirty="0" smtClean="0">
-                <a:latin typeface="Consolas" pitchFamily="49" charset="0"/>
-                <a:cs typeface="Consolas" pitchFamily="49" charset="0"/>
-              </a:rPr>
-            </a:br>
-            <a:r>
-              <a:rPr lang="de-DE" sz="1600" dirty="0" smtClean="0">
-                <a:latin typeface="Consolas" pitchFamily="49" charset="0"/>
-                <a:cs typeface="Consolas" pitchFamily="49" charset="0"/>
-              </a:rPr>
-              <a:t>    </a:t>
-            </a:r>
-            <a:r>
-              <a:rPr lang="de-DE" sz="1600" dirty="0" err="1" smtClean="0">
-                <a:latin typeface="Consolas" pitchFamily="49" charset="0"/>
-                <a:cs typeface="Consolas" pitchFamily="49" charset="0"/>
-              </a:rPr>
-              <a:t>public</a:t>
-            </a:r>
-            <a:r>
-              <a:rPr lang="de-DE" sz="1600" dirty="0" smtClean="0">
-                <a:latin typeface="Consolas" pitchFamily="49" charset="0"/>
-                <a:cs typeface="Consolas" pitchFamily="49" charset="0"/>
-              </a:rPr>
-              <a:t> </a:t>
-            </a:r>
-            <a:r>
-              <a:rPr lang="de-DE" sz="1600" dirty="0" err="1" smtClean="0">
-                <a:latin typeface="Consolas" pitchFamily="49" charset="0"/>
-                <a:cs typeface="Consolas" pitchFamily="49" charset="0"/>
-              </a:rPr>
-              <a:t>void</a:t>
-            </a:r>
-            <a:r>
-              <a:rPr lang="de-DE" sz="1600" dirty="0" smtClean="0">
-                <a:latin typeface="Consolas" pitchFamily="49" charset="0"/>
-                <a:cs typeface="Consolas" pitchFamily="49" charset="0"/>
-              </a:rPr>
-              <a:t> </a:t>
-            </a:r>
-            <a:r>
-              <a:rPr lang="de-DE" sz="1600" dirty="0" err="1" smtClean="0">
-                <a:latin typeface="Consolas" pitchFamily="49" charset="0"/>
-                <a:cs typeface="Consolas" pitchFamily="49" charset="0"/>
-              </a:rPr>
-              <a:t>setOrders</a:t>
-            </a:r>
-            <a:r>
-              <a:rPr lang="de-DE" sz="1600" dirty="0" smtClean="0">
-                <a:latin typeface="Consolas" pitchFamily="49" charset="0"/>
-                <a:cs typeface="Consolas" pitchFamily="49" charset="0"/>
-              </a:rPr>
-              <a:t>(</a:t>
-            </a:r>
-            <a:r>
-              <a:rPr lang="de-DE" sz="1600" dirty="0" err="1" smtClean="0">
-                <a:latin typeface="Consolas" pitchFamily="49" charset="0"/>
-                <a:cs typeface="Consolas" pitchFamily="49" charset="0"/>
-              </a:rPr>
-              <a:t>Collection</a:t>
-            </a:r>
-            <a:r>
-              <a:rPr lang="de-DE" sz="1600" dirty="0" smtClean="0">
-                <a:latin typeface="Consolas" pitchFamily="49" charset="0"/>
-                <a:cs typeface="Consolas" pitchFamily="49" charset="0"/>
-              </a:rPr>
-              <a:t>&lt;Order&gt; </a:t>
-            </a:r>
-            <a:r>
-              <a:rPr lang="de-DE" sz="1600" dirty="0" err="1" smtClean="0">
-                <a:latin typeface="Consolas" pitchFamily="49" charset="0"/>
-                <a:cs typeface="Consolas" pitchFamily="49" charset="0"/>
-              </a:rPr>
-              <a:t>newValue</a:t>
-            </a:r>
-            <a:r>
-              <a:rPr lang="de-DE" sz="1600" dirty="0" smtClean="0">
-                <a:latin typeface="Consolas" pitchFamily="49" charset="0"/>
-                <a:cs typeface="Consolas" pitchFamily="49" charset="0"/>
-              </a:rPr>
-              <a:t>) {</a:t>
-            </a:r>
-            <a:br>
-              <a:rPr lang="de-DE" sz="1600" dirty="0" smtClean="0">
-                <a:latin typeface="Consolas" pitchFamily="49" charset="0"/>
-                <a:cs typeface="Consolas" pitchFamily="49" charset="0"/>
-              </a:rPr>
-            </a:br>
-            <a:r>
-              <a:rPr lang="de-DE" sz="1600" dirty="0" smtClean="0">
-                <a:latin typeface="Consolas" pitchFamily="49" charset="0"/>
-                <a:cs typeface="Consolas" pitchFamily="49" charset="0"/>
-              </a:rPr>
-              <a:t>        </a:t>
-            </a:r>
-            <a:r>
-              <a:rPr lang="de-DE" sz="1600" dirty="0" err="1" smtClean="0">
-                <a:latin typeface="Consolas" pitchFamily="49" charset="0"/>
-                <a:cs typeface="Consolas" pitchFamily="49" charset="0"/>
-              </a:rPr>
-              <a:t>this.orders</a:t>
-            </a:r>
-            <a:r>
-              <a:rPr lang="de-DE" sz="1600" dirty="0" smtClean="0">
-                <a:latin typeface="Consolas" pitchFamily="49" charset="0"/>
-                <a:cs typeface="Consolas" pitchFamily="49" charset="0"/>
-              </a:rPr>
-              <a:t> = </a:t>
-            </a:r>
-            <a:r>
-              <a:rPr lang="de-DE" sz="1600" dirty="0" err="1" smtClean="0">
-                <a:latin typeface="Consolas" pitchFamily="49" charset="0"/>
-                <a:cs typeface="Consolas" pitchFamily="49" charset="0"/>
-              </a:rPr>
-              <a:t>newValue</a:t>
-            </a:r>
-            <a:r>
-              <a:rPr lang="de-DE" sz="1600" dirty="0" smtClean="0">
-                <a:latin typeface="Consolas" pitchFamily="49" charset="0"/>
-                <a:cs typeface="Consolas" pitchFamily="49" charset="0"/>
-              </a:rPr>
-              <a:t>;</a:t>
-            </a:r>
-            <a:br>
-              <a:rPr lang="de-DE" sz="1600" dirty="0" smtClean="0">
-                <a:latin typeface="Consolas" pitchFamily="49" charset="0"/>
-                <a:cs typeface="Consolas" pitchFamily="49" charset="0"/>
-              </a:rPr>
-            </a:br>
-            <a:r>
-              <a:rPr lang="de-DE" sz="1600" dirty="0" smtClean="0">
-                <a:latin typeface="Consolas" pitchFamily="49" charset="0"/>
-                <a:cs typeface="Consolas" pitchFamily="49" charset="0"/>
-              </a:rPr>
-              <a:t>    }</a:t>
             </a:r>
             <a:br>
               <a:rPr lang="de-DE" sz="1600" dirty="0" smtClean="0">
@@ -24288,20 +25291,19 @@
         </p:nvSpPr>
         <p:spPr>
           <a:xfrm>
-            <a:off x="1547664" y="1412776"/>
-            <a:ext cx="6048672" cy="4699159"/>
+            <a:off x="395536" y="1340768"/>
+            <a:ext cx="6048672" cy="4411623"/>
           </a:xfrm>
           <a:prstGeom prst="roundRect">
-            <a:avLst/>
+            <a:avLst>
+              <a:gd name="adj" fmla="val 0"/>
+            </a:avLst>
           </a:prstGeom>
-          <a:solidFill>
-            <a:schemeClr val="accent6"/>
-          </a:solidFill>
+          <a:noFill/>
           <a:ln>
-            <a:solidFill>
-              <a:schemeClr val="accent6"/>
-            </a:solidFill>
+            <a:noFill/>
           </a:ln>
+          <a:effectLst/>
         </p:spPr>
         <p:style>
           <a:lnRef idx="2">
@@ -24320,13 +25322,16 @@
           </a:fontRef>
         </p:style>
         <p:txBody>
-          <a:bodyPr wrap="square" rtlCol="0" anchor="ctr">
+          <a:bodyPr wrap="square" lIns="36000" rIns="36000" rtlCol="0" anchor="t" anchorCtr="0">
             <a:spAutoFit/>
           </a:bodyPr>
           <a:lstStyle/>
           <a:p>
             <a:r>
               <a:rPr lang="de-DE" dirty="0" err="1" smtClean="0">
+                <a:solidFill>
+                  <a:srgbClr val="7030A0"/>
+                </a:solidFill>
                 <a:latin typeface="Consolas" pitchFamily="49" charset="0"/>
                 <a:cs typeface="Consolas" pitchFamily="49" charset="0"/>
               </a:rPr>
@@ -24334,6 +25339,9 @@
             </a:r>
             <a:r>
               <a:rPr lang="de-DE" dirty="0" smtClean="0">
+                <a:solidFill>
+                  <a:schemeClr val="tx1"/>
+                </a:solidFill>
                 <a:latin typeface="Consolas" pitchFamily="49" charset="0"/>
                 <a:cs typeface="Consolas" pitchFamily="49" charset="0"/>
               </a:rPr>
@@ -24343,6 +25351,9 @@
           <a:p>
             <a:r>
               <a:rPr lang="de-DE" dirty="0" smtClean="0">
+                <a:solidFill>
+                  <a:schemeClr val="tx1"/>
+                </a:solidFill>
                 <a:latin typeface="Consolas" pitchFamily="49" charset="0"/>
                 <a:cs typeface="Consolas" pitchFamily="49" charset="0"/>
               </a:rPr>
@@ -24350,6 +25361,9 @@
             </a:r>
             <a:r>
               <a:rPr lang="de-DE" dirty="0" err="1" smtClean="0">
+                <a:solidFill>
+                  <a:schemeClr val="tx1"/>
+                </a:solidFill>
                 <a:latin typeface="Consolas" pitchFamily="49" charset="0"/>
                 <a:cs typeface="Consolas" pitchFamily="49" charset="0"/>
               </a:rPr>
@@ -24357,6 +25371,9 @@
             </a:r>
             <a:r>
               <a:rPr lang="de-DE" dirty="0" smtClean="0">
+                <a:solidFill>
+                  <a:schemeClr val="tx1"/>
+                </a:solidFill>
                 <a:latin typeface="Consolas" pitchFamily="49" charset="0"/>
                 <a:cs typeface="Consolas" pitchFamily="49" charset="0"/>
               </a:rPr>
@@ -24366,6 +25383,9 @@
           <a:p>
             <a:r>
               <a:rPr lang="de-DE" dirty="0">
+                <a:solidFill>
+                  <a:schemeClr val="tx1"/>
+                </a:solidFill>
                 <a:latin typeface="Consolas" pitchFamily="49" charset="0"/>
                 <a:cs typeface="Consolas" pitchFamily="49" charset="0"/>
               </a:rPr>
@@ -24373,6 +25393,9 @@
             </a:r>
             <a:r>
               <a:rPr lang="de-DE" dirty="0" smtClean="0">
+                <a:solidFill>
+                  <a:schemeClr val="tx1"/>
+                </a:solidFill>
                 <a:latin typeface="Consolas" pitchFamily="49" charset="0"/>
                 <a:cs typeface="Consolas" pitchFamily="49" charset="0"/>
               </a:rPr>
@@ -24381,6 +25404,9 @@
           </a:p>
           <a:p>
             <a:endParaRPr lang="de-DE" dirty="0" smtClean="0">
+              <a:solidFill>
+                <a:schemeClr val="tx1"/>
+              </a:solidFill>
               <a:latin typeface="Consolas" pitchFamily="49" charset="0"/>
               <a:cs typeface="Consolas" pitchFamily="49" charset="0"/>
             </a:endParaRPr>
@@ -24388,6 +25414,9 @@
           <a:p>
             <a:r>
               <a:rPr lang="de-DE" dirty="0" smtClean="0">
+                <a:solidFill>
+                  <a:schemeClr val="tx1"/>
+                </a:solidFill>
                 <a:latin typeface="Consolas" pitchFamily="49" charset="0"/>
                 <a:cs typeface="Consolas" pitchFamily="49" charset="0"/>
               </a:rPr>
@@ -24395,6 +25424,9 @@
             </a:r>
             <a:r>
               <a:rPr lang="de-DE" dirty="0" err="1" smtClean="0">
+                <a:solidFill>
+                  <a:srgbClr val="7030A0"/>
+                </a:solidFill>
                 <a:latin typeface="Consolas" pitchFamily="49" charset="0"/>
                 <a:cs typeface="Consolas" pitchFamily="49" charset="0"/>
               </a:rPr>
@@ -24402,6 +25434,9 @@
             </a:r>
             <a:r>
               <a:rPr lang="de-DE" dirty="0" smtClean="0">
+                <a:solidFill>
+                  <a:schemeClr val="tx1"/>
+                </a:solidFill>
                 <a:latin typeface="Consolas" pitchFamily="49" charset="0"/>
                 <a:cs typeface="Consolas" pitchFamily="49" charset="0"/>
               </a:rPr>
@@ -24409,6 +25444,9 @@
             </a:r>
             <a:r>
               <a:rPr lang="de-DE" dirty="0" err="1" smtClean="0">
+                <a:solidFill>
+                  <a:schemeClr val="tx1"/>
+                </a:solidFill>
                 <a:latin typeface="Consolas" pitchFamily="49" charset="0"/>
                 <a:cs typeface="Consolas" pitchFamily="49" charset="0"/>
               </a:rPr>
@@ -24416,6 +25454,9 @@
             </a:r>
             <a:r>
               <a:rPr lang="de-DE" dirty="0" smtClean="0">
+                <a:solidFill>
+                  <a:schemeClr val="tx1"/>
+                </a:solidFill>
                 <a:latin typeface="Consolas" pitchFamily="49" charset="0"/>
                 <a:cs typeface="Consolas" pitchFamily="49" charset="0"/>
               </a:rPr>
@@ -24423,6 +25464,9 @@
             </a:r>
             <a:r>
               <a:rPr lang="de-DE" dirty="0" err="1" smtClean="0">
+                <a:solidFill>
+                  <a:schemeClr val="tx1"/>
+                </a:solidFill>
                 <a:latin typeface="Consolas" pitchFamily="49" charset="0"/>
                 <a:cs typeface="Consolas" pitchFamily="49" charset="0"/>
               </a:rPr>
@@ -24430,18 +25474,27 @@
             </a:r>
             <a:r>
               <a:rPr lang="de-DE" dirty="0" smtClean="0">
+                <a:solidFill>
+                  <a:schemeClr val="tx1"/>
+                </a:solidFill>
                 <a:latin typeface="Consolas" pitchFamily="49" charset="0"/>
                 <a:cs typeface="Consolas" pitchFamily="49" charset="0"/>
               </a:rPr>
               <a:t>: Order]</a:t>
             </a:r>
             <a:endParaRPr lang="de-DE" dirty="0">
+              <a:solidFill>
+                <a:schemeClr val="tx1"/>
+              </a:solidFill>
               <a:latin typeface="Consolas" pitchFamily="49" charset="0"/>
               <a:cs typeface="Consolas" pitchFamily="49" charset="0"/>
             </a:endParaRPr>
           </a:p>
           <a:p>
             <a:endParaRPr lang="de-DE" dirty="0" smtClean="0">
+              <a:solidFill>
+                <a:schemeClr val="tx1"/>
+              </a:solidFill>
               <a:latin typeface="Consolas" pitchFamily="49" charset="0"/>
               <a:cs typeface="Consolas" pitchFamily="49" charset="0"/>
             </a:endParaRPr>
@@ -24449,6 +25502,9 @@
           <a:p>
             <a:r>
               <a:rPr lang="de-DE" dirty="0" smtClean="0">
+                <a:solidFill>
+                  <a:schemeClr val="tx1"/>
+                </a:solidFill>
                 <a:latin typeface="Consolas" pitchFamily="49" charset="0"/>
                 <a:cs typeface="Consolas" pitchFamily="49" charset="0"/>
               </a:rPr>
@@ -24456,6 +25512,9 @@
             </a:r>
             <a:r>
               <a:rPr lang="de-DE" dirty="0" err="1" smtClean="0">
+                <a:solidFill>
+                  <a:srgbClr val="7030A0"/>
+                </a:solidFill>
                 <a:latin typeface="Consolas" pitchFamily="49" charset="0"/>
                 <a:cs typeface="Consolas" pitchFamily="49" charset="0"/>
               </a:rPr>
@@ -24463,6 +25522,9 @@
             </a:r>
             <a:r>
               <a:rPr lang="de-DE" dirty="0" smtClean="0">
+                <a:solidFill>
+                  <a:schemeClr val="tx1"/>
+                </a:solidFill>
                 <a:latin typeface="Consolas" pitchFamily="49" charset="0"/>
                 <a:cs typeface="Consolas" pitchFamily="49" charset="0"/>
               </a:rPr>
@@ -24470,6 +25532,9 @@
             </a:r>
             <a:r>
               <a:rPr lang="de-DE" dirty="0" err="1" smtClean="0">
+                <a:solidFill>
+                  <a:schemeClr val="tx1"/>
+                </a:solidFill>
                 <a:latin typeface="Consolas" pitchFamily="49" charset="0"/>
                 <a:cs typeface="Consolas" pitchFamily="49" charset="0"/>
               </a:rPr>
@@ -24477,6 +25542,9 @@
             </a:r>
             <a:r>
               <a:rPr lang="de-DE" dirty="0" smtClean="0">
+                <a:solidFill>
+                  <a:schemeClr val="tx1"/>
+                </a:solidFill>
                 <a:latin typeface="Consolas" pitchFamily="49" charset="0"/>
                 <a:cs typeface="Consolas" pitchFamily="49" charset="0"/>
               </a:rPr>
@@ -24486,6 +25554,9 @@
           <a:p>
             <a:r>
               <a:rPr lang="de-DE" dirty="0" smtClean="0">
+                <a:solidFill>
+                  <a:schemeClr val="tx1"/>
+                </a:solidFill>
                 <a:latin typeface="Consolas" pitchFamily="49" charset="0"/>
                 <a:cs typeface="Consolas" pitchFamily="49" charset="0"/>
               </a:rPr>
@@ -24493,6 +25564,9 @@
             </a:r>
             <a:r>
               <a:rPr lang="de-DE" dirty="0" err="1" smtClean="0">
+                <a:solidFill>
+                  <a:schemeClr val="tx1"/>
+                </a:solidFill>
                 <a:latin typeface="Consolas" pitchFamily="49" charset="0"/>
                 <a:cs typeface="Consolas" pitchFamily="49" charset="0"/>
               </a:rPr>
@@ -24500,6 +25574,9 @@
             </a:r>
             <a:r>
               <a:rPr lang="de-DE" dirty="0" smtClean="0">
+                <a:solidFill>
+                  <a:schemeClr val="tx1"/>
+                </a:solidFill>
                 <a:latin typeface="Consolas" pitchFamily="49" charset="0"/>
                 <a:cs typeface="Consolas" pitchFamily="49" charset="0"/>
               </a:rPr>
@@ -24507,6 +25584,9 @@
             </a:r>
             <a:r>
               <a:rPr lang="de-DE" dirty="0" err="1" smtClean="0">
+                <a:solidFill>
+                  <a:srgbClr val="7030A0"/>
+                </a:solidFill>
                 <a:latin typeface="Consolas" pitchFamily="49" charset="0"/>
                 <a:cs typeface="Consolas" pitchFamily="49" charset="0"/>
               </a:rPr>
@@ -24514,6 +25594,9 @@
             </a:r>
             <a:r>
               <a:rPr lang="de-DE" dirty="0" smtClean="0">
+                <a:solidFill>
+                  <a:schemeClr val="tx1"/>
+                </a:solidFill>
                 <a:latin typeface="Consolas" pitchFamily="49" charset="0"/>
                 <a:cs typeface="Consolas" pitchFamily="49" charset="0"/>
               </a:rPr>
@@ -24523,6 +25606,9 @@
           <a:p>
             <a:r>
               <a:rPr lang="de-DE" dirty="0" smtClean="0">
+                <a:solidFill>
+                  <a:schemeClr val="tx1"/>
+                </a:solidFill>
                 <a:latin typeface="Consolas" pitchFamily="49" charset="0"/>
                 <a:cs typeface="Consolas" pitchFamily="49" charset="0"/>
               </a:rPr>
@@ -24530,6 +25616,9 @@
             </a:r>
             <a:r>
               <a:rPr lang="de-DE" dirty="0" err="1" smtClean="0">
+                <a:solidFill>
+                  <a:schemeClr val="tx1"/>
+                </a:solidFill>
                 <a:latin typeface="Consolas" pitchFamily="49" charset="0"/>
                 <a:cs typeface="Consolas" pitchFamily="49" charset="0"/>
               </a:rPr>
@@ -24537,6 +25626,9 @@
             </a:r>
             <a:r>
               <a:rPr lang="de-DE" dirty="0" smtClean="0">
+                <a:solidFill>
+                  <a:schemeClr val="tx1"/>
+                </a:solidFill>
                 <a:latin typeface="Consolas" pitchFamily="49" charset="0"/>
                 <a:cs typeface="Consolas" pitchFamily="49" charset="0"/>
               </a:rPr>
@@ -24544,6 +25636,9 @@
             </a:r>
             <a:r>
               <a:rPr lang="de-DE" dirty="0" err="1" smtClean="0">
+                <a:solidFill>
+                  <a:srgbClr val="7030A0"/>
+                </a:solidFill>
                 <a:latin typeface="Consolas" pitchFamily="49" charset="0"/>
                 <a:cs typeface="Consolas" pitchFamily="49" charset="0"/>
               </a:rPr>
@@ -24551,6 +25646,9 @@
             </a:r>
             <a:r>
               <a:rPr lang="de-DE" dirty="0" smtClean="0">
+                <a:solidFill>
+                  <a:schemeClr val="tx1"/>
+                </a:solidFill>
                 <a:latin typeface="Consolas" pitchFamily="49" charset="0"/>
                 <a:cs typeface="Consolas" pitchFamily="49" charset="0"/>
               </a:rPr>
@@ -24558,6 +25656,9 @@
             </a:r>
             <a:r>
               <a:rPr lang="de-DE" dirty="0" err="1" smtClean="0">
+                <a:solidFill>
+                  <a:srgbClr val="7030A0"/>
+                </a:solidFill>
                 <a:latin typeface="Consolas" pitchFamily="49" charset="0"/>
                 <a:cs typeface="Consolas" pitchFamily="49" charset="0"/>
               </a:rPr>
@@ -24565,6 +25666,9 @@
             </a:r>
             <a:r>
               <a:rPr lang="de-DE" dirty="0" smtClean="0">
+                <a:solidFill>
+                  <a:schemeClr val="tx1"/>
+                </a:solidFill>
                 <a:latin typeface="Consolas" pitchFamily="49" charset="0"/>
                 <a:cs typeface="Consolas" pitchFamily="49" charset="0"/>
               </a:rPr>
@@ -24574,6 +25678,9 @@
           <a:p>
             <a:r>
               <a:rPr lang="de-DE" dirty="0" smtClean="0">
+                <a:solidFill>
+                  <a:schemeClr val="tx1"/>
+                </a:solidFill>
                 <a:latin typeface="Consolas" pitchFamily="49" charset="0"/>
                 <a:cs typeface="Consolas" pitchFamily="49" charset="0"/>
               </a:rPr>
@@ -24582,6 +25689,9 @@
           </a:p>
           <a:p>
             <a:endParaRPr lang="de-DE" dirty="0" smtClean="0">
+              <a:solidFill>
+                <a:schemeClr val="tx1"/>
+              </a:solidFill>
               <a:latin typeface="Consolas" pitchFamily="49" charset="0"/>
               <a:cs typeface="Consolas" pitchFamily="49" charset="0"/>
             </a:endParaRPr>
@@ -24589,6 +25699,9 @@
           <a:p>
             <a:r>
               <a:rPr lang="de-DE" dirty="0" smtClean="0">
+                <a:solidFill>
+                  <a:schemeClr val="tx1"/>
+                </a:solidFill>
                 <a:latin typeface="Consolas" pitchFamily="49" charset="0"/>
                 <a:cs typeface="Consolas" pitchFamily="49" charset="0"/>
               </a:rPr>
@@ -24596,6 +25709,9 @@
             </a:r>
             <a:r>
               <a:rPr lang="de-DE" dirty="0" err="1" smtClean="0">
+                <a:solidFill>
+                  <a:schemeClr val="tx1"/>
+                </a:solidFill>
                 <a:latin typeface="Consolas" pitchFamily="49" charset="0"/>
                 <a:cs typeface="Consolas" pitchFamily="49" charset="0"/>
               </a:rPr>
@@ -24603,6 +25719,9 @@
             </a:r>
             <a:r>
               <a:rPr lang="de-DE" dirty="0" smtClean="0">
+                <a:solidFill>
+                  <a:schemeClr val="tx1"/>
+                </a:solidFill>
                 <a:latin typeface="Consolas" pitchFamily="49" charset="0"/>
                 <a:cs typeface="Consolas" pitchFamily="49" charset="0"/>
               </a:rPr>
@@ -24612,6 +25731,9 @@
           <a:p>
             <a:r>
               <a:rPr lang="de-DE" dirty="0" smtClean="0">
+                <a:solidFill>
+                  <a:schemeClr val="tx1"/>
+                </a:solidFill>
                 <a:latin typeface="Consolas" pitchFamily="49" charset="0"/>
                 <a:cs typeface="Consolas" pitchFamily="49" charset="0"/>
               </a:rPr>
@@ -24619,6 +25741,9 @@
             </a:r>
             <a:r>
               <a:rPr lang="de-DE" dirty="0" err="1" smtClean="0">
+                <a:solidFill>
+                  <a:schemeClr val="tx1"/>
+                </a:solidFill>
                 <a:latin typeface="Consolas" pitchFamily="49" charset="0"/>
                 <a:cs typeface="Consolas" pitchFamily="49" charset="0"/>
               </a:rPr>
@@ -24626,6 +25751,9 @@
             </a:r>
             <a:r>
               <a:rPr lang="de-DE" dirty="0" smtClean="0">
+                <a:solidFill>
+                  <a:schemeClr val="tx1"/>
+                </a:solidFill>
                 <a:latin typeface="Consolas" pitchFamily="49" charset="0"/>
                 <a:cs typeface="Consolas" pitchFamily="49" charset="0"/>
               </a:rPr>
@@ -24635,6 +25763,9 @@
           <a:p>
             <a:r>
               <a:rPr lang="de-DE" dirty="0" smtClean="0">
+                <a:solidFill>
+                  <a:schemeClr val="tx1"/>
+                </a:solidFill>
                 <a:latin typeface="Consolas" pitchFamily="49" charset="0"/>
                 <a:cs typeface="Consolas" pitchFamily="49" charset="0"/>
               </a:rPr>
@@ -24644,6 +25775,9 @@
           <a:p>
             <a:r>
               <a:rPr lang="de-DE" dirty="0" smtClean="0">
+                <a:solidFill>
+                  <a:schemeClr val="tx1"/>
+                </a:solidFill>
                 <a:latin typeface="Consolas" pitchFamily="49" charset="0"/>
                 <a:cs typeface="Consolas" pitchFamily="49" charset="0"/>
               </a:rPr>
@@ -24995,6 +26129,13 @@
     <a:masterClrMapping/>
   </p:clrMapOvr>
   <p:transition spd="slow" advTm="10000"/>
+  <p:timing>
+    <p:tnLst>
+      <p:par>
+        <p:cTn id="1" dur="indefinite" restart="never" nodeType="tmRoot"/>
+      </p:par>
+    </p:tnLst>
+  </p:timing>
 </p:sld>
 </file>
 
@@ -25715,9 +26856,7 @@
           <p:nvPr/>
         </p:nvPicPr>
         <p:blipFill>
-          <a:blip r:embed="rId2" cstate="print">
-            <a:grayscl/>
-          </a:blip>
+          <a:blip r:embed="rId2" cstate="print"/>
           <a:srcRect/>
           <a:stretch>
             <a:fillRect/>
@@ -25725,7 +26864,7 @@
         </p:blipFill>
         <p:spPr bwMode="auto">
           <a:xfrm>
-            <a:off x="1424871" y="1834852"/>
+            <a:off x="1424871" y="1628800"/>
             <a:ext cx="6294258" cy="4186436"/>
           </a:xfrm>
           <a:prstGeom prst="rect">
@@ -25853,15 +26992,15 @@
         </p:nvPicPr>
         <p:blipFill>
           <a:blip r:embed="rId2" cstate="print"/>
-          <a:srcRect/>
+          <a:srcRect t="2941"/>
           <a:stretch>
             <a:fillRect/>
           </a:stretch>
         </p:blipFill>
         <p:spPr bwMode="auto">
           <a:xfrm>
-            <a:off x="1907704" y="1268760"/>
-            <a:ext cx="5328592" cy="4896544"/>
+            <a:off x="1907704" y="1340768"/>
+            <a:ext cx="5328592" cy="4752528"/>
           </a:xfrm>
           <a:prstGeom prst="rect">
             <a:avLst/>
@@ -31036,8 +32175,8 @@
         </p:nvSpPr>
         <p:spPr>
           <a:xfrm>
-            <a:off x="303959" y="5987778"/>
-            <a:ext cx="8646240" cy="653589"/>
+            <a:off x="251520" y="5987778"/>
+            <a:ext cx="8718248" cy="653589"/>
           </a:xfrm>
           <a:prstGeom prst="rect">
             <a:avLst/>
@@ -31167,8 +32306,8 @@
                 <a:tableStyleId>{5C22544A-7EE6-4342-B048-85BDC9FD1C3A}</a:tableStyleId>
               </a:tblPr>
               <a:tblGrid>
-                <a:gridCol w="2915493"/>
-                <a:gridCol w="2700023"/>
+                <a:gridCol w="2807758"/>
+                <a:gridCol w="2807758"/>
                 <a:gridCol w="2807758"/>
               </a:tblGrid>
               <a:tr h="260375">
@@ -32170,15 +33309,15 @@
                             <a:schemeClr val="accent1"/>
                           </a:solidFill>
                         </a:rPr>
-                        <a:t>16:00 bis 16:45 Uhr, </a:t>
+                        <a:t>16:00 bis 16:45 Uhr</a:t>
                       </a:r>
                       <a:r>
-                        <a:rPr lang="de-DE" sz="900" b="1" baseline="0" dirty="0" err="1" smtClean="0">
+                        <a:rPr lang="de-DE" sz="900" b="1" baseline="0" smtClean="0">
                           <a:solidFill>
                             <a:schemeClr val="accent1"/>
                           </a:solidFill>
                         </a:rPr>
-                        <a:t>Koferenzraum</a:t>
+                        <a:t>, Konferenzraum </a:t>
                       </a:r>
                       <a:r>
                         <a:rPr lang="de-DE" sz="900" b="1" baseline="0" dirty="0" smtClean="0">
@@ -32186,7 +33325,7 @@
                             <a:schemeClr val="accent1"/>
                           </a:solidFill>
                         </a:rPr>
-                        <a:t> EG</a:t>
+                        <a:t>EG</a:t>
                       </a:r>
                       <a:endParaRPr lang="de-DE" sz="900" b="1" dirty="0">
                         <a:solidFill>
@@ -32248,7 +33387,7 @@
                             <a:schemeClr val="accent1"/>
                           </a:solidFill>
                         </a:rPr>
-                        <a:t>15:00 bis 15:00 Uhr, Raum Hongkong</a:t>
+                        <a:t>15:00 bis 15:45 Uhr, Raum Hongkong</a:t>
                       </a:r>
                       <a:endParaRPr lang="de-DE" sz="900" b="1" dirty="0">
                         <a:solidFill>
@@ -32293,7 +33432,7 @@
                     <a:bodyPr/>
                     <a:lstStyle/>
                     <a:p>
-                      <a:endParaRPr lang="de-DE" sz="900" b="1"/>
+                      <a:endParaRPr lang="de-DE" sz="900" b="1" dirty="0"/>
                     </a:p>
                   </a:txBody>
                   <a:tcPr/>
@@ -32344,8 +33483,8 @@
         </p:nvSpPr>
         <p:spPr>
           <a:xfrm>
-            <a:off x="868958" y="6062663"/>
-            <a:ext cx="8023521" cy="261610"/>
+            <a:off x="683568" y="5907352"/>
+            <a:ext cx="8023521" cy="600164"/>
           </a:xfrm>
           <a:prstGeom prst="rect">
             <a:avLst/>
@@ -32370,7 +33509,7 @@
             </a:r>
             <a:r>
               <a:rPr lang="de-DE" sz="1100" b="1" dirty="0" smtClean="0"/>
-              <a:t>  	    slideshare.net/</a:t>
+              <a:t>  	   slideshare.net/</a:t>
             </a:r>
             <a:r>
               <a:rPr lang="de-DE" sz="1100" b="1" dirty="0" err="1" smtClean="0"/>
@@ -32383,6 +33522,20 @@
             <a:r>
               <a:rPr lang="de-DE" sz="1100" b="1" dirty="0" smtClean="0"/>
               <a:t>    xing.com/group-51062.460375</a:t>
+            </a:r>
+            <a:br>
+              <a:rPr lang="de-DE" sz="1100" b="1" dirty="0" smtClean="0"/>
+            </a:br>
+            <a:endParaRPr lang="de-DE" sz="1100" b="1" dirty="0" smtClean="0"/>
+          </a:p>
+          <a:p>
+            <a:r>
+              <a:rPr lang="de-DE" sz="1100" b="1" dirty="0"/>
+              <a:t>	</a:t>
+            </a:r>
+            <a:r>
+              <a:rPr lang="de-DE" sz="1100" b="1" dirty="0" smtClean="0"/>
+              <a:t>		   twitter.com/OC_WIRE</a:t>
             </a:r>
             <a:endParaRPr lang="de-DE" sz="1100" b="1" dirty="0"/>
           </a:p>
@@ -32390,37 +33543,9 @@
       </p:sp>
       <p:pic>
         <p:nvPicPr>
-          <p:cNvPr id="5" name="Grafik 4"/>
-          <p:cNvPicPr>
-            <a:picLocks noChangeAspect="1"/>
-          </p:cNvPicPr>
-          <p:nvPr/>
-        </p:nvPicPr>
-        <p:blipFill>
-          <a:blip r:embed="rId2" cstate="print">
-            <a:extLst>
-              <a:ext uri="{28A0092B-C50C-407E-A947-70E740481C1C}">
-                <a14:useLocalDpi xmlns="" xmlns:a14="http://schemas.microsoft.com/office/drawing/2010/main" val="0"/>
-              </a:ext>
-            </a:extLst>
-          </a:blip>
-          <a:stretch>
-            <a:fillRect/>
-          </a:stretch>
-        </p:blipFill>
-        <p:spPr>
-          <a:xfrm>
-            <a:off x="3273216" y="5949280"/>
-            <a:ext cx="504056" cy="497594"/>
-          </a:xfrm>
-          <a:prstGeom prst="rect">
-            <a:avLst/>
-          </a:prstGeom>
-        </p:spPr>
-      </p:pic>
-      <p:pic>
-        <p:nvPicPr>
-          <p:cNvPr id="6" name="Grafik 5"/>
+          <p:cNvPr id="11" name="Grafik 10">
+            <a:hlinkClick r:id="rId2"/>
+          </p:cNvPr>
           <p:cNvPicPr>
             <a:picLocks noChangeAspect="1"/>
           </p:cNvPicPr>
@@ -32440,8 +33565,8 @@
         </p:blipFill>
         <p:spPr>
           <a:xfrm>
-            <a:off x="5989817" y="5952926"/>
-            <a:ext cx="501046" cy="496800"/>
+            <a:off x="3203848" y="6237173"/>
+            <a:ext cx="309600" cy="309600"/>
           </a:xfrm>
           <a:prstGeom prst="rect">
             <a:avLst/>
@@ -32450,14 +33575,16 @@
       </p:pic>
       <p:pic>
         <p:nvPicPr>
-          <p:cNvPr id="7" name="Grafik 6"/>
+          <p:cNvPr id="13" name="Grafik 12">
+            <a:hlinkClick r:id="rId4"/>
+          </p:cNvPr>
           <p:cNvPicPr>
-            <a:picLocks noChangeAspect="1"/>
+            <a:picLocks/>
           </p:cNvPicPr>
           <p:nvPr/>
         </p:nvPicPr>
         <p:blipFill>
-          <a:blip r:embed="rId4" cstate="print">
+          <a:blip r:embed="rId5" cstate="print">
             <a:extLst>
               <a:ext uri="{28A0092B-C50C-407E-A947-70E740481C1C}">
                 <a14:useLocalDpi xmlns="" xmlns:a14="http://schemas.microsoft.com/office/drawing/2010/main" val="0"/>
@@ -32470,8 +33597,72 @@
         </p:blipFill>
         <p:spPr>
           <a:xfrm>
-            <a:off x="368057" y="5949280"/>
-            <a:ext cx="499623" cy="496800"/>
+            <a:off x="3203848" y="5897834"/>
+            <a:ext cx="309993" cy="309600"/>
+          </a:xfrm>
+          <a:prstGeom prst="rect">
+            <a:avLst/>
+          </a:prstGeom>
+        </p:spPr>
+      </p:pic>
+      <p:pic>
+        <p:nvPicPr>
+          <p:cNvPr id="14" name="Grafik 13">
+            <a:hlinkClick r:id="rId6"/>
+          </p:cNvPr>
+          <p:cNvPicPr>
+            <a:picLocks/>
+          </p:cNvPicPr>
+          <p:nvPr/>
+        </p:nvPicPr>
+        <p:blipFill>
+          <a:blip r:embed="rId7" cstate="print">
+            <a:extLst>
+              <a:ext uri="{28A0092B-C50C-407E-A947-70E740481C1C}">
+                <a14:useLocalDpi xmlns="" xmlns:a14="http://schemas.microsoft.com/office/drawing/2010/main" val="0"/>
+              </a:ext>
+            </a:extLst>
+          </a:blip>
+          <a:stretch>
+            <a:fillRect/>
+          </a:stretch>
+        </p:blipFill>
+        <p:spPr>
+          <a:xfrm>
+            <a:off x="5984864" y="5925783"/>
+            <a:ext cx="309993" cy="309600"/>
+          </a:xfrm>
+          <a:prstGeom prst="rect">
+            <a:avLst/>
+          </a:prstGeom>
+        </p:spPr>
+      </p:pic>
+      <p:pic>
+        <p:nvPicPr>
+          <p:cNvPr id="15" name="Grafik 14">
+            <a:hlinkClick r:id="rId8"/>
+          </p:cNvPr>
+          <p:cNvPicPr>
+            <a:picLocks/>
+          </p:cNvPicPr>
+          <p:nvPr/>
+        </p:nvPicPr>
+        <p:blipFill>
+          <a:blip r:embed="rId9" cstate="print">
+            <a:extLst>
+              <a:ext uri="{28A0092B-C50C-407E-A947-70E740481C1C}">
+                <a14:useLocalDpi xmlns="" xmlns:a14="http://schemas.microsoft.com/office/drawing/2010/main" val="0"/>
+              </a:ext>
+            </a:extLst>
+          </a:blip>
+          <a:stretch>
+            <a:fillRect/>
+          </a:stretch>
+        </p:blipFill>
+        <p:spPr>
+          <a:xfrm>
+            <a:off x="368240" y="5913925"/>
+            <a:ext cx="309993" cy="309600"/>
           </a:xfrm>
           <a:prstGeom prst="rect">
             <a:avLst/>
